--- a/doc/DeveloperGuide.pptx
+++ b/doc/DeveloperGuide.pptx
@@ -111,7 +111,7 @@
   </p:defaultTextStyle>
   <p:extLst>
     <p:ext uri="{EFAFB233-063F-42B5-8137-9DF3F51BA10A}">
-      <p15:sldGuideLst xmlns:p15="http://schemas.microsoft.com/office/powerpoint/2012/main"/>
+      <p15:sldGuideLst xmlns="" xmlns:p15="http://schemas.microsoft.com/office/powerpoint/2012/main"/>
     </p:ext>
   </p:extLst>
 </p:presentation>
@@ -248,7 +248,8 @@
           <a:p>
             <a:fld id="{6A6D87FE-50F0-4561-88DF-C9C624F56716}" type="datetimeFigureOut">
               <a:rPr lang="en-SG" smtClean="0"/>
-              <a:t>12/10/2016</a:t>
+              <a:pPr/>
+              <a:t>18/10/2016</a:t>
             </a:fld>
             <a:endParaRPr lang="en-SG"/>
           </a:p>
@@ -290,6 +291,7 @@
           <a:p>
             <a:fld id="{DBD03A08-507D-48FA-A7C6-BD6B8E04B9EC}" type="slidenum">
               <a:rPr lang="en-SG" smtClean="0"/>
+              <a:pPr/>
               <a:t>‹#›</a:t>
             </a:fld>
             <a:endParaRPr lang="en-SG"/>
@@ -299,7 +301,7 @@
     </p:spTree>
     <p:extLst>
       <p:ext uri="{BB962C8B-B14F-4D97-AF65-F5344CB8AC3E}">
-        <p14:creationId xmlns:p14="http://schemas.microsoft.com/office/powerpoint/2010/main" val="885967701"/>
+        <p14:creationId xmlns="" xmlns:p14="http://schemas.microsoft.com/office/powerpoint/2010/main" val="885967701"/>
       </p:ext>
     </p:extLst>
   </p:cSld>
@@ -418,7 +420,8 @@
           <a:p>
             <a:fld id="{6A6D87FE-50F0-4561-88DF-C9C624F56716}" type="datetimeFigureOut">
               <a:rPr lang="en-SG" smtClean="0"/>
-              <a:t>12/10/2016</a:t>
+              <a:pPr/>
+              <a:t>18/10/2016</a:t>
             </a:fld>
             <a:endParaRPr lang="en-SG"/>
           </a:p>
@@ -460,6 +463,7 @@
           <a:p>
             <a:fld id="{DBD03A08-507D-48FA-A7C6-BD6B8E04B9EC}" type="slidenum">
               <a:rPr lang="en-SG" smtClean="0"/>
+              <a:pPr/>
               <a:t>‹#›</a:t>
             </a:fld>
             <a:endParaRPr lang="en-SG"/>
@@ -469,7 +473,7 @@
     </p:spTree>
     <p:extLst>
       <p:ext uri="{BB962C8B-B14F-4D97-AF65-F5344CB8AC3E}">
-        <p14:creationId xmlns:p14="http://schemas.microsoft.com/office/powerpoint/2010/main" val="2514989070"/>
+        <p14:creationId xmlns="" xmlns:p14="http://schemas.microsoft.com/office/powerpoint/2010/main" val="2514989070"/>
       </p:ext>
     </p:extLst>
   </p:cSld>
@@ -598,7 +602,8 @@
           <a:p>
             <a:fld id="{6A6D87FE-50F0-4561-88DF-C9C624F56716}" type="datetimeFigureOut">
               <a:rPr lang="en-SG" smtClean="0"/>
-              <a:t>12/10/2016</a:t>
+              <a:pPr/>
+              <a:t>18/10/2016</a:t>
             </a:fld>
             <a:endParaRPr lang="en-SG"/>
           </a:p>
@@ -640,6 +645,7 @@
           <a:p>
             <a:fld id="{DBD03A08-507D-48FA-A7C6-BD6B8E04B9EC}" type="slidenum">
               <a:rPr lang="en-SG" smtClean="0"/>
+              <a:pPr/>
               <a:t>‹#›</a:t>
             </a:fld>
             <a:endParaRPr lang="en-SG"/>
@@ -649,7 +655,7 @@
     </p:spTree>
     <p:extLst>
       <p:ext uri="{BB962C8B-B14F-4D97-AF65-F5344CB8AC3E}">
-        <p14:creationId xmlns:p14="http://schemas.microsoft.com/office/powerpoint/2010/main" val="1140117352"/>
+        <p14:creationId xmlns="" xmlns:p14="http://schemas.microsoft.com/office/powerpoint/2010/main" val="1140117352"/>
       </p:ext>
     </p:extLst>
   </p:cSld>
@@ -768,7 +774,8 @@
           <a:p>
             <a:fld id="{6A6D87FE-50F0-4561-88DF-C9C624F56716}" type="datetimeFigureOut">
               <a:rPr lang="en-SG" smtClean="0"/>
-              <a:t>12/10/2016</a:t>
+              <a:pPr/>
+              <a:t>18/10/2016</a:t>
             </a:fld>
             <a:endParaRPr lang="en-SG"/>
           </a:p>
@@ -810,6 +817,7 @@
           <a:p>
             <a:fld id="{DBD03A08-507D-48FA-A7C6-BD6B8E04B9EC}" type="slidenum">
               <a:rPr lang="en-SG" smtClean="0"/>
+              <a:pPr/>
               <a:t>‹#›</a:t>
             </a:fld>
             <a:endParaRPr lang="en-SG"/>
@@ -819,7 +827,7 @@
     </p:spTree>
     <p:extLst>
       <p:ext uri="{BB962C8B-B14F-4D97-AF65-F5344CB8AC3E}">
-        <p14:creationId xmlns:p14="http://schemas.microsoft.com/office/powerpoint/2010/main" val="1305359399"/>
+        <p14:creationId xmlns="" xmlns:p14="http://schemas.microsoft.com/office/powerpoint/2010/main" val="1305359399"/>
       </p:ext>
     </p:extLst>
   </p:cSld>
@@ -1014,7 +1022,8 @@
           <a:p>
             <a:fld id="{6A6D87FE-50F0-4561-88DF-C9C624F56716}" type="datetimeFigureOut">
               <a:rPr lang="en-SG" smtClean="0"/>
-              <a:t>12/10/2016</a:t>
+              <a:pPr/>
+              <a:t>18/10/2016</a:t>
             </a:fld>
             <a:endParaRPr lang="en-SG"/>
           </a:p>
@@ -1056,6 +1065,7 @@
           <a:p>
             <a:fld id="{DBD03A08-507D-48FA-A7C6-BD6B8E04B9EC}" type="slidenum">
               <a:rPr lang="en-SG" smtClean="0"/>
+              <a:pPr/>
               <a:t>‹#›</a:t>
             </a:fld>
             <a:endParaRPr lang="en-SG"/>
@@ -1065,7 +1075,7 @@
     </p:spTree>
     <p:extLst>
       <p:ext uri="{BB962C8B-B14F-4D97-AF65-F5344CB8AC3E}">
-        <p14:creationId xmlns:p14="http://schemas.microsoft.com/office/powerpoint/2010/main" val="1635507559"/>
+        <p14:creationId xmlns="" xmlns:p14="http://schemas.microsoft.com/office/powerpoint/2010/main" val="1635507559"/>
       </p:ext>
     </p:extLst>
   </p:cSld>
@@ -1246,7 +1256,8 @@
           <a:p>
             <a:fld id="{6A6D87FE-50F0-4561-88DF-C9C624F56716}" type="datetimeFigureOut">
               <a:rPr lang="en-SG" smtClean="0"/>
-              <a:t>12/10/2016</a:t>
+              <a:pPr/>
+              <a:t>18/10/2016</a:t>
             </a:fld>
             <a:endParaRPr lang="en-SG"/>
           </a:p>
@@ -1288,6 +1299,7 @@
           <a:p>
             <a:fld id="{DBD03A08-507D-48FA-A7C6-BD6B8E04B9EC}" type="slidenum">
               <a:rPr lang="en-SG" smtClean="0"/>
+              <a:pPr/>
               <a:t>‹#›</a:t>
             </a:fld>
             <a:endParaRPr lang="en-SG"/>
@@ -1297,7 +1309,7 @@
     </p:spTree>
     <p:extLst>
       <p:ext uri="{BB962C8B-B14F-4D97-AF65-F5344CB8AC3E}">
-        <p14:creationId xmlns:p14="http://schemas.microsoft.com/office/powerpoint/2010/main" val="3880365593"/>
+        <p14:creationId xmlns="" xmlns:p14="http://schemas.microsoft.com/office/powerpoint/2010/main" val="3880365593"/>
       </p:ext>
     </p:extLst>
   </p:cSld>
@@ -1613,7 +1625,8 @@
           <a:p>
             <a:fld id="{6A6D87FE-50F0-4561-88DF-C9C624F56716}" type="datetimeFigureOut">
               <a:rPr lang="en-SG" smtClean="0"/>
-              <a:t>12/10/2016</a:t>
+              <a:pPr/>
+              <a:t>18/10/2016</a:t>
             </a:fld>
             <a:endParaRPr lang="en-SG"/>
           </a:p>
@@ -1655,6 +1668,7 @@
           <a:p>
             <a:fld id="{DBD03A08-507D-48FA-A7C6-BD6B8E04B9EC}" type="slidenum">
               <a:rPr lang="en-SG" smtClean="0"/>
+              <a:pPr/>
               <a:t>‹#›</a:t>
             </a:fld>
             <a:endParaRPr lang="en-SG"/>
@@ -1664,7 +1678,7 @@
     </p:spTree>
     <p:extLst>
       <p:ext uri="{BB962C8B-B14F-4D97-AF65-F5344CB8AC3E}">
-        <p14:creationId xmlns:p14="http://schemas.microsoft.com/office/powerpoint/2010/main" val="761753800"/>
+        <p14:creationId xmlns="" xmlns:p14="http://schemas.microsoft.com/office/powerpoint/2010/main" val="761753800"/>
       </p:ext>
     </p:extLst>
   </p:cSld>
@@ -1731,7 +1745,8 @@
           <a:p>
             <a:fld id="{6A6D87FE-50F0-4561-88DF-C9C624F56716}" type="datetimeFigureOut">
               <a:rPr lang="en-SG" smtClean="0"/>
-              <a:t>12/10/2016</a:t>
+              <a:pPr/>
+              <a:t>18/10/2016</a:t>
             </a:fld>
             <a:endParaRPr lang="en-SG"/>
           </a:p>
@@ -1773,6 +1788,7 @@
           <a:p>
             <a:fld id="{DBD03A08-507D-48FA-A7C6-BD6B8E04B9EC}" type="slidenum">
               <a:rPr lang="en-SG" smtClean="0"/>
+              <a:pPr/>
               <a:t>‹#›</a:t>
             </a:fld>
             <a:endParaRPr lang="en-SG"/>
@@ -1782,7 +1798,7 @@
     </p:spTree>
     <p:extLst>
       <p:ext uri="{BB962C8B-B14F-4D97-AF65-F5344CB8AC3E}">
-        <p14:creationId xmlns:p14="http://schemas.microsoft.com/office/powerpoint/2010/main" val="442809760"/>
+        <p14:creationId xmlns="" xmlns:p14="http://schemas.microsoft.com/office/powerpoint/2010/main" val="442809760"/>
       </p:ext>
     </p:extLst>
   </p:cSld>
@@ -1826,7 +1842,8 @@
           <a:p>
             <a:fld id="{6A6D87FE-50F0-4561-88DF-C9C624F56716}" type="datetimeFigureOut">
               <a:rPr lang="en-SG" smtClean="0"/>
-              <a:t>12/10/2016</a:t>
+              <a:pPr/>
+              <a:t>18/10/2016</a:t>
             </a:fld>
             <a:endParaRPr lang="en-SG"/>
           </a:p>
@@ -1868,6 +1885,7 @@
           <a:p>
             <a:fld id="{DBD03A08-507D-48FA-A7C6-BD6B8E04B9EC}" type="slidenum">
               <a:rPr lang="en-SG" smtClean="0"/>
+              <a:pPr/>
               <a:t>‹#›</a:t>
             </a:fld>
             <a:endParaRPr lang="en-SG"/>
@@ -1877,7 +1895,7 @@
     </p:spTree>
     <p:extLst>
       <p:ext uri="{BB962C8B-B14F-4D97-AF65-F5344CB8AC3E}">
-        <p14:creationId xmlns:p14="http://schemas.microsoft.com/office/powerpoint/2010/main" val="3041616938"/>
+        <p14:creationId xmlns="" xmlns:p14="http://schemas.microsoft.com/office/powerpoint/2010/main" val="3041616938"/>
       </p:ext>
     </p:extLst>
   </p:cSld>
@@ -2103,7 +2121,8 @@
           <a:p>
             <a:fld id="{6A6D87FE-50F0-4561-88DF-C9C624F56716}" type="datetimeFigureOut">
               <a:rPr lang="en-SG" smtClean="0"/>
-              <a:t>12/10/2016</a:t>
+              <a:pPr/>
+              <a:t>18/10/2016</a:t>
             </a:fld>
             <a:endParaRPr lang="en-SG"/>
           </a:p>
@@ -2145,6 +2164,7 @@
           <a:p>
             <a:fld id="{DBD03A08-507D-48FA-A7C6-BD6B8E04B9EC}" type="slidenum">
               <a:rPr lang="en-SG" smtClean="0"/>
+              <a:pPr/>
               <a:t>‹#›</a:t>
             </a:fld>
             <a:endParaRPr lang="en-SG"/>
@@ -2154,7 +2174,7 @@
     </p:spTree>
     <p:extLst>
       <p:ext uri="{BB962C8B-B14F-4D97-AF65-F5344CB8AC3E}">
-        <p14:creationId xmlns:p14="http://schemas.microsoft.com/office/powerpoint/2010/main" val="2367210547"/>
+        <p14:creationId xmlns="" xmlns:p14="http://schemas.microsoft.com/office/powerpoint/2010/main" val="2367210547"/>
       </p:ext>
     </p:extLst>
   </p:cSld>
@@ -2356,7 +2376,8 @@
           <a:p>
             <a:fld id="{6A6D87FE-50F0-4561-88DF-C9C624F56716}" type="datetimeFigureOut">
               <a:rPr lang="en-SG" smtClean="0"/>
-              <a:t>12/10/2016</a:t>
+              <a:pPr/>
+              <a:t>18/10/2016</a:t>
             </a:fld>
             <a:endParaRPr lang="en-SG"/>
           </a:p>
@@ -2398,6 +2419,7 @@
           <a:p>
             <a:fld id="{DBD03A08-507D-48FA-A7C6-BD6B8E04B9EC}" type="slidenum">
               <a:rPr lang="en-SG" smtClean="0"/>
+              <a:pPr/>
               <a:t>‹#›</a:t>
             </a:fld>
             <a:endParaRPr lang="en-SG"/>
@@ -2407,7 +2429,7 @@
     </p:spTree>
     <p:extLst>
       <p:ext uri="{BB962C8B-B14F-4D97-AF65-F5344CB8AC3E}">
-        <p14:creationId xmlns:p14="http://schemas.microsoft.com/office/powerpoint/2010/main" val="5036302"/>
+        <p14:creationId xmlns="" xmlns:p14="http://schemas.microsoft.com/office/powerpoint/2010/main" val="5036302"/>
       </p:ext>
     </p:extLst>
   </p:cSld>
@@ -2569,7 +2591,8 @@
           <a:p>
             <a:fld id="{6A6D87FE-50F0-4561-88DF-C9C624F56716}" type="datetimeFigureOut">
               <a:rPr lang="en-SG" smtClean="0"/>
-              <a:t>12/10/2016</a:t>
+              <a:pPr/>
+              <a:t>18/10/2016</a:t>
             </a:fld>
             <a:endParaRPr lang="en-SG"/>
           </a:p>
@@ -2647,6 +2670,7 @@
           <a:p>
             <a:fld id="{DBD03A08-507D-48FA-A7C6-BD6B8E04B9EC}" type="slidenum">
               <a:rPr lang="en-SG" smtClean="0"/>
+              <a:pPr/>
               <a:t>‹#›</a:t>
             </a:fld>
             <a:endParaRPr lang="en-SG"/>
@@ -2656,7 +2680,7 @@
     </p:spTree>
     <p:extLst>
       <p:ext uri="{BB962C8B-B14F-4D97-AF65-F5344CB8AC3E}">
-        <p14:creationId xmlns:p14="http://schemas.microsoft.com/office/powerpoint/2010/main" val="2495799563"/>
+        <p14:creationId xmlns="" xmlns:p14="http://schemas.microsoft.com/office/powerpoint/2010/main" val="2495799563"/>
       </p:ext>
     </p:extLst>
   </p:cSld>
@@ -3602,7 +3626,7 @@
     </p:spTree>
     <p:extLst>
       <p:ext uri="{BB962C8B-B14F-4D97-AF65-F5344CB8AC3E}">
-        <p14:creationId xmlns:p14="http://schemas.microsoft.com/office/powerpoint/2010/main" val="2395715797"/>
+        <p14:creationId xmlns="" xmlns:p14="http://schemas.microsoft.com/office/powerpoint/2010/main" val="2395715797"/>
       </p:ext>
     </p:extLst>
   </p:cSld>
@@ -4650,7 +4674,7 @@
     </p:spTree>
     <p:extLst>
       <p:ext uri="{BB962C8B-B14F-4D97-AF65-F5344CB8AC3E}">
-        <p14:creationId xmlns:p14="http://schemas.microsoft.com/office/powerpoint/2010/main" val="865566284"/>
+        <p14:creationId xmlns="" xmlns:p14="http://schemas.microsoft.com/office/powerpoint/2010/main" val="865566284"/>
       </p:ext>
     </p:extLst>
   </p:cSld>
@@ -4710,499 +4734,1598 @@
       </p:sp>
       <p:grpSp>
         <p:nvGrpSpPr>
-          <p:cNvPr id="18" name="Group 17"/>
+          <p:cNvPr id="101" name="Group 100"/>
           <p:cNvGrpSpPr/>
           <p:nvPr/>
         </p:nvGrpSpPr>
         <p:grpSpPr>
           <a:xfrm>
-            <a:off x="449946" y="1436912"/>
-            <a:ext cx="11287451" cy="4794069"/>
-            <a:chOff x="449946" y="1436912"/>
-            <a:chExt cx="11287451" cy="4794069"/>
+            <a:off x="486156" y="308004"/>
+            <a:ext cx="11287451" cy="5996540"/>
+            <a:chOff x="486156" y="144379"/>
+            <a:chExt cx="11287451" cy="5996540"/>
           </a:xfrm>
         </p:grpSpPr>
+        <p:grpSp>
+          <p:nvGrpSpPr>
+            <p:cNvPr id="88" name="Group 87"/>
+            <p:cNvGrpSpPr/>
+            <p:nvPr/>
+          </p:nvGrpSpPr>
+          <p:grpSpPr>
+            <a:xfrm>
+              <a:off x="486156" y="144379"/>
+              <a:ext cx="11287451" cy="5996540"/>
+              <a:chOff x="486156" y="288754"/>
+              <a:chExt cx="11287451" cy="5996540"/>
+            </a:xfrm>
+          </p:grpSpPr>
+          <p:grpSp>
+            <p:nvGrpSpPr>
+              <p:cNvPr id="73" name="Group 72"/>
+              <p:cNvGrpSpPr/>
+              <p:nvPr/>
+            </p:nvGrpSpPr>
+            <p:grpSpPr>
+              <a:xfrm>
+                <a:off x="486156" y="288754"/>
+                <a:ext cx="11287451" cy="5996540"/>
+                <a:chOff x="486156" y="288754"/>
+                <a:chExt cx="11287451" cy="5996540"/>
+              </a:xfrm>
+            </p:grpSpPr>
+            <p:grpSp>
+              <p:nvGrpSpPr>
+                <p:cNvPr id="60" name="Group 59"/>
+                <p:cNvGrpSpPr/>
+                <p:nvPr/>
+              </p:nvGrpSpPr>
+              <p:grpSpPr>
+                <a:xfrm>
+                  <a:off x="486156" y="288754"/>
+                  <a:ext cx="11287451" cy="5996540"/>
+                  <a:chOff x="486156" y="288754"/>
+                  <a:chExt cx="11287451" cy="5996540"/>
+                </a:xfrm>
+              </p:grpSpPr>
+              <p:grpSp>
+                <p:nvGrpSpPr>
+                  <p:cNvPr id="34" name="Group 33"/>
+                  <p:cNvGrpSpPr/>
+                  <p:nvPr/>
+                </p:nvGrpSpPr>
+                <p:grpSpPr>
+                  <a:xfrm>
+                    <a:off x="486156" y="288754"/>
+                    <a:ext cx="11287451" cy="5996540"/>
+                    <a:chOff x="486156" y="288754"/>
+                    <a:chExt cx="11287451" cy="5996540"/>
+                  </a:xfrm>
+                </p:grpSpPr>
+                <p:grpSp>
+                  <p:nvGrpSpPr>
+                    <p:cNvPr id="18" name="Group 17"/>
+                    <p:cNvGrpSpPr/>
+                    <p:nvPr/>
+                  </p:nvGrpSpPr>
+                  <p:grpSpPr>
+                    <a:xfrm>
+                      <a:off x="486156" y="288754"/>
+                      <a:ext cx="11287451" cy="5996540"/>
+                      <a:chOff x="449946" y="1320854"/>
+                      <a:chExt cx="11287451" cy="5996540"/>
+                    </a:xfrm>
+                  </p:grpSpPr>
+                  <p:sp>
+                    <p:nvSpPr>
+                      <p:cNvPr id="25" name="Rectangle: Rounded Corners 24"/>
+                      <p:cNvSpPr/>
+                      <p:nvPr/>
+                    </p:nvSpPr>
+                    <p:spPr>
+                      <a:xfrm>
+                        <a:off x="2360874" y="1320854"/>
+                        <a:ext cx="6689164" cy="5996540"/>
+                      </a:xfrm>
+                      <a:prstGeom prst="roundRect">
+                        <a:avLst/>
+                      </a:prstGeom>
+                      <a:solidFill>
+                        <a:schemeClr val="bg1"/>
+                      </a:solidFill>
+                      <a:ln w="19050">
+                        <a:solidFill>
+                          <a:schemeClr val="accent2"/>
+                        </a:solidFill>
+                      </a:ln>
+                    </p:spPr>
+                    <p:style>
+                      <a:lnRef idx="2">
+                        <a:schemeClr val="accent2"/>
+                      </a:lnRef>
+                      <a:fillRef idx="1">
+                        <a:schemeClr val="lt1"/>
+                      </a:fillRef>
+                      <a:effectRef idx="0">
+                        <a:schemeClr val="accent2"/>
+                      </a:effectRef>
+                      <a:fontRef idx="minor">
+                        <a:schemeClr val="dk1"/>
+                      </a:fontRef>
+                    </p:style>
+                    <p:txBody>
+                      <a:bodyPr rtlCol="0" anchor="ctr"/>
+                      <a:lstStyle/>
+                      <a:p>
+                        <a:pPr algn="ctr"/>
+                        <a:endParaRPr lang="en-SG" dirty="0">
+                          <a:solidFill>
+                            <a:schemeClr val="accent2"/>
+                          </a:solidFill>
+                        </a:endParaRPr>
+                      </a:p>
+                    </p:txBody>
+                  </p:sp>
+                  <p:sp>
+                    <p:nvSpPr>
+                      <p:cNvPr id="7" name="Rectangle 6"/>
+                      <p:cNvSpPr/>
+                      <p:nvPr/>
+                    </p:nvSpPr>
+                    <p:spPr>
+                      <a:xfrm>
+                        <a:off x="2574420" y="2139638"/>
+                        <a:ext cx="1625807" cy="841422"/>
+                      </a:xfrm>
+                      <a:prstGeom prst="rect">
+                        <a:avLst/>
+                      </a:prstGeom>
+                      <a:gradFill>
+                        <a:gsLst>
+                          <a:gs pos="29000">
+                            <a:schemeClr val="accent2">
+                              <a:lumMod val="60000"/>
+                              <a:lumOff val="40000"/>
+                            </a:schemeClr>
+                          </a:gs>
+                          <a:gs pos="100000">
+                            <a:schemeClr val="accent2">
+                              <a:lumMod val="20000"/>
+                              <a:lumOff val="80000"/>
+                            </a:schemeClr>
+                          </a:gs>
+                        </a:gsLst>
+                        <a:lin ang="5400000" scaled="1"/>
+                      </a:gradFill>
+                      <a:ln w="12700">
+                        <a:solidFill>
+                          <a:schemeClr val="accent2"/>
+                        </a:solidFill>
+                      </a:ln>
+                    </p:spPr>
+                    <p:style>
+                      <a:lnRef idx="1">
+                        <a:schemeClr val="accent6"/>
+                      </a:lnRef>
+                      <a:fillRef idx="2">
+                        <a:schemeClr val="accent6"/>
+                      </a:fillRef>
+                      <a:effectRef idx="1">
+                        <a:schemeClr val="accent6"/>
+                      </a:effectRef>
+                      <a:fontRef idx="minor">
+                        <a:schemeClr val="dk1"/>
+                      </a:fontRef>
+                    </p:style>
+                    <p:txBody>
+                      <a:bodyPr rtlCol="0" anchor="ctr"/>
+                      <a:lstStyle/>
+                      <a:p>
+                        <a:pPr algn="ctr"/>
+                        <a:r>
+                          <a:rPr lang="en-SG" dirty="0">
+                            <a:solidFill>
+                              <a:schemeClr val="accent2"/>
+                            </a:solidFill>
+                          </a:rPr>
+                          <a:t>MainWindow</a:t>
+                        </a:r>
+                      </a:p>
+                    </p:txBody>
+                  </p:sp>
+                  <p:cxnSp>
+                    <p:nvCxnSpPr>
+                      <p:cNvPr id="9" name="Straight Arrow Connector 8"/>
+                      <p:cNvCxnSpPr>
+                        <a:endCxn id="37" idx="1"/>
+                      </p:cNvCxnSpPr>
+                      <p:nvPr/>
+                    </p:nvCxnSpPr>
+                    <p:spPr>
+                      <a:xfrm>
+                        <a:off x="3391870" y="3482239"/>
+                        <a:ext cx="796298" cy="0"/>
+                      </a:xfrm>
+                      <a:prstGeom prst="straightConnector1">
+                        <a:avLst/>
+                      </a:prstGeom>
+                      <a:ln>
+                        <a:headEnd type="none" w="med" len="med"/>
+                        <a:tailEnd type="arrow" w="med" len="med"/>
+                      </a:ln>
+                    </p:spPr>
+                    <p:style>
+                      <a:lnRef idx="2">
+                        <a:schemeClr val="accent2"/>
+                      </a:lnRef>
+                      <a:fillRef idx="0">
+                        <a:schemeClr val="accent2"/>
+                      </a:fillRef>
+                      <a:effectRef idx="1">
+                        <a:schemeClr val="accent2"/>
+                      </a:effectRef>
+                      <a:fontRef idx="minor">
+                        <a:schemeClr val="tx1"/>
+                      </a:fontRef>
+                    </p:style>
+                  </p:cxnSp>
+                  <p:sp>
+                    <p:nvSpPr>
+                      <p:cNvPr id="24" name="TextBox 23"/>
+                      <p:cNvSpPr txBox="1"/>
+                      <p:nvPr/>
+                    </p:nvSpPr>
+                    <p:spPr>
+                      <a:xfrm>
+                        <a:off x="2771258" y="1603609"/>
+                        <a:ext cx="867266" cy="369332"/>
+                      </a:xfrm>
+                      <a:prstGeom prst="rect">
+                        <a:avLst/>
+                      </a:prstGeom>
+                      <a:noFill/>
+                    </p:spPr>
+                    <p:txBody>
+                      <a:bodyPr wrap="square" rtlCol="0">
+                        <a:spAutoFit/>
+                      </a:bodyPr>
+                      <a:lstStyle/>
+                      <a:p>
+                        <a:r>
+                          <a:rPr lang="en-SG" dirty="0">
+                            <a:solidFill>
+                              <a:schemeClr val="accent2"/>
+                            </a:solidFill>
+                          </a:rPr>
+                          <a:t>View</a:t>
+                        </a:r>
+                      </a:p>
+                    </p:txBody>
+                  </p:sp>
+                  <p:sp>
+                    <p:nvSpPr>
+                      <p:cNvPr id="36" name="Rectangle: Rounded Corners 35"/>
+                      <p:cNvSpPr/>
+                      <p:nvPr/>
+                    </p:nvSpPr>
+                    <p:spPr>
+                      <a:xfrm>
+                        <a:off x="10285670" y="3216503"/>
+                        <a:ext cx="1451727" cy="785293"/>
+                      </a:xfrm>
+                      <a:prstGeom prst="roundRect">
+                        <a:avLst/>
+                      </a:prstGeom>
+                      <a:ln w="19050"/>
+                    </p:spPr>
+                    <p:style>
+                      <a:lnRef idx="2">
+                        <a:schemeClr val="accent6"/>
+                      </a:lnRef>
+                      <a:fillRef idx="1">
+                        <a:schemeClr val="lt1"/>
+                      </a:fillRef>
+                      <a:effectRef idx="0">
+                        <a:schemeClr val="accent6"/>
+                      </a:effectRef>
+                      <a:fontRef idx="minor">
+                        <a:schemeClr val="dk1"/>
+                      </a:fontRef>
+                    </p:style>
+                    <p:txBody>
+                      <a:bodyPr rtlCol="0" anchor="ctr"/>
+                      <a:lstStyle/>
+                      <a:p>
+                        <a:pPr algn="ctr"/>
+                        <a:r>
+                          <a:rPr lang="en-SG" dirty="0">
+                            <a:solidFill>
+                              <a:schemeClr val="accent6"/>
+                            </a:solidFill>
+                          </a:rPr>
+                          <a:t>Model</a:t>
+                        </a:r>
+                      </a:p>
+                    </p:txBody>
+                  </p:sp>
+                  <p:sp>
+                    <p:nvSpPr>
+                      <p:cNvPr id="37" name="Rectangle 36"/>
+                      <p:cNvSpPr/>
+                      <p:nvPr/>
+                    </p:nvSpPr>
+                    <p:spPr>
+                      <a:xfrm>
+                        <a:off x="4188168" y="3185968"/>
+                        <a:ext cx="1625806" cy="598385"/>
+                      </a:xfrm>
+                      <a:prstGeom prst="rect">
+                        <a:avLst/>
+                      </a:prstGeom>
+                      <a:gradFill>
+                        <a:gsLst>
+                          <a:gs pos="29000">
+                            <a:schemeClr val="accent2">
+                              <a:lumMod val="60000"/>
+                              <a:lumOff val="40000"/>
+                            </a:schemeClr>
+                          </a:gs>
+                          <a:gs pos="100000">
+                            <a:schemeClr val="accent2">
+                              <a:lumMod val="20000"/>
+                              <a:lumOff val="80000"/>
+                            </a:schemeClr>
+                          </a:gs>
+                        </a:gsLst>
+                        <a:lin ang="5400000" scaled="1"/>
+                      </a:gradFill>
+                      <a:ln w="12700">
+                        <a:solidFill>
+                          <a:schemeClr val="accent2"/>
+                        </a:solidFill>
+                      </a:ln>
+                    </p:spPr>
+                    <p:style>
+                      <a:lnRef idx="1">
+                        <a:schemeClr val="accent6"/>
+                      </a:lnRef>
+                      <a:fillRef idx="2">
+                        <a:schemeClr val="accent6"/>
+                      </a:fillRef>
+                      <a:effectRef idx="1">
+                        <a:schemeClr val="accent6"/>
+                      </a:effectRef>
+                      <a:fontRef idx="minor">
+                        <a:schemeClr val="dk1"/>
+                      </a:fontRef>
+                    </p:style>
+                    <p:txBody>
+                      <a:bodyPr rtlCol="0" anchor="ctr"/>
+                      <a:lstStyle/>
+                      <a:p>
+                        <a:pPr algn="ctr"/>
+                        <a:r>
+                          <a:rPr lang="en-SG" dirty="0" err="1" smtClean="0">
+                            <a:solidFill>
+                              <a:schemeClr val="accent2"/>
+                            </a:solidFill>
+                          </a:rPr>
+                          <a:t>TodoBox</a:t>
+                        </a:r>
+                        <a:endParaRPr lang="en-SG" dirty="0">
+                          <a:solidFill>
+                            <a:schemeClr val="accent2"/>
+                          </a:solidFill>
+                        </a:endParaRPr>
+                      </a:p>
+                    </p:txBody>
+                  </p:sp>
+                  <p:sp>
+                    <p:nvSpPr>
+                      <p:cNvPr id="41" name="Rectangle 40"/>
+                      <p:cNvSpPr/>
+                      <p:nvPr/>
+                    </p:nvSpPr>
+                    <p:spPr>
+                      <a:xfrm>
+                        <a:off x="4188167" y="3981226"/>
+                        <a:ext cx="1625807" cy="597600"/>
+                      </a:xfrm>
+                      <a:prstGeom prst="rect">
+                        <a:avLst/>
+                      </a:prstGeom>
+                      <a:gradFill>
+                        <a:gsLst>
+                          <a:gs pos="29000">
+                            <a:schemeClr val="accent2">
+                              <a:lumMod val="60000"/>
+                              <a:lumOff val="40000"/>
+                            </a:schemeClr>
+                          </a:gs>
+                          <a:gs pos="100000">
+                            <a:schemeClr val="accent2">
+                              <a:lumMod val="20000"/>
+                              <a:lumOff val="80000"/>
+                            </a:schemeClr>
+                          </a:gs>
+                        </a:gsLst>
+                        <a:lin ang="5400000" scaled="1"/>
+                      </a:gradFill>
+                      <a:ln w="12700">
+                        <a:solidFill>
+                          <a:schemeClr val="accent2"/>
+                        </a:solidFill>
+                      </a:ln>
+                    </p:spPr>
+                    <p:style>
+                      <a:lnRef idx="1">
+                        <a:schemeClr val="accent6"/>
+                      </a:lnRef>
+                      <a:fillRef idx="2">
+                        <a:schemeClr val="accent6"/>
+                      </a:fillRef>
+                      <a:effectRef idx="1">
+                        <a:schemeClr val="accent6"/>
+                      </a:effectRef>
+                      <a:fontRef idx="minor">
+                        <a:schemeClr val="dk1"/>
+                      </a:fontRef>
+                    </p:style>
+                    <p:txBody>
+                      <a:bodyPr rtlCol="0" anchor="ctr"/>
+                      <a:lstStyle/>
+                      <a:p>
+                        <a:pPr algn="ctr"/>
+                        <a:r>
+                          <a:rPr lang="en-SG" dirty="0" err="1" smtClean="0">
+                            <a:solidFill>
+                              <a:schemeClr val="accent2"/>
+                            </a:solidFill>
+                          </a:rPr>
+                          <a:t>EventBox</a:t>
+                        </a:r>
+                        <a:endParaRPr lang="en-SG" dirty="0">
+                          <a:solidFill>
+                            <a:schemeClr val="accent2"/>
+                          </a:solidFill>
+                        </a:endParaRPr>
+                      </a:p>
+                    </p:txBody>
+                  </p:sp>
+                  <p:sp>
+                    <p:nvSpPr>
+                      <p:cNvPr id="42" name="Rectangle 41"/>
+                      <p:cNvSpPr/>
+                      <p:nvPr/>
+                    </p:nvSpPr>
+                    <p:spPr>
+                      <a:xfrm>
+                        <a:off x="6320921" y="3186753"/>
+                        <a:ext cx="2137769" cy="597600"/>
+                      </a:xfrm>
+                      <a:prstGeom prst="rect">
+                        <a:avLst/>
+                      </a:prstGeom>
+                      <a:ln/>
+                    </p:spPr>
+                    <p:style>
+                      <a:lnRef idx="2">
+                        <a:schemeClr val="accent2"/>
+                      </a:lnRef>
+                      <a:fillRef idx="1">
+                        <a:schemeClr val="lt1"/>
+                      </a:fillRef>
+                      <a:effectRef idx="0">
+                        <a:schemeClr val="accent2"/>
+                      </a:effectRef>
+                      <a:fontRef idx="minor">
+                        <a:schemeClr val="dk1"/>
+                      </a:fontRef>
+                    </p:style>
+                    <p:txBody>
+                      <a:bodyPr rtlCol="0" anchor="ctr"/>
+                      <a:lstStyle/>
+                      <a:p>
+                        <a:pPr algn="ctr"/>
+                        <a:r>
+                          <a:rPr lang="en-SG" dirty="0" err="1" smtClean="0">
+                            <a:solidFill>
+                              <a:schemeClr val="accent2"/>
+                            </a:solidFill>
+                          </a:rPr>
+                          <a:t>TodoBox.fxml</a:t>
+                        </a:r>
+                        <a:endParaRPr lang="en-SG" dirty="0">
+                          <a:solidFill>
+                            <a:schemeClr val="accent2"/>
+                          </a:solidFill>
+                        </a:endParaRPr>
+                      </a:p>
+                    </p:txBody>
+                  </p:sp>
+                  <p:sp>
+                    <p:nvSpPr>
+                      <p:cNvPr id="43" name="Rectangle 42"/>
+                      <p:cNvSpPr/>
+                      <p:nvPr/>
+                    </p:nvSpPr>
+                    <p:spPr>
+                      <a:xfrm>
+                        <a:off x="6320921" y="5570172"/>
+                        <a:ext cx="2137769" cy="597600"/>
+                      </a:xfrm>
+                      <a:prstGeom prst="rect">
+                        <a:avLst/>
+                      </a:prstGeom>
+                      <a:ln/>
+                    </p:spPr>
+                    <p:style>
+                      <a:lnRef idx="2">
+                        <a:schemeClr val="accent2"/>
+                      </a:lnRef>
+                      <a:fillRef idx="1">
+                        <a:schemeClr val="lt1"/>
+                      </a:fillRef>
+                      <a:effectRef idx="0">
+                        <a:schemeClr val="accent2"/>
+                      </a:effectRef>
+                      <a:fontRef idx="minor">
+                        <a:schemeClr val="dk1"/>
+                      </a:fontRef>
+                    </p:style>
+                    <p:txBody>
+                      <a:bodyPr rtlCol="0" anchor="ctr"/>
+                      <a:lstStyle/>
+                      <a:p>
+                        <a:pPr algn="ctr"/>
+                        <a:r>
+                          <a:rPr lang="en-SG" dirty="0" err="1" smtClean="0">
+                            <a:solidFill>
+                              <a:schemeClr val="accent2"/>
+                            </a:solidFill>
+                          </a:rPr>
+                          <a:t>ResultBox.fxml</a:t>
+                        </a:r>
+                        <a:endParaRPr lang="en-SG" dirty="0">
+                          <a:solidFill>
+                            <a:schemeClr val="accent2"/>
+                          </a:solidFill>
+                        </a:endParaRPr>
+                      </a:p>
+                    </p:txBody>
+                  </p:sp>
+                  <p:sp>
+                    <p:nvSpPr>
+                      <p:cNvPr id="44" name="Rectangle 43"/>
+                      <p:cNvSpPr/>
+                      <p:nvPr/>
+                    </p:nvSpPr>
+                    <p:spPr>
+                      <a:xfrm>
+                        <a:off x="6320921" y="4775699"/>
+                        <a:ext cx="2137769" cy="597600"/>
+                      </a:xfrm>
+                      <a:prstGeom prst="rect">
+                        <a:avLst/>
+                      </a:prstGeom>
+                      <a:ln/>
+                    </p:spPr>
+                    <p:style>
+                      <a:lnRef idx="2">
+                        <a:schemeClr val="accent2"/>
+                      </a:lnRef>
+                      <a:fillRef idx="1">
+                        <a:schemeClr val="lt1"/>
+                      </a:fillRef>
+                      <a:effectRef idx="0">
+                        <a:schemeClr val="accent2"/>
+                      </a:effectRef>
+                      <a:fontRef idx="minor">
+                        <a:schemeClr val="dk1"/>
+                      </a:fontRef>
+                    </p:style>
+                    <p:txBody>
+                      <a:bodyPr rtlCol="0" anchor="ctr"/>
+                      <a:lstStyle/>
+                      <a:p>
+                        <a:pPr algn="ctr"/>
+                        <a:r>
+                          <a:rPr lang="en-SG" dirty="0" err="1" smtClean="0">
+                            <a:solidFill>
+                              <a:schemeClr val="accent2"/>
+                            </a:solidFill>
+                          </a:rPr>
+                          <a:t>DeadlineBox.fxml</a:t>
+                        </a:r>
+                        <a:endParaRPr lang="en-SG" dirty="0">
+                          <a:solidFill>
+                            <a:schemeClr val="accent2"/>
+                          </a:solidFill>
+                        </a:endParaRPr>
+                      </a:p>
+                    </p:txBody>
+                  </p:sp>
+                  <p:sp>
+                    <p:nvSpPr>
+                      <p:cNvPr id="45" name="Rectangle 44"/>
+                      <p:cNvSpPr/>
+                      <p:nvPr/>
+                    </p:nvSpPr>
+                    <p:spPr>
+                      <a:xfrm>
+                        <a:off x="6322422" y="2139638"/>
+                        <a:ext cx="2137769" cy="841422"/>
+                      </a:xfrm>
+                      <a:prstGeom prst="rect">
+                        <a:avLst/>
+                      </a:prstGeom>
+                      <a:ln/>
+                    </p:spPr>
+                    <p:style>
+                      <a:lnRef idx="2">
+                        <a:schemeClr val="accent2"/>
+                      </a:lnRef>
+                      <a:fillRef idx="1">
+                        <a:schemeClr val="lt1"/>
+                      </a:fillRef>
+                      <a:effectRef idx="0">
+                        <a:schemeClr val="accent2"/>
+                      </a:effectRef>
+                      <a:fontRef idx="minor">
+                        <a:schemeClr val="dk1"/>
+                      </a:fontRef>
+                    </p:style>
+                    <p:txBody>
+                      <a:bodyPr rtlCol="0" anchor="ctr"/>
+                      <a:lstStyle/>
+                      <a:p>
+                        <a:pPr algn="ctr"/>
+                        <a:r>
+                          <a:rPr lang="en-SG" dirty="0">
+                            <a:solidFill>
+                              <a:schemeClr val="accent2"/>
+                            </a:solidFill>
+                          </a:rPr>
+                          <a:t>MainWindow.fxml</a:t>
+                        </a:r>
+                      </a:p>
+                    </p:txBody>
+                  </p:sp>
+                  <p:cxnSp>
+                    <p:nvCxnSpPr>
+                      <p:cNvPr id="6" name="Connector: Elbow 5"/>
+                      <p:cNvCxnSpPr>
+                        <a:stCxn id="7" idx="2"/>
+                        <a:endCxn id="50" idx="1"/>
+                      </p:cNvCxnSpPr>
+                      <p:nvPr/>
+                    </p:nvCxnSpPr>
+                    <p:spPr>
+                      <a:xfrm rot="16200000" flipH="1">
+                        <a:off x="1946552" y="4421831"/>
+                        <a:ext cx="3682386" cy="800843"/>
+                      </a:xfrm>
+                      <a:prstGeom prst="bentConnector2">
+                        <a:avLst/>
+                      </a:prstGeom>
+                      <a:ln w="12700">
+                        <a:headEnd type="none" w="med" len="med"/>
+                        <a:tailEnd type="arrow" w="med" len="med"/>
+                      </a:ln>
+                    </p:spPr>
+                    <p:style>
+                      <a:lnRef idx="1">
+                        <a:schemeClr val="accent2"/>
+                      </a:lnRef>
+                      <a:fillRef idx="0">
+                        <a:schemeClr val="accent2"/>
+                      </a:fillRef>
+                      <a:effectRef idx="0">
+                        <a:schemeClr val="accent2"/>
+                      </a:effectRef>
+                      <a:fontRef idx="minor">
+                        <a:schemeClr val="tx1"/>
+                      </a:fontRef>
+                    </p:style>
+                  </p:cxnSp>
+                  <p:cxnSp>
+                    <p:nvCxnSpPr>
+                      <p:cNvPr id="47" name="Straight Arrow Connector 46"/>
+                      <p:cNvCxnSpPr>
+                        <a:stCxn id="45" idx="1"/>
+                        <a:endCxn id="7" idx="3"/>
+                      </p:cNvCxnSpPr>
+                      <p:nvPr/>
+                    </p:nvCxnSpPr>
+                    <p:spPr>
+                      <a:xfrm flipH="1">
+                        <a:off x="4200227" y="2560349"/>
+                        <a:ext cx="2122195" cy="0"/>
+                      </a:xfrm>
+                      <a:prstGeom prst="straightConnector1">
+                        <a:avLst/>
+                      </a:prstGeom>
+                      <a:ln>
+                        <a:prstDash val="dash"/>
+                        <a:headEnd type="none" w="med" len="med"/>
+                        <a:tailEnd type="triangle" w="med" len="med"/>
+                      </a:ln>
+                    </p:spPr>
+                    <p:style>
+                      <a:lnRef idx="1">
+                        <a:schemeClr val="accent2"/>
+                      </a:lnRef>
+                      <a:fillRef idx="0">
+                        <a:schemeClr val="accent2"/>
+                      </a:fillRef>
+                      <a:effectRef idx="0">
+                        <a:schemeClr val="accent2"/>
+                      </a:effectRef>
+                      <a:fontRef idx="minor">
+                        <a:schemeClr val="tx1"/>
+                      </a:fontRef>
+                    </p:style>
+                  </p:cxnSp>
+                  <p:cxnSp>
+                    <p:nvCxnSpPr>
+                      <p:cNvPr id="49" name="Straight Arrow Connector 48"/>
+                      <p:cNvCxnSpPr>
+                        <a:stCxn id="42" idx="1"/>
+                        <a:endCxn id="37" idx="3"/>
+                      </p:cNvCxnSpPr>
+                      <p:nvPr/>
+                    </p:nvCxnSpPr>
+                    <p:spPr>
+                      <a:xfrm flipH="1" flipV="1">
+                        <a:off x="5813974" y="3485161"/>
+                        <a:ext cx="506947" cy="392"/>
+                      </a:xfrm>
+                      <a:prstGeom prst="straightConnector1">
+                        <a:avLst/>
+                      </a:prstGeom>
+                      <a:ln>
+                        <a:prstDash val="dash"/>
+                        <a:headEnd type="none" w="med" len="med"/>
+                        <a:tailEnd type="triangle" w="med" len="med"/>
+                      </a:ln>
+                    </p:spPr>
+                    <p:style>
+                      <a:lnRef idx="1">
+                        <a:schemeClr val="accent2"/>
+                      </a:lnRef>
+                      <a:fillRef idx="0">
+                        <a:schemeClr val="accent2"/>
+                      </a:fillRef>
+                      <a:effectRef idx="0">
+                        <a:schemeClr val="accent2"/>
+                      </a:effectRef>
+                      <a:fontRef idx="minor">
+                        <a:schemeClr val="tx1"/>
+                      </a:fontRef>
+                    </p:style>
+                  </p:cxnSp>
+                  <p:cxnSp>
+                    <p:nvCxnSpPr>
+                      <p:cNvPr id="52" name="Straight Arrow Connector 51"/>
+                      <p:cNvCxnSpPr>
+                        <a:stCxn id="43" idx="1"/>
+                        <a:endCxn id="48" idx="3"/>
+                      </p:cNvCxnSpPr>
+                      <p:nvPr/>
+                    </p:nvCxnSpPr>
+                    <p:spPr>
+                      <a:xfrm flipH="1">
+                        <a:off x="5813974" y="5868972"/>
+                        <a:ext cx="506947" cy="0"/>
+                      </a:xfrm>
+                      <a:prstGeom prst="straightConnector1">
+                        <a:avLst/>
+                      </a:prstGeom>
+                      <a:ln>
+                        <a:prstDash val="dash"/>
+                        <a:headEnd type="none" w="med" len="med"/>
+                        <a:tailEnd type="triangle" w="med" len="med"/>
+                      </a:ln>
+                    </p:spPr>
+                    <p:style>
+                      <a:lnRef idx="1">
+                        <a:schemeClr val="accent2"/>
+                      </a:lnRef>
+                      <a:fillRef idx="0">
+                        <a:schemeClr val="accent2"/>
+                      </a:fillRef>
+                      <a:effectRef idx="0">
+                        <a:schemeClr val="accent2"/>
+                      </a:effectRef>
+                      <a:fontRef idx="minor">
+                        <a:schemeClr val="tx1"/>
+                      </a:fontRef>
+                    </p:style>
+                  </p:cxnSp>
+                  <p:grpSp>
+                    <p:nvGrpSpPr>
+                      <p:cNvPr id="53" name="Group 52"/>
+                      <p:cNvGrpSpPr/>
+                      <p:nvPr/>
+                    </p:nvGrpSpPr>
+                    <p:grpSpPr>
+                      <a:xfrm>
+                        <a:off x="449946" y="3268403"/>
+                        <a:ext cx="508000" cy="808389"/>
+                        <a:chOff x="2622102" y="2866883"/>
+                        <a:chExt cx="508000" cy="808389"/>
+                      </a:xfrm>
+                    </p:grpSpPr>
+                    <p:sp>
+                      <p:nvSpPr>
+                        <p:cNvPr id="54" name="Smiley Face 53"/>
+                        <p:cNvSpPr/>
+                        <p:nvPr/>
+                      </p:nvSpPr>
+                      <p:spPr>
+                        <a:xfrm>
+                          <a:off x="2622102" y="2866883"/>
+                          <a:ext cx="508000" cy="480291"/>
+                        </a:xfrm>
+                        <a:prstGeom prst="smileyFace">
+                          <a:avLst/>
+                        </a:prstGeom>
+                        <a:solidFill>
+                          <a:schemeClr val="accent2">
+                            <a:lumMod val="20000"/>
+                            <a:lumOff val="80000"/>
+                          </a:schemeClr>
+                        </a:solidFill>
+                        <a:ln>
+                          <a:solidFill>
+                            <a:schemeClr val="bg2">
+                              <a:lumMod val="50000"/>
+                            </a:schemeClr>
+                          </a:solidFill>
+                        </a:ln>
+                      </p:spPr>
+                      <p:style>
+                        <a:lnRef idx="1">
+                          <a:schemeClr val="accent3"/>
+                        </a:lnRef>
+                        <a:fillRef idx="2">
+                          <a:schemeClr val="accent3"/>
+                        </a:fillRef>
+                        <a:effectRef idx="1">
+                          <a:schemeClr val="accent3"/>
+                        </a:effectRef>
+                        <a:fontRef idx="minor">
+                          <a:schemeClr val="dk1"/>
+                        </a:fontRef>
+                      </p:style>
+                      <p:txBody>
+                        <a:bodyPr rtlCol="0" anchor="ctr"/>
+                        <a:lstStyle/>
+                        <a:p>
+                          <a:pPr algn="ctr"/>
+                          <a:endParaRPr lang="en-SG" dirty="0"/>
+                        </a:p>
+                      </p:txBody>
+                    </p:sp>
+                    <p:sp>
+                      <p:nvSpPr>
+                        <p:cNvPr id="55" name="TextBox 54"/>
+                        <p:cNvSpPr txBox="1"/>
+                        <p:nvPr/>
+                      </p:nvSpPr>
+                      <p:spPr>
+                        <a:xfrm>
+                          <a:off x="2629880" y="3305940"/>
+                          <a:ext cx="492443" cy="369332"/>
+                        </a:xfrm>
+                        <a:prstGeom prst="rect">
+                          <a:avLst/>
+                        </a:prstGeom>
+                        <a:noFill/>
+                      </p:spPr>
+                      <p:txBody>
+                        <a:bodyPr wrap="none" rtlCol="0">
+                          <a:spAutoFit/>
+                        </a:bodyPr>
+                        <a:lstStyle/>
+                        <a:p>
+                          <a:r>
+                            <a:rPr lang="en-SG" dirty="0">
+                              <a:solidFill>
+                                <a:schemeClr val="bg2">
+                                  <a:lumMod val="50000"/>
+                                </a:schemeClr>
+                              </a:solidFill>
+                              <a:latin typeface="Garamond" panose="02020404030301010803" pitchFamily="18" charset="0"/>
+                            </a:rPr>
+                            <a:t>Jim</a:t>
+                          </a:r>
+                        </a:p>
+                      </p:txBody>
+                    </p:sp>
+                  </p:grpSp>
+                  <p:cxnSp>
+                    <p:nvCxnSpPr>
+                      <p:cNvPr id="56" name="Straight Arrow Connector 55"/>
+                      <p:cNvCxnSpPr/>
+                      <p:nvPr/>
+                    </p:nvCxnSpPr>
+                    <p:spPr>
+                      <a:xfrm>
+                        <a:off x="1109585" y="3525245"/>
+                        <a:ext cx="1134295" cy="9429"/>
+                      </a:xfrm>
+                      <a:prstGeom prst="straightConnector1">
+                        <a:avLst/>
+                      </a:prstGeom>
+                      <a:ln w="38100">
+                        <a:solidFill>
+                          <a:schemeClr val="accent2">
+                            <a:lumMod val="60000"/>
+                            <a:lumOff val="40000"/>
+                          </a:schemeClr>
+                        </a:solidFill>
+                        <a:headEnd type="arrow" w="med" len="med"/>
+                        <a:tailEnd type="none" w="med" len="med"/>
+                      </a:ln>
+                    </p:spPr>
+                    <p:style>
+                      <a:lnRef idx="1">
+                        <a:schemeClr val="accent1"/>
+                      </a:lnRef>
+                      <a:fillRef idx="0">
+                        <a:schemeClr val="accent1"/>
+                      </a:fillRef>
+                      <a:effectRef idx="0">
+                        <a:schemeClr val="accent1"/>
+                      </a:effectRef>
+                      <a:fontRef idx="minor">
+                        <a:schemeClr val="tx1"/>
+                      </a:fontRef>
+                    </p:style>
+                  </p:cxnSp>
+                  <p:sp>
+                    <p:nvSpPr>
+                      <p:cNvPr id="57" name="TextBox 56"/>
+                      <p:cNvSpPr txBox="1"/>
+                      <p:nvPr/>
+                    </p:nvSpPr>
+                    <p:spPr>
+                      <a:xfrm>
+                        <a:off x="1412557" y="3579634"/>
+                        <a:ext cx="609212" cy="369332"/>
+                      </a:xfrm>
+                      <a:prstGeom prst="rect">
+                        <a:avLst/>
+                      </a:prstGeom>
+                      <a:noFill/>
+                    </p:spPr>
+                    <p:txBody>
+                      <a:bodyPr wrap="square" rtlCol="0">
+                        <a:spAutoFit/>
+                      </a:bodyPr>
+                      <a:lstStyle/>
+                      <a:p>
+                        <a:r>
+                          <a:rPr lang="en-SG" i="1" dirty="0"/>
+                          <a:t>Sees</a:t>
+                        </a:r>
+                      </a:p>
+                    </p:txBody>
+                  </p:sp>
+                  <p:cxnSp>
+                    <p:nvCxnSpPr>
+                      <p:cNvPr id="58" name="Straight Arrow Connector 57"/>
+                      <p:cNvCxnSpPr/>
+                      <p:nvPr/>
+                    </p:nvCxnSpPr>
+                    <p:spPr>
+                      <a:xfrm>
+                        <a:off x="9069330" y="3566494"/>
+                        <a:ext cx="1134295" cy="9429"/>
+                      </a:xfrm>
+                      <a:prstGeom prst="straightConnector1">
+                        <a:avLst/>
+                      </a:prstGeom>
+                      <a:ln w="38100">
+                        <a:solidFill>
+                          <a:schemeClr val="accent2">
+                            <a:lumMod val="60000"/>
+                            <a:lumOff val="40000"/>
+                          </a:schemeClr>
+                        </a:solidFill>
+                        <a:headEnd type="arrow" w="med" len="med"/>
+                        <a:tailEnd type="none" w="med" len="med"/>
+                      </a:ln>
+                    </p:spPr>
+                    <p:style>
+                      <a:lnRef idx="1">
+                        <a:schemeClr val="accent1"/>
+                      </a:lnRef>
+                      <a:fillRef idx="0">
+                        <a:schemeClr val="accent1"/>
+                      </a:fillRef>
+                      <a:effectRef idx="0">
+                        <a:schemeClr val="accent1"/>
+                      </a:effectRef>
+                      <a:fontRef idx="minor">
+                        <a:schemeClr val="tx1"/>
+                      </a:fontRef>
+                    </p:style>
+                  </p:cxnSp>
+                  <p:sp>
+                    <p:nvSpPr>
+                      <p:cNvPr id="59" name="TextBox 58"/>
+                      <p:cNvSpPr txBox="1"/>
+                      <p:nvPr/>
+                    </p:nvSpPr>
+                    <p:spPr>
+                      <a:xfrm>
+                        <a:off x="9194720" y="3618134"/>
+                        <a:ext cx="999280" cy="369332"/>
+                      </a:xfrm>
+                      <a:prstGeom prst="rect">
+                        <a:avLst/>
+                      </a:prstGeom>
+                      <a:noFill/>
+                    </p:spPr>
+                    <p:txBody>
+                      <a:bodyPr wrap="square" rtlCol="0">
+                        <a:spAutoFit/>
+                      </a:bodyPr>
+                      <a:lstStyle/>
+                      <a:p>
+                        <a:r>
+                          <a:rPr lang="en-SG" i="1" dirty="0"/>
+                          <a:t>Updates</a:t>
+                        </a:r>
+                      </a:p>
+                    </p:txBody>
+                  </p:sp>
+                  <p:sp>
+                    <p:nvSpPr>
+                      <p:cNvPr id="10" name="Diamond 9"/>
+                      <p:cNvSpPr/>
+                      <p:nvPr/>
+                    </p:nvSpPr>
+                    <p:spPr>
+                      <a:xfrm>
+                        <a:off x="3252791" y="2995135"/>
+                        <a:ext cx="269064" cy="375080"/>
+                      </a:xfrm>
+                      <a:prstGeom prst="diamond">
+                        <a:avLst/>
+                      </a:prstGeom>
+                    </p:spPr>
+                    <p:style>
+                      <a:lnRef idx="2">
+                        <a:schemeClr val="accent2">
+                          <a:shade val="50000"/>
+                        </a:schemeClr>
+                      </a:lnRef>
+                      <a:fillRef idx="1">
+                        <a:schemeClr val="accent2"/>
+                      </a:fillRef>
+                      <a:effectRef idx="0">
+                        <a:schemeClr val="accent2"/>
+                      </a:effectRef>
+                      <a:fontRef idx="minor">
+                        <a:schemeClr val="lt1"/>
+                      </a:fontRef>
+                    </p:style>
+                    <p:txBody>
+                      <a:bodyPr rtlCol="0" anchor="ctr"/>
+                      <a:lstStyle/>
+                      <a:p>
+                        <a:pPr algn="ctr"/>
+                        <a:endParaRPr lang="en-SG"/>
+                      </a:p>
+                    </p:txBody>
+                  </p:sp>
+                </p:grpSp>
+                <p:sp>
+                  <p:nvSpPr>
+                    <p:cNvPr id="30" name="Rectangle 29"/>
+                    <p:cNvSpPr/>
+                    <p:nvPr/>
+                  </p:nvSpPr>
+                  <p:spPr>
+                    <a:xfrm>
+                      <a:off x="4224377" y="3743599"/>
+                      <a:ext cx="1625807" cy="597600"/>
+                    </a:xfrm>
+                    <a:prstGeom prst="rect">
+                      <a:avLst/>
+                    </a:prstGeom>
+                    <a:gradFill>
+                      <a:gsLst>
+                        <a:gs pos="29000">
+                          <a:schemeClr val="accent2">
+                            <a:lumMod val="60000"/>
+                            <a:lumOff val="40000"/>
+                          </a:schemeClr>
+                        </a:gs>
+                        <a:gs pos="100000">
+                          <a:schemeClr val="accent2">
+                            <a:lumMod val="20000"/>
+                            <a:lumOff val="80000"/>
+                          </a:schemeClr>
+                        </a:gs>
+                      </a:gsLst>
+                      <a:lin ang="5400000" scaled="1"/>
+                    </a:gradFill>
+                    <a:ln w="12700">
+                      <a:solidFill>
+                        <a:schemeClr val="accent2"/>
+                      </a:solidFill>
+                    </a:ln>
+                  </p:spPr>
+                  <p:style>
+                    <a:lnRef idx="1">
+                      <a:schemeClr val="accent6"/>
+                    </a:lnRef>
+                    <a:fillRef idx="2">
+                      <a:schemeClr val="accent6"/>
+                    </a:fillRef>
+                    <a:effectRef idx="1">
+                      <a:schemeClr val="accent6"/>
+                    </a:effectRef>
+                    <a:fontRef idx="minor">
+                      <a:schemeClr val="dk1"/>
+                    </a:fontRef>
+                  </p:style>
+                  <p:txBody>
+                    <a:bodyPr rtlCol="0" anchor="ctr"/>
+                    <a:lstStyle/>
+                    <a:p>
+                      <a:pPr algn="ctr"/>
+                      <a:r>
+                        <a:rPr lang="en-SG" dirty="0" err="1" smtClean="0">
+                          <a:solidFill>
+                            <a:schemeClr val="accent2"/>
+                          </a:solidFill>
+                        </a:rPr>
+                        <a:t>DeadlineBox</a:t>
+                      </a:r>
+                      <a:endParaRPr lang="en-SG" dirty="0">
+                        <a:solidFill>
+                          <a:schemeClr val="accent2"/>
+                        </a:solidFill>
+                      </a:endParaRPr>
+                    </a:p>
+                  </p:txBody>
+                </p:sp>
+                <p:sp>
+                  <p:nvSpPr>
+                    <p:cNvPr id="31" name="Rectangle 30"/>
+                    <p:cNvSpPr/>
+                    <p:nvPr/>
+                  </p:nvSpPr>
+                  <p:spPr>
+                    <a:xfrm>
+                      <a:off x="6357131" y="5332546"/>
+                      <a:ext cx="2137769" cy="597600"/>
+                    </a:xfrm>
+                    <a:prstGeom prst="rect">
+                      <a:avLst/>
+                    </a:prstGeom>
+                    <a:ln/>
+                  </p:spPr>
+                  <p:style>
+                    <a:lnRef idx="2">
+                      <a:schemeClr val="accent2"/>
+                    </a:lnRef>
+                    <a:fillRef idx="1">
+                      <a:schemeClr val="lt1"/>
+                    </a:fillRef>
+                    <a:effectRef idx="0">
+                      <a:schemeClr val="accent2"/>
+                    </a:effectRef>
+                    <a:fontRef idx="minor">
+                      <a:schemeClr val="dk1"/>
+                    </a:fontRef>
+                  </p:style>
+                  <p:txBody>
+                    <a:bodyPr rtlCol="0" anchor="ctr"/>
+                    <a:lstStyle/>
+                    <a:p>
+                      <a:pPr algn="ctr"/>
+                      <a:r>
+                        <a:rPr lang="en-SG" dirty="0" err="1" smtClean="0">
+                          <a:solidFill>
+                            <a:schemeClr val="accent2"/>
+                          </a:solidFill>
+                        </a:rPr>
+                        <a:t>CommandBox.fxml</a:t>
+                      </a:r>
+                      <a:endParaRPr lang="en-SG" dirty="0">
+                        <a:solidFill>
+                          <a:schemeClr val="accent2"/>
+                        </a:solidFill>
+                      </a:endParaRPr>
+                    </a:p>
+                  </p:txBody>
+                </p:sp>
+                <p:cxnSp>
+                  <p:nvCxnSpPr>
+                    <p:cNvPr id="33" name="Straight Arrow Connector 32"/>
+                    <p:cNvCxnSpPr>
+                      <a:stCxn id="31" idx="1"/>
+                      <a:endCxn id="50" idx="3"/>
+                    </p:cNvCxnSpPr>
+                    <p:nvPr/>
+                  </p:nvCxnSpPr>
+                  <p:spPr>
+                    <a:xfrm flipH="1">
+                      <a:off x="5850184" y="5631346"/>
+                      <a:ext cx="506947" cy="0"/>
+                    </a:xfrm>
+                    <a:prstGeom prst="straightConnector1">
+                      <a:avLst/>
+                    </a:prstGeom>
+                    <a:ln>
+                      <a:prstDash val="dash"/>
+                      <a:headEnd type="none" w="med" len="med"/>
+                      <a:tailEnd type="triangle" w="med" len="med"/>
+                    </a:ln>
+                  </p:spPr>
+                  <p:style>
+                    <a:lnRef idx="1">
+                      <a:schemeClr val="accent2"/>
+                    </a:lnRef>
+                    <a:fillRef idx="0">
+                      <a:schemeClr val="accent2"/>
+                    </a:fillRef>
+                    <a:effectRef idx="0">
+                      <a:schemeClr val="accent2"/>
+                    </a:effectRef>
+                    <a:fontRef idx="minor">
+                      <a:schemeClr val="tx1"/>
+                    </a:fontRef>
+                  </p:style>
+                </p:cxnSp>
+              </p:grpSp>
+              <p:sp>
+                <p:nvSpPr>
+                  <p:cNvPr id="48" name="Rectangle 47"/>
+                  <p:cNvSpPr/>
+                  <p:nvPr/>
+                </p:nvSpPr>
+                <p:spPr>
+                  <a:xfrm>
+                    <a:off x="4224377" y="4538072"/>
+                    <a:ext cx="1625807" cy="597600"/>
+                  </a:xfrm>
+                  <a:prstGeom prst="rect">
+                    <a:avLst/>
+                  </a:prstGeom>
+                  <a:gradFill>
+                    <a:gsLst>
+                      <a:gs pos="29000">
+                        <a:schemeClr val="accent2">
+                          <a:lumMod val="60000"/>
+                          <a:lumOff val="40000"/>
+                        </a:schemeClr>
+                      </a:gs>
+                      <a:gs pos="100000">
+                        <a:schemeClr val="accent2">
+                          <a:lumMod val="20000"/>
+                          <a:lumOff val="80000"/>
+                        </a:schemeClr>
+                      </a:gs>
+                    </a:gsLst>
+                    <a:lin ang="5400000" scaled="1"/>
+                  </a:gradFill>
+                  <a:ln w="12700">
+                    <a:solidFill>
+                      <a:schemeClr val="accent2"/>
+                    </a:solidFill>
+                  </a:ln>
+                </p:spPr>
+                <p:style>
+                  <a:lnRef idx="1">
+                    <a:schemeClr val="accent6"/>
+                  </a:lnRef>
+                  <a:fillRef idx="2">
+                    <a:schemeClr val="accent6"/>
+                  </a:fillRef>
+                  <a:effectRef idx="1">
+                    <a:schemeClr val="accent6"/>
+                  </a:effectRef>
+                  <a:fontRef idx="minor">
+                    <a:schemeClr val="dk1"/>
+                  </a:fontRef>
+                </p:style>
+                <p:txBody>
+                  <a:bodyPr rtlCol="0" anchor="ctr"/>
+                  <a:lstStyle/>
+                  <a:p>
+                    <a:pPr algn="ctr"/>
+                    <a:r>
+                      <a:rPr lang="en-SG" dirty="0" err="1" smtClean="0">
+                        <a:solidFill>
+                          <a:schemeClr val="accent2"/>
+                        </a:solidFill>
+                      </a:rPr>
+                      <a:t>ResultBox</a:t>
+                    </a:r>
+                    <a:endParaRPr lang="en-SG" dirty="0">
+                      <a:solidFill>
+                        <a:schemeClr val="accent2"/>
+                      </a:solidFill>
+                    </a:endParaRPr>
+                  </a:p>
+                </p:txBody>
+              </p:sp>
+              <p:sp>
+                <p:nvSpPr>
+                  <p:cNvPr id="50" name="Rectangle 49"/>
+                  <p:cNvSpPr/>
+                  <p:nvPr/>
+                </p:nvSpPr>
+                <p:spPr>
+                  <a:xfrm>
+                    <a:off x="4224377" y="5332546"/>
+                    <a:ext cx="1625807" cy="597600"/>
+                  </a:xfrm>
+                  <a:prstGeom prst="rect">
+                    <a:avLst/>
+                  </a:prstGeom>
+                  <a:gradFill>
+                    <a:gsLst>
+                      <a:gs pos="29000">
+                        <a:schemeClr val="accent2">
+                          <a:lumMod val="60000"/>
+                          <a:lumOff val="40000"/>
+                        </a:schemeClr>
+                      </a:gs>
+                      <a:gs pos="100000">
+                        <a:schemeClr val="accent2">
+                          <a:lumMod val="20000"/>
+                          <a:lumOff val="80000"/>
+                        </a:schemeClr>
+                      </a:gs>
+                    </a:gsLst>
+                    <a:lin ang="5400000" scaled="1"/>
+                  </a:gradFill>
+                  <a:ln w="12700">
+                    <a:solidFill>
+                      <a:schemeClr val="accent2"/>
+                    </a:solidFill>
+                  </a:ln>
+                </p:spPr>
+                <p:style>
+                  <a:lnRef idx="1">
+                    <a:schemeClr val="accent6"/>
+                  </a:lnRef>
+                  <a:fillRef idx="2">
+                    <a:schemeClr val="accent6"/>
+                  </a:fillRef>
+                  <a:effectRef idx="1">
+                    <a:schemeClr val="accent6"/>
+                  </a:effectRef>
+                  <a:fontRef idx="minor">
+                    <a:schemeClr val="dk1"/>
+                  </a:fontRef>
+                </p:style>
+                <p:txBody>
+                  <a:bodyPr rtlCol="0" anchor="ctr"/>
+                  <a:lstStyle/>
+                  <a:p>
+                    <a:pPr algn="ctr"/>
+                    <a:r>
+                      <a:rPr lang="en-SG" dirty="0" err="1" smtClean="0">
+                        <a:solidFill>
+                          <a:schemeClr val="accent2"/>
+                        </a:solidFill>
+                      </a:rPr>
+                      <a:t>CommandBox</a:t>
+                    </a:r>
+                    <a:endParaRPr lang="en-SG" dirty="0">
+                      <a:solidFill>
+                        <a:schemeClr val="accent2"/>
+                      </a:solidFill>
+                    </a:endParaRPr>
+                  </a:p>
+                </p:txBody>
+              </p:sp>
+            </p:grpSp>
+            <p:cxnSp>
+              <p:nvCxnSpPr>
+                <p:cNvPr id="70" name="Straight Arrow Connector 69"/>
+                <p:cNvCxnSpPr>
+                  <a:endCxn id="41" idx="1"/>
+                </p:cNvCxnSpPr>
+                <p:nvPr/>
+              </p:nvCxnSpPr>
+              <p:spPr>
+                <a:xfrm>
+                  <a:off x="3428778" y="3241949"/>
+                  <a:ext cx="795599" cy="0"/>
+                </a:xfrm>
+                <a:prstGeom prst="straightConnector1">
+                  <a:avLst/>
+                </a:prstGeom>
+                <a:ln>
+                  <a:headEnd type="none" w="med" len="med"/>
+                  <a:tailEnd type="arrow" w="med" len="med"/>
+                </a:ln>
+              </p:spPr>
+              <p:style>
+                <a:lnRef idx="2">
+                  <a:schemeClr val="accent2"/>
+                </a:lnRef>
+                <a:fillRef idx="0">
+                  <a:schemeClr val="accent2"/>
+                </a:fillRef>
+                <a:effectRef idx="1">
+                  <a:schemeClr val="accent2"/>
+                </a:effectRef>
+                <a:fontRef idx="minor">
+                  <a:schemeClr val="tx1"/>
+                </a:fontRef>
+              </p:style>
+            </p:cxnSp>
+            <p:cxnSp>
+              <p:nvCxnSpPr>
+                <p:cNvPr id="71" name="Straight Arrow Connector 70"/>
+                <p:cNvCxnSpPr>
+                  <a:endCxn id="30" idx="1"/>
+                </p:cNvCxnSpPr>
+                <p:nvPr/>
+              </p:nvCxnSpPr>
+              <p:spPr>
+                <a:xfrm>
+                  <a:off x="3428778" y="4033759"/>
+                  <a:ext cx="795599" cy="0"/>
+                </a:xfrm>
+                <a:prstGeom prst="straightConnector1">
+                  <a:avLst/>
+                </a:prstGeom>
+                <a:ln>
+                  <a:headEnd type="none" w="med" len="med"/>
+                  <a:tailEnd type="arrow" w="med" len="med"/>
+                </a:ln>
+              </p:spPr>
+              <p:style>
+                <a:lnRef idx="2">
+                  <a:schemeClr val="accent2"/>
+                </a:lnRef>
+                <a:fillRef idx="0">
+                  <a:schemeClr val="accent2"/>
+                </a:fillRef>
+                <a:effectRef idx="1">
+                  <a:schemeClr val="accent2"/>
+                </a:effectRef>
+                <a:fontRef idx="minor">
+                  <a:schemeClr val="tx1"/>
+                </a:fontRef>
+              </p:style>
+            </p:cxnSp>
+            <p:cxnSp>
+              <p:nvCxnSpPr>
+                <p:cNvPr id="72" name="Straight Arrow Connector 71"/>
+                <p:cNvCxnSpPr>
+                  <a:endCxn id="48" idx="1"/>
+                </p:cNvCxnSpPr>
+                <p:nvPr/>
+              </p:nvCxnSpPr>
+              <p:spPr>
+                <a:xfrm>
+                  <a:off x="3428778" y="4825570"/>
+                  <a:ext cx="795599" cy="0"/>
+                </a:xfrm>
+                <a:prstGeom prst="straightConnector1">
+                  <a:avLst/>
+                </a:prstGeom>
+                <a:ln>
+                  <a:headEnd type="none" w="med" len="med"/>
+                  <a:tailEnd type="arrow" w="med" len="med"/>
+                </a:ln>
+              </p:spPr>
+              <p:style>
+                <a:lnRef idx="2">
+                  <a:schemeClr val="accent2"/>
+                </a:lnRef>
+                <a:fillRef idx="0">
+                  <a:schemeClr val="accent2"/>
+                </a:fillRef>
+                <a:effectRef idx="1">
+                  <a:schemeClr val="accent2"/>
+                </a:effectRef>
+                <a:fontRef idx="minor">
+                  <a:schemeClr val="tx1"/>
+                </a:fontRef>
+              </p:style>
+            </p:cxnSp>
+          </p:grpSp>
+          <p:cxnSp>
+            <p:nvCxnSpPr>
+              <p:cNvPr id="86" name="Straight Arrow Connector 85"/>
+              <p:cNvCxnSpPr>
+                <a:stCxn id="100" idx="1"/>
+                <a:endCxn id="41" idx="3"/>
+              </p:cNvCxnSpPr>
+              <p:nvPr/>
+            </p:nvCxnSpPr>
+            <p:spPr>
+              <a:xfrm flipH="1">
+                <a:off x="5850184" y="3247926"/>
+                <a:ext cx="506947" cy="0"/>
+              </a:xfrm>
+              <a:prstGeom prst="straightConnector1">
+                <a:avLst/>
+              </a:prstGeom>
+              <a:ln>
+                <a:prstDash val="dash"/>
+                <a:headEnd type="none" w="med" len="med"/>
+                <a:tailEnd type="triangle" w="med" len="med"/>
+              </a:ln>
+            </p:spPr>
+            <p:style>
+              <a:lnRef idx="1">
+                <a:schemeClr val="accent2"/>
+              </a:lnRef>
+              <a:fillRef idx="0">
+                <a:schemeClr val="accent2"/>
+              </a:fillRef>
+              <a:effectRef idx="0">
+                <a:schemeClr val="accent2"/>
+              </a:effectRef>
+              <a:fontRef idx="minor">
+                <a:schemeClr val="tx1"/>
+              </a:fontRef>
+            </p:style>
+          </p:cxnSp>
+          <p:cxnSp>
+            <p:nvCxnSpPr>
+              <p:cNvPr id="87" name="Straight Arrow Connector 86"/>
+              <p:cNvCxnSpPr>
+                <a:stCxn id="44" idx="1"/>
+                <a:endCxn id="30" idx="3"/>
+              </p:cNvCxnSpPr>
+              <p:nvPr/>
+            </p:nvCxnSpPr>
+            <p:spPr>
+              <a:xfrm flipH="1">
+                <a:off x="5850184" y="4042399"/>
+                <a:ext cx="506947" cy="0"/>
+              </a:xfrm>
+              <a:prstGeom prst="straightConnector1">
+                <a:avLst/>
+              </a:prstGeom>
+              <a:ln>
+                <a:prstDash val="dash"/>
+                <a:headEnd type="none" w="med" len="med"/>
+                <a:tailEnd type="triangle" w="med" len="med"/>
+              </a:ln>
+            </p:spPr>
+            <p:style>
+              <a:lnRef idx="1">
+                <a:schemeClr val="accent2"/>
+              </a:lnRef>
+              <a:fillRef idx="0">
+                <a:schemeClr val="accent2"/>
+              </a:fillRef>
+              <a:effectRef idx="0">
+                <a:schemeClr val="accent2"/>
+              </a:effectRef>
+              <a:fontRef idx="minor">
+                <a:schemeClr val="tx1"/>
+              </a:fontRef>
+            </p:style>
+          </p:cxnSp>
+        </p:grpSp>
         <p:sp>
           <p:nvSpPr>
-            <p:cNvPr id="25" name="Rectangle: Rounded Corners 24"/>
+            <p:cNvPr id="100" name="Rectangle 99"/>
             <p:cNvSpPr/>
             <p:nvPr/>
           </p:nvSpPr>
           <p:spPr>
             <a:xfrm>
-              <a:off x="2360874" y="1436912"/>
-              <a:ext cx="6521868" cy="4794069"/>
-            </a:xfrm>
-            <a:prstGeom prst="roundRect">
-              <a:avLst/>
-            </a:prstGeom>
-            <a:solidFill>
-              <a:schemeClr val="bg1"/>
-            </a:solidFill>
-            <a:ln w="19050">
-              <a:solidFill>
-                <a:schemeClr val="accent2"/>
-              </a:solidFill>
-            </a:ln>
-          </p:spPr>
-          <p:style>
-            <a:lnRef idx="2">
-              <a:schemeClr val="accent2"/>
-            </a:lnRef>
-            <a:fillRef idx="1">
-              <a:schemeClr val="lt1"/>
-            </a:fillRef>
-            <a:effectRef idx="0">
-              <a:schemeClr val="accent2"/>
-            </a:effectRef>
-            <a:fontRef idx="minor">
-              <a:schemeClr val="dk1"/>
-            </a:fontRef>
-          </p:style>
-          <p:txBody>
-            <a:bodyPr rtlCol="0" anchor="ctr"/>
-            <a:lstStyle/>
-            <a:p>
-              <a:pPr algn="ctr"/>
-              <a:endParaRPr lang="en-SG" dirty="0">
-                <a:solidFill>
-                  <a:schemeClr val="accent2"/>
-                </a:solidFill>
-              </a:endParaRPr>
-            </a:p>
-          </p:txBody>
-        </p:sp>
-        <p:sp>
-          <p:nvSpPr>
-            <p:cNvPr id="7" name="Rectangle 6"/>
-            <p:cNvSpPr/>
-            <p:nvPr/>
-          </p:nvSpPr>
-          <p:spPr>
-            <a:xfrm>
-              <a:off x="2574420" y="2139638"/>
-              <a:ext cx="1625807" cy="841422"/>
-            </a:xfrm>
-            <a:prstGeom prst="rect">
-              <a:avLst/>
-            </a:prstGeom>
-            <a:gradFill>
-              <a:gsLst>
-                <a:gs pos="29000">
-                  <a:schemeClr val="accent2">
-                    <a:lumMod val="60000"/>
-                    <a:lumOff val="40000"/>
-                  </a:schemeClr>
-                </a:gs>
-                <a:gs pos="100000">
-                  <a:schemeClr val="accent2">
-                    <a:lumMod val="20000"/>
-                    <a:lumOff val="80000"/>
-                  </a:schemeClr>
-                </a:gs>
-              </a:gsLst>
-              <a:lin ang="5400000" scaled="1"/>
-            </a:gradFill>
-            <a:ln w="12700">
-              <a:solidFill>
-                <a:schemeClr val="accent2"/>
-              </a:solidFill>
-            </a:ln>
-          </p:spPr>
-          <p:style>
-            <a:lnRef idx="1">
-              <a:schemeClr val="accent6"/>
-            </a:lnRef>
-            <a:fillRef idx="2">
-              <a:schemeClr val="accent6"/>
-            </a:fillRef>
-            <a:effectRef idx="1">
-              <a:schemeClr val="accent6"/>
-            </a:effectRef>
-            <a:fontRef idx="minor">
-              <a:schemeClr val="dk1"/>
-            </a:fontRef>
-          </p:style>
-          <p:txBody>
-            <a:bodyPr rtlCol="0" anchor="ctr"/>
-            <a:lstStyle/>
-            <a:p>
-              <a:pPr algn="ctr"/>
-              <a:r>
-                <a:rPr lang="en-SG" dirty="0">
-                  <a:solidFill>
-                    <a:schemeClr val="accent2"/>
-                  </a:solidFill>
-                </a:rPr>
-                <a:t>MainWindow</a:t>
-              </a:r>
-            </a:p>
-          </p:txBody>
-        </p:sp>
-        <p:cxnSp>
-          <p:nvCxnSpPr>
-            <p:cNvPr id="9" name="Straight Arrow Connector 8"/>
-            <p:cNvCxnSpPr/>
-            <p:nvPr/>
-          </p:nvCxnSpPr>
-          <p:spPr>
-            <a:xfrm>
-              <a:off x="3366313" y="3675628"/>
-              <a:ext cx="812904" cy="8095"/>
-            </a:xfrm>
-            <a:prstGeom prst="straightConnector1">
-              <a:avLst/>
-            </a:prstGeom>
-            <a:ln>
-              <a:headEnd type="none" w="med" len="med"/>
-              <a:tailEnd type="arrow" w="med" len="med"/>
-            </a:ln>
-          </p:spPr>
-          <p:style>
-            <a:lnRef idx="2">
-              <a:schemeClr val="accent2"/>
-            </a:lnRef>
-            <a:fillRef idx="0">
-              <a:schemeClr val="accent2"/>
-            </a:fillRef>
-            <a:effectRef idx="1">
-              <a:schemeClr val="accent2"/>
-            </a:effectRef>
-            <a:fontRef idx="minor">
-              <a:schemeClr val="tx1"/>
-            </a:fontRef>
-          </p:style>
-        </p:cxnSp>
-        <p:sp>
-          <p:nvSpPr>
-            <p:cNvPr id="10" name="Diamond 9"/>
-            <p:cNvSpPr/>
-            <p:nvPr/>
-          </p:nvSpPr>
-          <p:spPr>
-            <a:xfrm>
-              <a:off x="3231781" y="2995135"/>
-              <a:ext cx="269064" cy="375080"/>
-            </a:xfrm>
-            <a:prstGeom prst="diamond">
-              <a:avLst/>
-            </a:prstGeom>
-          </p:spPr>
-          <p:style>
-            <a:lnRef idx="2">
-              <a:schemeClr val="accent2">
-                <a:shade val="50000"/>
-              </a:schemeClr>
-            </a:lnRef>
-            <a:fillRef idx="1">
-              <a:schemeClr val="accent2"/>
-            </a:fillRef>
-            <a:effectRef idx="0">
-              <a:schemeClr val="accent2"/>
-            </a:effectRef>
-            <a:fontRef idx="minor">
-              <a:schemeClr val="lt1"/>
-            </a:fontRef>
-          </p:style>
-          <p:txBody>
-            <a:bodyPr rtlCol="0" anchor="ctr"/>
-            <a:lstStyle/>
-            <a:p>
-              <a:pPr algn="ctr"/>
-              <a:endParaRPr lang="en-SG"/>
-            </a:p>
-          </p:txBody>
-        </p:sp>
-        <p:sp>
-          <p:nvSpPr>
-            <p:cNvPr id="24" name="TextBox 23"/>
-            <p:cNvSpPr txBox="1"/>
-            <p:nvPr/>
-          </p:nvSpPr>
-          <p:spPr>
-            <a:xfrm>
-              <a:off x="2771258" y="1603609"/>
-              <a:ext cx="867266" cy="369332"/>
-            </a:xfrm>
-            <a:prstGeom prst="rect">
-              <a:avLst/>
-            </a:prstGeom>
-            <a:noFill/>
-          </p:spPr>
-          <p:txBody>
-            <a:bodyPr wrap="square" rtlCol="0">
-              <a:spAutoFit/>
-            </a:bodyPr>
-            <a:lstStyle/>
-            <a:p>
-              <a:r>
-                <a:rPr lang="en-SG" dirty="0">
-                  <a:solidFill>
-                    <a:schemeClr val="accent2"/>
-                  </a:solidFill>
-                </a:rPr>
-                <a:t>View</a:t>
-              </a:r>
-            </a:p>
-          </p:txBody>
-        </p:sp>
-        <p:sp>
-          <p:nvSpPr>
-            <p:cNvPr id="36" name="Rectangle: Rounded Corners 35"/>
-            <p:cNvSpPr/>
-            <p:nvPr/>
-          </p:nvSpPr>
-          <p:spPr>
-            <a:xfrm>
-              <a:off x="10285670" y="3216503"/>
-              <a:ext cx="1451727" cy="785293"/>
-            </a:xfrm>
-            <a:prstGeom prst="roundRect">
-              <a:avLst/>
-            </a:prstGeom>
-            <a:ln w="19050"/>
-          </p:spPr>
-          <p:style>
-            <a:lnRef idx="2">
-              <a:schemeClr val="accent6"/>
-            </a:lnRef>
-            <a:fillRef idx="1">
-              <a:schemeClr val="lt1"/>
-            </a:fillRef>
-            <a:effectRef idx="0">
-              <a:schemeClr val="accent6"/>
-            </a:effectRef>
-            <a:fontRef idx="minor">
-              <a:schemeClr val="dk1"/>
-            </a:fontRef>
-          </p:style>
-          <p:txBody>
-            <a:bodyPr rtlCol="0" anchor="ctr"/>
-            <a:lstStyle/>
-            <a:p>
-              <a:pPr algn="ctr"/>
-              <a:r>
-                <a:rPr lang="en-SG" dirty="0">
-                  <a:solidFill>
-                    <a:schemeClr val="accent6"/>
-                  </a:solidFill>
-                </a:rPr>
-                <a:t>Model</a:t>
-              </a:r>
-            </a:p>
-          </p:txBody>
-        </p:sp>
-        <p:sp>
-          <p:nvSpPr>
-            <p:cNvPr id="37" name="Rectangle 36"/>
-            <p:cNvSpPr/>
-            <p:nvPr/>
-          </p:nvSpPr>
-          <p:spPr>
-            <a:xfrm>
-              <a:off x="4200228" y="3185968"/>
-              <a:ext cx="1625806" cy="841422"/>
-            </a:xfrm>
-            <a:prstGeom prst="rect">
-              <a:avLst/>
-            </a:prstGeom>
-            <a:gradFill>
-              <a:gsLst>
-                <a:gs pos="29000">
-                  <a:schemeClr val="accent2">
-                    <a:lumMod val="60000"/>
-                    <a:lumOff val="40000"/>
-                  </a:schemeClr>
-                </a:gs>
-                <a:gs pos="100000">
-                  <a:schemeClr val="accent2">
-                    <a:lumMod val="20000"/>
-                    <a:lumOff val="80000"/>
-                  </a:schemeClr>
-                </a:gs>
-              </a:gsLst>
-              <a:lin ang="5400000" scaled="1"/>
-            </a:gradFill>
-            <a:ln w="12700">
-              <a:solidFill>
-                <a:schemeClr val="accent2"/>
-              </a:solidFill>
-            </a:ln>
-          </p:spPr>
-          <p:style>
-            <a:lnRef idx="1">
-              <a:schemeClr val="accent6"/>
-            </a:lnRef>
-            <a:fillRef idx="2">
-              <a:schemeClr val="accent6"/>
-            </a:fillRef>
-            <a:effectRef idx="1">
-              <a:schemeClr val="accent6"/>
-            </a:effectRef>
-            <a:fontRef idx="minor">
-              <a:schemeClr val="dk1"/>
-            </a:fontRef>
-          </p:style>
-          <p:txBody>
-            <a:bodyPr rtlCol="0" anchor="ctr"/>
-            <a:lstStyle/>
-            <a:p>
-              <a:pPr algn="ctr"/>
-              <a:r>
-                <a:rPr lang="en-SG" dirty="0">
-                  <a:solidFill>
-                    <a:schemeClr val="accent2"/>
-                  </a:solidFill>
-                </a:rPr>
-                <a:t>CommandBox</a:t>
-              </a:r>
-            </a:p>
-          </p:txBody>
-        </p:sp>
-        <p:sp>
-          <p:nvSpPr>
-            <p:cNvPr id="40" name="Rectangle 39"/>
-            <p:cNvSpPr/>
-            <p:nvPr/>
-          </p:nvSpPr>
-          <p:spPr>
-            <a:xfrm>
-              <a:off x="4200227" y="4170181"/>
-              <a:ext cx="1625807" cy="841422"/>
-            </a:xfrm>
-            <a:prstGeom prst="rect">
-              <a:avLst/>
-            </a:prstGeom>
-            <a:gradFill>
-              <a:gsLst>
-                <a:gs pos="29000">
-                  <a:schemeClr val="accent2">
-                    <a:lumMod val="60000"/>
-                    <a:lumOff val="40000"/>
-                  </a:schemeClr>
-                </a:gs>
-                <a:gs pos="100000">
-                  <a:schemeClr val="accent2">
-                    <a:lumMod val="20000"/>
-                    <a:lumOff val="80000"/>
-                  </a:schemeClr>
-                </a:gs>
-              </a:gsLst>
-              <a:lin ang="5400000" scaled="1"/>
-            </a:gradFill>
-            <a:ln w="12700">
-              <a:solidFill>
-                <a:schemeClr val="accent2"/>
-              </a:solidFill>
-            </a:ln>
-          </p:spPr>
-          <p:style>
-            <a:lnRef idx="1">
-              <a:schemeClr val="accent6"/>
-            </a:lnRef>
-            <a:fillRef idx="2">
-              <a:schemeClr val="accent6"/>
-            </a:fillRef>
-            <a:effectRef idx="1">
-              <a:schemeClr val="accent6"/>
-            </a:effectRef>
-            <a:fontRef idx="minor">
-              <a:schemeClr val="dk1"/>
-            </a:fontRef>
-          </p:style>
-          <p:txBody>
-            <a:bodyPr rtlCol="0" anchor="ctr"/>
-            <a:lstStyle/>
-            <a:p>
-              <a:pPr algn="ctr"/>
-              <a:r>
-                <a:rPr lang="en-SG" dirty="0">
-                  <a:solidFill>
-                    <a:schemeClr val="accent2"/>
-                  </a:solidFill>
-                </a:rPr>
-                <a:t>ResultPanel</a:t>
-              </a:r>
-            </a:p>
-          </p:txBody>
-        </p:sp>
-        <p:sp>
-          <p:nvSpPr>
-            <p:cNvPr id="41" name="Rectangle 40"/>
-            <p:cNvSpPr/>
-            <p:nvPr/>
-          </p:nvSpPr>
-          <p:spPr>
-            <a:xfrm>
-              <a:off x="4200227" y="5216511"/>
-              <a:ext cx="1625807" cy="841422"/>
-            </a:xfrm>
-            <a:prstGeom prst="rect">
-              <a:avLst/>
-            </a:prstGeom>
-            <a:gradFill>
-              <a:gsLst>
-                <a:gs pos="29000">
-                  <a:schemeClr val="accent2">
-                    <a:lumMod val="60000"/>
-                    <a:lumOff val="40000"/>
-                  </a:schemeClr>
-                </a:gs>
-                <a:gs pos="100000">
-                  <a:schemeClr val="accent2">
-                    <a:lumMod val="20000"/>
-                    <a:lumOff val="80000"/>
-                  </a:schemeClr>
-                </a:gs>
-              </a:gsLst>
-              <a:lin ang="5400000" scaled="1"/>
-            </a:gradFill>
-            <a:ln w="12700">
-              <a:solidFill>
-                <a:schemeClr val="accent2"/>
-              </a:solidFill>
-            </a:ln>
-          </p:spPr>
-          <p:style>
-            <a:lnRef idx="1">
-              <a:schemeClr val="accent6"/>
-            </a:lnRef>
-            <a:fillRef idx="2">
-              <a:schemeClr val="accent6"/>
-            </a:fillRef>
-            <a:effectRef idx="1">
-              <a:schemeClr val="accent6"/>
-            </a:effectRef>
-            <a:fontRef idx="minor">
-              <a:schemeClr val="dk1"/>
-            </a:fontRef>
-          </p:style>
-          <p:txBody>
-            <a:bodyPr rtlCol="0" anchor="ctr"/>
-            <a:lstStyle/>
-            <a:p>
-              <a:pPr algn="ctr"/>
-              <a:r>
-                <a:rPr lang="en-SG" dirty="0">
-                  <a:solidFill>
-                    <a:schemeClr val="accent2"/>
-                  </a:solidFill>
-                </a:rPr>
-                <a:t>CalendarPanel</a:t>
-              </a:r>
-            </a:p>
-          </p:txBody>
-        </p:sp>
-        <p:sp>
-          <p:nvSpPr>
-            <p:cNvPr id="42" name="Rectangle 41"/>
-            <p:cNvSpPr/>
-            <p:nvPr/>
-          </p:nvSpPr>
-          <p:spPr>
-            <a:xfrm>
-              <a:off x="6335485" y="3185968"/>
-              <a:ext cx="2137769" cy="841422"/>
+              <a:off x="6357131" y="2804751"/>
+              <a:ext cx="2137769" cy="597600"/>
             </a:xfrm>
             <a:prstGeom prst="rect">
               <a:avLst/>
@@ -5229,602 +6352,18 @@
             <a:p>
               <a:pPr algn="ctr"/>
               <a:r>
-                <a:rPr lang="en-SG" dirty="0">
+                <a:rPr lang="en-SG" dirty="0" err="1" smtClean="0">
                   <a:solidFill>
                     <a:schemeClr val="accent2"/>
                   </a:solidFill>
                 </a:rPr>
-                <a:t>CommandBox.fxml</a:t>
+                <a:t>EventBox.fxml</a:t>
               </a:r>
-            </a:p>
-          </p:txBody>
-        </p:sp>
-        <p:sp>
-          <p:nvSpPr>
-            <p:cNvPr id="43" name="Rectangle 42"/>
-            <p:cNvSpPr/>
-            <p:nvPr/>
-          </p:nvSpPr>
-          <p:spPr>
-            <a:xfrm>
-              <a:off x="6322421" y="5247569"/>
-              <a:ext cx="2137769" cy="841422"/>
-            </a:xfrm>
-            <a:prstGeom prst="rect">
-              <a:avLst/>
-            </a:prstGeom>
-            <a:ln/>
-          </p:spPr>
-          <p:style>
-            <a:lnRef idx="2">
-              <a:schemeClr val="accent2"/>
-            </a:lnRef>
-            <a:fillRef idx="1">
-              <a:schemeClr val="lt1"/>
-            </a:fillRef>
-            <a:effectRef idx="0">
-              <a:schemeClr val="accent2"/>
-            </a:effectRef>
-            <a:fontRef idx="minor">
-              <a:schemeClr val="dk1"/>
-            </a:fontRef>
-          </p:style>
-          <p:txBody>
-            <a:bodyPr rtlCol="0" anchor="ctr"/>
-            <a:lstStyle/>
-            <a:p>
-              <a:pPr algn="ctr"/>
-              <a:r>
-                <a:rPr lang="en-SG" dirty="0">
-                  <a:solidFill>
-                    <a:schemeClr val="accent2"/>
-                  </a:solidFill>
-                </a:rPr>
-                <a:t>CalendarPanel.fxml</a:t>
-              </a:r>
-            </a:p>
-          </p:txBody>
-        </p:sp>
-        <p:sp>
-          <p:nvSpPr>
-            <p:cNvPr id="44" name="Rectangle 43"/>
-            <p:cNvSpPr/>
-            <p:nvPr/>
-          </p:nvSpPr>
-          <p:spPr>
-            <a:xfrm>
-              <a:off x="6322422" y="4201239"/>
-              <a:ext cx="2137769" cy="841422"/>
-            </a:xfrm>
-            <a:prstGeom prst="rect">
-              <a:avLst/>
-            </a:prstGeom>
-            <a:ln/>
-          </p:spPr>
-          <p:style>
-            <a:lnRef idx="2">
-              <a:schemeClr val="accent2"/>
-            </a:lnRef>
-            <a:fillRef idx="1">
-              <a:schemeClr val="lt1"/>
-            </a:fillRef>
-            <a:effectRef idx="0">
-              <a:schemeClr val="accent2"/>
-            </a:effectRef>
-            <a:fontRef idx="minor">
-              <a:schemeClr val="dk1"/>
-            </a:fontRef>
-          </p:style>
-          <p:txBody>
-            <a:bodyPr rtlCol="0" anchor="ctr"/>
-            <a:lstStyle/>
-            <a:p>
-              <a:pPr algn="ctr"/>
-              <a:r>
-                <a:rPr lang="en-SG" dirty="0">
-                  <a:solidFill>
-                    <a:schemeClr val="accent2"/>
-                  </a:solidFill>
-                </a:rPr>
-                <a:t>ResultPanel.fxml</a:t>
-              </a:r>
-            </a:p>
-          </p:txBody>
-        </p:sp>
-        <p:sp>
-          <p:nvSpPr>
-            <p:cNvPr id="45" name="Rectangle 44"/>
-            <p:cNvSpPr/>
-            <p:nvPr/>
-          </p:nvSpPr>
-          <p:spPr>
-            <a:xfrm>
-              <a:off x="6322422" y="2139638"/>
-              <a:ext cx="2137769" cy="841422"/>
-            </a:xfrm>
-            <a:prstGeom prst="rect">
-              <a:avLst/>
-            </a:prstGeom>
-            <a:ln/>
-          </p:spPr>
-          <p:style>
-            <a:lnRef idx="2">
-              <a:schemeClr val="accent2"/>
-            </a:lnRef>
-            <a:fillRef idx="1">
-              <a:schemeClr val="lt1"/>
-            </a:fillRef>
-            <a:effectRef idx="0">
-              <a:schemeClr val="accent2"/>
-            </a:effectRef>
-            <a:fontRef idx="minor">
-              <a:schemeClr val="dk1"/>
-            </a:fontRef>
-          </p:style>
-          <p:txBody>
-            <a:bodyPr rtlCol="0" anchor="ctr"/>
-            <a:lstStyle/>
-            <a:p>
-              <a:pPr algn="ctr"/>
-              <a:r>
-                <a:rPr lang="en-SG" dirty="0">
-                  <a:solidFill>
-                    <a:schemeClr val="accent2"/>
-                  </a:solidFill>
-                </a:rPr>
-                <a:t>MainWindow.fxml</a:t>
-              </a:r>
-            </a:p>
-          </p:txBody>
-        </p:sp>
-        <p:cxnSp>
-          <p:nvCxnSpPr>
-            <p:cNvPr id="6" name="Connector: Elbow 5"/>
-            <p:cNvCxnSpPr/>
-            <p:nvPr/>
-          </p:nvCxnSpPr>
-          <p:spPr>
-            <a:xfrm rot="16200000" flipH="1">
-              <a:off x="2435234" y="3916764"/>
-              <a:ext cx="2656162" cy="812903"/>
-            </a:xfrm>
-            <a:prstGeom prst="bentConnector2">
-              <a:avLst/>
-            </a:prstGeom>
-            <a:ln>
-              <a:headEnd type="none" w="med" len="med"/>
-              <a:tailEnd type="arrow" w="med" len="med"/>
-            </a:ln>
-          </p:spPr>
-          <p:style>
-            <a:lnRef idx="1">
-              <a:schemeClr val="accent2"/>
-            </a:lnRef>
-            <a:fillRef idx="0">
-              <a:schemeClr val="accent2"/>
-            </a:fillRef>
-            <a:effectRef idx="0">
-              <a:schemeClr val="accent2"/>
-            </a:effectRef>
-            <a:fontRef idx="minor">
-              <a:schemeClr val="tx1"/>
-            </a:fontRef>
-          </p:style>
-        </p:cxnSp>
-        <p:cxnSp>
-          <p:nvCxnSpPr>
-            <p:cNvPr id="46" name="Straight Arrow Connector 45"/>
-            <p:cNvCxnSpPr/>
-            <p:nvPr/>
-          </p:nvCxnSpPr>
-          <p:spPr>
-            <a:xfrm>
-              <a:off x="3387323" y="4621950"/>
-              <a:ext cx="812904" cy="8095"/>
-            </a:xfrm>
-            <a:prstGeom prst="straightConnector1">
-              <a:avLst/>
-            </a:prstGeom>
-            <a:ln>
-              <a:headEnd type="none" w="med" len="med"/>
-              <a:tailEnd type="arrow" w="med" len="med"/>
-            </a:ln>
-          </p:spPr>
-          <p:style>
-            <a:lnRef idx="2">
-              <a:schemeClr val="accent2"/>
-            </a:lnRef>
-            <a:fillRef idx="0">
-              <a:schemeClr val="accent2"/>
-            </a:fillRef>
-            <a:effectRef idx="1">
-              <a:schemeClr val="accent2"/>
-            </a:effectRef>
-            <a:fontRef idx="minor">
-              <a:schemeClr val="tx1"/>
-            </a:fontRef>
-          </p:style>
-        </p:cxnSp>
-        <p:cxnSp>
-          <p:nvCxnSpPr>
-            <p:cNvPr id="47" name="Straight Arrow Connector 46"/>
-            <p:cNvCxnSpPr>
-              <a:stCxn id="45" idx="1"/>
-              <a:endCxn id="7" idx="3"/>
-            </p:cNvCxnSpPr>
-            <p:nvPr/>
-          </p:nvCxnSpPr>
-          <p:spPr>
-            <a:xfrm flipH="1">
-              <a:off x="4200227" y="2560349"/>
-              <a:ext cx="2122195" cy="0"/>
-            </a:xfrm>
-            <a:prstGeom prst="straightConnector1">
-              <a:avLst/>
-            </a:prstGeom>
-            <a:ln>
-              <a:prstDash val="dash"/>
-              <a:headEnd type="none" w="med" len="med"/>
-              <a:tailEnd type="triangle" w="med" len="med"/>
-            </a:ln>
-          </p:spPr>
-          <p:style>
-            <a:lnRef idx="1">
-              <a:schemeClr val="accent2"/>
-            </a:lnRef>
-            <a:fillRef idx="0">
-              <a:schemeClr val="accent2"/>
-            </a:fillRef>
-            <a:effectRef idx="0">
-              <a:schemeClr val="accent2"/>
-            </a:effectRef>
-            <a:fontRef idx="minor">
-              <a:schemeClr val="tx1"/>
-            </a:fontRef>
-          </p:style>
-        </p:cxnSp>
-        <p:cxnSp>
-          <p:nvCxnSpPr>
-            <p:cNvPr id="49" name="Straight Arrow Connector 48"/>
-            <p:cNvCxnSpPr/>
-            <p:nvPr/>
-          </p:nvCxnSpPr>
-          <p:spPr>
-            <a:xfrm flipH="1">
-              <a:off x="5826034" y="3683723"/>
-              <a:ext cx="475379" cy="0"/>
-            </a:xfrm>
-            <a:prstGeom prst="straightConnector1">
-              <a:avLst/>
-            </a:prstGeom>
-            <a:ln>
-              <a:prstDash val="dash"/>
-              <a:headEnd type="none" w="med" len="med"/>
-              <a:tailEnd type="triangle" w="med" len="med"/>
-            </a:ln>
-          </p:spPr>
-          <p:style>
-            <a:lnRef idx="1">
-              <a:schemeClr val="accent2"/>
-            </a:lnRef>
-            <a:fillRef idx="0">
-              <a:schemeClr val="accent2"/>
-            </a:fillRef>
-            <a:effectRef idx="0">
-              <a:schemeClr val="accent2"/>
-            </a:effectRef>
-            <a:fontRef idx="minor">
-              <a:schemeClr val="tx1"/>
-            </a:fontRef>
-          </p:style>
-        </p:cxnSp>
-        <p:cxnSp>
-          <p:nvCxnSpPr>
-            <p:cNvPr id="51" name="Straight Arrow Connector 50"/>
-            <p:cNvCxnSpPr/>
-            <p:nvPr/>
-          </p:nvCxnSpPr>
-          <p:spPr>
-            <a:xfrm flipH="1">
-              <a:off x="5826034" y="4604533"/>
-              <a:ext cx="475379" cy="0"/>
-            </a:xfrm>
-            <a:prstGeom prst="straightConnector1">
-              <a:avLst/>
-            </a:prstGeom>
-            <a:ln>
-              <a:prstDash val="dash"/>
-              <a:headEnd type="none" w="med" len="med"/>
-              <a:tailEnd type="triangle" w="med" len="med"/>
-            </a:ln>
-          </p:spPr>
-          <p:style>
-            <a:lnRef idx="1">
-              <a:schemeClr val="accent2"/>
-            </a:lnRef>
-            <a:fillRef idx="0">
-              <a:schemeClr val="accent2"/>
-            </a:fillRef>
-            <a:effectRef idx="0">
-              <a:schemeClr val="accent2"/>
-            </a:effectRef>
-            <a:fontRef idx="minor">
-              <a:schemeClr val="tx1"/>
-            </a:fontRef>
-          </p:style>
-        </p:cxnSp>
-        <p:cxnSp>
-          <p:nvCxnSpPr>
-            <p:cNvPr id="52" name="Straight Arrow Connector 51"/>
-            <p:cNvCxnSpPr/>
-            <p:nvPr/>
-          </p:nvCxnSpPr>
-          <p:spPr>
-            <a:xfrm flipH="1">
-              <a:off x="5826034" y="5622568"/>
-              <a:ext cx="475379" cy="0"/>
-            </a:xfrm>
-            <a:prstGeom prst="straightConnector1">
-              <a:avLst/>
-            </a:prstGeom>
-            <a:ln>
-              <a:prstDash val="dash"/>
-              <a:headEnd type="none" w="med" len="med"/>
-              <a:tailEnd type="triangle" w="med" len="med"/>
-            </a:ln>
-          </p:spPr>
-          <p:style>
-            <a:lnRef idx="1">
-              <a:schemeClr val="accent2"/>
-            </a:lnRef>
-            <a:fillRef idx="0">
-              <a:schemeClr val="accent2"/>
-            </a:fillRef>
-            <a:effectRef idx="0">
-              <a:schemeClr val="accent2"/>
-            </a:effectRef>
-            <a:fontRef idx="minor">
-              <a:schemeClr val="tx1"/>
-            </a:fontRef>
-          </p:style>
-        </p:cxnSp>
-        <p:grpSp>
-          <p:nvGrpSpPr>
-            <p:cNvPr id="53" name="Group 52"/>
-            <p:cNvGrpSpPr/>
-            <p:nvPr/>
-          </p:nvGrpSpPr>
-          <p:grpSpPr>
-            <a:xfrm>
-              <a:off x="449946" y="3268403"/>
-              <a:ext cx="508000" cy="808389"/>
-              <a:chOff x="2622102" y="2866883"/>
-              <a:chExt cx="508000" cy="808389"/>
-            </a:xfrm>
-          </p:grpSpPr>
-          <p:sp>
-            <p:nvSpPr>
-              <p:cNvPr id="54" name="Smiley Face 53"/>
-              <p:cNvSpPr/>
-              <p:nvPr/>
-            </p:nvSpPr>
-            <p:spPr>
-              <a:xfrm>
-                <a:off x="2622102" y="2866883"/>
-                <a:ext cx="508000" cy="480291"/>
-              </a:xfrm>
-              <a:prstGeom prst="smileyFace">
-                <a:avLst/>
-              </a:prstGeom>
-              <a:solidFill>
-                <a:schemeClr val="accent2">
-                  <a:lumMod val="20000"/>
-                  <a:lumOff val="80000"/>
-                </a:schemeClr>
-              </a:solidFill>
-              <a:ln>
+              <a:endParaRPr lang="en-SG" dirty="0">
                 <a:solidFill>
-                  <a:schemeClr val="bg2">
-                    <a:lumMod val="50000"/>
-                  </a:schemeClr>
+                  <a:schemeClr val="accent2"/>
                 </a:solidFill>
-              </a:ln>
-            </p:spPr>
-            <p:style>
-              <a:lnRef idx="1">
-                <a:schemeClr val="accent3"/>
-              </a:lnRef>
-              <a:fillRef idx="2">
-                <a:schemeClr val="accent3"/>
-              </a:fillRef>
-              <a:effectRef idx="1">
-                <a:schemeClr val="accent3"/>
-              </a:effectRef>
-              <a:fontRef idx="minor">
-                <a:schemeClr val="dk1"/>
-              </a:fontRef>
-            </p:style>
-            <p:txBody>
-              <a:bodyPr rtlCol="0" anchor="ctr"/>
-              <a:lstStyle/>
-              <a:p>
-                <a:pPr algn="ctr"/>
-                <a:endParaRPr lang="en-SG" dirty="0"/>
-              </a:p>
-            </p:txBody>
-          </p:sp>
-          <p:sp>
-            <p:nvSpPr>
-              <p:cNvPr id="55" name="TextBox 54"/>
-              <p:cNvSpPr txBox="1"/>
-              <p:nvPr/>
-            </p:nvSpPr>
-            <p:spPr>
-              <a:xfrm>
-                <a:off x="2629880" y="3305940"/>
-                <a:ext cx="492443" cy="369332"/>
-              </a:xfrm>
-              <a:prstGeom prst="rect">
-                <a:avLst/>
-              </a:prstGeom>
-              <a:noFill/>
-            </p:spPr>
-            <p:txBody>
-              <a:bodyPr wrap="none" rtlCol="0">
-                <a:spAutoFit/>
-              </a:bodyPr>
-              <a:lstStyle/>
-              <a:p>
-                <a:r>
-                  <a:rPr lang="en-SG" dirty="0">
-                    <a:solidFill>
-                      <a:schemeClr val="bg2">
-                        <a:lumMod val="50000"/>
-                      </a:schemeClr>
-                    </a:solidFill>
-                    <a:latin typeface="Garamond" panose="02020404030301010803" pitchFamily="18" charset="0"/>
-                  </a:rPr>
-                  <a:t>Jim</a:t>
-                </a:r>
-              </a:p>
-            </p:txBody>
-          </p:sp>
-        </p:grpSp>
-        <p:cxnSp>
-          <p:nvCxnSpPr>
-            <p:cNvPr id="56" name="Straight Arrow Connector 55"/>
-            <p:cNvCxnSpPr/>
-            <p:nvPr/>
-          </p:nvCxnSpPr>
-          <p:spPr>
-            <a:xfrm>
-              <a:off x="1109585" y="3525245"/>
-              <a:ext cx="1134295" cy="9429"/>
-            </a:xfrm>
-            <a:prstGeom prst="straightConnector1">
-              <a:avLst/>
-            </a:prstGeom>
-            <a:ln w="38100">
-              <a:solidFill>
-                <a:schemeClr val="accent2">
-                  <a:lumMod val="60000"/>
-                  <a:lumOff val="40000"/>
-                </a:schemeClr>
-              </a:solidFill>
-              <a:headEnd type="arrow" w="med" len="med"/>
-              <a:tailEnd type="none" w="med" len="med"/>
-            </a:ln>
-          </p:spPr>
-          <p:style>
-            <a:lnRef idx="1">
-              <a:schemeClr val="accent1"/>
-            </a:lnRef>
-            <a:fillRef idx="0">
-              <a:schemeClr val="accent1"/>
-            </a:fillRef>
-            <a:effectRef idx="0">
-              <a:schemeClr val="accent1"/>
-            </a:effectRef>
-            <a:fontRef idx="minor">
-              <a:schemeClr val="tx1"/>
-            </a:fontRef>
-          </p:style>
-        </p:cxnSp>
-        <p:sp>
-          <p:nvSpPr>
-            <p:cNvPr id="57" name="TextBox 56"/>
-            <p:cNvSpPr txBox="1"/>
-            <p:nvPr/>
-          </p:nvSpPr>
-          <p:spPr>
-            <a:xfrm>
-              <a:off x="1412557" y="3579634"/>
-              <a:ext cx="609212" cy="369332"/>
-            </a:xfrm>
-            <a:prstGeom prst="rect">
-              <a:avLst/>
-            </a:prstGeom>
-            <a:noFill/>
-          </p:spPr>
-          <p:txBody>
-            <a:bodyPr wrap="square" rtlCol="0">
-              <a:spAutoFit/>
-            </a:bodyPr>
-            <a:lstStyle/>
-            <a:p>
-              <a:r>
-                <a:rPr lang="en-SG" i="1" dirty="0"/>
-                <a:t>Sees</a:t>
-              </a:r>
-            </a:p>
-          </p:txBody>
-        </p:sp>
-        <p:cxnSp>
-          <p:nvCxnSpPr>
-            <p:cNvPr id="58" name="Straight Arrow Connector 57"/>
-            <p:cNvCxnSpPr/>
-            <p:nvPr/>
-          </p:nvCxnSpPr>
-          <p:spPr>
-            <a:xfrm>
-              <a:off x="8982705" y="3499119"/>
-              <a:ext cx="1134295" cy="9429"/>
-            </a:xfrm>
-            <a:prstGeom prst="straightConnector1">
-              <a:avLst/>
-            </a:prstGeom>
-            <a:ln w="38100">
-              <a:solidFill>
-                <a:schemeClr val="accent2">
-                  <a:lumMod val="60000"/>
-                  <a:lumOff val="40000"/>
-                </a:schemeClr>
-              </a:solidFill>
-              <a:headEnd type="arrow" w="med" len="med"/>
-              <a:tailEnd type="none" w="med" len="med"/>
-            </a:ln>
-          </p:spPr>
-          <p:style>
-            <a:lnRef idx="1">
-              <a:schemeClr val="accent1"/>
-            </a:lnRef>
-            <a:fillRef idx="0">
-              <a:schemeClr val="accent1"/>
-            </a:fillRef>
-            <a:effectRef idx="0">
-              <a:schemeClr val="accent1"/>
-            </a:effectRef>
-            <a:fontRef idx="minor">
-              <a:schemeClr val="tx1"/>
-            </a:fontRef>
-          </p:style>
-        </p:cxnSp>
-        <p:sp>
-          <p:nvSpPr>
-            <p:cNvPr id="59" name="TextBox 58"/>
-            <p:cNvSpPr txBox="1"/>
-            <p:nvPr/>
-          </p:nvSpPr>
-          <p:spPr>
-            <a:xfrm>
-              <a:off x="9117720" y="3579634"/>
-              <a:ext cx="999280" cy="369332"/>
-            </a:xfrm>
-            <a:prstGeom prst="rect">
-              <a:avLst/>
-            </a:prstGeom>
-            <a:noFill/>
-          </p:spPr>
-          <p:txBody>
-            <a:bodyPr wrap="square" rtlCol="0">
-              <a:spAutoFit/>
-            </a:bodyPr>
-            <a:lstStyle/>
-            <a:p>
-              <a:r>
-                <a:rPr lang="en-SG" i="1" dirty="0"/>
-                <a:t>Updates</a:t>
-              </a:r>
+              </a:endParaRPr>
             </a:p>
           </p:txBody>
         </p:sp>
@@ -5832,7 +6371,7 @@
     </p:spTree>
     <p:extLst>
       <p:ext uri="{BB962C8B-B14F-4D97-AF65-F5344CB8AC3E}">
-        <p14:creationId xmlns:p14="http://schemas.microsoft.com/office/powerpoint/2010/main" val="144807405"/>
+        <p14:creationId xmlns="" xmlns:p14="http://schemas.microsoft.com/office/powerpoint/2010/main" val="144807405"/>
       </p:ext>
     </p:extLst>
   </p:cSld>
@@ -7681,7 +8220,7 @@
     </p:spTree>
     <p:extLst>
       <p:ext uri="{BB962C8B-B14F-4D97-AF65-F5344CB8AC3E}">
-        <p14:creationId xmlns:p14="http://schemas.microsoft.com/office/powerpoint/2010/main" val="1577130838"/>
+        <p14:creationId xmlns="" xmlns:p14="http://schemas.microsoft.com/office/powerpoint/2010/main" val="1577130838"/>
       </p:ext>
     </p:extLst>
   </p:cSld>
@@ -8303,10 +8842,10 @@
               <p:nvPr/>
             </p:nvPicPr>
             <p:blipFill>
-              <a:blip r:embed="rId2">
+              <a:blip r:embed="rId2" cstate="print">
                 <a:extLst>
                   <a:ext uri="{28A0092B-C50C-407E-A947-70E740481C1C}">
-                    <a14:useLocalDpi xmlns:a14="http://schemas.microsoft.com/office/drawing/2010/main" val="0"/>
+                    <a14:useLocalDpi xmlns="" xmlns:a14="http://schemas.microsoft.com/office/drawing/2010/main" val="0"/>
                   </a:ext>
                 </a:extLst>
               </a:blip>
@@ -8326,7 +8865,7 @@
               <a:noFill/>
               <a:extLst>
                 <a:ext uri="{909E8E84-426E-40DD-AFC4-6F175D3DCCD1}">
-                  <a14:hiddenFill xmlns:a14="http://schemas.microsoft.com/office/drawing/2010/main">
+                  <a14:hiddenFill xmlns="" xmlns:a14="http://schemas.microsoft.com/office/drawing/2010/main">
                     <a:solidFill>
                       <a:srgbClr val="FFFFFF"/>
                     </a:solidFill>
@@ -8670,7 +9209,7 @@
     </p:spTree>
     <p:extLst>
       <p:ext uri="{BB962C8B-B14F-4D97-AF65-F5344CB8AC3E}">
-        <p14:creationId xmlns:p14="http://schemas.microsoft.com/office/powerpoint/2010/main" val="1289237162"/>
+        <p14:creationId xmlns="" xmlns:p14="http://schemas.microsoft.com/office/powerpoint/2010/main" val="1289237162"/>
       </p:ext>
     </p:extLst>
   </p:cSld>
@@ -10145,7 +10684,7 @@
     </p:spTree>
     <p:extLst>
       <p:ext uri="{BB962C8B-B14F-4D97-AF65-F5344CB8AC3E}">
-        <p14:creationId xmlns:p14="http://schemas.microsoft.com/office/powerpoint/2010/main" val="66083343"/>
+        <p14:creationId xmlns="" xmlns:p14="http://schemas.microsoft.com/office/powerpoint/2010/main" val="66083343"/>
       </p:ext>
     </p:extLst>
   </p:cSld>
@@ -10198,7 +10737,7 @@
     </a:clrScheme>
     <a:fontScheme name="Office">
       <a:majorFont>
-        <a:latin typeface="Calibri Light" panose="020F0302020204030204"/>
+        <a:latin typeface="Calibri Light"/>
         <a:ea typeface=""/>
         <a:cs typeface=""/>
         <a:font script="Jpan" typeface="游ゴシック Light"/>
@@ -10250,7 +10789,7 @@
         <a:font script="Tfng" typeface="Ebrima"/>
       </a:majorFont>
       <a:minorFont>
-        <a:latin typeface="Calibri" panose="020F0502020204030204"/>
+        <a:latin typeface="Calibri"/>
         <a:ea typeface=""/>
         <a:cs typeface=""/>
         <a:font script="Jpan" typeface="游ゴシック"/>
@@ -10444,7 +10983,7 @@
   <a:extraClrSchemeLst/>
   <a:extLst>
     <a:ext uri="{05A4C25C-085E-4340-85A3-A5531E510DB2}">
-      <thm15:themeFamily xmlns:thm15="http://schemas.microsoft.com/office/thememl/2012/main" name="Office Theme" id="{62F939B6-93AF-4DB8-9C6B-D6C7DFDC589F}" vid="{4A3C46E8-61CC-4603-A589-7422A47A8E4A}"/>
+      <thm15:themeFamily xmlns="" xmlns:thm15="http://schemas.microsoft.com/office/thememl/2012/main" name="Office Theme" id="{62F939B6-93AF-4DB8-9C6B-D6C7DFDC589F}" vid="{4A3C46E8-61CC-4603-A589-7422A47A8E4A}"/>
     </a:ext>
   </a:extLst>
 </a:theme>

--- a/doc/DeveloperGuide.pptx
+++ b/doc/DeveloperGuide.pptx
@@ -9,8 +9,9 @@
     <p:sldId id="259" r:id="rId3"/>
     <p:sldId id="260" r:id="rId4"/>
     <p:sldId id="261" r:id="rId5"/>
-    <p:sldId id="258" r:id="rId6"/>
-    <p:sldId id="256" r:id="rId7"/>
+    <p:sldId id="262" r:id="rId6"/>
+    <p:sldId id="258" r:id="rId7"/>
+    <p:sldId id="256" r:id="rId8"/>
   </p:sldIdLst>
   <p:sldSz cx="12192000" cy="6858000"/>
   <p:notesSz cx="6858000" cy="9144000"/>
@@ -111,7 +112,7 @@
   </p:defaultTextStyle>
   <p:extLst>
     <p:ext uri="{EFAFB233-063F-42B5-8137-9DF3F51BA10A}">
-      <p15:sldGuideLst xmlns="" xmlns:p15="http://schemas.microsoft.com/office/powerpoint/2012/main"/>
+      <p15:sldGuideLst xmlns:p15="http://schemas.microsoft.com/office/powerpoint/2012/main" xmlns=""/>
     </p:ext>
   </p:extLst>
 </p:presentation>
@@ -249,7 +250,7 @@
             <a:fld id="{6A6D87FE-50F0-4561-88DF-C9C624F56716}" type="datetimeFigureOut">
               <a:rPr lang="en-SG" smtClean="0"/>
               <a:pPr/>
-              <a:t>18/10/2016</a:t>
+              <a:t>27/10/2016</a:t>
             </a:fld>
             <a:endParaRPr lang="en-SG"/>
           </a:p>
@@ -301,7 +302,7 @@
     </p:spTree>
     <p:extLst>
       <p:ext uri="{BB962C8B-B14F-4D97-AF65-F5344CB8AC3E}">
-        <p14:creationId xmlns="" xmlns:p14="http://schemas.microsoft.com/office/powerpoint/2010/main" val="885967701"/>
+        <p14:creationId xmlns:p14="http://schemas.microsoft.com/office/powerpoint/2010/main" xmlns="" val="885967701"/>
       </p:ext>
     </p:extLst>
   </p:cSld>
@@ -421,7 +422,7 @@
             <a:fld id="{6A6D87FE-50F0-4561-88DF-C9C624F56716}" type="datetimeFigureOut">
               <a:rPr lang="en-SG" smtClean="0"/>
               <a:pPr/>
-              <a:t>18/10/2016</a:t>
+              <a:t>27/10/2016</a:t>
             </a:fld>
             <a:endParaRPr lang="en-SG"/>
           </a:p>
@@ -473,7 +474,7 @@
     </p:spTree>
     <p:extLst>
       <p:ext uri="{BB962C8B-B14F-4D97-AF65-F5344CB8AC3E}">
-        <p14:creationId xmlns="" xmlns:p14="http://schemas.microsoft.com/office/powerpoint/2010/main" val="2514989070"/>
+        <p14:creationId xmlns:p14="http://schemas.microsoft.com/office/powerpoint/2010/main" xmlns="" val="2514989070"/>
       </p:ext>
     </p:extLst>
   </p:cSld>
@@ -603,7 +604,7 @@
             <a:fld id="{6A6D87FE-50F0-4561-88DF-C9C624F56716}" type="datetimeFigureOut">
               <a:rPr lang="en-SG" smtClean="0"/>
               <a:pPr/>
-              <a:t>18/10/2016</a:t>
+              <a:t>27/10/2016</a:t>
             </a:fld>
             <a:endParaRPr lang="en-SG"/>
           </a:p>
@@ -655,7 +656,7 @@
     </p:spTree>
     <p:extLst>
       <p:ext uri="{BB962C8B-B14F-4D97-AF65-F5344CB8AC3E}">
-        <p14:creationId xmlns="" xmlns:p14="http://schemas.microsoft.com/office/powerpoint/2010/main" val="1140117352"/>
+        <p14:creationId xmlns:p14="http://schemas.microsoft.com/office/powerpoint/2010/main" xmlns="" val="1140117352"/>
       </p:ext>
     </p:extLst>
   </p:cSld>
@@ -775,7 +776,7 @@
             <a:fld id="{6A6D87FE-50F0-4561-88DF-C9C624F56716}" type="datetimeFigureOut">
               <a:rPr lang="en-SG" smtClean="0"/>
               <a:pPr/>
-              <a:t>18/10/2016</a:t>
+              <a:t>27/10/2016</a:t>
             </a:fld>
             <a:endParaRPr lang="en-SG"/>
           </a:p>
@@ -827,7 +828,7 @@
     </p:spTree>
     <p:extLst>
       <p:ext uri="{BB962C8B-B14F-4D97-AF65-F5344CB8AC3E}">
-        <p14:creationId xmlns="" xmlns:p14="http://schemas.microsoft.com/office/powerpoint/2010/main" val="1305359399"/>
+        <p14:creationId xmlns:p14="http://schemas.microsoft.com/office/powerpoint/2010/main" xmlns="" val="1305359399"/>
       </p:ext>
     </p:extLst>
   </p:cSld>
@@ -1023,7 +1024,7 @@
             <a:fld id="{6A6D87FE-50F0-4561-88DF-C9C624F56716}" type="datetimeFigureOut">
               <a:rPr lang="en-SG" smtClean="0"/>
               <a:pPr/>
-              <a:t>18/10/2016</a:t>
+              <a:t>27/10/2016</a:t>
             </a:fld>
             <a:endParaRPr lang="en-SG"/>
           </a:p>
@@ -1075,7 +1076,7 @@
     </p:spTree>
     <p:extLst>
       <p:ext uri="{BB962C8B-B14F-4D97-AF65-F5344CB8AC3E}">
-        <p14:creationId xmlns="" xmlns:p14="http://schemas.microsoft.com/office/powerpoint/2010/main" val="1635507559"/>
+        <p14:creationId xmlns:p14="http://schemas.microsoft.com/office/powerpoint/2010/main" xmlns="" val="1635507559"/>
       </p:ext>
     </p:extLst>
   </p:cSld>
@@ -1257,7 +1258,7 @@
             <a:fld id="{6A6D87FE-50F0-4561-88DF-C9C624F56716}" type="datetimeFigureOut">
               <a:rPr lang="en-SG" smtClean="0"/>
               <a:pPr/>
-              <a:t>18/10/2016</a:t>
+              <a:t>27/10/2016</a:t>
             </a:fld>
             <a:endParaRPr lang="en-SG"/>
           </a:p>
@@ -1309,7 +1310,7 @@
     </p:spTree>
     <p:extLst>
       <p:ext uri="{BB962C8B-B14F-4D97-AF65-F5344CB8AC3E}">
-        <p14:creationId xmlns="" xmlns:p14="http://schemas.microsoft.com/office/powerpoint/2010/main" val="3880365593"/>
+        <p14:creationId xmlns:p14="http://schemas.microsoft.com/office/powerpoint/2010/main" xmlns="" val="3880365593"/>
       </p:ext>
     </p:extLst>
   </p:cSld>
@@ -1626,7 +1627,7 @@
             <a:fld id="{6A6D87FE-50F0-4561-88DF-C9C624F56716}" type="datetimeFigureOut">
               <a:rPr lang="en-SG" smtClean="0"/>
               <a:pPr/>
-              <a:t>18/10/2016</a:t>
+              <a:t>27/10/2016</a:t>
             </a:fld>
             <a:endParaRPr lang="en-SG"/>
           </a:p>
@@ -1678,7 +1679,7 @@
     </p:spTree>
     <p:extLst>
       <p:ext uri="{BB962C8B-B14F-4D97-AF65-F5344CB8AC3E}">
-        <p14:creationId xmlns="" xmlns:p14="http://schemas.microsoft.com/office/powerpoint/2010/main" val="761753800"/>
+        <p14:creationId xmlns:p14="http://schemas.microsoft.com/office/powerpoint/2010/main" xmlns="" val="761753800"/>
       </p:ext>
     </p:extLst>
   </p:cSld>
@@ -1746,7 +1747,7 @@
             <a:fld id="{6A6D87FE-50F0-4561-88DF-C9C624F56716}" type="datetimeFigureOut">
               <a:rPr lang="en-SG" smtClean="0"/>
               <a:pPr/>
-              <a:t>18/10/2016</a:t>
+              <a:t>27/10/2016</a:t>
             </a:fld>
             <a:endParaRPr lang="en-SG"/>
           </a:p>
@@ -1798,7 +1799,7 @@
     </p:spTree>
     <p:extLst>
       <p:ext uri="{BB962C8B-B14F-4D97-AF65-F5344CB8AC3E}">
-        <p14:creationId xmlns="" xmlns:p14="http://schemas.microsoft.com/office/powerpoint/2010/main" val="442809760"/>
+        <p14:creationId xmlns:p14="http://schemas.microsoft.com/office/powerpoint/2010/main" xmlns="" val="442809760"/>
       </p:ext>
     </p:extLst>
   </p:cSld>
@@ -1843,7 +1844,7 @@
             <a:fld id="{6A6D87FE-50F0-4561-88DF-C9C624F56716}" type="datetimeFigureOut">
               <a:rPr lang="en-SG" smtClean="0"/>
               <a:pPr/>
-              <a:t>18/10/2016</a:t>
+              <a:t>27/10/2016</a:t>
             </a:fld>
             <a:endParaRPr lang="en-SG"/>
           </a:p>
@@ -1895,7 +1896,7 @@
     </p:spTree>
     <p:extLst>
       <p:ext uri="{BB962C8B-B14F-4D97-AF65-F5344CB8AC3E}">
-        <p14:creationId xmlns="" xmlns:p14="http://schemas.microsoft.com/office/powerpoint/2010/main" val="3041616938"/>
+        <p14:creationId xmlns:p14="http://schemas.microsoft.com/office/powerpoint/2010/main" xmlns="" val="3041616938"/>
       </p:ext>
     </p:extLst>
   </p:cSld>
@@ -2122,7 +2123,7 @@
             <a:fld id="{6A6D87FE-50F0-4561-88DF-C9C624F56716}" type="datetimeFigureOut">
               <a:rPr lang="en-SG" smtClean="0"/>
               <a:pPr/>
-              <a:t>18/10/2016</a:t>
+              <a:t>27/10/2016</a:t>
             </a:fld>
             <a:endParaRPr lang="en-SG"/>
           </a:p>
@@ -2174,7 +2175,7 @@
     </p:spTree>
     <p:extLst>
       <p:ext uri="{BB962C8B-B14F-4D97-AF65-F5344CB8AC3E}">
-        <p14:creationId xmlns="" xmlns:p14="http://schemas.microsoft.com/office/powerpoint/2010/main" val="2367210547"/>
+        <p14:creationId xmlns:p14="http://schemas.microsoft.com/office/powerpoint/2010/main" xmlns="" val="2367210547"/>
       </p:ext>
     </p:extLst>
   </p:cSld>
@@ -2377,7 +2378,7 @@
             <a:fld id="{6A6D87FE-50F0-4561-88DF-C9C624F56716}" type="datetimeFigureOut">
               <a:rPr lang="en-SG" smtClean="0"/>
               <a:pPr/>
-              <a:t>18/10/2016</a:t>
+              <a:t>27/10/2016</a:t>
             </a:fld>
             <a:endParaRPr lang="en-SG"/>
           </a:p>
@@ -2429,7 +2430,7 @@
     </p:spTree>
     <p:extLst>
       <p:ext uri="{BB962C8B-B14F-4D97-AF65-F5344CB8AC3E}">
-        <p14:creationId xmlns="" xmlns:p14="http://schemas.microsoft.com/office/powerpoint/2010/main" val="5036302"/>
+        <p14:creationId xmlns:p14="http://schemas.microsoft.com/office/powerpoint/2010/main" xmlns="" val="5036302"/>
       </p:ext>
     </p:extLst>
   </p:cSld>
@@ -2592,7 +2593,7 @@
             <a:fld id="{6A6D87FE-50F0-4561-88DF-C9C624F56716}" type="datetimeFigureOut">
               <a:rPr lang="en-SG" smtClean="0"/>
               <a:pPr/>
-              <a:t>18/10/2016</a:t>
+              <a:t>27/10/2016</a:t>
             </a:fld>
             <a:endParaRPr lang="en-SG"/>
           </a:p>
@@ -2680,7 +2681,7 @@
     </p:spTree>
     <p:extLst>
       <p:ext uri="{BB962C8B-B14F-4D97-AF65-F5344CB8AC3E}">
-        <p14:creationId xmlns="" xmlns:p14="http://schemas.microsoft.com/office/powerpoint/2010/main" val="2495799563"/>
+        <p14:creationId xmlns:p14="http://schemas.microsoft.com/office/powerpoint/2010/main" xmlns="" val="2495799563"/>
       </p:ext>
     </p:extLst>
   </p:cSld>
@@ -3626,7 +3627,7 @@
     </p:spTree>
     <p:extLst>
       <p:ext uri="{BB962C8B-B14F-4D97-AF65-F5344CB8AC3E}">
-        <p14:creationId xmlns="" xmlns:p14="http://schemas.microsoft.com/office/powerpoint/2010/main" val="2395715797"/>
+        <p14:creationId xmlns:p14="http://schemas.microsoft.com/office/powerpoint/2010/main" xmlns="" val="2395715797"/>
       </p:ext>
     </p:extLst>
   </p:cSld>
@@ -4674,7 +4675,7 @@
     </p:spTree>
     <p:extLst>
       <p:ext uri="{BB962C8B-B14F-4D97-AF65-F5344CB8AC3E}">
-        <p14:creationId xmlns="" xmlns:p14="http://schemas.microsoft.com/office/powerpoint/2010/main" val="865566284"/>
+        <p14:creationId xmlns:p14="http://schemas.microsoft.com/office/powerpoint/2010/main" xmlns="" val="865566284"/>
       </p:ext>
     </p:extLst>
   </p:cSld>
@@ -6371,7 +6372,7 @@
     </p:spTree>
     <p:extLst>
       <p:ext uri="{BB962C8B-B14F-4D97-AF65-F5344CB8AC3E}">
-        <p14:creationId xmlns="" xmlns:p14="http://schemas.microsoft.com/office/powerpoint/2010/main" val="144807405"/>
+        <p14:creationId xmlns:p14="http://schemas.microsoft.com/office/powerpoint/2010/main" xmlns="" val="144807405"/>
       </p:ext>
     </p:extLst>
   </p:cSld>
@@ -6437,7 +6438,7 @@
         </p:nvGrpSpPr>
         <p:grpSpPr>
           <a:xfrm>
-            <a:off x="221003" y="605481"/>
+            <a:off x="192128" y="518856"/>
             <a:ext cx="11846594" cy="6153665"/>
             <a:chOff x="221003" y="605481"/>
             <a:chExt cx="11846594" cy="6153665"/>
@@ -6543,13 +6544,26 @@
             <a:p>
               <a:pPr algn="ctr"/>
               <a:r>
-                <a:rPr lang="en-SG" sz="1400" dirty="0">
+                <a:rPr lang="en-SG" sz="1400" dirty="0" err="1" smtClean="0">
                   <a:solidFill>
                     <a:schemeClr val="accent1"/>
                   </a:solidFill>
                 </a:rPr>
-                <a:t>ConsoleController</a:t>
+                <a:t>MainWindow</a:t>
               </a:r>
+              <a:r>
+                <a:rPr lang="en-SG" sz="1400" dirty="0" smtClean="0">
+                  <a:solidFill>
+                    <a:schemeClr val="accent1"/>
+                  </a:solidFill>
+                </a:rPr>
+                <a:t>-Controller</a:t>
+              </a:r>
+              <a:endParaRPr lang="en-SG" sz="1400" dirty="0">
+                <a:solidFill>
+                  <a:schemeClr val="accent1"/>
+                </a:solidFill>
+              </a:endParaRPr>
             </a:p>
           </p:txBody>
         </p:sp>
@@ -6947,7 +6961,7 @@
           </p:nvSpPr>
           <p:spPr>
             <a:xfrm>
-              <a:off x="2409948" y="3526472"/>
+              <a:off x="2388791" y="3526472"/>
               <a:ext cx="1592370" cy="533885"/>
             </a:xfrm>
             <a:prstGeom prst="rect">
@@ -7014,7 +7028,7 @@
           </p:nvSpPr>
           <p:spPr>
             <a:xfrm>
-              <a:off x="2388791" y="4536403"/>
+              <a:off x="2388791" y="4527244"/>
               <a:ext cx="1592370" cy="533885"/>
             </a:xfrm>
             <a:prstGeom prst="rect">
@@ -7071,7 +7085,7 @@
           </p:nvSpPr>
           <p:spPr>
             <a:xfrm>
-              <a:off x="2409948" y="5558691"/>
+              <a:off x="2388791" y="5558691"/>
               <a:ext cx="1592370" cy="533885"/>
             </a:xfrm>
             <a:prstGeom prst="rect">
@@ -7128,7 +7142,7 @@
           </p:nvSpPr>
           <p:spPr>
             <a:xfrm>
-              <a:off x="7009376" y="3960966"/>
+              <a:off x="6903501" y="3152466"/>
               <a:ext cx="1782592" cy="533885"/>
             </a:xfrm>
             <a:prstGeom prst="rect">
@@ -7195,7 +7209,7 @@
           </p:nvSpPr>
           <p:spPr>
             <a:xfrm>
-              <a:off x="7009377" y="2965234"/>
+              <a:off x="6903502" y="2156734"/>
               <a:ext cx="1782591" cy="533885"/>
             </a:xfrm>
             <a:prstGeom prst="rect">
@@ -7252,7 +7266,7 @@
           </p:nvSpPr>
           <p:spPr>
             <a:xfrm>
-              <a:off x="4819636" y="3960966"/>
+              <a:off x="4453886" y="4527244"/>
               <a:ext cx="1592370" cy="533885"/>
             </a:xfrm>
             <a:prstGeom prst="rect">
@@ -7319,7 +7333,7 @@
           </p:nvSpPr>
           <p:spPr>
             <a:xfrm>
-              <a:off x="4815275" y="4770887"/>
+              <a:off x="4449525" y="5309408"/>
               <a:ext cx="1592370" cy="533885"/>
             </a:xfrm>
             <a:prstGeom prst="rect">
@@ -7386,7 +7400,7 @@
           </p:nvSpPr>
           <p:spPr>
             <a:xfrm>
-              <a:off x="4815275" y="5504448"/>
+              <a:off x="4449525" y="6091573"/>
               <a:ext cx="1592370" cy="533885"/>
             </a:xfrm>
             <a:prstGeom prst="rect">
@@ -7453,7 +7467,7 @@
           </p:nvSpPr>
           <p:spPr>
             <a:xfrm>
-              <a:off x="5208225" y="1751427"/>
+              <a:off x="5102350" y="942927"/>
               <a:ext cx="2045986" cy="533885"/>
             </a:xfrm>
             <a:prstGeom prst="rect">
@@ -7520,7 +7534,7 @@
           </p:nvSpPr>
           <p:spPr>
             <a:xfrm>
-              <a:off x="7440746" y="1781329"/>
+              <a:off x="7334871" y="972829"/>
               <a:ext cx="1579686" cy="533885"/>
             </a:xfrm>
             <a:prstGeom prst="rect">
@@ -7581,40 +7595,6 @@
         </p:sp>
         <p:cxnSp>
           <p:nvCxnSpPr>
-            <p:cNvPr id="3" name="Connector: Elbow 2"/>
-            <p:cNvCxnSpPr/>
-            <p:nvPr/>
-          </p:nvCxnSpPr>
-          <p:spPr>
-            <a:xfrm rot="10800000" flipV="1">
-              <a:off x="3981161" y="4287794"/>
-              <a:ext cx="834114" cy="515551"/>
-            </a:xfrm>
-            <a:prstGeom prst="bentConnector3">
-              <a:avLst/>
-            </a:prstGeom>
-            <a:ln>
-              <a:prstDash val="dash"/>
-              <a:tailEnd type="triangle"/>
-            </a:ln>
-          </p:spPr>
-          <p:style>
-            <a:lnRef idx="1">
-              <a:schemeClr val="accent1"/>
-            </a:lnRef>
-            <a:fillRef idx="0">
-              <a:schemeClr val="accent1"/>
-            </a:fillRef>
-            <a:effectRef idx="0">
-              <a:schemeClr val="accent1"/>
-            </a:effectRef>
-            <a:fontRef idx="minor">
-              <a:schemeClr val="tx1"/>
-            </a:fontRef>
-          </p:style>
-        </p:cxnSp>
-        <p:cxnSp>
-          <p:nvCxnSpPr>
             <p:cNvPr id="16" name="Connector: Elbow 15"/>
             <p:cNvCxnSpPr>
               <a:stCxn id="62" idx="1"/>
@@ -7623,13 +7603,11 @@
           </p:nvCxnSpPr>
           <p:spPr>
             <a:xfrm rot="10800000">
-              <a:off x="4398217" y="4770888"/>
-              <a:ext cx="417058" cy="266943"/>
+              <a:off x="4196669" y="4831883"/>
+              <a:ext cx="252857" cy="744469"/>
             </a:xfrm>
-            <a:prstGeom prst="bentConnector3">
-              <a:avLst>
-                <a:gd name="adj1" fmla="val 100368"/>
-              </a:avLst>
+            <a:prstGeom prst="bentConnector2">
+              <a:avLst/>
             </a:prstGeom>
             <a:ln>
               <a:prstDash val="dash"/>
@@ -7660,8 +7638,8 @@
           </p:nvCxnSpPr>
           <p:spPr>
             <a:xfrm rot="10800000">
-              <a:off x="4398217" y="5037829"/>
-              <a:ext cx="417059" cy="733562"/>
+              <a:off x="4196669" y="5563402"/>
+              <a:ext cx="252857" cy="795114"/>
             </a:xfrm>
             <a:prstGeom prst="bentConnector2">
               <a:avLst/>
@@ -7696,7 +7674,7 @@
           </p:nvCxnSpPr>
           <p:spPr>
             <a:xfrm rot="16200000" flipH="1">
-              <a:off x="6725984" y="1790545"/>
+              <a:off x="6620109" y="982045"/>
               <a:ext cx="679922" cy="1669455"/>
             </a:xfrm>
             <a:prstGeom prst="bentConnector3">
@@ -7732,7 +7710,7 @@
           </p:nvCxnSpPr>
           <p:spPr>
             <a:xfrm rot="5400000">
-              <a:off x="7910601" y="2305286"/>
+              <a:off x="7804726" y="1496786"/>
               <a:ext cx="310060" cy="329917"/>
             </a:xfrm>
             <a:prstGeom prst="bentConnector2">
@@ -7845,7 +7823,7 @@
           </p:nvSpPr>
           <p:spPr>
             <a:xfrm>
-              <a:off x="3086248" y="4037493"/>
+              <a:off x="3086248" y="4056743"/>
               <a:ext cx="197456" cy="231649"/>
             </a:xfrm>
             <a:prstGeom prst="diamond">
@@ -7921,15 +7899,15 @@
           <p:nvCxnSpPr>
             <p:cNvPr id="71" name="Straight Arrow Connector 70"/>
             <p:cNvCxnSpPr>
-              <a:stCxn id="67" idx="2"/>
+              <a:stCxn id="67" idx="0"/>
               <a:endCxn id="34" idx="0"/>
             </p:cNvCxnSpPr>
             <p:nvPr/>
           </p:nvCxnSpPr>
           <p:spPr>
             <a:xfrm>
-              <a:off x="3184976" y="2287267"/>
-              <a:ext cx="0" cy="229274"/>
+              <a:off x="3184976" y="2055618"/>
+              <a:ext cx="0" cy="460923"/>
             </a:xfrm>
             <a:prstGeom prst="straightConnector1">
               <a:avLst/>
@@ -7959,13 +7937,16 @@
         <p:cxnSp>
           <p:nvCxnSpPr>
             <p:cNvPr id="72" name="Straight Arrow Connector 71"/>
-            <p:cNvCxnSpPr/>
+            <p:cNvCxnSpPr>
+              <a:stCxn id="68" idx="0"/>
+              <a:endCxn id="35" idx="0"/>
+            </p:cNvCxnSpPr>
             <p:nvPr/>
           </p:nvCxnSpPr>
           <p:spPr>
             <a:xfrm>
-              <a:off x="3189094" y="3304643"/>
-              <a:ext cx="0" cy="229274"/>
+              <a:off x="3184976" y="3067386"/>
+              <a:ext cx="0" cy="459086"/>
             </a:xfrm>
             <a:prstGeom prst="straightConnector1">
               <a:avLst/>
@@ -7995,13 +7976,16 @@
         <p:cxnSp>
           <p:nvCxnSpPr>
             <p:cNvPr id="73" name="Straight Arrow Connector 72"/>
-            <p:cNvCxnSpPr/>
+            <p:cNvCxnSpPr>
+              <a:stCxn id="69" idx="0"/>
+              <a:endCxn id="38" idx="0"/>
+            </p:cNvCxnSpPr>
             <p:nvPr/>
           </p:nvCxnSpPr>
           <p:spPr>
             <a:xfrm>
-              <a:off x="3201451" y="4293186"/>
-              <a:ext cx="0" cy="229274"/>
+              <a:off x="3184976" y="4056743"/>
+              <a:ext cx="0" cy="470501"/>
             </a:xfrm>
             <a:prstGeom prst="straightConnector1">
               <a:avLst/>
@@ -8031,13 +8015,15 @@
         <p:cxnSp>
           <p:nvCxnSpPr>
             <p:cNvPr id="74" name="Straight Arrow Connector 73"/>
-            <p:cNvCxnSpPr/>
+            <p:cNvCxnSpPr>
+              <a:stCxn id="70" idx="0"/>
+            </p:cNvCxnSpPr>
             <p:nvPr/>
           </p:nvCxnSpPr>
           <p:spPr>
-            <a:xfrm>
-              <a:off x="3201452" y="5331157"/>
-              <a:ext cx="0" cy="229274"/>
+            <a:xfrm flipH="1">
+              <a:off x="3201452" y="5092433"/>
+              <a:ext cx="4681" cy="467998"/>
             </a:xfrm>
             <a:prstGeom prst="straightConnector1">
               <a:avLst/>
@@ -8072,7 +8058,7 @@
           </p:nvSpPr>
           <p:spPr>
             <a:xfrm rot="16200000">
-              <a:off x="6452603" y="4112083"/>
+              <a:off x="6057970" y="4699227"/>
               <a:ext cx="197456" cy="231649"/>
             </a:xfrm>
             <a:prstGeom prst="diamond">
@@ -8104,41 +8090,6 @@
             </a:p>
           </p:txBody>
         </p:sp>
-        <p:cxnSp>
-          <p:nvCxnSpPr>
-            <p:cNvPr id="77" name="Straight Arrow Connector 76"/>
-            <p:cNvCxnSpPr>
-              <a:stCxn id="75" idx="0"/>
-            </p:cNvCxnSpPr>
-            <p:nvPr/>
-          </p:nvCxnSpPr>
-          <p:spPr>
-            <a:xfrm flipV="1">
-              <a:off x="6435507" y="4227907"/>
-              <a:ext cx="573869" cy="1"/>
-            </a:xfrm>
-            <a:prstGeom prst="straightConnector1">
-              <a:avLst/>
-            </a:prstGeom>
-            <a:ln>
-              <a:tailEnd type="triangle"/>
-            </a:ln>
-          </p:spPr>
-          <p:style>
-            <a:lnRef idx="1">
-              <a:schemeClr val="accent1"/>
-            </a:lnRef>
-            <a:fillRef idx="0">
-              <a:schemeClr val="accent1"/>
-            </a:fillRef>
-            <a:effectRef idx="0">
-              <a:schemeClr val="accent1"/>
-            </a:effectRef>
-            <a:fontRef idx="minor">
-              <a:schemeClr val="tx1"/>
-            </a:fontRef>
-          </p:style>
-        </p:cxnSp>
         <p:sp>
           <p:nvSpPr>
             <p:cNvPr id="80" name="Diamond 79"/>
@@ -8147,7 +8098,7 @@
           </p:nvSpPr>
           <p:spPr>
             <a:xfrm>
-              <a:off x="7801944" y="3729317"/>
+              <a:off x="7696069" y="2920817"/>
               <a:ext cx="197456" cy="231649"/>
             </a:xfrm>
             <a:prstGeom prst="diamond">
@@ -8187,7 +8138,7 @@
           </p:nvCxnSpPr>
           <p:spPr>
             <a:xfrm>
-              <a:off x="7884672" y="3502353"/>
+              <a:off x="7778797" y="2693853"/>
               <a:ext cx="0" cy="229274"/>
             </a:xfrm>
             <a:prstGeom prst="straightConnector1">
@@ -8217,10 +8168,84 @@
           </p:style>
         </p:cxnSp>
       </p:grpSp>
+      <p:cxnSp>
+        <p:nvCxnSpPr>
+          <p:cNvPr id="44" name="Connector: Elbow 2"/>
+          <p:cNvCxnSpPr>
+            <a:stCxn id="61" idx="1"/>
+            <a:endCxn id="38" idx="3"/>
+          </p:cNvCxnSpPr>
+          <p:nvPr/>
+        </p:nvCxnSpPr>
+        <p:spPr>
+          <a:xfrm rot="10800000">
+            <a:off x="3952287" y="4707562"/>
+            <a:ext cx="472725" cy="12700"/>
+          </a:xfrm>
+          <a:prstGeom prst="bentConnector3">
+            <a:avLst>
+              <a:gd name="adj1" fmla="val 50000"/>
+            </a:avLst>
+          </a:prstGeom>
+          <a:ln>
+            <a:prstDash val="dash"/>
+            <a:tailEnd type="triangle"/>
+          </a:ln>
+        </p:spPr>
+        <p:style>
+          <a:lnRef idx="1">
+            <a:schemeClr val="accent1"/>
+          </a:lnRef>
+          <a:fillRef idx="0">
+            <a:schemeClr val="accent1"/>
+          </a:fillRef>
+          <a:effectRef idx="0">
+            <a:schemeClr val="accent1"/>
+          </a:effectRef>
+          <a:fontRef idx="minor">
+            <a:schemeClr val="tx1"/>
+          </a:fontRef>
+        </p:style>
+      </p:cxnSp>
+      <p:cxnSp>
+        <p:nvCxnSpPr>
+          <p:cNvPr id="97" name="Elbow Connector 96"/>
+          <p:cNvCxnSpPr>
+            <a:endCxn id="50" idx="2"/>
+          </p:cNvCxnSpPr>
+          <p:nvPr/>
+        </p:nvCxnSpPr>
+        <p:spPr>
+          <a:xfrm flipV="1">
+            <a:off x="6017381" y="3599726"/>
+            <a:ext cx="1748541" cy="1136711"/>
+          </a:xfrm>
+          <a:prstGeom prst="bentConnector2">
+            <a:avLst/>
+          </a:prstGeom>
+          <a:ln>
+            <a:tailEnd type="arrow"/>
+          </a:ln>
+        </p:spPr>
+        <p:style>
+          <a:lnRef idx="1">
+            <a:schemeClr val="accent1"/>
+          </a:lnRef>
+          <a:fillRef idx="0">
+            <a:schemeClr val="accent1"/>
+          </a:fillRef>
+          <a:effectRef idx="0">
+            <a:schemeClr val="accent1"/>
+          </a:effectRef>
+          <a:fontRef idx="minor">
+            <a:schemeClr val="tx1"/>
+          </a:fontRef>
+        </p:style>
+      </p:cxnSp>
     </p:spTree>
     <p:extLst>
       <p:ext uri="{BB962C8B-B14F-4D97-AF65-F5344CB8AC3E}">
-        <p14:creationId xmlns="" xmlns:p14="http://schemas.microsoft.com/office/powerpoint/2010/main" val="1577130838"/>
+        <p14:creationId xmlns:p14="http://schemas.microsoft.com/office/powerpoint/2010/main" xmlns="" val="1577130838"/>
       </p:ext>
     </p:extLst>
   </p:cSld>
@@ -8231,6 +8256,1805 @@
 </file>
 
 <file path=ppt/slides/slide5.xml><?xml version="1.0" encoding="utf-8"?>
+<p:sld xmlns:a="http://schemas.openxmlformats.org/drawingml/2006/main" xmlns:r="http://schemas.openxmlformats.org/officeDocument/2006/relationships" xmlns:p="http://schemas.openxmlformats.org/presentationml/2006/main">
+  <p:cSld>
+    <p:spTree>
+      <p:nvGrpSpPr>
+        <p:cNvPr id="1" name=""/>
+        <p:cNvGrpSpPr/>
+        <p:nvPr/>
+      </p:nvGrpSpPr>
+      <p:grpSpPr>
+        <a:xfrm>
+          <a:off x="0" y="0"/>
+          <a:ext cx="0" cy="0"/>
+          <a:chOff x="0" y="0"/>
+          <a:chExt cx="0" cy="0"/>
+        </a:xfrm>
+      </p:grpSpPr>
+      <p:sp>
+        <p:nvSpPr>
+          <p:cNvPr id="4" name="TextBox 3"/>
+          <p:cNvSpPr txBox="1"/>
+          <p:nvPr/>
+        </p:nvSpPr>
+        <p:spPr>
+          <a:xfrm>
+            <a:off x="0" y="0"/>
+            <a:ext cx="3928896" cy="369332"/>
+          </a:xfrm>
+          <a:prstGeom prst="rect">
+            <a:avLst/>
+          </a:prstGeom>
+          <a:noFill/>
+        </p:spPr>
+        <p:txBody>
+          <a:bodyPr wrap="none" rtlCol="0">
+            <a:spAutoFit/>
+          </a:bodyPr>
+          <a:lstStyle/>
+          <a:p>
+            <a:r>
+              <a:rPr lang="en-SG" dirty="0" smtClean="0">
+                <a:latin typeface="Garamond" panose="02020404030301010803" pitchFamily="18" charset="0"/>
+              </a:rPr>
+              <a:t>Sequence Diagram for generic commands</a:t>
+            </a:r>
+            <a:endParaRPr lang="en-SG" dirty="0">
+              <a:latin typeface="Garamond" panose="02020404030301010803" pitchFamily="18" charset="0"/>
+            </a:endParaRPr>
+          </a:p>
+        </p:txBody>
+      </p:sp>
+      <p:grpSp>
+        <p:nvGrpSpPr>
+          <p:cNvPr id="58" name="Group 57"/>
+          <p:cNvGrpSpPr/>
+          <p:nvPr/>
+        </p:nvGrpSpPr>
+        <p:grpSpPr>
+          <a:xfrm>
+            <a:off x="1700911" y="456608"/>
+            <a:ext cx="8790178" cy="5944784"/>
+            <a:chOff x="180567" y="456608"/>
+            <a:chExt cx="8790178" cy="5944784"/>
+          </a:xfrm>
+        </p:grpSpPr>
+        <p:cxnSp>
+          <p:nvCxnSpPr>
+            <p:cNvPr id="53" name="Straight Connector 52"/>
+            <p:cNvCxnSpPr>
+              <a:stCxn id="45" idx="2"/>
+            </p:cNvCxnSpPr>
+            <p:nvPr/>
+          </p:nvCxnSpPr>
+          <p:spPr>
+            <a:xfrm flipH="1">
+              <a:off x="7190519" y="2788768"/>
+              <a:ext cx="6895" cy="1032461"/>
+            </a:xfrm>
+            <a:prstGeom prst="line">
+              <a:avLst/>
+            </a:prstGeom>
+            <a:ln w="19050">
+              <a:solidFill>
+                <a:schemeClr val="tx1"/>
+              </a:solidFill>
+              <a:prstDash val="sysDash"/>
+            </a:ln>
+          </p:spPr>
+          <p:style>
+            <a:lnRef idx="1">
+              <a:schemeClr val="accent1"/>
+            </a:lnRef>
+            <a:fillRef idx="0">
+              <a:schemeClr val="accent1"/>
+            </a:fillRef>
+            <a:effectRef idx="0">
+              <a:schemeClr val="accent1"/>
+            </a:effectRef>
+            <a:fontRef idx="minor">
+              <a:schemeClr val="tx1"/>
+            </a:fontRef>
+          </p:style>
+        </p:cxnSp>
+        <p:grpSp>
+          <p:nvGrpSpPr>
+            <p:cNvPr id="57" name="Group 56"/>
+            <p:cNvGrpSpPr/>
+            <p:nvPr/>
+          </p:nvGrpSpPr>
+          <p:grpSpPr>
+            <a:xfrm>
+              <a:off x="180567" y="456608"/>
+              <a:ext cx="8790178" cy="5944784"/>
+              <a:chOff x="180567" y="717344"/>
+              <a:chExt cx="8790178" cy="5944784"/>
+            </a:xfrm>
+          </p:grpSpPr>
+          <p:sp>
+            <p:nvSpPr>
+              <p:cNvPr id="31" name="TextBox 30"/>
+              <p:cNvSpPr txBox="1"/>
+              <p:nvPr/>
+            </p:nvSpPr>
+            <p:spPr>
+              <a:xfrm>
+                <a:off x="4928145" y="2252316"/>
+                <a:ext cx="4042600" cy="276999"/>
+              </a:xfrm>
+              <a:prstGeom prst="rect">
+                <a:avLst/>
+              </a:prstGeom>
+              <a:noFill/>
+            </p:spPr>
+            <p:txBody>
+              <a:bodyPr wrap="square" rtlCol="0">
+                <a:spAutoFit/>
+              </a:bodyPr>
+              <a:lstStyle/>
+              <a:p>
+                <a:r>
+                  <a:rPr lang="en-SG" sz="1200" dirty="0" smtClean="0"/>
+                  <a:t>[Until first command that respond to </a:t>
+                </a:r>
+                <a:r>
+                  <a:rPr lang="en-SG" sz="1200" dirty="0" err="1" smtClean="0"/>
+                  <a:t>userInput</a:t>
+                </a:r>
+                <a:r>
+                  <a:rPr lang="en-SG" sz="1200" dirty="0" smtClean="0"/>
+                  <a:t>]</a:t>
+                </a:r>
+                <a:endParaRPr lang="en-SG" sz="1200" dirty="0"/>
+              </a:p>
+            </p:txBody>
+          </p:sp>
+          <p:grpSp>
+            <p:nvGrpSpPr>
+              <p:cNvPr id="56" name="Group 55"/>
+              <p:cNvGrpSpPr/>
+              <p:nvPr/>
+            </p:nvGrpSpPr>
+            <p:grpSpPr>
+              <a:xfrm>
+                <a:off x="180567" y="717344"/>
+                <a:ext cx="8135660" cy="5944784"/>
+                <a:chOff x="180567" y="717344"/>
+                <a:chExt cx="8135660" cy="5944784"/>
+              </a:xfrm>
+            </p:grpSpPr>
+            <p:sp>
+              <p:nvSpPr>
+                <p:cNvPr id="43" name="Rectangle 42"/>
+                <p:cNvSpPr/>
+                <p:nvPr/>
+              </p:nvSpPr>
+              <p:spPr>
+                <a:xfrm>
+                  <a:off x="1811275" y="717344"/>
+                  <a:ext cx="1592370" cy="533885"/>
+                </a:xfrm>
+                <a:prstGeom prst="rect">
+                  <a:avLst/>
+                </a:prstGeom>
+                <a:gradFill>
+                  <a:gsLst>
+                    <a:gs pos="29000">
+                      <a:schemeClr val="accent1">
+                        <a:lumMod val="40000"/>
+                        <a:lumOff val="60000"/>
+                      </a:schemeClr>
+                    </a:gs>
+                    <a:gs pos="100000">
+                      <a:schemeClr val="accent1">
+                        <a:lumMod val="20000"/>
+                        <a:lumOff val="80000"/>
+                      </a:schemeClr>
+                    </a:gs>
+                  </a:gsLst>
+                  <a:lin ang="5400000" scaled="1"/>
+                </a:gradFill>
+                <a:ln w="12700">
+                  <a:solidFill>
+                    <a:schemeClr val="accent1"/>
+                  </a:solidFill>
+                </a:ln>
+              </p:spPr>
+              <p:style>
+                <a:lnRef idx="1">
+                  <a:schemeClr val="accent6"/>
+                </a:lnRef>
+                <a:fillRef idx="2">
+                  <a:schemeClr val="accent6"/>
+                </a:fillRef>
+                <a:effectRef idx="1">
+                  <a:schemeClr val="accent6"/>
+                </a:effectRef>
+                <a:fontRef idx="minor">
+                  <a:schemeClr val="dk1"/>
+                </a:fontRef>
+              </p:style>
+              <p:txBody>
+                <a:bodyPr rtlCol="0" anchor="ctr"/>
+                <a:lstStyle/>
+                <a:p>
+                  <a:pPr algn="ctr"/>
+                  <a:r>
+                    <a:rPr lang="en-SG" sz="1400" dirty="0" smtClean="0">
+                      <a:solidFill>
+                        <a:schemeClr val="accent1"/>
+                      </a:solidFill>
+                    </a:rPr>
+                    <a:t>:</a:t>
+                  </a:r>
+                  <a:r>
+                    <a:rPr lang="en-SG" sz="1400" dirty="0" err="1" smtClean="0">
+                      <a:solidFill>
+                        <a:schemeClr val="accent1"/>
+                      </a:solidFill>
+                    </a:rPr>
+                    <a:t>ControlUnit</a:t>
+                  </a:r>
+                  <a:endParaRPr lang="en-SG" sz="1400" dirty="0">
+                    <a:solidFill>
+                      <a:schemeClr val="accent1"/>
+                    </a:solidFill>
+                  </a:endParaRPr>
+                </a:p>
+              </p:txBody>
+            </p:sp>
+            <p:sp>
+              <p:nvSpPr>
+                <p:cNvPr id="44" name="Rectangle 43"/>
+                <p:cNvSpPr/>
+                <p:nvPr/>
+              </p:nvSpPr>
+              <p:spPr>
+                <a:xfrm>
+                  <a:off x="4097429" y="908244"/>
+                  <a:ext cx="1636217" cy="533885"/>
+                </a:xfrm>
+                <a:prstGeom prst="rect">
+                  <a:avLst/>
+                </a:prstGeom>
+                <a:gradFill>
+                  <a:gsLst>
+                    <a:gs pos="29000">
+                      <a:schemeClr val="accent1">
+                        <a:lumMod val="40000"/>
+                        <a:lumOff val="60000"/>
+                      </a:schemeClr>
+                    </a:gs>
+                    <a:gs pos="100000">
+                      <a:schemeClr val="accent1">
+                        <a:lumMod val="20000"/>
+                        <a:lumOff val="80000"/>
+                      </a:schemeClr>
+                    </a:gs>
+                  </a:gsLst>
+                  <a:lin ang="5400000" scaled="1"/>
+                </a:gradFill>
+                <a:ln w="12700">
+                  <a:solidFill>
+                    <a:schemeClr val="accent1"/>
+                  </a:solidFill>
+                </a:ln>
+              </p:spPr>
+              <p:style>
+                <a:lnRef idx="1">
+                  <a:schemeClr val="accent6"/>
+                </a:lnRef>
+                <a:fillRef idx="2">
+                  <a:schemeClr val="accent6"/>
+                </a:fillRef>
+                <a:effectRef idx="1">
+                  <a:schemeClr val="accent6"/>
+                </a:effectRef>
+                <a:fontRef idx="minor">
+                  <a:schemeClr val="dk1"/>
+                </a:fontRef>
+              </p:style>
+              <p:txBody>
+                <a:bodyPr rtlCol="0" anchor="ctr"/>
+                <a:lstStyle/>
+                <a:p>
+                  <a:pPr algn="ctr"/>
+                  <a:r>
+                    <a:rPr lang="en-SG" sz="1400" dirty="0" smtClean="0">
+                      <a:solidFill>
+                        <a:schemeClr val="accent1"/>
+                      </a:solidFill>
+                    </a:rPr>
+                    <a:t>:</a:t>
+                  </a:r>
+                  <a:r>
+                    <a:rPr lang="en-SG" sz="1400" dirty="0" err="1" smtClean="0">
+                      <a:solidFill>
+                        <a:schemeClr val="accent1"/>
+                      </a:solidFill>
+                    </a:rPr>
+                    <a:t>CommandManager</a:t>
+                  </a:r>
+                  <a:endParaRPr lang="en-SG" sz="1400" dirty="0">
+                    <a:solidFill>
+                      <a:schemeClr val="accent1"/>
+                    </a:solidFill>
+                  </a:endParaRPr>
+                </a:p>
+              </p:txBody>
+            </p:sp>
+            <p:sp>
+              <p:nvSpPr>
+                <p:cNvPr id="45" name="Rectangle 44"/>
+                <p:cNvSpPr/>
+                <p:nvPr/>
+              </p:nvSpPr>
+              <p:spPr>
+                <a:xfrm>
+                  <a:off x="6379305" y="2515619"/>
+                  <a:ext cx="1636217" cy="533885"/>
+                </a:xfrm>
+                <a:prstGeom prst="rect">
+                  <a:avLst/>
+                </a:prstGeom>
+                <a:gradFill>
+                  <a:gsLst>
+                    <a:gs pos="29000">
+                      <a:schemeClr val="accent1">
+                        <a:lumMod val="40000"/>
+                        <a:lumOff val="60000"/>
+                      </a:schemeClr>
+                    </a:gs>
+                    <a:gs pos="100000">
+                      <a:schemeClr val="accent1">
+                        <a:lumMod val="20000"/>
+                        <a:lumOff val="80000"/>
+                      </a:schemeClr>
+                    </a:gs>
+                  </a:gsLst>
+                  <a:lin ang="5400000" scaled="1"/>
+                </a:gradFill>
+                <a:ln w="12700">
+                  <a:solidFill>
+                    <a:schemeClr val="accent1"/>
+                  </a:solidFill>
+                </a:ln>
+              </p:spPr>
+              <p:style>
+                <a:lnRef idx="1">
+                  <a:schemeClr val="accent6"/>
+                </a:lnRef>
+                <a:fillRef idx="2">
+                  <a:schemeClr val="accent6"/>
+                </a:fillRef>
+                <a:effectRef idx="1">
+                  <a:schemeClr val="accent6"/>
+                </a:effectRef>
+                <a:fontRef idx="minor">
+                  <a:schemeClr val="dk1"/>
+                </a:fontRef>
+              </p:style>
+              <p:txBody>
+                <a:bodyPr rtlCol="0" anchor="ctr"/>
+                <a:lstStyle/>
+                <a:p>
+                  <a:pPr algn="ctr"/>
+                  <a:r>
+                    <a:rPr lang="en-SG" sz="1400" dirty="0" smtClean="0">
+                      <a:solidFill>
+                        <a:schemeClr val="accent1"/>
+                      </a:solidFill>
+                    </a:rPr>
+                    <a:t>:Command</a:t>
+                  </a:r>
+                  <a:endParaRPr lang="en-SG" sz="1400" dirty="0">
+                    <a:solidFill>
+                      <a:schemeClr val="accent1"/>
+                    </a:solidFill>
+                  </a:endParaRPr>
+                </a:p>
+              </p:txBody>
+            </p:sp>
+            <p:sp>
+              <p:nvSpPr>
+                <p:cNvPr id="46" name="Rectangle 45"/>
+                <p:cNvSpPr/>
+                <p:nvPr/>
+              </p:nvSpPr>
+              <p:spPr>
+                <a:xfrm>
+                  <a:off x="6360742" y="4246605"/>
+                  <a:ext cx="1636217" cy="533885"/>
+                </a:xfrm>
+                <a:prstGeom prst="rect">
+                  <a:avLst/>
+                </a:prstGeom>
+                <a:gradFill>
+                  <a:gsLst>
+                    <a:gs pos="29000">
+                      <a:schemeClr val="accent1">
+                        <a:lumMod val="40000"/>
+                        <a:lumOff val="60000"/>
+                      </a:schemeClr>
+                    </a:gs>
+                    <a:gs pos="100000">
+                      <a:schemeClr val="accent1">
+                        <a:lumMod val="20000"/>
+                        <a:lumOff val="80000"/>
+                      </a:schemeClr>
+                    </a:gs>
+                  </a:gsLst>
+                  <a:lin ang="5400000" scaled="1"/>
+                </a:gradFill>
+                <a:ln w="12700">
+                  <a:solidFill>
+                    <a:schemeClr val="accent1"/>
+                  </a:solidFill>
+                </a:ln>
+              </p:spPr>
+              <p:style>
+                <a:lnRef idx="1">
+                  <a:schemeClr val="accent6"/>
+                </a:lnRef>
+                <a:fillRef idx="2">
+                  <a:schemeClr val="accent6"/>
+                </a:fillRef>
+                <a:effectRef idx="1">
+                  <a:schemeClr val="accent6"/>
+                </a:effectRef>
+                <a:fontRef idx="minor">
+                  <a:schemeClr val="dk1"/>
+                </a:fontRef>
+              </p:style>
+              <p:txBody>
+                <a:bodyPr rtlCol="0" anchor="ctr"/>
+                <a:lstStyle/>
+                <a:p>
+                  <a:pPr algn="ctr"/>
+                  <a:r>
+                    <a:rPr lang="en-SG" sz="1400" dirty="0" err="1" smtClean="0">
+                      <a:solidFill>
+                        <a:schemeClr val="accent1"/>
+                      </a:solidFill>
+                    </a:rPr>
+                    <a:t>FoundCommand</a:t>
+                  </a:r>
+                  <a:endParaRPr lang="en-SG" sz="1400" dirty="0" smtClean="0">
+                    <a:solidFill>
+                      <a:schemeClr val="accent1"/>
+                    </a:solidFill>
+                  </a:endParaRPr>
+                </a:p>
+                <a:p>
+                  <a:pPr algn="ctr"/>
+                  <a:r>
+                    <a:rPr lang="en-SG" sz="1400" dirty="0" smtClean="0">
+                      <a:solidFill>
+                        <a:schemeClr val="accent1"/>
+                      </a:solidFill>
+                    </a:rPr>
+                    <a:t>:Command</a:t>
+                  </a:r>
+                  <a:endParaRPr lang="en-SG" sz="1400" dirty="0">
+                    <a:solidFill>
+                      <a:schemeClr val="accent1"/>
+                    </a:solidFill>
+                  </a:endParaRPr>
+                </a:p>
+              </p:txBody>
+            </p:sp>
+            <p:cxnSp>
+              <p:nvCxnSpPr>
+                <p:cNvPr id="48" name="Straight Connector 47"/>
+                <p:cNvCxnSpPr>
+                  <a:stCxn id="43" idx="2"/>
+                </p:cNvCxnSpPr>
+                <p:nvPr/>
+              </p:nvCxnSpPr>
+              <p:spPr>
+                <a:xfrm>
+                  <a:off x="2607460" y="1251229"/>
+                  <a:ext cx="0" cy="5400000"/>
+                </a:xfrm>
+                <a:prstGeom prst="line">
+                  <a:avLst/>
+                </a:prstGeom>
+                <a:ln w="19050">
+                  <a:solidFill>
+                    <a:schemeClr val="tx1"/>
+                  </a:solidFill>
+                  <a:prstDash val="sysDash"/>
+                </a:ln>
+              </p:spPr>
+              <p:style>
+                <a:lnRef idx="1">
+                  <a:schemeClr val="accent1"/>
+                </a:lnRef>
+                <a:fillRef idx="0">
+                  <a:schemeClr val="accent1"/>
+                </a:fillRef>
+                <a:effectRef idx="0">
+                  <a:schemeClr val="accent1"/>
+                </a:effectRef>
+                <a:fontRef idx="minor">
+                  <a:schemeClr val="tx1"/>
+                </a:fontRef>
+              </p:style>
+            </p:cxnSp>
+            <p:cxnSp>
+              <p:nvCxnSpPr>
+                <p:cNvPr id="51" name="Straight Connector 50"/>
+                <p:cNvCxnSpPr>
+                  <a:stCxn id="44" idx="2"/>
+                </p:cNvCxnSpPr>
+                <p:nvPr/>
+              </p:nvCxnSpPr>
+              <p:spPr>
+                <a:xfrm flipH="1">
+                  <a:off x="4906294" y="1442128"/>
+                  <a:ext cx="9244" cy="5220000"/>
+                </a:xfrm>
+                <a:prstGeom prst="line">
+                  <a:avLst/>
+                </a:prstGeom>
+                <a:ln w="19050">
+                  <a:solidFill>
+                    <a:schemeClr val="tx1"/>
+                  </a:solidFill>
+                  <a:prstDash val="sysDash"/>
+                </a:ln>
+              </p:spPr>
+              <p:style>
+                <a:lnRef idx="1">
+                  <a:schemeClr val="accent1"/>
+                </a:lnRef>
+                <a:fillRef idx="0">
+                  <a:schemeClr val="accent1"/>
+                </a:fillRef>
+                <a:effectRef idx="0">
+                  <a:schemeClr val="accent1"/>
+                </a:effectRef>
+                <a:fontRef idx="minor">
+                  <a:schemeClr val="tx1"/>
+                </a:fontRef>
+              </p:style>
+            </p:cxnSp>
+            <p:cxnSp>
+              <p:nvCxnSpPr>
+                <p:cNvPr id="66" name="Straight Connector 65"/>
+                <p:cNvCxnSpPr>
+                  <a:stCxn id="46" idx="2"/>
+                </p:cNvCxnSpPr>
+                <p:nvPr/>
+              </p:nvCxnSpPr>
+              <p:spPr>
+                <a:xfrm>
+                  <a:off x="7178851" y="4780490"/>
+                  <a:ext cx="1595" cy="1851316"/>
+                </a:xfrm>
+                <a:prstGeom prst="line">
+                  <a:avLst/>
+                </a:prstGeom>
+                <a:ln w="19050">
+                  <a:solidFill>
+                    <a:schemeClr val="tx1"/>
+                  </a:solidFill>
+                  <a:prstDash val="sysDash"/>
+                </a:ln>
+              </p:spPr>
+              <p:style>
+                <a:lnRef idx="1">
+                  <a:schemeClr val="accent1"/>
+                </a:lnRef>
+                <a:fillRef idx="0">
+                  <a:schemeClr val="accent1"/>
+                </a:fillRef>
+                <a:effectRef idx="0">
+                  <a:schemeClr val="accent1"/>
+                </a:effectRef>
+                <a:fontRef idx="minor">
+                  <a:schemeClr val="tx1"/>
+                </a:fontRef>
+              </p:style>
+            </p:cxnSp>
+            <p:sp>
+              <p:nvSpPr>
+                <p:cNvPr id="78" name="Rectangle 77"/>
+                <p:cNvSpPr/>
+                <p:nvPr/>
+              </p:nvSpPr>
+              <p:spPr>
+                <a:xfrm>
+                  <a:off x="2550814" y="1418389"/>
+                  <a:ext cx="108000" cy="5040000"/>
+                </a:xfrm>
+                <a:prstGeom prst="rect">
+                  <a:avLst/>
+                </a:prstGeom>
+                <a:gradFill>
+                  <a:gsLst>
+                    <a:gs pos="29000">
+                      <a:schemeClr val="accent1">
+                        <a:lumMod val="40000"/>
+                        <a:lumOff val="60000"/>
+                      </a:schemeClr>
+                    </a:gs>
+                    <a:gs pos="100000">
+                      <a:schemeClr val="accent1">
+                        <a:lumMod val="20000"/>
+                        <a:lumOff val="80000"/>
+                      </a:schemeClr>
+                    </a:gs>
+                  </a:gsLst>
+                  <a:lin ang="5400000" scaled="1"/>
+                </a:gradFill>
+                <a:ln w="12700">
+                  <a:solidFill>
+                    <a:schemeClr val="accent1"/>
+                  </a:solidFill>
+                </a:ln>
+              </p:spPr>
+              <p:style>
+                <a:lnRef idx="1">
+                  <a:schemeClr val="accent6"/>
+                </a:lnRef>
+                <a:fillRef idx="2">
+                  <a:schemeClr val="accent6"/>
+                </a:fillRef>
+                <a:effectRef idx="1">
+                  <a:schemeClr val="accent6"/>
+                </a:effectRef>
+                <a:fontRef idx="minor">
+                  <a:schemeClr val="dk1"/>
+                </a:fontRef>
+              </p:style>
+              <p:txBody>
+                <a:bodyPr rtlCol="0" anchor="ctr"/>
+                <a:lstStyle/>
+                <a:p>
+                  <a:pPr algn="ctr"/>
+                  <a:r>
+                    <a:rPr lang="en-SG" sz="1400" dirty="0" smtClean="0">
+                      <a:solidFill>
+                        <a:schemeClr val="accent1"/>
+                      </a:solidFill>
+                    </a:rPr>
+                    <a:t>:</a:t>
+                  </a:r>
+                  <a:endParaRPr lang="en-SG" sz="1400" dirty="0">
+                    <a:solidFill>
+                      <a:schemeClr val="accent1"/>
+                    </a:solidFill>
+                  </a:endParaRPr>
+                </a:p>
+              </p:txBody>
+            </p:sp>
+            <p:sp>
+              <p:nvSpPr>
+                <p:cNvPr id="79" name="Rectangle 78"/>
+                <p:cNvSpPr/>
+                <p:nvPr/>
+              </p:nvSpPr>
+              <p:spPr>
+                <a:xfrm>
+                  <a:off x="4861537" y="1822639"/>
+                  <a:ext cx="108000" cy="2160000"/>
+                </a:xfrm>
+                <a:prstGeom prst="rect">
+                  <a:avLst/>
+                </a:prstGeom>
+                <a:gradFill>
+                  <a:gsLst>
+                    <a:gs pos="29000">
+                      <a:schemeClr val="accent1">
+                        <a:lumMod val="40000"/>
+                        <a:lumOff val="60000"/>
+                      </a:schemeClr>
+                    </a:gs>
+                    <a:gs pos="100000">
+                      <a:schemeClr val="accent1">
+                        <a:lumMod val="20000"/>
+                        <a:lumOff val="80000"/>
+                      </a:schemeClr>
+                    </a:gs>
+                  </a:gsLst>
+                  <a:lin ang="5400000" scaled="1"/>
+                </a:gradFill>
+                <a:ln w="12700">
+                  <a:solidFill>
+                    <a:schemeClr val="accent1"/>
+                  </a:solidFill>
+                </a:ln>
+              </p:spPr>
+              <p:style>
+                <a:lnRef idx="1">
+                  <a:schemeClr val="accent6"/>
+                </a:lnRef>
+                <a:fillRef idx="2">
+                  <a:schemeClr val="accent6"/>
+                </a:fillRef>
+                <a:effectRef idx="1">
+                  <a:schemeClr val="accent6"/>
+                </a:effectRef>
+                <a:fontRef idx="minor">
+                  <a:schemeClr val="dk1"/>
+                </a:fontRef>
+              </p:style>
+              <p:txBody>
+                <a:bodyPr rtlCol="0" anchor="ctr"/>
+                <a:lstStyle/>
+                <a:p>
+                  <a:pPr algn="ctr"/>
+                  <a:r>
+                    <a:rPr lang="en-SG" sz="1400" dirty="0" smtClean="0">
+                      <a:solidFill>
+                        <a:schemeClr val="accent1"/>
+                      </a:solidFill>
+                    </a:rPr>
+                    <a:t>:</a:t>
+                  </a:r>
+                  <a:endParaRPr lang="en-SG" sz="1400" dirty="0">
+                    <a:solidFill>
+                      <a:schemeClr val="accent1"/>
+                    </a:solidFill>
+                  </a:endParaRPr>
+                </a:p>
+              </p:txBody>
+            </p:sp>
+            <p:sp>
+              <p:nvSpPr>
+                <p:cNvPr id="82" name="Rectangle 81"/>
+                <p:cNvSpPr/>
+                <p:nvPr/>
+              </p:nvSpPr>
+              <p:spPr>
+                <a:xfrm>
+                  <a:off x="4861537" y="4204014"/>
+                  <a:ext cx="108000" cy="1800000"/>
+                </a:xfrm>
+                <a:prstGeom prst="rect">
+                  <a:avLst/>
+                </a:prstGeom>
+                <a:gradFill>
+                  <a:gsLst>
+                    <a:gs pos="29000">
+                      <a:schemeClr val="accent1">
+                        <a:lumMod val="40000"/>
+                        <a:lumOff val="60000"/>
+                      </a:schemeClr>
+                    </a:gs>
+                    <a:gs pos="100000">
+                      <a:schemeClr val="accent1">
+                        <a:lumMod val="20000"/>
+                        <a:lumOff val="80000"/>
+                      </a:schemeClr>
+                    </a:gs>
+                  </a:gsLst>
+                  <a:lin ang="5400000" scaled="1"/>
+                </a:gradFill>
+                <a:ln w="12700">
+                  <a:solidFill>
+                    <a:schemeClr val="accent1"/>
+                  </a:solidFill>
+                </a:ln>
+              </p:spPr>
+              <p:style>
+                <a:lnRef idx="1">
+                  <a:schemeClr val="accent6"/>
+                </a:lnRef>
+                <a:fillRef idx="2">
+                  <a:schemeClr val="accent6"/>
+                </a:fillRef>
+                <a:effectRef idx="1">
+                  <a:schemeClr val="accent6"/>
+                </a:effectRef>
+                <a:fontRef idx="minor">
+                  <a:schemeClr val="dk1"/>
+                </a:fontRef>
+              </p:style>
+              <p:txBody>
+                <a:bodyPr rtlCol="0" anchor="ctr"/>
+                <a:lstStyle/>
+                <a:p>
+                  <a:pPr algn="ctr"/>
+                  <a:r>
+                    <a:rPr lang="en-SG" sz="1400" dirty="0" smtClean="0">
+                      <a:solidFill>
+                        <a:schemeClr val="accent1"/>
+                      </a:solidFill>
+                    </a:rPr>
+                    <a:t>:</a:t>
+                  </a:r>
+                  <a:endParaRPr lang="en-SG" sz="1400" dirty="0">
+                    <a:solidFill>
+                      <a:schemeClr val="accent1"/>
+                    </a:solidFill>
+                  </a:endParaRPr>
+                </a:p>
+              </p:txBody>
+            </p:sp>
+            <p:sp>
+              <p:nvSpPr>
+                <p:cNvPr id="83" name="Rectangle 82"/>
+                <p:cNvSpPr/>
+                <p:nvPr/>
+              </p:nvSpPr>
+              <p:spPr>
+                <a:xfrm>
+                  <a:off x="7131496" y="3208639"/>
+                  <a:ext cx="108000" cy="792000"/>
+                </a:xfrm>
+                <a:prstGeom prst="rect">
+                  <a:avLst/>
+                </a:prstGeom>
+                <a:gradFill>
+                  <a:gsLst>
+                    <a:gs pos="29000">
+                      <a:schemeClr val="accent1">
+                        <a:lumMod val="40000"/>
+                        <a:lumOff val="60000"/>
+                      </a:schemeClr>
+                    </a:gs>
+                    <a:gs pos="100000">
+                      <a:schemeClr val="accent1">
+                        <a:lumMod val="20000"/>
+                        <a:lumOff val="80000"/>
+                      </a:schemeClr>
+                    </a:gs>
+                  </a:gsLst>
+                  <a:lin ang="5400000" scaled="1"/>
+                </a:gradFill>
+                <a:ln w="12700">
+                  <a:solidFill>
+                    <a:schemeClr val="accent1"/>
+                  </a:solidFill>
+                </a:ln>
+              </p:spPr>
+              <p:style>
+                <a:lnRef idx="1">
+                  <a:schemeClr val="accent6"/>
+                </a:lnRef>
+                <a:fillRef idx="2">
+                  <a:schemeClr val="accent6"/>
+                </a:fillRef>
+                <a:effectRef idx="1">
+                  <a:schemeClr val="accent6"/>
+                </a:effectRef>
+                <a:fontRef idx="minor">
+                  <a:schemeClr val="dk1"/>
+                </a:fontRef>
+              </p:style>
+              <p:txBody>
+                <a:bodyPr rtlCol="0" anchor="ctr"/>
+                <a:lstStyle/>
+                <a:p>
+                  <a:pPr algn="ctr"/>
+                  <a:r>
+                    <a:rPr lang="en-SG" sz="1400" dirty="0" smtClean="0">
+                      <a:solidFill>
+                        <a:schemeClr val="accent1"/>
+                      </a:solidFill>
+                    </a:rPr>
+                    <a:t>:</a:t>
+                  </a:r>
+                  <a:endParaRPr lang="en-SG" sz="1400" dirty="0">
+                    <a:solidFill>
+                      <a:schemeClr val="accent1"/>
+                    </a:solidFill>
+                  </a:endParaRPr>
+                </a:p>
+              </p:txBody>
+            </p:sp>
+            <p:grpSp>
+              <p:nvGrpSpPr>
+                <p:cNvPr id="90" name="Group 89"/>
+                <p:cNvGrpSpPr/>
+                <p:nvPr/>
+              </p:nvGrpSpPr>
+              <p:grpSpPr>
+                <a:xfrm>
+                  <a:off x="288757" y="1434172"/>
+                  <a:ext cx="2242686" cy="356135"/>
+                  <a:chOff x="240632" y="1722922"/>
+                  <a:chExt cx="2242686" cy="356135"/>
+                </a:xfrm>
+              </p:grpSpPr>
+              <p:cxnSp>
+                <p:nvCxnSpPr>
+                  <p:cNvPr id="85" name="Straight Arrow Connector 84"/>
+                  <p:cNvCxnSpPr/>
+                  <p:nvPr/>
+                </p:nvCxnSpPr>
+                <p:spPr>
+                  <a:xfrm>
+                    <a:off x="240632" y="2079057"/>
+                    <a:ext cx="2242686" cy="0"/>
+                  </a:xfrm>
+                  <a:prstGeom prst="straightConnector1">
+                    <a:avLst/>
+                  </a:prstGeom>
+                  <a:ln w="28575">
+                    <a:solidFill>
+                      <a:schemeClr val="accent1">
+                        <a:lumMod val="75000"/>
+                      </a:schemeClr>
+                    </a:solidFill>
+                    <a:tailEnd type="arrow"/>
+                  </a:ln>
+                </p:spPr>
+                <p:style>
+                  <a:lnRef idx="1">
+                    <a:schemeClr val="accent1"/>
+                  </a:lnRef>
+                  <a:fillRef idx="0">
+                    <a:schemeClr val="accent1"/>
+                  </a:fillRef>
+                  <a:effectRef idx="0">
+                    <a:schemeClr val="accent1"/>
+                  </a:effectRef>
+                  <a:fontRef idx="minor">
+                    <a:schemeClr val="tx1"/>
+                  </a:fontRef>
+                </p:style>
+              </p:cxnSp>
+              <p:sp>
+                <p:nvSpPr>
+                  <p:cNvPr id="89" name="TextBox 88"/>
+                  <p:cNvSpPr txBox="1"/>
+                  <p:nvPr/>
+                </p:nvSpPr>
+                <p:spPr>
+                  <a:xfrm>
+                    <a:off x="250257" y="1722922"/>
+                    <a:ext cx="2233061" cy="353943"/>
+                  </a:xfrm>
+                  <a:prstGeom prst="rect">
+                    <a:avLst/>
+                  </a:prstGeom>
+                  <a:noFill/>
+                </p:spPr>
+                <p:txBody>
+                  <a:bodyPr wrap="square" rtlCol="0">
+                    <a:spAutoFit/>
+                  </a:bodyPr>
+                  <a:lstStyle/>
+                  <a:p>
+                    <a:pPr algn="ctr"/>
+                    <a:r>
+                      <a:rPr lang="en-SG" sz="1700" i="1" dirty="0" smtClean="0"/>
+                      <a:t>execute(</a:t>
+                    </a:r>
+                    <a:r>
+                      <a:rPr lang="en-SG" sz="1700" i="1" dirty="0" err="1" smtClean="0"/>
+                      <a:t>userInput</a:t>
+                    </a:r>
+                    <a:r>
+                      <a:rPr lang="en-SG" sz="1700" i="1" dirty="0" smtClean="0"/>
+                      <a:t>);</a:t>
+                    </a:r>
+                    <a:endParaRPr lang="en-SG" sz="1700" i="1" dirty="0"/>
+                  </a:p>
+                </p:txBody>
+              </p:sp>
+            </p:grpSp>
+            <p:grpSp>
+              <p:nvGrpSpPr>
+                <p:cNvPr id="22" name="Group 21"/>
+                <p:cNvGrpSpPr/>
+                <p:nvPr/>
+              </p:nvGrpSpPr>
+              <p:grpSpPr>
+                <a:xfrm>
+                  <a:off x="2508192" y="1750201"/>
+                  <a:ext cx="2520000" cy="385010"/>
+                  <a:chOff x="141981" y="1694047"/>
+                  <a:chExt cx="2520000" cy="385010"/>
+                </a:xfrm>
+              </p:grpSpPr>
+              <p:cxnSp>
+                <p:nvCxnSpPr>
+                  <p:cNvPr id="23" name="Straight Arrow Connector 22"/>
+                  <p:cNvCxnSpPr/>
+                  <p:nvPr/>
+                </p:nvCxnSpPr>
+                <p:spPr>
+                  <a:xfrm>
+                    <a:off x="339981" y="2079057"/>
+                    <a:ext cx="2124000" cy="0"/>
+                  </a:xfrm>
+                  <a:prstGeom prst="straightConnector1">
+                    <a:avLst/>
+                  </a:prstGeom>
+                  <a:ln w="28575">
+                    <a:solidFill>
+                      <a:schemeClr val="accent1">
+                        <a:lumMod val="75000"/>
+                      </a:schemeClr>
+                    </a:solidFill>
+                    <a:tailEnd type="arrow"/>
+                  </a:ln>
+                </p:spPr>
+                <p:style>
+                  <a:lnRef idx="1">
+                    <a:schemeClr val="accent1"/>
+                  </a:lnRef>
+                  <a:fillRef idx="0">
+                    <a:schemeClr val="accent1"/>
+                  </a:fillRef>
+                  <a:effectRef idx="0">
+                    <a:schemeClr val="accent1"/>
+                  </a:effectRef>
+                  <a:fontRef idx="minor">
+                    <a:schemeClr val="tx1"/>
+                  </a:fontRef>
+                </p:style>
+              </p:cxnSp>
+              <p:sp>
+                <p:nvSpPr>
+                  <p:cNvPr id="24" name="TextBox 23"/>
+                  <p:cNvSpPr txBox="1"/>
+                  <p:nvPr/>
+                </p:nvSpPr>
+                <p:spPr>
+                  <a:xfrm>
+                    <a:off x="141981" y="1694047"/>
+                    <a:ext cx="2520000" cy="353943"/>
+                  </a:xfrm>
+                  <a:prstGeom prst="rect">
+                    <a:avLst/>
+                  </a:prstGeom>
+                  <a:noFill/>
+                </p:spPr>
+                <p:txBody>
+                  <a:bodyPr wrap="square" rtlCol="0">
+                    <a:spAutoFit/>
+                  </a:bodyPr>
+                  <a:lstStyle/>
+                  <a:p>
+                    <a:pPr algn="ctr"/>
+                    <a:r>
+                      <a:rPr lang="en-SG" sz="1700" i="1" dirty="0" err="1" smtClean="0"/>
+                      <a:t>delegateCommand</a:t>
+                    </a:r>
+                    <a:r>
+                      <a:rPr lang="en-SG" sz="1700" i="1" dirty="0" smtClean="0"/>
+                      <a:t>();</a:t>
+                    </a:r>
+                    <a:endParaRPr lang="en-SG" sz="1700" i="1" dirty="0"/>
+                  </a:p>
+                </p:txBody>
+              </p:sp>
+            </p:grpSp>
+            <p:grpSp>
+              <p:nvGrpSpPr>
+                <p:cNvPr id="25" name="Group 24"/>
+                <p:cNvGrpSpPr/>
+                <p:nvPr/>
+              </p:nvGrpSpPr>
+              <p:grpSpPr>
+                <a:xfrm>
+                  <a:off x="4787717" y="3057601"/>
+                  <a:ext cx="2520000" cy="385010"/>
+                  <a:chOff x="141981" y="1694047"/>
+                  <a:chExt cx="2520000" cy="385010"/>
+                </a:xfrm>
+              </p:grpSpPr>
+              <p:cxnSp>
+                <p:nvCxnSpPr>
+                  <p:cNvPr id="26" name="Straight Arrow Connector 25"/>
+                  <p:cNvCxnSpPr/>
+                  <p:nvPr/>
+                </p:nvCxnSpPr>
+                <p:spPr>
+                  <a:xfrm>
+                    <a:off x="339981" y="2079057"/>
+                    <a:ext cx="2124000" cy="0"/>
+                  </a:xfrm>
+                  <a:prstGeom prst="straightConnector1">
+                    <a:avLst/>
+                  </a:prstGeom>
+                  <a:ln w="28575">
+                    <a:solidFill>
+                      <a:schemeClr val="accent1">
+                        <a:lumMod val="75000"/>
+                      </a:schemeClr>
+                    </a:solidFill>
+                    <a:tailEnd type="arrow"/>
+                  </a:ln>
+                </p:spPr>
+                <p:style>
+                  <a:lnRef idx="1">
+                    <a:schemeClr val="accent1"/>
+                  </a:lnRef>
+                  <a:fillRef idx="0">
+                    <a:schemeClr val="accent1"/>
+                  </a:fillRef>
+                  <a:effectRef idx="0">
+                    <a:schemeClr val="accent1"/>
+                  </a:effectRef>
+                  <a:fontRef idx="minor">
+                    <a:schemeClr val="tx1"/>
+                  </a:fontRef>
+                </p:style>
+              </p:cxnSp>
+              <p:sp>
+                <p:nvSpPr>
+                  <p:cNvPr id="27" name="TextBox 26"/>
+                  <p:cNvSpPr txBox="1"/>
+                  <p:nvPr/>
+                </p:nvSpPr>
+                <p:spPr>
+                  <a:xfrm>
+                    <a:off x="141981" y="1694047"/>
+                    <a:ext cx="2520000" cy="353943"/>
+                  </a:xfrm>
+                  <a:prstGeom prst="rect">
+                    <a:avLst/>
+                  </a:prstGeom>
+                  <a:noFill/>
+                </p:spPr>
+                <p:txBody>
+                  <a:bodyPr wrap="square" rtlCol="0">
+                    <a:spAutoFit/>
+                  </a:bodyPr>
+                  <a:lstStyle/>
+                  <a:p>
+                    <a:pPr algn="ctr"/>
+                    <a:r>
+                      <a:rPr lang="en-SG" sz="1700" i="1" dirty="0" err="1" smtClean="0"/>
+                      <a:t>respondTo</a:t>
+                    </a:r>
+                    <a:r>
+                      <a:rPr lang="en-SG" sz="1700" dirty="0" smtClean="0"/>
+                      <a:t>();</a:t>
+                    </a:r>
+                    <a:endParaRPr lang="en-SG" sz="1700" dirty="0"/>
+                  </a:p>
+                </p:txBody>
+              </p:sp>
+            </p:grpSp>
+            <p:sp>
+              <p:nvSpPr>
+                <p:cNvPr id="28" name="Rectangle 27"/>
+                <p:cNvSpPr/>
+                <p:nvPr/>
+              </p:nvSpPr>
+              <p:spPr>
+                <a:xfrm>
+                  <a:off x="4081112" y="2252312"/>
+                  <a:ext cx="4235115" cy="1886552"/>
+                </a:xfrm>
+                <a:prstGeom prst="rect">
+                  <a:avLst/>
+                </a:prstGeom>
+                <a:noFill/>
+                <a:ln w="28575">
+                  <a:solidFill>
+                    <a:schemeClr val="tx1"/>
+                  </a:solidFill>
+                </a:ln>
+              </p:spPr>
+              <p:style>
+                <a:lnRef idx="2">
+                  <a:schemeClr val="accent1">
+                    <a:shade val="50000"/>
+                  </a:schemeClr>
+                </a:lnRef>
+                <a:fillRef idx="1">
+                  <a:schemeClr val="accent1"/>
+                </a:fillRef>
+                <a:effectRef idx="0">
+                  <a:schemeClr val="accent1"/>
+                </a:effectRef>
+                <a:fontRef idx="minor">
+                  <a:schemeClr val="lt1"/>
+                </a:fontRef>
+              </p:style>
+              <p:txBody>
+                <a:bodyPr rtlCol="0" anchor="ctr"/>
+                <a:lstStyle/>
+                <a:p>
+                  <a:pPr algn="ctr"/>
+                  <a:endParaRPr lang="en-SG"/>
+                </a:p>
+              </p:txBody>
+            </p:sp>
+            <p:sp>
+              <p:nvSpPr>
+                <p:cNvPr id="29" name="Rectangle 28"/>
+                <p:cNvSpPr/>
+                <p:nvPr/>
+              </p:nvSpPr>
+              <p:spPr>
+                <a:xfrm>
+                  <a:off x="4081113" y="2252313"/>
+                  <a:ext cx="693017" cy="385010"/>
+                </a:xfrm>
+                <a:prstGeom prst="rect">
+                  <a:avLst/>
+                </a:prstGeom>
+                <a:noFill/>
+                <a:ln w="28575">
+                  <a:solidFill>
+                    <a:schemeClr val="tx1"/>
+                  </a:solidFill>
+                </a:ln>
+              </p:spPr>
+              <p:style>
+                <a:lnRef idx="2">
+                  <a:schemeClr val="accent1">
+                    <a:shade val="50000"/>
+                  </a:schemeClr>
+                </a:lnRef>
+                <a:fillRef idx="1">
+                  <a:schemeClr val="accent1"/>
+                </a:fillRef>
+                <a:effectRef idx="0">
+                  <a:schemeClr val="accent1"/>
+                </a:effectRef>
+                <a:fontRef idx="minor">
+                  <a:schemeClr val="lt1"/>
+                </a:fontRef>
+              </p:style>
+              <p:txBody>
+                <a:bodyPr rtlCol="0" anchor="ctr"/>
+                <a:lstStyle/>
+                <a:p>
+                  <a:pPr algn="ctr"/>
+                  <a:r>
+                    <a:rPr lang="en-SG" dirty="0" smtClean="0">
+                      <a:solidFill>
+                        <a:sysClr val="windowText" lastClr="000000"/>
+                      </a:solidFill>
+                    </a:rPr>
+                    <a:t>Loop</a:t>
+                  </a:r>
+                  <a:endParaRPr lang="en-SG" dirty="0">
+                    <a:solidFill>
+                      <a:sysClr val="windowText" lastClr="000000"/>
+                    </a:solidFill>
+                  </a:endParaRPr>
+                </a:p>
+              </p:txBody>
+            </p:sp>
+            <p:grpSp>
+              <p:nvGrpSpPr>
+                <p:cNvPr id="32" name="Group 31"/>
+                <p:cNvGrpSpPr/>
+                <p:nvPr/>
+              </p:nvGrpSpPr>
+              <p:grpSpPr>
+                <a:xfrm>
+                  <a:off x="4776492" y="4788501"/>
+                  <a:ext cx="2520000" cy="385010"/>
+                  <a:chOff x="141981" y="1694047"/>
+                  <a:chExt cx="2520000" cy="385010"/>
+                </a:xfrm>
+              </p:grpSpPr>
+              <p:cxnSp>
+                <p:nvCxnSpPr>
+                  <p:cNvPr id="33" name="Straight Arrow Connector 32"/>
+                  <p:cNvCxnSpPr/>
+                  <p:nvPr/>
+                </p:nvCxnSpPr>
+                <p:spPr>
+                  <a:xfrm>
+                    <a:off x="339981" y="2079057"/>
+                    <a:ext cx="2124000" cy="0"/>
+                  </a:xfrm>
+                  <a:prstGeom prst="straightConnector1">
+                    <a:avLst/>
+                  </a:prstGeom>
+                  <a:ln w="28575">
+                    <a:solidFill>
+                      <a:schemeClr val="accent1">
+                        <a:lumMod val="75000"/>
+                      </a:schemeClr>
+                    </a:solidFill>
+                    <a:tailEnd type="arrow"/>
+                  </a:ln>
+                </p:spPr>
+                <p:style>
+                  <a:lnRef idx="1">
+                    <a:schemeClr val="accent1"/>
+                  </a:lnRef>
+                  <a:fillRef idx="0">
+                    <a:schemeClr val="accent1"/>
+                  </a:fillRef>
+                  <a:effectRef idx="0">
+                    <a:schemeClr val="accent1"/>
+                  </a:effectRef>
+                  <a:fontRef idx="minor">
+                    <a:schemeClr val="tx1"/>
+                  </a:fontRef>
+                </p:style>
+              </p:cxnSp>
+              <p:sp>
+                <p:nvSpPr>
+                  <p:cNvPr id="34" name="TextBox 33"/>
+                  <p:cNvSpPr txBox="1"/>
+                  <p:nvPr/>
+                </p:nvSpPr>
+                <p:spPr>
+                  <a:xfrm>
+                    <a:off x="141981" y="1694047"/>
+                    <a:ext cx="2520000" cy="353943"/>
+                  </a:xfrm>
+                  <a:prstGeom prst="rect">
+                    <a:avLst/>
+                  </a:prstGeom>
+                  <a:noFill/>
+                </p:spPr>
+                <p:txBody>
+                  <a:bodyPr wrap="square" rtlCol="0">
+                    <a:spAutoFit/>
+                  </a:bodyPr>
+                  <a:lstStyle/>
+                  <a:p>
+                    <a:pPr algn="ctr"/>
+                    <a:r>
+                      <a:rPr lang="en-SG" sz="1700" i="1" dirty="0" smtClean="0"/>
+                      <a:t>execute(</a:t>
+                    </a:r>
+                    <a:r>
+                      <a:rPr lang="en-SG" sz="1700" i="1" dirty="0" err="1" smtClean="0"/>
+                      <a:t>userInput</a:t>
+                    </a:r>
+                    <a:r>
+                      <a:rPr lang="en-SG" sz="1700" i="1" dirty="0" smtClean="0"/>
+                      <a:t>);</a:t>
+                    </a:r>
+                    <a:endParaRPr lang="en-SG" sz="1700" i="1" dirty="0"/>
+                  </a:p>
+                </p:txBody>
+              </p:sp>
+            </p:grpSp>
+            <p:sp>
+              <p:nvSpPr>
+                <p:cNvPr id="35" name="Rectangle 34"/>
+                <p:cNvSpPr/>
+                <p:nvPr/>
+              </p:nvSpPr>
+              <p:spPr>
+                <a:xfrm>
+                  <a:off x="7124850" y="4885805"/>
+                  <a:ext cx="108000" cy="1080000"/>
+                </a:xfrm>
+                <a:prstGeom prst="rect">
+                  <a:avLst/>
+                </a:prstGeom>
+                <a:gradFill>
+                  <a:gsLst>
+                    <a:gs pos="29000">
+                      <a:schemeClr val="accent1">
+                        <a:lumMod val="40000"/>
+                        <a:lumOff val="60000"/>
+                      </a:schemeClr>
+                    </a:gs>
+                    <a:gs pos="100000">
+                      <a:schemeClr val="accent1">
+                        <a:lumMod val="20000"/>
+                        <a:lumOff val="80000"/>
+                      </a:schemeClr>
+                    </a:gs>
+                  </a:gsLst>
+                  <a:lin ang="5400000" scaled="1"/>
+                </a:gradFill>
+                <a:ln w="12700">
+                  <a:solidFill>
+                    <a:schemeClr val="accent1"/>
+                  </a:solidFill>
+                </a:ln>
+              </p:spPr>
+              <p:style>
+                <a:lnRef idx="1">
+                  <a:schemeClr val="accent6"/>
+                </a:lnRef>
+                <a:fillRef idx="2">
+                  <a:schemeClr val="accent6"/>
+                </a:fillRef>
+                <a:effectRef idx="1">
+                  <a:schemeClr val="accent6"/>
+                </a:effectRef>
+                <a:fontRef idx="minor">
+                  <a:schemeClr val="dk1"/>
+                </a:fontRef>
+              </p:style>
+              <p:txBody>
+                <a:bodyPr rtlCol="0" anchor="ctr"/>
+                <a:lstStyle/>
+                <a:p>
+                  <a:pPr algn="ctr"/>
+                  <a:r>
+                    <a:rPr lang="en-SG" sz="1400" dirty="0" smtClean="0">
+                      <a:solidFill>
+                        <a:schemeClr val="accent1"/>
+                      </a:solidFill>
+                    </a:rPr>
+                    <a:t>:</a:t>
+                  </a:r>
+                  <a:endParaRPr lang="en-SG" sz="1400" dirty="0">
+                    <a:solidFill>
+                      <a:schemeClr val="accent1"/>
+                    </a:solidFill>
+                  </a:endParaRPr>
+                </a:p>
+              </p:txBody>
+            </p:sp>
+            <p:grpSp>
+              <p:nvGrpSpPr>
+                <p:cNvPr id="36" name="Group 35"/>
+                <p:cNvGrpSpPr/>
+                <p:nvPr/>
+              </p:nvGrpSpPr>
+              <p:grpSpPr>
+                <a:xfrm>
+                  <a:off x="4776492" y="3489126"/>
+                  <a:ext cx="2520000" cy="385010"/>
+                  <a:chOff x="141981" y="1694047"/>
+                  <a:chExt cx="2520000" cy="385010"/>
+                </a:xfrm>
+              </p:grpSpPr>
+              <p:cxnSp>
+                <p:nvCxnSpPr>
+                  <p:cNvPr id="37" name="Straight Arrow Connector 36"/>
+                  <p:cNvCxnSpPr/>
+                  <p:nvPr/>
+                </p:nvCxnSpPr>
+                <p:spPr>
+                  <a:xfrm>
+                    <a:off x="339981" y="2079057"/>
+                    <a:ext cx="2124000" cy="0"/>
+                  </a:xfrm>
+                  <a:prstGeom prst="straightConnector1">
+                    <a:avLst/>
+                  </a:prstGeom>
+                  <a:ln w="28575">
+                    <a:solidFill>
+                      <a:schemeClr val="accent1">
+                        <a:lumMod val="75000"/>
+                      </a:schemeClr>
+                    </a:solidFill>
+                    <a:prstDash val="sysDash"/>
+                    <a:headEnd type="arrow" w="med" len="med"/>
+                    <a:tailEnd type="none" w="med" len="med"/>
+                  </a:ln>
+                </p:spPr>
+                <p:style>
+                  <a:lnRef idx="1">
+                    <a:schemeClr val="accent1"/>
+                  </a:lnRef>
+                  <a:fillRef idx="0">
+                    <a:schemeClr val="accent1"/>
+                  </a:fillRef>
+                  <a:effectRef idx="0">
+                    <a:schemeClr val="accent1"/>
+                  </a:effectRef>
+                  <a:fontRef idx="minor">
+                    <a:schemeClr val="tx1"/>
+                  </a:fontRef>
+                </p:style>
+              </p:cxnSp>
+              <p:sp>
+                <p:nvSpPr>
+                  <p:cNvPr id="38" name="TextBox 37"/>
+                  <p:cNvSpPr txBox="1"/>
+                  <p:nvPr/>
+                </p:nvSpPr>
+                <p:spPr>
+                  <a:xfrm>
+                    <a:off x="141981" y="1694047"/>
+                    <a:ext cx="2520000" cy="353943"/>
+                  </a:xfrm>
+                  <a:prstGeom prst="rect">
+                    <a:avLst/>
+                  </a:prstGeom>
+                  <a:noFill/>
+                </p:spPr>
+                <p:txBody>
+                  <a:bodyPr wrap="square" rtlCol="0">
+                    <a:spAutoFit/>
+                  </a:bodyPr>
+                  <a:lstStyle/>
+                  <a:p>
+                    <a:pPr algn="ctr"/>
+                    <a:r>
+                      <a:rPr lang="en-SG" sz="1700" i="1" dirty="0" smtClean="0"/>
+                      <a:t>return true/false</a:t>
+                    </a:r>
+                    <a:endParaRPr lang="en-SG" sz="1700" i="1" dirty="0"/>
+                  </a:p>
+                </p:txBody>
+              </p:sp>
+            </p:grpSp>
+            <p:grpSp>
+              <p:nvGrpSpPr>
+                <p:cNvPr id="39" name="Group 38"/>
+                <p:cNvGrpSpPr/>
+                <p:nvPr/>
+              </p:nvGrpSpPr>
+              <p:grpSpPr>
+                <a:xfrm>
+                  <a:off x="4765267" y="5248901"/>
+                  <a:ext cx="2520000" cy="385010"/>
+                  <a:chOff x="141981" y="1694047"/>
+                  <a:chExt cx="2520000" cy="385010"/>
+                </a:xfrm>
+              </p:grpSpPr>
+              <p:cxnSp>
+                <p:nvCxnSpPr>
+                  <p:cNvPr id="40" name="Straight Arrow Connector 39"/>
+                  <p:cNvCxnSpPr/>
+                  <p:nvPr/>
+                </p:nvCxnSpPr>
+                <p:spPr>
+                  <a:xfrm>
+                    <a:off x="339981" y="2079057"/>
+                    <a:ext cx="2124000" cy="0"/>
+                  </a:xfrm>
+                  <a:prstGeom prst="straightConnector1">
+                    <a:avLst/>
+                  </a:prstGeom>
+                  <a:ln w="28575">
+                    <a:solidFill>
+                      <a:schemeClr val="accent1">
+                        <a:lumMod val="75000"/>
+                      </a:schemeClr>
+                    </a:solidFill>
+                    <a:prstDash val="sysDash"/>
+                    <a:headEnd type="arrow" w="med" len="med"/>
+                    <a:tailEnd type="none" w="med" len="med"/>
+                  </a:ln>
+                </p:spPr>
+                <p:style>
+                  <a:lnRef idx="1">
+                    <a:schemeClr val="accent1"/>
+                  </a:lnRef>
+                  <a:fillRef idx="0">
+                    <a:schemeClr val="accent1"/>
+                  </a:fillRef>
+                  <a:effectRef idx="0">
+                    <a:schemeClr val="accent1"/>
+                  </a:effectRef>
+                  <a:fontRef idx="minor">
+                    <a:schemeClr val="tx1"/>
+                  </a:fontRef>
+                </p:style>
+              </p:cxnSp>
+              <p:sp>
+                <p:nvSpPr>
+                  <p:cNvPr id="41" name="TextBox 40"/>
+                  <p:cNvSpPr txBox="1"/>
+                  <p:nvPr/>
+                </p:nvSpPr>
+                <p:spPr>
+                  <a:xfrm>
+                    <a:off x="141981" y="1694047"/>
+                    <a:ext cx="2520000" cy="353943"/>
+                  </a:xfrm>
+                  <a:prstGeom prst="rect">
+                    <a:avLst/>
+                  </a:prstGeom>
+                  <a:noFill/>
+                </p:spPr>
+                <p:txBody>
+                  <a:bodyPr wrap="square" rtlCol="0">
+                    <a:spAutoFit/>
+                  </a:bodyPr>
+                  <a:lstStyle/>
+                  <a:p>
+                    <a:pPr algn="ctr"/>
+                    <a:r>
+                      <a:rPr lang="en-SG" sz="1700" i="1" dirty="0" smtClean="0"/>
+                      <a:t>return </a:t>
+                    </a:r>
+                    <a:r>
+                      <a:rPr lang="en-SG" sz="1700" i="1" dirty="0" err="1" smtClean="0"/>
+                      <a:t>CommandResult</a:t>
+                    </a:r>
+                    <a:endParaRPr lang="en-SG" sz="1700" i="1" dirty="0"/>
+                  </a:p>
+                </p:txBody>
+              </p:sp>
+            </p:grpSp>
+            <p:grpSp>
+              <p:nvGrpSpPr>
+                <p:cNvPr id="42" name="Group 41"/>
+                <p:cNvGrpSpPr/>
+                <p:nvPr/>
+              </p:nvGrpSpPr>
+              <p:grpSpPr>
+                <a:xfrm>
+                  <a:off x="2501792" y="5420551"/>
+                  <a:ext cx="2520000" cy="385010"/>
+                  <a:chOff x="141981" y="1694047"/>
+                  <a:chExt cx="2520000" cy="385010"/>
+                </a:xfrm>
+              </p:grpSpPr>
+              <p:cxnSp>
+                <p:nvCxnSpPr>
+                  <p:cNvPr id="47" name="Straight Arrow Connector 46"/>
+                  <p:cNvCxnSpPr/>
+                  <p:nvPr/>
+                </p:nvCxnSpPr>
+                <p:spPr>
+                  <a:xfrm>
+                    <a:off x="339981" y="2079057"/>
+                    <a:ext cx="2124000" cy="0"/>
+                  </a:xfrm>
+                  <a:prstGeom prst="straightConnector1">
+                    <a:avLst/>
+                  </a:prstGeom>
+                  <a:ln w="28575">
+                    <a:solidFill>
+                      <a:schemeClr val="accent1">
+                        <a:lumMod val="75000"/>
+                      </a:schemeClr>
+                    </a:solidFill>
+                    <a:prstDash val="sysDash"/>
+                    <a:headEnd type="arrow" w="med" len="med"/>
+                    <a:tailEnd type="none" w="med" len="med"/>
+                  </a:ln>
+                </p:spPr>
+                <p:style>
+                  <a:lnRef idx="1">
+                    <a:schemeClr val="accent1"/>
+                  </a:lnRef>
+                  <a:fillRef idx="0">
+                    <a:schemeClr val="accent1"/>
+                  </a:fillRef>
+                  <a:effectRef idx="0">
+                    <a:schemeClr val="accent1"/>
+                  </a:effectRef>
+                  <a:fontRef idx="minor">
+                    <a:schemeClr val="tx1"/>
+                  </a:fontRef>
+                </p:style>
+              </p:cxnSp>
+              <p:sp>
+                <p:nvSpPr>
+                  <p:cNvPr id="49" name="TextBox 48"/>
+                  <p:cNvSpPr txBox="1"/>
+                  <p:nvPr/>
+                </p:nvSpPr>
+                <p:spPr>
+                  <a:xfrm>
+                    <a:off x="141981" y="1694047"/>
+                    <a:ext cx="2520000" cy="353943"/>
+                  </a:xfrm>
+                  <a:prstGeom prst="rect">
+                    <a:avLst/>
+                  </a:prstGeom>
+                  <a:noFill/>
+                </p:spPr>
+                <p:txBody>
+                  <a:bodyPr wrap="square" rtlCol="0">
+                    <a:spAutoFit/>
+                  </a:bodyPr>
+                  <a:lstStyle/>
+                  <a:p>
+                    <a:pPr algn="ctr"/>
+                    <a:r>
+                      <a:rPr lang="en-SG" sz="1700" i="1" dirty="0" smtClean="0"/>
+                      <a:t>return </a:t>
+                    </a:r>
+                    <a:r>
+                      <a:rPr lang="en-SG" sz="1700" i="1" dirty="0" err="1" smtClean="0"/>
+                      <a:t>CommandResult</a:t>
+                    </a:r>
+                    <a:endParaRPr lang="en-SG" sz="1700" i="1" dirty="0"/>
+                  </a:p>
+                </p:txBody>
+              </p:sp>
+            </p:grpSp>
+            <p:grpSp>
+              <p:nvGrpSpPr>
+                <p:cNvPr id="50" name="Group 49"/>
+                <p:cNvGrpSpPr/>
+                <p:nvPr/>
+              </p:nvGrpSpPr>
+              <p:grpSpPr>
+                <a:xfrm>
+                  <a:off x="180567" y="5611451"/>
+                  <a:ext cx="2520000" cy="385010"/>
+                  <a:chOff x="141981" y="1694047"/>
+                  <a:chExt cx="2520000" cy="385010"/>
+                </a:xfrm>
+              </p:grpSpPr>
+              <p:cxnSp>
+                <p:nvCxnSpPr>
+                  <p:cNvPr id="52" name="Straight Arrow Connector 51"/>
+                  <p:cNvCxnSpPr/>
+                  <p:nvPr/>
+                </p:nvCxnSpPr>
+                <p:spPr>
+                  <a:xfrm>
+                    <a:off x="339981" y="2079057"/>
+                    <a:ext cx="2124000" cy="0"/>
+                  </a:xfrm>
+                  <a:prstGeom prst="straightConnector1">
+                    <a:avLst/>
+                  </a:prstGeom>
+                  <a:ln w="28575">
+                    <a:solidFill>
+                      <a:schemeClr val="accent1">
+                        <a:lumMod val="75000"/>
+                      </a:schemeClr>
+                    </a:solidFill>
+                    <a:prstDash val="sysDash"/>
+                    <a:headEnd type="arrow" w="med" len="med"/>
+                    <a:tailEnd type="none" w="med" len="med"/>
+                  </a:ln>
+                </p:spPr>
+                <p:style>
+                  <a:lnRef idx="1">
+                    <a:schemeClr val="accent1"/>
+                  </a:lnRef>
+                  <a:fillRef idx="0">
+                    <a:schemeClr val="accent1"/>
+                  </a:fillRef>
+                  <a:effectRef idx="0">
+                    <a:schemeClr val="accent1"/>
+                  </a:effectRef>
+                  <a:fontRef idx="minor">
+                    <a:schemeClr val="tx1"/>
+                  </a:fontRef>
+                </p:style>
+              </p:cxnSp>
+              <p:sp>
+                <p:nvSpPr>
+                  <p:cNvPr id="54" name="TextBox 53"/>
+                  <p:cNvSpPr txBox="1"/>
+                  <p:nvPr/>
+                </p:nvSpPr>
+                <p:spPr>
+                  <a:xfrm>
+                    <a:off x="141981" y="1694047"/>
+                    <a:ext cx="2520000" cy="353943"/>
+                  </a:xfrm>
+                  <a:prstGeom prst="rect">
+                    <a:avLst/>
+                  </a:prstGeom>
+                  <a:noFill/>
+                </p:spPr>
+                <p:txBody>
+                  <a:bodyPr wrap="square" rtlCol="0">
+                    <a:spAutoFit/>
+                  </a:bodyPr>
+                  <a:lstStyle/>
+                  <a:p>
+                    <a:pPr algn="ctr"/>
+                    <a:r>
+                      <a:rPr lang="en-SG" sz="1700" i="1" dirty="0" smtClean="0"/>
+                      <a:t>return </a:t>
+                    </a:r>
+                    <a:r>
+                      <a:rPr lang="en-SG" sz="1700" i="1" dirty="0" err="1" smtClean="0"/>
+                      <a:t>CommandResult</a:t>
+                    </a:r>
+                    <a:endParaRPr lang="en-SG" sz="1700" i="1" dirty="0"/>
+                  </a:p>
+                </p:txBody>
+              </p:sp>
+            </p:grpSp>
+          </p:grpSp>
+        </p:grpSp>
+      </p:grpSp>
+    </p:spTree>
+    <p:extLst>
+      <p:ext uri="{BB962C8B-B14F-4D97-AF65-F5344CB8AC3E}">
+        <p14:creationId xmlns:p14="http://schemas.microsoft.com/office/powerpoint/2010/main" xmlns="" val="1577130838"/>
+      </p:ext>
+    </p:extLst>
+  </p:cSld>
+  <p:clrMapOvr>
+    <a:masterClrMapping/>
+  </p:clrMapOvr>
+</p:sld>
+</file>
+
+<file path=ppt/slides/slide6.xml><?xml version="1.0" encoding="utf-8"?>
 <p:sld xmlns:a="http://schemas.openxmlformats.org/drawingml/2006/main" xmlns:r="http://schemas.openxmlformats.org/officeDocument/2006/relationships" xmlns:p="http://schemas.openxmlformats.org/presentationml/2006/main">
   <p:cSld>
     <p:spTree>
@@ -8845,7 +10669,7 @@
               <a:blip r:embed="rId2" cstate="print">
                 <a:extLst>
                   <a:ext uri="{28A0092B-C50C-407E-A947-70E740481C1C}">
-                    <a14:useLocalDpi xmlns="" xmlns:a14="http://schemas.microsoft.com/office/drawing/2010/main" val="0"/>
+                    <a14:useLocalDpi xmlns:a14="http://schemas.microsoft.com/office/drawing/2010/main" xmlns="" val="0"/>
                   </a:ext>
                 </a:extLst>
               </a:blip>
@@ -8865,7 +10689,7 @@
               <a:noFill/>
               <a:extLst>
                 <a:ext uri="{909E8E84-426E-40DD-AFC4-6F175D3DCCD1}">
-                  <a14:hiddenFill xmlns="" xmlns:a14="http://schemas.microsoft.com/office/drawing/2010/main">
+                  <a14:hiddenFill xmlns:a14="http://schemas.microsoft.com/office/drawing/2010/main" xmlns="">
                     <a:solidFill>
                       <a:srgbClr val="FFFFFF"/>
                     </a:solidFill>
@@ -9209,7 +11033,7 @@
     </p:spTree>
     <p:extLst>
       <p:ext uri="{BB962C8B-B14F-4D97-AF65-F5344CB8AC3E}">
-        <p14:creationId xmlns="" xmlns:p14="http://schemas.microsoft.com/office/powerpoint/2010/main" val="1289237162"/>
+        <p14:creationId xmlns:p14="http://schemas.microsoft.com/office/powerpoint/2010/main" xmlns="" val="1289237162"/>
       </p:ext>
     </p:extLst>
   </p:cSld>
@@ -9219,7 +11043,7 @@
 </p:sld>
 </file>
 
-<file path=ppt/slides/slide6.xml><?xml version="1.0" encoding="utf-8"?>
+<file path=ppt/slides/slide7.xml><?xml version="1.0" encoding="utf-8"?>
 <p:sld xmlns:a="http://schemas.openxmlformats.org/drawingml/2006/main" xmlns:r="http://schemas.openxmlformats.org/officeDocument/2006/relationships" xmlns:p="http://schemas.openxmlformats.org/presentationml/2006/main">
   <p:cSld>
     <p:spTree>
@@ -10684,7 +12508,7 @@
     </p:spTree>
     <p:extLst>
       <p:ext uri="{BB962C8B-B14F-4D97-AF65-F5344CB8AC3E}">
-        <p14:creationId xmlns="" xmlns:p14="http://schemas.microsoft.com/office/powerpoint/2010/main" val="66083343"/>
+        <p14:creationId xmlns:p14="http://schemas.microsoft.com/office/powerpoint/2010/main" xmlns="" val="66083343"/>
       </p:ext>
     </p:extLst>
   </p:cSld>
@@ -10983,7 +12807,7 @@
   <a:extraClrSchemeLst/>
   <a:extLst>
     <a:ext uri="{05A4C25C-085E-4340-85A3-A5531E510DB2}">
-      <thm15:themeFamily xmlns="" xmlns:thm15="http://schemas.microsoft.com/office/thememl/2012/main" name="Office Theme" id="{62F939B6-93AF-4DB8-9C6B-D6C7DFDC589F}" vid="{4A3C46E8-61CC-4603-A589-7422A47A8E4A}"/>
+      <thm15:themeFamily xmlns:thm15="http://schemas.microsoft.com/office/thememl/2012/main" xmlns="" name="Office Theme" id="{62F939B6-93AF-4DB8-9C6B-D6C7DFDC589F}" vid="{4A3C46E8-61CC-4603-A589-7422A47A8E4A}"/>
     </a:ext>
   </a:extLst>
 </a:theme>

--- a/doc/DeveloperGuide.pptx
+++ b/doc/DeveloperGuide.pptx
@@ -112,7 +112,7 @@
   </p:defaultTextStyle>
   <p:extLst>
     <p:ext uri="{EFAFB233-063F-42B5-8137-9DF3F51BA10A}">
-      <p15:sldGuideLst xmlns:p15="http://schemas.microsoft.com/office/powerpoint/2012/main" xmlns=""/>
+      <p15:sldGuideLst xmlns="" xmlns:p15="http://schemas.microsoft.com/office/powerpoint/2012/main"/>
     </p:ext>
   </p:extLst>
 </p:presentation>
@@ -250,7 +250,7 @@
             <a:fld id="{6A6D87FE-50F0-4561-88DF-C9C624F56716}" type="datetimeFigureOut">
               <a:rPr lang="en-SG" smtClean="0"/>
               <a:pPr/>
-              <a:t>27/10/2016</a:t>
+              <a:t>28/10/2016</a:t>
             </a:fld>
             <a:endParaRPr lang="en-SG"/>
           </a:p>
@@ -302,7 +302,7 @@
     </p:spTree>
     <p:extLst>
       <p:ext uri="{BB962C8B-B14F-4D97-AF65-F5344CB8AC3E}">
-        <p14:creationId xmlns:p14="http://schemas.microsoft.com/office/powerpoint/2010/main" xmlns="" val="885967701"/>
+        <p14:creationId xmlns="" xmlns:p14="http://schemas.microsoft.com/office/powerpoint/2010/main" val="885967701"/>
       </p:ext>
     </p:extLst>
   </p:cSld>
@@ -422,7 +422,7 @@
             <a:fld id="{6A6D87FE-50F0-4561-88DF-C9C624F56716}" type="datetimeFigureOut">
               <a:rPr lang="en-SG" smtClean="0"/>
               <a:pPr/>
-              <a:t>27/10/2016</a:t>
+              <a:t>28/10/2016</a:t>
             </a:fld>
             <a:endParaRPr lang="en-SG"/>
           </a:p>
@@ -474,7 +474,7 @@
     </p:spTree>
     <p:extLst>
       <p:ext uri="{BB962C8B-B14F-4D97-AF65-F5344CB8AC3E}">
-        <p14:creationId xmlns:p14="http://schemas.microsoft.com/office/powerpoint/2010/main" xmlns="" val="2514989070"/>
+        <p14:creationId xmlns="" xmlns:p14="http://schemas.microsoft.com/office/powerpoint/2010/main" val="2514989070"/>
       </p:ext>
     </p:extLst>
   </p:cSld>
@@ -604,7 +604,7 @@
             <a:fld id="{6A6D87FE-50F0-4561-88DF-C9C624F56716}" type="datetimeFigureOut">
               <a:rPr lang="en-SG" smtClean="0"/>
               <a:pPr/>
-              <a:t>27/10/2016</a:t>
+              <a:t>28/10/2016</a:t>
             </a:fld>
             <a:endParaRPr lang="en-SG"/>
           </a:p>
@@ -656,7 +656,7 @@
     </p:spTree>
     <p:extLst>
       <p:ext uri="{BB962C8B-B14F-4D97-AF65-F5344CB8AC3E}">
-        <p14:creationId xmlns:p14="http://schemas.microsoft.com/office/powerpoint/2010/main" xmlns="" val="1140117352"/>
+        <p14:creationId xmlns="" xmlns:p14="http://schemas.microsoft.com/office/powerpoint/2010/main" val="1140117352"/>
       </p:ext>
     </p:extLst>
   </p:cSld>
@@ -776,7 +776,7 @@
             <a:fld id="{6A6D87FE-50F0-4561-88DF-C9C624F56716}" type="datetimeFigureOut">
               <a:rPr lang="en-SG" smtClean="0"/>
               <a:pPr/>
-              <a:t>27/10/2016</a:t>
+              <a:t>28/10/2016</a:t>
             </a:fld>
             <a:endParaRPr lang="en-SG"/>
           </a:p>
@@ -828,7 +828,7 @@
     </p:spTree>
     <p:extLst>
       <p:ext uri="{BB962C8B-B14F-4D97-AF65-F5344CB8AC3E}">
-        <p14:creationId xmlns:p14="http://schemas.microsoft.com/office/powerpoint/2010/main" xmlns="" val="1305359399"/>
+        <p14:creationId xmlns="" xmlns:p14="http://schemas.microsoft.com/office/powerpoint/2010/main" val="1305359399"/>
       </p:ext>
     </p:extLst>
   </p:cSld>
@@ -1024,7 +1024,7 @@
             <a:fld id="{6A6D87FE-50F0-4561-88DF-C9C624F56716}" type="datetimeFigureOut">
               <a:rPr lang="en-SG" smtClean="0"/>
               <a:pPr/>
-              <a:t>27/10/2016</a:t>
+              <a:t>28/10/2016</a:t>
             </a:fld>
             <a:endParaRPr lang="en-SG"/>
           </a:p>
@@ -1076,7 +1076,7 @@
     </p:spTree>
     <p:extLst>
       <p:ext uri="{BB962C8B-B14F-4D97-AF65-F5344CB8AC3E}">
-        <p14:creationId xmlns:p14="http://schemas.microsoft.com/office/powerpoint/2010/main" xmlns="" val="1635507559"/>
+        <p14:creationId xmlns="" xmlns:p14="http://schemas.microsoft.com/office/powerpoint/2010/main" val="1635507559"/>
       </p:ext>
     </p:extLst>
   </p:cSld>
@@ -1258,7 +1258,7 @@
             <a:fld id="{6A6D87FE-50F0-4561-88DF-C9C624F56716}" type="datetimeFigureOut">
               <a:rPr lang="en-SG" smtClean="0"/>
               <a:pPr/>
-              <a:t>27/10/2016</a:t>
+              <a:t>28/10/2016</a:t>
             </a:fld>
             <a:endParaRPr lang="en-SG"/>
           </a:p>
@@ -1310,7 +1310,7 @@
     </p:spTree>
     <p:extLst>
       <p:ext uri="{BB962C8B-B14F-4D97-AF65-F5344CB8AC3E}">
-        <p14:creationId xmlns:p14="http://schemas.microsoft.com/office/powerpoint/2010/main" xmlns="" val="3880365593"/>
+        <p14:creationId xmlns="" xmlns:p14="http://schemas.microsoft.com/office/powerpoint/2010/main" val="3880365593"/>
       </p:ext>
     </p:extLst>
   </p:cSld>
@@ -1627,7 +1627,7 @@
             <a:fld id="{6A6D87FE-50F0-4561-88DF-C9C624F56716}" type="datetimeFigureOut">
               <a:rPr lang="en-SG" smtClean="0"/>
               <a:pPr/>
-              <a:t>27/10/2016</a:t>
+              <a:t>28/10/2016</a:t>
             </a:fld>
             <a:endParaRPr lang="en-SG"/>
           </a:p>
@@ -1679,7 +1679,7 @@
     </p:spTree>
     <p:extLst>
       <p:ext uri="{BB962C8B-B14F-4D97-AF65-F5344CB8AC3E}">
-        <p14:creationId xmlns:p14="http://schemas.microsoft.com/office/powerpoint/2010/main" xmlns="" val="761753800"/>
+        <p14:creationId xmlns="" xmlns:p14="http://schemas.microsoft.com/office/powerpoint/2010/main" val="761753800"/>
       </p:ext>
     </p:extLst>
   </p:cSld>
@@ -1747,7 +1747,7 @@
             <a:fld id="{6A6D87FE-50F0-4561-88DF-C9C624F56716}" type="datetimeFigureOut">
               <a:rPr lang="en-SG" smtClean="0"/>
               <a:pPr/>
-              <a:t>27/10/2016</a:t>
+              <a:t>28/10/2016</a:t>
             </a:fld>
             <a:endParaRPr lang="en-SG"/>
           </a:p>
@@ -1799,7 +1799,7 @@
     </p:spTree>
     <p:extLst>
       <p:ext uri="{BB962C8B-B14F-4D97-AF65-F5344CB8AC3E}">
-        <p14:creationId xmlns:p14="http://schemas.microsoft.com/office/powerpoint/2010/main" xmlns="" val="442809760"/>
+        <p14:creationId xmlns="" xmlns:p14="http://schemas.microsoft.com/office/powerpoint/2010/main" val="442809760"/>
       </p:ext>
     </p:extLst>
   </p:cSld>
@@ -1844,7 +1844,7 @@
             <a:fld id="{6A6D87FE-50F0-4561-88DF-C9C624F56716}" type="datetimeFigureOut">
               <a:rPr lang="en-SG" smtClean="0"/>
               <a:pPr/>
-              <a:t>27/10/2016</a:t>
+              <a:t>28/10/2016</a:t>
             </a:fld>
             <a:endParaRPr lang="en-SG"/>
           </a:p>
@@ -1896,7 +1896,7 @@
     </p:spTree>
     <p:extLst>
       <p:ext uri="{BB962C8B-B14F-4D97-AF65-F5344CB8AC3E}">
-        <p14:creationId xmlns:p14="http://schemas.microsoft.com/office/powerpoint/2010/main" xmlns="" val="3041616938"/>
+        <p14:creationId xmlns="" xmlns:p14="http://schemas.microsoft.com/office/powerpoint/2010/main" val="3041616938"/>
       </p:ext>
     </p:extLst>
   </p:cSld>
@@ -2123,7 +2123,7 @@
             <a:fld id="{6A6D87FE-50F0-4561-88DF-C9C624F56716}" type="datetimeFigureOut">
               <a:rPr lang="en-SG" smtClean="0"/>
               <a:pPr/>
-              <a:t>27/10/2016</a:t>
+              <a:t>28/10/2016</a:t>
             </a:fld>
             <a:endParaRPr lang="en-SG"/>
           </a:p>
@@ -2175,7 +2175,7 @@
     </p:spTree>
     <p:extLst>
       <p:ext uri="{BB962C8B-B14F-4D97-AF65-F5344CB8AC3E}">
-        <p14:creationId xmlns:p14="http://schemas.microsoft.com/office/powerpoint/2010/main" xmlns="" val="2367210547"/>
+        <p14:creationId xmlns="" xmlns:p14="http://schemas.microsoft.com/office/powerpoint/2010/main" val="2367210547"/>
       </p:ext>
     </p:extLst>
   </p:cSld>
@@ -2378,7 +2378,7 @@
             <a:fld id="{6A6D87FE-50F0-4561-88DF-C9C624F56716}" type="datetimeFigureOut">
               <a:rPr lang="en-SG" smtClean="0"/>
               <a:pPr/>
-              <a:t>27/10/2016</a:t>
+              <a:t>28/10/2016</a:t>
             </a:fld>
             <a:endParaRPr lang="en-SG"/>
           </a:p>
@@ -2430,7 +2430,7 @@
     </p:spTree>
     <p:extLst>
       <p:ext uri="{BB962C8B-B14F-4D97-AF65-F5344CB8AC3E}">
-        <p14:creationId xmlns:p14="http://schemas.microsoft.com/office/powerpoint/2010/main" xmlns="" val="5036302"/>
+        <p14:creationId xmlns="" xmlns:p14="http://schemas.microsoft.com/office/powerpoint/2010/main" val="5036302"/>
       </p:ext>
     </p:extLst>
   </p:cSld>
@@ -2593,7 +2593,7 @@
             <a:fld id="{6A6D87FE-50F0-4561-88DF-C9C624F56716}" type="datetimeFigureOut">
               <a:rPr lang="en-SG" smtClean="0"/>
               <a:pPr/>
-              <a:t>27/10/2016</a:t>
+              <a:t>28/10/2016</a:t>
             </a:fld>
             <a:endParaRPr lang="en-SG"/>
           </a:p>
@@ -2681,7 +2681,7 @@
     </p:spTree>
     <p:extLst>
       <p:ext uri="{BB962C8B-B14F-4D97-AF65-F5344CB8AC3E}">
-        <p14:creationId xmlns:p14="http://schemas.microsoft.com/office/powerpoint/2010/main" xmlns="" val="2495799563"/>
+        <p14:creationId xmlns="" xmlns:p14="http://schemas.microsoft.com/office/powerpoint/2010/main" val="2495799563"/>
       </p:ext>
     </p:extLst>
   </p:cSld>
@@ -3627,7 +3627,7 @@
     </p:spTree>
     <p:extLst>
       <p:ext uri="{BB962C8B-B14F-4D97-AF65-F5344CB8AC3E}">
-        <p14:creationId xmlns:p14="http://schemas.microsoft.com/office/powerpoint/2010/main" xmlns="" val="2395715797"/>
+        <p14:creationId xmlns="" xmlns:p14="http://schemas.microsoft.com/office/powerpoint/2010/main" val="2395715797"/>
       </p:ext>
     </p:extLst>
   </p:cSld>
@@ -3694,9 +3694,9 @@
         <p:grpSpPr>
           <a:xfrm>
             <a:off x="775378" y="1923068"/>
-            <a:ext cx="10631054" cy="3101419"/>
+            <a:ext cx="10631054" cy="3948343"/>
             <a:chOff x="775378" y="1923068"/>
-            <a:chExt cx="10631054" cy="3101419"/>
+            <a:chExt cx="10631054" cy="3948343"/>
           </a:xfrm>
         </p:grpSpPr>
         <p:sp>
@@ -3708,7 +3708,7 @@
           <p:spPr>
             <a:xfrm>
               <a:off x="3547887" y="1923068"/>
-              <a:ext cx="7858545" cy="3101419"/>
+              <a:ext cx="7858545" cy="3948343"/>
             </a:xfrm>
             <a:prstGeom prst="roundRect">
               <a:avLst/>
@@ -4388,8 +4388,8 @@
           </p:nvSpPr>
           <p:spPr>
             <a:xfrm>
-              <a:off x="3838279" y="3815811"/>
-              <a:ext cx="1414020" cy="841422"/>
+              <a:off x="3838278" y="3815811"/>
+              <a:ext cx="1773249" cy="841422"/>
             </a:xfrm>
             <a:prstGeom prst="rect">
               <a:avLst/>
@@ -4439,13 +4439,29 @@
             <a:p>
               <a:pPr algn="ctr"/>
               <a:r>
-                <a:rPr lang="en-SG" dirty="0">
+                <a:rPr lang="en-SG" dirty="0" smtClean="0">
                   <a:solidFill>
                     <a:schemeClr val="accent6"/>
                   </a:solidFill>
                 </a:rPr>
-                <a:t>Storage</a:t>
+                <a:t>&lt;&lt;Interface&gt;&gt;</a:t>
               </a:r>
+            </a:p>
+            <a:p>
+              <a:pPr algn="ctr"/>
+              <a:r>
+                <a:rPr lang="en-SG" dirty="0" err="1" smtClean="0">
+                  <a:solidFill>
+                    <a:schemeClr val="accent6"/>
+                  </a:solidFill>
+                </a:rPr>
+                <a:t>ScheduleStorage</a:t>
+              </a:r>
+              <a:endParaRPr lang="en-SG" dirty="0">
+                <a:solidFill>
+                  <a:schemeClr val="accent6"/>
+                </a:solidFill>
+              </a:endParaRPr>
             </a:p>
           </p:txBody>
         </p:sp>
@@ -4457,7 +4473,7 @@
           </p:nvSpPr>
           <p:spPr>
             <a:xfrm>
-              <a:off x="5806912" y="3815811"/>
+              <a:off x="6047537" y="3815811"/>
               <a:ext cx="2218447" cy="841422"/>
             </a:xfrm>
             <a:prstGeom prst="rect">
@@ -4506,8 +4522,8 @@
           </p:nvCxnSpPr>
           <p:spPr>
             <a:xfrm flipH="1">
-              <a:off x="5252299" y="4236522"/>
-              <a:ext cx="554613" cy="0"/>
+              <a:off x="5611527" y="4236522"/>
+              <a:ext cx="436010" cy="0"/>
             </a:xfrm>
             <a:prstGeom prst="straightConnector1">
               <a:avLst/>
@@ -4672,10 +4688,537 @@
           </p:txBody>
         </p:sp>
       </p:grpSp>
+      <p:sp>
+        <p:nvSpPr>
+          <p:cNvPr id="51" name="Rectangle 50"/>
+          <p:cNvSpPr/>
+          <p:nvPr/>
+        </p:nvSpPr>
+        <p:spPr>
+          <a:xfrm>
+            <a:off x="3825683" y="4899140"/>
+            <a:ext cx="1414020" cy="841422"/>
+          </a:xfrm>
+          <a:prstGeom prst="rect">
+            <a:avLst/>
+          </a:prstGeom>
+          <a:gradFill>
+            <a:gsLst>
+              <a:gs pos="8000">
+                <a:schemeClr val="accent6">
+                  <a:lumMod val="60000"/>
+                  <a:lumOff val="40000"/>
+                </a:schemeClr>
+              </a:gs>
+              <a:gs pos="100000">
+                <a:schemeClr val="accent6">
+                  <a:lumMod val="20000"/>
+                  <a:lumOff val="80000"/>
+                </a:schemeClr>
+              </a:gs>
+            </a:gsLst>
+            <a:lin ang="5400000" scaled="1"/>
+          </a:gradFill>
+          <a:ln w="12700">
+            <a:solidFill>
+              <a:schemeClr val="accent6">
+                <a:lumMod val="75000"/>
+              </a:schemeClr>
+            </a:solidFill>
+          </a:ln>
+        </p:spPr>
+        <p:style>
+          <a:lnRef idx="1">
+            <a:schemeClr val="accent6"/>
+          </a:lnRef>
+          <a:fillRef idx="2">
+            <a:schemeClr val="accent6"/>
+          </a:fillRef>
+          <a:effectRef idx="1">
+            <a:schemeClr val="accent6"/>
+          </a:effectRef>
+          <a:fontRef idx="minor">
+            <a:schemeClr val="dk1"/>
+          </a:fontRef>
+        </p:style>
+        <p:txBody>
+          <a:bodyPr rtlCol="0" anchor="ctr"/>
+          <a:lstStyle/>
+          <a:p>
+            <a:pPr algn="ctr"/>
+            <a:r>
+              <a:rPr lang="en-SG" dirty="0" smtClean="0">
+                <a:solidFill>
+                  <a:schemeClr val="accent6"/>
+                </a:solidFill>
+              </a:rPr>
+              <a:t>Adapted-Schedule</a:t>
+            </a:r>
+            <a:endParaRPr lang="en-SG" dirty="0">
+              <a:solidFill>
+                <a:schemeClr val="accent6"/>
+              </a:solidFill>
+            </a:endParaRPr>
+          </a:p>
+        </p:txBody>
+      </p:sp>
+      <p:cxnSp>
+        <p:nvCxnSpPr>
+          <p:cNvPr id="52" name="Straight Arrow Connector 51"/>
+          <p:cNvCxnSpPr/>
+          <p:nvPr/>
+        </p:nvCxnSpPr>
+        <p:spPr>
+          <a:xfrm>
+            <a:off x="5239703" y="5317534"/>
+            <a:ext cx="556182" cy="0"/>
+          </a:xfrm>
+          <a:prstGeom prst="straightConnector1">
+            <a:avLst/>
+          </a:prstGeom>
+          <a:ln w="19050">
+            <a:solidFill>
+              <a:schemeClr val="accent6"/>
+            </a:solidFill>
+            <a:headEnd type="none" w="med" len="med"/>
+            <a:tailEnd type="arrow" w="med" len="med"/>
+          </a:ln>
+        </p:spPr>
+        <p:style>
+          <a:lnRef idx="1">
+            <a:schemeClr val="accent1"/>
+          </a:lnRef>
+          <a:fillRef idx="0">
+            <a:schemeClr val="accent1"/>
+          </a:fillRef>
+          <a:effectRef idx="0">
+            <a:schemeClr val="accent1"/>
+          </a:effectRef>
+          <a:fontRef idx="minor">
+            <a:schemeClr val="tx1"/>
+          </a:fontRef>
+        </p:style>
+      </p:cxnSp>
+      <p:sp>
+        <p:nvSpPr>
+          <p:cNvPr id="53" name="Rectangle 52"/>
+          <p:cNvSpPr/>
+          <p:nvPr/>
+        </p:nvSpPr>
+        <p:spPr>
+          <a:xfrm>
+            <a:off x="5805312" y="4896823"/>
+            <a:ext cx="1414020" cy="841422"/>
+          </a:xfrm>
+          <a:prstGeom prst="rect">
+            <a:avLst/>
+          </a:prstGeom>
+          <a:gradFill>
+            <a:gsLst>
+              <a:gs pos="8000">
+                <a:schemeClr val="accent6">
+                  <a:lumMod val="60000"/>
+                  <a:lumOff val="40000"/>
+                </a:schemeClr>
+              </a:gs>
+              <a:gs pos="100000">
+                <a:schemeClr val="accent6">
+                  <a:lumMod val="20000"/>
+                  <a:lumOff val="80000"/>
+                </a:schemeClr>
+              </a:gs>
+            </a:gsLst>
+            <a:lin ang="5400000" scaled="1"/>
+          </a:gradFill>
+          <a:ln w="12700">
+            <a:solidFill>
+              <a:schemeClr val="accent6">
+                <a:lumMod val="75000"/>
+              </a:schemeClr>
+            </a:solidFill>
+          </a:ln>
+        </p:spPr>
+        <p:style>
+          <a:lnRef idx="1">
+            <a:schemeClr val="accent6"/>
+          </a:lnRef>
+          <a:fillRef idx="2">
+            <a:schemeClr val="accent6"/>
+          </a:fillRef>
+          <a:effectRef idx="1">
+            <a:schemeClr val="accent6"/>
+          </a:effectRef>
+          <a:fontRef idx="minor">
+            <a:schemeClr val="dk1"/>
+          </a:fontRef>
+        </p:style>
+        <p:txBody>
+          <a:bodyPr rtlCol="0" anchor="ctr"/>
+          <a:lstStyle/>
+          <a:p>
+            <a:pPr algn="ctr"/>
+            <a:r>
+              <a:rPr lang="en-SG" dirty="0" smtClean="0">
+                <a:solidFill>
+                  <a:schemeClr val="accent6"/>
+                </a:solidFill>
+              </a:rPr>
+              <a:t>Adapted-State</a:t>
+            </a:r>
+            <a:endParaRPr lang="en-SG" dirty="0">
+              <a:solidFill>
+                <a:schemeClr val="accent6"/>
+              </a:solidFill>
+            </a:endParaRPr>
+          </a:p>
+        </p:txBody>
+      </p:sp>
+      <p:sp>
+        <p:nvSpPr>
+          <p:cNvPr id="54" name="Diamond 53"/>
+          <p:cNvSpPr/>
+          <p:nvPr/>
+        </p:nvSpPr>
+        <p:spPr>
+          <a:xfrm>
+            <a:off x="5249130" y="5223266"/>
+            <a:ext cx="311084" cy="188536"/>
+          </a:xfrm>
+          <a:prstGeom prst="diamond">
+            <a:avLst/>
+          </a:prstGeom>
+        </p:spPr>
+        <p:style>
+          <a:lnRef idx="2">
+            <a:schemeClr val="accent6">
+              <a:shade val="50000"/>
+            </a:schemeClr>
+          </a:lnRef>
+          <a:fillRef idx="1">
+            <a:schemeClr val="accent6"/>
+          </a:fillRef>
+          <a:effectRef idx="0">
+            <a:schemeClr val="accent6"/>
+          </a:effectRef>
+          <a:fontRef idx="minor">
+            <a:schemeClr val="lt1"/>
+          </a:fontRef>
+        </p:style>
+        <p:txBody>
+          <a:bodyPr rtlCol="0" anchor="ctr"/>
+          <a:lstStyle/>
+          <a:p>
+            <a:pPr algn="ctr"/>
+            <a:endParaRPr lang="en-SG"/>
+          </a:p>
+        </p:txBody>
+      </p:sp>
+      <p:cxnSp>
+        <p:nvCxnSpPr>
+          <p:cNvPr id="55" name="Straight Arrow Connector 54"/>
+          <p:cNvCxnSpPr/>
+          <p:nvPr/>
+        </p:nvCxnSpPr>
+        <p:spPr>
+          <a:xfrm>
+            <a:off x="7230324" y="5319104"/>
+            <a:ext cx="556182" cy="0"/>
+          </a:xfrm>
+          <a:prstGeom prst="straightConnector1">
+            <a:avLst/>
+          </a:prstGeom>
+          <a:ln w="19050">
+            <a:solidFill>
+              <a:schemeClr val="accent6"/>
+            </a:solidFill>
+            <a:headEnd type="none" w="med" len="med"/>
+            <a:tailEnd type="arrow" w="med" len="med"/>
+          </a:ln>
+        </p:spPr>
+        <p:style>
+          <a:lnRef idx="1">
+            <a:schemeClr val="accent1"/>
+          </a:lnRef>
+          <a:fillRef idx="0">
+            <a:schemeClr val="accent1"/>
+          </a:fillRef>
+          <a:effectRef idx="0">
+            <a:schemeClr val="accent1"/>
+          </a:effectRef>
+          <a:fontRef idx="minor">
+            <a:schemeClr val="tx1"/>
+          </a:fontRef>
+        </p:style>
+      </p:cxnSp>
+      <p:sp>
+        <p:nvSpPr>
+          <p:cNvPr id="56" name="Rectangle 55"/>
+          <p:cNvSpPr/>
+          <p:nvPr/>
+        </p:nvSpPr>
+        <p:spPr>
+          <a:xfrm>
+            <a:off x="7795933" y="4898393"/>
+            <a:ext cx="1414020" cy="841422"/>
+          </a:xfrm>
+          <a:prstGeom prst="rect">
+            <a:avLst/>
+          </a:prstGeom>
+          <a:gradFill>
+            <a:gsLst>
+              <a:gs pos="8000">
+                <a:schemeClr val="accent6">
+                  <a:lumMod val="60000"/>
+                  <a:lumOff val="40000"/>
+                </a:schemeClr>
+              </a:gs>
+              <a:gs pos="100000">
+                <a:schemeClr val="accent6">
+                  <a:lumMod val="20000"/>
+                  <a:lumOff val="80000"/>
+                </a:schemeClr>
+              </a:gs>
+            </a:gsLst>
+            <a:lin ang="5400000" scaled="1"/>
+          </a:gradFill>
+          <a:ln w="12700">
+            <a:solidFill>
+              <a:schemeClr val="accent6">
+                <a:lumMod val="75000"/>
+              </a:schemeClr>
+            </a:solidFill>
+          </a:ln>
+        </p:spPr>
+        <p:style>
+          <a:lnRef idx="1">
+            <a:schemeClr val="accent6"/>
+          </a:lnRef>
+          <a:fillRef idx="2">
+            <a:schemeClr val="accent6"/>
+          </a:fillRef>
+          <a:effectRef idx="1">
+            <a:schemeClr val="accent6"/>
+          </a:effectRef>
+          <a:fontRef idx="minor">
+            <a:schemeClr val="dk1"/>
+          </a:fontRef>
+        </p:style>
+        <p:txBody>
+          <a:bodyPr rtlCol="0" anchor="ctr"/>
+          <a:lstStyle/>
+          <a:p>
+            <a:pPr algn="ctr"/>
+            <a:r>
+              <a:rPr lang="en-SG" dirty="0" smtClean="0">
+                <a:solidFill>
+                  <a:schemeClr val="accent6"/>
+                </a:solidFill>
+              </a:rPr>
+              <a:t>Adapted-Task</a:t>
+            </a:r>
+            <a:endParaRPr lang="en-SG" dirty="0">
+              <a:solidFill>
+                <a:schemeClr val="accent6"/>
+              </a:solidFill>
+            </a:endParaRPr>
+          </a:p>
+        </p:txBody>
+      </p:sp>
+      <p:sp>
+        <p:nvSpPr>
+          <p:cNvPr id="57" name="Diamond 56"/>
+          <p:cNvSpPr/>
+          <p:nvPr/>
+        </p:nvSpPr>
+        <p:spPr>
+          <a:xfrm>
+            <a:off x="7239751" y="5224836"/>
+            <a:ext cx="311084" cy="188536"/>
+          </a:xfrm>
+          <a:prstGeom prst="diamond">
+            <a:avLst/>
+          </a:prstGeom>
+        </p:spPr>
+        <p:style>
+          <a:lnRef idx="2">
+            <a:schemeClr val="accent6">
+              <a:shade val="50000"/>
+            </a:schemeClr>
+          </a:lnRef>
+          <a:fillRef idx="1">
+            <a:schemeClr val="accent6"/>
+          </a:fillRef>
+          <a:effectRef idx="0">
+            <a:schemeClr val="accent6"/>
+          </a:effectRef>
+          <a:fontRef idx="minor">
+            <a:schemeClr val="lt1"/>
+          </a:fontRef>
+        </p:style>
+        <p:txBody>
+          <a:bodyPr rtlCol="0" anchor="ctr"/>
+          <a:lstStyle/>
+          <a:p>
+            <a:pPr algn="ctr"/>
+            <a:endParaRPr lang="en-SG"/>
+          </a:p>
+        </p:txBody>
+      </p:sp>
+      <p:cxnSp>
+        <p:nvCxnSpPr>
+          <p:cNvPr id="58" name="Straight Arrow Connector 57"/>
+          <p:cNvCxnSpPr/>
+          <p:nvPr/>
+        </p:nvCxnSpPr>
+        <p:spPr>
+          <a:xfrm>
+            <a:off x="9191103" y="5319102"/>
+            <a:ext cx="556182" cy="0"/>
+          </a:xfrm>
+          <a:prstGeom prst="straightConnector1">
+            <a:avLst/>
+          </a:prstGeom>
+          <a:ln w="19050">
+            <a:solidFill>
+              <a:schemeClr val="accent6"/>
+            </a:solidFill>
+            <a:headEnd type="none" w="med" len="med"/>
+            <a:tailEnd type="arrow" w="med" len="med"/>
+          </a:ln>
+        </p:spPr>
+        <p:style>
+          <a:lnRef idx="1">
+            <a:schemeClr val="accent1"/>
+          </a:lnRef>
+          <a:fillRef idx="0">
+            <a:schemeClr val="accent1"/>
+          </a:fillRef>
+          <a:effectRef idx="0">
+            <a:schemeClr val="accent1"/>
+          </a:effectRef>
+          <a:fontRef idx="minor">
+            <a:schemeClr val="tx1"/>
+          </a:fontRef>
+        </p:style>
+      </p:cxnSp>
+      <p:sp>
+        <p:nvSpPr>
+          <p:cNvPr id="59" name="Rectangle 58"/>
+          <p:cNvSpPr/>
+          <p:nvPr/>
+        </p:nvSpPr>
+        <p:spPr>
+          <a:xfrm>
+            <a:off x="9756712" y="4898391"/>
+            <a:ext cx="1414020" cy="841422"/>
+          </a:xfrm>
+          <a:prstGeom prst="rect">
+            <a:avLst/>
+          </a:prstGeom>
+          <a:gradFill>
+            <a:gsLst>
+              <a:gs pos="8000">
+                <a:schemeClr val="accent6">
+                  <a:lumMod val="60000"/>
+                  <a:lumOff val="40000"/>
+                </a:schemeClr>
+              </a:gs>
+              <a:gs pos="100000">
+                <a:schemeClr val="accent6">
+                  <a:lumMod val="20000"/>
+                  <a:lumOff val="80000"/>
+                </a:schemeClr>
+              </a:gs>
+            </a:gsLst>
+            <a:lin ang="5400000" scaled="1"/>
+          </a:gradFill>
+          <a:ln w="12700">
+            <a:solidFill>
+              <a:schemeClr val="accent6">
+                <a:lumMod val="75000"/>
+              </a:schemeClr>
+            </a:solidFill>
+          </a:ln>
+        </p:spPr>
+        <p:style>
+          <a:lnRef idx="1">
+            <a:schemeClr val="accent6"/>
+          </a:lnRef>
+          <a:fillRef idx="2">
+            <a:schemeClr val="accent6"/>
+          </a:fillRef>
+          <a:effectRef idx="1">
+            <a:schemeClr val="accent6"/>
+          </a:effectRef>
+          <a:fontRef idx="minor">
+            <a:schemeClr val="dk1"/>
+          </a:fontRef>
+        </p:style>
+        <p:txBody>
+          <a:bodyPr rtlCol="0" anchor="ctr"/>
+          <a:lstStyle/>
+          <a:p>
+            <a:pPr algn="ctr"/>
+            <a:r>
+              <a:rPr lang="en-SG" dirty="0" smtClean="0">
+                <a:solidFill>
+                  <a:schemeClr val="accent6"/>
+                </a:solidFill>
+              </a:rPr>
+              <a:t>Adapted-Reminder</a:t>
+            </a:r>
+            <a:endParaRPr lang="en-SG" dirty="0">
+              <a:solidFill>
+                <a:schemeClr val="accent6"/>
+              </a:solidFill>
+            </a:endParaRPr>
+          </a:p>
+        </p:txBody>
+      </p:sp>
+      <p:sp>
+        <p:nvSpPr>
+          <p:cNvPr id="60" name="Diamond 59"/>
+          <p:cNvSpPr/>
+          <p:nvPr/>
+        </p:nvSpPr>
+        <p:spPr>
+          <a:xfrm>
+            <a:off x="9200530" y="5224834"/>
+            <a:ext cx="311084" cy="188536"/>
+          </a:xfrm>
+          <a:prstGeom prst="diamond">
+            <a:avLst/>
+          </a:prstGeom>
+        </p:spPr>
+        <p:style>
+          <a:lnRef idx="2">
+            <a:schemeClr val="accent6">
+              <a:shade val="50000"/>
+            </a:schemeClr>
+          </a:lnRef>
+          <a:fillRef idx="1">
+            <a:schemeClr val="accent6"/>
+          </a:fillRef>
+          <a:effectRef idx="0">
+            <a:schemeClr val="accent6"/>
+          </a:effectRef>
+          <a:fontRef idx="minor">
+            <a:schemeClr val="lt1"/>
+          </a:fontRef>
+        </p:style>
+        <p:txBody>
+          <a:bodyPr rtlCol="0" anchor="ctr"/>
+          <a:lstStyle/>
+          <a:p>
+            <a:pPr algn="ctr"/>
+            <a:endParaRPr lang="en-SG"/>
+          </a:p>
+        </p:txBody>
+      </p:sp>
     </p:spTree>
     <p:extLst>
       <p:ext uri="{BB962C8B-B14F-4D97-AF65-F5344CB8AC3E}">
-        <p14:creationId xmlns:p14="http://schemas.microsoft.com/office/powerpoint/2010/main" xmlns="" val="865566284"/>
+        <p14:creationId xmlns="" xmlns:p14="http://schemas.microsoft.com/office/powerpoint/2010/main" val="865566284"/>
       </p:ext>
     </p:extLst>
   </p:cSld>
@@ -6372,7 +6915,7 @@
     </p:spTree>
     <p:extLst>
       <p:ext uri="{BB962C8B-B14F-4D97-AF65-F5344CB8AC3E}">
-        <p14:creationId xmlns:p14="http://schemas.microsoft.com/office/powerpoint/2010/main" xmlns="" val="144807405"/>
+        <p14:creationId xmlns="" xmlns:p14="http://schemas.microsoft.com/office/powerpoint/2010/main" val="144807405"/>
       </p:ext>
     </p:extLst>
   </p:cSld>
@@ -8245,7 +8788,7 @@
     </p:spTree>
     <p:extLst>
       <p:ext uri="{BB962C8B-B14F-4D97-AF65-F5344CB8AC3E}">
-        <p14:creationId xmlns:p14="http://schemas.microsoft.com/office/powerpoint/2010/main" xmlns="" val="1577130838"/>
+        <p14:creationId xmlns="" xmlns:p14="http://schemas.microsoft.com/office/powerpoint/2010/main" val="1577130838"/>
       </p:ext>
     </p:extLst>
   </p:cSld>
@@ -10044,7 +10587,7 @@
     </p:spTree>
     <p:extLst>
       <p:ext uri="{BB962C8B-B14F-4D97-AF65-F5344CB8AC3E}">
-        <p14:creationId xmlns:p14="http://schemas.microsoft.com/office/powerpoint/2010/main" xmlns="" val="1577130838"/>
+        <p14:creationId xmlns="" xmlns:p14="http://schemas.microsoft.com/office/powerpoint/2010/main" val="1577130838"/>
       </p:ext>
     </p:extLst>
   </p:cSld>
@@ -10669,7 +11212,7 @@
               <a:blip r:embed="rId2" cstate="print">
                 <a:extLst>
                   <a:ext uri="{28A0092B-C50C-407E-A947-70E740481C1C}">
-                    <a14:useLocalDpi xmlns:a14="http://schemas.microsoft.com/office/drawing/2010/main" xmlns="" val="0"/>
+                    <a14:useLocalDpi xmlns="" xmlns:a14="http://schemas.microsoft.com/office/drawing/2010/main" val="0"/>
                   </a:ext>
                 </a:extLst>
               </a:blip>
@@ -10689,7 +11232,7 @@
               <a:noFill/>
               <a:extLst>
                 <a:ext uri="{909E8E84-426E-40DD-AFC4-6F175D3DCCD1}">
-                  <a14:hiddenFill xmlns:a14="http://schemas.microsoft.com/office/drawing/2010/main" xmlns="">
+                  <a14:hiddenFill xmlns="" xmlns:a14="http://schemas.microsoft.com/office/drawing/2010/main">
                     <a:solidFill>
                       <a:srgbClr val="FFFFFF"/>
                     </a:solidFill>
@@ -11033,7 +11576,7 @@
     </p:spTree>
     <p:extLst>
       <p:ext uri="{BB962C8B-B14F-4D97-AF65-F5344CB8AC3E}">
-        <p14:creationId xmlns:p14="http://schemas.microsoft.com/office/powerpoint/2010/main" xmlns="" val="1289237162"/>
+        <p14:creationId xmlns="" xmlns:p14="http://schemas.microsoft.com/office/powerpoint/2010/main" val="1289237162"/>
       </p:ext>
     </p:extLst>
   </p:cSld>
@@ -12508,7 +13051,7 @@
     </p:spTree>
     <p:extLst>
       <p:ext uri="{BB962C8B-B14F-4D97-AF65-F5344CB8AC3E}">
-        <p14:creationId xmlns:p14="http://schemas.microsoft.com/office/powerpoint/2010/main" xmlns="" val="66083343"/>
+        <p14:creationId xmlns="" xmlns:p14="http://schemas.microsoft.com/office/powerpoint/2010/main" val="66083343"/>
       </p:ext>
     </p:extLst>
   </p:cSld>
@@ -12807,7 +13350,7 @@
   <a:extraClrSchemeLst/>
   <a:extLst>
     <a:ext uri="{05A4C25C-085E-4340-85A3-A5531E510DB2}">
-      <thm15:themeFamily xmlns:thm15="http://schemas.microsoft.com/office/thememl/2012/main" xmlns="" name="Office Theme" id="{62F939B6-93AF-4DB8-9C6B-D6C7DFDC589F}" vid="{4A3C46E8-61CC-4603-A589-7422A47A8E4A}"/>
+      <thm15:themeFamily xmlns="" xmlns:thm15="http://schemas.microsoft.com/office/thememl/2012/main" name="Office Theme" id="{62F939B6-93AF-4DB8-9C6B-D6C7DFDC589F}" vid="{4A3C46E8-61CC-4603-A589-7422A47A8E4A}"/>
     </a:ext>
   </a:extLst>
 </a:theme>

--- a/doc/DeveloperGuide.pptx
+++ b/doc/DeveloperGuide.pptx
@@ -113,7 +113,7 @@
   </p:defaultTextStyle>
   <p:extLst>
     <p:ext uri="{EFAFB233-063F-42B5-8137-9DF3F51BA10A}">
-      <p15:sldGuideLst xmlns:p15="http://schemas.microsoft.com/office/powerpoint/2012/main" xmlns=""/>
+      <p15:sldGuideLst xmlns="" xmlns:p15="http://schemas.microsoft.com/office/powerpoint/2012/main"/>
     </p:ext>
   </p:extLst>
 </p:presentation>
@@ -303,7 +303,7 @@
     </p:spTree>
     <p:extLst>
       <p:ext uri="{BB962C8B-B14F-4D97-AF65-F5344CB8AC3E}">
-        <p14:creationId xmlns:p14="http://schemas.microsoft.com/office/powerpoint/2010/main" xmlns="" val="885967701"/>
+        <p14:creationId xmlns="" xmlns:p14="http://schemas.microsoft.com/office/powerpoint/2010/main" val="885967701"/>
       </p:ext>
     </p:extLst>
   </p:cSld>
@@ -475,7 +475,7 @@
     </p:spTree>
     <p:extLst>
       <p:ext uri="{BB962C8B-B14F-4D97-AF65-F5344CB8AC3E}">
-        <p14:creationId xmlns:p14="http://schemas.microsoft.com/office/powerpoint/2010/main" xmlns="" val="2514989070"/>
+        <p14:creationId xmlns="" xmlns:p14="http://schemas.microsoft.com/office/powerpoint/2010/main" val="2514989070"/>
       </p:ext>
     </p:extLst>
   </p:cSld>
@@ -657,7 +657,7 @@
     </p:spTree>
     <p:extLst>
       <p:ext uri="{BB962C8B-B14F-4D97-AF65-F5344CB8AC3E}">
-        <p14:creationId xmlns:p14="http://schemas.microsoft.com/office/powerpoint/2010/main" xmlns="" val="1140117352"/>
+        <p14:creationId xmlns="" xmlns:p14="http://schemas.microsoft.com/office/powerpoint/2010/main" val="1140117352"/>
       </p:ext>
     </p:extLst>
   </p:cSld>
@@ -829,7 +829,7 @@
     </p:spTree>
     <p:extLst>
       <p:ext uri="{BB962C8B-B14F-4D97-AF65-F5344CB8AC3E}">
-        <p14:creationId xmlns:p14="http://schemas.microsoft.com/office/powerpoint/2010/main" xmlns="" val="1305359399"/>
+        <p14:creationId xmlns="" xmlns:p14="http://schemas.microsoft.com/office/powerpoint/2010/main" val="1305359399"/>
       </p:ext>
     </p:extLst>
   </p:cSld>
@@ -1077,7 +1077,7 @@
     </p:spTree>
     <p:extLst>
       <p:ext uri="{BB962C8B-B14F-4D97-AF65-F5344CB8AC3E}">
-        <p14:creationId xmlns:p14="http://schemas.microsoft.com/office/powerpoint/2010/main" xmlns="" val="1635507559"/>
+        <p14:creationId xmlns="" xmlns:p14="http://schemas.microsoft.com/office/powerpoint/2010/main" val="1635507559"/>
       </p:ext>
     </p:extLst>
   </p:cSld>
@@ -1311,7 +1311,7 @@
     </p:spTree>
     <p:extLst>
       <p:ext uri="{BB962C8B-B14F-4D97-AF65-F5344CB8AC3E}">
-        <p14:creationId xmlns:p14="http://schemas.microsoft.com/office/powerpoint/2010/main" xmlns="" val="3880365593"/>
+        <p14:creationId xmlns="" xmlns:p14="http://schemas.microsoft.com/office/powerpoint/2010/main" val="3880365593"/>
       </p:ext>
     </p:extLst>
   </p:cSld>
@@ -1680,7 +1680,7 @@
     </p:spTree>
     <p:extLst>
       <p:ext uri="{BB962C8B-B14F-4D97-AF65-F5344CB8AC3E}">
-        <p14:creationId xmlns:p14="http://schemas.microsoft.com/office/powerpoint/2010/main" xmlns="" val="761753800"/>
+        <p14:creationId xmlns="" xmlns:p14="http://schemas.microsoft.com/office/powerpoint/2010/main" val="761753800"/>
       </p:ext>
     </p:extLst>
   </p:cSld>
@@ -1800,7 +1800,7 @@
     </p:spTree>
     <p:extLst>
       <p:ext uri="{BB962C8B-B14F-4D97-AF65-F5344CB8AC3E}">
-        <p14:creationId xmlns:p14="http://schemas.microsoft.com/office/powerpoint/2010/main" xmlns="" val="442809760"/>
+        <p14:creationId xmlns="" xmlns:p14="http://schemas.microsoft.com/office/powerpoint/2010/main" val="442809760"/>
       </p:ext>
     </p:extLst>
   </p:cSld>
@@ -1897,7 +1897,7 @@
     </p:spTree>
     <p:extLst>
       <p:ext uri="{BB962C8B-B14F-4D97-AF65-F5344CB8AC3E}">
-        <p14:creationId xmlns:p14="http://schemas.microsoft.com/office/powerpoint/2010/main" xmlns="" val="3041616938"/>
+        <p14:creationId xmlns="" xmlns:p14="http://schemas.microsoft.com/office/powerpoint/2010/main" val="3041616938"/>
       </p:ext>
     </p:extLst>
   </p:cSld>
@@ -2176,7 +2176,7 @@
     </p:spTree>
     <p:extLst>
       <p:ext uri="{BB962C8B-B14F-4D97-AF65-F5344CB8AC3E}">
-        <p14:creationId xmlns:p14="http://schemas.microsoft.com/office/powerpoint/2010/main" xmlns="" val="2367210547"/>
+        <p14:creationId xmlns="" xmlns:p14="http://schemas.microsoft.com/office/powerpoint/2010/main" val="2367210547"/>
       </p:ext>
     </p:extLst>
   </p:cSld>
@@ -2431,7 +2431,7 @@
     </p:spTree>
     <p:extLst>
       <p:ext uri="{BB962C8B-B14F-4D97-AF65-F5344CB8AC3E}">
-        <p14:creationId xmlns:p14="http://schemas.microsoft.com/office/powerpoint/2010/main" xmlns="" val="5036302"/>
+        <p14:creationId xmlns="" xmlns:p14="http://schemas.microsoft.com/office/powerpoint/2010/main" val="5036302"/>
       </p:ext>
     </p:extLst>
   </p:cSld>
@@ -2682,7 +2682,7 @@
     </p:spTree>
     <p:extLst>
       <p:ext uri="{BB962C8B-B14F-4D97-AF65-F5344CB8AC3E}">
-        <p14:creationId xmlns:p14="http://schemas.microsoft.com/office/powerpoint/2010/main" xmlns="" val="2495799563"/>
+        <p14:creationId xmlns="" xmlns:p14="http://schemas.microsoft.com/office/powerpoint/2010/main" val="2495799563"/>
       </p:ext>
     </p:extLst>
   </p:cSld>
@@ -3628,7 +3628,7 @@
     </p:spTree>
     <p:extLst>
       <p:ext uri="{BB962C8B-B14F-4D97-AF65-F5344CB8AC3E}">
-        <p14:creationId xmlns:p14="http://schemas.microsoft.com/office/powerpoint/2010/main" xmlns="" val="2395715797"/>
+        <p14:creationId xmlns="" xmlns:p14="http://schemas.microsoft.com/office/powerpoint/2010/main" val="2395715797"/>
       </p:ext>
     </p:extLst>
   </p:cSld>
@@ -4719,7 +4719,7 @@
     </p:spTree>
     <p:extLst>
       <p:ext uri="{BB962C8B-B14F-4D97-AF65-F5344CB8AC3E}">
-        <p14:creationId xmlns:p14="http://schemas.microsoft.com/office/powerpoint/2010/main" xmlns="" val="865566284"/>
+        <p14:creationId xmlns="" xmlns:p14="http://schemas.microsoft.com/office/powerpoint/2010/main" val="865566284"/>
       </p:ext>
     </p:extLst>
   </p:cSld>
@@ -6416,7 +6416,7 @@
     </p:spTree>
     <p:extLst>
       <p:ext uri="{BB962C8B-B14F-4D97-AF65-F5344CB8AC3E}">
-        <p14:creationId xmlns:p14="http://schemas.microsoft.com/office/powerpoint/2010/main" xmlns="" val="144807405"/>
+        <p14:creationId xmlns="" xmlns:p14="http://schemas.microsoft.com/office/powerpoint/2010/main" val="144807405"/>
       </p:ext>
     </p:extLst>
   </p:cSld>
@@ -8304,7 +8304,7 @@
     </p:spTree>
     <p:extLst>
       <p:ext uri="{BB962C8B-B14F-4D97-AF65-F5344CB8AC3E}">
-        <p14:creationId xmlns:p14="http://schemas.microsoft.com/office/powerpoint/2010/main" xmlns="" val="1577130838"/>
+        <p14:creationId xmlns="" xmlns:p14="http://schemas.microsoft.com/office/powerpoint/2010/main" val="1577130838"/>
       </p:ext>
     </p:extLst>
   </p:cSld>
@@ -10103,7 +10103,7 @@
     </p:spTree>
     <p:extLst>
       <p:ext uri="{BB962C8B-B14F-4D97-AF65-F5344CB8AC3E}">
-        <p14:creationId xmlns:p14="http://schemas.microsoft.com/office/powerpoint/2010/main" xmlns="" val="1577130838"/>
+        <p14:creationId xmlns="" xmlns:p14="http://schemas.microsoft.com/office/powerpoint/2010/main" val="1577130838"/>
       </p:ext>
     </p:extLst>
   </p:cSld>
@@ -10170,87 +10170,9 @@
           </a:p>
         </p:txBody>
       </p:sp>
-      <p:cxnSp>
-        <p:nvCxnSpPr>
-          <p:cNvPr id="388" name="Straight Arrow Connector 387"/>
-          <p:cNvCxnSpPr>
-            <a:stCxn id="386" idx="0"/>
-            <a:endCxn id="65" idx="2"/>
-          </p:cNvCxnSpPr>
-          <p:nvPr/>
-        </p:nvCxnSpPr>
-        <p:spPr>
-          <a:xfrm flipH="1" flipV="1">
-            <a:off x="1224012" y="-157346"/>
-            <a:ext cx="1" cy="563879"/>
-          </a:xfrm>
-          <a:prstGeom prst="straightConnector1">
-            <a:avLst/>
-          </a:prstGeom>
-          <a:ln w="19050">
-            <a:solidFill>
-              <a:schemeClr val="tx1"/>
-            </a:solidFill>
-            <a:tailEnd type="arrow"/>
-          </a:ln>
-        </p:spPr>
-        <p:style>
-          <a:lnRef idx="1">
-            <a:schemeClr val="accent1"/>
-          </a:lnRef>
-          <a:fillRef idx="0">
-            <a:schemeClr val="accent1"/>
-          </a:fillRef>
-          <a:effectRef idx="0">
-            <a:schemeClr val="accent1"/>
-          </a:effectRef>
-          <a:fontRef idx="minor">
-            <a:schemeClr val="tx1"/>
-          </a:fontRef>
-        </p:style>
-      </p:cxnSp>
-      <p:cxnSp>
-        <p:nvCxnSpPr>
-          <p:cNvPr id="396" name="Straight Arrow Connector 395"/>
-          <p:cNvCxnSpPr>
-            <a:stCxn id="386" idx="3"/>
-            <a:endCxn id="415" idx="2"/>
-          </p:cNvCxnSpPr>
-          <p:nvPr/>
-        </p:nvCxnSpPr>
-        <p:spPr>
-          <a:xfrm>
-            <a:off x="1517583" y="608664"/>
-            <a:ext cx="758675" cy="5439"/>
-          </a:xfrm>
-          <a:prstGeom prst="straightConnector1">
-            <a:avLst/>
-          </a:prstGeom>
-          <a:ln w="19050">
-            <a:solidFill>
-              <a:schemeClr val="tx1"/>
-            </a:solidFill>
-            <a:tailEnd type="arrow"/>
-          </a:ln>
-        </p:spPr>
-        <p:style>
-          <a:lnRef idx="1">
-            <a:schemeClr val="accent1"/>
-          </a:lnRef>
-          <a:fillRef idx="0">
-            <a:schemeClr val="accent1"/>
-          </a:fillRef>
-          <a:effectRef idx="0">
-            <a:schemeClr val="accent1"/>
-          </a:effectRef>
-          <a:fontRef idx="minor">
-            <a:schemeClr val="tx1"/>
-          </a:fontRef>
-        </p:style>
-      </p:cxnSp>
       <p:grpSp>
         <p:nvGrpSpPr>
-          <p:cNvPr id="419" name="Group 418"/>
+          <p:cNvPr id="109" name="Group 108"/>
           <p:cNvGrpSpPr/>
           <p:nvPr/>
         </p:nvGrpSpPr>
@@ -10262,704 +10184,86 @@
             <a:chExt cx="11988024" cy="8486399"/>
           </a:xfrm>
         </p:grpSpPr>
+        <p:cxnSp>
+          <p:nvCxnSpPr>
+            <p:cNvPr id="388" name="Straight Arrow Connector 387"/>
+            <p:cNvCxnSpPr>
+              <a:stCxn id="386" idx="0"/>
+              <a:endCxn id="65" idx="2"/>
+            </p:cNvCxnSpPr>
+            <p:nvPr/>
+          </p:nvCxnSpPr>
+          <p:spPr>
+            <a:xfrm flipH="1" flipV="1">
+              <a:off x="1224012" y="-157346"/>
+              <a:ext cx="1" cy="563879"/>
+            </a:xfrm>
+            <a:prstGeom prst="straightConnector1">
+              <a:avLst/>
+            </a:prstGeom>
+            <a:ln w="19050">
+              <a:solidFill>
+                <a:schemeClr val="tx1"/>
+              </a:solidFill>
+              <a:tailEnd type="arrow"/>
+            </a:ln>
+          </p:spPr>
+          <p:style>
+            <a:lnRef idx="1">
+              <a:schemeClr val="accent1"/>
+            </a:lnRef>
+            <a:fillRef idx="0">
+              <a:schemeClr val="accent1"/>
+            </a:fillRef>
+            <a:effectRef idx="0">
+              <a:schemeClr val="accent1"/>
+            </a:effectRef>
+            <a:fontRef idx="minor">
+              <a:schemeClr val="tx1"/>
+            </a:fontRef>
+          </p:style>
+        </p:cxnSp>
         <p:grpSp>
           <p:nvGrpSpPr>
-            <p:cNvPr id="325" name="Group 324"/>
+            <p:cNvPr id="106" name="Group 105"/>
             <p:cNvGrpSpPr/>
             <p:nvPr/>
           </p:nvGrpSpPr>
           <p:grpSpPr>
             <a:xfrm>
-              <a:off x="202472" y="2216182"/>
-              <a:ext cx="11718167" cy="5323598"/>
-              <a:chOff x="227872" y="-96243"/>
-              <a:chExt cx="11718167" cy="5323598"/>
+              <a:off x="-67385" y="-946619"/>
+              <a:ext cx="11988024" cy="8486399"/>
+              <a:chOff x="-67385" y="-946619"/>
+              <a:chExt cx="11988024" cy="8486399"/>
             </a:xfrm>
           </p:grpSpPr>
-          <p:sp>
-            <p:nvSpPr>
-              <p:cNvPr id="91" name="Rounded Rectangle 90"/>
-              <p:cNvSpPr/>
-              <p:nvPr/>
-            </p:nvSpPr>
-            <p:spPr>
-              <a:xfrm>
-                <a:off x="4551148" y="-96243"/>
-                <a:ext cx="1838424" cy="789273"/>
-              </a:xfrm>
-              <a:prstGeom prst="roundRect">
-                <a:avLst/>
-              </a:prstGeom>
-              <a:noFill/>
-              <a:ln w="28575">
-                <a:solidFill>
-                  <a:schemeClr val="tx1"/>
-                </a:solidFill>
-              </a:ln>
-            </p:spPr>
-            <p:style>
-              <a:lnRef idx="2">
-                <a:schemeClr val="accent1">
-                  <a:shade val="50000"/>
-                </a:schemeClr>
-              </a:lnRef>
-              <a:fillRef idx="1">
-                <a:schemeClr val="accent1"/>
-              </a:fillRef>
-              <a:effectRef idx="0">
-                <a:schemeClr val="accent1"/>
-              </a:effectRef>
-              <a:fontRef idx="minor">
-                <a:schemeClr val="lt1"/>
-              </a:fontRef>
-            </p:style>
-            <p:txBody>
-              <a:bodyPr rtlCol="0" anchor="ctr"/>
-              <a:lstStyle/>
-              <a:p>
-                <a:pPr algn="ctr"/>
-                <a:r>
-                  <a:rPr lang="en-SG" sz="1600" dirty="0" smtClean="0">
-                    <a:solidFill>
-                      <a:schemeClr val="tx1"/>
-                    </a:solidFill>
-                  </a:rPr>
-                  <a:t>Display invalid command</a:t>
-                </a:r>
-                <a:endParaRPr lang="en-SG" sz="1600" dirty="0">
-                  <a:solidFill>
-                    <a:schemeClr val="tx1"/>
-                  </a:solidFill>
-                </a:endParaRPr>
-              </a:p>
-            </p:txBody>
-          </p:sp>
           <p:grpSp>
             <p:nvGrpSpPr>
-              <p:cNvPr id="324" name="Group 323"/>
+              <p:cNvPr id="103" name="Group 102"/>
               <p:cNvGrpSpPr/>
               <p:nvPr/>
             </p:nvGrpSpPr>
             <p:grpSpPr>
               <a:xfrm>
-                <a:off x="227872" y="186087"/>
-                <a:ext cx="11718167" cy="5041268"/>
-                <a:chOff x="227872" y="166837"/>
-                <a:chExt cx="11718167" cy="5041268"/>
+                <a:off x="-67385" y="-946619"/>
+                <a:ext cx="11988024" cy="8486399"/>
+                <a:chOff x="-67385" y="-946619"/>
+                <a:chExt cx="11988024" cy="8486399"/>
               </a:xfrm>
             </p:grpSpPr>
-            <p:sp>
-              <p:nvSpPr>
-                <p:cNvPr id="70" name="Rounded Rectangle 69"/>
-                <p:cNvSpPr/>
-                <p:nvPr/>
-              </p:nvSpPr>
-              <p:spPr>
-                <a:xfrm>
-                  <a:off x="914417" y="1259282"/>
-                  <a:ext cx="1838424" cy="789273"/>
-                </a:xfrm>
-                <a:prstGeom prst="roundRect">
-                  <a:avLst/>
-                </a:prstGeom>
-                <a:noFill/>
-                <a:ln w="28575">
-                  <a:solidFill>
-                    <a:schemeClr val="tx1"/>
-                  </a:solidFill>
-                </a:ln>
-              </p:spPr>
-              <p:style>
-                <a:lnRef idx="2">
-                  <a:schemeClr val="accent1">
-                    <a:shade val="50000"/>
-                  </a:schemeClr>
-                </a:lnRef>
-                <a:fillRef idx="1">
-                  <a:schemeClr val="accent1"/>
-                </a:fillRef>
-                <a:effectRef idx="0">
-                  <a:schemeClr val="accent1"/>
-                </a:effectRef>
-                <a:fontRef idx="minor">
-                  <a:schemeClr val="lt1"/>
-                </a:fontRef>
-              </p:style>
-              <p:txBody>
-                <a:bodyPr rtlCol="0" anchor="ctr"/>
-                <a:lstStyle/>
-                <a:p>
-                  <a:pPr algn="ctr"/>
-                  <a:r>
-                    <a:rPr lang="en-SG" sz="1600" dirty="0" smtClean="0">
-                      <a:solidFill>
-                        <a:schemeClr val="tx1"/>
-                      </a:solidFill>
-                    </a:rPr>
-                    <a:t>User gives an input</a:t>
-                  </a:r>
-                  <a:endParaRPr lang="en-SG" sz="1600" dirty="0">
-                    <a:solidFill>
-                      <a:schemeClr val="tx1"/>
-                    </a:solidFill>
-                  </a:endParaRPr>
-                </a:p>
-              </p:txBody>
-            </p:sp>
             <p:cxnSp>
               <p:nvCxnSpPr>
-                <p:cNvPr id="80" name="Straight Arrow Connector 79"/>
+                <p:cNvPr id="396" name="Straight Arrow Connector 395"/>
                 <p:cNvCxnSpPr>
-                  <a:stCxn id="152" idx="3"/>
-                  <a:endCxn id="84" idx="1"/>
-                </p:cNvCxnSpPr>
-                <p:nvPr/>
-              </p:nvCxnSpPr>
-              <p:spPr>
-                <a:xfrm>
-                  <a:off x="3990021" y="1653919"/>
-                  <a:ext cx="1195123" cy="0"/>
-                </a:xfrm>
-                <a:prstGeom prst="straightConnector1">
-                  <a:avLst/>
-                </a:prstGeom>
-                <a:ln w="19050">
-                  <a:solidFill>
-                    <a:schemeClr val="tx1"/>
-                  </a:solidFill>
-                  <a:tailEnd type="arrow"/>
-                </a:ln>
-              </p:spPr>
-              <p:style>
-                <a:lnRef idx="1">
-                  <a:schemeClr val="accent1"/>
-                </a:lnRef>
-                <a:fillRef idx="0">
-                  <a:schemeClr val="accent1"/>
-                </a:fillRef>
-                <a:effectRef idx="0">
-                  <a:schemeClr val="accent1"/>
-                </a:effectRef>
-                <a:fontRef idx="minor">
-                  <a:schemeClr val="tx1"/>
-                </a:fontRef>
-              </p:style>
-            </p:cxnSp>
-            <p:sp>
-              <p:nvSpPr>
-                <p:cNvPr id="84" name="Diamond 83"/>
-                <p:cNvSpPr/>
-                <p:nvPr/>
-              </p:nvSpPr>
-              <p:spPr>
-                <a:xfrm>
-                  <a:off x="5185144" y="1451788"/>
-                  <a:ext cx="587141" cy="404261"/>
-                </a:xfrm>
-                <a:prstGeom prst="diamond">
-                  <a:avLst/>
-                </a:prstGeom>
-                <a:noFill/>
-                <a:ln w="28575">
-                  <a:solidFill>
-                    <a:schemeClr val="tx1"/>
-                  </a:solidFill>
-                </a:ln>
-              </p:spPr>
-              <p:style>
-                <a:lnRef idx="2">
-                  <a:schemeClr val="accent1">
-                    <a:shade val="50000"/>
-                  </a:schemeClr>
-                </a:lnRef>
-                <a:fillRef idx="1">
-                  <a:schemeClr val="accent1"/>
-                </a:fillRef>
-                <a:effectRef idx="0">
-                  <a:schemeClr val="accent1"/>
-                </a:effectRef>
-                <a:fontRef idx="minor">
-                  <a:schemeClr val="lt1"/>
-                </a:fontRef>
-              </p:style>
-              <p:txBody>
-                <a:bodyPr rtlCol="0" anchor="ctr"/>
-                <a:lstStyle/>
-                <a:p>
-                  <a:pPr algn="ctr"/>
-                  <a:endParaRPr lang="en-SG"/>
-                </a:p>
-              </p:txBody>
-            </p:sp>
-            <p:sp>
-              <p:nvSpPr>
-                <p:cNvPr id="87" name="TextBox 86"/>
-                <p:cNvSpPr txBox="1"/>
-                <p:nvPr/>
-              </p:nvSpPr>
-              <p:spPr>
-                <a:xfrm>
-                  <a:off x="4829392" y="1827197"/>
-                  <a:ext cx="2184188" cy="584775"/>
-                </a:xfrm>
-                <a:prstGeom prst="rect">
-                  <a:avLst/>
-                </a:prstGeom>
-                <a:noFill/>
-              </p:spPr>
-              <p:txBody>
-                <a:bodyPr wrap="none" rtlCol="0">
-                  <a:spAutoFit/>
-                </a:bodyPr>
-                <a:lstStyle/>
-                <a:p>
-                  <a:pPr algn="ctr"/>
-                  <a:r>
-                    <a:rPr lang="en-SG" sz="1600" dirty="0" smtClean="0"/>
-                    <a:t>Checks if any command </a:t>
-                  </a:r>
-                </a:p>
-                <a:p>
-                  <a:pPr algn="ctr"/>
-                  <a:r>
-                    <a:rPr lang="en-SG" sz="1600" dirty="0" smtClean="0"/>
-                    <a:t>responds to input</a:t>
-                  </a:r>
-                  <a:endParaRPr lang="en-SG" sz="1600" dirty="0"/>
-                </a:p>
-              </p:txBody>
-            </p:sp>
-            <p:cxnSp>
-              <p:nvCxnSpPr>
-                <p:cNvPr id="92" name="Straight Arrow Connector 91"/>
-                <p:cNvCxnSpPr>
-                  <a:stCxn id="84" idx="0"/>
-                  <a:endCxn id="91" idx="2"/>
-                </p:cNvCxnSpPr>
-                <p:nvPr/>
-              </p:nvCxnSpPr>
-              <p:spPr>
-                <a:xfrm flipH="1" flipV="1">
-                  <a:off x="5470360" y="693030"/>
-                  <a:ext cx="8355" cy="758758"/>
-                </a:xfrm>
-                <a:prstGeom prst="straightConnector1">
-                  <a:avLst/>
-                </a:prstGeom>
-                <a:ln w="19050">
-                  <a:solidFill>
-                    <a:schemeClr val="tx1"/>
-                  </a:solidFill>
-                  <a:tailEnd type="arrow"/>
-                </a:ln>
-              </p:spPr>
-              <p:style>
-                <a:lnRef idx="1">
-                  <a:schemeClr val="accent1"/>
-                </a:lnRef>
-                <a:fillRef idx="0">
-                  <a:schemeClr val="accent1"/>
-                </a:fillRef>
-                <a:effectRef idx="0">
-                  <a:schemeClr val="accent1"/>
-                </a:effectRef>
-                <a:fontRef idx="minor">
-                  <a:schemeClr val="tx1"/>
-                </a:fontRef>
-              </p:style>
-            </p:cxnSp>
-            <p:cxnSp>
-              <p:nvCxnSpPr>
-                <p:cNvPr id="97" name="Straight Arrow Connector 96"/>
-                <p:cNvCxnSpPr>
-                  <a:stCxn id="91" idx="3"/>
-                  <a:endCxn id="100" idx="2"/>
+                  <a:stCxn id="386" idx="3"/>
+                  <a:endCxn id="228" idx="4"/>
                 </p:cNvCxnSpPr>
                 <p:nvPr/>
               </p:nvCxnSpPr>
               <p:spPr>
                 <a:xfrm flipV="1">
-                  <a:off x="6389572" y="296779"/>
-                  <a:ext cx="404249" cy="1615"/>
-                </a:xfrm>
-                <a:prstGeom prst="straightConnector1">
-                  <a:avLst/>
-                </a:prstGeom>
-                <a:ln w="19050">
-                  <a:solidFill>
-                    <a:schemeClr val="tx1"/>
-                  </a:solidFill>
-                  <a:tailEnd type="arrow"/>
-                </a:ln>
-              </p:spPr>
-              <p:style>
-                <a:lnRef idx="1">
-                  <a:schemeClr val="accent1"/>
-                </a:lnRef>
-                <a:fillRef idx="0">
-                  <a:schemeClr val="accent1"/>
-                </a:fillRef>
-                <a:effectRef idx="0">
-                  <a:schemeClr val="accent1"/>
-                </a:effectRef>
-                <a:fontRef idx="minor">
-                  <a:schemeClr val="tx1"/>
-                </a:fontRef>
-              </p:style>
-            </p:cxnSp>
-            <p:sp>
-              <p:nvSpPr>
-                <p:cNvPr id="100" name="Oval 99"/>
-                <p:cNvSpPr/>
-                <p:nvPr/>
-              </p:nvSpPr>
-              <p:spPr>
-                <a:xfrm>
-                  <a:off x="6793821" y="166837"/>
-                  <a:ext cx="259883" cy="259883"/>
-                </a:xfrm>
-                <a:prstGeom prst="ellipse">
-                  <a:avLst/>
-                </a:prstGeom>
-                <a:noFill/>
-                <a:ln w="28575">
-                  <a:solidFill>
-                    <a:schemeClr val="tx1"/>
-                  </a:solidFill>
-                </a:ln>
-              </p:spPr>
-              <p:style>
-                <a:lnRef idx="2">
-                  <a:schemeClr val="accent1">
-                    <a:shade val="50000"/>
-                  </a:schemeClr>
-                </a:lnRef>
-                <a:fillRef idx="1">
-                  <a:schemeClr val="accent1"/>
-                </a:fillRef>
-                <a:effectRef idx="0">
-                  <a:schemeClr val="accent1"/>
-                </a:effectRef>
-                <a:fontRef idx="minor">
-                  <a:schemeClr val="lt1"/>
-                </a:fontRef>
-              </p:style>
-              <p:txBody>
-                <a:bodyPr rtlCol="0" anchor="ctr"/>
-                <a:lstStyle/>
-                <a:p>
-                  <a:pPr algn="ctr"/>
-                  <a:r>
-                    <a:rPr lang="en-SG" dirty="0" smtClean="0">
-                      <a:solidFill>
-                        <a:sysClr val="windowText" lastClr="000000"/>
-                      </a:solidFill>
-                    </a:rPr>
-                    <a:t>A</a:t>
-                  </a:r>
-                  <a:endParaRPr lang="en-SG" dirty="0">
-                    <a:solidFill>
-                      <a:sysClr val="windowText" lastClr="000000"/>
-                    </a:solidFill>
-                  </a:endParaRPr>
-                </a:p>
-              </p:txBody>
-            </p:sp>
-            <p:sp>
-              <p:nvSpPr>
-                <p:cNvPr id="102" name="Oval 101"/>
-                <p:cNvSpPr/>
-                <p:nvPr/>
-              </p:nvSpPr>
-              <p:spPr>
-                <a:xfrm>
-                  <a:off x="227872" y="1523977"/>
-                  <a:ext cx="259883" cy="259883"/>
-                </a:xfrm>
-                <a:prstGeom prst="ellipse">
-                  <a:avLst/>
-                </a:prstGeom>
-                <a:noFill/>
-                <a:ln w="28575">
-                  <a:solidFill>
-                    <a:schemeClr val="tx1"/>
-                  </a:solidFill>
-                </a:ln>
-              </p:spPr>
-              <p:style>
-                <a:lnRef idx="2">
-                  <a:schemeClr val="accent1">
-                    <a:shade val="50000"/>
-                  </a:schemeClr>
-                </a:lnRef>
-                <a:fillRef idx="1">
-                  <a:schemeClr val="accent1"/>
-                </a:fillRef>
-                <a:effectRef idx="0">
-                  <a:schemeClr val="accent1"/>
-                </a:effectRef>
-                <a:fontRef idx="minor">
-                  <a:schemeClr val="lt1"/>
-                </a:fontRef>
-              </p:style>
-              <p:txBody>
-                <a:bodyPr rtlCol="0" anchor="ctr"/>
-                <a:lstStyle/>
-                <a:p>
-                  <a:pPr algn="ctr"/>
-                  <a:r>
-                    <a:rPr lang="en-SG" dirty="0" smtClean="0">
-                      <a:solidFill>
-                        <a:sysClr val="windowText" lastClr="000000"/>
-                      </a:solidFill>
-                    </a:rPr>
-                    <a:t>A</a:t>
-                  </a:r>
-                  <a:endParaRPr lang="en-SG" dirty="0">
-                    <a:solidFill>
-                      <a:sysClr val="windowText" lastClr="000000"/>
-                    </a:solidFill>
-                  </a:endParaRPr>
-                </a:p>
-              </p:txBody>
-            </p:sp>
-            <p:cxnSp>
-              <p:nvCxnSpPr>
-                <p:cNvPr id="105" name="Straight Arrow Connector 104"/>
-                <p:cNvCxnSpPr>
-                  <a:stCxn id="102" idx="6"/>
-                  <a:endCxn id="70" idx="1"/>
-                </p:cNvCxnSpPr>
-                <p:nvPr/>
-              </p:nvCxnSpPr>
-              <p:spPr>
-                <a:xfrm>
-                  <a:off x="487755" y="1653919"/>
-                  <a:ext cx="426662" cy="0"/>
-                </a:xfrm>
-                <a:prstGeom prst="straightConnector1">
-                  <a:avLst/>
-                </a:prstGeom>
-                <a:ln w="19050">
-                  <a:solidFill>
-                    <a:schemeClr val="tx1"/>
-                  </a:solidFill>
-                  <a:tailEnd type="arrow"/>
-                </a:ln>
-              </p:spPr>
-              <p:style>
-                <a:lnRef idx="1">
-                  <a:schemeClr val="accent1"/>
-                </a:lnRef>
-                <a:fillRef idx="0">
-                  <a:schemeClr val="accent1"/>
-                </a:fillRef>
-                <a:effectRef idx="0">
-                  <a:schemeClr val="accent1"/>
-                </a:effectRef>
-                <a:fontRef idx="minor">
-                  <a:schemeClr val="tx1"/>
-                </a:fontRef>
-              </p:style>
-            </p:cxnSp>
-            <p:sp>
-              <p:nvSpPr>
-                <p:cNvPr id="108" name="TextBox 107"/>
-                <p:cNvSpPr txBox="1"/>
-                <p:nvPr/>
-              </p:nvSpPr>
-              <p:spPr>
-                <a:xfrm>
-                  <a:off x="7711821" y="2027688"/>
-                  <a:ext cx="551754" cy="338554"/>
-                </a:xfrm>
-                <a:prstGeom prst="rect">
-                  <a:avLst/>
-                </a:prstGeom>
-                <a:noFill/>
-              </p:spPr>
-              <p:txBody>
-                <a:bodyPr wrap="none" rtlCol="0">
-                  <a:spAutoFit/>
-                </a:bodyPr>
-                <a:lstStyle/>
-                <a:p>
-                  <a:pPr algn="ctr"/>
-                  <a:r>
-                    <a:rPr lang="en-SG" sz="1600" dirty="0" smtClean="0"/>
-                    <a:t>[No]</a:t>
-                  </a:r>
-                  <a:endParaRPr lang="en-SG" sz="1600" dirty="0"/>
-                </a:p>
-              </p:txBody>
-            </p:sp>
-            <p:cxnSp>
-              <p:nvCxnSpPr>
-                <p:cNvPr id="111" name="Straight Arrow Connector 110"/>
-                <p:cNvCxnSpPr>
-                  <a:stCxn id="84" idx="3"/>
-                  <a:endCxn id="114" idx="1"/>
-                </p:cNvCxnSpPr>
-                <p:nvPr/>
-              </p:nvCxnSpPr>
-              <p:spPr>
-                <a:xfrm>
-                  <a:off x="5772285" y="1653919"/>
-                  <a:ext cx="1707633" cy="9647"/>
-                </a:xfrm>
-                <a:prstGeom prst="straightConnector1">
-                  <a:avLst/>
-                </a:prstGeom>
-                <a:ln w="19050">
-                  <a:solidFill>
-                    <a:schemeClr val="tx1"/>
-                  </a:solidFill>
-                  <a:tailEnd type="arrow"/>
-                </a:ln>
-              </p:spPr>
-              <p:style>
-                <a:lnRef idx="1">
-                  <a:schemeClr val="accent1"/>
-                </a:lnRef>
-                <a:fillRef idx="0">
-                  <a:schemeClr val="accent1"/>
-                </a:fillRef>
-                <a:effectRef idx="0">
-                  <a:schemeClr val="accent1"/>
-                </a:effectRef>
-                <a:fontRef idx="minor">
-                  <a:schemeClr val="tx1"/>
-                </a:fontRef>
-              </p:style>
-            </p:cxnSp>
-            <p:sp>
-              <p:nvSpPr>
-                <p:cNvPr id="114" name="Diamond 113"/>
-                <p:cNvSpPr/>
-                <p:nvPr/>
-              </p:nvSpPr>
-              <p:spPr>
-                <a:xfrm>
-                  <a:off x="7479918" y="1461435"/>
-                  <a:ext cx="587141" cy="404261"/>
-                </a:xfrm>
-                <a:prstGeom prst="diamond">
-                  <a:avLst/>
-                </a:prstGeom>
-                <a:noFill/>
-                <a:ln w="28575">
-                  <a:solidFill>
-                    <a:schemeClr val="tx1"/>
-                  </a:solidFill>
-                </a:ln>
-              </p:spPr>
-              <p:style>
-                <a:lnRef idx="2">
-                  <a:schemeClr val="accent1">
-                    <a:shade val="50000"/>
-                  </a:schemeClr>
-                </a:lnRef>
-                <a:fillRef idx="1">
-                  <a:schemeClr val="accent1"/>
-                </a:fillRef>
-                <a:effectRef idx="0">
-                  <a:schemeClr val="accent1"/>
-                </a:effectRef>
-                <a:fontRef idx="minor">
-                  <a:schemeClr val="lt1"/>
-                </a:fontRef>
-              </p:style>
-              <p:txBody>
-                <a:bodyPr rtlCol="0" anchor="ctr"/>
-                <a:lstStyle/>
-                <a:p>
-                  <a:pPr algn="ctr"/>
-                  <a:endParaRPr lang="en-SG"/>
-                </a:p>
-              </p:txBody>
-            </p:sp>
-            <p:sp>
-              <p:nvSpPr>
-                <p:cNvPr id="116" name="TextBox 115"/>
-                <p:cNvSpPr txBox="1"/>
-                <p:nvPr/>
-              </p:nvSpPr>
-              <p:spPr>
-                <a:xfrm>
-                  <a:off x="7996337" y="1382831"/>
-                  <a:ext cx="1567929" cy="584775"/>
-                </a:xfrm>
-                <a:prstGeom prst="rect">
-                  <a:avLst/>
-                </a:prstGeom>
-                <a:noFill/>
-              </p:spPr>
-              <p:txBody>
-                <a:bodyPr wrap="none" rtlCol="0">
-                  <a:spAutoFit/>
-                </a:bodyPr>
-                <a:lstStyle/>
-                <a:p>
-                  <a:pPr algn="ctr"/>
-                  <a:r>
-                    <a:rPr lang="en-SG" sz="1600" dirty="0" smtClean="0"/>
-                    <a:t>Is the command </a:t>
-                  </a:r>
-                </a:p>
-                <a:p>
-                  <a:pPr algn="ctr"/>
-                  <a:r>
-                    <a:rPr lang="en-SG" sz="1600" dirty="0" smtClean="0"/>
-                    <a:t>‘Exit’?</a:t>
-                  </a:r>
-                  <a:endParaRPr lang="en-SG" sz="1600" dirty="0"/>
-                </a:p>
-              </p:txBody>
-            </p:sp>
-            <p:sp>
-              <p:nvSpPr>
-                <p:cNvPr id="117" name="TextBox 116"/>
-                <p:cNvSpPr txBox="1"/>
-                <p:nvPr/>
-              </p:nvSpPr>
-              <p:spPr>
-                <a:xfrm>
-                  <a:off x="4306085" y="1344316"/>
-                  <a:ext cx="551754" cy="338554"/>
-                </a:xfrm>
-                <a:prstGeom prst="rect">
-                  <a:avLst/>
-                </a:prstGeom>
-                <a:noFill/>
-              </p:spPr>
-              <p:txBody>
-                <a:bodyPr wrap="none" rtlCol="0">
-                  <a:spAutoFit/>
-                </a:bodyPr>
-                <a:lstStyle/>
-                <a:p>
-                  <a:pPr algn="ctr"/>
-                  <a:r>
-                    <a:rPr lang="en-SG" sz="1600" dirty="0" smtClean="0"/>
-                    <a:t>[No]</a:t>
-                  </a:r>
-                  <a:endParaRPr lang="en-SG" sz="1600" dirty="0"/>
-                </a:p>
-              </p:txBody>
-            </p:sp>
-            <p:cxnSp>
-              <p:nvCxnSpPr>
-                <p:cNvPr id="118" name="Straight Arrow Connector 117"/>
-                <p:cNvCxnSpPr>
-                  <a:stCxn id="114" idx="0"/>
-                  <a:endCxn id="122" idx="4"/>
-                </p:cNvCxnSpPr>
-                <p:nvPr/>
-              </p:nvCxnSpPr>
-              <p:spPr>
-                <a:xfrm flipV="1">
-                  <a:off x="7773489" y="591958"/>
-                  <a:ext cx="0" cy="869477"/>
+                  <a:off x="1517583" y="-422041"/>
+                  <a:ext cx="1279099" cy="1030705"/>
                 </a:xfrm>
                 <a:prstGeom prst="straightConnector1">
                   <a:avLst/>
@@ -10988,1769 +10292,527 @@
             </p:cxnSp>
             <p:grpSp>
               <p:nvGrpSpPr>
-                <p:cNvPr id="123" name="Group 122"/>
-                <p:cNvGrpSpPr/>
-                <p:nvPr/>
-              </p:nvGrpSpPr>
-              <p:grpSpPr>
-                <a:xfrm>
-                  <a:off x="7572158" y="189297"/>
-                  <a:ext cx="402661" cy="402661"/>
-                  <a:chOff x="8534996" y="1469457"/>
-                  <a:chExt cx="402661" cy="402661"/>
-                </a:xfrm>
-              </p:grpSpPr>
-              <p:sp>
-                <p:nvSpPr>
-                  <p:cNvPr id="121" name="Oval 120"/>
-                  <p:cNvSpPr/>
-                  <p:nvPr/>
-                </p:nvSpPr>
-                <p:spPr>
-                  <a:xfrm>
-                    <a:off x="8617214" y="1551675"/>
-                    <a:ext cx="238225" cy="238225"/>
-                  </a:xfrm>
-                  <a:prstGeom prst="ellipse">
-                    <a:avLst/>
-                  </a:prstGeom>
-                  <a:solidFill>
-                    <a:schemeClr val="tx1"/>
-                  </a:solidFill>
-                  <a:ln>
-                    <a:solidFill>
-                      <a:schemeClr val="tx1"/>
-                    </a:solidFill>
-                  </a:ln>
-                </p:spPr>
-                <p:style>
-                  <a:lnRef idx="2">
-                    <a:schemeClr val="accent1">
-                      <a:shade val="50000"/>
-                    </a:schemeClr>
-                  </a:lnRef>
-                  <a:fillRef idx="1">
-                    <a:schemeClr val="accent1"/>
-                  </a:fillRef>
-                  <a:effectRef idx="0">
-                    <a:schemeClr val="accent1"/>
-                  </a:effectRef>
-                  <a:fontRef idx="minor">
-                    <a:schemeClr val="lt1"/>
-                  </a:fontRef>
-                </p:style>
-                <p:txBody>
-                  <a:bodyPr rtlCol="0" anchor="ctr"/>
-                  <a:lstStyle/>
-                  <a:p>
-                    <a:pPr algn="ctr"/>
-                    <a:endParaRPr lang="en-SG"/>
-                  </a:p>
-                </p:txBody>
-              </p:sp>
-              <p:sp>
-                <p:nvSpPr>
-                  <p:cNvPr id="122" name="Oval 121"/>
-                  <p:cNvSpPr/>
-                  <p:nvPr/>
-                </p:nvSpPr>
-                <p:spPr>
-                  <a:xfrm>
-                    <a:off x="8534996" y="1469457"/>
-                    <a:ext cx="402661" cy="402661"/>
-                  </a:xfrm>
-                  <a:prstGeom prst="ellipse">
-                    <a:avLst/>
-                  </a:prstGeom>
-                  <a:noFill/>
-                  <a:ln w="19050">
-                    <a:solidFill>
-                      <a:schemeClr val="tx1"/>
-                    </a:solidFill>
-                  </a:ln>
-                </p:spPr>
-                <p:style>
-                  <a:lnRef idx="2">
-                    <a:schemeClr val="accent1">
-                      <a:shade val="50000"/>
-                    </a:schemeClr>
-                  </a:lnRef>
-                  <a:fillRef idx="1">
-                    <a:schemeClr val="accent1"/>
-                  </a:fillRef>
-                  <a:effectRef idx="0">
-                    <a:schemeClr val="accent1"/>
-                  </a:effectRef>
-                  <a:fontRef idx="minor">
-                    <a:schemeClr val="lt1"/>
-                  </a:fontRef>
-                </p:style>
-                <p:txBody>
-                  <a:bodyPr rtlCol="0" anchor="ctr"/>
-                  <a:lstStyle/>
-                  <a:p>
-                    <a:pPr algn="ctr"/>
-                    <a:endParaRPr lang="en-SG"/>
-                  </a:p>
-                </p:txBody>
-              </p:sp>
-            </p:grpSp>
-            <p:sp>
-              <p:nvSpPr>
-                <p:cNvPr id="125" name="TextBox 124"/>
-                <p:cNvSpPr txBox="1"/>
-                <p:nvPr/>
-              </p:nvSpPr>
-              <p:spPr>
-                <a:xfrm>
-                  <a:off x="7244087" y="890347"/>
-                  <a:ext cx="577082" cy="338554"/>
-                </a:xfrm>
-                <a:prstGeom prst="rect">
-                  <a:avLst/>
-                </a:prstGeom>
-                <a:noFill/>
-              </p:spPr>
-              <p:txBody>
-                <a:bodyPr wrap="none" rtlCol="0">
-                  <a:spAutoFit/>
-                </a:bodyPr>
-                <a:lstStyle/>
-                <a:p>
-                  <a:pPr algn="ctr"/>
-                  <a:r>
-                    <a:rPr lang="en-SG" sz="1600" dirty="0" smtClean="0"/>
-                    <a:t>[Yes]</a:t>
-                  </a:r>
-                  <a:endParaRPr lang="en-SG" sz="1600" dirty="0"/>
-                </a:p>
-              </p:txBody>
-            </p:sp>
-            <p:sp>
-              <p:nvSpPr>
-                <p:cNvPr id="126" name="Rounded Rectangle 125"/>
-                <p:cNvSpPr/>
-                <p:nvPr/>
-              </p:nvSpPr>
-              <p:spPr>
-                <a:xfrm>
-                  <a:off x="6854276" y="2590799"/>
-                  <a:ext cx="1838424" cy="789273"/>
-                </a:xfrm>
-                <a:prstGeom prst="roundRect">
-                  <a:avLst>
-                    <a:gd name="adj" fmla="val 16667"/>
-                  </a:avLst>
-                </a:prstGeom>
-                <a:noFill/>
-                <a:ln w="28575">
-                  <a:solidFill>
-                    <a:schemeClr val="tx1"/>
-                  </a:solidFill>
-                </a:ln>
-              </p:spPr>
-              <p:style>
-                <a:lnRef idx="2">
-                  <a:schemeClr val="accent1">
-                    <a:shade val="50000"/>
-                  </a:schemeClr>
-                </a:lnRef>
-                <a:fillRef idx="1">
-                  <a:schemeClr val="accent1"/>
-                </a:fillRef>
-                <a:effectRef idx="0">
-                  <a:schemeClr val="accent1"/>
-                </a:effectRef>
-                <a:fontRef idx="minor">
-                  <a:schemeClr val="lt1"/>
-                </a:fontRef>
-              </p:style>
-              <p:txBody>
-                <a:bodyPr rtlCol="0" anchor="ctr"/>
-                <a:lstStyle/>
-                <a:p>
-                  <a:pPr algn="ctr"/>
-                  <a:r>
-                    <a:rPr lang="en-SG" sz="1600" dirty="0" err="1" smtClean="0">
-                      <a:solidFill>
-                        <a:schemeClr val="tx1"/>
-                      </a:solidFill>
-                    </a:rPr>
-                    <a:t>Linenux</a:t>
-                  </a:r>
-                  <a:r>
-                    <a:rPr lang="en-SG" sz="1600" dirty="0" smtClean="0">
-                      <a:solidFill>
-                        <a:schemeClr val="tx1"/>
-                      </a:solidFill>
-                    </a:rPr>
-                    <a:t> executes command</a:t>
-                  </a:r>
-                  <a:endParaRPr lang="en-SG" sz="1600" dirty="0">
-                    <a:solidFill>
-                      <a:schemeClr val="tx1"/>
-                    </a:solidFill>
-                  </a:endParaRPr>
-                </a:p>
-              </p:txBody>
-            </p:sp>
-            <p:cxnSp>
-              <p:nvCxnSpPr>
-                <p:cNvPr id="127" name="Straight Arrow Connector 126"/>
-                <p:cNvCxnSpPr>
-                  <a:stCxn id="114" idx="2"/>
-                  <a:endCxn id="126" idx="0"/>
-                </p:cNvCxnSpPr>
-                <p:nvPr/>
-              </p:nvCxnSpPr>
-              <p:spPr>
-                <a:xfrm flipH="1">
-                  <a:off x="7773488" y="1865696"/>
-                  <a:ext cx="1" cy="725103"/>
-                </a:xfrm>
-                <a:prstGeom prst="straightConnector1">
-                  <a:avLst/>
-                </a:prstGeom>
-                <a:ln w="19050">
-                  <a:solidFill>
-                    <a:schemeClr val="tx1"/>
-                  </a:solidFill>
-                  <a:tailEnd type="arrow"/>
-                </a:ln>
-              </p:spPr>
-              <p:style>
-                <a:lnRef idx="1">
-                  <a:schemeClr val="accent1"/>
-                </a:lnRef>
-                <a:fillRef idx="0">
-                  <a:schemeClr val="accent1"/>
-                </a:fillRef>
-                <a:effectRef idx="0">
-                  <a:schemeClr val="accent1"/>
-                </a:effectRef>
-                <a:fontRef idx="minor">
-                  <a:schemeClr val="tx1"/>
-                </a:fontRef>
-              </p:style>
-            </p:cxnSp>
-            <p:sp>
-              <p:nvSpPr>
-                <p:cNvPr id="140" name="TextBox 139"/>
-                <p:cNvSpPr txBox="1"/>
-                <p:nvPr/>
-              </p:nvSpPr>
-              <p:spPr>
-                <a:xfrm>
-                  <a:off x="4909272" y="909554"/>
-                  <a:ext cx="551754" cy="338554"/>
-                </a:xfrm>
-                <a:prstGeom prst="rect">
-                  <a:avLst/>
-                </a:prstGeom>
-                <a:noFill/>
-              </p:spPr>
-              <p:txBody>
-                <a:bodyPr wrap="none" rtlCol="0">
-                  <a:spAutoFit/>
-                </a:bodyPr>
-                <a:lstStyle/>
-                <a:p>
-                  <a:pPr algn="ctr"/>
-                  <a:r>
-                    <a:rPr lang="en-SG" sz="1600" dirty="0" smtClean="0"/>
-                    <a:t>[No]</a:t>
-                  </a:r>
-                  <a:endParaRPr lang="en-SG" sz="1600" dirty="0"/>
-                </a:p>
-              </p:txBody>
-            </p:sp>
-            <p:sp>
-              <p:nvSpPr>
-                <p:cNvPr id="147" name="TextBox 146"/>
-                <p:cNvSpPr txBox="1"/>
-                <p:nvPr/>
-              </p:nvSpPr>
-              <p:spPr>
-                <a:xfrm>
-                  <a:off x="6409348" y="1333108"/>
-                  <a:ext cx="577082" cy="338554"/>
-                </a:xfrm>
-                <a:prstGeom prst="rect">
-                  <a:avLst/>
-                </a:prstGeom>
-                <a:noFill/>
-              </p:spPr>
-              <p:txBody>
-                <a:bodyPr wrap="none" rtlCol="0">
-                  <a:spAutoFit/>
-                </a:bodyPr>
-                <a:lstStyle/>
-                <a:p>
-                  <a:pPr algn="ctr"/>
-                  <a:r>
-                    <a:rPr lang="en-SG" sz="1600" dirty="0" smtClean="0"/>
-                    <a:t>[Yes]</a:t>
-                  </a:r>
-                  <a:endParaRPr lang="en-SG" sz="1600" dirty="0"/>
-                </a:p>
-              </p:txBody>
-            </p:sp>
-            <p:sp>
-              <p:nvSpPr>
-                <p:cNvPr id="152" name="Diamond 151"/>
-                <p:cNvSpPr/>
-                <p:nvPr/>
-              </p:nvSpPr>
-              <p:spPr>
-                <a:xfrm>
-                  <a:off x="3402880" y="1451788"/>
-                  <a:ext cx="587141" cy="404261"/>
-                </a:xfrm>
-                <a:prstGeom prst="diamond">
-                  <a:avLst/>
-                </a:prstGeom>
-                <a:noFill/>
-                <a:ln w="28575">
-                  <a:solidFill>
-                    <a:schemeClr val="tx1"/>
-                  </a:solidFill>
-                </a:ln>
-              </p:spPr>
-              <p:style>
-                <a:lnRef idx="2">
-                  <a:schemeClr val="accent1">
-                    <a:shade val="50000"/>
-                  </a:schemeClr>
-                </a:lnRef>
-                <a:fillRef idx="1">
-                  <a:schemeClr val="accent1"/>
-                </a:fillRef>
-                <a:effectRef idx="0">
-                  <a:schemeClr val="accent1"/>
-                </a:effectRef>
-                <a:fontRef idx="minor">
-                  <a:schemeClr val="lt1"/>
-                </a:fontRef>
-              </p:style>
-              <p:txBody>
-                <a:bodyPr rtlCol="0" anchor="ctr"/>
-                <a:lstStyle/>
-                <a:p>
-                  <a:pPr algn="ctr"/>
-                  <a:endParaRPr lang="en-SG"/>
-                </a:p>
-              </p:txBody>
-            </p:sp>
-            <p:sp>
-              <p:nvSpPr>
-                <p:cNvPr id="154" name="TextBox 153"/>
-                <p:cNvSpPr txBox="1"/>
-                <p:nvPr/>
-              </p:nvSpPr>
-              <p:spPr>
-                <a:xfrm>
-                  <a:off x="2604364" y="644875"/>
-                  <a:ext cx="2184188" cy="830997"/>
-                </a:xfrm>
-                <a:prstGeom prst="rect">
-                  <a:avLst/>
-                </a:prstGeom>
-                <a:noFill/>
-              </p:spPr>
-              <p:txBody>
-                <a:bodyPr wrap="none" rtlCol="0">
-                  <a:spAutoFit/>
-                </a:bodyPr>
-                <a:lstStyle/>
-                <a:p>
-                  <a:pPr algn="ctr"/>
-                  <a:r>
-                    <a:rPr lang="en-SG" sz="1600" dirty="0" smtClean="0"/>
-                    <a:t>Checks if any command </a:t>
-                  </a:r>
-                </a:p>
-                <a:p>
-                  <a:pPr algn="ctr"/>
-                  <a:r>
-                    <a:rPr lang="en-SG" sz="1600" dirty="0" smtClean="0"/>
-                    <a:t>i</a:t>
-                  </a:r>
-                  <a:r>
-                    <a:rPr lang="en-SG" sz="1600" dirty="0" smtClean="0"/>
-                    <a:t>s awaiting response </a:t>
-                  </a:r>
-                </a:p>
-                <a:p>
-                  <a:pPr algn="ctr"/>
-                  <a:r>
-                    <a:rPr lang="en-SG" sz="1600" dirty="0" smtClean="0"/>
-                    <a:t>from user.</a:t>
-                  </a:r>
-                  <a:endParaRPr lang="en-SG" sz="1600" dirty="0"/>
-                </a:p>
-              </p:txBody>
-            </p:sp>
-            <p:cxnSp>
-              <p:nvCxnSpPr>
-                <p:cNvPr id="155" name="Straight Arrow Connector 154"/>
-                <p:cNvCxnSpPr>
-                  <a:stCxn id="152" idx="2"/>
-                  <a:endCxn id="126" idx="1"/>
-                </p:cNvCxnSpPr>
-                <p:nvPr/>
-              </p:nvCxnSpPr>
-              <p:spPr>
-                <a:xfrm>
-                  <a:off x="3696451" y="1856049"/>
-                  <a:ext cx="3157825" cy="1129387"/>
-                </a:xfrm>
-                <a:prstGeom prst="straightConnector1">
-                  <a:avLst/>
-                </a:prstGeom>
-                <a:ln w="19050">
-                  <a:solidFill>
-                    <a:schemeClr val="tx1"/>
-                  </a:solidFill>
-                  <a:tailEnd type="arrow"/>
-                </a:ln>
-              </p:spPr>
-              <p:style>
-                <a:lnRef idx="1">
-                  <a:schemeClr val="accent1"/>
-                </a:lnRef>
-                <a:fillRef idx="0">
-                  <a:schemeClr val="accent1"/>
-                </a:fillRef>
-                <a:effectRef idx="0">
-                  <a:schemeClr val="accent1"/>
-                </a:effectRef>
-                <a:fontRef idx="minor">
-                  <a:schemeClr val="tx1"/>
-                </a:fontRef>
-              </p:style>
-            </p:cxnSp>
-            <p:sp>
-              <p:nvSpPr>
-                <p:cNvPr id="158" name="TextBox 157"/>
-                <p:cNvSpPr txBox="1"/>
-                <p:nvPr/>
-              </p:nvSpPr>
-              <p:spPr>
-                <a:xfrm>
-                  <a:off x="8844529" y="3556544"/>
-                  <a:ext cx="577082" cy="338554"/>
-                </a:xfrm>
-                <a:prstGeom prst="rect">
-                  <a:avLst/>
-                </a:prstGeom>
-                <a:noFill/>
-              </p:spPr>
-              <p:txBody>
-                <a:bodyPr wrap="none" rtlCol="0">
-                  <a:spAutoFit/>
-                </a:bodyPr>
-                <a:lstStyle/>
-                <a:p>
-                  <a:pPr algn="ctr"/>
-                  <a:r>
-                    <a:rPr lang="en-SG" sz="1600" dirty="0" smtClean="0"/>
-                    <a:t>[Yes]</a:t>
-                  </a:r>
-                  <a:endParaRPr lang="en-SG" sz="1600" dirty="0"/>
-                </a:p>
-              </p:txBody>
-            </p:sp>
-            <p:cxnSp>
-              <p:nvCxnSpPr>
-                <p:cNvPr id="159" name="Straight Arrow Connector 158"/>
-                <p:cNvCxnSpPr>
-                  <a:stCxn id="70" idx="3"/>
-                  <a:endCxn id="152" idx="1"/>
-                </p:cNvCxnSpPr>
-                <p:nvPr/>
-              </p:nvCxnSpPr>
-              <p:spPr>
-                <a:xfrm>
-                  <a:off x="2752841" y="1653919"/>
-                  <a:ext cx="650039" cy="0"/>
-                </a:xfrm>
-                <a:prstGeom prst="straightConnector1">
-                  <a:avLst/>
-                </a:prstGeom>
-                <a:ln w="19050">
-                  <a:solidFill>
-                    <a:schemeClr val="tx1"/>
-                  </a:solidFill>
-                  <a:tailEnd type="arrow"/>
-                </a:ln>
-              </p:spPr>
-              <p:style>
-                <a:lnRef idx="1">
-                  <a:schemeClr val="accent1"/>
-                </a:lnRef>
-                <a:fillRef idx="0">
-                  <a:schemeClr val="accent1"/>
-                </a:fillRef>
-                <a:effectRef idx="0">
-                  <a:schemeClr val="accent1"/>
-                </a:effectRef>
-                <a:fontRef idx="minor">
-                  <a:schemeClr val="tx1"/>
-                </a:fontRef>
-              </p:style>
-            </p:cxnSp>
-            <p:sp>
-              <p:nvSpPr>
-                <p:cNvPr id="162" name="Diamond 161"/>
-                <p:cNvSpPr/>
-                <p:nvPr/>
-              </p:nvSpPr>
-              <p:spPr>
-                <a:xfrm>
-                  <a:off x="9090711" y="2783835"/>
-                  <a:ext cx="586800" cy="403200"/>
-                </a:xfrm>
-                <a:prstGeom prst="diamond">
-                  <a:avLst/>
-                </a:prstGeom>
-                <a:noFill/>
-                <a:ln w="28575">
-                  <a:solidFill>
-                    <a:schemeClr val="tx1"/>
-                  </a:solidFill>
-                </a:ln>
-              </p:spPr>
-              <p:style>
-                <a:lnRef idx="2">
-                  <a:schemeClr val="accent1">
-                    <a:shade val="50000"/>
-                  </a:schemeClr>
-                </a:lnRef>
-                <a:fillRef idx="1">
-                  <a:schemeClr val="accent1"/>
-                </a:fillRef>
-                <a:effectRef idx="0">
-                  <a:schemeClr val="accent1"/>
-                </a:effectRef>
-                <a:fontRef idx="minor">
-                  <a:schemeClr val="lt1"/>
-                </a:fontRef>
-              </p:style>
-              <p:txBody>
-                <a:bodyPr rtlCol="0" anchor="ctr"/>
-                <a:lstStyle/>
-                <a:p>
-                  <a:pPr algn="ctr"/>
-                  <a:endParaRPr lang="en-SG"/>
-                </a:p>
-              </p:txBody>
-            </p:sp>
-            <p:sp>
-              <p:nvSpPr>
-                <p:cNvPr id="163" name="TextBox 162"/>
-                <p:cNvSpPr txBox="1"/>
-                <p:nvPr/>
-              </p:nvSpPr>
-              <p:spPr>
-                <a:xfrm>
-                  <a:off x="8816753" y="2170496"/>
-                  <a:ext cx="1276951" cy="584775"/>
-                </a:xfrm>
-                <a:prstGeom prst="rect">
-                  <a:avLst/>
-                </a:prstGeom>
-                <a:noFill/>
-              </p:spPr>
-              <p:txBody>
-                <a:bodyPr wrap="square" rtlCol="0">
-                  <a:spAutoFit/>
-                </a:bodyPr>
-                <a:lstStyle/>
-                <a:p>
-                  <a:pPr algn="ctr"/>
-                  <a:r>
-                    <a:rPr lang="en-SG" sz="1600" dirty="0" smtClean="0"/>
-                    <a:t>Is the input</a:t>
-                  </a:r>
-                </a:p>
-                <a:p>
-                  <a:pPr algn="ctr"/>
-                  <a:r>
-                    <a:rPr lang="en-SG" sz="1600" dirty="0" smtClean="0"/>
-                    <a:t>valid?</a:t>
-                  </a:r>
-                  <a:endParaRPr lang="en-SG" sz="1600" dirty="0"/>
-                </a:p>
-              </p:txBody>
-            </p:sp>
-            <p:cxnSp>
-              <p:nvCxnSpPr>
-                <p:cNvPr id="164" name="Straight Arrow Connector 163"/>
-                <p:cNvCxnSpPr>
-                  <a:stCxn id="126" idx="3"/>
-                  <a:endCxn id="162" idx="1"/>
-                </p:cNvCxnSpPr>
-                <p:nvPr/>
-              </p:nvCxnSpPr>
-              <p:spPr>
-                <a:xfrm flipV="1">
-                  <a:off x="8692700" y="2985435"/>
-                  <a:ext cx="398011" cy="1"/>
-                </a:xfrm>
-                <a:prstGeom prst="straightConnector1">
-                  <a:avLst/>
-                </a:prstGeom>
-                <a:ln w="19050">
-                  <a:solidFill>
-                    <a:schemeClr val="tx1"/>
-                  </a:solidFill>
-                  <a:tailEnd type="arrow"/>
-                </a:ln>
-              </p:spPr>
-              <p:style>
-                <a:lnRef idx="1">
-                  <a:schemeClr val="accent1"/>
-                </a:lnRef>
-                <a:fillRef idx="0">
-                  <a:schemeClr val="accent1"/>
-                </a:fillRef>
-                <a:effectRef idx="0">
-                  <a:schemeClr val="accent1"/>
-                </a:effectRef>
-                <a:fontRef idx="minor">
-                  <a:schemeClr val="tx1"/>
-                </a:fontRef>
-              </p:style>
-            </p:cxnSp>
-            <p:sp>
-              <p:nvSpPr>
-                <p:cNvPr id="167" name="Rounded Rectangle 166"/>
-                <p:cNvSpPr/>
-                <p:nvPr/>
-              </p:nvSpPr>
-              <p:spPr>
-                <a:xfrm>
-                  <a:off x="10107615" y="2590799"/>
-                  <a:ext cx="1838424" cy="789273"/>
-                </a:xfrm>
-                <a:prstGeom prst="roundRect">
-                  <a:avLst/>
-                </a:prstGeom>
-                <a:noFill/>
-                <a:ln w="28575">
-                  <a:solidFill>
-                    <a:schemeClr val="tx1"/>
-                  </a:solidFill>
-                </a:ln>
-              </p:spPr>
-              <p:style>
-                <a:lnRef idx="2">
-                  <a:schemeClr val="accent1">
-                    <a:shade val="50000"/>
-                  </a:schemeClr>
-                </a:lnRef>
-                <a:fillRef idx="1">
-                  <a:schemeClr val="accent1"/>
-                </a:fillRef>
-                <a:effectRef idx="0">
-                  <a:schemeClr val="accent1"/>
-                </a:effectRef>
-                <a:fontRef idx="minor">
-                  <a:schemeClr val="lt1"/>
-                </a:fontRef>
-              </p:style>
-              <p:txBody>
-                <a:bodyPr rtlCol="0" anchor="ctr"/>
-                <a:lstStyle/>
-                <a:p>
-                  <a:pPr algn="ctr"/>
-                  <a:r>
-                    <a:rPr lang="en-SG" sz="1600" dirty="0" smtClean="0">
-                      <a:solidFill>
-                        <a:schemeClr val="tx1"/>
-                      </a:solidFill>
-                    </a:rPr>
-                    <a:t>Display invalid input</a:t>
-                  </a:r>
-                  <a:endParaRPr lang="en-SG" sz="1600" dirty="0">
-                    <a:solidFill>
-                      <a:schemeClr val="tx1"/>
-                    </a:solidFill>
-                  </a:endParaRPr>
-                </a:p>
-              </p:txBody>
-            </p:sp>
-            <p:cxnSp>
-              <p:nvCxnSpPr>
-                <p:cNvPr id="168" name="Straight Arrow Connector 167"/>
-                <p:cNvCxnSpPr>
-                  <a:stCxn id="162" idx="3"/>
-                  <a:endCxn id="167" idx="1"/>
-                </p:cNvCxnSpPr>
-                <p:nvPr/>
-              </p:nvCxnSpPr>
-              <p:spPr>
-                <a:xfrm>
-                  <a:off x="9677511" y="2985435"/>
-                  <a:ext cx="430104" cy="1"/>
-                </a:xfrm>
-                <a:prstGeom prst="straightConnector1">
-                  <a:avLst/>
-                </a:prstGeom>
-                <a:ln w="19050">
-                  <a:solidFill>
-                    <a:schemeClr val="tx1"/>
-                  </a:solidFill>
-                  <a:tailEnd type="arrow"/>
-                </a:ln>
-              </p:spPr>
-              <p:style>
-                <a:lnRef idx="1">
-                  <a:schemeClr val="accent1"/>
-                </a:lnRef>
-                <a:fillRef idx="0">
-                  <a:schemeClr val="accent1"/>
-                </a:fillRef>
-                <a:effectRef idx="0">
-                  <a:schemeClr val="accent1"/>
-                </a:effectRef>
-                <a:fontRef idx="minor">
-                  <a:schemeClr val="tx1"/>
-                </a:fontRef>
-              </p:style>
-            </p:cxnSp>
-            <p:cxnSp>
-              <p:nvCxnSpPr>
-                <p:cNvPr id="171" name="Straight Arrow Connector 170"/>
-                <p:cNvCxnSpPr>
-                  <a:stCxn id="167" idx="2"/>
-                  <a:endCxn id="174" idx="0"/>
-                </p:cNvCxnSpPr>
-                <p:nvPr/>
-              </p:nvCxnSpPr>
-              <p:spPr>
-                <a:xfrm>
-                  <a:off x="11026827" y="3380072"/>
-                  <a:ext cx="1" cy="933646"/>
-                </a:xfrm>
-                <a:prstGeom prst="straightConnector1">
-                  <a:avLst/>
-                </a:prstGeom>
-                <a:ln w="19050">
-                  <a:solidFill>
-                    <a:schemeClr val="tx1"/>
-                  </a:solidFill>
-                  <a:tailEnd type="arrow"/>
-                </a:ln>
-              </p:spPr>
-              <p:style>
-                <a:lnRef idx="1">
-                  <a:schemeClr val="accent1"/>
-                </a:lnRef>
-                <a:fillRef idx="0">
-                  <a:schemeClr val="accent1"/>
-                </a:fillRef>
-                <a:effectRef idx="0">
-                  <a:schemeClr val="accent1"/>
-                </a:effectRef>
-                <a:fontRef idx="minor">
-                  <a:schemeClr val="tx1"/>
-                </a:fontRef>
-              </p:style>
-            </p:cxnSp>
-            <p:sp>
-              <p:nvSpPr>
-                <p:cNvPr id="174" name="Oval 173"/>
-                <p:cNvSpPr/>
-                <p:nvPr/>
-              </p:nvSpPr>
-              <p:spPr>
-                <a:xfrm>
-                  <a:off x="10896886" y="4313718"/>
-                  <a:ext cx="259883" cy="259883"/>
-                </a:xfrm>
-                <a:prstGeom prst="ellipse">
-                  <a:avLst/>
-                </a:prstGeom>
-                <a:noFill/>
-                <a:ln w="28575">
-                  <a:solidFill>
-                    <a:schemeClr val="tx1"/>
-                  </a:solidFill>
-                </a:ln>
-              </p:spPr>
-              <p:style>
-                <a:lnRef idx="2">
-                  <a:schemeClr val="accent1">
-                    <a:shade val="50000"/>
-                  </a:schemeClr>
-                </a:lnRef>
-                <a:fillRef idx="1">
-                  <a:schemeClr val="accent1"/>
-                </a:fillRef>
-                <a:effectRef idx="0">
-                  <a:schemeClr val="accent1"/>
-                </a:effectRef>
-                <a:fontRef idx="minor">
-                  <a:schemeClr val="lt1"/>
-                </a:fontRef>
-              </p:style>
-              <p:txBody>
-                <a:bodyPr rtlCol="0" anchor="ctr"/>
-                <a:lstStyle/>
-                <a:p>
-                  <a:pPr algn="ctr"/>
-                  <a:r>
-                    <a:rPr lang="en-SG" dirty="0" smtClean="0">
-                      <a:solidFill>
-                        <a:sysClr val="windowText" lastClr="000000"/>
-                      </a:solidFill>
-                    </a:rPr>
-                    <a:t>A</a:t>
-                  </a:r>
-                  <a:endParaRPr lang="en-SG" dirty="0">
-                    <a:solidFill>
-                      <a:sysClr val="windowText" lastClr="000000"/>
-                    </a:solidFill>
-                  </a:endParaRPr>
-                </a:p>
-              </p:txBody>
-            </p:sp>
-            <p:sp>
-              <p:nvSpPr>
-                <p:cNvPr id="176" name="TextBox 175"/>
-                <p:cNvSpPr txBox="1"/>
-                <p:nvPr/>
-              </p:nvSpPr>
-              <p:spPr>
-                <a:xfrm>
-                  <a:off x="9539019" y="2950112"/>
-                  <a:ext cx="551754" cy="338554"/>
-                </a:xfrm>
-                <a:prstGeom prst="rect">
-                  <a:avLst/>
-                </a:prstGeom>
-                <a:noFill/>
-              </p:spPr>
-              <p:txBody>
-                <a:bodyPr wrap="none" rtlCol="0">
-                  <a:spAutoFit/>
-                </a:bodyPr>
-                <a:lstStyle/>
-                <a:p>
-                  <a:pPr algn="ctr"/>
-                  <a:r>
-                    <a:rPr lang="en-SG" sz="1600" dirty="0" smtClean="0"/>
-                    <a:t>[No]</a:t>
-                  </a:r>
-                  <a:endParaRPr lang="en-SG" sz="1600" dirty="0"/>
-                </a:p>
-              </p:txBody>
-            </p:sp>
-            <p:cxnSp>
-              <p:nvCxnSpPr>
-                <p:cNvPr id="177" name="Straight Arrow Connector 176"/>
-                <p:cNvCxnSpPr>
-                  <a:stCxn id="162" idx="2"/>
-                  <a:endCxn id="182" idx="0"/>
-                </p:cNvCxnSpPr>
-                <p:nvPr/>
-              </p:nvCxnSpPr>
-              <p:spPr>
-                <a:xfrm>
-                  <a:off x="9384111" y="3187035"/>
-                  <a:ext cx="171" cy="1060113"/>
-                </a:xfrm>
-                <a:prstGeom prst="straightConnector1">
-                  <a:avLst/>
-                </a:prstGeom>
-                <a:ln w="19050">
-                  <a:solidFill>
-                    <a:schemeClr val="tx1"/>
-                  </a:solidFill>
-                  <a:tailEnd type="arrow"/>
-                </a:ln>
-              </p:spPr>
-              <p:style>
-                <a:lnRef idx="1">
-                  <a:schemeClr val="accent1"/>
-                </a:lnRef>
-                <a:fillRef idx="0">
-                  <a:schemeClr val="accent1"/>
-                </a:fillRef>
-                <a:effectRef idx="0">
-                  <a:schemeClr val="accent1"/>
-                </a:effectRef>
-                <a:fontRef idx="minor">
-                  <a:schemeClr val="tx1"/>
-                </a:fontRef>
-              </p:style>
-            </p:cxnSp>
-            <p:sp>
-              <p:nvSpPr>
-                <p:cNvPr id="182" name="Diamond 181"/>
-                <p:cNvSpPr/>
-                <p:nvPr/>
-              </p:nvSpPr>
-              <p:spPr>
-                <a:xfrm>
-                  <a:off x="9090711" y="4247148"/>
-                  <a:ext cx="587141" cy="404261"/>
-                </a:xfrm>
-                <a:prstGeom prst="diamond">
-                  <a:avLst/>
-                </a:prstGeom>
-                <a:noFill/>
-                <a:ln w="28575">
-                  <a:solidFill>
-                    <a:schemeClr val="tx1"/>
-                  </a:solidFill>
-                </a:ln>
-              </p:spPr>
-              <p:style>
-                <a:lnRef idx="2">
-                  <a:schemeClr val="accent1">
-                    <a:shade val="50000"/>
-                  </a:schemeClr>
-                </a:lnRef>
-                <a:fillRef idx="1">
-                  <a:schemeClr val="accent1"/>
-                </a:fillRef>
-                <a:effectRef idx="0">
-                  <a:schemeClr val="accent1"/>
-                </a:effectRef>
-                <a:fontRef idx="minor">
-                  <a:schemeClr val="lt1"/>
-                </a:fontRef>
-              </p:style>
-              <p:txBody>
-                <a:bodyPr rtlCol="0" anchor="ctr"/>
-                <a:lstStyle/>
-                <a:p>
-                  <a:pPr algn="ctr"/>
-                  <a:endParaRPr lang="en-SG"/>
-                </a:p>
-              </p:txBody>
-            </p:sp>
-            <p:sp>
-              <p:nvSpPr>
-                <p:cNvPr id="186" name="TextBox 185"/>
-                <p:cNvSpPr txBox="1"/>
-                <p:nvPr/>
-              </p:nvSpPr>
-              <p:spPr>
-                <a:xfrm>
-                  <a:off x="9969109" y="4119761"/>
-                  <a:ext cx="577082" cy="338554"/>
-                </a:xfrm>
-                <a:prstGeom prst="rect">
-                  <a:avLst/>
-                </a:prstGeom>
-                <a:noFill/>
-              </p:spPr>
-              <p:txBody>
-                <a:bodyPr wrap="none" rtlCol="0">
-                  <a:spAutoFit/>
-                </a:bodyPr>
-                <a:lstStyle/>
-                <a:p>
-                  <a:pPr algn="ctr"/>
-                  <a:r>
-                    <a:rPr lang="en-SG" sz="1600" dirty="0" smtClean="0"/>
-                    <a:t>[Yes]</a:t>
-                  </a:r>
-                  <a:endParaRPr lang="en-SG" sz="1600" dirty="0"/>
-                </a:p>
-              </p:txBody>
-            </p:sp>
-            <p:sp>
-              <p:nvSpPr>
-                <p:cNvPr id="187" name="TextBox 186"/>
-                <p:cNvSpPr txBox="1"/>
-                <p:nvPr/>
-              </p:nvSpPr>
-              <p:spPr>
-                <a:xfrm>
-                  <a:off x="8171842" y="4623330"/>
-                  <a:ext cx="2372635" cy="584775"/>
-                </a:xfrm>
-                <a:prstGeom prst="rect">
-                  <a:avLst/>
-                </a:prstGeom>
-                <a:noFill/>
-              </p:spPr>
-              <p:txBody>
-                <a:bodyPr wrap="square" rtlCol="0">
-                  <a:spAutoFit/>
-                </a:bodyPr>
-                <a:lstStyle/>
-                <a:p>
-                  <a:pPr algn="ctr"/>
-                  <a:r>
-                    <a:rPr lang="en-SG" sz="1600" dirty="0" smtClean="0"/>
-                    <a:t>Does command require user response?</a:t>
-                  </a:r>
-                  <a:endParaRPr lang="en-SG" sz="1600" dirty="0"/>
-                </a:p>
-              </p:txBody>
-            </p:sp>
-            <p:cxnSp>
-              <p:nvCxnSpPr>
-                <p:cNvPr id="188" name="Straight Arrow Connector 187"/>
-                <p:cNvCxnSpPr>
-                  <a:stCxn id="182" idx="3"/>
-                  <a:endCxn id="174" idx="2"/>
-                </p:cNvCxnSpPr>
-                <p:nvPr/>
-              </p:nvCxnSpPr>
-              <p:spPr>
-                <a:xfrm flipV="1">
-                  <a:off x="9677852" y="4443660"/>
-                  <a:ext cx="1219034" cy="5619"/>
-                </a:xfrm>
-                <a:prstGeom prst="straightConnector1">
-                  <a:avLst/>
-                </a:prstGeom>
-                <a:ln w="19050">
-                  <a:solidFill>
-                    <a:schemeClr val="tx1"/>
-                  </a:solidFill>
-                  <a:tailEnd type="arrow"/>
-                </a:ln>
-              </p:spPr>
-              <p:style>
-                <a:lnRef idx="1">
-                  <a:schemeClr val="accent1"/>
-                </a:lnRef>
-                <a:fillRef idx="0">
-                  <a:schemeClr val="accent1"/>
-                </a:fillRef>
-                <a:effectRef idx="0">
-                  <a:schemeClr val="accent1"/>
-                </a:effectRef>
-                <a:fontRef idx="minor">
-                  <a:schemeClr val="tx1"/>
-                </a:fontRef>
-              </p:style>
-            </p:cxnSp>
-            <p:sp>
-              <p:nvSpPr>
-                <p:cNvPr id="191" name="TextBox 190"/>
-                <p:cNvSpPr txBox="1"/>
-                <p:nvPr/>
-              </p:nvSpPr>
-              <p:spPr>
-                <a:xfrm>
-                  <a:off x="5010495" y="2465678"/>
-                  <a:ext cx="577082" cy="338554"/>
-                </a:xfrm>
-                <a:prstGeom prst="rect">
-                  <a:avLst/>
-                </a:prstGeom>
-                <a:noFill/>
-              </p:spPr>
-              <p:txBody>
-                <a:bodyPr wrap="none" rtlCol="0">
-                  <a:spAutoFit/>
-                </a:bodyPr>
-                <a:lstStyle/>
-                <a:p>
-                  <a:pPr algn="ctr"/>
-                  <a:r>
-                    <a:rPr lang="en-SG" sz="1600" dirty="0" smtClean="0"/>
-                    <a:t>[Yes]</a:t>
-                  </a:r>
-                  <a:endParaRPr lang="en-SG" sz="1600" dirty="0"/>
-                </a:p>
-              </p:txBody>
-            </p:sp>
-            <p:sp>
-              <p:nvSpPr>
-                <p:cNvPr id="192" name="Diamond 191"/>
-                <p:cNvSpPr/>
-                <p:nvPr/>
-              </p:nvSpPr>
-              <p:spPr>
-                <a:xfrm>
-                  <a:off x="7336405" y="4247148"/>
-                  <a:ext cx="587141" cy="404261"/>
-                </a:xfrm>
-                <a:prstGeom prst="diamond">
-                  <a:avLst/>
-                </a:prstGeom>
-                <a:noFill/>
-                <a:ln w="28575">
-                  <a:solidFill>
-                    <a:schemeClr val="tx1"/>
-                  </a:solidFill>
-                </a:ln>
-              </p:spPr>
-              <p:style>
-                <a:lnRef idx="2">
-                  <a:schemeClr val="accent1">
-                    <a:shade val="50000"/>
-                  </a:schemeClr>
-                </a:lnRef>
-                <a:fillRef idx="1">
-                  <a:schemeClr val="accent1"/>
-                </a:fillRef>
-                <a:effectRef idx="0">
-                  <a:schemeClr val="accent1"/>
-                </a:effectRef>
-                <a:fontRef idx="minor">
-                  <a:schemeClr val="lt1"/>
-                </a:fontRef>
-              </p:style>
-              <p:txBody>
-                <a:bodyPr rtlCol="0" anchor="ctr"/>
-                <a:lstStyle/>
-                <a:p>
-                  <a:pPr algn="ctr"/>
-                  <a:endParaRPr lang="en-SG"/>
-                </a:p>
-              </p:txBody>
-            </p:sp>
-            <p:cxnSp>
-              <p:nvCxnSpPr>
-                <p:cNvPr id="195" name="Straight Arrow Connector 194"/>
-                <p:cNvCxnSpPr>
-                  <a:stCxn id="182" idx="1"/>
-                  <a:endCxn id="192" idx="3"/>
-                </p:cNvCxnSpPr>
-                <p:nvPr/>
-              </p:nvCxnSpPr>
-              <p:spPr>
-                <a:xfrm flipH="1">
-                  <a:off x="7923546" y="4449279"/>
-                  <a:ext cx="1167165" cy="0"/>
-                </a:xfrm>
-                <a:prstGeom prst="straightConnector1">
-                  <a:avLst/>
-                </a:prstGeom>
-                <a:ln w="19050">
-                  <a:solidFill>
-                    <a:schemeClr val="tx1"/>
-                  </a:solidFill>
-                  <a:tailEnd type="arrow"/>
-                </a:ln>
-              </p:spPr>
-              <p:style>
-                <a:lnRef idx="1">
-                  <a:schemeClr val="accent1"/>
-                </a:lnRef>
-                <a:fillRef idx="0">
-                  <a:schemeClr val="accent1"/>
-                </a:fillRef>
-                <a:effectRef idx="0">
-                  <a:schemeClr val="accent1"/>
-                </a:effectRef>
-                <a:fontRef idx="minor">
-                  <a:schemeClr val="tx1"/>
-                </a:fontRef>
-              </p:style>
-            </p:cxnSp>
-            <p:sp>
-              <p:nvSpPr>
-                <p:cNvPr id="198" name="TextBox 197"/>
-                <p:cNvSpPr txBox="1"/>
-                <p:nvPr/>
-              </p:nvSpPr>
-              <p:spPr>
-                <a:xfrm>
-                  <a:off x="8390395" y="4132551"/>
-                  <a:ext cx="551754" cy="338554"/>
-                </a:xfrm>
-                <a:prstGeom prst="rect">
-                  <a:avLst/>
-                </a:prstGeom>
-                <a:noFill/>
-              </p:spPr>
-              <p:txBody>
-                <a:bodyPr wrap="none" rtlCol="0">
-                  <a:spAutoFit/>
-                </a:bodyPr>
-                <a:lstStyle/>
-                <a:p>
-                  <a:pPr algn="ctr"/>
-                  <a:r>
-                    <a:rPr lang="en-SG" sz="1600" dirty="0" smtClean="0"/>
-                    <a:t>[No]</a:t>
-                  </a:r>
-                  <a:endParaRPr lang="en-SG" sz="1600" dirty="0"/>
-                </a:p>
-              </p:txBody>
-            </p:sp>
-            <p:sp>
-              <p:nvSpPr>
-                <p:cNvPr id="199" name="TextBox 198"/>
-                <p:cNvSpPr txBox="1"/>
-                <p:nvPr/>
-              </p:nvSpPr>
-              <p:spPr>
-                <a:xfrm>
-                  <a:off x="6572447" y="4612075"/>
-                  <a:ext cx="1955540" cy="584775"/>
-                </a:xfrm>
-                <a:prstGeom prst="rect">
-                  <a:avLst/>
-                </a:prstGeom>
-                <a:noFill/>
-              </p:spPr>
-              <p:txBody>
-                <a:bodyPr wrap="square" rtlCol="0">
-                  <a:spAutoFit/>
-                </a:bodyPr>
-                <a:lstStyle/>
-                <a:p>
-                  <a:pPr algn="ctr"/>
-                  <a:r>
-                    <a:rPr lang="en-SG" sz="1600" dirty="0" smtClean="0"/>
-                    <a:t>Does command mutate data?</a:t>
-                  </a:r>
-                  <a:endParaRPr lang="en-SG" sz="1600" dirty="0"/>
-                </a:p>
-              </p:txBody>
-            </p:sp>
-            <p:cxnSp>
-              <p:nvCxnSpPr>
-                <p:cNvPr id="200" name="Straight Arrow Connector 199"/>
-                <p:cNvCxnSpPr>
-                  <a:stCxn id="192" idx="1"/>
-                  <a:endCxn id="213" idx="3"/>
-                </p:cNvCxnSpPr>
-                <p:nvPr/>
-              </p:nvCxnSpPr>
-              <p:spPr>
-                <a:xfrm flipH="1" flipV="1">
-                  <a:off x="4733508" y="4413183"/>
-                  <a:ext cx="2602897" cy="36096"/>
-                </a:xfrm>
-                <a:prstGeom prst="straightConnector1">
-                  <a:avLst/>
-                </a:prstGeom>
-                <a:ln w="19050">
-                  <a:solidFill>
-                    <a:schemeClr val="tx1"/>
-                  </a:solidFill>
-                  <a:tailEnd type="arrow"/>
-                </a:ln>
-              </p:spPr>
-              <p:style>
-                <a:lnRef idx="1">
-                  <a:schemeClr val="accent1"/>
-                </a:lnRef>
-                <a:fillRef idx="0">
-                  <a:schemeClr val="accent1"/>
-                </a:fillRef>
-                <a:effectRef idx="0">
-                  <a:schemeClr val="accent1"/>
-                </a:effectRef>
-                <a:fontRef idx="minor">
-                  <a:schemeClr val="tx1"/>
-                </a:fontRef>
-              </p:style>
-            </p:cxnSp>
-            <p:cxnSp>
-              <p:nvCxnSpPr>
-                <p:cNvPr id="203" name="Straight Arrow Connector 202"/>
-                <p:cNvCxnSpPr>
-                  <a:stCxn id="192" idx="0"/>
-                  <a:endCxn id="206" idx="3"/>
-                </p:cNvCxnSpPr>
-                <p:nvPr/>
-              </p:nvCxnSpPr>
-              <p:spPr>
-                <a:xfrm flipH="1" flipV="1">
-                  <a:off x="4715862" y="2932495"/>
-                  <a:ext cx="2914114" cy="1314653"/>
-                </a:xfrm>
-                <a:prstGeom prst="straightConnector1">
-                  <a:avLst/>
-                </a:prstGeom>
-                <a:ln w="19050">
-                  <a:solidFill>
-                    <a:schemeClr val="tx1"/>
-                  </a:solidFill>
-                  <a:tailEnd type="arrow"/>
-                </a:ln>
-              </p:spPr>
-              <p:style>
-                <a:lnRef idx="1">
-                  <a:schemeClr val="accent1"/>
-                </a:lnRef>
-                <a:fillRef idx="0">
-                  <a:schemeClr val="accent1"/>
-                </a:fillRef>
-                <a:effectRef idx="0">
-                  <a:schemeClr val="accent1"/>
-                </a:effectRef>
-                <a:fontRef idx="minor">
-                  <a:schemeClr val="tx1"/>
-                </a:fontRef>
-              </p:style>
-            </p:cxnSp>
-            <p:sp>
-              <p:nvSpPr>
-                <p:cNvPr id="206" name="Rounded Rectangle 205"/>
-                <p:cNvSpPr/>
-                <p:nvPr/>
-              </p:nvSpPr>
-              <p:spPr>
-                <a:xfrm>
-                  <a:off x="2877438" y="2537858"/>
-                  <a:ext cx="1838424" cy="789273"/>
-                </a:xfrm>
-                <a:prstGeom prst="roundRect">
-                  <a:avLst/>
-                </a:prstGeom>
-                <a:noFill/>
-                <a:ln w="28575">
-                  <a:solidFill>
-                    <a:schemeClr val="tx1"/>
-                  </a:solidFill>
-                </a:ln>
-              </p:spPr>
-              <p:style>
-                <a:lnRef idx="2">
-                  <a:schemeClr val="accent1">
-                    <a:shade val="50000"/>
-                  </a:schemeClr>
-                </a:lnRef>
-                <a:fillRef idx="1">
-                  <a:schemeClr val="accent1"/>
-                </a:fillRef>
-                <a:effectRef idx="0">
-                  <a:schemeClr val="accent1"/>
-                </a:effectRef>
-                <a:fontRef idx="minor">
-                  <a:schemeClr val="lt1"/>
-                </a:fontRef>
-              </p:style>
-              <p:txBody>
-                <a:bodyPr rtlCol="0" anchor="ctr"/>
-                <a:lstStyle/>
-                <a:p>
-                  <a:pPr algn="ctr"/>
-                  <a:r>
-                    <a:rPr lang="en-SG" sz="1600" dirty="0" err="1" smtClean="0">
-                      <a:solidFill>
-                        <a:schemeClr val="tx1"/>
-                      </a:solidFill>
-                    </a:rPr>
-                    <a:t>Linenux</a:t>
-                  </a:r>
-                  <a:r>
-                    <a:rPr lang="en-SG" sz="1600" dirty="0" smtClean="0">
-                      <a:solidFill>
-                        <a:schemeClr val="tx1"/>
-                      </a:solidFill>
-                    </a:rPr>
-                    <a:t> display execution result</a:t>
-                  </a:r>
-                  <a:endParaRPr lang="en-SG" sz="1600" dirty="0">
-                    <a:solidFill>
-                      <a:schemeClr val="tx1"/>
-                    </a:solidFill>
-                  </a:endParaRPr>
-                </a:p>
-              </p:txBody>
-            </p:sp>
-            <p:cxnSp>
-              <p:nvCxnSpPr>
-                <p:cNvPr id="208" name="Straight Arrow Connector 207"/>
-                <p:cNvCxnSpPr>
-                  <a:stCxn id="206" idx="1"/>
-                  <a:endCxn id="70" idx="2"/>
-                </p:cNvCxnSpPr>
-                <p:nvPr/>
-              </p:nvCxnSpPr>
-              <p:spPr>
-                <a:xfrm flipH="1" flipV="1">
-                  <a:off x="1833629" y="2048555"/>
-                  <a:ext cx="1043809" cy="883940"/>
-                </a:xfrm>
-                <a:prstGeom prst="straightConnector1">
-                  <a:avLst/>
-                </a:prstGeom>
-                <a:ln w="19050">
-                  <a:solidFill>
-                    <a:schemeClr val="tx1"/>
-                  </a:solidFill>
-                  <a:tailEnd type="arrow"/>
-                </a:ln>
-              </p:spPr>
-              <p:style>
-                <a:lnRef idx="1">
-                  <a:schemeClr val="accent1"/>
-                </a:lnRef>
-                <a:fillRef idx="0">
-                  <a:schemeClr val="accent1"/>
-                </a:fillRef>
-                <a:effectRef idx="0">
-                  <a:schemeClr val="accent1"/>
-                </a:effectRef>
-                <a:fontRef idx="minor">
-                  <a:schemeClr val="tx1"/>
-                </a:fontRef>
-              </p:style>
-            </p:cxnSp>
-            <p:sp>
-              <p:nvSpPr>
-                <p:cNvPr id="211" name="TextBox 210"/>
-                <p:cNvSpPr txBox="1"/>
-                <p:nvPr/>
-              </p:nvSpPr>
-              <p:spPr>
-                <a:xfrm>
-                  <a:off x="6117227" y="3319120"/>
-                  <a:ext cx="551754" cy="338554"/>
-                </a:xfrm>
-                <a:prstGeom prst="rect">
-                  <a:avLst/>
-                </a:prstGeom>
-                <a:noFill/>
-              </p:spPr>
-              <p:txBody>
-                <a:bodyPr wrap="none" rtlCol="0">
-                  <a:spAutoFit/>
-                </a:bodyPr>
-                <a:lstStyle/>
-                <a:p>
-                  <a:pPr algn="ctr"/>
-                  <a:r>
-                    <a:rPr lang="en-SG" sz="1600" dirty="0" smtClean="0"/>
-                    <a:t>[No]</a:t>
-                  </a:r>
-                  <a:endParaRPr lang="en-SG" sz="1600" dirty="0"/>
-                </a:p>
-              </p:txBody>
-            </p:sp>
-            <p:sp>
-              <p:nvSpPr>
-                <p:cNvPr id="212" name="TextBox 211"/>
-                <p:cNvSpPr txBox="1"/>
-                <p:nvPr/>
-              </p:nvSpPr>
-              <p:spPr>
-                <a:xfrm>
-                  <a:off x="5777304" y="4105318"/>
-                  <a:ext cx="577082" cy="338554"/>
-                </a:xfrm>
-                <a:prstGeom prst="rect">
-                  <a:avLst/>
-                </a:prstGeom>
-                <a:noFill/>
-              </p:spPr>
-              <p:txBody>
-                <a:bodyPr wrap="none" rtlCol="0">
-                  <a:spAutoFit/>
-                </a:bodyPr>
-                <a:lstStyle/>
-                <a:p>
-                  <a:pPr algn="ctr"/>
-                  <a:r>
-                    <a:rPr lang="en-SG" sz="1600" dirty="0" smtClean="0"/>
-                    <a:t>[Yes]</a:t>
-                  </a:r>
-                  <a:endParaRPr lang="en-SG" sz="1600" dirty="0"/>
-                </a:p>
-              </p:txBody>
-            </p:sp>
-            <p:sp>
-              <p:nvSpPr>
-                <p:cNvPr id="213" name="Rounded Rectangle 212"/>
-                <p:cNvSpPr/>
-                <p:nvPr/>
-              </p:nvSpPr>
-              <p:spPr>
-                <a:xfrm>
-                  <a:off x="2895084" y="4018546"/>
-                  <a:ext cx="1838424" cy="789273"/>
-                </a:xfrm>
-                <a:prstGeom prst="roundRect">
-                  <a:avLst/>
-                </a:prstGeom>
-                <a:noFill/>
-                <a:ln w="28575">
-                  <a:solidFill>
-                    <a:schemeClr val="tx1"/>
-                  </a:solidFill>
-                </a:ln>
-              </p:spPr>
-              <p:style>
-                <a:lnRef idx="2">
-                  <a:schemeClr val="accent1">
-                    <a:shade val="50000"/>
-                  </a:schemeClr>
-                </a:lnRef>
-                <a:fillRef idx="1">
-                  <a:schemeClr val="accent1"/>
-                </a:fillRef>
-                <a:effectRef idx="0">
-                  <a:schemeClr val="accent1"/>
-                </a:effectRef>
-                <a:fontRef idx="minor">
-                  <a:schemeClr val="lt1"/>
-                </a:fontRef>
-              </p:style>
-              <p:txBody>
-                <a:bodyPr rtlCol="0" anchor="ctr"/>
-                <a:lstStyle/>
-                <a:p>
-                  <a:pPr algn="ctr"/>
-                  <a:r>
-                    <a:rPr lang="en-SG" sz="1600" dirty="0" err="1" smtClean="0">
-                      <a:solidFill>
-                        <a:schemeClr val="tx1"/>
-                      </a:solidFill>
-                    </a:rPr>
-                    <a:t>Linenux</a:t>
-                  </a:r>
-                  <a:r>
-                    <a:rPr lang="en-SG" sz="1600" dirty="0" smtClean="0">
-                      <a:solidFill>
-                        <a:schemeClr val="tx1"/>
-                      </a:solidFill>
-                    </a:rPr>
-                    <a:t> creates new state in schedule</a:t>
-                  </a:r>
-                  <a:endParaRPr lang="en-SG" sz="1600" dirty="0">
-                    <a:solidFill>
-                      <a:schemeClr val="tx1"/>
-                    </a:solidFill>
-                  </a:endParaRPr>
-                </a:p>
-              </p:txBody>
-            </p:sp>
-            <p:cxnSp>
-              <p:nvCxnSpPr>
-                <p:cNvPr id="215" name="Straight Arrow Connector 214"/>
-                <p:cNvCxnSpPr>
-                  <a:stCxn id="213" idx="0"/>
-                  <a:endCxn id="206" idx="2"/>
-                </p:cNvCxnSpPr>
-                <p:nvPr/>
-              </p:nvCxnSpPr>
-              <p:spPr>
-                <a:xfrm flipH="1" flipV="1">
-                  <a:off x="3796650" y="3327131"/>
-                  <a:ext cx="17646" cy="691415"/>
-                </a:xfrm>
-                <a:prstGeom prst="straightConnector1">
-                  <a:avLst/>
-                </a:prstGeom>
-                <a:ln w="19050">
-                  <a:solidFill>
-                    <a:schemeClr val="tx1"/>
-                  </a:solidFill>
-                  <a:tailEnd type="arrow"/>
-                </a:ln>
-              </p:spPr>
-              <p:style>
-                <a:lnRef idx="1">
-                  <a:schemeClr val="accent1"/>
-                </a:lnRef>
-                <a:fillRef idx="0">
-                  <a:schemeClr val="accent1"/>
-                </a:fillRef>
-                <a:effectRef idx="0">
-                  <a:schemeClr val="accent1"/>
-                </a:effectRef>
-                <a:fontRef idx="minor">
-                  <a:schemeClr val="tx1"/>
-                </a:fontRef>
-              </p:style>
-            </p:cxnSp>
-          </p:grpSp>
-        </p:grpSp>
-        <p:grpSp>
-          <p:nvGrpSpPr>
-            <p:cNvPr id="418" name="Group 417"/>
-            <p:cNvGrpSpPr/>
-            <p:nvPr/>
-          </p:nvGrpSpPr>
-          <p:grpSpPr>
-            <a:xfrm>
-              <a:off x="-67385" y="-946619"/>
-              <a:ext cx="8112108" cy="3262341"/>
-              <a:chOff x="-67385" y="-946619"/>
-              <a:chExt cx="8112108" cy="3262341"/>
-            </a:xfrm>
-          </p:grpSpPr>
-          <p:grpSp>
-            <p:nvGrpSpPr>
-              <p:cNvPr id="408" name="Group 407"/>
-              <p:cNvGrpSpPr/>
-              <p:nvPr/>
-            </p:nvGrpSpPr>
-            <p:grpSpPr>
-              <a:xfrm>
-                <a:off x="-67385" y="-946619"/>
-                <a:ext cx="8112108" cy="3262341"/>
-                <a:chOff x="-67385" y="-946619"/>
-                <a:chExt cx="8112108" cy="3262341"/>
-              </a:xfrm>
-            </p:grpSpPr>
-            <p:sp>
-              <p:nvSpPr>
-                <p:cNvPr id="366" name="TextBox 365"/>
-                <p:cNvSpPr txBox="1"/>
-                <p:nvPr/>
-              </p:nvSpPr>
-              <p:spPr>
-                <a:xfrm>
-                  <a:off x="5377056" y="807060"/>
-                  <a:ext cx="577082" cy="338554"/>
-                </a:xfrm>
-                <a:prstGeom prst="rect">
-                  <a:avLst/>
-                </a:prstGeom>
-                <a:noFill/>
-              </p:spPr>
-              <p:txBody>
-                <a:bodyPr wrap="none" rtlCol="0">
-                  <a:spAutoFit/>
-                </a:bodyPr>
-                <a:lstStyle/>
-                <a:p>
-                  <a:pPr algn="ctr"/>
-                  <a:r>
-                    <a:rPr lang="en-SG" sz="1600" dirty="0" smtClean="0"/>
-                    <a:t>[Yes]</a:t>
-                  </a:r>
-                  <a:endParaRPr lang="en-SG" sz="1600" dirty="0"/>
-                </a:p>
-              </p:txBody>
-            </p:sp>
-            <p:grpSp>
-              <p:nvGrpSpPr>
-                <p:cNvPr id="407" name="Group 406"/>
+                <p:cNvPr id="419" name="Group 418"/>
                 <p:cNvGrpSpPr/>
                 <p:nvPr/>
               </p:nvGrpSpPr>
               <p:grpSpPr>
                 <a:xfrm>
                   <a:off x="-67385" y="-946619"/>
-                  <a:ext cx="8112108" cy="3262341"/>
-                  <a:chOff x="-270585" y="-832319"/>
-                  <a:chExt cx="8112108" cy="3262341"/>
+                  <a:ext cx="11988024" cy="8486399"/>
+                  <a:chOff x="-67385" y="-946619"/>
+                  <a:chExt cx="11988024" cy="8486399"/>
                 </a:xfrm>
               </p:grpSpPr>
-              <p:cxnSp>
-                <p:nvCxnSpPr>
-                  <p:cNvPr id="343" name="Straight Arrow Connector 342"/>
-                  <p:cNvCxnSpPr>
-                    <a:stCxn id="338" idx="0"/>
-                    <a:endCxn id="50" idx="2"/>
-                  </p:cNvCxnSpPr>
-                  <p:nvPr/>
-                </p:nvCxnSpPr>
-                <p:spPr>
-                  <a:xfrm flipV="1">
-                    <a:off x="5740407" y="789273"/>
-                    <a:ext cx="12699" cy="633260"/>
-                  </a:xfrm>
-                  <a:prstGeom prst="straightConnector1">
-                    <a:avLst/>
-                  </a:prstGeom>
-                  <a:ln w="19050">
-                    <a:solidFill>
-                      <a:schemeClr val="tx1"/>
-                    </a:solidFill>
-                    <a:tailEnd type="arrow"/>
-                  </a:ln>
-                </p:spPr>
-                <p:style>
-                  <a:lnRef idx="1">
-                    <a:schemeClr val="accent1"/>
-                  </a:lnRef>
-                  <a:fillRef idx="0">
-                    <a:schemeClr val="accent1"/>
-                  </a:fillRef>
-                  <a:effectRef idx="0">
-                    <a:schemeClr val="accent1"/>
-                  </a:effectRef>
-                  <a:fontRef idx="minor">
-                    <a:schemeClr val="tx1"/>
-                  </a:fontRef>
-                </p:style>
-              </p:cxnSp>
-              <p:cxnSp>
-                <p:nvCxnSpPr>
-                  <p:cNvPr id="369" name="Straight Arrow Connector 368"/>
-                  <p:cNvCxnSpPr>
-                    <a:stCxn id="338" idx="3"/>
-                    <a:endCxn id="411" idx="2"/>
-                  </p:cNvCxnSpPr>
-                  <p:nvPr/>
-                </p:nvCxnSpPr>
-                <p:spPr>
-                  <a:xfrm>
-                    <a:off x="6033977" y="1624664"/>
-                    <a:ext cx="1131781" cy="5439"/>
-                  </a:xfrm>
-                  <a:prstGeom prst="straightConnector1">
-                    <a:avLst/>
-                  </a:prstGeom>
-                  <a:ln w="19050">
-                    <a:solidFill>
-                      <a:schemeClr val="tx1"/>
-                    </a:solidFill>
-                    <a:tailEnd type="arrow"/>
-                  </a:ln>
-                </p:spPr>
-                <p:style>
-                  <a:lnRef idx="1">
-                    <a:schemeClr val="accent1"/>
-                  </a:lnRef>
-                  <a:fillRef idx="0">
-                    <a:schemeClr val="accent1"/>
-                  </a:fillRef>
-                  <a:effectRef idx="0">
-                    <a:schemeClr val="accent1"/>
-                  </a:effectRef>
-                  <a:fontRef idx="minor">
-                    <a:schemeClr val="tx1"/>
-                  </a:fontRef>
-                </p:style>
-              </p:cxnSp>
               <p:grpSp>
                 <p:nvGrpSpPr>
-                  <p:cNvPr id="406" name="Group 405"/>
+                  <p:cNvPr id="325" name="Group 324"/>
                   <p:cNvGrpSpPr/>
                   <p:nvPr/>
                 </p:nvGrpSpPr>
                 <p:grpSpPr>
                   <a:xfrm>
-                    <a:off x="-270585" y="-832319"/>
-                    <a:ext cx="8112108" cy="3262341"/>
-                    <a:chOff x="-270585" y="-832319"/>
-                    <a:chExt cx="8112108" cy="3262341"/>
+                    <a:off x="202472" y="2216182"/>
+                    <a:ext cx="11718167" cy="5323598"/>
+                    <a:chOff x="227872" y="-96243"/>
+                    <a:chExt cx="11718167" cy="5323598"/>
                   </a:xfrm>
                 </p:grpSpPr>
+                <p:sp>
+                  <p:nvSpPr>
+                    <p:cNvPr id="91" name="Rounded Rectangle 90"/>
+                    <p:cNvSpPr/>
+                    <p:nvPr/>
+                  </p:nvSpPr>
+                  <p:spPr>
+                    <a:xfrm>
+                      <a:off x="4551148" y="-96243"/>
+                      <a:ext cx="1838424" cy="789273"/>
+                    </a:xfrm>
+                    <a:prstGeom prst="roundRect">
+                      <a:avLst/>
+                    </a:prstGeom>
+                    <a:noFill/>
+                    <a:ln w="28575">
+                      <a:solidFill>
+                        <a:schemeClr val="tx1"/>
+                      </a:solidFill>
+                    </a:ln>
+                  </p:spPr>
+                  <p:style>
+                    <a:lnRef idx="2">
+                      <a:schemeClr val="accent1">
+                        <a:shade val="50000"/>
+                      </a:schemeClr>
+                    </a:lnRef>
+                    <a:fillRef idx="1">
+                      <a:schemeClr val="accent1"/>
+                    </a:fillRef>
+                    <a:effectRef idx="0">
+                      <a:schemeClr val="accent1"/>
+                    </a:effectRef>
+                    <a:fontRef idx="minor">
+                      <a:schemeClr val="lt1"/>
+                    </a:fontRef>
+                  </p:style>
+                  <p:txBody>
+                    <a:bodyPr rtlCol="0" anchor="ctr"/>
+                    <a:lstStyle/>
+                    <a:p>
+                      <a:pPr algn="ctr"/>
+                      <a:r>
+                        <a:rPr lang="en-SG" sz="1600" dirty="0" smtClean="0">
+                          <a:solidFill>
+                            <a:schemeClr val="tx1"/>
+                          </a:solidFill>
+                        </a:rPr>
+                        <a:t>Display invalid command</a:t>
+                      </a:r>
+                      <a:endParaRPr lang="en-SG" sz="1600" dirty="0">
+                        <a:solidFill>
+                          <a:schemeClr val="tx1"/>
+                        </a:solidFill>
+                      </a:endParaRPr>
+                    </a:p>
+                  </p:txBody>
+                </p:sp>
                 <p:grpSp>
                   <p:nvGrpSpPr>
-                    <p:cNvPr id="399" name="Group 398"/>
+                    <p:cNvPr id="324" name="Group 323"/>
                     <p:cNvGrpSpPr/>
                     <p:nvPr/>
                   </p:nvGrpSpPr>
                   <p:grpSpPr>
                     <a:xfrm>
-                      <a:off x="-270585" y="-832319"/>
-                      <a:ext cx="7852225" cy="3262341"/>
-                      <a:chOff x="-270585" y="-832319"/>
-                      <a:chExt cx="7852225" cy="3262341"/>
+                      <a:off x="227872" y="186087"/>
+                      <a:ext cx="11718167" cy="5041268"/>
+                      <a:chOff x="227872" y="166837"/>
+                      <a:chExt cx="11718167" cy="5041268"/>
                     </a:xfrm>
                   </p:grpSpPr>
                   <p:sp>
                     <p:nvSpPr>
-                      <p:cNvPr id="372" name="TextBox 371"/>
+                      <p:cNvPr id="70" name="Rounded Rectangle 69"/>
+                      <p:cNvSpPr/>
+                      <p:nvPr/>
+                    </p:nvSpPr>
+                    <p:spPr>
+                      <a:xfrm>
+                        <a:off x="914417" y="1259282"/>
+                        <a:ext cx="1838424" cy="789273"/>
+                      </a:xfrm>
+                      <a:prstGeom prst="roundRect">
+                        <a:avLst/>
+                      </a:prstGeom>
+                      <a:noFill/>
+                      <a:ln w="28575">
+                        <a:solidFill>
+                          <a:schemeClr val="tx1"/>
+                        </a:solidFill>
+                      </a:ln>
+                    </p:spPr>
+                    <p:style>
+                      <a:lnRef idx="2">
+                        <a:schemeClr val="accent1">
+                          <a:shade val="50000"/>
+                        </a:schemeClr>
+                      </a:lnRef>
+                      <a:fillRef idx="1">
+                        <a:schemeClr val="accent1"/>
+                      </a:fillRef>
+                      <a:effectRef idx="0">
+                        <a:schemeClr val="accent1"/>
+                      </a:effectRef>
+                      <a:fontRef idx="minor">
+                        <a:schemeClr val="lt1"/>
+                      </a:fontRef>
+                    </p:style>
+                    <p:txBody>
+                      <a:bodyPr rtlCol="0" anchor="ctr"/>
+                      <a:lstStyle/>
+                      <a:p>
+                        <a:pPr algn="ctr"/>
+                        <a:r>
+                          <a:rPr lang="en-SG" sz="1600" dirty="0" smtClean="0">
+                            <a:solidFill>
+                              <a:schemeClr val="tx1"/>
+                            </a:solidFill>
+                          </a:rPr>
+                          <a:t>User gives an input</a:t>
+                        </a:r>
+                        <a:endParaRPr lang="en-SG" sz="1600" dirty="0">
+                          <a:solidFill>
+                            <a:schemeClr val="tx1"/>
+                          </a:solidFill>
+                        </a:endParaRPr>
+                      </a:p>
+                    </p:txBody>
+                  </p:sp>
+                  <p:cxnSp>
+                    <p:nvCxnSpPr>
+                      <p:cNvPr id="80" name="Straight Arrow Connector 79"/>
+                      <p:cNvCxnSpPr>
+                        <a:stCxn id="152" idx="3"/>
+                        <a:endCxn id="84" idx="1"/>
+                      </p:cNvCxnSpPr>
+                      <p:nvPr/>
+                    </p:nvCxnSpPr>
+                    <p:spPr>
+                      <a:xfrm>
+                        <a:off x="3990021" y="1653919"/>
+                        <a:ext cx="1195123" cy="0"/>
+                      </a:xfrm>
+                      <a:prstGeom prst="straightConnector1">
+                        <a:avLst/>
+                      </a:prstGeom>
+                      <a:ln w="19050">
+                        <a:solidFill>
+                          <a:schemeClr val="tx1"/>
+                        </a:solidFill>
+                        <a:tailEnd type="arrow"/>
+                      </a:ln>
+                    </p:spPr>
+                    <p:style>
+                      <a:lnRef idx="1">
+                        <a:schemeClr val="accent1"/>
+                      </a:lnRef>
+                      <a:fillRef idx="0">
+                        <a:schemeClr val="accent1"/>
+                      </a:fillRef>
+                      <a:effectRef idx="0">
+                        <a:schemeClr val="accent1"/>
+                      </a:effectRef>
+                      <a:fontRef idx="minor">
+                        <a:schemeClr val="tx1"/>
+                      </a:fontRef>
+                    </p:style>
+                  </p:cxnSp>
+                  <p:sp>
+                    <p:nvSpPr>
+                      <p:cNvPr id="84" name="Diamond 83"/>
+                      <p:cNvSpPr/>
+                      <p:nvPr/>
+                    </p:nvSpPr>
+                    <p:spPr>
+                      <a:xfrm>
+                        <a:off x="5185144" y="1451788"/>
+                        <a:ext cx="587141" cy="404261"/>
+                      </a:xfrm>
+                      <a:prstGeom prst="diamond">
+                        <a:avLst/>
+                      </a:prstGeom>
+                      <a:noFill/>
+                      <a:ln w="28575">
+                        <a:solidFill>
+                          <a:schemeClr val="tx1"/>
+                        </a:solidFill>
+                      </a:ln>
+                    </p:spPr>
+                    <p:style>
+                      <a:lnRef idx="2">
+                        <a:schemeClr val="accent1">
+                          <a:shade val="50000"/>
+                        </a:schemeClr>
+                      </a:lnRef>
+                      <a:fillRef idx="1">
+                        <a:schemeClr val="accent1"/>
+                      </a:fillRef>
+                      <a:effectRef idx="0">
+                        <a:schemeClr val="accent1"/>
+                      </a:effectRef>
+                      <a:fontRef idx="minor">
+                        <a:schemeClr val="lt1"/>
+                      </a:fontRef>
+                    </p:style>
+                    <p:txBody>
+                      <a:bodyPr rtlCol="0" anchor="ctr"/>
+                      <a:lstStyle/>
+                      <a:p>
+                        <a:pPr algn="ctr"/>
+                        <a:endParaRPr lang="en-SG"/>
+                      </a:p>
+                    </p:txBody>
+                  </p:sp>
+                  <p:sp>
+                    <p:nvSpPr>
+                      <p:cNvPr id="87" name="TextBox 86"/>
                       <p:cNvSpPr txBox="1"/>
                       <p:nvPr/>
                     </p:nvSpPr>
                     <p:spPr>
                       <a:xfrm>
-                        <a:off x="1325719" y="387960"/>
+                        <a:off x="4829392" y="1827197"/>
+                        <a:ext cx="2184188" cy="584775"/>
+                      </a:xfrm>
+                      <a:prstGeom prst="rect">
+                        <a:avLst/>
+                      </a:prstGeom>
+                      <a:noFill/>
+                    </p:spPr>
+                    <p:txBody>
+                      <a:bodyPr wrap="none" rtlCol="0">
+                        <a:spAutoFit/>
+                      </a:bodyPr>
+                      <a:lstStyle/>
+                      <a:p>
+                        <a:pPr algn="ctr"/>
+                        <a:r>
+                          <a:rPr lang="en-SG" sz="1600" dirty="0" smtClean="0"/>
+                          <a:t>Checks if any command </a:t>
+                        </a:r>
+                      </a:p>
+                      <a:p>
+                        <a:pPr algn="ctr"/>
+                        <a:r>
+                          <a:rPr lang="en-SG" sz="1600" dirty="0" smtClean="0"/>
+                          <a:t>responds to input</a:t>
+                        </a:r>
+                        <a:endParaRPr lang="en-SG" sz="1600" dirty="0"/>
+                      </a:p>
+                    </p:txBody>
+                  </p:sp>
+                  <p:cxnSp>
+                    <p:nvCxnSpPr>
+                      <p:cNvPr id="92" name="Straight Arrow Connector 91"/>
+                      <p:cNvCxnSpPr>
+                        <a:stCxn id="84" idx="0"/>
+                        <a:endCxn id="91" idx="2"/>
+                      </p:cNvCxnSpPr>
+                      <p:nvPr/>
+                    </p:nvCxnSpPr>
+                    <p:spPr>
+                      <a:xfrm flipH="1" flipV="1">
+                        <a:off x="5470360" y="693030"/>
+                        <a:ext cx="8355" cy="758758"/>
+                      </a:xfrm>
+                      <a:prstGeom prst="straightConnector1">
+                        <a:avLst/>
+                      </a:prstGeom>
+                      <a:ln w="19050">
+                        <a:solidFill>
+                          <a:schemeClr val="tx1"/>
+                        </a:solidFill>
+                        <a:tailEnd type="arrow"/>
+                      </a:ln>
+                    </p:spPr>
+                    <p:style>
+                      <a:lnRef idx="1">
+                        <a:schemeClr val="accent1"/>
+                      </a:lnRef>
+                      <a:fillRef idx="0">
+                        <a:schemeClr val="accent1"/>
+                      </a:fillRef>
+                      <a:effectRef idx="0">
+                        <a:schemeClr val="accent1"/>
+                      </a:effectRef>
+                      <a:fontRef idx="minor">
+                        <a:schemeClr val="tx1"/>
+                      </a:fontRef>
+                    </p:style>
+                  </p:cxnSp>
+                  <p:cxnSp>
+                    <p:nvCxnSpPr>
+                      <p:cNvPr id="97" name="Straight Arrow Connector 96"/>
+                      <p:cNvCxnSpPr>
+                        <a:stCxn id="91" idx="3"/>
+                        <a:endCxn id="100" idx="2"/>
+                      </p:cNvCxnSpPr>
+                      <p:nvPr/>
+                    </p:nvCxnSpPr>
+                    <p:spPr>
+                      <a:xfrm flipV="1">
+                        <a:off x="6389572" y="296779"/>
+                        <a:ext cx="404249" cy="1615"/>
+                      </a:xfrm>
+                      <a:prstGeom prst="straightConnector1">
+                        <a:avLst/>
+                      </a:prstGeom>
+                      <a:ln w="19050">
+                        <a:solidFill>
+                          <a:schemeClr val="tx1"/>
+                        </a:solidFill>
+                        <a:tailEnd type="arrow"/>
+                      </a:ln>
+                    </p:spPr>
+                    <p:style>
+                      <a:lnRef idx="1">
+                        <a:schemeClr val="accent1"/>
+                      </a:lnRef>
+                      <a:fillRef idx="0">
+                        <a:schemeClr val="accent1"/>
+                      </a:fillRef>
+                      <a:effectRef idx="0">
+                        <a:schemeClr val="accent1"/>
+                      </a:effectRef>
+                      <a:fontRef idx="minor">
+                        <a:schemeClr val="tx1"/>
+                      </a:fontRef>
+                    </p:style>
+                  </p:cxnSp>
+                  <p:sp>
+                    <p:nvSpPr>
+                      <p:cNvPr id="100" name="Oval 99"/>
+                      <p:cNvSpPr/>
+                      <p:nvPr/>
+                    </p:nvSpPr>
+                    <p:spPr>
+                      <a:xfrm>
+                        <a:off x="6793821" y="166837"/>
+                        <a:ext cx="259883" cy="259883"/>
+                      </a:xfrm>
+                      <a:prstGeom prst="ellipse">
+                        <a:avLst/>
+                      </a:prstGeom>
+                      <a:noFill/>
+                      <a:ln w="28575">
+                        <a:solidFill>
+                          <a:schemeClr val="tx1"/>
+                        </a:solidFill>
+                      </a:ln>
+                    </p:spPr>
+                    <p:style>
+                      <a:lnRef idx="2">
+                        <a:schemeClr val="accent1">
+                          <a:shade val="50000"/>
+                        </a:schemeClr>
+                      </a:lnRef>
+                      <a:fillRef idx="1">
+                        <a:schemeClr val="accent1"/>
+                      </a:fillRef>
+                      <a:effectRef idx="0">
+                        <a:schemeClr val="accent1"/>
+                      </a:effectRef>
+                      <a:fontRef idx="minor">
+                        <a:schemeClr val="lt1"/>
+                      </a:fontRef>
+                    </p:style>
+                    <p:txBody>
+                      <a:bodyPr rtlCol="0" anchor="ctr"/>
+                      <a:lstStyle/>
+                      <a:p>
+                        <a:pPr algn="ctr"/>
+                        <a:r>
+                          <a:rPr lang="en-SG" dirty="0" smtClean="0">
+                            <a:solidFill>
+                              <a:sysClr val="windowText" lastClr="000000"/>
+                            </a:solidFill>
+                          </a:rPr>
+                          <a:t>A</a:t>
+                        </a:r>
+                        <a:endParaRPr lang="en-SG" dirty="0">
+                          <a:solidFill>
+                            <a:sysClr val="windowText" lastClr="000000"/>
+                          </a:solidFill>
+                        </a:endParaRPr>
+                      </a:p>
+                    </p:txBody>
+                  </p:sp>
+                  <p:sp>
+                    <p:nvSpPr>
+                      <p:cNvPr id="102" name="Oval 101"/>
+                      <p:cNvSpPr/>
+                      <p:nvPr/>
+                    </p:nvSpPr>
+                    <p:spPr>
+                      <a:xfrm>
+                        <a:off x="227872" y="1523977"/>
+                        <a:ext cx="259883" cy="259883"/>
+                      </a:xfrm>
+                      <a:prstGeom prst="ellipse">
+                        <a:avLst/>
+                      </a:prstGeom>
+                      <a:noFill/>
+                      <a:ln w="28575">
+                        <a:solidFill>
+                          <a:schemeClr val="tx1"/>
+                        </a:solidFill>
+                      </a:ln>
+                    </p:spPr>
+                    <p:style>
+                      <a:lnRef idx="2">
+                        <a:schemeClr val="accent1">
+                          <a:shade val="50000"/>
+                        </a:schemeClr>
+                      </a:lnRef>
+                      <a:fillRef idx="1">
+                        <a:schemeClr val="accent1"/>
+                      </a:fillRef>
+                      <a:effectRef idx="0">
+                        <a:schemeClr val="accent1"/>
+                      </a:effectRef>
+                      <a:fontRef idx="minor">
+                        <a:schemeClr val="lt1"/>
+                      </a:fontRef>
+                    </p:style>
+                    <p:txBody>
+                      <a:bodyPr rtlCol="0" anchor="ctr"/>
+                      <a:lstStyle/>
+                      <a:p>
+                        <a:pPr algn="ctr"/>
+                        <a:r>
+                          <a:rPr lang="en-SG" dirty="0" smtClean="0">
+                            <a:solidFill>
+                              <a:sysClr val="windowText" lastClr="000000"/>
+                            </a:solidFill>
+                          </a:rPr>
+                          <a:t>A</a:t>
+                        </a:r>
+                        <a:endParaRPr lang="en-SG" dirty="0">
+                          <a:solidFill>
+                            <a:sysClr val="windowText" lastClr="000000"/>
+                          </a:solidFill>
+                        </a:endParaRPr>
+                      </a:p>
+                    </p:txBody>
+                  </p:sp>
+                  <p:cxnSp>
+                    <p:nvCxnSpPr>
+                      <p:cNvPr id="105" name="Straight Arrow Connector 104"/>
+                      <p:cNvCxnSpPr>
+                        <a:stCxn id="102" idx="6"/>
+                        <a:endCxn id="70" idx="1"/>
+                      </p:cNvCxnSpPr>
+                      <p:nvPr/>
+                    </p:nvCxnSpPr>
+                    <p:spPr>
+                      <a:xfrm>
+                        <a:off x="487755" y="1653919"/>
+                        <a:ext cx="426662" cy="0"/>
+                      </a:xfrm>
+                      <a:prstGeom prst="straightConnector1">
+                        <a:avLst/>
+                      </a:prstGeom>
+                      <a:ln w="19050">
+                        <a:solidFill>
+                          <a:schemeClr val="tx1"/>
+                        </a:solidFill>
+                        <a:tailEnd type="arrow"/>
+                      </a:ln>
+                    </p:spPr>
+                    <p:style>
+                      <a:lnRef idx="1">
+                        <a:schemeClr val="accent1"/>
+                      </a:lnRef>
+                      <a:fillRef idx="0">
+                        <a:schemeClr val="accent1"/>
+                      </a:fillRef>
+                      <a:effectRef idx="0">
+                        <a:schemeClr val="accent1"/>
+                      </a:effectRef>
+                      <a:fontRef idx="minor">
+                        <a:schemeClr val="tx1"/>
+                      </a:fontRef>
+                    </p:style>
+                  </p:cxnSp>
+                  <p:sp>
+                    <p:nvSpPr>
+                      <p:cNvPr id="108" name="TextBox 107"/>
+                      <p:cNvSpPr txBox="1"/>
+                      <p:nvPr/>
+                    </p:nvSpPr>
+                    <p:spPr>
+                      <a:xfrm>
+                        <a:off x="7711821" y="2027688"/>
                         <a:ext cx="551754" cy="338554"/>
                       </a:xfrm>
                       <a:prstGeom prst="rect">
@@ -12773,199 +10835,2727 @@
                       </a:p>
                     </p:txBody>
                   </p:sp>
+                  <p:cxnSp>
+                    <p:nvCxnSpPr>
+                      <p:cNvPr id="111" name="Straight Arrow Connector 110"/>
+                      <p:cNvCxnSpPr>
+                        <a:stCxn id="84" idx="3"/>
+                        <a:endCxn id="114" idx="1"/>
+                      </p:cNvCxnSpPr>
+                      <p:nvPr/>
+                    </p:nvCxnSpPr>
+                    <p:spPr>
+                      <a:xfrm>
+                        <a:off x="5772285" y="1653919"/>
+                        <a:ext cx="1707633" cy="9647"/>
+                      </a:xfrm>
+                      <a:prstGeom prst="straightConnector1">
+                        <a:avLst/>
+                      </a:prstGeom>
+                      <a:ln w="19050">
+                        <a:solidFill>
+                          <a:schemeClr val="tx1"/>
+                        </a:solidFill>
+                        <a:tailEnd type="arrow"/>
+                      </a:ln>
+                    </p:spPr>
+                    <p:style>
+                      <a:lnRef idx="1">
+                        <a:schemeClr val="accent1"/>
+                      </a:lnRef>
+                      <a:fillRef idx="0">
+                        <a:schemeClr val="accent1"/>
+                      </a:fillRef>
+                      <a:effectRef idx="0">
+                        <a:schemeClr val="accent1"/>
+                      </a:effectRef>
+                      <a:fontRef idx="minor">
+                        <a:schemeClr val="tx1"/>
+                      </a:fontRef>
+                    </p:style>
+                  </p:cxnSp>
+                  <p:sp>
+                    <p:nvSpPr>
+                      <p:cNvPr id="114" name="Diamond 113"/>
+                      <p:cNvSpPr/>
+                      <p:nvPr/>
+                    </p:nvSpPr>
+                    <p:spPr>
+                      <a:xfrm>
+                        <a:off x="7479918" y="1461435"/>
+                        <a:ext cx="587141" cy="404261"/>
+                      </a:xfrm>
+                      <a:prstGeom prst="diamond">
+                        <a:avLst/>
+                      </a:prstGeom>
+                      <a:noFill/>
+                      <a:ln w="28575">
+                        <a:solidFill>
+                          <a:schemeClr val="tx1"/>
+                        </a:solidFill>
+                      </a:ln>
+                    </p:spPr>
+                    <p:style>
+                      <a:lnRef idx="2">
+                        <a:schemeClr val="accent1">
+                          <a:shade val="50000"/>
+                        </a:schemeClr>
+                      </a:lnRef>
+                      <a:fillRef idx="1">
+                        <a:schemeClr val="accent1"/>
+                      </a:fillRef>
+                      <a:effectRef idx="0">
+                        <a:schemeClr val="accent1"/>
+                      </a:effectRef>
+                      <a:fontRef idx="minor">
+                        <a:schemeClr val="lt1"/>
+                      </a:fontRef>
+                    </p:style>
+                    <p:txBody>
+                      <a:bodyPr rtlCol="0" anchor="ctr"/>
+                      <a:lstStyle/>
+                      <a:p>
+                        <a:pPr algn="ctr"/>
+                        <a:endParaRPr lang="en-SG"/>
+                      </a:p>
+                    </p:txBody>
+                  </p:sp>
+                  <p:sp>
+                    <p:nvSpPr>
+                      <p:cNvPr id="116" name="TextBox 115"/>
+                      <p:cNvSpPr txBox="1"/>
+                      <p:nvPr/>
+                    </p:nvSpPr>
+                    <p:spPr>
+                      <a:xfrm>
+                        <a:off x="7996337" y="1382831"/>
+                        <a:ext cx="1567929" cy="584775"/>
+                      </a:xfrm>
+                      <a:prstGeom prst="rect">
+                        <a:avLst/>
+                      </a:prstGeom>
+                      <a:noFill/>
+                    </p:spPr>
+                    <p:txBody>
+                      <a:bodyPr wrap="none" rtlCol="0">
+                        <a:spAutoFit/>
+                      </a:bodyPr>
+                      <a:lstStyle/>
+                      <a:p>
+                        <a:pPr algn="ctr"/>
+                        <a:r>
+                          <a:rPr lang="en-SG" sz="1600" dirty="0" smtClean="0"/>
+                          <a:t>Is the command </a:t>
+                        </a:r>
+                      </a:p>
+                      <a:p>
+                        <a:pPr algn="ctr"/>
+                        <a:r>
+                          <a:rPr lang="en-SG" sz="1600" dirty="0" smtClean="0"/>
+                          <a:t>‘Exit’?</a:t>
+                        </a:r>
+                        <a:endParaRPr lang="en-SG" sz="1600" dirty="0"/>
+                      </a:p>
+                    </p:txBody>
+                  </p:sp>
+                  <p:sp>
+                    <p:nvSpPr>
+                      <p:cNvPr id="117" name="TextBox 116"/>
+                      <p:cNvSpPr txBox="1"/>
+                      <p:nvPr/>
+                    </p:nvSpPr>
+                    <p:spPr>
+                      <a:xfrm>
+                        <a:off x="4306085" y="1344316"/>
+                        <a:ext cx="551754" cy="338554"/>
+                      </a:xfrm>
+                      <a:prstGeom prst="rect">
+                        <a:avLst/>
+                      </a:prstGeom>
+                      <a:noFill/>
+                    </p:spPr>
+                    <p:txBody>
+                      <a:bodyPr wrap="none" rtlCol="0">
+                        <a:spAutoFit/>
+                      </a:bodyPr>
+                      <a:lstStyle/>
+                      <a:p>
+                        <a:pPr algn="ctr"/>
+                        <a:r>
+                          <a:rPr lang="en-SG" sz="1600" dirty="0" smtClean="0"/>
+                          <a:t>[No]</a:t>
+                        </a:r>
+                        <a:endParaRPr lang="en-SG" sz="1600" dirty="0"/>
+                      </a:p>
+                    </p:txBody>
+                  </p:sp>
+                  <p:cxnSp>
+                    <p:nvCxnSpPr>
+                      <p:cNvPr id="118" name="Straight Arrow Connector 117"/>
+                      <p:cNvCxnSpPr>
+                        <a:stCxn id="114" idx="0"/>
+                        <a:endCxn id="122" idx="4"/>
+                      </p:cNvCxnSpPr>
+                      <p:nvPr/>
+                    </p:nvCxnSpPr>
+                    <p:spPr>
+                      <a:xfrm flipV="1">
+                        <a:off x="7773489" y="591958"/>
+                        <a:ext cx="0" cy="869477"/>
+                      </a:xfrm>
+                      <a:prstGeom prst="straightConnector1">
+                        <a:avLst/>
+                      </a:prstGeom>
+                      <a:ln w="19050">
+                        <a:solidFill>
+                          <a:schemeClr val="tx1"/>
+                        </a:solidFill>
+                        <a:tailEnd type="arrow"/>
+                      </a:ln>
+                    </p:spPr>
+                    <p:style>
+                      <a:lnRef idx="1">
+                        <a:schemeClr val="accent1"/>
+                      </a:lnRef>
+                      <a:fillRef idx="0">
+                        <a:schemeClr val="accent1"/>
+                      </a:fillRef>
+                      <a:effectRef idx="0">
+                        <a:schemeClr val="accent1"/>
+                      </a:effectRef>
+                      <a:fontRef idx="minor">
+                        <a:schemeClr val="tx1"/>
+                      </a:fontRef>
+                    </p:style>
+                  </p:cxnSp>
                   <p:grpSp>
                     <p:nvGrpSpPr>
-                      <p:cNvPr id="398" name="Group 397"/>
+                      <p:cNvPr id="123" name="Group 122"/>
                       <p:cNvGrpSpPr/>
                       <p:nvPr/>
                     </p:nvGrpSpPr>
                     <p:grpSpPr>
                       <a:xfrm>
-                        <a:off x="-270585" y="-832319"/>
-                        <a:ext cx="7852225" cy="3262341"/>
-                        <a:chOff x="-270585" y="-832319"/>
-                        <a:chExt cx="7852225" cy="3262341"/>
+                        <a:off x="7572158" y="189297"/>
+                        <a:ext cx="402661" cy="402661"/>
+                        <a:chOff x="8534996" y="1469457"/>
+                        <a:chExt cx="402661" cy="402661"/>
                       </a:xfrm>
                     </p:grpSpPr>
+                    <p:sp>
+                      <p:nvSpPr>
+                        <p:cNvPr id="121" name="Oval 120"/>
+                        <p:cNvSpPr/>
+                        <p:nvPr/>
+                      </p:nvSpPr>
+                      <p:spPr>
+                        <a:xfrm>
+                          <a:off x="8617214" y="1551675"/>
+                          <a:ext cx="238225" cy="238225"/>
+                        </a:xfrm>
+                        <a:prstGeom prst="ellipse">
+                          <a:avLst/>
+                        </a:prstGeom>
+                        <a:solidFill>
+                          <a:schemeClr val="tx1"/>
+                        </a:solidFill>
+                        <a:ln>
+                          <a:solidFill>
+                            <a:schemeClr val="tx1"/>
+                          </a:solidFill>
+                        </a:ln>
+                      </p:spPr>
+                      <p:style>
+                        <a:lnRef idx="2">
+                          <a:schemeClr val="accent1">
+                            <a:shade val="50000"/>
+                          </a:schemeClr>
+                        </a:lnRef>
+                        <a:fillRef idx="1">
+                          <a:schemeClr val="accent1"/>
+                        </a:fillRef>
+                        <a:effectRef idx="0">
+                          <a:schemeClr val="accent1"/>
+                        </a:effectRef>
+                        <a:fontRef idx="minor">
+                          <a:schemeClr val="lt1"/>
+                        </a:fontRef>
+                      </p:style>
+                      <p:txBody>
+                        <a:bodyPr rtlCol="0" anchor="ctr"/>
+                        <a:lstStyle/>
+                        <a:p>
+                          <a:pPr algn="ctr"/>
+                          <a:endParaRPr lang="en-SG"/>
+                        </a:p>
+                      </p:txBody>
+                    </p:sp>
+                    <p:sp>
+                      <p:nvSpPr>
+                        <p:cNvPr id="122" name="Oval 121"/>
+                        <p:cNvSpPr/>
+                        <p:nvPr/>
+                      </p:nvSpPr>
+                      <p:spPr>
+                        <a:xfrm>
+                          <a:off x="8534996" y="1469457"/>
+                          <a:ext cx="402661" cy="402661"/>
+                        </a:xfrm>
+                        <a:prstGeom prst="ellipse">
+                          <a:avLst/>
+                        </a:prstGeom>
+                        <a:noFill/>
+                        <a:ln w="19050">
+                          <a:solidFill>
+                            <a:schemeClr val="tx1"/>
+                          </a:solidFill>
+                        </a:ln>
+                      </p:spPr>
+                      <p:style>
+                        <a:lnRef idx="2">
+                          <a:schemeClr val="accent1">
+                            <a:shade val="50000"/>
+                          </a:schemeClr>
+                        </a:lnRef>
+                        <a:fillRef idx="1">
+                          <a:schemeClr val="accent1"/>
+                        </a:fillRef>
+                        <a:effectRef idx="0">
+                          <a:schemeClr val="accent1"/>
+                        </a:effectRef>
+                        <a:fontRef idx="minor">
+                          <a:schemeClr val="lt1"/>
+                        </a:fontRef>
+                      </p:style>
+                      <p:txBody>
+                        <a:bodyPr rtlCol="0" anchor="ctr"/>
+                        <a:lstStyle/>
+                        <a:p>
+                          <a:pPr algn="ctr"/>
+                          <a:endParaRPr lang="en-SG"/>
+                        </a:p>
+                      </p:txBody>
+                    </p:sp>
+                  </p:grpSp>
+                  <p:sp>
+                    <p:nvSpPr>
+                      <p:cNvPr id="125" name="TextBox 124"/>
+                      <p:cNvSpPr txBox="1"/>
+                      <p:nvPr/>
+                    </p:nvSpPr>
+                    <p:spPr>
+                      <a:xfrm>
+                        <a:off x="7244087" y="890347"/>
+                        <a:ext cx="577082" cy="338554"/>
+                      </a:xfrm>
+                      <a:prstGeom prst="rect">
+                        <a:avLst/>
+                      </a:prstGeom>
+                      <a:noFill/>
+                    </p:spPr>
+                    <p:txBody>
+                      <a:bodyPr wrap="none" rtlCol="0">
+                        <a:spAutoFit/>
+                      </a:bodyPr>
+                      <a:lstStyle/>
+                      <a:p>
+                        <a:pPr algn="ctr"/>
+                        <a:r>
+                          <a:rPr lang="en-SG" sz="1600" dirty="0" smtClean="0"/>
+                          <a:t>[Yes]</a:t>
+                        </a:r>
+                        <a:endParaRPr lang="en-SG" sz="1600" dirty="0"/>
+                      </a:p>
+                    </p:txBody>
+                  </p:sp>
+                  <p:sp>
+                    <p:nvSpPr>
+                      <p:cNvPr id="126" name="Rounded Rectangle 125"/>
+                      <p:cNvSpPr/>
+                      <p:nvPr/>
+                    </p:nvSpPr>
+                    <p:spPr>
+                      <a:xfrm>
+                        <a:off x="6854276" y="2590799"/>
+                        <a:ext cx="1838424" cy="789273"/>
+                      </a:xfrm>
+                      <a:prstGeom prst="roundRect">
+                        <a:avLst>
+                          <a:gd name="adj" fmla="val 16667"/>
+                        </a:avLst>
+                      </a:prstGeom>
+                      <a:noFill/>
+                      <a:ln w="28575">
+                        <a:solidFill>
+                          <a:schemeClr val="tx1"/>
+                        </a:solidFill>
+                      </a:ln>
+                    </p:spPr>
+                    <p:style>
+                      <a:lnRef idx="2">
+                        <a:schemeClr val="accent1">
+                          <a:shade val="50000"/>
+                        </a:schemeClr>
+                      </a:lnRef>
+                      <a:fillRef idx="1">
+                        <a:schemeClr val="accent1"/>
+                      </a:fillRef>
+                      <a:effectRef idx="0">
+                        <a:schemeClr val="accent1"/>
+                      </a:effectRef>
+                      <a:fontRef idx="minor">
+                        <a:schemeClr val="lt1"/>
+                      </a:fontRef>
+                    </p:style>
+                    <p:txBody>
+                      <a:bodyPr rtlCol="0" anchor="ctr"/>
+                      <a:lstStyle/>
+                      <a:p>
+                        <a:pPr algn="ctr"/>
+                        <a:r>
+                          <a:rPr lang="en-SG" sz="1600" dirty="0" err="1" smtClean="0">
+                            <a:solidFill>
+                              <a:schemeClr val="tx1"/>
+                            </a:solidFill>
+                          </a:rPr>
+                          <a:t>Linenux</a:t>
+                        </a:r>
+                        <a:r>
+                          <a:rPr lang="en-SG" sz="1600" dirty="0" smtClean="0">
+                            <a:solidFill>
+                              <a:schemeClr val="tx1"/>
+                            </a:solidFill>
+                          </a:rPr>
+                          <a:t> executes command</a:t>
+                        </a:r>
+                        <a:endParaRPr lang="en-SG" sz="1600" dirty="0">
+                          <a:solidFill>
+                            <a:schemeClr val="tx1"/>
+                          </a:solidFill>
+                        </a:endParaRPr>
+                      </a:p>
+                    </p:txBody>
+                  </p:sp>
+                  <p:cxnSp>
+                    <p:nvCxnSpPr>
+                      <p:cNvPr id="127" name="Straight Arrow Connector 126"/>
+                      <p:cNvCxnSpPr>
+                        <a:stCxn id="114" idx="2"/>
+                        <a:endCxn id="126" idx="0"/>
+                      </p:cNvCxnSpPr>
+                      <p:nvPr/>
+                    </p:nvCxnSpPr>
+                    <p:spPr>
+                      <a:xfrm flipH="1">
+                        <a:off x="7773488" y="1865696"/>
+                        <a:ext cx="1" cy="725103"/>
+                      </a:xfrm>
+                      <a:prstGeom prst="straightConnector1">
+                        <a:avLst/>
+                      </a:prstGeom>
+                      <a:ln w="19050">
+                        <a:solidFill>
+                          <a:schemeClr val="tx1"/>
+                        </a:solidFill>
+                        <a:tailEnd type="arrow"/>
+                      </a:ln>
+                    </p:spPr>
+                    <p:style>
+                      <a:lnRef idx="1">
+                        <a:schemeClr val="accent1"/>
+                      </a:lnRef>
+                      <a:fillRef idx="0">
+                        <a:schemeClr val="accent1"/>
+                      </a:fillRef>
+                      <a:effectRef idx="0">
+                        <a:schemeClr val="accent1"/>
+                      </a:effectRef>
+                      <a:fontRef idx="minor">
+                        <a:schemeClr val="tx1"/>
+                      </a:fontRef>
+                    </p:style>
+                  </p:cxnSp>
+                  <p:sp>
+                    <p:nvSpPr>
+                      <p:cNvPr id="140" name="TextBox 139"/>
+                      <p:cNvSpPr txBox="1"/>
+                      <p:nvPr/>
+                    </p:nvSpPr>
+                    <p:spPr>
+                      <a:xfrm>
+                        <a:off x="4909272" y="909554"/>
+                        <a:ext cx="551754" cy="338554"/>
+                      </a:xfrm>
+                      <a:prstGeom prst="rect">
+                        <a:avLst/>
+                      </a:prstGeom>
+                      <a:noFill/>
+                    </p:spPr>
+                    <p:txBody>
+                      <a:bodyPr wrap="none" rtlCol="0">
+                        <a:spAutoFit/>
+                      </a:bodyPr>
+                      <a:lstStyle/>
+                      <a:p>
+                        <a:pPr algn="ctr"/>
+                        <a:r>
+                          <a:rPr lang="en-SG" sz="1600" dirty="0" smtClean="0"/>
+                          <a:t>[No]</a:t>
+                        </a:r>
+                        <a:endParaRPr lang="en-SG" sz="1600" dirty="0"/>
+                      </a:p>
+                    </p:txBody>
+                  </p:sp>
+                  <p:sp>
+                    <p:nvSpPr>
+                      <p:cNvPr id="147" name="TextBox 146"/>
+                      <p:cNvSpPr txBox="1"/>
+                      <p:nvPr/>
+                    </p:nvSpPr>
+                    <p:spPr>
+                      <a:xfrm>
+                        <a:off x="6409348" y="1333108"/>
+                        <a:ext cx="577082" cy="338554"/>
+                      </a:xfrm>
+                      <a:prstGeom prst="rect">
+                        <a:avLst/>
+                      </a:prstGeom>
+                      <a:noFill/>
+                    </p:spPr>
+                    <p:txBody>
+                      <a:bodyPr wrap="none" rtlCol="0">
+                        <a:spAutoFit/>
+                      </a:bodyPr>
+                      <a:lstStyle/>
+                      <a:p>
+                        <a:pPr algn="ctr"/>
+                        <a:r>
+                          <a:rPr lang="en-SG" sz="1600" dirty="0" smtClean="0"/>
+                          <a:t>[Yes]</a:t>
+                        </a:r>
+                        <a:endParaRPr lang="en-SG" sz="1600" dirty="0"/>
+                      </a:p>
+                    </p:txBody>
+                  </p:sp>
+                  <p:sp>
+                    <p:nvSpPr>
+                      <p:cNvPr id="152" name="Diamond 151"/>
+                      <p:cNvSpPr/>
+                      <p:nvPr/>
+                    </p:nvSpPr>
+                    <p:spPr>
+                      <a:xfrm>
+                        <a:off x="3402880" y="1451788"/>
+                        <a:ext cx="587141" cy="404261"/>
+                      </a:xfrm>
+                      <a:prstGeom prst="diamond">
+                        <a:avLst/>
+                      </a:prstGeom>
+                      <a:noFill/>
+                      <a:ln w="28575">
+                        <a:solidFill>
+                          <a:schemeClr val="tx1"/>
+                        </a:solidFill>
+                      </a:ln>
+                    </p:spPr>
+                    <p:style>
+                      <a:lnRef idx="2">
+                        <a:schemeClr val="accent1">
+                          <a:shade val="50000"/>
+                        </a:schemeClr>
+                      </a:lnRef>
+                      <a:fillRef idx="1">
+                        <a:schemeClr val="accent1"/>
+                      </a:fillRef>
+                      <a:effectRef idx="0">
+                        <a:schemeClr val="accent1"/>
+                      </a:effectRef>
+                      <a:fontRef idx="minor">
+                        <a:schemeClr val="lt1"/>
+                      </a:fontRef>
+                    </p:style>
+                    <p:txBody>
+                      <a:bodyPr rtlCol="0" anchor="ctr"/>
+                      <a:lstStyle/>
+                      <a:p>
+                        <a:pPr algn="ctr"/>
+                        <a:endParaRPr lang="en-SG"/>
+                      </a:p>
+                    </p:txBody>
+                  </p:sp>
+                  <p:sp>
+                    <p:nvSpPr>
+                      <p:cNvPr id="154" name="TextBox 153"/>
+                      <p:cNvSpPr txBox="1"/>
+                      <p:nvPr/>
+                    </p:nvSpPr>
+                    <p:spPr>
+                      <a:xfrm>
+                        <a:off x="2604364" y="644875"/>
+                        <a:ext cx="2184188" cy="830997"/>
+                      </a:xfrm>
+                      <a:prstGeom prst="rect">
+                        <a:avLst/>
+                      </a:prstGeom>
+                      <a:noFill/>
+                    </p:spPr>
+                    <p:txBody>
+                      <a:bodyPr wrap="none" rtlCol="0">
+                        <a:spAutoFit/>
+                      </a:bodyPr>
+                      <a:lstStyle/>
+                      <a:p>
+                        <a:pPr algn="ctr"/>
+                        <a:r>
+                          <a:rPr lang="en-SG" sz="1600" dirty="0" smtClean="0"/>
+                          <a:t>Checks if any command </a:t>
+                        </a:r>
+                      </a:p>
+                      <a:p>
+                        <a:pPr algn="ctr"/>
+                        <a:r>
+                          <a:rPr lang="en-SG" sz="1600" dirty="0" smtClean="0"/>
+                          <a:t>is awaiting response </a:t>
+                        </a:r>
+                      </a:p>
+                      <a:p>
+                        <a:pPr algn="ctr"/>
+                        <a:r>
+                          <a:rPr lang="en-SG" sz="1600" dirty="0" smtClean="0"/>
+                          <a:t>from user.</a:t>
+                        </a:r>
+                        <a:endParaRPr lang="en-SG" sz="1600" dirty="0"/>
+                      </a:p>
+                    </p:txBody>
+                  </p:sp>
+                  <p:cxnSp>
+                    <p:nvCxnSpPr>
+                      <p:cNvPr id="155" name="Straight Arrow Connector 154"/>
+                      <p:cNvCxnSpPr>
+                        <a:stCxn id="152" idx="2"/>
+                        <a:endCxn id="126" idx="1"/>
+                      </p:cNvCxnSpPr>
+                      <p:nvPr/>
+                    </p:nvCxnSpPr>
+                    <p:spPr>
+                      <a:xfrm>
+                        <a:off x="3696451" y="1856049"/>
+                        <a:ext cx="3157825" cy="1129387"/>
+                      </a:xfrm>
+                      <a:prstGeom prst="straightConnector1">
+                        <a:avLst/>
+                      </a:prstGeom>
+                      <a:ln w="19050">
+                        <a:solidFill>
+                          <a:schemeClr val="tx1"/>
+                        </a:solidFill>
+                        <a:tailEnd type="arrow"/>
+                      </a:ln>
+                    </p:spPr>
+                    <p:style>
+                      <a:lnRef idx="1">
+                        <a:schemeClr val="accent1"/>
+                      </a:lnRef>
+                      <a:fillRef idx="0">
+                        <a:schemeClr val="accent1"/>
+                      </a:fillRef>
+                      <a:effectRef idx="0">
+                        <a:schemeClr val="accent1"/>
+                      </a:effectRef>
+                      <a:fontRef idx="minor">
+                        <a:schemeClr val="tx1"/>
+                      </a:fontRef>
+                    </p:style>
+                  </p:cxnSp>
+                  <p:sp>
+                    <p:nvSpPr>
+                      <p:cNvPr id="158" name="TextBox 157"/>
+                      <p:cNvSpPr txBox="1"/>
+                      <p:nvPr/>
+                    </p:nvSpPr>
+                    <p:spPr>
+                      <a:xfrm>
+                        <a:off x="8844529" y="3556544"/>
+                        <a:ext cx="577082" cy="338554"/>
+                      </a:xfrm>
+                      <a:prstGeom prst="rect">
+                        <a:avLst/>
+                      </a:prstGeom>
+                      <a:noFill/>
+                    </p:spPr>
+                    <p:txBody>
+                      <a:bodyPr wrap="none" rtlCol="0">
+                        <a:spAutoFit/>
+                      </a:bodyPr>
+                      <a:lstStyle/>
+                      <a:p>
+                        <a:pPr algn="ctr"/>
+                        <a:r>
+                          <a:rPr lang="en-SG" sz="1600" dirty="0" smtClean="0"/>
+                          <a:t>[Yes]</a:t>
+                        </a:r>
+                        <a:endParaRPr lang="en-SG" sz="1600" dirty="0"/>
+                      </a:p>
+                    </p:txBody>
+                  </p:sp>
+                  <p:cxnSp>
+                    <p:nvCxnSpPr>
+                      <p:cNvPr id="159" name="Straight Arrow Connector 158"/>
+                      <p:cNvCxnSpPr>
+                        <a:stCxn id="70" idx="3"/>
+                        <a:endCxn id="152" idx="1"/>
+                      </p:cNvCxnSpPr>
+                      <p:nvPr/>
+                    </p:nvCxnSpPr>
+                    <p:spPr>
+                      <a:xfrm>
+                        <a:off x="2752841" y="1653919"/>
+                        <a:ext cx="650039" cy="0"/>
+                      </a:xfrm>
+                      <a:prstGeom prst="straightConnector1">
+                        <a:avLst/>
+                      </a:prstGeom>
+                      <a:ln w="19050">
+                        <a:solidFill>
+                          <a:schemeClr val="tx1"/>
+                        </a:solidFill>
+                        <a:tailEnd type="arrow"/>
+                      </a:ln>
+                    </p:spPr>
+                    <p:style>
+                      <a:lnRef idx="1">
+                        <a:schemeClr val="accent1"/>
+                      </a:lnRef>
+                      <a:fillRef idx="0">
+                        <a:schemeClr val="accent1"/>
+                      </a:fillRef>
+                      <a:effectRef idx="0">
+                        <a:schemeClr val="accent1"/>
+                      </a:effectRef>
+                      <a:fontRef idx="minor">
+                        <a:schemeClr val="tx1"/>
+                      </a:fontRef>
+                    </p:style>
+                  </p:cxnSp>
+                  <p:sp>
+                    <p:nvSpPr>
+                      <p:cNvPr id="162" name="Diamond 161"/>
+                      <p:cNvSpPr/>
+                      <p:nvPr/>
+                    </p:nvSpPr>
+                    <p:spPr>
+                      <a:xfrm>
+                        <a:off x="9090711" y="2783835"/>
+                        <a:ext cx="586800" cy="403200"/>
+                      </a:xfrm>
+                      <a:prstGeom prst="diamond">
+                        <a:avLst/>
+                      </a:prstGeom>
+                      <a:noFill/>
+                      <a:ln w="28575">
+                        <a:solidFill>
+                          <a:schemeClr val="tx1"/>
+                        </a:solidFill>
+                      </a:ln>
+                    </p:spPr>
+                    <p:style>
+                      <a:lnRef idx="2">
+                        <a:schemeClr val="accent1">
+                          <a:shade val="50000"/>
+                        </a:schemeClr>
+                      </a:lnRef>
+                      <a:fillRef idx="1">
+                        <a:schemeClr val="accent1"/>
+                      </a:fillRef>
+                      <a:effectRef idx="0">
+                        <a:schemeClr val="accent1"/>
+                      </a:effectRef>
+                      <a:fontRef idx="minor">
+                        <a:schemeClr val="lt1"/>
+                      </a:fontRef>
+                    </p:style>
+                    <p:txBody>
+                      <a:bodyPr rtlCol="0" anchor="ctr"/>
+                      <a:lstStyle/>
+                      <a:p>
+                        <a:pPr algn="ctr"/>
+                        <a:endParaRPr lang="en-SG"/>
+                      </a:p>
+                    </p:txBody>
+                  </p:sp>
+                  <p:sp>
+                    <p:nvSpPr>
+                      <p:cNvPr id="163" name="TextBox 162"/>
+                      <p:cNvSpPr txBox="1"/>
+                      <p:nvPr/>
+                    </p:nvSpPr>
+                    <p:spPr>
+                      <a:xfrm>
+                        <a:off x="8816753" y="2170496"/>
+                        <a:ext cx="1276951" cy="584775"/>
+                      </a:xfrm>
+                      <a:prstGeom prst="rect">
+                        <a:avLst/>
+                      </a:prstGeom>
+                      <a:noFill/>
+                    </p:spPr>
+                    <p:txBody>
+                      <a:bodyPr wrap="square" rtlCol="0">
+                        <a:spAutoFit/>
+                      </a:bodyPr>
+                      <a:lstStyle/>
+                      <a:p>
+                        <a:pPr algn="ctr"/>
+                        <a:r>
+                          <a:rPr lang="en-SG" sz="1600" dirty="0" smtClean="0"/>
+                          <a:t>Is the input</a:t>
+                        </a:r>
+                      </a:p>
+                      <a:p>
+                        <a:pPr algn="ctr"/>
+                        <a:r>
+                          <a:rPr lang="en-SG" sz="1600" dirty="0" smtClean="0"/>
+                          <a:t>valid?</a:t>
+                        </a:r>
+                        <a:endParaRPr lang="en-SG" sz="1600" dirty="0"/>
+                      </a:p>
+                    </p:txBody>
+                  </p:sp>
+                  <p:cxnSp>
+                    <p:nvCxnSpPr>
+                      <p:cNvPr id="164" name="Straight Arrow Connector 163"/>
+                      <p:cNvCxnSpPr>
+                        <a:stCxn id="126" idx="3"/>
+                        <a:endCxn id="162" idx="1"/>
+                      </p:cNvCxnSpPr>
+                      <p:nvPr/>
+                    </p:nvCxnSpPr>
+                    <p:spPr>
+                      <a:xfrm flipV="1">
+                        <a:off x="8692700" y="2985435"/>
+                        <a:ext cx="398011" cy="1"/>
+                      </a:xfrm>
+                      <a:prstGeom prst="straightConnector1">
+                        <a:avLst/>
+                      </a:prstGeom>
+                      <a:ln w="19050">
+                        <a:solidFill>
+                          <a:schemeClr val="tx1"/>
+                        </a:solidFill>
+                        <a:tailEnd type="arrow"/>
+                      </a:ln>
+                    </p:spPr>
+                    <p:style>
+                      <a:lnRef idx="1">
+                        <a:schemeClr val="accent1"/>
+                      </a:lnRef>
+                      <a:fillRef idx="0">
+                        <a:schemeClr val="accent1"/>
+                      </a:fillRef>
+                      <a:effectRef idx="0">
+                        <a:schemeClr val="accent1"/>
+                      </a:effectRef>
+                      <a:fontRef idx="minor">
+                        <a:schemeClr val="tx1"/>
+                      </a:fontRef>
+                    </p:style>
+                  </p:cxnSp>
+                  <p:sp>
+                    <p:nvSpPr>
+                      <p:cNvPr id="167" name="Rounded Rectangle 166"/>
+                      <p:cNvSpPr/>
+                      <p:nvPr/>
+                    </p:nvSpPr>
+                    <p:spPr>
+                      <a:xfrm>
+                        <a:off x="10107615" y="2590799"/>
+                        <a:ext cx="1838424" cy="789273"/>
+                      </a:xfrm>
+                      <a:prstGeom prst="roundRect">
+                        <a:avLst/>
+                      </a:prstGeom>
+                      <a:noFill/>
+                      <a:ln w="28575">
+                        <a:solidFill>
+                          <a:schemeClr val="tx1"/>
+                        </a:solidFill>
+                      </a:ln>
+                    </p:spPr>
+                    <p:style>
+                      <a:lnRef idx="2">
+                        <a:schemeClr val="accent1">
+                          <a:shade val="50000"/>
+                        </a:schemeClr>
+                      </a:lnRef>
+                      <a:fillRef idx="1">
+                        <a:schemeClr val="accent1"/>
+                      </a:fillRef>
+                      <a:effectRef idx="0">
+                        <a:schemeClr val="accent1"/>
+                      </a:effectRef>
+                      <a:fontRef idx="minor">
+                        <a:schemeClr val="lt1"/>
+                      </a:fontRef>
+                    </p:style>
+                    <p:txBody>
+                      <a:bodyPr rtlCol="0" anchor="ctr"/>
+                      <a:lstStyle/>
+                      <a:p>
+                        <a:pPr algn="ctr"/>
+                        <a:r>
+                          <a:rPr lang="en-SG" sz="1600" dirty="0" smtClean="0">
+                            <a:solidFill>
+                              <a:schemeClr val="tx1"/>
+                            </a:solidFill>
+                          </a:rPr>
+                          <a:t>Display invalid input</a:t>
+                        </a:r>
+                        <a:endParaRPr lang="en-SG" sz="1600" dirty="0">
+                          <a:solidFill>
+                            <a:schemeClr val="tx1"/>
+                          </a:solidFill>
+                        </a:endParaRPr>
+                      </a:p>
+                    </p:txBody>
+                  </p:sp>
+                  <p:cxnSp>
+                    <p:nvCxnSpPr>
+                      <p:cNvPr id="168" name="Straight Arrow Connector 167"/>
+                      <p:cNvCxnSpPr>
+                        <a:stCxn id="162" idx="3"/>
+                        <a:endCxn id="167" idx="1"/>
+                      </p:cNvCxnSpPr>
+                      <p:nvPr/>
+                    </p:nvCxnSpPr>
+                    <p:spPr>
+                      <a:xfrm>
+                        <a:off x="9677511" y="2985435"/>
+                        <a:ext cx="430104" cy="1"/>
+                      </a:xfrm>
+                      <a:prstGeom prst="straightConnector1">
+                        <a:avLst/>
+                      </a:prstGeom>
+                      <a:ln w="19050">
+                        <a:solidFill>
+                          <a:schemeClr val="tx1"/>
+                        </a:solidFill>
+                        <a:tailEnd type="arrow"/>
+                      </a:ln>
+                    </p:spPr>
+                    <p:style>
+                      <a:lnRef idx="1">
+                        <a:schemeClr val="accent1"/>
+                      </a:lnRef>
+                      <a:fillRef idx="0">
+                        <a:schemeClr val="accent1"/>
+                      </a:fillRef>
+                      <a:effectRef idx="0">
+                        <a:schemeClr val="accent1"/>
+                      </a:effectRef>
+                      <a:fontRef idx="minor">
+                        <a:schemeClr val="tx1"/>
+                      </a:fontRef>
+                    </p:style>
+                  </p:cxnSp>
+                  <p:cxnSp>
+                    <p:nvCxnSpPr>
+                      <p:cNvPr id="171" name="Straight Arrow Connector 170"/>
+                      <p:cNvCxnSpPr>
+                        <a:stCxn id="167" idx="2"/>
+                        <a:endCxn id="174" idx="0"/>
+                      </p:cNvCxnSpPr>
+                      <p:nvPr/>
+                    </p:nvCxnSpPr>
+                    <p:spPr>
+                      <a:xfrm>
+                        <a:off x="11026827" y="3380072"/>
+                        <a:ext cx="1" cy="933646"/>
+                      </a:xfrm>
+                      <a:prstGeom prst="straightConnector1">
+                        <a:avLst/>
+                      </a:prstGeom>
+                      <a:ln w="19050">
+                        <a:solidFill>
+                          <a:schemeClr val="tx1"/>
+                        </a:solidFill>
+                        <a:tailEnd type="arrow"/>
+                      </a:ln>
+                    </p:spPr>
+                    <p:style>
+                      <a:lnRef idx="1">
+                        <a:schemeClr val="accent1"/>
+                      </a:lnRef>
+                      <a:fillRef idx="0">
+                        <a:schemeClr val="accent1"/>
+                      </a:fillRef>
+                      <a:effectRef idx="0">
+                        <a:schemeClr val="accent1"/>
+                      </a:effectRef>
+                      <a:fontRef idx="minor">
+                        <a:schemeClr val="tx1"/>
+                      </a:fontRef>
+                    </p:style>
+                  </p:cxnSp>
+                  <p:sp>
+                    <p:nvSpPr>
+                      <p:cNvPr id="174" name="Oval 173"/>
+                      <p:cNvSpPr/>
+                      <p:nvPr/>
+                    </p:nvSpPr>
+                    <p:spPr>
+                      <a:xfrm>
+                        <a:off x="10896886" y="4313718"/>
+                        <a:ext cx="259883" cy="259883"/>
+                      </a:xfrm>
+                      <a:prstGeom prst="ellipse">
+                        <a:avLst/>
+                      </a:prstGeom>
+                      <a:noFill/>
+                      <a:ln w="28575">
+                        <a:solidFill>
+                          <a:schemeClr val="tx1"/>
+                        </a:solidFill>
+                      </a:ln>
+                    </p:spPr>
+                    <p:style>
+                      <a:lnRef idx="2">
+                        <a:schemeClr val="accent1">
+                          <a:shade val="50000"/>
+                        </a:schemeClr>
+                      </a:lnRef>
+                      <a:fillRef idx="1">
+                        <a:schemeClr val="accent1"/>
+                      </a:fillRef>
+                      <a:effectRef idx="0">
+                        <a:schemeClr val="accent1"/>
+                      </a:effectRef>
+                      <a:fontRef idx="minor">
+                        <a:schemeClr val="lt1"/>
+                      </a:fontRef>
+                    </p:style>
+                    <p:txBody>
+                      <a:bodyPr rtlCol="0" anchor="ctr"/>
+                      <a:lstStyle/>
+                      <a:p>
+                        <a:pPr algn="ctr"/>
+                        <a:r>
+                          <a:rPr lang="en-SG" dirty="0" smtClean="0">
+                            <a:solidFill>
+                              <a:sysClr val="windowText" lastClr="000000"/>
+                            </a:solidFill>
+                          </a:rPr>
+                          <a:t>A</a:t>
+                        </a:r>
+                        <a:endParaRPr lang="en-SG" dirty="0">
+                          <a:solidFill>
+                            <a:sysClr val="windowText" lastClr="000000"/>
+                          </a:solidFill>
+                        </a:endParaRPr>
+                      </a:p>
+                    </p:txBody>
+                  </p:sp>
+                  <p:sp>
+                    <p:nvSpPr>
+                      <p:cNvPr id="176" name="TextBox 175"/>
+                      <p:cNvSpPr txBox="1"/>
+                      <p:nvPr/>
+                    </p:nvSpPr>
+                    <p:spPr>
+                      <a:xfrm>
+                        <a:off x="9539019" y="2950112"/>
+                        <a:ext cx="551754" cy="338554"/>
+                      </a:xfrm>
+                      <a:prstGeom prst="rect">
+                        <a:avLst/>
+                      </a:prstGeom>
+                      <a:noFill/>
+                    </p:spPr>
+                    <p:txBody>
+                      <a:bodyPr wrap="none" rtlCol="0">
+                        <a:spAutoFit/>
+                      </a:bodyPr>
+                      <a:lstStyle/>
+                      <a:p>
+                        <a:pPr algn="ctr"/>
+                        <a:r>
+                          <a:rPr lang="en-SG" sz="1600" dirty="0" smtClean="0"/>
+                          <a:t>[No]</a:t>
+                        </a:r>
+                        <a:endParaRPr lang="en-SG" sz="1600" dirty="0"/>
+                      </a:p>
+                    </p:txBody>
+                  </p:sp>
+                  <p:cxnSp>
+                    <p:nvCxnSpPr>
+                      <p:cNvPr id="177" name="Straight Arrow Connector 176"/>
+                      <p:cNvCxnSpPr>
+                        <a:stCxn id="162" idx="2"/>
+                        <a:endCxn id="182" idx="0"/>
+                      </p:cNvCxnSpPr>
+                      <p:nvPr/>
+                    </p:nvCxnSpPr>
+                    <p:spPr>
+                      <a:xfrm>
+                        <a:off x="9384111" y="3187035"/>
+                        <a:ext cx="171" cy="1060113"/>
+                      </a:xfrm>
+                      <a:prstGeom prst="straightConnector1">
+                        <a:avLst/>
+                      </a:prstGeom>
+                      <a:ln w="19050">
+                        <a:solidFill>
+                          <a:schemeClr val="tx1"/>
+                        </a:solidFill>
+                        <a:tailEnd type="arrow"/>
+                      </a:ln>
+                    </p:spPr>
+                    <p:style>
+                      <a:lnRef idx="1">
+                        <a:schemeClr val="accent1"/>
+                      </a:lnRef>
+                      <a:fillRef idx="0">
+                        <a:schemeClr val="accent1"/>
+                      </a:fillRef>
+                      <a:effectRef idx="0">
+                        <a:schemeClr val="accent1"/>
+                      </a:effectRef>
+                      <a:fontRef idx="minor">
+                        <a:schemeClr val="tx1"/>
+                      </a:fontRef>
+                    </p:style>
+                  </p:cxnSp>
+                  <p:sp>
+                    <p:nvSpPr>
+                      <p:cNvPr id="182" name="Diamond 181"/>
+                      <p:cNvSpPr/>
+                      <p:nvPr/>
+                    </p:nvSpPr>
+                    <p:spPr>
+                      <a:xfrm>
+                        <a:off x="9090711" y="4247148"/>
+                        <a:ext cx="587141" cy="404261"/>
+                      </a:xfrm>
+                      <a:prstGeom prst="diamond">
+                        <a:avLst/>
+                      </a:prstGeom>
+                      <a:noFill/>
+                      <a:ln w="28575">
+                        <a:solidFill>
+                          <a:schemeClr val="tx1"/>
+                        </a:solidFill>
+                      </a:ln>
+                    </p:spPr>
+                    <p:style>
+                      <a:lnRef idx="2">
+                        <a:schemeClr val="accent1">
+                          <a:shade val="50000"/>
+                        </a:schemeClr>
+                      </a:lnRef>
+                      <a:fillRef idx="1">
+                        <a:schemeClr val="accent1"/>
+                      </a:fillRef>
+                      <a:effectRef idx="0">
+                        <a:schemeClr val="accent1"/>
+                      </a:effectRef>
+                      <a:fontRef idx="minor">
+                        <a:schemeClr val="lt1"/>
+                      </a:fontRef>
+                    </p:style>
+                    <p:txBody>
+                      <a:bodyPr rtlCol="0" anchor="ctr"/>
+                      <a:lstStyle/>
+                      <a:p>
+                        <a:pPr algn="ctr"/>
+                        <a:endParaRPr lang="en-SG"/>
+                      </a:p>
+                    </p:txBody>
+                  </p:sp>
+                  <p:sp>
+                    <p:nvSpPr>
+                      <p:cNvPr id="186" name="TextBox 185"/>
+                      <p:cNvSpPr txBox="1"/>
+                      <p:nvPr/>
+                    </p:nvSpPr>
+                    <p:spPr>
+                      <a:xfrm>
+                        <a:off x="9969109" y="4119761"/>
+                        <a:ext cx="577082" cy="338554"/>
+                      </a:xfrm>
+                      <a:prstGeom prst="rect">
+                        <a:avLst/>
+                      </a:prstGeom>
+                      <a:noFill/>
+                    </p:spPr>
+                    <p:txBody>
+                      <a:bodyPr wrap="none" rtlCol="0">
+                        <a:spAutoFit/>
+                      </a:bodyPr>
+                      <a:lstStyle/>
+                      <a:p>
+                        <a:pPr algn="ctr"/>
+                        <a:r>
+                          <a:rPr lang="en-SG" sz="1600" dirty="0" smtClean="0"/>
+                          <a:t>[Yes]</a:t>
+                        </a:r>
+                        <a:endParaRPr lang="en-SG" sz="1600" dirty="0"/>
+                      </a:p>
+                    </p:txBody>
+                  </p:sp>
+                  <p:sp>
+                    <p:nvSpPr>
+                      <p:cNvPr id="187" name="TextBox 186"/>
+                      <p:cNvSpPr txBox="1"/>
+                      <p:nvPr/>
+                    </p:nvSpPr>
+                    <p:spPr>
+                      <a:xfrm>
+                        <a:off x="8171842" y="4623330"/>
+                        <a:ext cx="2372635" cy="584775"/>
+                      </a:xfrm>
+                      <a:prstGeom prst="rect">
+                        <a:avLst/>
+                      </a:prstGeom>
+                      <a:noFill/>
+                    </p:spPr>
+                    <p:txBody>
+                      <a:bodyPr wrap="square" rtlCol="0">
+                        <a:spAutoFit/>
+                      </a:bodyPr>
+                      <a:lstStyle/>
+                      <a:p>
+                        <a:pPr algn="ctr"/>
+                        <a:r>
+                          <a:rPr lang="en-SG" sz="1600" dirty="0" smtClean="0"/>
+                          <a:t>Does command require user response?</a:t>
+                        </a:r>
+                        <a:endParaRPr lang="en-SG" sz="1600" dirty="0"/>
+                      </a:p>
+                    </p:txBody>
+                  </p:sp>
+                  <p:cxnSp>
+                    <p:nvCxnSpPr>
+                      <p:cNvPr id="188" name="Straight Arrow Connector 187"/>
+                      <p:cNvCxnSpPr>
+                        <a:stCxn id="182" idx="3"/>
+                        <a:endCxn id="174" idx="2"/>
+                      </p:cNvCxnSpPr>
+                      <p:nvPr/>
+                    </p:nvCxnSpPr>
+                    <p:spPr>
+                      <a:xfrm flipV="1">
+                        <a:off x="9677852" y="4443660"/>
+                        <a:ext cx="1219034" cy="5619"/>
+                      </a:xfrm>
+                      <a:prstGeom prst="straightConnector1">
+                        <a:avLst/>
+                      </a:prstGeom>
+                      <a:ln w="19050">
+                        <a:solidFill>
+                          <a:schemeClr val="tx1"/>
+                        </a:solidFill>
+                        <a:tailEnd type="arrow"/>
+                      </a:ln>
+                    </p:spPr>
+                    <p:style>
+                      <a:lnRef idx="1">
+                        <a:schemeClr val="accent1"/>
+                      </a:lnRef>
+                      <a:fillRef idx="0">
+                        <a:schemeClr val="accent1"/>
+                      </a:fillRef>
+                      <a:effectRef idx="0">
+                        <a:schemeClr val="accent1"/>
+                      </a:effectRef>
+                      <a:fontRef idx="minor">
+                        <a:schemeClr val="tx1"/>
+                      </a:fontRef>
+                    </p:style>
+                  </p:cxnSp>
+                  <p:sp>
+                    <p:nvSpPr>
+                      <p:cNvPr id="191" name="TextBox 190"/>
+                      <p:cNvSpPr txBox="1"/>
+                      <p:nvPr/>
+                    </p:nvSpPr>
+                    <p:spPr>
+                      <a:xfrm>
+                        <a:off x="5010495" y="2465678"/>
+                        <a:ext cx="577082" cy="338554"/>
+                      </a:xfrm>
+                      <a:prstGeom prst="rect">
+                        <a:avLst/>
+                      </a:prstGeom>
+                      <a:noFill/>
+                    </p:spPr>
+                    <p:txBody>
+                      <a:bodyPr wrap="none" rtlCol="0">
+                        <a:spAutoFit/>
+                      </a:bodyPr>
+                      <a:lstStyle/>
+                      <a:p>
+                        <a:pPr algn="ctr"/>
+                        <a:r>
+                          <a:rPr lang="en-SG" sz="1600" dirty="0" smtClean="0"/>
+                          <a:t>[Yes]</a:t>
+                        </a:r>
+                        <a:endParaRPr lang="en-SG" sz="1600" dirty="0"/>
+                      </a:p>
+                    </p:txBody>
+                  </p:sp>
+                  <p:sp>
+                    <p:nvSpPr>
+                      <p:cNvPr id="192" name="Diamond 191"/>
+                      <p:cNvSpPr/>
+                      <p:nvPr/>
+                    </p:nvSpPr>
+                    <p:spPr>
+                      <a:xfrm>
+                        <a:off x="7336405" y="4247148"/>
+                        <a:ext cx="587141" cy="404261"/>
+                      </a:xfrm>
+                      <a:prstGeom prst="diamond">
+                        <a:avLst/>
+                      </a:prstGeom>
+                      <a:noFill/>
+                      <a:ln w="28575">
+                        <a:solidFill>
+                          <a:schemeClr val="tx1"/>
+                        </a:solidFill>
+                      </a:ln>
+                    </p:spPr>
+                    <p:style>
+                      <a:lnRef idx="2">
+                        <a:schemeClr val="accent1">
+                          <a:shade val="50000"/>
+                        </a:schemeClr>
+                      </a:lnRef>
+                      <a:fillRef idx="1">
+                        <a:schemeClr val="accent1"/>
+                      </a:fillRef>
+                      <a:effectRef idx="0">
+                        <a:schemeClr val="accent1"/>
+                      </a:effectRef>
+                      <a:fontRef idx="minor">
+                        <a:schemeClr val="lt1"/>
+                      </a:fontRef>
+                    </p:style>
+                    <p:txBody>
+                      <a:bodyPr rtlCol="0" anchor="ctr"/>
+                      <a:lstStyle/>
+                      <a:p>
+                        <a:pPr algn="ctr"/>
+                        <a:endParaRPr lang="en-SG"/>
+                      </a:p>
+                    </p:txBody>
+                  </p:sp>
+                  <p:cxnSp>
+                    <p:nvCxnSpPr>
+                      <p:cNvPr id="195" name="Straight Arrow Connector 194"/>
+                      <p:cNvCxnSpPr>
+                        <a:stCxn id="182" idx="1"/>
+                        <a:endCxn id="192" idx="3"/>
+                      </p:cNvCxnSpPr>
+                      <p:nvPr/>
+                    </p:nvCxnSpPr>
+                    <p:spPr>
+                      <a:xfrm flipH="1">
+                        <a:off x="7923546" y="4449279"/>
+                        <a:ext cx="1167165" cy="0"/>
+                      </a:xfrm>
+                      <a:prstGeom prst="straightConnector1">
+                        <a:avLst/>
+                      </a:prstGeom>
+                      <a:ln w="19050">
+                        <a:solidFill>
+                          <a:schemeClr val="tx1"/>
+                        </a:solidFill>
+                        <a:tailEnd type="arrow"/>
+                      </a:ln>
+                    </p:spPr>
+                    <p:style>
+                      <a:lnRef idx="1">
+                        <a:schemeClr val="accent1"/>
+                      </a:lnRef>
+                      <a:fillRef idx="0">
+                        <a:schemeClr val="accent1"/>
+                      </a:fillRef>
+                      <a:effectRef idx="0">
+                        <a:schemeClr val="accent1"/>
+                      </a:effectRef>
+                      <a:fontRef idx="minor">
+                        <a:schemeClr val="tx1"/>
+                      </a:fontRef>
+                    </p:style>
+                  </p:cxnSp>
+                  <p:sp>
+                    <p:nvSpPr>
+                      <p:cNvPr id="198" name="TextBox 197"/>
+                      <p:cNvSpPr txBox="1"/>
+                      <p:nvPr/>
+                    </p:nvSpPr>
+                    <p:spPr>
+                      <a:xfrm>
+                        <a:off x="8390395" y="4132551"/>
+                        <a:ext cx="551754" cy="338554"/>
+                      </a:xfrm>
+                      <a:prstGeom prst="rect">
+                        <a:avLst/>
+                      </a:prstGeom>
+                      <a:noFill/>
+                    </p:spPr>
+                    <p:txBody>
+                      <a:bodyPr wrap="none" rtlCol="0">
+                        <a:spAutoFit/>
+                      </a:bodyPr>
+                      <a:lstStyle/>
+                      <a:p>
+                        <a:pPr algn="ctr"/>
+                        <a:r>
+                          <a:rPr lang="en-SG" sz="1600" dirty="0" smtClean="0"/>
+                          <a:t>[No]</a:t>
+                        </a:r>
+                        <a:endParaRPr lang="en-SG" sz="1600" dirty="0"/>
+                      </a:p>
+                    </p:txBody>
+                  </p:sp>
+                  <p:sp>
+                    <p:nvSpPr>
+                      <p:cNvPr id="199" name="TextBox 198"/>
+                      <p:cNvSpPr txBox="1"/>
+                      <p:nvPr/>
+                    </p:nvSpPr>
+                    <p:spPr>
+                      <a:xfrm>
+                        <a:off x="6572447" y="4612075"/>
+                        <a:ext cx="1955540" cy="584775"/>
+                      </a:xfrm>
+                      <a:prstGeom prst="rect">
+                        <a:avLst/>
+                      </a:prstGeom>
+                      <a:noFill/>
+                    </p:spPr>
+                    <p:txBody>
+                      <a:bodyPr wrap="square" rtlCol="0">
+                        <a:spAutoFit/>
+                      </a:bodyPr>
+                      <a:lstStyle/>
+                      <a:p>
+                        <a:pPr algn="ctr"/>
+                        <a:r>
+                          <a:rPr lang="en-SG" sz="1600" dirty="0" smtClean="0"/>
+                          <a:t>Does command mutate data?</a:t>
+                        </a:r>
+                        <a:endParaRPr lang="en-SG" sz="1600" dirty="0"/>
+                      </a:p>
+                    </p:txBody>
+                  </p:sp>
+                  <p:cxnSp>
+                    <p:nvCxnSpPr>
+                      <p:cNvPr id="200" name="Straight Arrow Connector 199"/>
+                      <p:cNvCxnSpPr>
+                        <a:stCxn id="192" idx="1"/>
+                        <a:endCxn id="213" idx="3"/>
+                      </p:cNvCxnSpPr>
+                      <p:nvPr/>
+                    </p:nvCxnSpPr>
+                    <p:spPr>
+                      <a:xfrm flipH="1" flipV="1">
+                        <a:off x="4733508" y="4413183"/>
+                        <a:ext cx="2602897" cy="36096"/>
+                      </a:xfrm>
+                      <a:prstGeom prst="straightConnector1">
+                        <a:avLst/>
+                      </a:prstGeom>
+                      <a:ln w="19050">
+                        <a:solidFill>
+                          <a:schemeClr val="tx1"/>
+                        </a:solidFill>
+                        <a:tailEnd type="arrow"/>
+                      </a:ln>
+                    </p:spPr>
+                    <p:style>
+                      <a:lnRef idx="1">
+                        <a:schemeClr val="accent1"/>
+                      </a:lnRef>
+                      <a:fillRef idx="0">
+                        <a:schemeClr val="accent1"/>
+                      </a:fillRef>
+                      <a:effectRef idx="0">
+                        <a:schemeClr val="accent1"/>
+                      </a:effectRef>
+                      <a:fontRef idx="minor">
+                        <a:schemeClr val="tx1"/>
+                      </a:fontRef>
+                    </p:style>
+                  </p:cxnSp>
+                  <p:cxnSp>
+                    <p:nvCxnSpPr>
+                      <p:cNvPr id="203" name="Straight Arrow Connector 202"/>
+                      <p:cNvCxnSpPr>
+                        <a:stCxn id="192" idx="0"/>
+                        <a:endCxn id="206" idx="3"/>
+                      </p:cNvCxnSpPr>
+                      <p:nvPr/>
+                    </p:nvCxnSpPr>
+                    <p:spPr>
+                      <a:xfrm flipH="1" flipV="1">
+                        <a:off x="4715862" y="2932495"/>
+                        <a:ext cx="2914114" cy="1314653"/>
+                      </a:xfrm>
+                      <a:prstGeom prst="straightConnector1">
+                        <a:avLst/>
+                      </a:prstGeom>
+                      <a:ln w="19050">
+                        <a:solidFill>
+                          <a:schemeClr val="tx1"/>
+                        </a:solidFill>
+                        <a:tailEnd type="arrow"/>
+                      </a:ln>
+                    </p:spPr>
+                    <p:style>
+                      <a:lnRef idx="1">
+                        <a:schemeClr val="accent1"/>
+                      </a:lnRef>
+                      <a:fillRef idx="0">
+                        <a:schemeClr val="accent1"/>
+                      </a:fillRef>
+                      <a:effectRef idx="0">
+                        <a:schemeClr val="accent1"/>
+                      </a:effectRef>
+                      <a:fontRef idx="minor">
+                        <a:schemeClr val="tx1"/>
+                      </a:fontRef>
+                    </p:style>
+                  </p:cxnSp>
+                  <p:sp>
+                    <p:nvSpPr>
+                      <p:cNvPr id="206" name="Rounded Rectangle 205"/>
+                      <p:cNvSpPr/>
+                      <p:nvPr/>
+                    </p:nvSpPr>
+                    <p:spPr>
+                      <a:xfrm>
+                        <a:off x="2877438" y="2537858"/>
+                        <a:ext cx="1838424" cy="789273"/>
+                      </a:xfrm>
+                      <a:prstGeom prst="roundRect">
+                        <a:avLst/>
+                      </a:prstGeom>
+                      <a:noFill/>
+                      <a:ln w="28575">
+                        <a:solidFill>
+                          <a:schemeClr val="tx1"/>
+                        </a:solidFill>
+                      </a:ln>
+                    </p:spPr>
+                    <p:style>
+                      <a:lnRef idx="2">
+                        <a:schemeClr val="accent1">
+                          <a:shade val="50000"/>
+                        </a:schemeClr>
+                      </a:lnRef>
+                      <a:fillRef idx="1">
+                        <a:schemeClr val="accent1"/>
+                      </a:fillRef>
+                      <a:effectRef idx="0">
+                        <a:schemeClr val="accent1"/>
+                      </a:effectRef>
+                      <a:fontRef idx="minor">
+                        <a:schemeClr val="lt1"/>
+                      </a:fontRef>
+                    </p:style>
+                    <p:txBody>
+                      <a:bodyPr rtlCol="0" anchor="ctr"/>
+                      <a:lstStyle/>
+                      <a:p>
+                        <a:pPr algn="ctr"/>
+                        <a:r>
+                          <a:rPr lang="en-SG" sz="1600" dirty="0" err="1" smtClean="0">
+                            <a:solidFill>
+                              <a:schemeClr val="tx1"/>
+                            </a:solidFill>
+                          </a:rPr>
+                          <a:t>Linenux</a:t>
+                        </a:r>
+                        <a:r>
+                          <a:rPr lang="en-SG" sz="1600" dirty="0" smtClean="0">
+                            <a:solidFill>
+                              <a:schemeClr val="tx1"/>
+                            </a:solidFill>
+                          </a:rPr>
+                          <a:t> display execution result</a:t>
+                        </a:r>
+                        <a:endParaRPr lang="en-SG" sz="1600" dirty="0">
+                          <a:solidFill>
+                            <a:schemeClr val="tx1"/>
+                          </a:solidFill>
+                        </a:endParaRPr>
+                      </a:p>
+                    </p:txBody>
+                  </p:sp>
+                  <p:cxnSp>
+                    <p:nvCxnSpPr>
+                      <p:cNvPr id="208" name="Straight Arrow Connector 207"/>
+                      <p:cNvCxnSpPr>
+                        <a:stCxn id="206" idx="1"/>
+                        <a:endCxn id="70" idx="2"/>
+                      </p:cNvCxnSpPr>
+                      <p:nvPr/>
+                    </p:nvCxnSpPr>
+                    <p:spPr>
+                      <a:xfrm flipH="1" flipV="1">
+                        <a:off x="1833629" y="2048555"/>
+                        <a:ext cx="1043809" cy="883940"/>
+                      </a:xfrm>
+                      <a:prstGeom prst="straightConnector1">
+                        <a:avLst/>
+                      </a:prstGeom>
+                      <a:ln w="19050">
+                        <a:solidFill>
+                          <a:schemeClr val="tx1"/>
+                        </a:solidFill>
+                        <a:tailEnd type="arrow"/>
+                      </a:ln>
+                    </p:spPr>
+                    <p:style>
+                      <a:lnRef idx="1">
+                        <a:schemeClr val="accent1"/>
+                      </a:lnRef>
+                      <a:fillRef idx="0">
+                        <a:schemeClr val="accent1"/>
+                      </a:fillRef>
+                      <a:effectRef idx="0">
+                        <a:schemeClr val="accent1"/>
+                      </a:effectRef>
+                      <a:fontRef idx="minor">
+                        <a:schemeClr val="tx1"/>
+                      </a:fontRef>
+                    </p:style>
+                  </p:cxnSp>
+                  <p:sp>
+                    <p:nvSpPr>
+                      <p:cNvPr id="211" name="TextBox 210"/>
+                      <p:cNvSpPr txBox="1"/>
+                      <p:nvPr/>
+                    </p:nvSpPr>
+                    <p:spPr>
+                      <a:xfrm>
+                        <a:off x="6117227" y="3319120"/>
+                        <a:ext cx="551754" cy="338554"/>
+                      </a:xfrm>
+                      <a:prstGeom prst="rect">
+                        <a:avLst/>
+                      </a:prstGeom>
+                      <a:noFill/>
+                    </p:spPr>
+                    <p:txBody>
+                      <a:bodyPr wrap="none" rtlCol="0">
+                        <a:spAutoFit/>
+                      </a:bodyPr>
+                      <a:lstStyle/>
+                      <a:p>
+                        <a:pPr algn="ctr"/>
+                        <a:r>
+                          <a:rPr lang="en-SG" sz="1600" dirty="0" smtClean="0"/>
+                          <a:t>[No]</a:t>
+                        </a:r>
+                        <a:endParaRPr lang="en-SG" sz="1600" dirty="0"/>
+                      </a:p>
+                    </p:txBody>
+                  </p:sp>
+                  <p:sp>
+                    <p:nvSpPr>
+                      <p:cNvPr id="212" name="TextBox 211"/>
+                      <p:cNvSpPr txBox="1"/>
+                      <p:nvPr/>
+                    </p:nvSpPr>
+                    <p:spPr>
+                      <a:xfrm>
+                        <a:off x="5777304" y="4105318"/>
+                        <a:ext cx="577082" cy="338554"/>
+                      </a:xfrm>
+                      <a:prstGeom prst="rect">
+                        <a:avLst/>
+                      </a:prstGeom>
+                      <a:noFill/>
+                    </p:spPr>
+                    <p:txBody>
+                      <a:bodyPr wrap="none" rtlCol="0">
+                        <a:spAutoFit/>
+                      </a:bodyPr>
+                      <a:lstStyle/>
+                      <a:p>
+                        <a:pPr algn="ctr"/>
+                        <a:r>
+                          <a:rPr lang="en-SG" sz="1600" dirty="0" smtClean="0"/>
+                          <a:t>[Yes]</a:t>
+                        </a:r>
+                        <a:endParaRPr lang="en-SG" sz="1600" dirty="0"/>
+                      </a:p>
+                    </p:txBody>
+                  </p:sp>
+                  <p:sp>
+                    <p:nvSpPr>
+                      <p:cNvPr id="213" name="Rounded Rectangle 212"/>
+                      <p:cNvSpPr/>
+                      <p:nvPr/>
+                    </p:nvSpPr>
+                    <p:spPr>
+                      <a:xfrm>
+                        <a:off x="2895084" y="4018546"/>
+                        <a:ext cx="1838424" cy="789273"/>
+                      </a:xfrm>
+                      <a:prstGeom prst="roundRect">
+                        <a:avLst/>
+                      </a:prstGeom>
+                      <a:noFill/>
+                      <a:ln w="28575">
+                        <a:solidFill>
+                          <a:schemeClr val="tx1"/>
+                        </a:solidFill>
+                      </a:ln>
+                    </p:spPr>
+                    <p:style>
+                      <a:lnRef idx="2">
+                        <a:schemeClr val="accent1">
+                          <a:shade val="50000"/>
+                        </a:schemeClr>
+                      </a:lnRef>
+                      <a:fillRef idx="1">
+                        <a:schemeClr val="accent1"/>
+                      </a:fillRef>
+                      <a:effectRef idx="0">
+                        <a:schemeClr val="accent1"/>
+                      </a:effectRef>
+                      <a:fontRef idx="minor">
+                        <a:schemeClr val="lt1"/>
+                      </a:fontRef>
+                    </p:style>
+                    <p:txBody>
+                      <a:bodyPr rtlCol="0" anchor="ctr"/>
+                      <a:lstStyle/>
+                      <a:p>
+                        <a:pPr algn="ctr"/>
+                        <a:r>
+                          <a:rPr lang="en-SG" sz="1600" dirty="0" err="1" smtClean="0">
+                            <a:solidFill>
+                              <a:schemeClr val="tx1"/>
+                            </a:solidFill>
+                          </a:rPr>
+                          <a:t>Linenux</a:t>
+                        </a:r>
+                        <a:r>
+                          <a:rPr lang="en-SG" sz="1600" dirty="0" smtClean="0">
+                            <a:solidFill>
+                              <a:schemeClr val="tx1"/>
+                            </a:solidFill>
+                          </a:rPr>
+                          <a:t> creates new state in schedule</a:t>
+                        </a:r>
+                        <a:endParaRPr lang="en-SG" sz="1600" dirty="0">
+                          <a:solidFill>
+                            <a:schemeClr val="tx1"/>
+                          </a:solidFill>
+                        </a:endParaRPr>
+                      </a:p>
+                    </p:txBody>
+                  </p:sp>
+                  <p:cxnSp>
+                    <p:nvCxnSpPr>
+                      <p:cNvPr id="215" name="Straight Arrow Connector 214"/>
+                      <p:cNvCxnSpPr>
+                        <a:stCxn id="213" idx="0"/>
+                        <a:endCxn id="206" idx="2"/>
+                      </p:cNvCxnSpPr>
+                      <p:nvPr/>
+                    </p:nvCxnSpPr>
+                    <p:spPr>
+                      <a:xfrm flipH="1" flipV="1">
+                        <a:off x="3796650" y="3327131"/>
+                        <a:ext cx="17646" cy="691415"/>
+                      </a:xfrm>
+                      <a:prstGeom prst="straightConnector1">
+                        <a:avLst/>
+                      </a:prstGeom>
+                      <a:ln w="19050">
+                        <a:solidFill>
+                          <a:schemeClr val="tx1"/>
+                        </a:solidFill>
+                        <a:tailEnd type="arrow"/>
+                      </a:ln>
+                    </p:spPr>
+                    <p:style>
+                      <a:lnRef idx="1">
+                        <a:schemeClr val="accent1"/>
+                      </a:lnRef>
+                      <a:fillRef idx="0">
+                        <a:schemeClr val="accent1"/>
+                      </a:fillRef>
+                      <a:effectRef idx="0">
+                        <a:schemeClr val="accent1"/>
+                      </a:effectRef>
+                      <a:fontRef idx="minor">
+                        <a:schemeClr val="tx1"/>
+                      </a:fontRef>
+                    </p:style>
+                  </p:cxnSp>
+                </p:grpSp>
+              </p:grpSp>
+              <p:grpSp>
+                <p:nvGrpSpPr>
+                  <p:cNvPr id="418" name="Group 417"/>
+                  <p:cNvGrpSpPr/>
+                  <p:nvPr/>
+                </p:nvGrpSpPr>
+                <p:grpSpPr>
+                  <a:xfrm>
+                    <a:off x="-67385" y="-946619"/>
+                    <a:ext cx="8112108" cy="3262341"/>
+                    <a:chOff x="-67385" y="-946619"/>
+                    <a:chExt cx="8112108" cy="3262341"/>
+                  </a:xfrm>
+                </p:grpSpPr>
+                <p:grpSp>
+                  <p:nvGrpSpPr>
+                    <p:cNvPr id="408" name="Group 407"/>
+                    <p:cNvGrpSpPr/>
+                    <p:nvPr/>
+                  </p:nvGrpSpPr>
+                  <p:grpSpPr>
+                    <a:xfrm>
+                      <a:off x="-67385" y="-946619"/>
+                      <a:ext cx="8112108" cy="3262341"/>
+                      <a:chOff x="-67385" y="-946619"/>
+                      <a:chExt cx="8112108" cy="3262341"/>
+                    </a:xfrm>
+                  </p:grpSpPr>
+                  <p:sp>
+                    <p:nvSpPr>
+                      <p:cNvPr id="366" name="TextBox 365"/>
+                      <p:cNvSpPr txBox="1"/>
+                      <p:nvPr/>
+                    </p:nvSpPr>
+                    <p:spPr>
+                      <a:xfrm>
+                        <a:off x="5377056" y="807060"/>
+                        <a:ext cx="577082" cy="338554"/>
+                      </a:xfrm>
+                      <a:prstGeom prst="rect">
+                        <a:avLst/>
+                      </a:prstGeom>
+                      <a:noFill/>
+                    </p:spPr>
+                    <p:txBody>
+                      <a:bodyPr wrap="none" rtlCol="0">
+                        <a:spAutoFit/>
+                      </a:bodyPr>
+                      <a:lstStyle/>
+                      <a:p>
+                        <a:pPr algn="ctr"/>
+                        <a:r>
+                          <a:rPr lang="en-SG" sz="1600" dirty="0" smtClean="0"/>
+                          <a:t>[Yes]</a:t>
+                        </a:r>
+                        <a:endParaRPr lang="en-SG" sz="1600" dirty="0"/>
+                      </a:p>
+                    </p:txBody>
+                  </p:sp>
+                  <p:grpSp>
+                    <p:nvGrpSpPr>
+                      <p:cNvPr id="407" name="Group 406"/>
+                      <p:cNvGrpSpPr/>
+                      <p:nvPr/>
+                    </p:nvGrpSpPr>
+                    <p:grpSpPr>
+                      <a:xfrm>
+                        <a:off x="-67385" y="-946619"/>
+                        <a:ext cx="8112108" cy="3262341"/>
+                        <a:chOff x="-270585" y="-832319"/>
+                        <a:chExt cx="8112108" cy="3262341"/>
+                      </a:xfrm>
+                    </p:grpSpPr>
+                    <p:cxnSp>
+                      <p:nvCxnSpPr>
+                        <p:cNvPr id="343" name="Straight Arrow Connector 342"/>
+                        <p:cNvCxnSpPr>
+                          <a:stCxn id="338" idx="0"/>
+                          <a:endCxn id="50" idx="2"/>
+                        </p:cNvCxnSpPr>
+                        <p:nvPr/>
+                      </p:nvCxnSpPr>
+                      <p:spPr>
+                        <a:xfrm flipV="1">
+                          <a:off x="5740407" y="789273"/>
+                          <a:ext cx="12699" cy="633260"/>
+                        </a:xfrm>
+                        <a:prstGeom prst="straightConnector1">
+                          <a:avLst/>
+                        </a:prstGeom>
+                        <a:ln w="19050">
+                          <a:solidFill>
+                            <a:schemeClr val="tx1"/>
+                          </a:solidFill>
+                          <a:tailEnd type="arrow"/>
+                        </a:ln>
+                      </p:spPr>
+                      <p:style>
+                        <a:lnRef idx="1">
+                          <a:schemeClr val="accent1"/>
+                        </a:lnRef>
+                        <a:fillRef idx="0">
+                          <a:schemeClr val="accent1"/>
+                        </a:fillRef>
+                        <a:effectRef idx="0">
+                          <a:schemeClr val="accent1"/>
+                        </a:effectRef>
+                        <a:fontRef idx="minor">
+                          <a:schemeClr val="tx1"/>
+                        </a:fontRef>
+                      </p:style>
+                    </p:cxnSp>
+                    <p:cxnSp>
+                      <p:nvCxnSpPr>
+                        <p:cNvPr id="369" name="Straight Arrow Connector 368"/>
+                        <p:cNvCxnSpPr>
+                          <a:stCxn id="338" idx="3"/>
+                          <a:endCxn id="411" idx="2"/>
+                        </p:cNvCxnSpPr>
+                        <p:nvPr/>
+                      </p:nvCxnSpPr>
+                      <p:spPr>
+                        <a:xfrm>
+                          <a:off x="6033977" y="1624664"/>
+                          <a:ext cx="1131781" cy="5439"/>
+                        </a:xfrm>
+                        <a:prstGeom prst="straightConnector1">
+                          <a:avLst/>
+                        </a:prstGeom>
+                        <a:ln w="19050">
+                          <a:solidFill>
+                            <a:schemeClr val="tx1"/>
+                          </a:solidFill>
+                          <a:tailEnd type="arrow"/>
+                        </a:ln>
+                      </p:spPr>
+                      <p:style>
+                        <a:lnRef idx="1">
+                          <a:schemeClr val="accent1"/>
+                        </a:lnRef>
+                        <a:fillRef idx="0">
+                          <a:schemeClr val="accent1"/>
+                        </a:fillRef>
+                        <a:effectRef idx="0">
+                          <a:schemeClr val="accent1"/>
+                        </a:effectRef>
+                        <a:fontRef idx="minor">
+                          <a:schemeClr val="tx1"/>
+                        </a:fontRef>
+                      </p:style>
+                    </p:cxnSp>
                     <p:grpSp>
                       <p:nvGrpSpPr>
-                        <p:cNvPr id="392" name="Group 391"/>
+                        <p:cNvPr id="406" name="Group 405"/>
                         <p:cNvGrpSpPr/>
                         <p:nvPr/>
                       </p:nvGrpSpPr>
                       <p:grpSpPr>
                         <a:xfrm>
-                          <a:off x="0" y="-832319"/>
-                          <a:ext cx="7581640" cy="3262341"/>
-                          <a:chOff x="0" y="-832319"/>
-                          <a:chExt cx="7581640" cy="3262341"/>
+                          <a:off x="-270585" y="-832319"/>
+                          <a:ext cx="8112108" cy="3262341"/>
+                          <a:chOff x="-270585" y="-832319"/>
+                          <a:chExt cx="8112108" cy="3262341"/>
                         </a:xfrm>
                       </p:grpSpPr>
                       <p:grpSp>
                         <p:nvGrpSpPr>
-                          <p:cNvPr id="368" name="Group 367"/>
+                          <p:cNvPr id="399" name="Group 398"/>
                           <p:cNvGrpSpPr/>
                           <p:nvPr/>
                         </p:nvGrpSpPr>
                         <p:grpSpPr>
                           <a:xfrm>
-                            <a:off x="0" y="-832319"/>
-                            <a:ext cx="7581640" cy="3262341"/>
-                            <a:chOff x="0" y="-832319"/>
-                            <a:chExt cx="7581640" cy="3262341"/>
+                            <a:off x="-270585" y="-832319"/>
+                            <a:ext cx="7852225" cy="3262341"/>
+                            <a:chOff x="-270585" y="-832319"/>
+                            <a:chExt cx="7852225" cy="3262341"/>
                           </a:xfrm>
                         </p:grpSpPr>
+                        <p:sp>
+                          <p:nvSpPr>
+                            <p:cNvPr id="372" name="TextBox 371"/>
+                            <p:cNvSpPr txBox="1"/>
+                            <p:nvPr/>
+                          </p:nvSpPr>
+                          <p:spPr>
+                            <a:xfrm>
+                              <a:off x="1948019" y="127000"/>
+                              <a:ext cx="551754" cy="338554"/>
+                            </a:xfrm>
+                            <a:prstGeom prst="rect">
+                              <a:avLst/>
+                            </a:prstGeom>
+                            <a:noFill/>
+                          </p:spPr>
+                          <p:txBody>
+                            <a:bodyPr wrap="none" rtlCol="0">
+                              <a:spAutoFit/>
+                            </a:bodyPr>
+                            <a:lstStyle/>
+                            <a:p>
+                              <a:pPr algn="ctr"/>
+                              <a:r>
+                                <a:rPr lang="en-SG" sz="1600" dirty="0" smtClean="0"/>
+                                <a:t>[No]</a:t>
+                              </a:r>
+                              <a:endParaRPr lang="en-SG" sz="1600" dirty="0"/>
+                            </a:p>
+                          </p:txBody>
+                        </p:sp>
                         <p:grpSp>
                           <p:nvGrpSpPr>
-                            <p:cNvPr id="339" name="Group 338"/>
+                            <p:cNvPr id="398" name="Group 397"/>
                             <p:cNvGrpSpPr/>
                             <p:nvPr/>
                           </p:nvGrpSpPr>
                           <p:grpSpPr>
                             <a:xfrm>
-                              <a:off x="0" y="-832319"/>
-                              <a:ext cx="7581640" cy="3262341"/>
-                              <a:chOff x="127801" y="-819619"/>
-                              <a:chExt cx="7581640" cy="3262341"/>
+                              <a:off x="-270585" y="-832319"/>
+                              <a:ext cx="7852225" cy="3262341"/>
+                              <a:chOff x="-270585" y="-832319"/>
+                              <a:chExt cx="7852225" cy="3262341"/>
                             </a:xfrm>
                           </p:grpSpPr>
                           <p:grpSp>
                             <p:nvGrpSpPr>
-                              <p:cNvPr id="326" name="Group 325"/>
+                              <p:cNvPr id="392" name="Group 391"/>
                               <p:cNvGrpSpPr/>
                               <p:nvPr/>
                             </p:nvGrpSpPr>
                             <p:grpSpPr>
                               <a:xfrm>
-                                <a:off x="127801" y="-819619"/>
+                                <a:off x="0" y="-832319"/>
                                 <a:ext cx="7581640" cy="3262341"/>
-                                <a:chOff x="-1751799" y="4031781"/>
+                                <a:chOff x="0" y="-832319"/>
                                 <a:chExt cx="7581640" cy="3262341"/>
                               </a:xfrm>
                             </p:grpSpPr>
+                            <p:grpSp>
+                              <p:nvGrpSpPr>
+                                <p:cNvPr id="368" name="Group 367"/>
+                                <p:cNvGrpSpPr/>
+                                <p:nvPr/>
+                              </p:nvGrpSpPr>
+                              <p:grpSpPr>
+                                <a:xfrm>
+                                  <a:off x="0" y="-832319"/>
+                                  <a:ext cx="7581640" cy="3262341"/>
+                                  <a:chOff x="0" y="-832319"/>
+                                  <a:chExt cx="7581640" cy="3262341"/>
+                                </a:xfrm>
+                              </p:grpSpPr>
+                              <p:grpSp>
+                                <p:nvGrpSpPr>
+                                  <p:cNvPr id="339" name="Group 338"/>
+                                  <p:cNvGrpSpPr/>
+                                  <p:nvPr/>
+                                </p:nvGrpSpPr>
+                                <p:grpSpPr>
+                                  <a:xfrm>
+                                    <a:off x="0" y="-832319"/>
+                                    <a:ext cx="7581640" cy="3262341"/>
+                                    <a:chOff x="127801" y="-819619"/>
+                                    <a:chExt cx="7581640" cy="3262341"/>
+                                  </a:xfrm>
+                                </p:grpSpPr>
+                                <p:grpSp>
+                                  <p:nvGrpSpPr>
+                                    <p:cNvPr id="326" name="Group 325"/>
+                                    <p:cNvGrpSpPr/>
+                                    <p:nvPr/>
+                                  </p:nvGrpSpPr>
+                                  <p:grpSpPr>
+                                    <a:xfrm>
+                                      <a:off x="127801" y="-819619"/>
+                                      <a:ext cx="7581640" cy="3262341"/>
+                                      <a:chOff x="-1751799" y="4031781"/>
+                                      <a:chExt cx="7581640" cy="3262341"/>
+                                    </a:xfrm>
+                                  </p:grpSpPr>
+                                  <p:sp>
+                                    <p:nvSpPr>
+                                      <p:cNvPr id="50" name="Rounded Rectangle 49"/>
+                                      <p:cNvSpPr/>
+                                      <p:nvPr/>
+                                    </p:nvSpPr>
+                                    <p:spPr>
+                                      <a:xfrm>
+                                        <a:off x="3082095" y="4864100"/>
+                                        <a:ext cx="1838424" cy="789273"/>
+                                      </a:xfrm>
+                                      <a:prstGeom prst="roundRect">
+                                        <a:avLst/>
+                                      </a:prstGeom>
+                                      <a:noFill/>
+                                      <a:ln w="28575">
+                                        <a:solidFill>
+                                          <a:schemeClr val="tx1"/>
+                                        </a:solidFill>
+                                      </a:ln>
+                                    </p:spPr>
+                                    <p:style>
+                                      <a:lnRef idx="2">
+                                        <a:schemeClr val="accent1">
+                                          <a:shade val="50000"/>
+                                        </a:schemeClr>
+                                      </a:lnRef>
+                                      <a:fillRef idx="1">
+                                        <a:schemeClr val="accent1"/>
+                                      </a:fillRef>
+                                      <a:effectRef idx="0">
+                                        <a:schemeClr val="accent1"/>
+                                      </a:effectRef>
+                                      <a:fontRef idx="minor">
+                                        <a:schemeClr val="lt1"/>
+                                      </a:fontRef>
+                                    </p:style>
+                                    <p:txBody>
+                                      <a:bodyPr rtlCol="0" anchor="ctr"/>
+                                      <a:lstStyle/>
+                                      <a:p>
+                                        <a:pPr algn="ctr"/>
+                                        <a:r>
+                                          <a:rPr lang="en-SG" sz="1600" dirty="0" err="1" smtClean="0">
+                                            <a:solidFill>
+                                              <a:schemeClr val="tx1"/>
+                                            </a:solidFill>
+                                          </a:rPr>
+                                          <a:t>Linenux</a:t>
+                                        </a:r>
+                                        <a:r>
+                                          <a:rPr lang="en-SG" sz="1600" dirty="0" smtClean="0">
+                                            <a:solidFill>
+                                              <a:schemeClr val="tx1"/>
+                                            </a:solidFill>
+                                          </a:rPr>
+                                          <a:t> reads Schedule</a:t>
+                                        </a:r>
+                                        <a:endParaRPr lang="en-SG" sz="1600" dirty="0">
+                                          <a:solidFill>
+                                            <a:schemeClr val="tx1"/>
+                                          </a:solidFill>
+                                        </a:endParaRPr>
+                                      </a:p>
+                                    </p:txBody>
+                                  </p:sp>
+                                  <p:sp>
+                                    <p:nvSpPr>
+                                      <p:cNvPr id="56" name="Oval 55"/>
+                                      <p:cNvSpPr/>
+                                      <p:nvPr/>
+                                    </p:nvSpPr>
+                                    <p:spPr>
+                                      <a:xfrm>
+                                        <a:off x="-1751799" y="6358822"/>
+                                        <a:ext cx="259883" cy="259883"/>
+                                      </a:xfrm>
+                                      <a:prstGeom prst="ellipse">
+                                        <a:avLst/>
+                                      </a:prstGeom>
+                                      <a:solidFill>
+                                        <a:schemeClr val="tx1"/>
+                                      </a:solidFill>
+                                      <a:ln>
+                                        <a:solidFill>
+                                          <a:schemeClr val="tx1"/>
+                                        </a:solidFill>
+                                      </a:ln>
+                                    </p:spPr>
+                                    <p:style>
+                                      <a:lnRef idx="2">
+                                        <a:schemeClr val="accent1">
+                                          <a:shade val="50000"/>
+                                        </a:schemeClr>
+                                      </a:lnRef>
+                                      <a:fillRef idx="1">
+                                        <a:schemeClr val="accent1"/>
+                                      </a:fillRef>
+                                      <a:effectRef idx="0">
+                                        <a:schemeClr val="accent1"/>
+                                      </a:effectRef>
+                                      <a:fontRef idx="minor">
+                                        <a:schemeClr val="lt1"/>
+                                      </a:fontRef>
+                                    </p:style>
+                                    <p:txBody>
+                                      <a:bodyPr rtlCol="0" anchor="ctr"/>
+                                      <a:lstStyle/>
+                                      <a:p>
+                                        <a:pPr algn="ctr"/>
+                                        <a:endParaRPr lang="en-SG"/>
+                                      </a:p>
+                                    </p:txBody>
+                                  </p:sp>
+                                  <p:sp>
+                                    <p:nvSpPr>
+                                      <p:cNvPr id="57" name="Diamond 56"/>
+                                      <p:cNvSpPr/>
+                                      <p:nvPr/>
+                                    </p:nvSpPr>
+                                    <p:spPr>
+                                      <a:xfrm>
+                                        <a:off x="-1024557" y="6286633"/>
+                                        <a:ext cx="587141" cy="404261"/>
+                                      </a:xfrm>
+                                      <a:prstGeom prst="diamond">
+                                        <a:avLst/>
+                                      </a:prstGeom>
+                                      <a:noFill/>
+                                      <a:ln w="28575">
+                                        <a:solidFill>
+                                          <a:schemeClr val="tx1"/>
+                                        </a:solidFill>
+                                      </a:ln>
+                                    </p:spPr>
+                                    <p:style>
+                                      <a:lnRef idx="2">
+                                        <a:schemeClr val="accent1">
+                                          <a:shade val="50000"/>
+                                        </a:schemeClr>
+                                      </a:lnRef>
+                                      <a:fillRef idx="1">
+                                        <a:schemeClr val="accent1"/>
+                                      </a:fillRef>
+                                      <a:effectRef idx="0">
+                                        <a:schemeClr val="accent1"/>
+                                      </a:effectRef>
+                                      <a:fontRef idx="minor">
+                                        <a:schemeClr val="lt1"/>
+                                      </a:fontRef>
+                                    </p:style>
+                                    <p:txBody>
+                                      <a:bodyPr rtlCol="0" anchor="ctr"/>
+                                      <a:lstStyle/>
+                                      <a:p>
+                                        <a:pPr algn="ctr"/>
+                                        <a:endParaRPr lang="en-SG"/>
+                                      </a:p>
+                                    </p:txBody>
+                                  </p:sp>
+                                  <p:cxnSp>
+                                    <p:nvCxnSpPr>
+                                      <p:cNvPr id="59" name="Straight Arrow Connector 58"/>
+                                      <p:cNvCxnSpPr>
+                                        <a:stCxn id="56" idx="6"/>
+                                        <a:endCxn id="57" idx="1"/>
+                                      </p:cNvCxnSpPr>
+                                      <p:nvPr/>
+                                    </p:nvCxnSpPr>
+                                    <p:spPr>
+                                      <a:xfrm>
+                                        <a:off x="-1491916" y="6488764"/>
+                                        <a:ext cx="467359" cy="0"/>
+                                      </a:xfrm>
+                                      <a:prstGeom prst="straightConnector1">
+                                        <a:avLst/>
+                                      </a:prstGeom>
+                                      <a:ln w="19050">
+                                        <a:solidFill>
+                                          <a:schemeClr val="tx1"/>
+                                        </a:solidFill>
+                                        <a:tailEnd type="arrow"/>
+                                      </a:ln>
+                                    </p:spPr>
+                                    <p:style>
+                                      <a:lnRef idx="1">
+                                        <a:schemeClr val="accent1"/>
+                                      </a:lnRef>
+                                      <a:fillRef idx="0">
+                                        <a:schemeClr val="accent1"/>
+                                      </a:fillRef>
+                                      <a:effectRef idx="0">
+                                        <a:schemeClr val="accent1"/>
+                                      </a:effectRef>
+                                      <a:fontRef idx="minor">
+                                        <a:schemeClr val="tx1"/>
+                                      </a:fontRef>
+                                    </p:style>
+                                  </p:cxnSp>
+                                  <p:sp>
+                                    <p:nvSpPr>
+                                      <p:cNvPr id="60" name="TextBox 59"/>
+                                      <p:cNvSpPr txBox="1"/>
+                                      <p:nvPr/>
+                                    </p:nvSpPr>
+                                    <p:spPr>
+                                      <a:xfrm>
+                                        <a:off x="-1637912" y="6709347"/>
+                                        <a:ext cx="1885644" cy="584775"/>
+                                      </a:xfrm>
+                                      <a:prstGeom prst="rect">
+                                        <a:avLst/>
+                                      </a:prstGeom>
+                                      <a:noFill/>
+                                    </p:spPr>
+                                    <p:txBody>
+                                      <a:bodyPr wrap="none" rtlCol="0">
+                                        <a:spAutoFit/>
+                                      </a:bodyPr>
+                                      <a:lstStyle/>
+                                      <a:p>
+                                        <a:pPr algn="ctr"/>
+                                        <a:r>
+                                          <a:rPr lang="en-SG" sz="1600" dirty="0" smtClean="0"/>
+                                          <a:t>Checks if there is an </a:t>
+                                        </a:r>
+                                      </a:p>
+                                      <a:p>
+                                        <a:pPr algn="ctr"/>
+                                        <a:r>
+                                          <a:rPr lang="en-SG" sz="1600" dirty="0" smtClean="0"/>
+                                          <a:t>existing Schedule</a:t>
+                                        </a:r>
+                                        <a:endParaRPr lang="en-SG" sz="1600" dirty="0"/>
+                                      </a:p>
+                                    </p:txBody>
+                                  </p:sp>
+                                  <p:cxnSp>
+                                    <p:nvCxnSpPr>
+                                      <p:cNvPr id="61" name="Straight Arrow Connector 60"/>
+                                      <p:cNvCxnSpPr>
+                                        <a:stCxn id="57" idx="3"/>
+                                        <a:endCxn id="338" idx="1"/>
+                                      </p:cNvCxnSpPr>
+                                      <p:nvPr/>
+                                    </p:nvCxnSpPr>
+                                    <p:spPr>
+                                      <a:xfrm>
+                                        <a:off x="-437416" y="6488764"/>
+                                        <a:ext cx="4132453" cy="0"/>
+                                      </a:xfrm>
+                                      <a:prstGeom prst="straightConnector1">
+                                        <a:avLst/>
+                                      </a:prstGeom>
+                                      <a:ln w="19050">
+                                        <a:solidFill>
+                                          <a:schemeClr val="tx1"/>
+                                        </a:solidFill>
+                                        <a:tailEnd type="arrow"/>
+                                      </a:ln>
+                                    </p:spPr>
+                                    <p:style>
+                                      <a:lnRef idx="1">
+                                        <a:schemeClr val="accent1"/>
+                                      </a:lnRef>
+                                      <a:fillRef idx="0">
+                                        <a:schemeClr val="accent1"/>
+                                      </a:fillRef>
+                                      <a:effectRef idx="0">
+                                        <a:schemeClr val="accent1"/>
+                                      </a:effectRef>
+                                      <a:fontRef idx="minor">
+                                        <a:schemeClr val="tx1"/>
+                                      </a:fontRef>
+                                    </p:style>
+                                  </p:cxnSp>
+                                  <p:sp>
+                                    <p:nvSpPr>
+                                      <p:cNvPr id="64" name="TextBox 63"/>
+                                      <p:cNvSpPr txBox="1"/>
+                                      <p:nvPr/>
+                                    </p:nvSpPr>
+                                    <p:spPr>
+                                      <a:xfrm>
+                                        <a:off x="1478957" y="6483960"/>
+                                        <a:ext cx="577082" cy="338554"/>
+                                      </a:xfrm>
+                                      <a:prstGeom prst="rect">
+                                        <a:avLst/>
+                                      </a:prstGeom>
+                                      <a:noFill/>
+                                    </p:spPr>
+                                    <p:txBody>
+                                      <a:bodyPr wrap="none" rtlCol="0">
+                                        <a:spAutoFit/>
+                                      </a:bodyPr>
+                                      <a:lstStyle/>
+                                      <a:p>
+                                        <a:pPr algn="ctr"/>
+                                        <a:r>
+                                          <a:rPr lang="en-SG" sz="1600" dirty="0" smtClean="0"/>
+                                          <a:t>[Yes]</a:t>
+                                        </a:r>
+                                        <a:endParaRPr lang="en-SG" sz="1600" dirty="0"/>
+                                      </a:p>
+                                    </p:txBody>
+                                  </p:sp>
+                                  <p:sp>
+                                    <p:nvSpPr>
+                                      <p:cNvPr id="65" name="Rounded Rectangle 64"/>
+                                      <p:cNvSpPr/>
+                                      <p:nvPr/>
+                                    </p:nvSpPr>
+                                    <p:spPr>
+                                      <a:xfrm>
+                                        <a:off x="-1650199" y="4031781"/>
+                                        <a:ext cx="1838424" cy="789273"/>
+                                      </a:xfrm>
+                                      <a:prstGeom prst="roundRect">
+                                        <a:avLst/>
+                                      </a:prstGeom>
+                                      <a:noFill/>
+                                      <a:ln w="28575">
+                                        <a:solidFill>
+                                          <a:schemeClr val="tx1"/>
+                                        </a:solidFill>
+                                      </a:ln>
+                                    </p:spPr>
+                                    <p:style>
+                                      <a:lnRef idx="2">
+                                        <a:schemeClr val="accent1">
+                                          <a:shade val="50000"/>
+                                        </a:schemeClr>
+                                      </a:lnRef>
+                                      <a:fillRef idx="1">
+                                        <a:schemeClr val="accent1"/>
+                                      </a:fillRef>
+                                      <a:effectRef idx="0">
+                                        <a:schemeClr val="accent1"/>
+                                      </a:effectRef>
+                                      <a:fontRef idx="minor">
+                                        <a:schemeClr val="lt1"/>
+                                      </a:fontRef>
+                                    </p:style>
+                                    <p:txBody>
+                                      <a:bodyPr rtlCol="0" anchor="ctr"/>
+                                      <a:lstStyle/>
+                                      <a:p>
+                                        <a:pPr algn="ctr"/>
+                                        <a:r>
+                                          <a:rPr lang="en-SG" sz="1600" dirty="0" err="1" smtClean="0">
+                                            <a:solidFill>
+                                              <a:schemeClr val="tx1"/>
+                                            </a:solidFill>
+                                          </a:rPr>
+                                          <a:t>Linenux</a:t>
+                                        </a:r>
+                                        <a:r>
+                                          <a:rPr lang="en-SG" sz="1600" dirty="0" smtClean="0">
+                                            <a:solidFill>
+                                              <a:schemeClr val="tx1"/>
+                                            </a:solidFill>
+                                          </a:rPr>
+                                          <a:t> creates new Schedule</a:t>
+                                        </a:r>
+                                        <a:endParaRPr lang="en-SG" sz="1600" dirty="0">
+                                          <a:solidFill>
+                                            <a:schemeClr val="tx1"/>
+                                          </a:solidFill>
+                                        </a:endParaRPr>
+                                      </a:p>
+                                    </p:txBody>
+                                  </p:sp>
+                                  <p:cxnSp>
+                                    <p:nvCxnSpPr>
+                                      <p:cNvPr id="67" name="Straight Arrow Connector 66"/>
+                                      <p:cNvCxnSpPr>
+                                        <a:stCxn id="57" idx="0"/>
+                                        <a:endCxn id="386" idx="2"/>
+                                      </p:cNvCxnSpPr>
+                                      <p:nvPr/>
+                                    </p:nvCxnSpPr>
+                                    <p:spPr>
+                                      <a:xfrm flipV="1">
+                                        <a:off x="-730986" y="5789194"/>
+                                        <a:ext cx="0" cy="497439"/>
+                                      </a:xfrm>
+                                      <a:prstGeom prst="straightConnector1">
+                                        <a:avLst/>
+                                      </a:prstGeom>
+                                      <a:ln w="19050">
+                                        <a:solidFill>
+                                          <a:schemeClr val="tx1"/>
+                                        </a:solidFill>
+                                        <a:tailEnd type="arrow"/>
+                                      </a:ln>
+                                    </p:spPr>
+                                    <p:style>
+                                      <a:lnRef idx="1">
+                                        <a:schemeClr val="accent1"/>
+                                      </a:lnRef>
+                                      <a:fillRef idx="0">
+                                        <a:schemeClr val="accent1"/>
+                                      </a:fillRef>
+                                      <a:effectRef idx="0">
+                                        <a:schemeClr val="accent1"/>
+                                      </a:effectRef>
+                                      <a:fontRef idx="minor">
+                                        <a:schemeClr val="tx1"/>
+                                      </a:fontRef>
+                                    </p:style>
+                                  </p:cxnSp>
+                                  <p:sp>
+                                    <p:nvSpPr>
+                                      <p:cNvPr id="71" name="TextBox 70"/>
+                                      <p:cNvSpPr txBox="1"/>
+                                      <p:nvPr/>
+                                    </p:nvSpPr>
+                                    <p:spPr>
+                                      <a:xfrm>
+                                        <a:off x="-787817" y="5899585"/>
+                                        <a:ext cx="551754" cy="338554"/>
+                                      </a:xfrm>
+                                      <a:prstGeom prst="rect">
+                                        <a:avLst/>
+                                      </a:prstGeom>
+                                      <a:noFill/>
+                                    </p:spPr>
+                                    <p:txBody>
+                                      <a:bodyPr wrap="none" rtlCol="0">
+                                        <a:spAutoFit/>
+                                      </a:bodyPr>
+                                      <a:lstStyle/>
+                                      <a:p>
+                                        <a:pPr algn="ctr"/>
+                                        <a:r>
+                                          <a:rPr lang="en-SG" sz="1600" dirty="0" smtClean="0"/>
+                                          <a:t>[No]</a:t>
+                                        </a:r>
+                                        <a:endParaRPr lang="en-SG" sz="1600" dirty="0"/>
+                                      </a:p>
+                                    </p:txBody>
+                                  </p:sp>
+                                  <p:cxnSp>
+                                    <p:nvCxnSpPr>
+                                      <p:cNvPr id="72" name="Straight Arrow Connector 71"/>
+                                      <p:cNvCxnSpPr>
+                                        <a:stCxn id="50" idx="3"/>
+                                        <a:endCxn id="401" idx="2"/>
+                                      </p:cNvCxnSpPr>
+                                      <p:nvPr/>
+                                    </p:nvCxnSpPr>
+                                    <p:spPr>
+                                      <a:xfrm>
+                                        <a:off x="4920519" y="5258737"/>
+                                        <a:ext cx="909322" cy="0"/>
+                                      </a:xfrm>
+                                      <a:prstGeom prst="straightConnector1">
+                                        <a:avLst/>
+                                      </a:prstGeom>
+                                      <a:ln w="19050">
+                                        <a:solidFill>
+                                          <a:schemeClr val="tx1"/>
+                                        </a:solidFill>
+                                        <a:tailEnd type="arrow"/>
+                                      </a:ln>
+                                    </p:spPr>
+                                    <p:style>
+                                      <a:lnRef idx="1">
+                                        <a:schemeClr val="accent1"/>
+                                      </a:lnRef>
+                                      <a:fillRef idx="0">
+                                        <a:schemeClr val="accent1"/>
+                                      </a:fillRef>
+                                      <a:effectRef idx="0">
+                                        <a:schemeClr val="accent1"/>
+                                      </a:effectRef>
+                                      <a:fontRef idx="minor">
+                                        <a:schemeClr val="tx1"/>
+                                      </a:fontRef>
+                                    </p:style>
+                                  </p:cxnSp>
+                                  <p:cxnSp>
+                                    <p:nvCxnSpPr>
+                                      <p:cNvPr id="75" name="Straight Arrow Connector 74"/>
+                                      <p:cNvCxnSpPr>
+                                        <a:stCxn id="65" idx="3"/>
+                                        <a:endCxn id="228" idx="2"/>
+                                      </p:cNvCxnSpPr>
+                                      <p:nvPr/>
+                                    </p:nvCxnSpPr>
+                                    <p:spPr>
+                                      <a:xfrm>
+                                        <a:off x="188225" y="4426418"/>
+                                        <a:ext cx="523516" cy="0"/>
+                                      </a:xfrm>
+                                      <a:prstGeom prst="straightConnector1">
+                                        <a:avLst/>
+                                      </a:prstGeom>
+                                      <a:ln w="19050">
+                                        <a:solidFill>
+                                          <a:schemeClr val="tx1"/>
+                                        </a:solidFill>
+                                        <a:tailEnd type="arrow"/>
+                                      </a:ln>
+                                    </p:spPr>
+                                    <p:style>
+                                      <a:lnRef idx="1">
+                                        <a:schemeClr val="accent1"/>
+                                      </a:lnRef>
+                                      <a:fillRef idx="0">
+                                        <a:schemeClr val="accent1"/>
+                                      </a:fillRef>
+                                      <a:effectRef idx="0">
+                                        <a:schemeClr val="accent1"/>
+                                      </a:effectRef>
+                                      <a:fontRef idx="minor">
+                                        <a:schemeClr val="tx1"/>
+                                      </a:fontRef>
+                                    </p:style>
+                                  </p:cxnSp>
+                                  <p:sp>
+                                    <p:nvSpPr>
+                                      <p:cNvPr id="228" name="Oval 227"/>
+                                      <p:cNvSpPr/>
+                                      <p:nvPr/>
+                                    </p:nvSpPr>
+                                    <p:spPr>
+                                      <a:xfrm>
+                                        <a:off x="711741" y="4296476"/>
+                                        <a:ext cx="259883" cy="259883"/>
+                                      </a:xfrm>
+                                      <a:prstGeom prst="ellipse">
+                                        <a:avLst/>
+                                      </a:prstGeom>
+                                      <a:noFill/>
+                                      <a:ln w="28575">
+                                        <a:solidFill>
+                                          <a:schemeClr val="tx1"/>
+                                        </a:solidFill>
+                                      </a:ln>
+                                    </p:spPr>
+                                    <p:style>
+                                      <a:lnRef idx="2">
+                                        <a:schemeClr val="accent1">
+                                          <a:shade val="50000"/>
+                                        </a:schemeClr>
+                                      </a:lnRef>
+                                      <a:fillRef idx="1">
+                                        <a:schemeClr val="accent1"/>
+                                      </a:fillRef>
+                                      <a:effectRef idx="0">
+                                        <a:schemeClr val="accent1"/>
+                                      </a:effectRef>
+                                      <a:fontRef idx="minor">
+                                        <a:schemeClr val="lt1"/>
+                                      </a:fontRef>
+                                    </p:style>
+                                    <p:txBody>
+                                      <a:bodyPr rtlCol="0" anchor="ctr"/>
+                                      <a:lstStyle/>
+                                      <a:p>
+                                        <a:pPr algn="ctr"/>
+                                        <a:r>
+                                          <a:rPr lang="en-SG" dirty="0" smtClean="0">
+                                            <a:solidFill>
+                                              <a:sysClr val="windowText" lastClr="000000"/>
+                                            </a:solidFill>
+                                          </a:rPr>
+                                          <a:t>A</a:t>
+                                        </a:r>
+                                        <a:endParaRPr lang="en-SG" dirty="0">
+                                          <a:solidFill>
+                                            <a:sysClr val="windowText" lastClr="000000"/>
+                                          </a:solidFill>
+                                        </a:endParaRPr>
+                                      </a:p>
+                                    </p:txBody>
+                                  </p:sp>
+                                </p:grpSp>
+                                <p:sp>
+                                  <p:nvSpPr>
+                                    <p:cNvPr id="338" name="Diamond 337"/>
+                                    <p:cNvSpPr/>
+                                    <p:nvPr/>
+                                  </p:nvSpPr>
+                                  <p:spPr>
+                                    <a:xfrm>
+                                      <a:off x="5574637" y="1435233"/>
+                                      <a:ext cx="587141" cy="404261"/>
+                                    </a:xfrm>
+                                    <a:prstGeom prst="diamond">
+                                      <a:avLst/>
+                                    </a:prstGeom>
+                                    <a:noFill/>
+                                    <a:ln w="28575">
+                                      <a:solidFill>
+                                        <a:schemeClr val="tx1"/>
+                                      </a:solidFill>
+                                    </a:ln>
+                                  </p:spPr>
+                                  <p:style>
+                                    <a:lnRef idx="2">
+                                      <a:schemeClr val="accent1">
+                                        <a:shade val="50000"/>
+                                      </a:schemeClr>
+                                    </a:lnRef>
+                                    <a:fillRef idx="1">
+                                      <a:schemeClr val="accent1"/>
+                                    </a:fillRef>
+                                    <a:effectRef idx="0">
+                                      <a:schemeClr val="accent1"/>
+                                    </a:effectRef>
+                                    <a:fontRef idx="minor">
+                                      <a:schemeClr val="lt1"/>
+                                    </a:fontRef>
+                                  </p:style>
+                                  <p:txBody>
+                                    <a:bodyPr rtlCol="0" anchor="ctr"/>
+                                    <a:lstStyle/>
+                                    <a:p>
+                                      <a:pPr algn="ctr"/>
+                                      <a:endParaRPr lang="en-SG"/>
+                                    </a:p>
+                                  </p:txBody>
+                                </p:sp>
+                              </p:grpSp>
+                              <p:sp>
+                                <p:nvSpPr>
+                                  <p:cNvPr id="367" name="TextBox 366"/>
+                                  <p:cNvSpPr txBox="1"/>
+                                  <p:nvPr/>
+                                </p:nvSpPr>
+                                <p:spPr>
+                                  <a:xfrm>
+                                    <a:off x="5199547" y="1730947"/>
+                                    <a:ext cx="1010725" cy="584775"/>
+                                  </a:xfrm>
+                                  <a:prstGeom prst="rect">
+                                    <a:avLst/>
+                                  </a:prstGeom>
+                                  <a:noFill/>
+                                </p:spPr>
+                                <p:txBody>
+                                  <a:bodyPr wrap="none" rtlCol="0">
+                                    <a:spAutoFit/>
+                                  </a:bodyPr>
+                                  <a:lstStyle/>
+                                  <a:p>
+                                    <a:pPr algn="ctr"/>
+                                    <a:r>
+                                      <a:rPr lang="en-SG" sz="1600" dirty="0" smtClean="0"/>
+                                      <a:t>Is the file </a:t>
+                                    </a:r>
+                                  </a:p>
+                                  <a:p>
+                                    <a:pPr algn="ctr"/>
+                                    <a:r>
+                                      <a:rPr lang="en-SG" sz="1600" dirty="0" smtClean="0"/>
+                                      <a:t>readable?</a:t>
+                                    </a:r>
+                                    <a:endParaRPr lang="en-SG" sz="1600" dirty="0"/>
+                                  </a:p>
+                                </p:txBody>
+                              </p:sp>
+                            </p:grpSp>
                             <p:sp>
                               <p:nvSpPr>
-                                <p:cNvPr id="50" name="Rounded Rectangle 49"/>
+                                <p:cNvPr id="386" name="Diamond 385"/>
                                 <p:cNvSpPr/>
                                 <p:nvPr/>
                               </p:nvSpPr>
                               <p:spPr>
                                 <a:xfrm>
-                                  <a:off x="3082095" y="4864100"/>
-                                  <a:ext cx="1838424" cy="789273"/>
-                                </a:xfrm>
-                                <a:prstGeom prst="roundRect">
-                                  <a:avLst/>
-                                </a:prstGeom>
-                                <a:noFill/>
-                                <a:ln w="28575">
-                                  <a:solidFill>
-                                    <a:schemeClr val="tx1"/>
-                                  </a:solidFill>
-                                </a:ln>
-                              </p:spPr>
-                              <p:style>
-                                <a:lnRef idx="2">
-                                  <a:schemeClr val="accent1">
-                                    <a:shade val="50000"/>
-                                  </a:schemeClr>
-                                </a:lnRef>
-                                <a:fillRef idx="1">
-                                  <a:schemeClr val="accent1"/>
-                                </a:fillRef>
-                                <a:effectRef idx="0">
-                                  <a:schemeClr val="accent1"/>
-                                </a:effectRef>
-                                <a:fontRef idx="minor">
-                                  <a:schemeClr val="lt1"/>
-                                </a:fontRef>
-                              </p:style>
-                              <p:txBody>
-                                <a:bodyPr rtlCol="0" anchor="ctr"/>
-                                <a:lstStyle/>
-                                <a:p>
-                                  <a:pPr algn="ctr"/>
-                                  <a:r>
-                                    <a:rPr lang="en-SG" sz="1600" dirty="0" err="1" smtClean="0">
-                                      <a:solidFill>
-                                        <a:schemeClr val="tx1"/>
-                                      </a:solidFill>
-                                    </a:rPr>
-                                    <a:t>Linenux</a:t>
-                                  </a:r>
-                                  <a:r>
-                                    <a:rPr lang="en-SG" sz="1600" dirty="0" smtClean="0">
-                                      <a:solidFill>
-                                        <a:schemeClr val="tx1"/>
-                                      </a:solidFill>
-                                    </a:rPr>
-                                    <a:t> reads Schedule</a:t>
-                                  </a:r>
-                                  <a:endParaRPr lang="en-SG" sz="1600" dirty="0">
-                                    <a:solidFill>
-                                      <a:schemeClr val="tx1"/>
-                                    </a:solidFill>
-                                  </a:endParaRPr>
-                                </a:p>
-                              </p:txBody>
-                            </p:sp>
-                            <p:sp>
-                              <p:nvSpPr>
-                                <p:cNvPr id="56" name="Oval 55"/>
-                                <p:cNvSpPr/>
-                                <p:nvPr/>
-                              </p:nvSpPr>
-                              <p:spPr>
-                                <a:xfrm>
-                                  <a:off x="-1751799" y="6358822"/>
-                                  <a:ext cx="259883" cy="259883"/>
-                                </a:xfrm>
-                                <a:prstGeom prst="ellipse">
-                                  <a:avLst/>
-                                </a:prstGeom>
-                                <a:solidFill>
-                                  <a:schemeClr val="tx1"/>
-                                </a:solidFill>
-                                <a:ln>
-                                  <a:solidFill>
-                                    <a:schemeClr val="tx1"/>
-                                  </a:solidFill>
-                                </a:ln>
-                              </p:spPr>
-                              <p:style>
-                                <a:lnRef idx="2">
-                                  <a:schemeClr val="accent1">
-                                    <a:shade val="50000"/>
-                                  </a:schemeClr>
-                                </a:lnRef>
-                                <a:fillRef idx="1">
-                                  <a:schemeClr val="accent1"/>
-                                </a:fillRef>
-                                <a:effectRef idx="0">
-                                  <a:schemeClr val="accent1"/>
-                                </a:effectRef>
-                                <a:fontRef idx="minor">
-                                  <a:schemeClr val="lt1"/>
-                                </a:fontRef>
-                              </p:style>
-                              <p:txBody>
-                                <a:bodyPr rtlCol="0" anchor="ctr"/>
-                                <a:lstStyle/>
-                                <a:p>
-                                  <a:pPr algn="ctr"/>
-                                  <a:endParaRPr lang="en-SG"/>
-                                </a:p>
-                              </p:txBody>
-                            </p:sp>
-                            <p:sp>
-                              <p:nvSpPr>
-                                <p:cNvPr id="57" name="Diamond 56"/>
-                                <p:cNvSpPr/>
-                                <p:nvPr/>
-                              </p:nvSpPr>
-                              <p:spPr>
-                                <a:xfrm>
-                                  <a:off x="-1024557" y="6286633"/>
+                                  <a:off x="727242" y="520833"/>
                                   <a:ext cx="587141" cy="404261"/>
                                 </a:xfrm>
                                 <a:prstGeom prst="diamond">
@@ -13003,524 +13593,90 @@
                                 </a:p>
                               </p:txBody>
                             </p:sp>
-                            <p:cxnSp>
-                              <p:nvCxnSpPr>
-                                <p:cNvPr id="59" name="Straight Arrow Connector 58"/>
-                                <p:cNvCxnSpPr>
-                                  <a:stCxn id="56" idx="6"/>
-                                  <a:endCxn id="57" idx="1"/>
-                                </p:cNvCxnSpPr>
-                                <p:nvPr/>
-                              </p:nvCxnSpPr>
-                              <p:spPr>
-                                <a:xfrm>
-                                  <a:off x="-1491916" y="6488764"/>
-                                  <a:ext cx="467359" cy="0"/>
-                                </a:xfrm>
-                                <a:prstGeom prst="straightConnector1">
-                                  <a:avLst/>
-                                </a:prstGeom>
-                                <a:ln w="19050">
-                                  <a:solidFill>
-                                    <a:schemeClr val="tx1"/>
-                                  </a:solidFill>
-                                  <a:tailEnd type="arrow"/>
-                                </a:ln>
-                              </p:spPr>
-                              <p:style>
-                                <a:lnRef idx="1">
-                                  <a:schemeClr val="accent1"/>
-                                </a:lnRef>
-                                <a:fillRef idx="0">
-                                  <a:schemeClr val="accent1"/>
-                                </a:fillRef>
-                                <a:effectRef idx="0">
-                                  <a:schemeClr val="accent1"/>
-                                </a:effectRef>
-                                <a:fontRef idx="minor">
-                                  <a:schemeClr val="tx1"/>
-                                </a:fontRef>
-                              </p:style>
-                            </p:cxnSp>
-                            <p:sp>
-                              <p:nvSpPr>
-                                <p:cNvPr id="60" name="TextBox 59"/>
-                                <p:cNvSpPr txBox="1"/>
-                                <p:nvPr/>
-                              </p:nvSpPr>
-                              <p:spPr>
-                                <a:xfrm>
-                                  <a:off x="-1637912" y="6709347"/>
-                                  <a:ext cx="1885644" cy="584775"/>
-                                </a:xfrm>
-                                <a:prstGeom prst="rect">
-                                  <a:avLst/>
-                                </a:prstGeom>
-                                <a:noFill/>
-                              </p:spPr>
-                              <p:txBody>
-                                <a:bodyPr wrap="none" rtlCol="0">
-                                  <a:spAutoFit/>
-                                </a:bodyPr>
-                                <a:lstStyle/>
-                                <a:p>
-                                  <a:pPr algn="ctr"/>
-                                  <a:r>
-                                    <a:rPr lang="en-SG" sz="1600" dirty="0" smtClean="0"/>
-                                    <a:t>Checks if there is an </a:t>
-                                  </a:r>
-                                </a:p>
-                                <a:p>
-                                  <a:pPr algn="ctr"/>
-                                  <a:r>
-                                    <a:rPr lang="en-SG" sz="1600" dirty="0" smtClean="0"/>
-                                    <a:t>existing Schedule</a:t>
-                                  </a:r>
-                                  <a:endParaRPr lang="en-SG" sz="1600" dirty="0"/>
-                                </a:p>
-                              </p:txBody>
-                            </p:sp>
-                            <p:cxnSp>
-                              <p:nvCxnSpPr>
-                                <p:cNvPr id="61" name="Straight Arrow Connector 60"/>
-                                <p:cNvCxnSpPr>
-                                  <a:stCxn id="57" idx="3"/>
-                                  <a:endCxn id="338" idx="1"/>
-                                </p:cNvCxnSpPr>
-                                <p:nvPr/>
-                              </p:nvCxnSpPr>
-                              <p:spPr>
-                                <a:xfrm>
-                                  <a:off x="-437416" y="6488764"/>
-                                  <a:ext cx="4132453" cy="0"/>
-                                </a:xfrm>
-                                <a:prstGeom prst="straightConnector1">
-                                  <a:avLst/>
-                                </a:prstGeom>
-                                <a:ln w="19050">
-                                  <a:solidFill>
-                                    <a:schemeClr val="tx1"/>
-                                  </a:solidFill>
-                                  <a:tailEnd type="arrow"/>
-                                </a:ln>
-                              </p:spPr>
-                              <p:style>
-                                <a:lnRef idx="1">
-                                  <a:schemeClr val="accent1"/>
-                                </a:lnRef>
-                                <a:fillRef idx="0">
-                                  <a:schemeClr val="accent1"/>
-                                </a:fillRef>
-                                <a:effectRef idx="0">
-                                  <a:schemeClr val="accent1"/>
-                                </a:effectRef>
-                                <a:fontRef idx="minor">
-                                  <a:schemeClr val="tx1"/>
-                                </a:fontRef>
-                              </p:style>
-                            </p:cxnSp>
-                            <p:sp>
-                              <p:nvSpPr>
-                                <p:cNvPr id="64" name="TextBox 63"/>
-                                <p:cNvSpPr txBox="1"/>
-                                <p:nvPr/>
-                              </p:nvSpPr>
-                              <p:spPr>
-                                <a:xfrm>
-                                  <a:off x="1478957" y="6483960"/>
-                                  <a:ext cx="577082" cy="338554"/>
-                                </a:xfrm>
-                                <a:prstGeom prst="rect">
-                                  <a:avLst/>
-                                </a:prstGeom>
-                                <a:noFill/>
-                              </p:spPr>
-                              <p:txBody>
-                                <a:bodyPr wrap="none" rtlCol="0">
-                                  <a:spAutoFit/>
-                                </a:bodyPr>
-                                <a:lstStyle/>
-                                <a:p>
-                                  <a:pPr algn="ctr"/>
-                                  <a:r>
-                                    <a:rPr lang="en-SG" sz="1600" dirty="0" smtClean="0"/>
-                                    <a:t>[Yes]</a:t>
-                                  </a:r>
-                                  <a:endParaRPr lang="en-SG" sz="1600" dirty="0"/>
-                                </a:p>
-                              </p:txBody>
-                            </p:sp>
-                            <p:sp>
-                              <p:nvSpPr>
-                                <p:cNvPr id="65" name="Rounded Rectangle 64"/>
-                                <p:cNvSpPr/>
-                                <p:nvPr/>
-                              </p:nvSpPr>
-                              <p:spPr>
-                                <a:xfrm>
-                                  <a:off x="-1650199" y="4031781"/>
-                                  <a:ext cx="1838424" cy="789273"/>
-                                </a:xfrm>
-                                <a:prstGeom prst="roundRect">
-                                  <a:avLst/>
-                                </a:prstGeom>
-                                <a:noFill/>
-                                <a:ln w="28575">
-                                  <a:solidFill>
-                                    <a:schemeClr val="tx1"/>
-                                  </a:solidFill>
-                                </a:ln>
-                              </p:spPr>
-                              <p:style>
-                                <a:lnRef idx="2">
-                                  <a:schemeClr val="accent1">
-                                    <a:shade val="50000"/>
-                                  </a:schemeClr>
-                                </a:lnRef>
-                                <a:fillRef idx="1">
-                                  <a:schemeClr val="accent1"/>
-                                </a:fillRef>
-                                <a:effectRef idx="0">
-                                  <a:schemeClr val="accent1"/>
-                                </a:effectRef>
-                                <a:fontRef idx="minor">
-                                  <a:schemeClr val="lt1"/>
-                                </a:fontRef>
-                              </p:style>
-                              <p:txBody>
-                                <a:bodyPr rtlCol="0" anchor="ctr"/>
-                                <a:lstStyle/>
-                                <a:p>
-                                  <a:pPr algn="ctr"/>
-                                  <a:r>
-                                    <a:rPr lang="en-SG" sz="1600" dirty="0" err="1" smtClean="0">
-                                      <a:solidFill>
-                                        <a:schemeClr val="tx1"/>
-                                      </a:solidFill>
-                                    </a:rPr>
-                                    <a:t>Linenux</a:t>
-                                  </a:r>
-                                  <a:r>
-                                    <a:rPr lang="en-SG" sz="1600" dirty="0" smtClean="0">
-                                      <a:solidFill>
-                                        <a:schemeClr val="tx1"/>
-                                      </a:solidFill>
-                                    </a:rPr>
-                                    <a:t> creates new Schedule</a:t>
-                                  </a:r>
-                                  <a:endParaRPr lang="en-SG" sz="1600" dirty="0">
-                                    <a:solidFill>
-                                      <a:schemeClr val="tx1"/>
-                                    </a:solidFill>
-                                  </a:endParaRPr>
-                                </a:p>
-                              </p:txBody>
-                            </p:sp>
-                            <p:cxnSp>
-                              <p:nvCxnSpPr>
-                                <p:cNvPr id="67" name="Straight Arrow Connector 66"/>
-                                <p:cNvCxnSpPr>
-                                  <a:stCxn id="57" idx="0"/>
-                                  <a:endCxn id="386" idx="2"/>
-                                </p:cNvCxnSpPr>
-                                <p:nvPr/>
-                              </p:nvCxnSpPr>
-                              <p:spPr>
-                                <a:xfrm flipV="1">
-                                  <a:off x="-730986" y="5789194"/>
-                                  <a:ext cx="0" cy="497439"/>
-                                </a:xfrm>
-                                <a:prstGeom prst="straightConnector1">
-                                  <a:avLst/>
-                                </a:prstGeom>
-                                <a:ln w="19050">
-                                  <a:solidFill>
-                                    <a:schemeClr val="tx1"/>
-                                  </a:solidFill>
-                                  <a:tailEnd type="arrow"/>
-                                </a:ln>
-                              </p:spPr>
-                              <p:style>
-                                <a:lnRef idx="1">
-                                  <a:schemeClr val="accent1"/>
-                                </a:lnRef>
-                                <a:fillRef idx="0">
-                                  <a:schemeClr val="accent1"/>
-                                </a:fillRef>
-                                <a:effectRef idx="0">
-                                  <a:schemeClr val="accent1"/>
-                                </a:effectRef>
-                                <a:fontRef idx="minor">
-                                  <a:schemeClr val="tx1"/>
-                                </a:fontRef>
-                              </p:style>
-                            </p:cxnSp>
-                            <p:sp>
-                              <p:nvSpPr>
-                                <p:cNvPr id="71" name="TextBox 70"/>
-                                <p:cNvSpPr txBox="1"/>
-                                <p:nvPr/>
-                              </p:nvSpPr>
-                              <p:spPr>
-                                <a:xfrm>
-                                  <a:off x="-787817" y="5899585"/>
-                                  <a:ext cx="551754" cy="338554"/>
-                                </a:xfrm>
-                                <a:prstGeom prst="rect">
-                                  <a:avLst/>
-                                </a:prstGeom>
-                                <a:noFill/>
-                              </p:spPr>
-                              <p:txBody>
-                                <a:bodyPr wrap="none" rtlCol="0">
-                                  <a:spAutoFit/>
-                                </a:bodyPr>
-                                <a:lstStyle/>
-                                <a:p>
-                                  <a:pPr algn="ctr"/>
-                                  <a:r>
-                                    <a:rPr lang="en-SG" sz="1600" dirty="0" smtClean="0"/>
-                                    <a:t>[No]</a:t>
-                                  </a:r>
-                                  <a:endParaRPr lang="en-SG" sz="1600" dirty="0"/>
-                                </a:p>
-                              </p:txBody>
-                            </p:sp>
-                            <p:cxnSp>
-                              <p:nvCxnSpPr>
-                                <p:cNvPr id="72" name="Straight Arrow Connector 71"/>
-                                <p:cNvCxnSpPr>
-                                  <a:stCxn id="50" idx="3"/>
-                                  <a:endCxn id="401" idx="2"/>
-                                </p:cNvCxnSpPr>
-                                <p:nvPr/>
-                              </p:nvCxnSpPr>
-                              <p:spPr>
-                                <a:xfrm>
-                                  <a:off x="4920519" y="5258737"/>
-                                  <a:ext cx="909322" cy="0"/>
-                                </a:xfrm>
-                                <a:prstGeom prst="straightConnector1">
-                                  <a:avLst/>
-                                </a:prstGeom>
-                                <a:ln w="19050">
-                                  <a:solidFill>
-                                    <a:schemeClr val="tx1"/>
-                                  </a:solidFill>
-                                  <a:tailEnd type="arrow"/>
-                                </a:ln>
-                              </p:spPr>
-                              <p:style>
-                                <a:lnRef idx="1">
-                                  <a:schemeClr val="accent1"/>
-                                </a:lnRef>
-                                <a:fillRef idx="0">
-                                  <a:schemeClr val="accent1"/>
-                                </a:fillRef>
-                                <a:effectRef idx="0">
-                                  <a:schemeClr val="accent1"/>
-                                </a:effectRef>
-                                <a:fontRef idx="minor">
-                                  <a:schemeClr val="tx1"/>
-                                </a:fontRef>
-                              </p:style>
-                            </p:cxnSp>
-                            <p:cxnSp>
-                              <p:nvCxnSpPr>
-                                <p:cNvPr id="75" name="Straight Arrow Connector 74"/>
-                                <p:cNvCxnSpPr>
-                                  <a:stCxn id="65" idx="3"/>
-                                  <a:endCxn id="228" idx="2"/>
-                                </p:cNvCxnSpPr>
-                                <p:nvPr/>
-                              </p:nvCxnSpPr>
-                              <p:spPr>
-                                <a:xfrm>
-                                  <a:off x="188225" y="4426418"/>
-                                  <a:ext cx="523516" cy="0"/>
-                                </a:xfrm>
-                                <a:prstGeom prst="straightConnector1">
-                                  <a:avLst/>
-                                </a:prstGeom>
-                                <a:ln w="19050">
-                                  <a:solidFill>
-                                    <a:schemeClr val="tx1"/>
-                                  </a:solidFill>
-                                  <a:tailEnd type="arrow"/>
-                                </a:ln>
-                              </p:spPr>
-                              <p:style>
-                                <a:lnRef idx="1">
-                                  <a:schemeClr val="accent1"/>
-                                </a:lnRef>
-                                <a:fillRef idx="0">
-                                  <a:schemeClr val="accent1"/>
-                                </a:fillRef>
-                                <a:effectRef idx="0">
-                                  <a:schemeClr val="accent1"/>
-                                </a:effectRef>
-                                <a:fontRef idx="minor">
-                                  <a:schemeClr val="tx1"/>
-                                </a:fontRef>
-                              </p:style>
-                            </p:cxnSp>
-                            <p:sp>
-                              <p:nvSpPr>
-                                <p:cNvPr id="228" name="Oval 227"/>
-                                <p:cNvSpPr/>
-                                <p:nvPr/>
-                              </p:nvSpPr>
-                              <p:spPr>
-                                <a:xfrm>
-                                  <a:off x="711741" y="4296476"/>
-                                  <a:ext cx="259883" cy="259883"/>
-                                </a:xfrm>
-                                <a:prstGeom prst="ellipse">
-                                  <a:avLst/>
-                                </a:prstGeom>
-                                <a:noFill/>
-                                <a:ln w="28575">
-                                  <a:solidFill>
-                                    <a:schemeClr val="tx1"/>
-                                  </a:solidFill>
-                                </a:ln>
-                              </p:spPr>
-                              <p:style>
-                                <a:lnRef idx="2">
-                                  <a:schemeClr val="accent1">
-                                    <a:shade val="50000"/>
-                                  </a:schemeClr>
-                                </a:lnRef>
-                                <a:fillRef idx="1">
-                                  <a:schemeClr val="accent1"/>
-                                </a:fillRef>
-                                <a:effectRef idx="0">
-                                  <a:schemeClr val="accent1"/>
-                                </a:effectRef>
-                                <a:fontRef idx="minor">
-                                  <a:schemeClr val="lt1"/>
-                                </a:fontRef>
-                              </p:style>
-                              <p:txBody>
-                                <a:bodyPr rtlCol="0" anchor="ctr"/>
-                                <a:lstStyle/>
-                                <a:p>
-                                  <a:pPr algn="ctr"/>
-                                  <a:r>
-                                    <a:rPr lang="en-SG" dirty="0" smtClean="0">
-                                      <a:solidFill>
-                                        <a:sysClr val="windowText" lastClr="000000"/>
-                                      </a:solidFill>
-                                    </a:rPr>
-                                    <a:t>A</a:t>
-                                  </a:r>
-                                  <a:endParaRPr lang="en-SG" dirty="0">
-                                    <a:solidFill>
-                                      <a:sysClr val="windowText" lastClr="000000"/>
-                                    </a:solidFill>
-                                  </a:endParaRPr>
-                                </a:p>
-                              </p:txBody>
-                            </p:sp>
                           </p:grpSp>
                           <p:sp>
                             <p:nvSpPr>
-                              <p:cNvPr id="338" name="Diamond 337"/>
-                              <p:cNvSpPr/>
+                              <p:cNvPr id="391" name="TextBox 390"/>
+                              <p:cNvSpPr txBox="1"/>
                               <p:nvPr/>
                             </p:nvSpPr>
                             <p:spPr>
                               <a:xfrm>
-                                <a:off x="5574637" y="1435233"/>
-                                <a:ext cx="587141" cy="404261"/>
+                                <a:off x="-270585" y="448247"/>
+                                <a:ext cx="1054392" cy="584775"/>
                               </a:xfrm>
-                              <a:prstGeom prst="diamond">
+                              <a:prstGeom prst="rect">
                                 <a:avLst/>
                               </a:prstGeom>
                               <a:noFill/>
-                              <a:ln w="28575">
-                                <a:solidFill>
-                                  <a:schemeClr val="tx1"/>
-                                </a:solidFill>
-                              </a:ln>
                             </p:spPr>
-                            <p:style>
-                              <a:lnRef idx="2">
-                                <a:schemeClr val="accent1">
-                                  <a:shade val="50000"/>
-                                </a:schemeClr>
-                              </a:lnRef>
-                              <a:fillRef idx="1">
-                                <a:schemeClr val="accent1"/>
-                              </a:fillRef>
-                              <a:effectRef idx="0">
-                                <a:schemeClr val="accent1"/>
-                              </a:effectRef>
-                              <a:fontRef idx="minor">
-                                <a:schemeClr val="lt1"/>
-                              </a:fontRef>
-                            </p:style>
                             <p:txBody>
-                              <a:bodyPr rtlCol="0" anchor="ctr"/>
+                              <a:bodyPr wrap="none" rtlCol="0">
+                                <a:spAutoFit/>
+                              </a:bodyPr>
                               <a:lstStyle/>
                               <a:p>
                                 <a:pPr algn="ctr"/>
-                                <a:endParaRPr lang="en-SG"/>
+                                <a:r>
+                                  <a:rPr lang="en-SG" sz="1600" dirty="0" smtClean="0"/>
+                                  <a:t>Is new file</a:t>
+                                </a:r>
+                              </a:p>
+                              <a:p>
+                                <a:pPr algn="ctr"/>
+                                <a:r>
+                                  <a:rPr lang="en-SG" sz="1600" dirty="0" smtClean="0"/>
+                                  <a:t>creatable?</a:t>
+                                </a:r>
+                                <a:endParaRPr lang="en-SG" sz="1600" dirty="0"/>
+                              </a:p>
+                            </p:txBody>
+                          </p:sp>
+                          <p:sp>
+                            <p:nvSpPr>
+                              <p:cNvPr id="393" name="TextBox 392"/>
+                              <p:cNvSpPr txBox="1"/>
+                              <p:nvPr/>
+                            </p:nvSpPr>
+                            <p:spPr>
+                              <a:xfrm>
+                                <a:off x="462156" y="108560"/>
+                                <a:ext cx="577082" cy="338554"/>
+                              </a:xfrm>
+                              <a:prstGeom prst="rect">
+                                <a:avLst/>
+                              </a:prstGeom>
+                              <a:noFill/>
+                            </p:spPr>
+                            <p:txBody>
+                              <a:bodyPr wrap="none" rtlCol="0">
+                                <a:spAutoFit/>
+                              </a:bodyPr>
+                              <a:lstStyle/>
+                              <a:p>
+                                <a:pPr algn="ctr"/>
+                                <a:r>
+                                  <a:rPr lang="en-SG" sz="1600" dirty="0" smtClean="0"/>
+                                  <a:t>[Yes]</a:t>
+                                </a:r>
+                                <a:endParaRPr lang="en-SG" sz="1600" dirty="0"/>
                               </a:p>
                             </p:txBody>
                           </p:sp>
                         </p:grpSp>
-                        <p:sp>
-                          <p:nvSpPr>
-                            <p:cNvPr id="367" name="TextBox 366"/>
-                            <p:cNvSpPr txBox="1"/>
-                            <p:nvPr/>
-                          </p:nvSpPr>
-                          <p:spPr>
-                            <a:xfrm>
-                              <a:off x="5199547" y="1730947"/>
-                              <a:ext cx="1010725" cy="584775"/>
-                            </a:xfrm>
-                            <a:prstGeom prst="rect">
-                              <a:avLst/>
-                            </a:prstGeom>
-                            <a:noFill/>
-                          </p:spPr>
-                          <p:txBody>
-                            <a:bodyPr wrap="none" rtlCol="0">
-                              <a:spAutoFit/>
-                            </a:bodyPr>
-                            <a:lstStyle/>
-                            <a:p>
-                              <a:pPr algn="ctr"/>
-                              <a:r>
-                                <a:rPr lang="en-SG" sz="1600" dirty="0" smtClean="0"/>
-                                <a:t>Is the file </a:t>
-                              </a:r>
-                            </a:p>
-                            <a:p>
-                              <a:pPr algn="ctr"/>
-                              <a:r>
-                                <a:rPr lang="en-SG" sz="1600" dirty="0" smtClean="0"/>
-                                <a:t>readable?</a:t>
-                              </a:r>
-                              <a:endParaRPr lang="en-SG" sz="1600" dirty="0"/>
-                            </a:p>
-                          </p:txBody>
-                        </p:sp>
                       </p:grpSp>
                       <p:sp>
                         <p:nvSpPr>
-                          <p:cNvPr id="386" name="Diamond 385"/>
+                          <p:cNvPr id="401" name="Oval 400"/>
                           <p:cNvSpPr/>
                           <p:nvPr/>
                         </p:nvSpPr>
                         <p:spPr>
                           <a:xfrm>
-                            <a:off x="727242" y="520833"/>
-                            <a:ext cx="587141" cy="404261"/>
+                            <a:off x="7581640" y="264695"/>
+                            <a:ext cx="259883" cy="259883"/>
                           </a:xfrm>
-                          <a:prstGeom prst="diamond">
+                          <a:prstGeom prst="ellipse">
                             <a:avLst/>
                           </a:prstGeom>
                           <a:noFill/>
@@ -13551,367 +13707,174 @@
                           <a:lstStyle/>
                           <a:p>
                             <a:pPr algn="ctr"/>
-                            <a:endParaRPr lang="en-SG"/>
+                            <a:r>
+                              <a:rPr lang="en-SG" dirty="0" smtClean="0">
+                                <a:solidFill>
+                                  <a:sysClr val="windowText" lastClr="000000"/>
+                                </a:solidFill>
+                              </a:rPr>
+                              <a:t>A</a:t>
+                            </a:r>
+                            <a:endParaRPr lang="en-SG" dirty="0">
+                              <a:solidFill>
+                                <a:sysClr val="windowText" lastClr="000000"/>
+                              </a:solidFill>
+                            </a:endParaRPr>
                           </a:p>
                         </p:txBody>
                       </p:sp>
                     </p:grpSp>
-                    <p:sp>
-                      <p:nvSpPr>
-                        <p:cNvPr id="391" name="TextBox 390"/>
-                        <p:cNvSpPr txBox="1"/>
-                        <p:nvPr/>
-                      </p:nvSpPr>
-                      <p:spPr>
-                        <a:xfrm>
-                          <a:off x="-270585" y="448247"/>
-                          <a:ext cx="1054392" cy="584775"/>
-                        </a:xfrm>
-                        <a:prstGeom prst="rect">
-                          <a:avLst/>
-                        </a:prstGeom>
-                        <a:noFill/>
-                      </p:spPr>
-                      <p:txBody>
-                        <a:bodyPr wrap="none" rtlCol="0">
-                          <a:spAutoFit/>
-                        </a:bodyPr>
-                        <a:lstStyle/>
-                        <a:p>
-                          <a:pPr algn="ctr"/>
-                          <a:r>
-                            <a:rPr lang="en-SG" sz="1600" dirty="0" smtClean="0"/>
-                            <a:t>Is new file</a:t>
-                          </a:r>
-                        </a:p>
-                        <a:p>
-                          <a:pPr algn="ctr"/>
-                          <a:r>
-                            <a:rPr lang="en-SG" sz="1600" dirty="0" smtClean="0"/>
-                            <a:t>creatable?</a:t>
-                          </a:r>
-                          <a:endParaRPr lang="en-SG" sz="1600" dirty="0"/>
-                        </a:p>
-                      </p:txBody>
-                    </p:sp>
-                    <p:sp>
-                      <p:nvSpPr>
-                        <p:cNvPr id="393" name="TextBox 392"/>
-                        <p:cNvSpPr txBox="1"/>
-                        <p:nvPr/>
-                      </p:nvSpPr>
-                      <p:spPr>
-                        <a:xfrm>
-                          <a:off x="462156" y="108560"/>
-                          <a:ext cx="577082" cy="338554"/>
-                        </a:xfrm>
-                        <a:prstGeom prst="rect">
-                          <a:avLst/>
-                        </a:prstGeom>
-                        <a:noFill/>
-                      </p:spPr>
-                      <p:txBody>
-                        <a:bodyPr wrap="none" rtlCol="0">
-                          <a:spAutoFit/>
-                        </a:bodyPr>
-                        <a:lstStyle/>
-                        <a:p>
-                          <a:pPr algn="ctr"/>
-                          <a:r>
-                            <a:rPr lang="en-SG" sz="1600" dirty="0" smtClean="0"/>
-                            <a:t>[Yes]</a:t>
-                          </a:r>
-                          <a:endParaRPr lang="en-SG" sz="1600" dirty="0"/>
-                        </a:p>
-                      </p:txBody>
-                    </p:sp>
                   </p:grpSp>
                 </p:grpSp>
-                <p:sp>
-                  <p:nvSpPr>
-                    <p:cNvPr id="401" name="Oval 400"/>
-                    <p:cNvSpPr/>
+                <p:grpSp>
+                  <p:nvGrpSpPr>
+                    <p:cNvPr id="412" name="Group 411"/>
+                    <p:cNvGrpSpPr/>
                     <p:nvPr/>
-                  </p:nvSpPr>
-                  <p:spPr>
+                  </p:nvGrpSpPr>
+                  <p:grpSpPr>
                     <a:xfrm>
-                      <a:off x="7581640" y="264695"/>
-                      <a:ext cx="259883" cy="259883"/>
+                      <a:off x="7368958" y="1314472"/>
+                      <a:ext cx="402661" cy="402661"/>
+                      <a:chOff x="7368958" y="1314472"/>
+                      <a:chExt cx="402661" cy="402661"/>
                     </a:xfrm>
-                    <a:prstGeom prst="ellipse">
-                      <a:avLst/>
-                    </a:prstGeom>
-                    <a:noFill/>
-                    <a:ln w="28575">
+                  </p:grpSpPr>
+                  <p:sp>
+                    <p:nvSpPr>
+                      <p:cNvPr id="410" name="Oval 409"/>
+                      <p:cNvSpPr/>
+                      <p:nvPr/>
+                    </p:nvSpPr>
+                    <p:spPr>
+                      <a:xfrm>
+                        <a:off x="7451176" y="1396690"/>
+                        <a:ext cx="238225" cy="238225"/>
+                      </a:xfrm>
+                      <a:prstGeom prst="ellipse">
+                        <a:avLst/>
+                      </a:prstGeom>
                       <a:solidFill>
                         <a:schemeClr val="tx1"/>
                       </a:solidFill>
-                    </a:ln>
-                  </p:spPr>
-                  <p:style>
-                    <a:lnRef idx="2">
-                      <a:schemeClr val="accent1">
-                        <a:shade val="50000"/>
-                      </a:schemeClr>
-                    </a:lnRef>
-                    <a:fillRef idx="1">
-                      <a:schemeClr val="accent1"/>
-                    </a:fillRef>
-                    <a:effectRef idx="0">
-                      <a:schemeClr val="accent1"/>
-                    </a:effectRef>
-                    <a:fontRef idx="minor">
-                      <a:schemeClr val="lt1"/>
-                    </a:fontRef>
-                  </p:style>
-                  <p:txBody>
-                    <a:bodyPr rtlCol="0" anchor="ctr"/>
-                    <a:lstStyle/>
-                    <a:p>
-                      <a:pPr algn="ctr"/>
-                      <a:r>
-                        <a:rPr lang="en-SG" dirty="0" smtClean="0">
-                          <a:solidFill>
-                            <a:sysClr val="windowText" lastClr="000000"/>
-                          </a:solidFill>
-                        </a:rPr>
-                        <a:t>A</a:t>
-                      </a:r>
-                      <a:endParaRPr lang="en-SG" dirty="0">
+                      <a:ln>
                         <a:solidFill>
-                          <a:sysClr val="windowText" lastClr="000000"/>
+                          <a:schemeClr val="tx1"/>
                         </a:solidFill>
-                      </a:endParaRPr>
-                    </a:p>
-                  </p:txBody>
-                </p:sp>
+                      </a:ln>
+                    </p:spPr>
+                    <p:style>
+                      <a:lnRef idx="2">
+                        <a:schemeClr val="accent1">
+                          <a:shade val="50000"/>
+                        </a:schemeClr>
+                      </a:lnRef>
+                      <a:fillRef idx="1">
+                        <a:schemeClr val="accent1"/>
+                      </a:fillRef>
+                      <a:effectRef idx="0">
+                        <a:schemeClr val="accent1"/>
+                      </a:effectRef>
+                      <a:fontRef idx="minor">
+                        <a:schemeClr val="lt1"/>
+                      </a:fontRef>
+                    </p:style>
+                    <p:txBody>
+                      <a:bodyPr rtlCol="0" anchor="ctr"/>
+                      <a:lstStyle/>
+                      <a:p>
+                        <a:pPr algn="ctr"/>
+                        <a:endParaRPr lang="en-SG"/>
+                      </a:p>
+                    </p:txBody>
+                  </p:sp>
+                  <p:sp>
+                    <p:nvSpPr>
+                      <p:cNvPr id="411" name="Oval 410"/>
+                      <p:cNvSpPr/>
+                      <p:nvPr/>
+                    </p:nvSpPr>
+                    <p:spPr>
+                      <a:xfrm>
+                        <a:off x="7368958" y="1314472"/>
+                        <a:ext cx="402661" cy="402661"/>
+                      </a:xfrm>
+                      <a:prstGeom prst="ellipse">
+                        <a:avLst/>
+                      </a:prstGeom>
+                      <a:noFill/>
+                      <a:ln w="19050">
+                        <a:solidFill>
+                          <a:schemeClr val="tx1"/>
+                        </a:solidFill>
+                      </a:ln>
+                    </p:spPr>
+                    <p:style>
+                      <a:lnRef idx="2">
+                        <a:schemeClr val="accent1">
+                          <a:shade val="50000"/>
+                        </a:schemeClr>
+                      </a:lnRef>
+                      <a:fillRef idx="1">
+                        <a:schemeClr val="accent1"/>
+                      </a:fillRef>
+                      <a:effectRef idx="0">
+                        <a:schemeClr val="accent1"/>
+                      </a:effectRef>
+                      <a:fontRef idx="minor">
+                        <a:schemeClr val="lt1"/>
+                      </a:fontRef>
+                    </p:style>
+                    <p:txBody>
+                      <a:bodyPr rtlCol="0" anchor="ctr"/>
+                      <a:lstStyle/>
+                      <a:p>
+                        <a:pPr algn="ctr"/>
+                        <a:endParaRPr lang="en-SG"/>
+                      </a:p>
+                    </p:txBody>
+                  </p:sp>
+                </p:grpSp>
               </p:grpSp>
             </p:grpSp>
           </p:grpSp>
-          <p:grpSp>
-            <p:nvGrpSpPr>
-              <p:cNvPr id="412" name="Group 411"/>
-              <p:cNvGrpSpPr/>
+          <p:sp>
+            <p:nvSpPr>
+              <p:cNvPr id="104" name="TextBox 103"/>
+              <p:cNvSpPr txBox="1"/>
               <p:nvPr/>
-            </p:nvGrpSpPr>
-            <p:grpSpPr>
+            </p:nvSpPr>
+            <p:spPr>
               <a:xfrm>
-                <a:off x="7368958" y="1314472"/>
-                <a:ext cx="402661" cy="402661"/>
-                <a:chOff x="7368958" y="1314472"/>
-                <a:chExt cx="402661" cy="402661"/>
+                <a:off x="6469219" y="1188060"/>
+                <a:ext cx="551754" cy="338554"/>
               </a:xfrm>
-            </p:grpSpPr>
-            <p:sp>
-              <p:nvSpPr>
-                <p:cNvPr id="410" name="Oval 409"/>
-                <p:cNvSpPr/>
-                <p:nvPr/>
-              </p:nvSpPr>
-              <p:spPr>
-                <a:xfrm>
-                  <a:off x="7451176" y="1396690"/>
-                  <a:ext cx="238225" cy="238225"/>
-                </a:xfrm>
-                <a:prstGeom prst="ellipse">
-                  <a:avLst/>
-                </a:prstGeom>
-                <a:solidFill>
-                  <a:schemeClr val="tx1"/>
-                </a:solidFill>
-                <a:ln>
-                  <a:solidFill>
-                    <a:schemeClr val="tx1"/>
-                  </a:solidFill>
-                </a:ln>
-              </p:spPr>
-              <p:style>
-                <a:lnRef idx="2">
-                  <a:schemeClr val="accent1">
-                    <a:shade val="50000"/>
-                  </a:schemeClr>
-                </a:lnRef>
-                <a:fillRef idx="1">
-                  <a:schemeClr val="accent1"/>
-                </a:fillRef>
-                <a:effectRef idx="0">
-                  <a:schemeClr val="accent1"/>
-                </a:effectRef>
-                <a:fontRef idx="minor">
-                  <a:schemeClr val="lt1"/>
-                </a:fontRef>
-              </p:style>
-              <p:txBody>
-                <a:bodyPr rtlCol="0" anchor="ctr"/>
-                <a:lstStyle/>
-                <a:p>
-                  <a:pPr algn="ctr"/>
-                  <a:endParaRPr lang="en-SG"/>
-                </a:p>
-              </p:txBody>
-            </p:sp>
-            <p:sp>
-              <p:nvSpPr>
-                <p:cNvPr id="411" name="Oval 410"/>
-                <p:cNvSpPr/>
-                <p:nvPr/>
-              </p:nvSpPr>
-              <p:spPr>
-                <a:xfrm>
-                  <a:off x="7368958" y="1314472"/>
-                  <a:ext cx="402661" cy="402661"/>
-                </a:xfrm>
-                <a:prstGeom prst="ellipse">
-                  <a:avLst/>
-                </a:prstGeom>
-                <a:noFill/>
-                <a:ln w="19050">
-                  <a:solidFill>
-                    <a:schemeClr val="tx1"/>
-                  </a:solidFill>
-                </a:ln>
-              </p:spPr>
-              <p:style>
-                <a:lnRef idx="2">
-                  <a:schemeClr val="accent1">
-                    <a:shade val="50000"/>
-                  </a:schemeClr>
-                </a:lnRef>
-                <a:fillRef idx="1">
-                  <a:schemeClr val="accent1"/>
-                </a:fillRef>
-                <a:effectRef idx="0">
-                  <a:schemeClr val="accent1"/>
-                </a:effectRef>
-                <a:fontRef idx="minor">
-                  <a:schemeClr val="lt1"/>
-                </a:fontRef>
-              </p:style>
-              <p:txBody>
-                <a:bodyPr rtlCol="0" anchor="ctr"/>
-                <a:lstStyle/>
-                <a:p>
-                  <a:pPr algn="ctr"/>
-                  <a:endParaRPr lang="en-SG"/>
-                </a:p>
-              </p:txBody>
-            </p:sp>
-          </p:grpSp>
-          <p:grpSp>
-            <p:nvGrpSpPr>
-              <p:cNvPr id="413" name="Group 412"/>
-              <p:cNvGrpSpPr/>
-              <p:nvPr/>
-            </p:nvGrpSpPr>
-            <p:grpSpPr>
-              <a:xfrm>
-                <a:off x="2276258" y="412772"/>
-                <a:ext cx="402661" cy="402661"/>
-                <a:chOff x="7368958" y="1314472"/>
-                <a:chExt cx="402661" cy="402661"/>
-              </a:xfrm>
-            </p:grpSpPr>
-            <p:sp>
-              <p:nvSpPr>
-                <p:cNvPr id="414" name="Oval 413"/>
-                <p:cNvSpPr/>
-                <p:nvPr/>
-              </p:nvSpPr>
-              <p:spPr>
-                <a:xfrm>
-                  <a:off x="7451176" y="1396690"/>
-                  <a:ext cx="238225" cy="238225"/>
-                </a:xfrm>
-                <a:prstGeom prst="ellipse">
-                  <a:avLst/>
-                </a:prstGeom>
-                <a:solidFill>
-                  <a:schemeClr val="tx1"/>
-                </a:solidFill>
-                <a:ln>
-                  <a:solidFill>
-                    <a:schemeClr val="tx1"/>
-                  </a:solidFill>
-                </a:ln>
-              </p:spPr>
-              <p:style>
-                <a:lnRef idx="2">
-                  <a:schemeClr val="accent1">
-                    <a:shade val="50000"/>
-                  </a:schemeClr>
-                </a:lnRef>
-                <a:fillRef idx="1">
-                  <a:schemeClr val="accent1"/>
-                </a:fillRef>
-                <a:effectRef idx="0">
-                  <a:schemeClr val="accent1"/>
-                </a:effectRef>
-                <a:fontRef idx="minor">
-                  <a:schemeClr val="lt1"/>
-                </a:fontRef>
-              </p:style>
-              <p:txBody>
-                <a:bodyPr rtlCol="0" anchor="ctr"/>
-                <a:lstStyle/>
-                <a:p>
-                  <a:pPr algn="ctr"/>
-                  <a:endParaRPr lang="en-SG"/>
-                </a:p>
-              </p:txBody>
-            </p:sp>
-            <p:sp>
-              <p:nvSpPr>
-                <p:cNvPr id="415" name="Oval 414"/>
-                <p:cNvSpPr/>
-                <p:nvPr/>
-              </p:nvSpPr>
-              <p:spPr>
-                <a:xfrm>
-                  <a:off x="7368958" y="1314472"/>
-                  <a:ext cx="402661" cy="402661"/>
-                </a:xfrm>
-                <a:prstGeom prst="ellipse">
-                  <a:avLst/>
-                </a:prstGeom>
-                <a:noFill/>
-                <a:ln w="19050">
-                  <a:solidFill>
-                    <a:schemeClr val="tx1"/>
-                  </a:solidFill>
-                </a:ln>
-              </p:spPr>
-              <p:style>
-                <a:lnRef idx="2">
-                  <a:schemeClr val="accent1">
-                    <a:shade val="50000"/>
-                  </a:schemeClr>
-                </a:lnRef>
-                <a:fillRef idx="1">
-                  <a:schemeClr val="accent1"/>
-                </a:fillRef>
-                <a:effectRef idx="0">
-                  <a:schemeClr val="accent1"/>
-                </a:effectRef>
-                <a:fontRef idx="minor">
-                  <a:schemeClr val="lt1"/>
-                </a:fontRef>
-              </p:style>
-              <p:txBody>
-                <a:bodyPr rtlCol="0" anchor="ctr"/>
-                <a:lstStyle/>
-                <a:p>
-                  <a:pPr algn="ctr"/>
-                  <a:endParaRPr lang="en-SG"/>
-                </a:p>
-              </p:txBody>
-            </p:sp>
-          </p:grpSp>
+              <a:prstGeom prst="rect">
+                <a:avLst/>
+              </a:prstGeom>
+              <a:noFill/>
+            </p:spPr>
+            <p:txBody>
+              <a:bodyPr wrap="none" rtlCol="0">
+                <a:spAutoFit/>
+              </a:bodyPr>
+              <a:lstStyle/>
+              <a:p>
+                <a:pPr algn="ctr"/>
+                <a:r>
+                  <a:rPr lang="en-SG" sz="1600" dirty="0" smtClean="0"/>
+                  <a:t>[No]</a:t>
+                </a:r>
+                <a:endParaRPr lang="en-SG" sz="1600" dirty="0"/>
+              </a:p>
+            </p:txBody>
+          </p:sp>
         </p:grpSp>
       </p:grpSp>
     </p:spTree>
     <p:extLst>
       <p:ext uri="{BB962C8B-B14F-4D97-AF65-F5344CB8AC3E}">
-        <p14:creationId xmlns:p14="http://schemas.microsoft.com/office/powerpoint/2010/main" xmlns="" val="1577130838"/>
+        <p14:creationId xmlns="" xmlns:p14="http://schemas.microsoft.com/office/powerpoint/2010/main" val="1577130838"/>
       </p:ext>
     </p:extLst>
   </p:cSld>
@@ -14536,7 +14499,7 @@
               <a:blip r:embed="rId2" cstate="print">
                 <a:extLst>
                   <a:ext uri="{28A0092B-C50C-407E-A947-70E740481C1C}">
-                    <a14:useLocalDpi xmlns:a14="http://schemas.microsoft.com/office/drawing/2010/main" xmlns="" val="0"/>
+                    <a14:useLocalDpi xmlns="" xmlns:a14="http://schemas.microsoft.com/office/drawing/2010/main" val="0"/>
                   </a:ext>
                 </a:extLst>
               </a:blip>
@@ -14556,7 +14519,7 @@
               <a:noFill/>
               <a:extLst>
                 <a:ext uri="{909E8E84-426E-40DD-AFC4-6F175D3DCCD1}">
-                  <a14:hiddenFill xmlns:a14="http://schemas.microsoft.com/office/drawing/2010/main" xmlns="">
+                  <a14:hiddenFill xmlns="" xmlns:a14="http://schemas.microsoft.com/office/drawing/2010/main">
                     <a:solidFill>
                       <a:srgbClr val="FFFFFF"/>
                     </a:solidFill>
@@ -14900,7 +14863,7 @@
     </p:spTree>
     <p:extLst>
       <p:ext uri="{BB962C8B-B14F-4D97-AF65-F5344CB8AC3E}">
-        <p14:creationId xmlns:p14="http://schemas.microsoft.com/office/powerpoint/2010/main" xmlns="" val="1289237162"/>
+        <p14:creationId xmlns="" xmlns:p14="http://schemas.microsoft.com/office/powerpoint/2010/main" val="1289237162"/>
       </p:ext>
     </p:extLst>
   </p:cSld>
@@ -16375,7 +16338,7 @@
     </p:spTree>
     <p:extLst>
       <p:ext uri="{BB962C8B-B14F-4D97-AF65-F5344CB8AC3E}">
-        <p14:creationId xmlns:p14="http://schemas.microsoft.com/office/powerpoint/2010/main" xmlns="" val="66083343"/>
+        <p14:creationId xmlns="" xmlns:p14="http://schemas.microsoft.com/office/powerpoint/2010/main" val="66083343"/>
       </p:ext>
     </p:extLst>
   </p:cSld>
@@ -16674,7 +16637,7 @@
   <a:extraClrSchemeLst/>
   <a:extLst>
     <a:ext uri="{05A4C25C-085E-4340-85A3-A5531E510DB2}">
-      <thm15:themeFamily xmlns:thm15="http://schemas.microsoft.com/office/thememl/2012/main" xmlns="" name="Office Theme" id="{62F939B6-93AF-4DB8-9C6B-D6C7DFDC589F}" vid="{4A3C46E8-61CC-4603-A589-7422A47A8E4A}"/>
+      <thm15:themeFamily xmlns="" xmlns:thm15="http://schemas.microsoft.com/office/thememl/2012/main" name="Office Theme" id="{62F939B6-93AF-4DB8-9C6B-D6C7DFDC589F}" vid="{4A3C46E8-61CC-4603-A589-7422A47A8E4A}"/>
     </a:ext>
   </a:extLst>
 </a:theme>

--- a/doc/DeveloperGuide.pptx
+++ b/doc/DeveloperGuide.pptx
@@ -5,14 +5,16 @@
     <p:sldMasterId id="2147483648" r:id="rId1"/>
   </p:sldMasterIdLst>
   <p:sldIdLst>
-    <p:sldId id="257" r:id="rId2"/>
-    <p:sldId id="259" r:id="rId3"/>
-    <p:sldId id="260" r:id="rId4"/>
-    <p:sldId id="261" r:id="rId5"/>
-    <p:sldId id="262" r:id="rId6"/>
-    <p:sldId id="263" r:id="rId7"/>
-    <p:sldId id="258" r:id="rId8"/>
-    <p:sldId id="256" r:id="rId9"/>
+    <p:sldId id="264" r:id="rId2"/>
+    <p:sldId id="265" r:id="rId3"/>
+    <p:sldId id="257" r:id="rId4"/>
+    <p:sldId id="259" r:id="rId5"/>
+    <p:sldId id="260" r:id="rId6"/>
+    <p:sldId id="261" r:id="rId7"/>
+    <p:sldId id="262" r:id="rId8"/>
+    <p:sldId id="263" r:id="rId9"/>
+    <p:sldId id="258" r:id="rId10"/>
+    <p:sldId id="256" r:id="rId11"/>
   </p:sldIdLst>
   <p:sldSz cx="12192000" cy="6858000"/>
   <p:notesSz cx="6858000" cy="9144000"/>
@@ -113,7 +115,18 @@
   </p:defaultTextStyle>
   <p:extLst>
     <p:ext uri="{EFAFB233-063F-42B5-8137-9DF3F51BA10A}">
-      <p15:sldGuideLst xmlns="" xmlns:p15="http://schemas.microsoft.com/office/powerpoint/2012/main"/>
+      <p15:sldGuideLst xmlns:p15="http://schemas.microsoft.com/office/powerpoint/2012/main">
+        <p15:guide id="1" orient="horz" pos="2160">
+          <p15:clr>
+            <a:srgbClr val="A4A3A4"/>
+          </p15:clr>
+        </p15:guide>
+        <p15:guide id="2" pos="3840">
+          <p15:clr>
+            <a:srgbClr val="A4A3A4"/>
+          </p15:clr>
+        </p15:guide>
+      </p15:sldGuideLst>
     </p:ext>
   </p:extLst>
 </p:presentation>
@@ -251,7 +264,7 @@
             <a:fld id="{6A6D87FE-50F0-4561-88DF-C9C624F56716}" type="datetimeFigureOut">
               <a:rPr lang="en-SG" smtClean="0"/>
               <a:pPr/>
-              <a:t>30/10/2016</a:t>
+              <a:t>6/11/2016</a:t>
             </a:fld>
             <a:endParaRPr lang="en-SG"/>
           </a:p>
@@ -303,7 +316,7 @@
     </p:spTree>
     <p:extLst>
       <p:ext uri="{BB962C8B-B14F-4D97-AF65-F5344CB8AC3E}">
-        <p14:creationId xmlns="" xmlns:p14="http://schemas.microsoft.com/office/powerpoint/2010/main" val="885967701"/>
+        <p14:creationId xmlns:p14="http://schemas.microsoft.com/office/powerpoint/2010/main" val="885967701"/>
       </p:ext>
     </p:extLst>
   </p:cSld>
@@ -423,7 +436,7 @@
             <a:fld id="{6A6D87FE-50F0-4561-88DF-C9C624F56716}" type="datetimeFigureOut">
               <a:rPr lang="en-SG" smtClean="0"/>
               <a:pPr/>
-              <a:t>30/10/2016</a:t>
+              <a:t>6/11/2016</a:t>
             </a:fld>
             <a:endParaRPr lang="en-SG"/>
           </a:p>
@@ -475,7 +488,7 @@
     </p:spTree>
     <p:extLst>
       <p:ext uri="{BB962C8B-B14F-4D97-AF65-F5344CB8AC3E}">
-        <p14:creationId xmlns="" xmlns:p14="http://schemas.microsoft.com/office/powerpoint/2010/main" val="2514989070"/>
+        <p14:creationId xmlns:p14="http://schemas.microsoft.com/office/powerpoint/2010/main" val="2514989070"/>
       </p:ext>
     </p:extLst>
   </p:cSld>
@@ -605,7 +618,7 @@
             <a:fld id="{6A6D87FE-50F0-4561-88DF-C9C624F56716}" type="datetimeFigureOut">
               <a:rPr lang="en-SG" smtClean="0"/>
               <a:pPr/>
-              <a:t>30/10/2016</a:t>
+              <a:t>6/11/2016</a:t>
             </a:fld>
             <a:endParaRPr lang="en-SG"/>
           </a:p>
@@ -657,7 +670,7 @@
     </p:spTree>
     <p:extLst>
       <p:ext uri="{BB962C8B-B14F-4D97-AF65-F5344CB8AC3E}">
-        <p14:creationId xmlns="" xmlns:p14="http://schemas.microsoft.com/office/powerpoint/2010/main" val="1140117352"/>
+        <p14:creationId xmlns:p14="http://schemas.microsoft.com/office/powerpoint/2010/main" val="1140117352"/>
       </p:ext>
     </p:extLst>
   </p:cSld>
@@ -777,7 +790,7 @@
             <a:fld id="{6A6D87FE-50F0-4561-88DF-C9C624F56716}" type="datetimeFigureOut">
               <a:rPr lang="en-SG" smtClean="0"/>
               <a:pPr/>
-              <a:t>30/10/2016</a:t>
+              <a:t>6/11/2016</a:t>
             </a:fld>
             <a:endParaRPr lang="en-SG"/>
           </a:p>
@@ -829,7 +842,7 @@
     </p:spTree>
     <p:extLst>
       <p:ext uri="{BB962C8B-B14F-4D97-AF65-F5344CB8AC3E}">
-        <p14:creationId xmlns="" xmlns:p14="http://schemas.microsoft.com/office/powerpoint/2010/main" val="1305359399"/>
+        <p14:creationId xmlns:p14="http://schemas.microsoft.com/office/powerpoint/2010/main" val="1305359399"/>
       </p:ext>
     </p:extLst>
   </p:cSld>
@@ -1025,7 +1038,7 @@
             <a:fld id="{6A6D87FE-50F0-4561-88DF-C9C624F56716}" type="datetimeFigureOut">
               <a:rPr lang="en-SG" smtClean="0"/>
               <a:pPr/>
-              <a:t>30/10/2016</a:t>
+              <a:t>6/11/2016</a:t>
             </a:fld>
             <a:endParaRPr lang="en-SG"/>
           </a:p>
@@ -1077,7 +1090,7 @@
     </p:spTree>
     <p:extLst>
       <p:ext uri="{BB962C8B-B14F-4D97-AF65-F5344CB8AC3E}">
-        <p14:creationId xmlns="" xmlns:p14="http://schemas.microsoft.com/office/powerpoint/2010/main" val="1635507559"/>
+        <p14:creationId xmlns:p14="http://schemas.microsoft.com/office/powerpoint/2010/main" val="1635507559"/>
       </p:ext>
     </p:extLst>
   </p:cSld>
@@ -1259,7 +1272,7 @@
             <a:fld id="{6A6D87FE-50F0-4561-88DF-C9C624F56716}" type="datetimeFigureOut">
               <a:rPr lang="en-SG" smtClean="0"/>
               <a:pPr/>
-              <a:t>30/10/2016</a:t>
+              <a:t>6/11/2016</a:t>
             </a:fld>
             <a:endParaRPr lang="en-SG"/>
           </a:p>
@@ -1311,7 +1324,7 @@
     </p:spTree>
     <p:extLst>
       <p:ext uri="{BB962C8B-B14F-4D97-AF65-F5344CB8AC3E}">
-        <p14:creationId xmlns="" xmlns:p14="http://schemas.microsoft.com/office/powerpoint/2010/main" val="3880365593"/>
+        <p14:creationId xmlns:p14="http://schemas.microsoft.com/office/powerpoint/2010/main" val="3880365593"/>
       </p:ext>
     </p:extLst>
   </p:cSld>
@@ -1628,7 +1641,7 @@
             <a:fld id="{6A6D87FE-50F0-4561-88DF-C9C624F56716}" type="datetimeFigureOut">
               <a:rPr lang="en-SG" smtClean="0"/>
               <a:pPr/>
-              <a:t>30/10/2016</a:t>
+              <a:t>6/11/2016</a:t>
             </a:fld>
             <a:endParaRPr lang="en-SG"/>
           </a:p>
@@ -1680,7 +1693,7 @@
     </p:spTree>
     <p:extLst>
       <p:ext uri="{BB962C8B-B14F-4D97-AF65-F5344CB8AC3E}">
-        <p14:creationId xmlns="" xmlns:p14="http://schemas.microsoft.com/office/powerpoint/2010/main" val="761753800"/>
+        <p14:creationId xmlns:p14="http://schemas.microsoft.com/office/powerpoint/2010/main" val="761753800"/>
       </p:ext>
     </p:extLst>
   </p:cSld>
@@ -1748,7 +1761,7 @@
             <a:fld id="{6A6D87FE-50F0-4561-88DF-C9C624F56716}" type="datetimeFigureOut">
               <a:rPr lang="en-SG" smtClean="0"/>
               <a:pPr/>
-              <a:t>30/10/2016</a:t>
+              <a:t>6/11/2016</a:t>
             </a:fld>
             <a:endParaRPr lang="en-SG"/>
           </a:p>
@@ -1800,7 +1813,7 @@
     </p:spTree>
     <p:extLst>
       <p:ext uri="{BB962C8B-B14F-4D97-AF65-F5344CB8AC3E}">
-        <p14:creationId xmlns="" xmlns:p14="http://schemas.microsoft.com/office/powerpoint/2010/main" val="442809760"/>
+        <p14:creationId xmlns:p14="http://schemas.microsoft.com/office/powerpoint/2010/main" val="442809760"/>
       </p:ext>
     </p:extLst>
   </p:cSld>
@@ -1845,7 +1858,7 @@
             <a:fld id="{6A6D87FE-50F0-4561-88DF-C9C624F56716}" type="datetimeFigureOut">
               <a:rPr lang="en-SG" smtClean="0"/>
               <a:pPr/>
-              <a:t>30/10/2016</a:t>
+              <a:t>6/11/2016</a:t>
             </a:fld>
             <a:endParaRPr lang="en-SG"/>
           </a:p>
@@ -1897,7 +1910,7 @@
     </p:spTree>
     <p:extLst>
       <p:ext uri="{BB962C8B-B14F-4D97-AF65-F5344CB8AC3E}">
-        <p14:creationId xmlns="" xmlns:p14="http://schemas.microsoft.com/office/powerpoint/2010/main" val="3041616938"/>
+        <p14:creationId xmlns:p14="http://schemas.microsoft.com/office/powerpoint/2010/main" val="3041616938"/>
       </p:ext>
     </p:extLst>
   </p:cSld>
@@ -2124,7 +2137,7 @@
             <a:fld id="{6A6D87FE-50F0-4561-88DF-C9C624F56716}" type="datetimeFigureOut">
               <a:rPr lang="en-SG" smtClean="0"/>
               <a:pPr/>
-              <a:t>30/10/2016</a:t>
+              <a:t>6/11/2016</a:t>
             </a:fld>
             <a:endParaRPr lang="en-SG"/>
           </a:p>
@@ -2176,7 +2189,7 @@
     </p:spTree>
     <p:extLst>
       <p:ext uri="{BB962C8B-B14F-4D97-AF65-F5344CB8AC3E}">
-        <p14:creationId xmlns="" xmlns:p14="http://schemas.microsoft.com/office/powerpoint/2010/main" val="2367210547"/>
+        <p14:creationId xmlns:p14="http://schemas.microsoft.com/office/powerpoint/2010/main" val="2367210547"/>
       </p:ext>
     </p:extLst>
   </p:cSld>
@@ -2379,7 +2392,7 @@
             <a:fld id="{6A6D87FE-50F0-4561-88DF-C9C624F56716}" type="datetimeFigureOut">
               <a:rPr lang="en-SG" smtClean="0"/>
               <a:pPr/>
-              <a:t>30/10/2016</a:t>
+              <a:t>6/11/2016</a:t>
             </a:fld>
             <a:endParaRPr lang="en-SG"/>
           </a:p>
@@ -2431,7 +2444,7 @@
     </p:spTree>
     <p:extLst>
       <p:ext uri="{BB962C8B-B14F-4D97-AF65-F5344CB8AC3E}">
-        <p14:creationId xmlns="" xmlns:p14="http://schemas.microsoft.com/office/powerpoint/2010/main" val="5036302"/>
+        <p14:creationId xmlns:p14="http://schemas.microsoft.com/office/powerpoint/2010/main" val="5036302"/>
       </p:ext>
     </p:extLst>
   </p:cSld>
@@ -2594,7 +2607,7 @@
             <a:fld id="{6A6D87FE-50F0-4561-88DF-C9C624F56716}" type="datetimeFigureOut">
               <a:rPr lang="en-SG" smtClean="0"/>
               <a:pPr/>
-              <a:t>30/10/2016</a:t>
+              <a:t>6/11/2016</a:t>
             </a:fld>
             <a:endParaRPr lang="en-SG"/>
           </a:p>
@@ -2682,7 +2695,7 @@
     </p:spTree>
     <p:extLst>
       <p:ext uri="{BB962C8B-B14F-4D97-AF65-F5344CB8AC3E}">
-        <p14:creationId xmlns="" xmlns:p14="http://schemas.microsoft.com/office/powerpoint/2010/main" val="2495799563"/>
+        <p14:creationId xmlns:p14="http://schemas.microsoft.com/office/powerpoint/2010/main" val="2495799563"/>
       </p:ext>
     </p:extLst>
   </p:cSld>
@@ -2984,6 +2997,1787 @@
 </file>
 
 <file path=ppt/slides/slide1.xml><?xml version="1.0" encoding="utf-8"?>
+<p:sld xmlns:a="http://schemas.openxmlformats.org/drawingml/2006/main" xmlns:r="http://schemas.openxmlformats.org/officeDocument/2006/relationships" xmlns:p="http://schemas.openxmlformats.org/presentationml/2006/main">
+  <p:cSld>
+    <p:spTree>
+      <p:nvGrpSpPr>
+        <p:cNvPr id="1" name=""/>
+        <p:cNvGrpSpPr/>
+        <p:nvPr/>
+      </p:nvGrpSpPr>
+      <p:grpSpPr>
+        <a:xfrm>
+          <a:off x="0" y="0"/>
+          <a:ext cx="0" cy="0"/>
+          <a:chOff x="0" y="0"/>
+          <a:chExt cx="0" cy="0"/>
+        </a:xfrm>
+      </p:grpSpPr>
+      <p:grpSp>
+        <p:nvGrpSpPr>
+          <p:cNvPr id="8" name="Group 7"/>
+          <p:cNvGrpSpPr/>
+          <p:nvPr/>
+        </p:nvGrpSpPr>
+        <p:grpSpPr>
+          <a:xfrm>
+            <a:off x="2340529" y="855847"/>
+            <a:ext cx="5008228" cy="3839428"/>
+            <a:chOff x="1602298" y="797124"/>
+            <a:chExt cx="5008228" cy="3839428"/>
+          </a:xfrm>
+        </p:grpSpPr>
+        <p:pic>
+          <p:nvPicPr>
+            <p:cNvPr id="5" name="Picture 4"/>
+            <p:cNvPicPr>
+              <a:picLocks noChangeAspect="1"/>
+            </p:cNvPicPr>
+            <p:nvPr/>
+          </p:nvPicPr>
+          <p:blipFill rotWithShape="1">
+            <a:blip r:embed="rId2"/>
+            <a:srcRect l="17821" t="16027" r="41101" b="33822"/>
+            <a:stretch/>
+          </p:blipFill>
+          <p:spPr>
+            <a:xfrm>
+              <a:off x="1602298" y="797124"/>
+              <a:ext cx="5008228" cy="3439318"/>
+            </a:xfrm>
+            <a:prstGeom prst="rect">
+              <a:avLst/>
+            </a:prstGeom>
+            <a:ln>
+              <a:solidFill>
+                <a:schemeClr val="accent1"/>
+              </a:solidFill>
+            </a:ln>
+          </p:spPr>
+        </p:pic>
+        <p:sp>
+          <p:nvSpPr>
+            <p:cNvPr id="6" name="Rectangle 5"/>
+            <p:cNvSpPr/>
+            <p:nvPr/>
+          </p:nvSpPr>
+          <p:spPr>
+            <a:xfrm>
+              <a:off x="5394121" y="1476462"/>
+              <a:ext cx="587229" cy="184558"/>
+            </a:xfrm>
+            <a:prstGeom prst="rect">
+              <a:avLst/>
+            </a:prstGeom>
+            <a:noFill/>
+            <a:ln>
+              <a:solidFill>
+                <a:srgbClr val="FF0000"/>
+              </a:solidFill>
+            </a:ln>
+          </p:spPr>
+          <p:style>
+            <a:lnRef idx="2">
+              <a:schemeClr val="accent1">
+                <a:shade val="50000"/>
+              </a:schemeClr>
+            </a:lnRef>
+            <a:fillRef idx="1">
+              <a:schemeClr val="accent1"/>
+            </a:fillRef>
+            <a:effectRef idx="0">
+              <a:schemeClr val="accent1"/>
+            </a:effectRef>
+            <a:fontRef idx="minor">
+              <a:schemeClr val="lt1"/>
+            </a:fontRef>
+          </p:style>
+          <p:txBody>
+            <a:bodyPr rtlCol="0" anchor="ctr"/>
+            <a:lstStyle/>
+            <a:p>
+              <a:pPr algn="ctr"/>
+              <a:endParaRPr lang="en-SG"/>
+            </a:p>
+          </p:txBody>
+        </p:sp>
+        <p:sp>
+          <p:nvSpPr>
+            <p:cNvPr id="7" name="TextBox 6"/>
+            <p:cNvSpPr txBox="1"/>
+            <p:nvPr/>
+          </p:nvSpPr>
+          <p:spPr>
+            <a:xfrm>
+              <a:off x="1602298" y="4236442"/>
+              <a:ext cx="3602268" cy="400110"/>
+            </a:xfrm>
+            <a:prstGeom prst="rect">
+              <a:avLst/>
+            </a:prstGeom>
+            <a:noFill/>
+          </p:spPr>
+          <p:txBody>
+            <a:bodyPr wrap="none" rtlCol="0">
+              <a:spAutoFit/>
+            </a:bodyPr>
+            <a:lstStyle/>
+            <a:p>
+              <a:r>
+                <a:rPr lang="en-SG" sz="2000" dirty="0">
+                  <a:solidFill>
+                    <a:schemeClr val="accent1"/>
+                  </a:solidFill>
+                  <a:latin typeface="Eras Medium ITC" panose="020B0602030504020804" pitchFamily="34" charset="0"/>
+                </a:rPr>
+                <a:t>Figure 1: Preferences Window</a:t>
+              </a:r>
+            </a:p>
+          </p:txBody>
+        </p:sp>
+      </p:grpSp>
+    </p:spTree>
+    <p:extLst>
+      <p:ext uri="{BB962C8B-B14F-4D97-AF65-F5344CB8AC3E}">
+        <p14:creationId xmlns:p14="http://schemas.microsoft.com/office/powerpoint/2010/main" val="864616086"/>
+      </p:ext>
+    </p:extLst>
+  </p:cSld>
+  <p:clrMapOvr>
+    <a:masterClrMapping/>
+  </p:clrMapOvr>
+</p:sld>
+</file>
+
+<file path=ppt/slides/slide10.xml><?xml version="1.0" encoding="utf-8"?>
+<p:sld xmlns:a="http://schemas.openxmlformats.org/drawingml/2006/main" xmlns:r="http://schemas.openxmlformats.org/officeDocument/2006/relationships" xmlns:p="http://schemas.openxmlformats.org/presentationml/2006/main">
+  <p:cSld>
+    <p:spTree>
+      <p:nvGrpSpPr>
+        <p:cNvPr id="1" name=""/>
+        <p:cNvGrpSpPr/>
+        <p:nvPr/>
+      </p:nvGrpSpPr>
+      <p:grpSpPr>
+        <a:xfrm>
+          <a:off x="0" y="0"/>
+          <a:ext cx="0" cy="0"/>
+          <a:chOff x="0" y="0"/>
+          <a:chExt cx="0" cy="0"/>
+        </a:xfrm>
+      </p:grpSpPr>
+      <p:sp>
+        <p:nvSpPr>
+          <p:cNvPr id="6" name="TextBox 5"/>
+          <p:cNvSpPr txBox="1"/>
+          <p:nvPr/>
+        </p:nvSpPr>
+        <p:spPr>
+          <a:xfrm>
+            <a:off x="5326308" y="3145741"/>
+            <a:ext cx="1476463" cy="523220"/>
+          </a:xfrm>
+          <a:prstGeom prst="rect">
+            <a:avLst/>
+          </a:prstGeom>
+          <a:noFill/>
+          <a:ln>
+            <a:solidFill>
+              <a:schemeClr val="accent6"/>
+            </a:solidFill>
+          </a:ln>
+        </p:spPr>
+        <p:txBody>
+          <a:bodyPr wrap="square" rtlCol="0">
+            <a:spAutoFit/>
+          </a:bodyPr>
+          <a:lstStyle/>
+          <a:p>
+            <a:pPr algn="ctr"/>
+            <a:r>
+              <a:rPr lang="en-SG" sz="1400" dirty="0">
+                <a:solidFill>
+                  <a:schemeClr val="accent6"/>
+                </a:solidFill>
+                <a:latin typeface="Consolas" panose="020B0609020204030204" pitchFamily="49" charset="0"/>
+              </a:rPr>
+              <a:t>&lt;&lt;interface&gt;&gt;</a:t>
+            </a:r>
+          </a:p>
+          <a:p>
+            <a:pPr algn="ctr"/>
+            <a:r>
+              <a:rPr lang="en-SG" sz="1400" dirty="0">
+                <a:solidFill>
+                  <a:schemeClr val="accent6"/>
+                </a:solidFill>
+                <a:latin typeface="Consolas" panose="020B0609020204030204" pitchFamily="49" charset="0"/>
+              </a:rPr>
+              <a:t>Command</a:t>
+            </a:r>
+          </a:p>
+        </p:txBody>
+      </p:sp>
+      <p:sp>
+        <p:nvSpPr>
+          <p:cNvPr id="12" name="TextBox 11"/>
+          <p:cNvSpPr txBox="1"/>
+          <p:nvPr/>
+        </p:nvSpPr>
+        <p:spPr>
+          <a:xfrm>
+            <a:off x="1343636" y="1869527"/>
+            <a:ext cx="644555" cy="307777"/>
+          </a:xfrm>
+          <a:prstGeom prst="rect">
+            <a:avLst/>
+          </a:prstGeom>
+          <a:noFill/>
+          <a:ln>
+            <a:solidFill>
+              <a:schemeClr val="accent1"/>
+            </a:solidFill>
+          </a:ln>
+        </p:spPr>
+        <p:txBody>
+          <a:bodyPr wrap="square" rtlCol="0">
+            <a:spAutoFit/>
+          </a:bodyPr>
+          <a:lstStyle/>
+          <a:p>
+            <a:pPr algn="ctr"/>
+            <a:r>
+              <a:rPr lang="en-SG" sz="1400" dirty="0">
+                <a:solidFill>
+                  <a:schemeClr val="accent1"/>
+                </a:solidFill>
+                <a:latin typeface="Consolas" panose="020B0609020204030204" pitchFamily="49" charset="0"/>
+              </a:rPr>
+              <a:t>Main</a:t>
+            </a:r>
+          </a:p>
+        </p:txBody>
+      </p:sp>
+      <p:sp>
+        <p:nvSpPr>
+          <p:cNvPr id="13" name="TextBox 12"/>
+          <p:cNvSpPr txBox="1"/>
+          <p:nvPr/>
+        </p:nvSpPr>
+        <p:spPr>
+          <a:xfrm>
+            <a:off x="533398" y="2576389"/>
+            <a:ext cx="1895912" cy="307777"/>
+          </a:xfrm>
+          <a:prstGeom prst="rect">
+            <a:avLst/>
+          </a:prstGeom>
+          <a:noFill/>
+          <a:ln>
+            <a:solidFill>
+              <a:schemeClr val="accent1"/>
+            </a:solidFill>
+          </a:ln>
+        </p:spPr>
+        <p:txBody>
+          <a:bodyPr wrap="square" rtlCol="0">
+            <a:spAutoFit/>
+          </a:bodyPr>
+          <a:lstStyle/>
+          <a:p>
+            <a:pPr algn="ctr"/>
+            <a:r>
+              <a:rPr lang="en-SG" sz="1400" dirty="0">
+                <a:solidFill>
+                  <a:schemeClr val="accent1"/>
+                </a:solidFill>
+                <a:latin typeface="Consolas" panose="020B0609020204030204" pitchFamily="49" charset="0"/>
+              </a:rPr>
+              <a:t>ConsoleController</a:t>
+            </a:r>
+          </a:p>
+        </p:txBody>
+      </p:sp>
+      <p:sp>
+        <p:nvSpPr>
+          <p:cNvPr id="14" name="TextBox 13"/>
+          <p:cNvSpPr txBox="1"/>
+          <p:nvPr/>
+        </p:nvSpPr>
+        <p:spPr>
+          <a:xfrm>
+            <a:off x="3078056" y="2569751"/>
+            <a:ext cx="1352728" cy="307777"/>
+          </a:xfrm>
+          <a:prstGeom prst="rect">
+            <a:avLst/>
+          </a:prstGeom>
+          <a:noFill/>
+          <a:ln>
+            <a:solidFill>
+              <a:schemeClr val="accent2"/>
+            </a:solidFill>
+          </a:ln>
+        </p:spPr>
+        <p:txBody>
+          <a:bodyPr wrap="square" rtlCol="0">
+            <a:spAutoFit/>
+          </a:bodyPr>
+          <a:lstStyle/>
+          <a:p>
+            <a:pPr algn="ctr"/>
+            <a:r>
+              <a:rPr lang="en-SG" sz="1400" dirty="0">
+                <a:solidFill>
+                  <a:schemeClr val="accent2"/>
+                </a:solidFill>
+                <a:latin typeface="Consolas" panose="020B0609020204030204" pitchFamily="49" charset="0"/>
+              </a:rPr>
+              <a:t>ControlUnit</a:t>
+            </a:r>
+          </a:p>
+        </p:txBody>
+      </p:sp>
+      <p:sp>
+        <p:nvSpPr>
+          <p:cNvPr id="15" name="TextBox 14"/>
+          <p:cNvSpPr txBox="1"/>
+          <p:nvPr/>
+        </p:nvSpPr>
+        <p:spPr>
+          <a:xfrm>
+            <a:off x="3078056" y="3253463"/>
+            <a:ext cx="1586221" cy="307777"/>
+          </a:xfrm>
+          <a:prstGeom prst="rect">
+            <a:avLst/>
+          </a:prstGeom>
+          <a:noFill/>
+          <a:ln>
+            <a:solidFill>
+              <a:schemeClr val="accent2"/>
+            </a:solidFill>
+          </a:ln>
+        </p:spPr>
+        <p:txBody>
+          <a:bodyPr wrap="square" rtlCol="0">
+            <a:spAutoFit/>
+          </a:bodyPr>
+          <a:lstStyle/>
+          <a:p>
+            <a:pPr algn="ctr"/>
+            <a:r>
+              <a:rPr lang="en-SG" sz="1400" dirty="0">
+                <a:solidFill>
+                  <a:schemeClr val="accent2"/>
+                </a:solidFill>
+                <a:latin typeface="Consolas" panose="020B0609020204030204" pitchFamily="49" charset="0"/>
+              </a:rPr>
+              <a:t>CommandManager</a:t>
+            </a:r>
+          </a:p>
+        </p:txBody>
+      </p:sp>
+      <p:sp>
+        <p:nvSpPr>
+          <p:cNvPr id="16" name="TextBox 15"/>
+          <p:cNvSpPr txBox="1"/>
+          <p:nvPr/>
+        </p:nvSpPr>
+        <p:spPr>
+          <a:xfrm>
+            <a:off x="3665637" y="1869526"/>
+            <a:ext cx="998640" cy="307777"/>
+          </a:xfrm>
+          <a:prstGeom prst="rect">
+            <a:avLst/>
+          </a:prstGeom>
+          <a:noFill/>
+          <a:ln>
+            <a:solidFill>
+              <a:schemeClr val="accent3">
+                <a:lumMod val="50000"/>
+              </a:schemeClr>
+            </a:solidFill>
+          </a:ln>
+        </p:spPr>
+        <p:txBody>
+          <a:bodyPr wrap="square" rtlCol="0">
+            <a:spAutoFit/>
+          </a:bodyPr>
+          <a:lstStyle/>
+          <a:p>
+            <a:pPr algn="ctr"/>
+            <a:r>
+              <a:rPr lang="en-SG" sz="1400" dirty="0">
+                <a:solidFill>
+                  <a:schemeClr val="accent3">
+                    <a:lumMod val="50000"/>
+                  </a:schemeClr>
+                </a:solidFill>
+                <a:latin typeface="Consolas" panose="020B0609020204030204" pitchFamily="49" charset="0"/>
+              </a:rPr>
+              <a:t>Schedule</a:t>
+            </a:r>
+          </a:p>
+        </p:txBody>
+      </p:sp>
+      <p:cxnSp>
+        <p:nvCxnSpPr>
+          <p:cNvPr id="21" name="Straight Arrow Connector 20"/>
+          <p:cNvCxnSpPr/>
+          <p:nvPr/>
+        </p:nvCxnSpPr>
+        <p:spPr>
+          <a:xfrm>
+            <a:off x="4748169" y="3407351"/>
+            <a:ext cx="494951" cy="0"/>
+          </a:xfrm>
+          <a:prstGeom prst="straightConnector1">
+            <a:avLst/>
+          </a:prstGeom>
+          <a:ln>
+            <a:headEnd type="none" w="med" len="med"/>
+            <a:tailEnd type="arrow" w="med" len="med"/>
+          </a:ln>
+        </p:spPr>
+        <p:style>
+          <a:lnRef idx="1">
+            <a:schemeClr val="accent2"/>
+          </a:lnRef>
+          <a:fillRef idx="0">
+            <a:schemeClr val="accent2"/>
+          </a:fillRef>
+          <a:effectRef idx="0">
+            <a:schemeClr val="accent2"/>
+          </a:effectRef>
+          <a:fontRef idx="minor">
+            <a:schemeClr val="tx1"/>
+          </a:fontRef>
+        </p:style>
+      </p:cxnSp>
+      <p:cxnSp>
+        <p:nvCxnSpPr>
+          <p:cNvPr id="28" name="Straight Arrow Connector 27"/>
+          <p:cNvCxnSpPr/>
+          <p:nvPr/>
+        </p:nvCxnSpPr>
+        <p:spPr>
+          <a:xfrm flipH="1" flipV="1">
+            <a:off x="4013646" y="2202554"/>
+            <a:ext cx="8550" cy="325432"/>
+          </a:xfrm>
+          <a:prstGeom prst="straightConnector1">
+            <a:avLst/>
+          </a:prstGeom>
+          <a:ln>
+            <a:solidFill>
+              <a:schemeClr val="accent2"/>
+            </a:solidFill>
+            <a:headEnd type="none" w="med" len="med"/>
+            <a:tailEnd type="arrow" w="med" len="med"/>
+          </a:ln>
+        </p:spPr>
+        <p:style>
+          <a:lnRef idx="1">
+            <a:schemeClr val="accent2"/>
+          </a:lnRef>
+          <a:fillRef idx="0">
+            <a:schemeClr val="accent2"/>
+          </a:fillRef>
+          <a:effectRef idx="0">
+            <a:schemeClr val="accent2"/>
+          </a:effectRef>
+          <a:fontRef idx="minor">
+            <a:schemeClr val="tx1"/>
+          </a:fontRef>
+        </p:style>
+      </p:cxnSp>
+      <p:cxnSp>
+        <p:nvCxnSpPr>
+          <p:cNvPr id="36" name="Straight Arrow Connector 35"/>
+          <p:cNvCxnSpPr/>
+          <p:nvPr/>
+        </p:nvCxnSpPr>
+        <p:spPr>
+          <a:xfrm>
+            <a:off x="4013646" y="2925740"/>
+            <a:ext cx="3980" cy="308786"/>
+          </a:xfrm>
+          <a:prstGeom prst="straightConnector1">
+            <a:avLst/>
+          </a:prstGeom>
+          <a:ln>
+            <a:headEnd type="none" w="med" len="med"/>
+            <a:tailEnd type="arrow" w="med" len="med"/>
+          </a:ln>
+        </p:spPr>
+        <p:style>
+          <a:lnRef idx="1">
+            <a:schemeClr val="accent2"/>
+          </a:lnRef>
+          <a:fillRef idx="0">
+            <a:schemeClr val="accent2"/>
+          </a:fillRef>
+          <a:effectRef idx="0">
+            <a:schemeClr val="accent2"/>
+          </a:effectRef>
+          <a:fontRef idx="minor">
+            <a:schemeClr val="tx1"/>
+          </a:fontRef>
+        </p:style>
+      </p:cxnSp>
+      <p:cxnSp>
+        <p:nvCxnSpPr>
+          <p:cNvPr id="40" name="Straight Arrow Connector 39"/>
+          <p:cNvCxnSpPr/>
+          <p:nvPr/>
+        </p:nvCxnSpPr>
+        <p:spPr>
+          <a:xfrm>
+            <a:off x="2525087" y="2730278"/>
+            <a:ext cx="469086" cy="0"/>
+          </a:xfrm>
+          <a:prstGeom prst="straightConnector1">
+            <a:avLst/>
+          </a:prstGeom>
+          <a:ln>
+            <a:headEnd type="none" w="med" len="med"/>
+            <a:tailEnd type="arrow" w="med" len="med"/>
+          </a:ln>
+        </p:spPr>
+        <p:style>
+          <a:lnRef idx="1">
+            <a:schemeClr val="accent1"/>
+          </a:lnRef>
+          <a:fillRef idx="0">
+            <a:schemeClr val="accent1"/>
+          </a:fillRef>
+          <a:effectRef idx="0">
+            <a:schemeClr val="accent1"/>
+          </a:effectRef>
+          <a:fontRef idx="minor">
+            <a:schemeClr val="tx1"/>
+          </a:fontRef>
+        </p:style>
+      </p:cxnSp>
+      <p:cxnSp>
+        <p:nvCxnSpPr>
+          <p:cNvPr id="42" name="Straight Arrow Connector 41"/>
+          <p:cNvCxnSpPr/>
+          <p:nvPr/>
+        </p:nvCxnSpPr>
+        <p:spPr>
+          <a:xfrm>
+            <a:off x="1665913" y="2236061"/>
+            <a:ext cx="0" cy="291925"/>
+          </a:xfrm>
+          <a:prstGeom prst="straightConnector1">
+            <a:avLst/>
+          </a:prstGeom>
+          <a:ln>
+            <a:headEnd type="none" w="med" len="med"/>
+            <a:tailEnd type="arrow" w="med" len="med"/>
+          </a:ln>
+        </p:spPr>
+        <p:style>
+          <a:lnRef idx="1">
+            <a:schemeClr val="accent1"/>
+          </a:lnRef>
+          <a:fillRef idx="0">
+            <a:schemeClr val="accent1"/>
+          </a:fillRef>
+          <a:effectRef idx="0">
+            <a:schemeClr val="accent1"/>
+          </a:effectRef>
+          <a:fontRef idx="minor">
+            <a:schemeClr val="tx1"/>
+          </a:fontRef>
+        </p:style>
+      </p:cxnSp>
+      <p:sp>
+        <p:nvSpPr>
+          <p:cNvPr id="43" name="TextBox 42"/>
+          <p:cNvSpPr txBox="1"/>
+          <p:nvPr/>
+        </p:nvSpPr>
+        <p:spPr>
+          <a:xfrm>
+            <a:off x="5116583" y="4121361"/>
+            <a:ext cx="1895912" cy="523220"/>
+          </a:xfrm>
+          <a:prstGeom prst="rect">
+            <a:avLst/>
+          </a:prstGeom>
+          <a:noFill/>
+          <a:ln>
+            <a:solidFill>
+              <a:schemeClr val="accent4">
+                <a:lumMod val="75000"/>
+              </a:schemeClr>
+            </a:solidFill>
+          </a:ln>
+        </p:spPr>
+        <p:txBody>
+          <a:bodyPr wrap="square" rtlCol="0">
+            <a:spAutoFit/>
+          </a:bodyPr>
+          <a:lstStyle/>
+          <a:p>
+            <a:pPr algn="ctr"/>
+            <a:r>
+              <a:rPr lang="en-SG" sz="1400" dirty="0">
+                <a:solidFill>
+                  <a:schemeClr val="accent4">
+                    <a:lumMod val="75000"/>
+                  </a:schemeClr>
+                </a:solidFill>
+                <a:latin typeface="Consolas" panose="020B0609020204030204" pitchFamily="49" charset="0"/>
+              </a:rPr>
+              <a:t>&lt;&lt;interface&gt;&gt;</a:t>
+            </a:r>
+          </a:p>
+          <a:p>
+            <a:pPr algn="ctr"/>
+            <a:r>
+              <a:rPr lang="en-SG" sz="1400" dirty="0">
+                <a:solidFill>
+                  <a:schemeClr val="accent4">
+                    <a:lumMod val="75000"/>
+                  </a:schemeClr>
+                </a:solidFill>
+                <a:latin typeface="Consolas" panose="020B0609020204030204" pitchFamily="49" charset="0"/>
+              </a:rPr>
+              <a:t>CommandResult</a:t>
+            </a:r>
+          </a:p>
+        </p:txBody>
+      </p:sp>
+      <p:cxnSp>
+        <p:nvCxnSpPr>
+          <p:cNvPr id="46" name="Straight Arrow Connector 45"/>
+          <p:cNvCxnSpPr/>
+          <p:nvPr/>
+        </p:nvCxnSpPr>
+        <p:spPr>
+          <a:xfrm flipH="1" flipV="1">
+            <a:off x="4581084" y="2216150"/>
+            <a:ext cx="8389" cy="998465"/>
+          </a:xfrm>
+          <a:prstGeom prst="straightConnector1">
+            <a:avLst/>
+          </a:prstGeom>
+          <a:ln>
+            <a:solidFill>
+              <a:schemeClr val="accent2"/>
+            </a:solidFill>
+            <a:headEnd type="none" w="med" len="med"/>
+            <a:tailEnd type="arrow" w="med" len="med"/>
+          </a:ln>
+        </p:spPr>
+        <p:style>
+          <a:lnRef idx="1">
+            <a:schemeClr val="accent1"/>
+          </a:lnRef>
+          <a:fillRef idx="0">
+            <a:schemeClr val="accent1"/>
+          </a:fillRef>
+          <a:effectRef idx="0">
+            <a:schemeClr val="accent1"/>
+          </a:effectRef>
+          <a:fontRef idx="minor">
+            <a:schemeClr val="tx1"/>
+          </a:fontRef>
+        </p:style>
+      </p:cxnSp>
+      <p:cxnSp>
+        <p:nvCxnSpPr>
+          <p:cNvPr id="47" name="Straight Arrow Connector 46"/>
+          <p:cNvCxnSpPr/>
+          <p:nvPr/>
+        </p:nvCxnSpPr>
+        <p:spPr>
+          <a:xfrm>
+            <a:off x="6060559" y="3740768"/>
+            <a:ext cx="3980" cy="308786"/>
+          </a:xfrm>
+          <a:prstGeom prst="straightConnector1">
+            <a:avLst/>
+          </a:prstGeom>
+          <a:ln>
+            <a:solidFill>
+              <a:schemeClr val="accent6"/>
+            </a:solidFill>
+            <a:prstDash val="dash"/>
+            <a:headEnd type="none" w="med" len="med"/>
+            <a:tailEnd type="arrow" w="med" len="med"/>
+          </a:ln>
+        </p:spPr>
+        <p:style>
+          <a:lnRef idx="1">
+            <a:schemeClr val="accent2"/>
+          </a:lnRef>
+          <a:fillRef idx="0">
+            <a:schemeClr val="accent2"/>
+          </a:fillRef>
+          <a:effectRef idx="0">
+            <a:schemeClr val="accent2"/>
+          </a:effectRef>
+          <a:fontRef idx="minor">
+            <a:schemeClr val="tx1"/>
+          </a:fontRef>
+        </p:style>
+      </p:cxnSp>
+      <p:cxnSp>
+        <p:nvCxnSpPr>
+          <p:cNvPr id="49" name="Connector: Elbow 48"/>
+          <p:cNvCxnSpPr/>
+          <p:nvPr/>
+        </p:nvCxnSpPr>
+        <p:spPr>
+          <a:xfrm>
+            <a:off x="1665913" y="3003260"/>
+            <a:ext cx="3329731" cy="1451295"/>
+          </a:xfrm>
+          <a:prstGeom prst="bentConnector3">
+            <a:avLst>
+              <a:gd name="adj1" fmla="val -136"/>
+            </a:avLst>
+          </a:prstGeom>
+          <a:ln>
+            <a:prstDash val="dash"/>
+            <a:headEnd type="none" w="med" len="med"/>
+            <a:tailEnd type="arrow" w="med" len="med"/>
+          </a:ln>
+        </p:spPr>
+        <p:style>
+          <a:lnRef idx="1">
+            <a:schemeClr val="accent1"/>
+          </a:lnRef>
+          <a:fillRef idx="0">
+            <a:schemeClr val="accent1"/>
+          </a:fillRef>
+          <a:effectRef idx="0">
+            <a:schemeClr val="accent1"/>
+          </a:effectRef>
+          <a:fontRef idx="minor">
+            <a:schemeClr val="tx1"/>
+          </a:fontRef>
+        </p:style>
+      </p:cxnSp>
+      <p:sp>
+        <p:nvSpPr>
+          <p:cNvPr id="52" name="TextBox 51"/>
+          <p:cNvSpPr txBox="1"/>
+          <p:nvPr/>
+        </p:nvSpPr>
+        <p:spPr>
+          <a:xfrm>
+            <a:off x="5326308" y="1862240"/>
+            <a:ext cx="613100" cy="307777"/>
+          </a:xfrm>
+          <a:prstGeom prst="rect">
+            <a:avLst/>
+          </a:prstGeom>
+          <a:noFill/>
+          <a:ln>
+            <a:solidFill>
+              <a:schemeClr val="accent3">
+                <a:lumMod val="50000"/>
+              </a:schemeClr>
+            </a:solidFill>
+          </a:ln>
+        </p:spPr>
+        <p:txBody>
+          <a:bodyPr wrap="square" rtlCol="0">
+            <a:spAutoFit/>
+          </a:bodyPr>
+          <a:lstStyle/>
+          <a:p>
+            <a:pPr algn="ctr"/>
+            <a:r>
+              <a:rPr lang="en-SG" sz="1400" dirty="0">
+                <a:solidFill>
+                  <a:schemeClr val="accent3">
+                    <a:lumMod val="50000"/>
+                  </a:schemeClr>
+                </a:solidFill>
+                <a:latin typeface="Consolas" panose="020B0609020204030204" pitchFamily="49" charset="0"/>
+              </a:rPr>
+              <a:t>Task</a:t>
+            </a:r>
+          </a:p>
+        </p:txBody>
+      </p:sp>
+      <p:cxnSp>
+        <p:nvCxnSpPr>
+          <p:cNvPr id="54" name="Straight Arrow Connector 53"/>
+          <p:cNvCxnSpPr/>
+          <p:nvPr/>
+        </p:nvCxnSpPr>
+        <p:spPr>
+          <a:xfrm>
+            <a:off x="4748169" y="2023414"/>
+            <a:ext cx="494951" cy="0"/>
+          </a:xfrm>
+          <a:prstGeom prst="straightConnector1">
+            <a:avLst/>
+          </a:prstGeom>
+          <a:ln>
+            <a:solidFill>
+              <a:schemeClr val="accent3">
+                <a:lumMod val="50000"/>
+              </a:schemeClr>
+            </a:solidFill>
+            <a:headEnd type="none" w="med" len="med"/>
+            <a:tailEnd type="arrow" w="med" len="med"/>
+          </a:ln>
+        </p:spPr>
+        <p:style>
+          <a:lnRef idx="1">
+            <a:schemeClr val="accent1"/>
+          </a:lnRef>
+          <a:fillRef idx="0">
+            <a:schemeClr val="accent1"/>
+          </a:fillRef>
+          <a:effectRef idx="0">
+            <a:schemeClr val="accent1"/>
+          </a:effectRef>
+          <a:fontRef idx="minor">
+            <a:schemeClr val="tx1"/>
+          </a:fontRef>
+        </p:style>
+      </p:cxnSp>
+      <p:grpSp>
+        <p:nvGrpSpPr>
+          <p:cNvPr id="66" name="Group 65"/>
+          <p:cNvGrpSpPr/>
+          <p:nvPr/>
+        </p:nvGrpSpPr>
+        <p:grpSpPr>
+          <a:xfrm>
+            <a:off x="6885959" y="3407351"/>
+            <a:ext cx="595617" cy="77520"/>
+            <a:chOff x="6858297" y="1855336"/>
+            <a:chExt cx="595617" cy="77520"/>
+          </a:xfrm>
+        </p:grpSpPr>
+        <p:cxnSp>
+          <p:nvCxnSpPr>
+            <p:cNvPr id="56" name="Straight Arrow Connector 55"/>
+            <p:cNvCxnSpPr/>
+            <p:nvPr/>
+          </p:nvCxnSpPr>
+          <p:spPr>
+            <a:xfrm flipH="1">
+              <a:off x="6858297" y="1896060"/>
+              <a:ext cx="595617" cy="0"/>
+            </a:xfrm>
+            <a:prstGeom prst="straightConnector1">
+              <a:avLst/>
+            </a:prstGeom>
+            <a:ln>
+              <a:solidFill>
+                <a:schemeClr val="accent6"/>
+              </a:solidFill>
+              <a:prstDash val="dash"/>
+              <a:headEnd type="none"/>
+              <a:tailEnd type="arrow"/>
+            </a:ln>
+          </p:spPr>
+          <p:style>
+            <a:lnRef idx="1">
+              <a:schemeClr val="accent1"/>
+            </a:lnRef>
+            <a:fillRef idx="0">
+              <a:schemeClr val="accent1"/>
+            </a:fillRef>
+            <a:effectRef idx="0">
+              <a:schemeClr val="accent1"/>
+            </a:effectRef>
+            <a:fontRef idx="minor">
+              <a:schemeClr val="tx1"/>
+            </a:fontRef>
+          </p:style>
+        </p:cxnSp>
+        <p:cxnSp>
+          <p:nvCxnSpPr>
+            <p:cNvPr id="61" name="Straight Connector 60"/>
+            <p:cNvCxnSpPr/>
+            <p:nvPr/>
+          </p:nvCxnSpPr>
+          <p:spPr>
+            <a:xfrm>
+              <a:off x="6948247" y="1855336"/>
+              <a:ext cx="0" cy="77520"/>
+            </a:xfrm>
+            <a:prstGeom prst="line">
+              <a:avLst/>
+            </a:prstGeom>
+          </p:spPr>
+          <p:style>
+            <a:lnRef idx="1">
+              <a:schemeClr val="accent6"/>
+            </a:lnRef>
+            <a:fillRef idx="0">
+              <a:schemeClr val="accent6"/>
+            </a:fillRef>
+            <a:effectRef idx="0">
+              <a:schemeClr val="accent6"/>
+            </a:effectRef>
+            <a:fontRef idx="minor">
+              <a:schemeClr val="tx1"/>
+            </a:fontRef>
+          </p:style>
+        </p:cxnSp>
+      </p:grpSp>
+      <p:sp>
+        <p:nvSpPr>
+          <p:cNvPr id="67" name="TextBox 66"/>
+          <p:cNvSpPr txBox="1"/>
+          <p:nvPr/>
+        </p:nvSpPr>
+        <p:spPr>
+          <a:xfrm>
+            <a:off x="7571588" y="2877528"/>
+            <a:ext cx="1588853" cy="307777"/>
+          </a:xfrm>
+          <a:prstGeom prst="rect">
+            <a:avLst/>
+          </a:prstGeom>
+          <a:noFill/>
+          <a:ln>
+            <a:solidFill>
+              <a:schemeClr val="accent6"/>
+            </a:solidFill>
+          </a:ln>
+        </p:spPr>
+        <p:txBody>
+          <a:bodyPr wrap="square" rtlCol="0">
+            <a:spAutoFit/>
+          </a:bodyPr>
+          <a:lstStyle/>
+          <a:p>
+            <a:pPr algn="ctr"/>
+            <a:r>
+              <a:rPr lang="en-SG" sz="1400" dirty="0">
+                <a:solidFill>
+                  <a:schemeClr val="accent6"/>
+                </a:solidFill>
+                <a:latin typeface="Consolas" panose="020B0609020204030204" pitchFamily="49" charset="0"/>
+              </a:rPr>
+              <a:t>InvalidCommand</a:t>
+            </a:r>
+          </a:p>
+        </p:txBody>
+      </p:sp>
+      <p:sp>
+        <p:nvSpPr>
+          <p:cNvPr id="68" name="TextBox 67"/>
+          <p:cNvSpPr txBox="1"/>
+          <p:nvPr/>
+        </p:nvSpPr>
+        <p:spPr>
+          <a:xfrm>
+            <a:off x="7571589" y="3330982"/>
+            <a:ext cx="1588853" cy="307777"/>
+          </a:xfrm>
+          <a:prstGeom prst="rect">
+            <a:avLst/>
+          </a:prstGeom>
+          <a:noFill/>
+          <a:ln>
+            <a:solidFill>
+              <a:schemeClr val="accent6"/>
+            </a:solidFill>
+          </a:ln>
+        </p:spPr>
+        <p:txBody>
+          <a:bodyPr wrap="square" rtlCol="0">
+            <a:spAutoFit/>
+          </a:bodyPr>
+          <a:lstStyle/>
+          <a:p>
+            <a:pPr algn="ctr"/>
+            <a:r>
+              <a:rPr lang="en-SG" sz="1400" dirty="0">
+                <a:solidFill>
+                  <a:schemeClr val="accent6"/>
+                </a:solidFill>
+                <a:latin typeface="Consolas" panose="020B0609020204030204" pitchFamily="49" charset="0"/>
+              </a:rPr>
+              <a:t>…Command</a:t>
+            </a:r>
+          </a:p>
+        </p:txBody>
+      </p:sp>
+      <p:sp>
+        <p:nvSpPr>
+          <p:cNvPr id="69" name="TextBox 68"/>
+          <p:cNvSpPr txBox="1"/>
+          <p:nvPr/>
+        </p:nvSpPr>
+        <p:spPr>
+          <a:xfrm>
+            <a:off x="7571588" y="2423407"/>
+            <a:ext cx="1588853" cy="307777"/>
+          </a:xfrm>
+          <a:prstGeom prst="rect">
+            <a:avLst/>
+          </a:prstGeom>
+          <a:noFill/>
+          <a:ln>
+            <a:solidFill>
+              <a:schemeClr val="accent6"/>
+            </a:solidFill>
+          </a:ln>
+        </p:spPr>
+        <p:txBody>
+          <a:bodyPr wrap="square" rtlCol="0">
+            <a:spAutoFit/>
+          </a:bodyPr>
+          <a:lstStyle/>
+          <a:p>
+            <a:pPr algn="ctr"/>
+            <a:r>
+              <a:rPr lang="en-SG" sz="1400" dirty="0">
+                <a:solidFill>
+                  <a:schemeClr val="accent6"/>
+                </a:solidFill>
+                <a:latin typeface="Consolas" panose="020B0609020204030204" pitchFamily="49" charset="0"/>
+              </a:rPr>
+              <a:t>AddCommand</a:t>
+            </a:r>
+          </a:p>
+        </p:txBody>
+      </p:sp>
+      <p:cxnSp>
+        <p:nvCxnSpPr>
+          <p:cNvPr id="71" name="Straight Connector 70"/>
+          <p:cNvCxnSpPr/>
+          <p:nvPr/>
+        </p:nvCxnSpPr>
+        <p:spPr>
+          <a:xfrm>
+            <a:off x="7242241" y="2609424"/>
+            <a:ext cx="6301" cy="818289"/>
+          </a:xfrm>
+          <a:prstGeom prst="line">
+            <a:avLst/>
+          </a:prstGeom>
+          <a:ln>
+            <a:prstDash val="dash"/>
+          </a:ln>
+        </p:spPr>
+        <p:style>
+          <a:lnRef idx="1">
+            <a:schemeClr val="accent6"/>
+          </a:lnRef>
+          <a:fillRef idx="0">
+            <a:schemeClr val="accent6"/>
+          </a:fillRef>
+          <a:effectRef idx="0">
+            <a:schemeClr val="accent6"/>
+          </a:effectRef>
+          <a:fontRef idx="minor">
+            <a:schemeClr val="tx1"/>
+          </a:fontRef>
+        </p:style>
+      </p:cxnSp>
+      <p:cxnSp>
+        <p:nvCxnSpPr>
+          <p:cNvPr id="76" name="Straight Connector 75"/>
+          <p:cNvCxnSpPr/>
+          <p:nvPr/>
+        </p:nvCxnSpPr>
+        <p:spPr>
+          <a:xfrm>
+            <a:off x="7242241" y="2609424"/>
+            <a:ext cx="203935" cy="0"/>
+          </a:xfrm>
+          <a:prstGeom prst="line">
+            <a:avLst/>
+          </a:prstGeom>
+          <a:ln>
+            <a:solidFill>
+              <a:schemeClr val="accent6"/>
+            </a:solidFill>
+            <a:prstDash val="dash"/>
+          </a:ln>
+        </p:spPr>
+        <p:style>
+          <a:lnRef idx="1">
+            <a:schemeClr val="accent1"/>
+          </a:lnRef>
+          <a:fillRef idx="0">
+            <a:schemeClr val="accent1"/>
+          </a:fillRef>
+          <a:effectRef idx="0">
+            <a:schemeClr val="accent1"/>
+          </a:effectRef>
+          <a:fontRef idx="minor">
+            <a:schemeClr val="tx1"/>
+          </a:fontRef>
+        </p:style>
+      </p:cxnSp>
+      <p:cxnSp>
+        <p:nvCxnSpPr>
+          <p:cNvPr id="78" name="Straight Connector 77"/>
+          <p:cNvCxnSpPr/>
+          <p:nvPr/>
+        </p:nvCxnSpPr>
+        <p:spPr>
+          <a:xfrm>
+            <a:off x="7274571" y="3020441"/>
+            <a:ext cx="203935" cy="0"/>
+          </a:xfrm>
+          <a:prstGeom prst="line">
+            <a:avLst/>
+          </a:prstGeom>
+          <a:ln>
+            <a:solidFill>
+              <a:schemeClr val="accent6"/>
+            </a:solidFill>
+            <a:prstDash val="dash"/>
+          </a:ln>
+        </p:spPr>
+        <p:style>
+          <a:lnRef idx="1">
+            <a:schemeClr val="accent1"/>
+          </a:lnRef>
+          <a:fillRef idx="0">
+            <a:schemeClr val="accent1"/>
+          </a:fillRef>
+          <a:effectRef idx="0">
+            <a:schemeClr val="accent1"/>
+          </a:effectRef>
+          <a:fontRef idx="minor">
+            <a:schemeClr val="tx1"/>
+          </a:fontRef>
+        </p:style>
+      </p:cxnSp>
+      <p:grpSp>
+        <p:nvGrpSpPr>
+          <p:cNvPr id="79" name="Group 78"/>
+          <p:cNvGrpSpPr/>
+          <p:nvPr/>
+        </p:nvGrpSpPr>
+        <p:grpSpPr>
+          <a:xfrm>
+            <a:off x="7130726" y="4252469"/>
+            <a:ext cx="595617" cy="77520"/>
+            <a:chOff x="6858297" y="1855336"/>
+            <a:chExt cx="595617" cy="77520"/>
+          </a:xfrm>
+        </p:grpSpPr>
+        <p:cxnSp>
+          <p:nvCxnSpPr>
+            <p:cNvPr id="80" name="Straight Arrow Connector 79"/>
+            <p:cNvCxnSpPr/>
+            <p:nvPr/>
+          </p:nvCxnSpPr>
+          <p:spPr>
+            <a:xfrm flipH="1">
+              <a:off x="6858297" y="1896060"/>
+              <a:ext cx="595617" cy="0"/>
+            </a:xfrm>
+            <a:prstGeom prst="straightConnector1">
+              <a:avLst/>
+            </a:prstGeom>
+            <a:ln>
+              <a:solidFill>
+                <a:schemeClr val="accent4">
+                  <a:lumMod val="75000"/>
+                </a:schemeClr>
+              </a:solidFill>
+              <a:prstDash val="dash"/>
+              <a:headEnd type="none"/>
+              <a:tailEnd type="arrow"/>
+            </a:ln>
+          </p:spPr>
+          <p:style>
+            <a:lnRef idx="1">
+              <a:schemeClr val="accent1"/>
+            </a:lnRef>
+            <a:fillRef idx="0">
+              <a:schemeClr val="accent1"/>
+            </a:fillRef>
+            <a:effectRef idx="0">
+              <a:schemeClr val="accent1"/>
+            </a:effectRef>
+            <a:fontRef idx="minor">
+              <a:schemeClr val="tx1"/>
+            </a:fontRef>
+          </p:style>
+        </p:cxnSp>
+        <p:cxnSp>
+          <p:nvCxnSpPr>
+            <p:cNvPr id="81" name="Straight Connector 80"/>
+            <p:cNvCxnSpPr/>
+            <p:nvPr/>
+          </p:nvCxnSpPr>
+          <p:spPr>
+            <a:xfrm>
+              <a:off x="6948247" y="1855336"/>
+              <a:ext cx="0" cy="77520"/>
+            </a:xfrm>
+            <a:prstGeom prst="line">
+              <a:avLst/>
+            </a:prstGeom>
+            <a:ln>
+              <a:solidFill>
+                <a:schemeClr val="accent4">
+                  <a:lumMod val="75000"/>
+                </a:schemeClr>
+              </a:solidFill>
+            </a:ln>
+          </p:spPr>
+          <p:style>
+            <a:lnRef idx="1">
+              <a:schemeClr val="accent6"/>
+            </a:lnRef>
+            <a:fillRef idx="0">
+              <a:schemeClr val="accent6"/>
+            </a:fillRef>
+            <a:effectRef idx="0">
+              <a:schemeClr val="accent6"/>
+            </a:effectRef>
+            <a:fontRef idx="minor">
+              <a:schemeClr val="tx1"/>
+            </a:fontRef>
+          </p:style>
+        </p:cxnSp>
+      </p:grpSp>
+      <p:sp>
+        <p:nvSpPr>
+          <p:cNvPr id="82" name="TextBox 81"/>
+          <p:cNvSpPr txBox="1"/>
+          <p:nvPr/>
+        </p:nvSpPr>
+        <p:spPr>
+          <a:xfrm>
+            <a:off x="7816355" y="4590866"/>
+            <a:ext cx="2230775" cy="307777"/>
+          </a:xfrm>
+          <a:prstGeom prst="rect">
+            <a:avLst/>
+          </a:prstGeom>
+          <a:noFill/>
+          <a:ln>
+            <a:solidFill>
+              <a:schemeClr val="accent4">
+                <a:lumMod val="75000"/>
+              </a:schemeClr>
+            </a:solidFill>
+          </a:ln>
+        </p:spPr>
+        <p:txBody>
+          <a:bodyPr wrap="square" rtlCol="0">
+            <a:spAutoFit/>
+          </a:bodyPr>
+          <a:lstStyle/>
+          <a:p>
+            <a:pPr algn="ctr"/>
+            <a:r>
+              <a:rPr lang="en-SG" sz="1400" dirty="0">
+                <a:solidFill>
+                  <a:schemeClr val="accent4">
+                    <a:lumMod val="75000"/>
+                  </a:schemeClr>
+                </a:solidFill>
+                <a:latin typeface="Consolas" panose="020B0609020204030204" pitchFamily="49" charset="0"/>
+              </a:rPr>
+              <a:t>InvalidCommandResult</a:t>
+            </a:r>
+          </a:p>
+        </p:txBody>
+      </p:sp>
+      <p:sp>
+        <p:nvSpPr>
+          <p:cNvPr id="83" name="TextBox 82"/>
+          <p:cNvSpPr txBox="1"/>
+          <p:nvPr/>
+        </p:nvSpPr>
+        <p:spPr>
+          <a:xfrm>
+            <a:off x="7816356" y="5044320"/>
+            <a:ext cx="2230774" cy="307777"/>
+          </a:xfrm>
+          <a:prstGeom prst="rect">
+            <a:avLst/>
+          </a:prstGeom>
+          <a:noFill/>
+          <a:ln>
+            <a:solidFill>
+              <a:schemeClr val="accent4">
+                <a:lumMod val="75000"/>
+              </a:schemeClr>
+            </a:solidFill>
+          </a:ln>
+        </p:spPr>
+        <p:txBody>
+          <a:bodyPr wrap="square" rtlCol="0">
+            <a:spAutoFit/>
+          </a:bodyPr>
+          <a:lstStyle/>
+          <a:p>
+            <a:pPr algn="ctr"/>
+            <a:r>
+              <a:rPr lang="en-SG" sz="1400" dirty="0">
+                <a:solidFill>
+                  <a:schemeClr val="accent4">
+                    <a:lumMod val="75000"/>
+                  </a:schemeClr>
+                </a:solidFill>
+                <a:latin typeface="Consolas" panose="020B0609020204030204" pitchFamily="49" charset="0"/>
+              </a:rPr>
+              <a:t>…CommandResult</a:t>
+            </a:r>
+          </a:p>
+        </p:txBody>
+      </p:sp>
+      <p:sp>
+        <p:nvSpPr>
+          <p:cNvPr id="84" name="TextBox 83"/>
+          <p:cNvSpPr txBox="1"/>
+          <p:nvPr/>
+        </p:nvSpPr>
+        <p:spPr>
+          <a:xfrm>
+            <a:off x="7816356" y="4136745"/>
+            <a:ext cx="2230774" cy="307777"/>
+          </a:xfrm>
+          <a:prstGeom prst="rect">
+            <a:avLst/>
+          </a:prstGeom>
+          <a:noFill/>
+          <a:ln>
+            <a:solidFill>
+              <a:schemeClr val="accent4">
+                <a:lumMod val="75000"/>
+              </a:schemeClr>
+            </a:solidFill>
+          </a:ln>
+        </p:spPr>
+        <p:txBody>
+          <a:bodyPr wrap="square" rtlCol="0">
+            <a:spAutoFit/>
+          </a:bodyPr>
+          <a:lstStyle/>
+          <a:p>
+            <a:pPr algn="ctr"/>
+            <a:r>
+              <a:rPr lang="en-SG" sz="1400" dirty="0">
+                <a:solidFill>
+                  <a:schemeClr val="accent4">
+                    <a:lumMod val="75000"/>
+                  </a:schemeClr>
+                </a:solidFill>
+                <a:latin typeface="Consolas" panose="020B0609020204030204" pitchFamily="49" charset="0"/>
+              </a:rPr>
+              <a:t>AddCommandResult</a:t>
+            </a:r>
+          </a:p>
+        </p:txBody>
+      </p:sp>
+      <p:cxnSp>
+        <p:nvCxnSpPr>
+          <p:cNvPr id="85" name="Straight Connector 84"/>
+          <p:cNvCxnSpPr/>
+          <p:nvPr/>
+        </p:nvCxnSpPr>
+        <p:spPr>
+          <a:xfrm>
+            <a:off x="7487008" y="4322762"/>
+            <a:ext cx="6301" cy="818289"/>
+          </a:xfrm>
+          <a:prstGeom prst="line">
+            <a:avLst/>
+          </a:prstGeom>
+          <a:ln>
+            <a:solidFill>
+              <a:schemeClr val="accent4">
+                <a:lumMod val="75000"/>
+              </a:schemeClr>
+            </a:solidFill>
+            <a:prstDash val="dash"/>
+          </a:ln>
+        </p:spPr>
+        <p:style>
+          <a:lnRef idx="1">
+            <a:schemeClr val="accent6"/>
+          </a:lnRef>
+          <a:fillRef idx="0">
+            <a:schemeClr val="accent6"/>
+          </a:fillRef>
+          <a:effectRef idx="0">
+            <a:schemeClr val="accent6"/>
+          </a:effectRef>
+          <a:fontRef idx="minor">
+            <a:schemeClr val="tx1"/>
+          </a:fontRef>
+        </p:style>
+      </p:cxnSp>
+      <p:cxnSp>
+        <p:nvCxnSpPr>
+          <p:cNvPr id="86" name="Straight Connector 85"/>
+          <p:cNvCxnSpPr/>
+          <p:nvPr/>
+        </p:nvCxnSpPr>
+        <p:spPr>
+          <a:xfrm>
+            <a:off x="7487008" y="5144804"/>
+            <a:ext cx="203935" cy="0"/>
+          </a:xfrm>
+          <a:prstGeom prst="line">
+            <a:avLst/>
+          </a:prstGeom>
+          <a:ln>
+            <a:solidFill>
+              <a:schemeClr val="accent4">
+                <a:lumMod val="75000"/>
+              </a:schemeClr>
+            </a:solidFill>
+            <a:prstDash val="dash"/>
+          </a:ln>
+        </p:spPr>
+        <p:style>
+          <a:lnRef idx="1">
+            <a:schemeClr val="accent1"/>
+          </a:lnRef>
+          <a:fillRef idx="0">
+            <a:schemeClr val="accent1"/>
+          </a:fillRef>
+          <a:effectRef idx="0">
+            <a:schemeClr val="accent1"/>
+          </a:effectRef>
+          <a:fontRef idx="minor">
+            <a:schemeClr val="tx1"/>
+          </a:fontRef>
+        </p:style>
+      </p:cxnSp>
+      <p:cxnSp>
+        <p:nvCxnSpPr>
+          <p:cNvPr id="87" name="Straight Connector 86"/>
+          <p:cNvCxnSpPr/>
+          <p:nvPr/>
+        </p:nvCxnSpPr>
+        <p:spPr>
+          <a:xfrm>
+            <a:off x="7519338" y="4733779"/>
+            <a:ext cx="203935" cy="0"/>
+          </a:xfrm>
+          <a:prstGeom prst="line">
+            <a:avLst/>
+          </a:prstGeom>
+          <a:ln>
+            <a:solidFill>
+              <a:schemeClr val="accent4">
+                <a:lumMod val="75000"/>
+              </a:schemeClr>
+            </a:solidFill>
+            <a:prstDash val="dash"/>
+          </a:ln>
+        </p:spPr>
+        <p:style>
+          <a:lnRef idx="1">
+            <a:schemeClr val="accent1"/>
+          </a:lnRef>
+          <a:fillRef idx="0">
+            <a:schemeClr val="accent1"/>
+          </a:fillRef>
+          <a:effectRef idx="0">
+            <a:schemeClr val="accent1"/>
+          </a:effectRef>
+          <a:fontRef idx="minor">
+            <a:schemeClr val="tx1"/>
+          </a:fontRef>
+        </p:style>
+      </p:cxnSp>
+      <p:cxnSp>
+        <p:nvCxnSpPr>
+          <p:cNvPr id="89" name="Connector: Elbow 88"/>
+          <p:cNvCxnSpPr/>
+          <p:nvPr/>
+        </p:nvCxnSpPr>
+        <p:spPr>
+          <a:xfrm>
+            <a:off x="9250454" y="2576389"/>
+            <a:ext cx="886689" cy="1713338"/>
+          </a:xfrm>
+          <a:prstGeom prst="bentConnector3">
+            <a:avLst>
+              <a:gd name="adj1" fmla="val 125781"/>
+            </a:avLst>
+          </a:prstGeom>
+          <a:ln>
+            <a:solidFill>
+              <a:schemeClr val="accent6"/>
+            </a:solidFill>
+            <a:prstDash val="dash"/>
+            <a:headEnd type="none" w="med" len="med"/>
+            <a:tailEnd type="arrow" w="med" len="med"/>
+          </a:ln>
+        </p:spPr>
+        <p:style>
+          <a:lnRef idx="1">
+            <a:schemeClr val="accent1"/>
+          </a:lnRef>
+          <a:fillRef idx="0">
+            <a:schemeClr val="accent1"/>
+          </a:fillRef>
+          <a:effectRef idx="0">
+            <a:schemeClr val="accent1"/>
+          </a:effectRef>
+          <a:fontRef idx="minor">
+            <a:schemeClr val="tx1"/>
+          </a:fontRef>
+        </p:style>
+      </p:cxnSp>
+      <p:cxnSp>
+        <p:nvCxnSpPr>
+          <p:cNvPr id="91" name="Connector: Elbow 90"/>
+          <p:cNvCxnSpPr/>
+          <p:nvPr/>
+        </p:nvCxnSpPr>
+        <p:spPr>
+          <a:xfrm>
+            <a:off x="9250453" y="3031416"/>
+            <a:ext cx="886689" cy="1713338"/>
+          </a:xfrm>
+          <a:prstGeom prst="bentConnector3">
+            <a:avLst>
+              <a:gd name="adj1" fmla="val 171614"/>
+            </a:avLst>
+          </a:prstGeom>
+          <a:ln>
+            <a:solidFill>
+              <a:schemeClr val="accent6"/>
+            </a:solidFill>
+            <a:prstDash val="dash"/>
+            <a:headEnd type="none" w="med" len="med"/>
+            <a:tailEnd type="arrow" w="med" len="med"/>
+          </a:ln>
+        </p:spPr>
+        <p:style>
+          <a:lnRef idx="1">
+            <a:schemeClr val="accent6"/>
+          </a:lnRef>
+          <a:fillRef idx="0">
+            <a:schemeClr val="accent6"/>
+          </a:fillRef>
+          <a:effectRef idx="0">
+            <a:schemeClr val="accent6"/>
+          </a:effectRef>
+          <a:fontRef idx="minor">
+            <a:schemeClr val="tx1"/>
+          </a:fontRef>
+        </p:style>
+      </p:cxnSp>
+      <p:cxnSp>
+        <p:nvCxnSpPr>
+          <p:cNvPr id="94" name="Connector: Elbow 93"/>
+          <p:cNvCxnSpPr/>
+          <p:nvPr/>
+        </p:nvCxnSpPr>
+        <p:spPr>
+          <a:xfrm>
+            <a:off x="9250454" y="3484870"/>
+            <a:ext cx="886688" cy="1713338"/>
+          </a:xfrm>
+          <a:prstGeom prst="bentConnector3">
+            <a:avLst>
+              <a:gd name="adj1" fmla="val 218490"/>
+            </a:avLst>
+          </a:prstGeom>
+          <a:ln>
+            <a:prstDash val="dash"/>
+            <a:headEnd type="none" w="med" len="med"/>
+            <a:tailEnd type="arrow" w="med" len="med"/>
+          </a:ln>
+        </p:spPr>
+        <p:style>
+          <a:lnRef idx="1">
+            <a:schemeClr val="accent6"/>
+          </a:lnRef>
+          <a:fillRef idx="0">
+            <a:schemeClr val="accent6"/>
+          </a:fillRef>
+          <a:effectRef idx="0">
+            <a:schemeClr val="accent6"/>
+          </a:effectRef>
+          <a:fontRef idx="minor">
+            <a:schemeClr val="tx1"/>
+          </a:fontRef>
+        </p:style>
+      </p:cxnSp>
+    </p:spTree>
+    <p:extLst>
+      <p:ext uri="{BB962C8B-B14F-4D97-AF65-F5344CB8AC3E}">
+        <p14:creationId xmlns:p14="http://schemas.microsoft.com/office/powerpoint/2010/main" val="66083343"/>
+      </p:ext>
+    </p:extLst>
+  </p:cSld>
+  <p:clrMapOvr>
+    <a:masterClrMapping/>
+  </p:clrMapOvr>
+</p:sld>
+</file>
+
+<file path=ppt/slides/slide2.xml><?xml version="1.0" encoding="utf-8"?>
+<p:sld xmlns:a="http://schemas.openxmlformats.org/drawingml/2006/main" xmlns:r="http://schemas.openxmlformats.org/officeDocument/2006/relationships" xmlns:p="http://schemas.openxmlformats.org/presentationml/2006/main">
+  <p:cSld>
+    <p:spTree>
+      <p:nvGrpSpPr>
+        <p:cNvPr id="1" name=""/>
+        <p:cNvGrpSpPr/>
+        <p:nvPr/>
+      </p:nvGrpSpPr>
+      <p:grpSpPr>
+        <a:xfrm>
+          <a:off x="0" y="0"/>
+          <a:ext cx="0" cy="0"/>
+          <a:chOff x="0" y="0"/>
+          <a:chExt cx="0" cy="0"/>
+        </a:xfrm>
+      </p:grpSpPr>
+      <p:grpSp>
+        <p:nvGrpSpPr>
+          <p:cNvPr id="7" name="Group 6"/>
+          <p:cNvGrpSpPr/>
+          <p:nvPr/>
+        </p:nvGrpSpPr>
+        <p:grpSpPr>
+          <a:xfrm>
+            <a:off x="1761687" y="578841"/>
+            <a:ext cx="7222921" cy="4914150"/>
+            <a:chOff x="1400961" y="645952"/>
+            <a:chExt cx="7222921" cy="4914150"/>
+          </a:xfrm>
+        </p:grpSpPr>
+        <p:pic>
+          <p:nvPicPr>
+            <p:cNvPr id="4" name="Picture 3"/>
+            <p:cNvPicPr>
+              <a:picLocks noChangeAspect="1"/>
+            </p:cNvPicPr>
+            <p:nvPr/>
+          </p:nvPicPr>
+          <p:blipFill rotWithShape="1">
+            <a:blip r:embed="rId2"/>
+            <a:srcRect l="19060" t="12967" r="21698" b="21212"/>
+            <a:stretch/>
+          </p:blipFill>
+          <p:spPr>
+            <a:xfrm>
+              <a:off x="1400961" y="645952"/>
+              <a:ext cx="7222921" cy="4514040"/>
+            </a:xfrm>
+            <a:prstGeom prst="rect">
+              <a:avLst/>
+            </a:prstGeom>
+            <a:ln>
+              <a:solidFill>
+                <a:schemeClr val="accent1"/>
+              </a:solidFill>
+            </a:ln>
+          </p:spPr>
+        </p:pic>
+        <p:sp>
+          <p:nvSpPr>
+            <p:cNvPr id="5" name="Rectangle 4"/>
+            <p:cNvSpPr/>
+            <p:nvPr/>
+          </p:nvSpPr>
+          <p:spPr>
+            <a:xfrm>
+              <a:off x="1539378" y="1409350"/>
+              <a:ext cx="3397542" cy="906011"/>
+            </a:xfrm>
+            <a:prstGeom prst="rect">
+              <a:avLst/>
+            </a:prstGeom>
+            <a:noFill/>
+            <a:ln>
+              <a:solidFill>
+                <a:srgbClr val="FF0000"/>
+              </a:solidFill>
+            </a:ln>
+          </p:spPr>
+          <p:style>
+            <a:lnRef idx="2">
+              <a:schemeClr val="accent1">
+                <a:shade val="50000"/>
+              </a:schemeClr>
+            </a:lnRef>
+            <a:fillRef idx="1">
+              <a:schemeClr val="accent1"/>
+            </a:fillRef>
+            <a:effectRef idx="0">
+              <a:schemeClr val="accent1"/>
+            </a:effectRef>
+            <a:fontRef idx="minor">
+              <a:schemeClr val="lt1"/>
+            </a:fontRef>
+          </p:style>
+          <p:txBody>
+            <a:bodyPr rtlCol="0" anchor="ctr"/>
+            <a:lstStyle/>
+            <a:p>
+              <a:pPr algn="ctr"/>
+              <a:endParaRPr lang="en-SG"/>
+            </a:p>
+          </p:txBody>
+        </p:sp>
+        <p:sp>
+          <p:nvSpPr>
+            <p:cNvPr id="6" name="TextBox 5"/>
+            <p:cNvSpPr txBox="1"/>
+            <p:nvPr/>
+          </p:nvSpPr>
+          <p:spPr>
+            <a:xfrm>
+              <a:off x="1400961" y="5159992"/>
+              <a:ext cx="2991525" cy="400110"/>
+            </a:xfrm>
+            <a:prstGeom prst="rect">
+              <a:avLst/>
+            </a:prstGeom>
+            <a:noFill/>
+          </p:spPr>
+          <p:txBody>
+            <a:bodyPr wrap="none" rtlCol="0">
+              <a:spAutoFit/>
+            </a:bodyPr>
+            <a:lstStyle/>
+            <a:p>
+              <a:r>
+                <a:rPr lang="en-SG" sz="2000" dirty="0">
+                  <a:solidFill>
+                    <a:schemeClr val="accent1"/>
+                  </a:solidFill>
+                  <a:latin typeface="Eras Medium ITC" panose="020B0602030504020804" pitchFamily="34" charset="0"/>
+                </a:rPr>
+                <a:t>Figure 2: Profile Window</a:t>
+              </a:r>
+            </a:p>
+          </p:txBody>
+        </p:sp>
+      </p:grpSp>
+    </p:spTree>
+    <p:extLst>
+      <p:ext uri="{BB962C8B-B14F-4D97-AF65-F5344CB8AC3E}">
+        <p14:creationId xmlns:p14="http://schemas.microsoft.com/office/powerpoint/2010/main" val="769917009"/>
+      </p:ext>
+    </p:extLst>
+  </p:cSld>
+  <p:clrMapOvr>
+    <a:masterClrMapping/>
+  </p:clrMapOvr>
+</p:sld>
+</file>
+
+<file path=ppt/slides/slide3.xml><?xml version="1.0" encoding="utf-8"?>
 <p:sld xmlns:a="http://schemas.openxmlformats.org/drawingml/2006/main" xmlns:r="http://schemas.openxmlformats.org/officeDocument/2006/relationships" xmlns:p="http://schemas.openxmlformats.org/presentationml/2006/main">
   <p:cSld>
     <p:spTree>
@@ -3628,7 +5422,7 @@
     </p:spTree>
     <p:extLst>
       <p:ext uri="{BB962C8B-B14F-4D97-AF65-F5344CB8AC3E}">
-        <p14:creationId xmlns="" xmlns:p14="http://schemas.microsoft.com/office/powerpoint/2010/main" val="2395715797"/>
+        <p14:creationId xmlns:p14="http://schemas.microsoft.com/office/powerpoint/2010/main" val="2395715797"/>
       </p:ext>
     </p:extLst>
   </p:cSld>
@@ -3638,7 +5432,7 @@
 </p:sld>
 </file>
 
-<file path=ppt/slides/slide2.xml><?xml version="1.0" encoding="utf-8"?>
+<file path=ppt/slides/slide4.xml><?xml version="1.0" encoding="utf-8"?>
 <p:sld xmlns:a="http://schemas.openxmlformats.org/drawingml/2006/main" xmlns:r="http://schemas.openxmlformats.org/officeDocument/2006/relationships" xmlns:p="http://schemas.openxmlformats.org/presentationml/2006/main">
   <p:cSld>
     <p:spTree>
@@ -4407,7 +6201,7 @@
               <a:p>
                 <a:pPr algn="ctr"/>
                 <a:r>
-                  <a:rPr lang="en-SG" dirty="0" smtClean="0">
+                  <a:rPr lang="en-SG" dirty="0">
                     <a:solidFill>
                       <a:schemeClr val="accent6"/>
                     </a:solidFill>
@@ -4418,7 +6212,7 @@
               <a:p>
                 <a:pPr algn="ctr"/>
                 <a:r>
-                  <a:rPr lang="en-SG" dirty="0" err="1" smtClean="0">
+                  <a:rPr lang="en-SG" dirty="0" err="1">
                     <a:solidFill>
                       <a:schemeClr val="accent6"/>
                     </a:solidFill>
@@ -4669,7 +6463,7 @@
             <a:p>
               <a:pPr algn="ctr"/>
               <a:r>
-                <a:rPr lang="en-SG" dirty="0" err="1" smtClean="0">
+                <a:rPr lang="en-SG" dirty="0" err="1">
                   <a:solidFill>
                     <a:schemeClr val="accent6"/>
                   </a:solidFill>
@@ -4719,7 +6513,7 @@
     </p:spTree>
     <p:extLst>
       <p:ext uri="{BB962C8B-B14F-4D97-AF65-F5344CB8AC3E}">
-        <p14:creationId xmlns="" xmlns:p14="http://schemas.microsoft.com/office/powerpoint/2010/main" val="865566284"/>
+        <p14:creationId xmlns:p14="http://schemas.microsoft.com/office/powerpoint/2010/main" val="865566284"/>
       </p:ext>
     </p:extLst>
   </p:cSld>
@@ -4729,7 +6523,7 @@
 </p:sld>
 </file>
 
-<file path=ppt/slides/slide3.xml><?xml version="1.0" encoding="utf-8"?>
+<file path=ppt/slides/slide5.xml><?xml version="1.0" encoding="utf-8"?>
 <p:sld xmlns:a="http://schemas.openxmlformats.org/drawingml/2006/main" xmlns:r="http://schemas.openxmlformats.org/officeDocument/2006/relationships" xmlns:p="http://schemas.openxmlformats.org/presentationml/2006/main">
   <p:cSld>
     <p:spTree>
@@ -5150,7 +6944,7 @@
                       <a:p>
                         <a:pPr algn="ctr"/>
                         <a:r>
-                          <a:rPr lang="en-SG" dirty="0" err="1" smtClean="0">
+                          <a:rPr lang="en-SG" dirty="0" err="1">
                             <a:solidFill>
                               <a:schemeClr val="accent2"/>
                             </a:solidFill>
@@ -5222,7 +7016,7 @@
                       <a:p>
                         <a:pPr algn="ctr"/>
                         <a:r>
-                          <a:rPr lang="en-SG" dirty="0" err="1" smtClean="0">
+                          <a:rPr lang="en-SG" dirty="0" err="1">
                             <a:solidFill>
                               <a:schemeClr val="accent2"/>
                             </a:solidFill>
@@ -5273,7 +7067,7 @@
                       <a:p>
                         <a:pPr algn="ctr"/>
                         <a:r>
-                          <a:rPr lang="en-SG" dirty="0" err="1" smtClean="0">
+                          <a:rPr lang="en-SG" dirty="0" err="1">
                             <a:solidFill>
                               <a:schemeClr val="accent2"/>
                             </a:solidFill>
@@ -5324,7 +7118,7 @@
                       <a:p>
                         <a:pPr algn="ctr"/>
                         <a:r>
-                          <a:rPr lang="en-SG" dirty="0" err="1" smtClean="0">
+                          <a:rPr lang="en-SG" dirty="0" err="1">
                             <a:solidFill>
                               <a:schemeClr val="accent2"/>
                             </a:solidFill>
@@ -5375,7 +7169,7 @@
                       <a:p>
                         <a:pPr algn="ctr"/>
                         <a:r>
-                          <a:rPr lang="en-SG" dirty="0" err="1" smtClean="0">
+                          <a:rPr lang="en-SG" dirty="0" err="1">
                             <a:solidFill>
                               <a:schemeClr val="accent2"/>
                             </a:solidFill>
@@ -5925,7 +7719,7 @@
                     <a:p>
                       <a:pPr algn="ctr"/>
                       <a:r>
-                        <a:rPr lang="en-SG" dirty="0" err="1" smtClean="0">
+                        <a:rPr lang="en-SG" dirty="0" err="1">
                           <a:solidFill>
                             <a:schemeClr val="accent2"/>
                           </a:solidFill>
@@ -5976,7 +7770,7 @@
                     <a:p>
                       <a:pPr algn="ctr"/>
                       <a:r>
-                        <a:rPr lang="en-SG" dirty="0" err="1" smtClean="0">
+                        <a:rPr lang="en-SG" dirty="0" err="1">
                           <a:solidFill>
                             <a:schemeClr val="accent2"/>
                           </a:solidFill>
@@ -6087,7 +7881,7 @@
                   <a:p>
                     <a:pPr algn="ctr"/>
                     <a:r>
-                      <a:rPr lang="en-SG" dirty="0" err="1" smtClean="0">
+                      <a:rPr lang="en-SG" dirty="0" err="1">
                         <a:solidFill>
                           <a:schemeClr val="accent2"/>
                         </a:solidFill>
@@ -6159,7 +7953,7 @@
                   <a:p>
                     <a:pPr algn="ctr"/>
                     <a:r>
-                      <a:rPr lang="en-SG" dirty="0" err="1" smtClean="0">
+                      <a:rPr lang="en-SG" dirty="0" err="1">
                         <a:solidFill>
                           <a:schemeClr val="accent2"/>
                         </a:solidFill>
@@ -6397,7 +8191,7 @@
             <a:p>
               <a:pPr algn="ctr"/>
               <a:r>
-                <a:rPr lang="en-SG" dirty="0" err="1" smtClean="0">
+                <a:rPr lang="en-SG" dirty="0" err="1">
                   <a:solidFill>
                     <a:schemeClr val="accent2"/>
                   </a:solidFill>
@@ -6416,7 +8210,7 @@
     </p:spTree>
     <p:extLst>
       <p:ext uri="{BB962C8B-B14F-4D97-AF65-F5344CB8AC3E}">
-        <p14:creationId xmlns="" xmlns:p14="http://schemas.microsoft.com/office/powerpoint/2010/main" val="144807405"/>
+        <p14:creationId xmlns:p14="http://schemas.microsoft.com/office/powerpoint/2010/main" val="144807405"/>
       </p:ext>
     </p:extLst>
   </p:cSld>
@@ -6426,7 +8220,7 @@
 </p:sld>
 </file>
 
-<file path=ppt/slides/slide4.xml><?xml version="1.0" encoding="utf-8"?>
+<file path=ppt/slides/slide6.xml><?xml version="1.0" encoding="utf-8"?>
 <p:sld xmlns:a="http://schemas.openxmlformats.org/drawingml/2006/main" xmlns:r="http://schemas.openxmlformats.org/officeDocument/2006/relationships" xmlns:p="http://schemas.openxmlformats.org/presentationml/2006/main">
   <p:cSld>
     <p:spTree>
@@ -6602,7 +8396,7 @@
               <a:p>
                 <a:pPr algn="ctr"/>
                 <a:r>
-                  <a:rPr lang="en-SG" sz="1400" dirty="0" err="1" smtClean="0">
+                  <a:rPr lang="en-SG" sz="1400" dirty="0" err="1">
                     <a:solidFill>
                       <a:schemeClr val="accent1"/>
                     </a:solidFill>
@@ -6610,18 +8404,13 @@
                   <a:t>MainWindow</a:t>
                 </a:r>
                 <a:r>
-                  <a:rPr lang="en-SG" sz="1400" dirty="0" smtClean="0">
+                  <a:rPr lang="en-SG" sz="1400" dirty="0">
                     <a:solidFill>
                       <a:schemeClr val="accent1"/>
                     </a:solidFill>
                   </a:rPr>
                   <a:t>-Controller</a:t>
                 </a:r>
-                <a:endParaRPr lang="en-SG" sz="1400" dirty="0">
-                  <a:solidFill>
-                    <a:schemeClr val="accent1"/>
-                  </a:solidFill>
-                </a:endParaRPr>
               </a:p>
             </p:txBody>
           </p:sp>
@@ -8304,7 +10093,7 @@
     </p:spTree>
     <p:extLst>
       <p:ext uri="{BB962C8B-B14F-4D97-AF65-F5344CB8AC3E}">
-        <p14:creationId xmlns="" xmlns:p14="http://schemas.microsoft.com/office/powerpoint/2010/main" val="1577130838"/>
+        <p14:creationId xmlns:p14="http://schemas.microsoft.com/office/powerpoint/2010/main" val="1577130838"/>
       </p:ext>
     </p:extLst>
   </p:cSld>
@@ -8314,7 +10103,7 @@
 </p:sld>
 </file>
 
-<file path=ppt/slides/slide5.xml><?xml version="1.0" encoding="utf-8"?>
+<file path=ppt/slides/slide7.xml><?xml version="1.0" encoding="utf-8"?>
 <p:sld xmlns:a="http://schemas.openxmlformats.org/drawingml/2006/main" xmlns:r="http://schemas.openxmlformats.org/officeDocument/2006/relationships" xmlns:p="http://schemas.openxmlformats.org/presentationml/2006/main">
   <p:cSld>
     <p:spTree>
@@ -8354,14 +10143,11 @@
           <a:lstStyle/>
           <a:p>
             <a:r>
-              <a:rPr lang="en-SG" dirty="0" smtClean="0">
+              <a:rPr lang="en-SG" dirty="0">
                 <a:latin typeface="Garamond" panose="02020404030301010803" pitchFamily="18" charset="0"/>
               </a:rPr>
               <a:t>Sequence Diagram for generic commands</a:t>
             </a:r>
-            <a:endParaRPr lang="en-SG" dirty="0">
-              <a:latin typeface="Garamond" panose="02020404030301010803" pitchFamily="18" charset="0"/>
-            </a:endParaRPr>
           </a:p>
         </p:txBody>
       </p:sp>
@@ -8454,18 +10240,17 @@
               <a:lstStyle/>
               <a:p>
                 <a:r>
-                  <a:rPr lang="en-SG" sz="1200" dirty="0" smtClean="0"/>
+                  <a:rPr lang="en-SG" sz="1200" dirty="0"/>
                   <a:t>[Until first command that respond to </a:t>
                 </a:r>
                 <a:r>
-                  <a:rPr lang="en-SG" sz="1200" dirty="0" err="1" smtClean="0"/>
+                  <a:rPr lang="en-SG" sz="1200" dirty="0" err="1"/>
                   <a:t>userInput</a:t>
                 </a:r>
                 <a:r>
-                  <a:rPr lang="en-SG" sz="1200" dirty="0" smtClean="0"/>
+                  <a:rPr lang="en-SG" sz="1200" dirty="0"/>
                   <a:t>]</a:t>
                 </a:r>
-                <a:endParaRPr lang="en-SG" sz="1200" dirty="0"/>
               </a:p>
             </p:txBody>
           </p:sp>
@@ -8540,7 +10325,7 @@
                 <a:p>
                   <a:pPr algn="ctr"/>
                   <a:r>
-                    <a:rPr lang="en-SG" sz="1400" dirty="0" smtClean="0">
+                    <a:rPr lang="en-SG" sz="1400" dirty="0">
                       <a:solidFill>
                         <a:schemeClr val="accent1"/>
                       </a:solidFill>
@@ -8548,7 +10333,7 @@
                     <a:t>:</a:t>
                   </a:r>
                   <a:r>
-                    <a:rPr lang="en-SG" sz="1400" dirty="0" err="1" smtClean="0">
+                    <a:rPr lang="en-SG" sz="1400" dirty="0" err="1">
                       <a:solidFill>
                         <a:schemeClr val="accent1"/>
                       </a:solidFill>
@@ -8620,7 +10405,7 @@
                 <a:p>
                   <a:pPr algn="ctr"/>
                   <a:r>
-                    <a:rPr lang="en-SG" sz="1400" dirty="0" smtClean="0">
+                    <a:rPr lang="en-SG" sz="1400" dirty="0">
                       <a:solidFill>
                         <a:schemeClr val="accent1"/>
                       </a:solidFill>
@@ -8628,7 +10413,7 @@
                     <a:t>:</a:t>
                   </a:r>
                   <a:r>
-                    <a:rPr lang="en-SG" sz="1400" dirty="0" err="1" smtClean="0">
+                    <a:rPr lang="en-SG" sz="1400" dirty="0" err="1">
                       <a:solidFill>
                         <a:schemeClr val="accent1"/>
                       </a:solidFill>
@@ -8700,18 +10485,13 @@
                 <a:p>
                   <a:pPr algn="ctr"/>
                   <a:r>
-                    <a:rPr lang="en-SG" sz="1400" dirty="0" smtClean="0">
+                    <a:rPr lang="en-SG" sz="1400" dirty="0">
                       <a:solidFill>
                         <a:schemeClr val="accent1"/>
                       </a:solidFill>
                     </a:rPr>
                     <a:t>:Command</a:t>
                   </a:r>
-                  <a:endParaRPr lang="en-SG" sz="1400" dirty="0">
-                    <a:solidFill>
-                      <a:schemeClr val="accent1"/>
-                    </a:solidFill>
-                  </a:endParaRPr>
                 </a:p>
               </p:txBody>
             </p:sp>
@@ -8772,14 +10552,14 @@
                 <a:p>
                   <a:pPr algn="ctr"/>
                   <a:r>
-                    <a:rPr lang="en-SG" sz="1400" dirty="0" err="1" smtClean="0">
+                    <a:rPr lang="en-SG" sz="1400" dirty="0" err="1">
                       <a:solidFill>
                         <a:schemeClr val="accent1"/>
                       </a:solidFill>
                     </a:rPr>
                     <a:t>FoundCommand</a:t>
                   </a:r>
-                  <a:endParaRPr lang="en-SG" sz="1400" dirty="0" smtClean="0">
+                  <a:endParaRPr lang="en-SG" sz="1400" dirty="0">
                     <a:solidFill>
                       <a:schemeClr val="accent1"/>
                     </a:solidFill>
@@ -8788,18 +10568,13 @@
                 <a:p>
                   <a:pPr algn="ctr"/>
                   <a:r>
-                    <a:rPr lang="en-SG" sz="1400" dirty="0" smtClean="0">
+                    <a:rPr lang="en-SG" sz="1400" dirty="0">
                       <a:solidFill>
                         <a:schemeClr val="accent1"/>
                       </a:solidFill>
                     </a:rPr>
                     <a:t>:Command</a:t>
                   </a:r>
-                  <a:endParaRPr lang="en-SG" sz="1400" dirty="0">
-                    <a:solidFill>
-                      <a:schemeClr val="accent1"/>
-                    </a:solidFill>
-                  </a:endParaRPr>
                 </a:p>
               </p:txBody>
             </p:sp>
@@ -8974,18 +10749,13 @@
                 <a:p>
                   <a:pPr algn="ctr"/>
                   <a:r>
-                    <a:rPr lang="en-SG" sz="1400" dirty="0" smtClean="0">
+                    <a:rPr lang="en-SG" sz="1400" dirty="0">
                       <a:solidFill>
                         <a:schemeClr val="accent1"/>
                       </a:solidFill>
                     </a:rPr>
                     <a:t>:</a:t>
                   </a:r>
-                  <a:endParaRPr lang="en-SG" sz="1400" dirty="0">
-                    <a:solidFill>
-                      <a:schemeClr val="accent1"/>
-                    </a:solidFill>
-                  </a:endParaRPr>
                 </a:p>
               </p:txBody>
             </p:sp>
@@ -9046,18 +10816,13 @@
                 <a:p>
                   <a:pPr algn="ctr"/>
                   <a:r>
-                    <a:rPr lang="en-SG" sz="1400" dirty="0" smtClean="0">
+                    <a:rPr lang="en-SG" sz="1400" dirty="0">
                       <a:solidFill>
                         <a:schemeClr val="accent1"/>
                       </a:solidFill>
                     </a:rPr>
                     <a:t>:</a:t>
                   </a:r>
-                  <a:endParaRPr lang="en-SG" sz="1400" dirty="0">
-                    <a:solidFill>
-                      <a:schemeClr val="accent1"/>
-                    </a:solidFill>
-                  </a:endParaRPr>
                 </a:p>
               </p:txBody>
             </p:sp>
@@ -9118,18 +10883,13 @@
                 <a:p>
                   <a:pPr algn="ctr"/>
                   <a:r>
-                    <a:rPr lang="en-SG" sz="1400" dirty="0" smtClean="0">
+                    <a:rPr lang="en-SG" sz="1400" dirty="0">
                       <a:solidFill>
                         <a:schemeClr val="accent1"/>
                       </a:solidFill>
                     </a:rPr>
                     <a:t>:</a:t>
                   </a:r>
-                  <a:endParaRPr lang="en-SG" sz="1400" dirty="0">
-                    <a:solidFill>
-                      <a:schemeClr val="accent1"/>
-                    </a:solidFill>
-                  </a:endParaRPr>
                 </a:p>
               </p:txBody>
             </p:sp>
@@ -9190,18 +10950,13 @@
                 <a:p>
                   <a:pPr algn="ctr"/>
                   <a:r>
-                    <a:rPr lang="en-SG" sz="1400" dirty="0" smtClean="0">
+                    <a:rPr lang="en-SG" sz="1400" dirty="0">
                       <a:solidFill>
                         <a:schemeClr val="accent1"/>
                       </a:solidFill>
                     </a:rPr>
                     <a:t>:</a:t>
                   </a:r>
-                  <a:endParaRPr lang="en-SG" sz="1400" dirty="0">
-                    <a:solidFill>
-                      <a:schemeClr val="accent1"/>
-                    </a:solidFill>
-                  </a:endParaRPr>
                 </a:p>
               </p:txBody>
             </p:sp>
@@ -9281,18 +11036,17 @@
                   <a:p>
                     <a:pPr algn="ctr"/>
                     <a:r>
-                      <a:rPr lang="en-SG" sz="1600" i="1" dirty="0" smtClean="0"/>
+                      <a:rPr lang="en-SG" sz="1600" i="1" dirty="0"/>
                       <a:t>execute(</a:t>
                     </a:r>
                     <a:r>
-                      <a:rPr lang="en-SG" sz="1600" i="1" dirty="0" err="1" smtClean="0"/>
+                      <a:rPr lang="en-SG" sz="1600" i="1" dirty="0" err="1"/>
                       <a:t>userInput</a:t>
                     </a:r>
                     <a:r>
-                      <a:rPr lang="en-SG" sz="1600" i="1" dirty="0" smtClean="0"/>
+                      <a:rPr lang="en-SG" sz="1600" i="1" dirty="0"/>
                       <a:t>);</a:t>
                     </a:r>
-                    <a:endParaRPr lang="en-SG" sz="1600" i="1" dirty="0"/>
                   </a:p>
                 </p:txBody>
               </p:sp>
@@ -9373,14 +11127,13 @@
                   <a:p>
                     <a:pPr algn="ctr"/>
                     <a:r>
-                      <a:rPr lang="en-SG" sz="1600" i="1" dirty="0" err="1" smtClean="0"/>
+                      <a:rPr lang="en-SG" sz="1600" i="1" dirty="0" err="1"/>
                       <a:t>delegateCommand</a:t>
                     </a:r>
                     <a:r>
-                      <a:rPr lang="en-SG" sz="1600" i="1" dirty="0" smtClean="0"/>
+                      <a:rPr lang="en-SG" sz="1600" i="1" dirty="0"/>
                       <a:t>();</a:t>
                     </a:r>
-                    <a:endParaRPr lang="en-SG" sz="1600" i="1" dirty="0"/>
                   </a:p>
                 </p:txBody>
               </p:sp>
@@ -9461,14 +11214,13 @@
                   <a:p>
                     <a:pPr algn="ctr"/>
                     <a:r>
-                      <a:rPr lang="en-SG" sz="1600" i="1" dirty="0" err="1" smtClean="0"/>
+                      <a:rPr lang="en-SG" sz="1600" i="1" dirty="0" err="1"/>
                       <a:t>respondTo</a:t>
                     </a:r>
                     <a:r>
-                      <a:rPr lang="en-SG" sz="1600" dirty="0" smtClean="0"/>
+                      <a:rPr lang="en-SG" sz="1600" dirty="0"/>
                       <a:t>();</a:t>
                     </a:r>
-                    <a:endParaRPr lang="en-SG" sz="1600" dirty="0"/>
                   </a:p>
                 </p:txBody>
               </p:sp>
@@ -9562,18 +11314,13 @@
                 <a:p>
                   <a:pPr algn="ctr"/>
                   <a:r>
-                    <a:rPr lang="en-SG" dirty="0" smtClean="0">
+                    <a:rPr lang="en-SG" dirty="0">
                       <a:solidFill>
                         <a:sysClr val="windowText" lastClr="000000"/>
                       </a:solidFill>
                     </a:rPr>
                     <a:t>Loop</a:t>
                   </a:r>
-                  <a:endParaRPr lang="en-SG" dirty="0">
-                    <a:solidFill>
-                      <a:sysClr val="windowText" lastClr="000000"/>
-                    </a:solidFill>
-                  </a:endParaRPr>
                 </a:p>
               </p:txBody>
             </p:sp>
@@ -9653,18 +11400,17 @@
                   <a:p>
                     <a:pPr algn="ctr"/>
                     <a:r>
-                      <a:rPr lang="en-SG" sz="1600" i="1" dirty="0" smtClean="0"/>
+                      <a:rPr lang="en-SG" sz="1600" i="1" dirty="0"/>
                       <a:t>execute(</a:t>
                     </a:r>
                     <a:r>
-                      <a:rPr lang="en-SG" sz="1600" i="1" dirty="0" err="1" smtClean="0"/>
+                      <a:rPr lang="en-SG" sz="1600" i="1" dirty="0" err="1"/>
                       <a:t>userInput</a:t>
                     </a:r>
                     <a:r>
-                      <a:rPr lang="en-SG" sz="1600" i="1" dirty="0" smtClean="0"/>
+                      <a:rPr lang="en-SG" sz="1600" i="1" dirty="0"/>
                       <a:t>);</a:t>
                     </a:r>
-                    <a:endParaRPr lang="en-SG" sz="1600" i="1" dirty="0"/>
                   </a:p>
                 </p:txBody>
               </p:sp>
@@ -9726,18 +11472,13 @@
                 <a:p>
                   <a:pPr algn="ctr"/>
                   <a:r>
-                    <a:rPr lang="en-SG" sz="1400" dirty="0" smtClean="0">
+                    <a:rPr lang="en-SG" sz="1400" dirty="0">
                       <a:solidFill>
                         <a:schemeClr val="accent1"/>
                       </a:solidFill>
                     </a:rPr>
                     <a:t>:</a:t>
                   </a:r>
-                  <a:endParaRPr lang="en-SG" sz="1400" dirty="0">
-                    <a:solidFill>
-                      <a:schemeClr val="accent1"/>
-                    </a:solidFill>
-                  </a:endParaRPr>
                 </a:p>
               </p:txBody>
             </p:sp>
@@ -9819,10 +11560,9 @@
                   <a:p>
                     <a:pPr algn="ctr"/>
                     <a:r>
-                      <a:rPr lang="en-SG" sz="1600" i="1" dirty="0" smtClean="0"/>
+                      <a:rPr lang="en-SG" sz="1600" i="1" dirty="0"/>
                       <a:t>return true/false</a:t>
                     </a:r>
-                    <a:endParaRPr lang="en-SG" sz="1600" i="1" dirty="0"/>
                   </a:p>
                 </p:txBody>
               </p:sp>
@@ -9905,11 +11645,11 @@
                   <a:p>
                     <a:pPr algn="ctr"/>
                     <a:r>
-                      <a:rPr lang="en-SG" sz="1600" i="1" dirty="0" smtClean="0"/>
+                      <a:rPr lang="en-SG" sz="1600" i="1" dirty="0"/>
                       <a:t>return </a:t>
                     </a:r>
                     <a:r>
-                      <a:rPr lang="en-SG" sz="1600" i="1" dirty="0" err="1" smtClean="0"/>
+                      <a:rPr lang="en-SG" sz="1600" i="1" dirty="0" err="1"/>
                       <a:t>CommandResult</a:t>
                     </a:r>
                     <a:endParaRPr lang="en-SG" sz="1600" i="1" dirty="0"/>
@@ -9995,11 +11735,11 @@
                   <a:p>
                     <a:pPr algn="ctr"/>
                     <a:r>
-                      <a:rPr lang="en-SG" sz="1600" i="1" dirty="0" smtClean="0"/>
+                      <a:rPr lang="en-SG" sz="1600" i="1" dirty="0"/>
                       <a:t>return </a:t>
                     </a:r>
                     <a:r>
-                      <a:rPr lang="en-SG" sz="1600" i="1" dirty="0" err="1" smtClean="0"/>
+                      <a:rPr lang="en-SG" sz="1600" i="1" dirty="0" err="1"/>
                       <a:t>CommandResult</a:t>
                     </a:r>
                     <a:endParaRPr lang="en-SG" sz="1600" i="1" dirty="0"/>
@@ -10085,11 +11825,11 @@
                   <a:p>
                     <a:pPr algn="ctr"/>
                     <a:r>
-                      <a:rPr lang="en-SG" sz="1600" i="1" dirty="0" smtClean="0"/>
+                      <a:rPr lang="en-SG" sz="1600" i="1" dirty="0"/>
                       <a:t>return </a:t>
                     </a:r>
                     <a:r>
-                      <a:rPr lang="en-SG" sz="1600" i="1" dirty="0" err="1" smtClean="0"/>
+                      <a:rPr lang="en-SG" sz="1600" i="1" dirty="0" err="1"/>
                       <a:t>CommandResult</a:t>
                     </a:r>
                     <a:endParaRPr lang="en-SG" sz="1600" i="1" dirty="0"/>
@@ -10103,7 +11843,7 @@
     </p:spTree>
     <p:extLst>
       <p:ext uri="{BB962C8B-B14F-4D97-AF65-F5344CB8AC3E}">
-        <p14:creationId xmlns="" xmlns:p14="http://schemas.microsoft.com/office/powerpoint/2010/main" val="1577130838"/>
+        <p14:creationId xmlns:p14="http://schemas.microsoft.com/office/powerpoint/2010/main" val="1577130838"/>
       </p:ext>
     </p:extLst>
   </p:cSld>
@@ -10113,7 +11853,7 @@
 </p:sld>
 </file>
 
-<file path=ppt/slides/slide6.xml><?xml version="1.0" encoding="utf-8"?>
+<file path=ppt/slides/slide8.xml><?xml version="1.0" encoding="utf-8"?>
 <p:sld xmlns:a="http://schemas.openxmlformats.org/drawingml/2006/main" xmlns:r="http://schemas.openxmlformats.org/officeDocument/2006/relationships" xmlns:p="http://schemas.openxmlformats.org/presentationml/2006/main">
   <p:cSld>
     <p:spTree>
@@ -10153,13 +11893,13 @@
           <a:lstStyle/>
           <a:p>
             <a:r>
-              <a:rPr lang="en-SG" dirty="0" smtClean="0">
+              <a:rPr lang="en-SG" dirty="0">
                 <a:latin typeface="Garamond" panose="02020404030301010803" pitchFamily="18" charset="0"/>
               </a:rPr>
               <a:t>Activity Diagram for </a:t>
             </a:r>
             <a:r>
-              <a:rPr lang="en-SG" dirty="0" err="1" smtClean="0">
+              <a:rPr lang="en-SG" dirty="0" err="1">
                 <a:latin typeface="Garamond" panose="02020404030301010803" pitchFamily="18" charset="0"/>
               </a:rPr>
               <a:t>Linenux</a:t>
@@ -10361,18 +12101,13 @@
                     <a:p>
                       <a:pPr algn="ctr"/>
                       <a:r>
-                        <a:rPr lang="en-SG" sz="1600" dirty="0" smtClean="0">
+                        <a:rPr lang="en-SG" sz="1600" dirty="0">
                           <a:solidFill>
                             <a:schemeClr val="tx1"/>
                           </a:solidFill>
                         </a:rPr>
                         <a:t>Display invalid command</a:t>
                       </a:r>
-                      <a:endParaRPr lang="en-SG" sz="1600" dirty="0">
-                        <a:solidFill>
-                          <a:schemeClr val="tx1"/>
-                        </a:solidFill>
-                      </a:endParaRPr>
                     </a:p>
                   </p:txBody>
                 </p:sp>
@@ -10433,18 +12168,13 @@
                       <a:p>
                         <a:pPr algn="ctr"/>
                         <a:r>
-                          <a:rPr lang="en-SG" sz="1600" dirty="0" smtClean="0">
+                          <a:rPr lang="en-SG" sz="1600" dirty="0">
                             <a:solidFill>
                               <a:schemeClr val="tx1"/>
                             </a:solidFill>
                           </a:rPr>
                           <a:t>User gives an input</a:t>
                         </a:r>
-                        <a:endParaRPr lang="en-SG" sz="1600" dirty="0">
-                          <a:solidFill>
-                            <a:schemeClr val="tx1"/>
-                          </a:solidFill>
-                        </a:endParaRPr>
                       </a:p>
                     </p:txBody>
                   </p:sp>
@@ -10557,17 +12287,16 @@
                       <a:p>
                         <a:pPr algn="ctr"/>
                         <a:r>
-                          <a:rPr lang="en-SG" sz="1600" dirty="0" smtClean="0"/>
+                          <a:rPr lang="en-SG" sz="1600" dirty="0"/>
                           <a:t>Checks if any command </a:t>
                         </a:r>
                       </a:p>
                       <a:p>
                         <a:pPr algn="ctr"/>
                         <a:r>
-                          <a:rPr lang="en-SG" sz="1600" dirty="0" smtClean="0"/>
+                          <a:rPr lang="en-SG" sz="1600" dirty="0"/>
                           <a:t>responds to input</a:t>
                         </a:r>
-                        <a:endParaRPr lang="en-SG" sz="1600" dirty="0"/>
                       </a:p>
                     </p:txBody>
                   </p:sp>
@@ -10692,18 +12421,13 @@
                       <a:p>
                         <a:pPr algn="ctr"/>
                         <a:r>
-                          <a:rPr lang="en-SG" dirty="0" smtClean="0">
+                          <a:rPr lang="en-SG" dirty="0">
                             <a:solidFill>
                               <a:sysClr val="windowText" lastClr="000000"/>
                             </a:solidFill>
                           </a:rPr>
                           <a:t>A</a:t>
                         </a:r>
-                        <a:endParaRPr lang="en-SG" dirty="0">
-                          <a:solidFill>
-                            <a:sysClr val="windowText" lastClr="000000"/>
-                          </a:solidFill>
-                        </a:endParaRPr>
                       </a:p>
                     </p:txBody>
                   </p:sp>
@@ -10750,18 +12474,13 @@
                       <a:p>
                         <a:pPr algn="ctr"/>
                         <a:r>
-                          <a:rPr lang="en-SG" dirty="0" smtClean="0">
+                          <a:rPr lang="en-SG" dirty="0">
                             <a:solidFill>
                               <a:sysClr val="windowText" lastClr="000000"/>
                             </a:solidFill>
                           </a:rPr>
                           <a:t>A</a:t>
                         </a:r>
-                        <a:endParaRPr lang="en-SG" dirty="0">
-                          <a:solidFill>
-                            <a:sysClr val="windowText" lastClr="000000"/>
-                          </a:solidFill>
-                        </a:endParaRPr>
                       </a:p>
                     </p:txBody>
                   </p:sp>
@@ -10828,10 +12547,9 @@
                       <a:p>
                         <a:pPr algn="ctr"/>
                         <a:r>
-                          <a:rPr lang="en-SG" sz="1600" dirty="0" smtClean="0"/>
+                          <a:rPr lang="en-SG" sz="1600" dirty="0"/>
                           <a:t>[No]</a:t>
                         </a:r>
-                        <a:endParaRPr lang="en-SG" sz="1600" dirty="0"/>
                       </a:p>
                     </p:txBody>
                   </p:sp>
@@ -10944,17 +12662,16 @@
                       <a:p>
                         <a:pPr algn="ctr"/>
                         <a:r>
-                          <a:rPr lang="en-SG" sz="1600" dirty="0" smtClean="0"/>
+                          <a:rPr lang="en-SG" sz="1600" dirty="0"/>
                           <a:t>Is the command </a:t>
                         </a:r>
                       </a:p>
                       <a:p>
                         <a:pPr algn="ctr"/>
                         <a:r>
-                          <a:rPr lang="en-SG" sz="1600" dirty="0" smtClean="0"/>
+                          <a:rPr lang="en-SG" sz="1600" dirty="0"/>
                           <a:t>‘Exit’?</a:t>
                         </a:r>
-                        <a:endParaRPr lang="en-SG" sz="1600" dirty="0"/>
                       </a:p>
                     </p:txBody>
                   </p:sp>
@@ -10982,10 +12699,9 @@
                       <a:p>
                         <a:pPr algn="ctr"/>
                         <a:r>
-                          <a:rPr lang="en-SG" sz="1600" dirty="0" smtClean="0"/>
+                          <a:rPr lang="en-SG" sz="1600" dirty="0"/>
                           <a:t>[No]</a:t>
                         </a:r>
-                        <a:endParaRPr lang="en-SG" sz="1600" dirty="0"/>
                       </a:p>
                     </p:txBody>
                   </p:sp>
@@ -11161,10 +12877,9 @@
                       <a:p>
                         <a:pPr algn="ctr"/>
                         <a:r>
-                          <a:rPr lang="en-SG" sz="1600" dirty="0" smtClean="0"/>
+                          <a:rPr lang="en-SG" sz="1600" dirty="0"/>
                           <a:t>[Yes]</a:t>
                         </a:r>
-                        <a:endParaRPr lang="en-SG" sz="1600" dirty="0"/>
                       </a:p>
                     </p:txBody>
                   </p:sp>
@@ -11213,7 +12928,7 @@
                       <a:p>
                         <a:pPr algn="ctr"/>
                         <a:r>
-                          <a:rPr lang="en-SG" sz="1600" dirty="0" err="1" smtClean="0">
+                          <a:rPr lang="en-SG" sz="1600" dirty="0" err="1">
                             <a:solidFill>
                               <a:schemeClr val="tx1"/>
                             </a:solidFill>
@@ -11221,18 +12936,13 @@
                           <a:t>Linenux</a:t>
                         </a:r>
                         <a:r>
-                          <a:rPr lang="en-SG" sz="1600" dirty="0" smtClean="0">
+                          <a:rPr lang="en-SG" sz="1600" dirty="0">
                             <a:solidFill>
                               <a:schemeClr val="tx1"/>
                             </a:solidFill>
                           </a:rPr>
                           <a:t> executes command</a:t>
                         </a:r>
-                        <a:endParaRPr lang="en-SG" sz="1600" dirty="0">
-                          <a:solidFill>
-                            <a:schemeClr val="tx1"/>
-                          </a:solidFill>
-                        </a:endParaRPr>
                       </a:p>
                     </p:txBody>
                   </p:sp>
@@ -11299,10 +13009,9 @@
                       <a:p>
                         <a:pPr algn="ctr"/>
                         <a:r>
-                          <a:rPr lang="en-SG" sz="1600" dirty="0" smtClean="0"/>
+                          <a:rPr lang="en-SG" sz="1600" dirty="0"/>
                           <a:t>[No]</a:t>
                         </a:r>
-                        <a:endParaRPr lang="en-SG" sz="1600" dirty="0"/>
                       </a:p>
                     </p:txBody>
                   </p:sp>
@@ -11330,10 +13039,9 @@
                       <a:p>
                         <a:pPr algn="ctr"/>
                         <a:r>
-                          <a:rPr lang="en-SG" sz="1600" dirty="0" smtClean="0"/>
+                          <a:rPr lang="en-SG" sz="1600" dirty="0"/>
                           <a:t>[Yes]</a:t>
                         </a:r>
-                        <a:endParaRPr lang="en-SG" sz="1600" dirty="0"/>
                       </a:p>
                     </p:txBody>
                   </p:sp>
@@ -11407,24 +13115,23 @@
                       <a:p>
                         <a:pPr algn="ctr"/>
                         <a:r>
-                          <a:rPr lang="en-SG" sz="1600" dirty="0" smtClean="0"/>
+                          <a:rPr lang="en-SG" sz="1600" dirty="0"/>
                           <a:t>Checks if any command </a:t>
                         </a:r>
                       </a:p>
                       <a:p>
                         <a:pPr algn="ctr"/>
                         <a:r>
-                          <a:rPr lang="en-SG" sz="1600" dirty="0" smtClean="0"/>
+                          <a:rPr lang="en-SG" sz="1600" dirty="0"/>
                           <a:t>is awaiting response </a:t>
                         </a:r>
                       </a:p>
                       <a:p>
                         <a:pPr algn="ctr"/>
                         <a:r>
-                          <a:rPr lang="en-SG" sz="1600" dirty="0" smtClean="0"/>
+                          <a:rPr lang="en-SG" sz="1600" dirty="0"/>
                           <a:t>from user.</a:t>
                         </a:r>
-                        <a:endParaRPr lang="en-SG" sz="1600" dirty="0"/>
                       </a:p>
                     </p:txBody>
                   </p:sp>
@@ -11491,10 +13198,9 @@
                       <a:p>
                         <a:pPr algn="ctr"/>
                         <a:r>
-                          <a:rPr lang="en-SG" sz="1600" dirty="0" smtClean="0"/>
+                          <a:rPr lang="en-SG" sz="1600" dirty="0"/>
                           <a:t>[Yes]</a:t>
                         </a:r>
-                        <a:endParaRPr lang="en-SG" sz="1600" dirty="0"/>
                       </a:p>
                     </p:txBody>
                   </p:sp>
@@ -11607,17 +13313,16 @@
                       <a:p>
                         <a:pPr algn="ctr"/>
                         <a:r>
-                          <a:rPr lang="en-SG" sz="1600" dirty="0" smtClean="0"/>
+                          <a:rPr lang="en-SG" sz="1600" dirty="0"/>
                           <a:t>Is the input</a:t>
                         </a:r>
                       </a:p>
                       <a:p>
                         <a:pPr algn="ctr"/>
                         <a:r>
-                          <a:rPr lang="en-SG" sz="1600" dirty="0" smtClean="0"/>
+                          <a:rPr lang="en-SG" sz="1600" dirty="0"/>
                           <a:t>valid?</a:t>
                         </a:r>
-                        <a:endParaRPr lang="en-SG" sz="1600" dirty="0"/>
                       </a:p>
                     </p:txBody>
                   </p:sp>
@@ -11703,18 +13408,13 @@
                       <a:p>
                         <a:pPr algn="ctr"/>
                         <a:r>
-                          <a:rPr lang="en-SG" sz="1600" dirty="0" smtClean="0">
+                          <a:rPr lang="en-SG" sz="1600" dirty="0">
                             <a:solidFill>
                               <a:schemeClr val="tx1"/>
                             </a:solidFill>
                           </a:rPr>
                           <a:t>Display invalid input</a:t>
                         </a:r>
-                        <a:endParaRPr lang="en-SG" sz="1600" dirty="0">
-                          <a:solidFill>
-                            <a:schemeClr val="tx1"/>
-                          </a:solidFill>
-                        </a:endParaRPr>
                       </a:p>
                     </p:txBody>
                   </p:sp>
@@ -11839,18 +13539,13 @@
                       <a:p>
                         <a:pPr algn="ctr"/>
                         <a:r>
-                          <a:rPr lang="en-SG" dirty="0" smtClean="0">
+                          <a:rPr lang="en-SG" dirty="0">
                             <a:solidFill>
                               <a:sysClr val="windowText" lastClr="000000"/>
                             </a:solidFill>
                           </a:rPr>
                           <a:t>A</a:t>
                         </a:r>
-                        <a:endParaRPr lang="en-SG" dirty="0">
-                          <a:solidFill>
-                            <a:sysClr val="windowText" lastClr="000000"/>
-                          </a:solidFill>
-                        </a:endParaRPr>
                       </a:p>
                     </p:txBody>
                   </p:sp>
@@ -11878,10 +13573,9 @@
                       <a:p>
                         <a:pPr algn="ctr"/>
                         <a:r>
-                          <a:rPr lang="en-SG" sz="1600" dirty="0" smtClean="0"/>
+                          <a:rPr lang="en-SG" sz="1600" dirty="0"/>
                           <a:t>[No]</a:t>
                         </a:r>
-                        <a:endParaRPr lang="en-SG" sz="1600" dirty="0"/>
                       </a:p>
                     </p:txBody>
                   </p:sp>
@@ -11994,10 +13688,9 @@
                       <a:p>
                         <a:pPr algn="ctr"/>
                         <a:r>
-                          <a:rPr lang="en-SG" sz="1600" dirty="0" smtClean="0"/>
+                          <a:rPr lang="en-SG" sz="1600" dirty="0"/>
                           <a:t>[Yes]</a:t>
                         </a:r>
-                        <a:endParaRPr lang="en-SG" sz="1600" dirty="0"/>
                       </a:p>
                     </p:txBody>
                   </p:sp>
@@ -12025,10 +13718,9 @@
                       <a:p>
                         <a:pPr algn="ctr"/>
                         <a:r>
-                          <a:rPr lang="en-SG" sz="1600" dirty="0" smtClean="0"/>
+                          <a:rPr lang="en-SG" sz="1600" dirty="0"/>
                           <a:t>Does command require user response?</a:t>
                         </a:r>
-                        <a:endParaRPr lang="en-SG" sz="1600" dirty="0"/>
                       </a:p>
                     </p:txBody>
                   </p:sp>
@@ -12095,10 +13787,9 @@
                       <a:p>
                         <a:pPr algn="ctr"/>
                         <a:r>
-                          <a:rPr lang="en-SG" sz="1600" dirty="0" smtClean="0"/>
+                          <a:rPr lang="en-SG" sz="1600" dirty="0"/>
                           <a:t>[Yes]</a:t>
                         </a:r>
-                        <a:endParaRPr lang="en-SG" sz="1600" dirty="0"/>
                       </a:p>
                     </p:txBody>
                   </p:sp>
@@ -12211,10 +13902,9 @@
                       <a:p>
                         <a:pPr algn="ctr"/>
                         <a:r>
-                          <a:rPr lang="en-SG" sz="1600" dirty="0" smtClean="0"/>
+                          <a:rPr lang="en-SG" sz="1600" dirty="0"/>
                           <a:t>[No]</a:t>
                         </a:r>
-                        <a:endParaRPr lang="en-SG" sz="1600" dirty="0"/>
                       </a:p>
                     </p:txBody>
                   </p:sp>
@@ -12242,10 +13932,9 @@
                       <a:p>
                         <a:pPr algn="ctr"/>
                         <a:r>
-                          <a:rPr lang="en-SG" sz="1600" dirty="0" smtClean="0"/>
+                          <a:rPr lang="en-SG" sz="1600" dirty="0"/>
                           <a:t>Does command mutate data?</a:t>
                         </a:r>
-                        <a:endParaRPr lang="en-SG" sz="1600" dirty="0"/>
                       </a:p>
                     </p:txBody>
                   </p:sp>
@@ -12370,7 +14059,7 @@
                       <a:p>
                         <a:pPr algn="ctr"/>
                         <a:r>
-                          <a:rPr lang="en-SG" sz="1600" dirty="0" err="1" smtClean="0">
+                          <a:rPr lang="en-SG" sz="1600" dirty="0" err="1">
                             <a:solidFill>
                               <a:schemeClr val="tx1"/>
                             </a:solidFill>
@@ -12378,18 +14067,13 @@
                           <a:t>Linenux</a:t>
                         </a:r>
                         <a:r>
-                          <a:rPr lang="en-SG" sz="1600" dirty="0" smtClean="0">
+                          <a:rPr lang="en-SG" sz="1600" dirty="0">
                             <a:solidFill>
                               <a:schemeClr val="tx1"/>
                             </a:solidFill>
                           </a:rPr>
                           <a:t> display execution result</a:t>
                         </a:r>
-                        <a:endParaRPr lang="en-SG" sz="1600" dirty="0">
-                          <a:solidFill>
-                            <a:schemeClr val="tx1"/>
-                          </a:solidFill>
-                        </a:endParaRPr>
                       </a:p>
                     </p:txBody>
                   </p:sp>
@@ -12456,10 +14140,9 @@
                       <a:p>
                         <a:pPr algn="ctr"/>
                         <a:r>
-                          <a:rPr lang="en-SG" sz="1600" dirty="0" smtClean="0"/>
+                          <a:rPr lang="en-SG" sz="1600" dirty="0"/>
                           <a:t>[No]</a:t>
                         </a:r>
-                        <a:endParaRPr lang="en-SG" sz="1600" dirty="0"/>
                       </a:p>
                     </p:txBody>
                   </p:sp>
@@ -12487,10 +14170,9 @@
                       <a:p>
                         <a:pPr algn="ctr"/>
                         <a:r>
-                          <a:rPr lang="en-SG" sz="1600" dirty="0" smtClean="0"/>
+                          <a:rPr lang="en-SG" sz="1600" dirty="0"/>
                           <a:t>[Yes]</a:t>
                         </a:r>
-                        <a:endParaRPr lang="en-SG" sz="1600" dirty="0"/>
                       </a:p>
                     </p:txBody>
                   </p:sp>
@@ -12537,7 +14219,7 @@
                       <a:p>
                         <a:pPr algn="ctr"/>
                         <a:r>
-                          <a:rPr lang="en-SG" sz="1600" dirty="0" err="1" smtClean="0">
+                          <a:rPr lang="en-SG" sz="1600" dirty="0" err="1">
                             <a:solidFill>
                               <a:schemeClr val="tx1"/>
                             </a:solidFill>
@@ -12545,18 +14227,13 @@
                           <a:t>Linenux</a:t>
                         </a:r>
                         <a:r>
-                          <a:rPr lang="en-SG" sz="1600" dirty="0" smtClean="0">
+                          <a:rPr lang="en-SG" sz="1600" dirty="0">
                             <a:solidFill>
                               <a:schemeClr val="tx1"/>
                             </a:solidFill>
                           </a:rPr>
                           <a:t> creates new state in schedule</a:t>
                         </a:r>
-                        <a:endParaRPr lang="en-SG" sz="1600" dirty="0">
-                          <a:solidFill>
-                            <a:schemeClr val="tx1"/>
-                          </a:solidFill>
-                        </a:endParaRPr>
                       </a:p>
                     </p:txBody>
                   </p:sp>
@@ -12653,10 +14330,9 @@
                       <a:p>
                         <a:pPr algn="ctr"/>
                         <a:r>
-                          <a:rPr lang="en-SG" sz="1600" dirty="0" smtClean="0"/>
+                          <a:rPr lang="en-SG" sz="1600" dirty="0"/>
                           <a:t>[Yes]</a:t>
                         </a:r>
-                        <a:endParaRPr lang="en-SG" sz="1600" dirty="0"/>
                       </a:p>
                     </p:txBody>
                   </p:sp>
@@ -12804,10 +14480,9 @@
                             <a:p>
                               <a:pPr algn="ctr"/>
                               <a:r>
-                                <a:rPr lang="en-SG" sz="1600" dirty="0" smtClean="0"/>
+                                <a:rPr lang="en-SG" sz="1600" dirty="0"/>
                                 <a:t>[No]</a:t>
                               </a:r>
-                              <a:endParaRPr lang="en-SG" sz="1600" dirty="0"/>
                             </a:p>
                           </p:txBody>
                         </p:sp>
@@ -12924,7 +14599,7 @@
                                       <a:p>
                                         <a:pPr algn="ctr"/>
                                         <a:r>
-                                          <a:rPr lang="en-SG" sz="1600" dirty="0" err="1" smtClean="0">
+                                          <a:rPr lang="en-SG" sz="1600" dirty="0" err="1">
                                             <a:solidFill>
                                               <a:schemeClr val="tx1"/>
                                             </a:solidFill>
@@ -12932,18 +14607,13 @@
                                           <a:t>Linenux</a:t>
                                         </a:r>
                                         <a:r>
-                                          <a:rPr lang="en-SG" sz="1600" dirty="0" smtClean="0">
+                                          <a:rPr lang="en-SG" sz="1600" dirty="0">
                                             <a:solidFill>
                                               <a:schemeClr val="tx1"/>
                                             </a:solidFill>
                                           </a:rPr>
                                           <a:t> reads Schedule</a:t>
                                         </a:r>
-                                        <a:endParaRPr lang="en-SG" sz="1600" dirty="0">
-                                          <a:solidFill>
-                                            <a:schemeClr val="tx1"/>
-                                          </a:solidFill>
-                                        </a:endParaRPr>
                                       </a:p>
                                     </p:txBody>
                                   </p:sp>
@@ -13104,17 +14774,16 @@
                                       <a:p>
                                         <a:pPr algn="ctr"/>
                                         <a:r>
-                                          <a:rPr lang="en-SG" sz="1600" dirty="0" smtClean="0"/>
+                                          <a:rPr lang="en-SG" sz="1600" dirty="0"/>
                                           <a:t>Checks if there is an </a:t>
                                         </a:r>
                                       </a:p>
                                       <a:p>
                                         <a:pPr algn="ctr"/>
                                         <a:r>
-                                          <a:rPr lang="en-SG" sz="1600" dirty="0" smtClean="0"/>
+                                          <a:rPr lang="en-SG" sz="1600" dirty="0"/>
                                           <a:t>existing Schedule</a:t>
                                         </a:r>
-                                        <a:endParaRPr lang="en-SG" sz="1600" dirty="0"/>
                                       </a:p>
                                     </p:txBody>
                                   </p:sp>
@@ -13181,10 +14850,9 @@
                                       <a:p>
                                         <a:pPr algn="ctr"/>
                                         <a:r>
-                                          <a:rPr lang="en-SG" sz="1600" dirty="0" smtClean="0"/>
+                                          <a:rPr lang="en-SG" sz="1600" dirty="0"/>
                                           <a:t>[Yes]</a:t>
                                         </a:r>
-                                        <a:endParaRPr lang="en-SG" sz="1600" dirty="0"/>
                                       </a:p>
                                     </p:txBody>
                                   </p:sp>
@@ -13231,7 +14899,7 @@
                                       <a:p>
                                         <a:pPr algn="ctr"/>
                                         <a:r>
-                                          <a:rPr lang="en-SG" sz="1600" dirty="0" err="1" smtClean="0">
+                                          <a:rPr lang="en-SG" sz="1600" dirty="0" err="1">
                                             <a:solidFill>
                                               <a:schemeClr val="tx1"/>
                                             </a:solidFill>
@@ -13239,18 +14907,13 @@
                                           <a:t>Linenux</a:t>
                                         </a:r>
                                         <a:r>
-                                          <a:rPr lang="en-SG" sz="1600" dirty="0" smtClean="0">
+                                          <a:rPr lang="en-SG" sz="1600" dirty="0">
                                             <a:solidFill>
                                               <a:schemeClr val="tx1"/>
                                             </a:solidFill>
                                           </a:rPr>
                                           <a:t> creates new Schedule</a:t>
                                         </a:r>
-                                        <a:endParaRPr lang="en-SG" sz="1600" dirty="0">
-                                          <a:solidFill>
-                                            <a:schemeClr val="tx1"/>
-                                          </a:solidFill>
-                                        </a:endParaRPr>
                                       </a:p>
                                     </p:txBody>
                                   </p:sp>
@@ -13317,10 +14980,9 @@
                                       <a:p>
                                         <a:pPr algn="ctr"/>
                                         <a:r>
-                                          <a:rPr lang="en-SG" sz="1600" dirty="0" smtClean="0"/>
+                                          <a:rPr lang="en-SG" sz="1600" dirty="0"/>
                                           <a:t>[No]</a:t>
                                         </a:r>
-                                        <a:endParaRPr lang="en-SG" sz="1600" dirty="0"/>
                                       </a:p>
                                     </p:txBody>
                                   </p:sp>
@@ -13445,18 +15107,13 @@
                                       <a:p>
                                         <a:pPr algn="ctr"/>
                                         <a:r>
-                                          <a:rPr lang="en-SG" dirty="0" smtClean="0">
+                                          <a:rPr lang="en-SG" dirty="0">
                                             <a:solidFill>
                                               <a:sysClr val="windowText" lastClr="000000"/>
                                             </a:solidFill>
                                           </a:rPr>
                                           <a:t>A</a:t>
                                         </a:r>
-                                        <a:endParaRPr lang="en-SG" dirty="0">
-                                          <a:solidFill>
-                                            <a:sysClr val="windowText" lastClr="000000"/>
-                                          </a:solidFill>
-                                        </a:endParaRPr>
                                       </a:p>
                                     </p:txBody>
                                   </p:sp>
@@ -13532,17 +15189,16 @@
                                   <a:p>
                                     <a:pPr algn="ctr"/>
                                     <a:r>
-                                      <a:rPr lang="en-SG" sz="1600" dirty="0" smtClean="0"/>
+                                      <a:rPr lang="en-SG" sz="1600" dirty="0"/>
                                       <a:t>Is the file </a:t>
                                     </a:r>
                                   </a:p>
                                   <a:p>
                                     <a:pPr algn="ctr"/>
                                     <a:r>
-                                      <a:rPr lang="en-SG" sz="1600" dirty="0" smtClean="0"/>
+                                      <a:rPr lang="en-SG" sz="1600" dirty="0"/>
                                       <a:t>readable?</a:t>
                                     </a:r>
-                                    <a:endParaRPr lang="en-SG" sz="1600" dirty="0"/>
                                   </a:p>
                                 </p:txBody>
                               </p:sp>
@@ -13618,17 +15274,16 @@
                               <a:p>
                                 <a:pPr algn="ctr"/>
                                 <a:r>
-                                  <a:rPr lang="en-SG" sz="1600" dirty="0" smtClean="0"/>
+                                  <a:rPr lang="en-SG" sz="1600" dirty="0"/>
                                   <a:t>Is new file</a:t>
                                 </a:r>
                               </a:p>
                               <a:p>
                                 <a:pPr algn="ctr"/>
                                 <a:r>
-                                  <a:rPr lang="en-SG" sz="1600" dirty="0" smtClean="0"/>
+                                  <a:rPr lang="en-SG" sz="1600" dirty="0"/>
                                   <a:t>creatable?</a:t>
                                 </a:r>
-                                <a:endParaRPr lang="en-SG" sz="1600" dirty="0"/>
                               </a:p>
                             </p:txBody>
                           </p:sp>
@@ -13656,10 +15311,9 @@
                               <a:p>
                                 <a:pPr algn="ctr"/>
                                 <a:r>
-                                  <a:rPr lang="en-SG" sz="1600" dirty="0" smtClean="0"/>
+                                  <a:rPr lang="en-SG" sz="1600" dirty="0"/>
                                   <a:t>[Yes]</a:t>
                                 </a:r>
-                                <a:endParaRPr lang="en-SG" sz="1600" dirty="0"/>
                               </a:p>
                             </p:txBody>
                           </p:sp>
@@ -13708,18 +15362,13 @@
                           <a:p>
                             <a:pPr algn="ctr"/>
                             <a:r>
-                              <a:rPr lang="en-SG" dirty="0" smtClean="0">
+                              <a:rPr lang="en-SG" dirty="0">
                                 <a:solidFill>
                                   <a:sysClr val="windowText" lastClr="000000"/>
                                 </a:solidFill>
                               </a:rPr>
                               <a:t>A</a:t>
                             </a:r>
-                            <a:endParaRPr lang="en-SG" dirty="0">
-                              <a:solidFill>
-                                <a:sysClr val="windowText" lastClr="000000"/>
-                              </a:solidFill>
-                            </a:endParaRPr>
                           </a:p>
                         </p:txBody>
                       </p:sp>
@@ -13862,10 +15511,9 @@
               <a:p>
                 <a:pPr algn="ctr"/>
                 <a:r>
-                  <a:rPr lang="en-SG" sz="1600" dirty="0" smtClean="0"/>
+                  <a:rPr lang="en-SG" sz="1600" dirty="0"/>
                   <a:t>[No]</a:t>
                 </a:r>
-                <a:endParaRPr lang="en-SG" sz="1600" dirty="0"/>
               </a:p>
             </p:txBody>
           </p:sp>
@@ -13874,7 +15522,7 @@
     </p:spTree>
     <p:extLst>
       <p:ext uri="{BB962C8B-B14F-4D97-AF65-F5344CB8AC3E}">
-        <p14:creationId xmlns="" xmlns:p14="http://schemas.microsoft.com/office/powerpoint/2010/main" val="1577130838"/>
+        <p14:creationId xmlns:p14="http://schemas.microsoft.com/office/powerpoint/2010/main" val="1577130838"/>
       </p:ext>
     </p:extLst>
   </p:cSld>
@@ -13884,7 +15532,7 @@
 </p:sld>
 </file>
 
-<file path=ppt/slides/slide7.xml><?xml version="1.0" encoding="utf-8"?>
+<file path=ppt/slides/slide9.xml><?xml version="1.0" encoding="utf-8"?>
 <p:sld xmlns:a="http://schemas.openxmlformats.org/drawingml/2006/main" xmlns:r="http://schemas.openxmlformats.org/officeDocument/2006/relationships" xmlns:p="http://schemas.openxmlformats.org/presentationml/2006/main">
   <p:cSld>
     <p:spTree>
@@ -14499,7 +16147,7 @@
               <a:blip r:embed="rId2" cstate="print">
                 <a:extLst>
                   <a:ext uri="{28A0092B-C50C-407E-A947-70E740481C1C}">
-                    <a14:useLocalDpi xmlns="" xmlns:a14="http://schemas.microsoft.com/office/drawing/2010/main" val="0"/>
+                    <a14:useLocalDpi xmlns:a14="http://schemas.microsoft.com/office/drawing/2010/main" val="0"/>
                   </a:ext>
                 </a:extLst>
               </a:blip>
@@ -14519,7 +16167,7 @@
               <a:noFill/>
               <a:extLst>
                 <a:ext uri="{909E8E84-426E-40DD-AFC4-6F175D3DCCD1}">
-                  <a14:hiddenFill xmlns="" xmlns:a14="http://schemas.microsoft.com/office/drawing/2010/main">
+                  <a14:hiddenFill xmlns:a14="http://schemas.microsoft.com/office/drawing/2010/main">
                     <a:solidFill>
                       <a:srgbClr val="FFFFFF"/>
                     </a:solidFill>
@@ -14863,1482 +16511,7 @@
     </p:spTree>
     <p:extLst>
       <p:ext uri="{BB962C8B-B14F-4D97-AF65-F5344CB8AC3E}">
-        <p14:creationId xmlns="" xmlns:p14="http://schemas.microsoft.com/office/powerpoint/2010/main" val="1289237162"/>
-      </p:ext>
-    </p:extLst>
-  </p:cSld>
-  <p:clrMapOvr>
-    <a:masterClrMapping/>
-  </p:clrMapOvr>
-</p:sld>
-</file>
-
-<file path=ppt/slides/slide8.xml><?xml version="1.0" encoding="utf-8"?>
-<p:sld xmlns:a="http://schemas.openxmlformats.org/drawingml/2006/main" xmlns:r="http://schemas.openxmlformats.org/officeDocument/2006/relationships" xmlns:p="http://schemas.openxmlformats.org/presentationml/2006/main">
-  <p:cSld>
-    <p:spTree>
-      <p:nvGrpSpPr>
-        <p:cNvPr id="1" name=""/>
-        <p:cNvGrpSpPr/>
-        <p:nvPr/>
-      </p:nvGrpSpPr>
-      <p:grpSpPr>
-        <a:xfrm>
-          <a:off x="0" y="0"/>
-          <a:ext cx="0" cy="0"/>
-          <a:chOff x="0" y="0"/>
-          <a:chExt cx="0" cy="0"/>
-        </a:xfrm>
-      </p:grpSpPr>
-      <p:sp>
-        <p:nvSpPr>
-          <p:cNvPr id="6" name="TextBox 5"/>
-          <p:cNvSpPr txBox="1"/>
-          <p:nvPr/>
-        </p:nvSpPr>
-        <p:spPr>
-          <a:xfrm>
-            <a:off x="5326308" y="3145741"/>
-            <a:ext cx="1476463" cy="523220"/>
-          </a:xfrm>
-          <a:prstGeom prst="rect">
-            <a:avLst/>
-          </a:prstGeom>
-          <a:noFill/>
-          <a:ln>
-            <a:solidFill>
-              <a:schemeClr val="accent6"/>
-            </a:solidFill>
-          </a:ln>
-        </p:spPr>
-        <p:txBody>
-          <a:bodyPr wrap="square" rtlCol="0">
-            <a:spAutoFit/>
-          </a:bodyPr>
-          <a:lstStyle/>
-          <a:p>
-            <a:pPr algn="ctr"/>
-            <a:r>
-              <a:rPr lang="en-SG" sz="1400" dirty="0">
-                <a:solidFill>
-                  <a:schemeClr val="accent6"/>
-                </a:solidFill>
-                <a:latin typeface="Consolas" panose="020B0609020204030204" pitchFamily="49" charset="0"/>
-              </a:rPr>
-              <a:t>&lt;&lt;interface&gt;&gt;</a:t>
-            </a:r>
-          </a:p>
-          <a:p>
-            <a:pPr algn="ctr"/>
-            <a:r>
-              <a:rPr lang="en-SG" sz="1400" dirty="0">
-                <a:solidFill>
-                  <a:schemeClr val="accent6"/>
-                </a:solidFill>
-                <a:latin typeface="Consolas" panose="020B0609020204030204" pitchFamily="49" charset="0"/>
-              </a:rPr>
-              <a:t>Command</a:t>
-            </a:r>
-          </a:p>
-        </p:txBody>
-      </p:sp>
-      <p:sp>
-        <p:nvSpPr>
-          <p:cNvPr id="12" name="TextBox 11"/>
-          <p:cNvSpPr txBox="1"/>
-          <p:nvPr/>
-        </p:nvSpPr>
-        <p:spPr>
-          <a:xfrm>
-            <a:off x="1343636" y="1869527"/>
-            <a:ext cx="644555" cy="307777"/>
-          </a:xfrm>
-          <a:prstGeom prst="rect">
-            <a:avLst/>
-          </a:prstGeom>
-          <a:noFill/>
-          <a:ln>
-            <a:solidFill>
-              <a:schemeClr val="accent1"/>
-            </a:solidFill>
-          </a:ln>
-        </p:spPr>
-        <p:txBody>
-          <a:bodyPr wrap="square" rtlCol="0">
-            <a:spAutoFit/>
-          </a:bodyPr>
-          <a:lstStyle/>
-          <a:p>
-            <a:pPr algn="ctr"/>
-            <a:r>
-              <a:rPr lang="en-SG" sz="1400" dirty="0">
-                <a:solidFill>
-                  <a:schemeClr val="accent1"/>
-                </a:solidFill>
-                <a:latin typeface="Consolas" panose="020B0609020204030204" pitchFamily="49" charset="0"/>
-              </a:rPr>
-              <a:t>Main</a:t>
-            </a:r>
-          </a:p>
-        </p:txBody>
-      </p:sp>
-      <p:sp>
-        <p:nvSpPr>
-          <p:cNvPr id="13" name="TextBox 12"/>
-          <p:cNvSpPr txBox="1"/>
-          <p:nvPr/>
-        </p:nvSpPr>
-        <p:spPr>
-          <a:xfrm>
-            <a:off x="533398" y="2576389"/>
-            <a:ext cx="1895912" cy="307777"/>
-          </a:xfrm>
-          <a:prstGeom prst="rect">
-            <a:avLst/>
-          </a:prstGeom>
-          <a:noFill/>
-          <a:ln>
-            <a:solidFill>
-              <a:schemeClr val="accent1"/>
-            </a:solidFill>
-          </a:ln>
-        </p:spPr>
-        <p:txBody>
-          <a:bodyPr wrap="square" rtlCol="0">
-            <a:spAutoFit/>
-          </a:bodyPr>
-          <a:lstStyle/>
-          <a:p>
-            <a:pPr algn="ctr"/>
-            <a:r>
-              <a:rPr lang="en-SG" sz="1400" dirty="0">
-                <a:solidFill>
-                  <a:schemeClr val="accent1"/>
-                </a:solidFill>
-                <a:latin typeface="Consolas" panose="020B0609020204030204" pitchFamily="49" charset="0"/>
-              </a:rPr>
-              <a:t>ConsoleController</a:t>
-            </a:r>
-          </a:p>
-        </p:txBody>
-      </p:sp>
-      <p:sp>
-        <p:nvSpPr>
-          <p:cNvPr id="14" name="TextBox 13"/>
-          <p:cNvSpPr txBox="1"/>
-          <p:nvPr/>
-        </p:nvSpPr>
-        <p:spPr>
-          <a:xfrm>
-            <a:off x="3078056" y="2569751"/>
-            <a:ext cx="1352728" cy="307777"/>
-          </a:xfrm>
-          <a:prstGeom prst="rect">
-            <a:avLst/>
-          </a:prstGeom>
-          <a:noFill/>
-          <a:ln>
-            <a:solidFill>
-              <a:schemeClr val="accent2"/>
-            </a:solidFill>
-          </a:ln>
-        </p:spPr>
-        <p:txBody>
-          <a:bodyPr wrap="square" rtlCol="0">
-            <a:spAutoFit/>
-          </a:bodyPr>
-          <a:lstStyle/>
-          <a:p>
-            <a:pPr algn="ctr"/>
-            <a:r>
-              <a:rPr lang="en-SG" sz="1400" dirty="0">
-                <a:solidFill>
-                  <a:schemeClr val="accent2"/>
-                </a:solidFill>
-                <a:latin typeface="Consolas" panose="020B0609020204030204" pitchFamily="49" charset="0"/>
-              </a:rPr>
-              <a:t>ControlUnit</a:t>
-            </a:r>
-          </a:p>
-        </p:txBody>
-      </p:sp>
-      <p:sp>
-        <p:nvSpPr>
-          <p:cNvPr id="15" name="TextBox 14"/>
-          <p:cNvSpPr txBox="1"/>
-          <p:nvPr/>
-        </p:nvSpPr>
-        <p:spPr>
-          <a:xfrm>
-            <a:off x="3078056" y="3253463"/>
-            <a:ext cx="1586221" cy="307777"/>
-          </a:xfrm>
-          <a:prstGeom prst="rect">
-            <a:avLst/>
-          </a:prstGeom>
-          <a:noFill/>
-          <a:ln>
-            <a:solidFill>
-              <a:schemeClr val="accent2"/>
-            </a:solidFill>
-          </a:ln>
-        </p:spPr>
-        <p:txBody>
-          <a:bodyPr wrap="square" rtlCol="0">
-            <a:spAutoFit/>
-          </a:bodyPr>
-          <a:lstStyle/>
-          <a:p>
-            <a:pPr algn="ctr"/>
-            <a:r>
-              <a:rPr lang="en-SG" sz="1400" dirty="0">
-                <a:solidFill>
-                  <a:schemeClr val="accent2"/>
-                </a:solidFill>
-                <a:latin typeface="Consolas" panose="020B0609020204030204" pitchFamily="49" charset="0"/>
-              </a:rPr>
-              <a:t>CommandManager</a:t>
-            </a:r>
-          </a:p>
-        </p:txBody>
-      </p:sp>
-      <p:sp>
-        <p:nvSpPr>
-          <p:cNvPr id="16" name="TextBox 15"/>
-          <p:cNvSpPr txBox="1"/>
-          <p:nvPr/>
-        </p:nvSpPr>
-        <p:spPr>
-          <a:xfrm>
-            <a:off x="3665637" y="1869526"/>
-            <a:ext cx="998640" cy="307777"/>
-          </a:xfrm>
-          <a:prstGeom prst="rect">
-            <a:avLst/>
-          </a:prstGeom>
-          <a:noFill/>
-          <a:ln>
-            <a:solidFill>
-              <a:schemeClr val="accent3">
-                <a:lumMod val="50000"/>
-              </a:schemeClr>
-            </a:solidFill>
-          </a:ln>
-        </p:spPr>
-        <p:txBody>
-          <a:bodyPr wrap="square" rtlCol="0">
-            <a:spAutoFit/>
-          </a:bodyPr>
-          <a:lstStyle/>
-          <a:p>
-            <a:pPr algn="ctr"/>
-            <a:r>
-              <a:rPr lang="en-SG" sz="1400" dirty="0">
-                <a:solidFill>
-                  <a:schemeClr val="accent3">
-                    <a:lumMod val="50000"/>
-                  </a:schemeClr>
-                </a:solidFill>
-                <a:latin typeface="Consolas" panose="020B0609020204030204" pitchFamily="49" charset="0"/>
-              </a:rPr>
-              <a:t>Schedule</a:t>
-            </a:r>
-          </a:p>
-        </p:txBody>
-      </p:sp>
-      <p:cxnSp>
-        <p:nvCxnSpPr>
-          <p:cNvPr id="21" name="Straight Arrow Connector 20"/>
-          <p:cNvCxnSpPr/>
-          <p:nvPr/>
-        </p:nvCxnSpPr>
-        <p:spPr>
-          <a:xfrm>
-            <a:off x="4748169" y="3407351"/>
-            <a:ext cx="494951" cy="0"/>
-          </a:xfrm>
-          <a:prstGeom prst="straightConnector1">
-            <a:avLst/>
-          </a:prstGeom>
-          <a:ln>
-            <a:headEnd type="none" w="med" len="med"/>
-            <a:tailEnd type="arrow" w="med" len="med"/>
-          </a:ln>
-        </p:spPr>
-        <p:style>
-          <a:lnRef idx="1">
-            <a:schemeClr val="accent2"/>
-          </a:lnRef>
-          <a:fillRef idx="0">
-            <a:schemeClr val="accent2"/>
-          </a:fillRef>
-          <a:effectRef idx="0">
-            <a:schemeClr val="accent2"/>
-          </a:effectRef>
-          <a:fontRef idx="minor">
-            <a:schemeClr val="tx1"/>
-          </a:fontRef>
-        </p:style>
-      </p:cxnSp>
-      <p:cxnSp>
-        <p:nvCxnSpPr>
-          <p:cNvPr id="28" name="Straight Arrow Connector 27"/>
-          <p:cNvCxnSpPr/>
-          <p:nvPr/>
-        </p:nvCxnSpPr>
-        <p:spPr>
-          <a:xfrm flipH="1" flipV="1">
-            <a:off x="4013646" y="2202554"/>
-            <a:ext cx="8550" cy="325432"/>
-          </a:xfrm>
-          <a:prstGeom prst="straightConnector1">
-            <a:avLst/>
-          </a:prstGeom>
-          <a:ln>
-            <a:solidFill>
-              <a:schemeClr val="accent2"/>
-            </a:solidFill>
-            <a:headEnd type="none" w="med" len="med"/>
-            <a:tailEnd type="arrow" w="med" len="med"/>
-          </a:ln>
-        </p:spPr>
-        <p:style>
-          <a:lnRef idx="1">
-            <a:schemeClr val="accent2"/>
-          </a:lnRef>
-          <a:fillRef idx="0">
-            <a:schemeClr val="accent2"/>
-          </a:fillRef>
-          <a:effectRef idx="0">
-            <a:schemeClr val="accent2"/>
-          </a:effectRef>
-          <a:fontRef idx="minor">
-            <a:schemeClr val="tx1"/>
-          </a:fontRef>
-        </p:style>
-      </p:cxnSp>
-      <p:cxnSp>
-        <p:nvCxnSpPr>
-          <p:cNvPr id="36" name="Straight Arrow Connector 35"/>
-          <p:cNvCxnSpPr/>
-          <p:nvPr/>
-        </p:nvCxnSpPr>
-        <p:spPr>
-          <a:xfrm>
-            <a:off x="4013646" y="2925740"/>
-            <a:ext cx="3980" cy="308786"/>
-          </a:xfrm>
-          <a:prstGeom prst="straightConnector1">
-            <a:avLst/>
-          </a:prstGeom>
-          <a:ln>
-            <a:headEnd type="none" w="med" len="med"/>
-            <a:tailEnd type="arrow" w="med" len="med"/>
-          </a:ln>
-        </p:spPr>
-        <p:style>
-          <a:lnRef idx="1">
-            <a:schemeClr val="accent2"/>
-          </a:lnRef>
-          <a:fillRef idx="0">
-            <a:schemeClr val="accent2"/>
-          </a:fillRef>
-          <a:effectRef idx="0">
-            <a:schemeClr val="accent2"/>
-          </a:effectRef>
-          <a:fontRef idx="minor">
-            <a:schemeClr val="tx1"/>
-          </a:fontRef>
-        </p:style>
-      </p:cxnSp>
-      <p:cxnSp>
-        <p:nvCxnSpPr>
-          <p:cNvPr id="40" name="Straight Arrow Connector 39"/>
-          <p:cNvCxnSpPr/>
-          <p:nvPr/>
-        </p:nvCxnSpPr>
-        <p:spPr>
-          <a:xfrm>
-            <a:off x="2525087" y="2730278"/>
-            <a:ext cx="469086" cy="0"/>
-          </a:xfrm>
-          <a:prstGeom prst="straightConnector1">
-            <a:avLst/>
-          </a:prstGeom>
-          <a:ln>
-            <a:headEnd type="none" w="med" len="med"/>
-            <a:tailEnd type="arrow" w="med" len="med"/>
-          </a:ln>
-        </p:spPr>
-        <p:style>
-          <a:lnRef idx="1">
-            <a:schemeClr val="accent1"/>
-          </a:lnRef>
-          <a:fillRef idx="0">
-            <a:schemeClr val="accent1"/>
-          </a:fillRef>
-          <a:effectRef idx="0">
-            <a:schemeClr val="accent1"/>
-          </a:effectRef>
-          <a:fontRef idx="minor">
-            <a:schemeClr val="tx1"/>
-          </a:fontRef>
-        </p:style>
-      </p:cxnSp>
-      <p:cxnSp>
-        <p:nvCxnSpPr>
-          <p:cNvPr id="42" name="Straight Arrow Connector 41"/>
-          <p:cNvCxnSpPr/>
-          <p:nvPr/>
-        </p:nvCxnSpPr>
-        <p:spPr>
-          <a:xfrm>
-            <a:off x="1665913" y="2236061"/>
-            <a:ext cx="0" cy="291925"/>
-          </a:xfrm>
-          <a:prstGeom prst="straightConnector1">
-            <a:avLst/>
-          </a:prstGeom>
-          <a:ln>
-            <a:headEnd type="none" w="med" len="med"/>
-            <a:tailEnd type="arrow" w="med" len="med"/>
-          </a:ln>
-        </p:spPr>
-        <p:style>
-          <a:lnRef idx="1">
-            <a:schemeClr val="accent1"/>
-          </a:lnRef>
-          <a:fillRef idx="0">
-            <a:schemeClr val="accent1"/>
-          </a:fillRef>
-          <a:effectRef idx="0">
-            <a:schemeClr val="accent1"/>
-          </a:effectRef>
-          <a:fontRef idx="minor">
-            <a:schemeClr val="tx1"/>
-          </a:fontRef>
-        </p:style>
-      </p:cxnSp>
-      <p:sp>
-        <p:nvSpPr>
-          <p:cNvPr id="43" name="TextBox 42"/>
-          <p:cNvSpPr txBox="1"/>
-          <p:nvPr/>
-        </p:nvSpPr>
-        <p:spPr>
-          <a:xfrm>
-            <a:off x="5116583" y="4121361"/>
-            <a:ext cx="1895912" cy="523220"/>
-          </a:xfrm>
-          <a:prstGeom prst="rect">
-            <a:avLst/>
-          </a:prstGeom>
-          <a:noFill/>
-          <a:ln>
-            <a:solidFill>
-              <a:schemeClr val="accent4">
-                <a:lumMod val="75000"/>
-              </a:schemeClr>
-            </a:solidFill>
-          </a:ln>
-        </p:spPr>
-        <p:txBody>
-          <a:bodyPr wrap="square" rtlCol="0">
-            <a:spAutoFit/>
-          </a:bodyPr>
-          <a:lstStyle/>
-          <a:p>
-            <a:pPr algn="ctr"/>
-            <a:r>
-              <a:rPr lang="en-SG" sz="1400" dirty="0">
-                <a:solidFill>
-                  <a:schemeClr val="accent4">
-                    <a:lumMod val="75000"/>
-                  </a:schemeClr>
-                </a:solidFill>
-                <a:latin typeface="Consolas" panose="020B0609020204030204" pitchFamily="49" charset="0"/>
-              </a:rPr>
-              <a:t>&lt;&lt;interface&gt;&gt;</a:t>
-            </a:r>
-          </a:p>
-          <a:p>
-            <a:pPr algn="ctr"/>
-            <a:r>
-              <a:rPr lang="en-SG" sz="1400" dirty="0">
-                <a:solidFill>
-                  <a:schemeClr val="accent4">
-                    <a:lumMod val="75000"/>
-                  </a:schemeClr>
-                </a:solidFill>
-                <a:latin typeface="Consolas" panose="020B0609020204030204" pitchFamily="49" charset="0"/>
-              </a:rPr>
-              <a:t>CommandResult</a:t>
-            </a:r>
-          </a:p>
-        </p:txBody>
-      </p:sp>
-      <p:cxnSp>
-        <p:nvCxnSpPr>
-          <p:cNvPr id="46" name="Straight Arrow Connector 45"/>
-          <p:cNvCxnSpPr/>
-          <p:nvPr/>
-        </p:nvCxnSpPr>
-        <p:spPr>
-          <a:xfrm flipH="1" flipV="1">
-            <a:off x="4581084" y="2216150"/>
-            <a:ext cx="8389" cy="998465"/>
-          </a:xfrm>
-          <a:prstGeom prst="straightConnector1">
-            <a:avLst/>
-          </a:prstGeom>
-          <a:ln>
-            <a:solidFill>
-              <a:schemeClr val="accent2"/>
-            </a:solidFill>
-            <a:headEnd type="none" w="med" len="med"/>
-            <a:tailEnd type="arrow" w="med" len="med"/>
-          </a:ln>
-        </p:spPr>
-        <p:style>
-          <a:lnRef idx="1">
-            <a:schemeClr val="accent1"/>
-          </a:lnRef>
-          <a:fillRef idx="0">
-            <a:schemeClr val="accent1"/>
-          </a:fillRef>
-          <a:effectRef idx="0">
-            <a:schemeClr val="accent1"/>
-          </a:effectRef>
-          <a:fontRef idx="minor">
-            <a:schemeClr val="tx1"/>
-          </a:fontRef>
-        </p:style>
-      </p:cxnSp>
-      <p:cxnSp>
-        <p:nvCxnSpPr>
-          <p:cNvPr id="47" name="Straight Arrow Connector 46"/>
-          <p:cNvCxnSpPr/>
-          <p:nvPr/>
-        </p:nvCxnSpPr>
-        <p:spPr>
-          <a:xfrm>
-            <a:off x="6060559" y="3740768"/>
-            <a:ext cx="3980" cy="308786"/>
-          </a:xfrm>
-          <a:prstGeom prst="straightConnector1">
-            <a:avLst/>
-          </a:prstGeom>
-          <a:ln>
-            <a:solidFill>
-              <a:schemeClr val="accent6"/>
-            </a:solidFill>
-            <a:prstDash val="dash"/>
-            <a:headEnd type="none" w="med" len="med"/>
-            <a:tailEnd type="arrow" w="med" len="med"/>
-          </a:ln>
-        </p:spPr>
-        <p:style>
-          <a:lnRef idx="1">
-            <a:schemeClr val="accent2"/>
-          </a:lnRef>
-          <a:fillRef idx="0">
-            <a:schemeClr val="accent2"/>
-          </a:fillRef>
-          <a:effectRef idx="0">
-            <a:schemeClr val="accent2"/>
-          </a:effectRef>
-          <a:fontRef idx="minor">
-            <a:schemeClr val="tx1"/>
-          </a:fontRef>
-        </p:style>
-      </p:cxnSp>
-      <p:cxnSp>
-        <p:nvCxnSpPr>
-          <p:cNvPr id="49" name="Connector: Elbow 48"/>
-          <p:cNvCxnSpPr/>
-          <p:nvPr/>
-        </p:nvCxnSpPr>
-        <p:spPr>
-          <a:xfrm>
-            <a:off x="1665913" y="3003260"/>
-            <a:ext cx="3329731" cy="1451295"/>
-          </a:xfrm>
-          <a:prstGeom prst="bentConnector3">
-            <a:avLst>
-              <a:gd name="adj1" fmla="val -136"/>
-            </a:avLst>
-          </a:prstGeom>
-          <a:ln>
-            <a:prstDash val="dash"/>
-            <a:headEnd type="none" w="med" len="med"/>
-            <a:tailEnd type="arrow" w="med" len="med"/>
-          </a:ln>
-        </p:spPr>
-        <p:style>
-          <a:lnRef idx="1">
-            <a:schemeClr val="accent1"/>
-          </a:lnRef>
-          <a:fillRef idx="0">
-            <a:schemeClr val="accent1"/>
-          </a:fillRef>
-          <a:effectRef idx="0">
-            <a:schemeClr val="accent1"/>
-          </a:effectRef>
-          <a:fontRef idx="minor">
-            <a:schemeClr val="tx1"/>
-          </a:fontRef>
-        </p:style>
-      </p:cxnSp>
-      <p:sp>
-        <p:nvSpPr>
-          <p:cNvPr id="52" name="TextBox 51"/>
-          <p:cNvSpPr txBox="1"/>
-          <p:nvPr/>
-        </p:nvSpPr>
-        <p:spPr>
-          <a:xfrm>
-            <a:off x="5326308" y="1862240"/>
-            <a:ext cx="613100" cy="307777"/>
-          </a:xfrm>
-          <a:prstGeom prst="rect">
-            <a:avLst/>
-          </a:prstGeom>
-          <a:noFill/>
-          <a:ln>
-            <a:solidFill>
-              <a:schemeClr val="accent3">
-                <a:lumMod val="50000"/>
-              </a:schemeClr>
-            </a:solidFill>
-          </a:ln>
-        </p:spPr>
-        <p:txBody>
-          <a:bodyPr wrap="square" rtlCol="0">
-            <a:spAutoFit/>
-          </a:bodyPr>
-          <a:lstStyle/>
-          <a:p>
-            <a:pPr algn="ctr"/>
-            <a:r>
-              <a:rPr lang="en-SG" sz="1400" dirty="0">
-                <a:solidFill>
-                  <a:schemeClr val="accent3">
-                    <a:lumMod val="50000"/>
-                  </a:schemeClr>
-                </a:solidFill>
-                <a:latin typeface="Consolas" panose="020B0609020204030204" pitchFamily="49" charset="0"/>
-              </a:rPr>
-              <a:t>Task</a:t>
-            </a:r>
-          </a:p>
-        </p:txBody>
-      </p:sp>
-      <p:cxnSp>
-        <p:nvCxnSpPr>
-          <p:cNvPr id="54" name="Straight Arrow Connector 53"/>
-          <p:cNvCxnSpPr/>
-          <p:nvPr/>
-        </p:nvCxnSpPr>
-        <p:spPr>
-          <a:xfrm>
-            <a:off x="4748169" y="2023414"/>
-            <a:ext cx="494951" cy="0"/>
-          </a:xfrm>
-          <a:prstGeom prst="straightConnector1">
-            <a:avLst/>
-          </a:prstGeom>
-          <a:ln>
-            <a:solidFill>
-              <a:schemeClr val="accent3">
-                <a:lumMod val="50000"/>
-              </a:schemeClr>
-            </a:solidFill>
-            <a:headEnd type="none" w="med" len="med"/>
-            <a:tailEnd type="arrow" w="med" len="med"/>
-          </a:ln>
-        </p:spPr>
-        <p:style>
-          <a:lnRef idx="1">
-            <a:schemeClr val="accent1"/>
-          </a:lnRef>
-          <a:fillRef idx="0">
-            <a:schemeClr val="accent1"/>
-          </a:fillRef>
-          <a:effectRef idx="0">
-            <a:schemeClr val="accent1"/>
-          </a:effectRef>
-          <a:fontRef idx="minor">
-            <a:schemeClr val="tx1"/>
-          </a:fontRef>
-        </p:style>
-      </p:cxnSp>
-      <p:grpSp>
-        <p:nvGrpSpPr>
-          <p:cNvPr id="66" name="Group 65"/>
-          <p:cNvGrpSpPr/>
-          <p:nvPr/>
-        </p:nvGrpSpPr>
-        <p:grpSpPr>
-          <a:xfrm>
-            <a:off x="6885959" y="3407351"/>
-            <a:ext cx="595617" cy="77520"/>
-            <a:chOff x="6858297" y="1855336"/>
-            <a:chExt cx="595617" cy="77520"/>
-          </a:xfrm>
-        </p:grpSpPr>
-        <p:cxnSp>
-          <p:nvCxnSpPr>
-            <p:cNvPr id="56" name="Straight Arrow Connector 55"/>
-            <p:cNvCxnSpPr/>
-            <p:nvPr/>
-          </p:nvCxnSpPr>
-          <p:spPr>
-            <a:xfrm flipH="1">
-              <a:off x="6858297" y="1896060"/>
-              <a:ext cx="595617" cy="0"/>
-            </a:xfrm>
-            <a:prstGeom prst="straightConnector1">
-              <a:avLst/>
-            </a:prstGeom>
-            <a:ln>
-              <a:solidFill>
-                <a:schemeClr val="accent6"/>
-              </a:solidFill>
-              <a:prstDash val="dash"/>
-              <a:headEnd type="none"/>
-              <a:tailEnd type="arrow"/>
-            </a:ln>
-          </p:spPr>
-          <p:style>
-            <a:lnRef idx="1">
-              <a:schemeClr val="accent1"/>
-            </a:lnRef>
-            <a:fillRef idx="0">
-              <a:schemeClr val="accent1"/>
-            </a:fillRef>
-            <a:effectRef idx="0">
-              <a:schemeClr val="accent1"/>
-            </a:effectRef>
-            <a:fontRef idx="minor">
-              <a:schemeClr val="tx1"/>
-            </a:fontRef>
-          </p:style>
-        </p:cxnSp>
-        <p:cxnSp>
-          <p:nvCxnSpPr>
-            <p:cNvPr id="61" name="Straight Connector 60"/>
-            <p:cNvCxnSpPr/>
-            <p:nvPr/>
-          </p:nvCxnSpPr>
-          <p:spPr>
-            <a:xfrm>
-              <a:off x="6948247" y="1855336"/>
-              <a:ext cx="0" cy="77520"/>
-            </a:xfrm>
-            <a:prstGeom prst="line">
-              <a:avLst/>
-            </a:prstGeom>
-          </p:spPr>
-          <p:style>
-            <a:lnRef idx="1">
-              <a:schemeClr val="accent6"/>
-            </a:lnRef>
-            <a:fillRef idx="0">
-              <a:schemeClr val="accent6"/>
-            </a:fillRef>
-            <a:effectRef idx="0">
-              <a:schemeClr val="accent6"/>
-            </a:effectRef>
-            <a:fontRef idx="minor">
-              <a:schemeClr val="tx1"/>
-            </a:fontRef>
-          </p:style>
-        </p:cxnSp>
-      </p:grpSp>
-      <p:sp>
-        <p:nvSpPr>
-          <p:cNvPr id="67" name="TextBox 66"/>
-          <p:cNvSpPr txBox="1"/>
-          <p:nvPr/>
-        </p:nvSpPr>
-        <p:spPr>
-          <a:xfrm>
-            <a:off x="7571588" y="2877528"/>
-            <a:ext cx="1588853" cy="307777"/>
-          </a:xfrm>
-          <a:prstGeom prst="rect">
-            <a:avLst/>
-          </a:prstGeom>
-          <a:noFill/>
-          <a:ln>
-            <a:solidFill>
-              <a:schemeClr val="accent6"/>
-            </a:solidFill>
-          </a:ln>
-        </p:spPr>
-        <p:txBody>
-          <a:bodyPr wrap="square" rtlCol="0">
-            <a:spAutoFit/>
-          </a:bodyPr>
-          <a:lstStyle/>
-          <a:p>
-            <a:pPr algn="ctr"/>
-            <a:r>
-              <a:rPr lang="en-SG" sz="1400" dirty="0">
-                <a:solidFill>
-                  <a:schemeClr val="accent6"/>
-                </a:solidFill>
-                <a:latin typeface="Consolas" panose="020B0609020204030204" pitchFamily="49" charset="0"/>
-              </a:rPr>
-              <a:t>InvalidCommand</a:t>
-            </a:r>
-          </a:p>
-        </p:txBody>
-      </p:sp>
-      <p:sp>
-        <p:nvSpPr>
-          <p:cNvPr id="68" name="TextBox 67"/>
-          <p:cNvSpPr txBox="1"/>
-          <p:nvPr/>
-        </p:nvSpPr>
-        <p:spPr>
-          <a:xfrm>
-            <a:off x="7571589" y="3330982"/>
-            <a:ext cx="1588853" cy="307777"/>
-          </a:xfrm>
-          <a:prstGeom prst="rect">
-            <a:avLst/>
-          </a:prstGeom>
-          <a:noFill/>
-          <a:ln>
-            <a:solidFill>
-              <a:schemeClr val="accent6"/>
-            </a:solidFill>
-          </a:ln>
-        </p:spPr>
-        <p:txBody>
-          <a:bodyPr wrap="square" rtlCol="0">
-            <a:spAutoFit/>
-          </a:bodyPr>
-          <a:lstStyle/>
-          <a:p>
-            <a:pPr algn="ctr"/>
-            <a:r>
-              <a:rPr lang="en-SG" sz="1400" dirty="0">
-                <a:solidFill>
-                  <a:schemeClr val="accent6"/>
-                </a:solidFill>
-                <a:latin typeface="Consolas" panose="020B0609020204030204" pitchFamily="49" charset="0"/>
-              </a:rPr>
-              <a:t>…Command</a:t>
-            </a:r>
-          </a:p>
-        </p:txBody>
-      </p:sp>
-      <p:sp>
-        <p:nvSpPr>
-          <p:cNvPr id="69" name="TextBox 68"/>
-          <p:cNvSpPr txBox="1"/>
-          <p:nvPr/>
-        </p:nvSpPr>
-        <p:spPr>
-          <a:xfrm>
-            <a:off x="7571588" y="2423407"/>
-            <a:ext cx="1588853" cy="307777"/>
-          </a:xfrm>
-          <a:prstGeom prst="rect">
-            <a:avLst/>
-          </a:prstGeom>
-          <a:noFill/>
-          <a:ln>
-            <a:solidFill>
-              <a:schemeClr val="accent6"/>
-            </a:solidFill>
-          </a:ln>
-        </p:spPr>
-        <p:txBody>
-          <a:bodyPr wrap="square" rtlCol="0">
-            <a:spAutoFit/>
-          </a:bodyPr>
-          <a:lstStyle/>
-          <a:p>
-            <a:pPr algn="ctr"/>
-            <a:r>
-              <a:rPr lang="en-SG" sz="1400" dirty="0">
-                <a:solidFill>
-                  <a:schemeClr val="accent6"/>
-                </a:solidFill>
-                <a:latin typeface="Consolas" panose="020B0609020204030204" pitchFamily="49" charset="0"/>
-              </a:rPr>
-              <a:t>AddCommand</a:t>
-            </a:r>
-          </a:p>
-        </p:txBody>
-      </p:sp>
-      <p:cxnSp>
-        <p:nvCxnSpPr>
-          <p:cNvPr id="71" name="Straight Connector 70"/>
-          <p:cNvCxnSpPr/>
-          <p:nvPr/>
-        </p:nvCxnSpPr>
-        <p:spPr>
-          <a:xfrm>
-            <a:off x="7242241" y="2609424"/>
-            <a:ext cx="6301" cy="818289"/>
-          </a:xfrm>
-          <a:prstGeom prst="line">
-            <a:avLst/>
-          </a:prstGeom>
-          <a:ln>
-            <a:prstDash val="dash"/>
-          </a:ln>
-        </p:spPr>
-        <p:style>
-          <a:lnRef idx="1">
-            <a:schemeClr val="accent6"/>
-          </a:lnRef>
-          <a:fillRef idx="0">
-            <a:schemeClr val="accent6"/>
-          </a:fillRef>
-          <a:effectRef idx="0">
-            <a:schemeClr val="accent6"/>
-          </a:effectRef>
-          <a:fontRef idx="minor">
-            <a:schemeClr val="tx1"/>
-          </a:fontRef>
-        </p:style>
-      </p:cxnSp>
-      <p:cxnSp>
-        <p:nvCxnSpPr>
-          <p:cNvPr id="76" name="Straight Connector 75"/>
-          <p:cNvCxnSpPr/>
-          <p:nvPr/>
-        </p:nvCxnSpPr>
-        <p:spPr>
-          <a:xfrm>
-            <a:off x="7242241" y="2609424"/>
-            <a:ext cx="203935" cy="0"/>
-          </a:xfrm>
-          <a:prstGeom prst="line">
-            <a:avLst/>
-          </a:prstGeom>
-          <a:ln>
-            <a:solidFill>
-              <a:schemeClr val="accent6"/>
-            </a:solidFill>
-            <a:prstDash val="dash"/>
-          </a:ln>
-        </p:spPr>
-        <p:style>
-          <a:lnRef idx="1">
-            <a:schemeClr val="accent1"/>
-          </a:lnRef>
-          <a:fillRef idx="0">
-            <a:schemeClr val="accent1"/>
-          </a:fillRef>
-          <a:effectRef idx="0">
-            <a:schemeClr val="accent1"/>
-          </a:effectRef>
-          <a:fontRef idx="minor">
-            <a:schemeClr val="tx1"/>
-          </a:fontRef>
-        </p:style>
-      </p:cxnSp>
-      <p:cxnSp>
-        <p:nvCxnSpPr>
-          <p:cNvPr id="78" name="Straight Connector 77"/>
-          <p:cNvCxnSpPr/>
-          <p:nvPr/>
-        </p:nvCxnSpPr>
-        <p:spPr>
-          <a:xfrm>
-            <a:off x="7274571" y="3020441"/>
-            <a:ext cx="203935" cy="0"/>
-          </a:xfrm>
-          <a:prstGeom prst="line">
-            <a:avLst/>
-          </a:prstGeom>
-          <a:ln>
-            <a:solidFill>
-              <a:schemeClr val="accent6"/>
-            </a:solidFill>
-            <a:prstDash val="dash"/>
-          </a:ln>
-        </p:spPr>
-        <p:style>
-          <a:lnRef idx="1">
-            <a:schemeClr val="accent1"/>
-          </a:lnRef>
-          <a:fillRef idx="0">
-            <a:schemeClr val="accent1"/>
-          </a:fillRef>
-          <a:effectRef idx="0">
-            <a:schemeClr val="accent1"/>
-          </a:effectRef>
-          <a:fontRef idx="minor">
-            <a:schemeClr val="tx1"/>
-          </a:fontRef>
-        </p:style>
-      </p:cxnSp>
-      <p:grpSp>
-        <p:nvGrpSpPr>
-          <p:cNvPr id="79" name="Group 78"/>
-          <p:cNvGrpSpPr/>
-          <p:nvPr/>
-        </p:nvGrpSpPr>
-        <p:grpSpPr>
-          <a:xfrm>
-            <a:off x="7130726" y="4252469"/>
-            <a:ext cx="595617" cy="77520"/>
-            <a:chOff x="6858297" y="1855336"/>
-            <a:chExt cx="595617" cy="77520"/>
-          </a:xfrm>
-        </p:grpSpPr>
-        <p:cxnSp>
-          <p:nvCxnSpPr>
-            <p:cNvPr id="80" name="Straight Arrow Connector 79"/>
-            <p:cNvCxnSpPr/>
-            <p:nvPr/>
-          </p:nvCxnSpPr>
-          <p:spPr>
-            <a:xfrm flipH="1">
-              <a:off x="6858297" y="1896060"/>
-              <a:ext cx="595617" cy="0"/>
-            </a:xfrm>
-            <a:prstGeom prst="straightConnector1">
-              <a:avLst/>
-            </a:prstGeom>
-            <a:ln>
-              <a:solidFill>
-                <a:schemeClr val="accent4">
-                  <a:lumMod val="75000"/>
-                </a:schemeClr>
-              </a:solidFill>
-              <a:prstDash val="dash"/>
-              <a:headEnd type="none"/>
-              <a:tailEnd type="arrow"/>
-            </a:ln>
-          </p:spPr>
-          <p:style>
-            <a:lnRef idx="1">
-              <a:schemeClr val="accent1"/>
-            </a:lnRef>
-            <a:fillRef idx="0">
-              <a:schemeClr val="accent1"/>
-            </a:fillRef>
-            <a:effectRef idx="0">
-              <a:schemeClr val="accent1"/>
-            </a:effectRef>
-            <a:fontRef idx="minor">
-              <a:schemeClr val="tx1"/>
-            </a:fontRef>
-          </p:style>
-        </p:cxnSp>
-        <p:cxnSp>
-          <p:nvCxnSpPr>
-            <p:cNvPr id="81" name="Straight Connector 80"/>
-            <p:cNvCxnSpPr/>
-            <p:nvPr/>
-          </p:nvCxnSpPr>
-          <p:spPr>
-            <a:xfrm>
-              <a:off x="6948247" y="1855336"/>
-              <a:ext cx="0" cy="77520"/>
-            </a:xfrm>
-            <a:prstGeom prst="line">
-              <a:avLst/>
-            </a:prstGeom>
-            <a:ln>
-              <a:solidFill>
-                <a:schemeClr val="accent4">
-                  <a:lumMod val="75000"/>
-                </a:schemeClr>
-              </a:solidFill>
-            </a:ln>
-          </p:spPr>
-          <p:style>
-            <a:lnRef idx="1">
-              <a:schemeClr val="accent6"/>
-            </a:lnRef>
-            <a:fillRef idx="0">
-              <a:schemeClr val="accent6"/>
-            </a:fillRef>
-            <a:effectRef idx="0">
-              <a:schemeClr val="accent6"/>
-            </a:effectRef>
-            <a:fontRef idx="minor">
-              <a:schemeClr val="tx1"/>
-            </a:fontRef>
-          </p:style>
-        </p:cxnSp>
-      </p:grpSp>
-      <p:sp>
-        <p:nvSpPr>
-          <p:cNvPr id="82" name="TextBox 81"/>
-          <p:cNvSpPr txBox="1"/>
-          <p:nvPr/>
-        </p:nvSpPr>
-        <p:spPr>
-          <a:xfrm>
-            <a:off x="7816355" y="4590866"/>
-            <a:ext cx="2230775" cy="307777"/>
-          </a:xfrm>
-          <a:prstGeom prst="rect">
-            <a:avLst/>
-          </a:prstGeom>
-          <a:noFill/>
-          <a:ln>
-            <a:solidFill>
-              <a:schemeClr val="accent4">
-                <a:lumMod val="75000"/>
-              </a:schemeClr>
-            </a:solidFill>
-          </a:ln>
-        </p:spPr>
-        <p:txBody>
-          <a:bodyPr wrap="square" rtlCol="0">
-            <a:spAutoFit/>
-          </a:bodyPr>
-          <a:lstStyle/>
-          <a:p>
-            <a:pPr algn="ctr"/>
-            <a:r>
-              <a:rPr lang="en-SG" sz="1400" dirty="0">
-                <a:solidFill>
-                  <a:schemeClr val="accent4">
-                    <a:lumMod val="75000"/>
-                  </a:schemeClr>
-                </a:solidFill>
-                <a:latin typeface="Consolas" panose="020B0609020204030204" pitchFamily="49" charset="0"/>
-              </a:rPr>
-              <a:t>InvalidCommandResult</a:t>
-            </a:r>
-          </a:p>
-        </p:txBody>
-      </p:sp>
-      <p:sp>
-        <p:nvSpPr>
-          <p:cNvPr id="83" name="TextBox 82"/>
-          <p:cNvSpPr txBox="1"/>
-          <p:nvPr/>
-        </p:nvSpPr>
-        <p:spPr>
-          <a:xfrm>
-            <a:off x="7816356" y="5044320"/>
-            <a:ext cx="2230774" cy="307777"/>
-          </a:xfrm>
-          <a:prstGeom prst="rect">
-            <a:avLst/>
-          </a:prstGeom>
-          <a:noFill/>
-          <a:ln>
-            <a:solidFill>
-              <a:schemeClr val="accent4">
-                <a:lumMod val="75000"/>
-              </a:schemeClr>
-            </a:solidFill>
-          </a:ln>
-        </p:spPr>
-        <p:txBody>
-          <a:bodyPr wrap="square" rtlCol="0">
-            <a:spAutoFit/>
-          </a:bodyPr>
-          <a:lstStyle/>
-          <a:p>
-            <a:pPr algn="ctr"/>
-            <a:r>
-              <a:rPr lang="en-SG" sz="1400" dirty="0">
-                <a:solidFill>
-                  <a:schemeClr val="accent4">
-                    <a:lumMod val="75000"/>
-                  </a:schemeClr>
-                </a:solidFill>
-                <a:latin typeface="Consolas" panose="020B0609020204030204" pitchFamily="49" charset="0"/>
-              </a:rPr>
-              <a:t>…CommandResult</a:t>
-            </a:r>
-          </a:p>
-        </p:txBody>
-      </p:sp>
-      <p:sp>
-        <p:nvSpPr>
-          <p:cNvPr id="84" name="TextBox 83"/>
-          <p:cNvSpPr txBox="1"/>
-          <p:nvPr/>
-        </p:nvSpPr>
-        <p:spPr>
-          <a:xfrm>
-            <a:off x="7816356" y="4136745"/>
-            <a:ext cx="2230774" cy="307777"/>
-          </a:xfrm>
-          <a:prstGeom prst="rect">
-            <a:avLst/>
-          </a:prstGeom>
-          <a:noFill/>
-          <a:ln>
-            <a:solidFill>
-              <a:schemeClr val="accent4">
-                <a:lumMod val="75000"/>
-              </a:schemeClr>
-            </a:solidFill>
-          </a:ln>
-        </p:spPr>
-        <p:txBody>
-          <a:bodyPr wrap="square" rtlCol="0">
-            <a:spAutoFit/>
-          </a:bodyPr>
-          <a:lstStyle/>
-          <a:p>
-            <a:pPr algn="ctr"/>
-            <a:r>
-              <a:rPr lang="en-SG" sz="1400" dirty="0">
-                <a:solidFill>
-                  <a:schemeClr val="accent4">
-                    <a:lumMod val="75000"/>
-                  </a:schemeClr>
-                </a:solidFill>
-                <a:latin typeface="Consolas" panose="020B0609020204030204" pitchFamily="49" charset="0"/>
-              </a:rPr>
-              <a:t>AddCommandResult</a:t>
-            </a:r>
-          </a:p>
-        </p:txBody>
-      </p:sp>
-      <p:cxnSp>
-        <p:nvCxnSpPr>
-          <p:cNvPr id="85" name="Straight Connector 84"/>
-          <p:cNvCxnSpPr/>
-          <p:nvPr/>
-        </p:nvCxnSpPr>
-        <p:spPr>
-          <a:xfrm>
-            <a:off x="7487008" y="4322762"/>
-            <a:ext cx="6301" cy="818289"/>
-          </a:xfrm>
-          <a:prstGeom prst="line">
-            <a:avLst/>
-          </a:prstGeom>
-          <a:ln>
-            <a:solidFill>
-              <a:schemeClr val="accent4">
-                <a:lumMod val="75000"/>
-              </a:schemeClr>
-            </a:solidFill>
-            <a:prstDash val="dash"/>
-          </a:ln>
-        </p:spPr>
-        <p:style>
-          <a:lnRef idx="1">
-            <a:schemeClr val="accent6"/>
-          </a:lnRef>
-          <a:fillRef idx="0">
-            <a:schemeClr val="accent6"/>
-          </a:fillRef>
-          <a:effectRef idx="0">
-            <a:schemeClr val="accent6"/>
-          </a:effectRef>
-          <a:fontRef idx="minor">
-            <a:schemeClr val="tx1"/>
-          </a:fontRef>
-        </p:style>
-      </p:cxnSp>
-      <p:cxnSp>
-        <p:nvCxnSpPr>
-          <p:cNvPr id="86" name="Straight Connector 85"/>
-          <p:cNvCxnSpPr/>
-          <p:nvPr/>
-        </p:nvCxnSpPr>
-        <p:spPr>
-          <a:xfrm>
-            <a:off x="7487008" y="5144804"/>
-            <a:ext cx="203935" cy="0"/>
-          </a:xfrm>
-          <a:prstGeom prst="line">
-            <a:avLst/>
-          </a:prstGeom>
-          <a:ln>
-            <a:solidFill>
-              <a:schemeClr val="accent4">
-                <a:lumMod val="75000"/>
-              </a:schemeClr>
-            </a:solidFill>
-            <a:prstDash val="dash"/>
-          </a:ln>
-        </p:spPr>
-        <p:style>
-          <a:lnRef idx="1">
-            <a:schemeClr val="accent1"/>
-          </a:lnRef>
-          <a:fillRef idx="0">
-            <a:schemeClr val="accent1"/>
-          </a:fillRef>
-          <a:effectRef idx="0">
-            <a:schemeClr val="accent1"/>
-          </a:effectRef>
-          <a:fontRef idx="minor">
-            <a:schemeClr val="tx1"/>
-          </a:fontRef>
-        </p:style>
-      </p:cxnSp>
-      <p:cxnSp>
-        <p:nvCxnSpPr>
-          <p:cNvPr id="87" name="Straight Connector 86"/>
-          <p:cNvCxnSpPr/>
-          <p:nvPr/>
-        </p:nvCxnSpPr>
-        <p:spPr>
-          <a:xfrm>
-            <a:off x="7519338" y="4733779"/>
-            <a:ext cx="203935" cy="0"/>
-          </a:xfrm>
-          <a:prstGeom prst="line">
-            <a:avLst/>
-          </a:prstGeom>
-          <a:ln>
-            <a:solidFill>
-              <a:schemeClr val="accent4">
-                <a:lumMod val="75000"/>
-              </a:schemeClr>
-            </a:solidFill>
-            <a:prstDash val="dash"/>
-          </a:ln>
-        </p:spPr>
-        <p:style>
-          <a:lnRef idx="1">
-            <a:schemeClr val="accent1"/>
-          </a:lnRef>
-          <a:fillRef idx="0">
-            <a:schemeClr val="accent1"/>
-          </a:fillRef>
-          <a:effectRef idx="0">
-            <a:schemeClr val="accent1"/>
-          </a:effectRef>
-          <a:fontRef idx="minor">
-            <a:schemeClr val="tx1"/>
-          </a:fontRef>
-        </p:style>
-      </p:cxnSp>
-      <p:cxnSp>
-        <p:nvCxnSpPr>
-          <p:cNvPr id="89" name="Connector: Elbow 88"/>
-          <p:cNvCxnSpPr/>
-          <p:nvPr/>
-        </p:nvCxnSpPr>
-        <p:spPr>
-          <a:xfrm>
-            <a:off x="9250454" y="2576389"/>
-            <a:ext cx="886689" cy="1713338"/>
-          </a:xfrm>
-          <a:prstGeom prst="bentConnector3">
-            <a:avLst>
-              <a:gd name="adj1" fmla="val 125781"/>
-            </a:avLst>
-          </a:prstGeom>
-          <a:ln>
-            <a:solidFill>
-              <a:schemeClr val="accent6"/>
-            </a:solidFill>
-            <a:prstDash val="dash"/>
-            <a:headEnd type="none" w="med" len="med"/>
-            <a:tailEnd type="arrow" w="med" len="med"/>
-          </a:ln>
-        </p:spPr>
-        <p:style>
-          <a:lnRef idx="1">
-            <a:schemeClr val="accent1"/>
-          </a:lnRef>
-          <a:fillRef idx="0">
-            <a:schemeClr val="accent1"/>
-          </a:fillRef>
-          <a:effectRef idx="0">
-            <a:schemeClr val="accent1"/>
-          </a:effectRef>
-          <a:fontRef idx="minor">
-            <a:schemeClr val="tx1"/>
-          </a:fontRef>
-        </p:style>
-      </p:cxnSp>
-      <p:cxnSp>
-        <p:nvCxnSpPr>
-          <p:cNvPr id="91" name="Connector: Elbow 90"/>
-          <p:cNvCxnSpPr/>
-          <p:nvPr/>
-        </p:nvCxnSpPr>
-        <p:spPr>
-          <a:xfrm>
-            <a:off x="9250453" y="3031416"/>
-            <a:ext cx="886689" cy="1713338"/>
-          </a:xfrm>
-          <a:prstGeom prst="bentConnector3">
-            <a:avLst>
-              <a:gd name="adj1" fmla="val 171614"/>
-            </a:avLst>
-          </a:prstGeom>
-          <a:ln>
-            <a:solidFill>
-              <a:schemeClr val="accent6"/>
-            </a:solidFill>
-            <a:prstDash val="dash"/>
-            <a:headEnd type="none" w="med" len="med"/>
-            <a:tailEnd type="arrow" w="med" len="med"/>
-          </a:ln>
-        </p:spPr>
-        <p:style>
-          <a:lnRef idx="1">
-            <a:schemeClr val="accent6"/>
-          </a:lnRef>
-          <a:fillRef idx="0">
-            <a:schemeClr val="accent6"/>
-          </a:fillRef>
-          <a:effectRef idx="0">
-            <a:schemeClr val="accent6"/>
-          </a:effectRef>
-          <a:fontRef idx="minor">
-            <a:schemeClr val="tx1"/>
-          </a:fontRef>
-        </p:style>
-      </p:cxnSp>
-      <p:cxnSp>
-        <p:nvCxnSpPr>
-          <p:cNvPr id="94" name="Connector: Elbow 93"/>
-          <p:cNvCxnSpPr/>
-          <p:nvPr/>
-        </p:nvCxnSpPr>
-        <p:spPr>
-          <a:xfrm>
-            <a:off x="9250454" y="3484870"/>
-            <a:ext cx="886688" cy="1713338"/>
-          </a:xfrm>
-          <a:prstGeom prst="bentConnector3">
-            <a:avLst>
-              <a:gd name="adj1" fmla="val 218490"/>
-            </a:avLst>
-          </a:prstGeom>
-          <a:ln>
-            <a:prstDash val="dash"/>
-            <a:headEnd type="none" w="med" len="med"/>
-            <a:tailEnd type="arrow" w="med" len="med"/>
-          </a:ln>
-        </p:spPr>
-        <p:style>
-          <a:lnRef idx="1">
-            <a:schemeClr val="accent6"/>
-          </a:lnRef>
-          <a:fillRef idx="0">
-            <a:schemeClr val="accent6"/>
-          </a:fillRef>
-          <a:effectRef idx="0">
-            <a:schemeClr val="accent6"/>
-          </a:effectRef>
-          <a:fontRef idx="minor">
-            <a:schemeClr val="tx1"/>
-          </a:fontRef>
-        </p:style>
-      </p:cxnSp>
-    </p:spTree>
-    <p:extLst>
-      <p:ext uri="{BB962C8B-B14F-4D97-AF65-F5344CB8AC3E}">
-        <p14:creationId xmlns="" xmlns:p14="http://schemas.microsoft.com/office/powerpoint/2010/main" val="66083343"/>
+        <p14:creationId xmlns:p14="http://schemas.microsoft.com/office/powerpoint/2010/main" val="1289237162"/>
       </p:ext>
     </p:extLst>
   </p:cSld>
@@ -16637,7 +16810,7 @@
   <a:extraClrSchemeLst/>
   <a:extLst>
     <a:ext uri="{05A4C25C-085E-4340-85A3-A5531E510DB2}">
-      <thm15:themeFamily xmlns="" xmlns:thm15="http://schemas.microsoft.com/office/thememl/2012/main" name="Office Theme" id="{62F939B6-93AF-4DB8-9C6B-D6C7DFDC589F}" vid="{4A3C46E8-61CC-4603-A589-7422A47A8E4A}"/>
+      <thm15:themeFamily xmlns:thm15="http://schemas.microsoft.com/office/thememl/2012/main" name="Office Theme" id="{62F939B6-93AF-4DB8-9C6B-D6C7DFDC589F}" vid="{4A3C46E8-61CC-4603-A589-7422A47A8E4A}"/>
     </a:ext>
   </a:extLst>
 </a:theme>

--- a/doc/DeveloperGuide.pptx
+++ b/doc/DeveloperGuide.pptx
@@ -9,12 +9,13 @@
     <p:sldId id="265" r:id="rId3"/>
     <p:sldId id="266" r:id="rId4"/>
     <p:sldId id="267" r:id="rId5"/>
-    <p:sldId id="260" r:id="rId6"/>
-    <p:sldId id="261" r:id="rId7"/>
-    <p:sldId id="262" r:id="rId8"/>
-    <p:sldId id="263" r:id="rId9"/>
-    <p:sldId id="258" r:id="rId10"/>
-    <p:sldId id="256" r:id="rId11"/>
+    <p:sldId id="268" r:id="rId6"/>
+    <p:sldId id="269" r:id="rId7"/>
+    <p:sldId id="261" r:id="rId8"/>
+    <p:sldId id="262" r:id="rId9"/>
+    <p:sldId id="263" r:id="rId10"/>
+    <p:sldId id="258" r:id="rId11"/>
+    <p:sldId id="256" r:id="rId12"/>
   </p:sldIdLst>
   <p:sldSz cx="12192000" cy="6858000"/>
   <p:notesSz cx="6858000" cy="9144000"/>
@@ -3168,6 +3169,995 @@
       </p:grpSpPr>
       <p:sp>
         <p:nvSpPr>
+          <p:cNvPr id="4" name="TextBox 3"/>
+          <p:cNvSpPr txBox="1"/>
+          <p:nvPr/>
+        </p:nvSpPr>
+        <p:spPr>
+          <a:xfrm>
+            <a:off x="0" y="0"/>
+            <a:ext cx="2136675" cy="369332"/>
+          </a:xfrm>
+          <a:prstGeom prst="rect">
+            <a:avLst/>
+          </a:prstGeom>
+          <a:noFill/>
+        </p:spPr>
+        <p:txBody>
+          <a:bodyPr wrap="none" rtlCol="0">
+            <a:spAutoFit/>
+          </a:bodyPr>
+          <a:lstStyle/>
+          <a:p>
+            <a:r>
+              <a:rPr lang="en-SG" dirty="0">
+                <a:latin typeface="Garamond" panose="02020404030301010803" pitchFamily="18" charset="0"/>
+              </a:rPr>
+              <a:t>Architecture Diagram</a:t>
+            </a:r>
+          </a:p>
+        </p:txBody>
+      </p:sp>
+      <p:grpSp>
+        <p:nvGrpSpPr>
+          <p:cNvPr id="2" name="Group 1"/>
+          <p:cNvGrpSpPr/>
+          <p:nvPr/>
+        </p:nvGrpSpPr>
+        <p:grpSpPr>
+          <a:xfrm>
+            <a:off x="2622102" y="1525696"/>
+            <a:ext cx="7101255" cy="3463636"/>
+            <a:chOff x="2622102" y="1525696"/>
+            <a:chExt cx="7101255" cy="3463636"/>
+          </a:xfrm>
+        </p:grpSpPr>
+        <p:grpSp>
+          <p:nvGrpSpPr>
+            <p:cNvPr id="44" name="Group 43"/>
+            <p:cNvGrpSpPr/>
+            <p:nvPr/>
+          </p:nvGrpSpPr>
+          <p:grpSpPr>
+            <a:xfrm>
+              <a:off x="2622102" y="1525696"/>
+              <a:ext cx="7101255" cy="3463636"/>
+              <a:chOff x="2594599" y="1542474"/>
+              <a:chExt cx="7101255" cy="3463636"/>
+            </a:xfrm>
+          </p:grpSpPr>
+          <p:sp>
+            <p:nvSpPr>
+              <p:cNvPr id="5" name="Rectangle 4"/>
+              <p:cNvSpPr/>
+              <p:nvPr/>
+            </p:nvSpPr>
+            <p:spPr>
+              <a:xfrm>
+                <a:off x="3454398" y="2505891"/>
+                <a:ext cx="5218547" cy="2500219"/>
+              </a:xfrm>
+              <a:prstGeom prst="rect">
+                <a:avLst/>
+              </a:prstGeom>
+              <a:solidFill>
+                <a:schemeClr val="bg1">
+                  <a:lumMod val="95000"/>
+                  <a:alpha val="43000"/>
+                </a:schemeClr>
+              </a:solidFill>
+              <a:ln w="19050">
+                <a:solidFill>
+                  <a:schemeClr val="bg2">
+                    <a:lumMod val="50000"/>
+                  </a:schemeClr>
+                </a:solidFill>
+              </a:ln>
+            </p:spPr>
+            <p:style>
+              <a:lnRef idx="2">
+                <a:schemeClr val="accent1">
+                  <a:shade val="50000"/>
+                </a:schemeClr>
+              </a:lnRef>
+              <a:fillRef idx="1">
+                <a:schemeClr val="accent1"/>
+              </a:fillRef>
+              <a:effectRef idx="0">
+                <a:schemeClr val="accent1"/>
+              </a:effectRef>
+              <a:fontRef idx="minor">
+                <a:schemeClr val="lt1"/>
+              </a:fontRef>
+            </p:style>
+            <p:txBody>
+              <a:bodyPr rtlCol="0" anchor="ctr"/>
+              <a:lstStyle/>
+              <a:p>
+                <a:pPr algn="ctr"/>
+                <a:r>
+                  <a:rPr lang="en-SG"/>
+                  <a:t> </a:t>
+                </a:r>
+              </a:p>
+            </p:txBody>
+          </p:sp>
+          <p:sp>
+            <p:nvSpPr>
+              <p:cNvPr id="11" name="Smiley Face 10"/>
+              <p:cNvSpPr/>
+              <p:nvPr/>
+            </p:nvSpPr>
+            <p:spPr>
+              <a:xfrm>
+                <a:off x="2594599" y="2883661"/>
+                <a:ext cx="508000" cy="480291"/>
+              </a:xfrm>
+              <a:prstGeom prst="smileyFace">
+                <a:avLst/>
+              </a:prstGeom>
+              <a:solidFill>
+                <a:schemeClr val="accent2">
+                  <a:lumMod val="20000"/>
+                  <a:lumOff val="80000"/>
+                </a:schemeClr>
+              </a:solidFill>
+              <a:ln>
+                <a:solidFill>
+                  <a:schemeClr val="bg2">
+                    <a:lumMod val="50000"/>
+                  </a:schemeClr>
+                </a:solidFill>
+              </a:ln>
+            </p:spPr>
+            <p:style>
+              <a:lnRef idx="1">
+                <a:schemeClr val="accent3"/>
+              </a:lnRef>
+              <a:fillRef idx="2">
+                <a:schemeClr val="accent3"/>
+              </a:fillRef>
+              <a:effectRef idx="1">
+                <a:schemeClr val="accent3"/>
+              </a:effectRef>
+              <a:fontRef idx="minor">
+                <a:schemeClr val="dk1"/>
+              </a:fontRef>
+            </p:style>
+            <p:txBody>
+              <a:bodyPr rtlCol="0" anchor="ctr"/>
+              <a:lstStyle/>
+              <a:p>
+                <a:pPr algn="ctr"/>
+                <a:endParaRPr lang="en-SG" dirty="0"/>
+              </a:p>
+            </p:txBody>
+          </p:sp>
+          <p:sp>
+            <p:nvSpPr>
+              <p:cNvPr id="13" name="Rectangle: Rounded Corners 12"/>
+              <p:cNvSpPr/>
+              <p:nvPr/>
+            </p:nvSpPr>
+            <p:spPr>
+              <a:xfrm>
+                <a:off x="3809995" y="2761670"/>
+                <a:ext cx="794329" cy="757381"/>
+              </a:xfrm>
+              <a:prstGeom prst="roundRect">
+                <a:avLst/>
+              </a:prstGeom>
+              <a:solidFill>
+                <a:schemeClr val="accent1">
+                  <a:lumMod val="20000"/>
+                  <a:lumOff val="80000"/>
+                </a:schemeClr>
+              </a:solidFill>
+              <a:ln>
+                <a:solidFill>
+                  <a:schemeClr val="accent1"/>
+                </a:solidFill>
+              </a:ln>
+            </p:spPr>
+            <p:style>
+              <a:lnRef idx="2">
+                <a:schemeClr val="accent1">
+                  <a:shade val="50000"/>
+                </a:schemeClr>
+              </a:lnRef>
+              <a:fillRef idx="1">
+                <a:schemeClr val="accent1"/>
+              </a:fillRef>
+              <a:effectRef idx="0">
+                <a:schemeClr val="accent1"/>
+              </a:effectRef>
+              <a:fontRef idx="minor">
+                <a:schemeClr val="lt1"/>
+              </a:fontRef>
+            </p:style>
+            <p:txBody>
+              <a:bodyPr rtlCol="0" anchor="ctr"/>
+              <a:lstStyle/>
+              <a:p>
+                <a:pPr algn="ctr"/>
+                <a:r>
+                  <a:rPr lang="en-SG" dirty="0">
+                    <a:solidFill>
+                      <a:schemeClr val="accent1"/>
+                    </a:solidFill>
+                    <a:latin typeface="Garamond" panose="02020404030301010803" pitchFamily="18" charset="0"/>
+                  </a:rPr>
+                  <a:t>UI</a:t>
+                </a:r>
+              </a:p>
+            </p:txBody>
+          </p:sp>
+          <p:cxnSp>
+            <p:nvCxnSpPr>
+              <p:cNvPr id="18" name="Straight Arrow Connector 17"/>
+              <p:cNvCxnSpPr/>
+              <p:nvPr/>
+            </p:nvCxnSpPr>
+            <p:spPr>
+              <a:xfrm>
+                <a:off x="3188855" y="3123807"/>
+                <a:ext cx="531086" cy="2"/>
+              </a:xfrm>
+              <a:prstGeom prst="straightConnector1">
+                <a:avLst/>
+              </a:prstGeom>
+              <a:ln w="38100">
+                <a:solidFill>
+                  <a:schemeClr val="accent2">
+                    <a:lumMod val="60000"/>
+                    <a:lumOff val="40000"/>
+                  </a:schemeClr>
+                </a:solidFill>
+                <a:headEnd type="none" w="med" len="med"/>
+                <a:tailEnd type="arrow" w="med" len="med"/>
+              </a:ln>
+            </p:spPr>
+            <p:style>
+              <a:lnRef idx="1">
+                <a:schemeClr val="accent1"/>
+              </a:lnRef>
+              <a:fillRef idx="0">
+                <a:schemeClr val="accent1"/>
+              </a:fillRef>
+              <a:effectRef idx="0">
+                <a:schemeClr val="accent1"/>
+              </a:effectRef>
+              <a:fontRef idx="minor">
+                <a:schemeClr val="tx1"/>
+              </a:fontRef>
+            </p:style>
+          </p:cxnSp>
+          <p:cxnSp>
+            <p:nvCxnSpPr>
+              <p:cNvPr id="20" name="Straight Arrow Connector 19"/>
+              <p:cNvCxnSpPr/>
+              <p:nvPr/>
+            </p:nvCxnSpPr>
+            <p:spPr>
+              <a:xfrm flipH="1" flipV="1">
+                <a:off x="4195603" y="2213345"/>
+                <a:ext cx="11556" cy="474438"/>
+              </a:xfrm>
+              <a:prstGeom prst="straightConnector1">
+                <a:avLst/>
+              </a:prstGeom>
+              <a:ln w="38100">
+                <a:solidFill>
+                  <a:schemeClr val="accent2">
+                    <a:lumMod val="60000"/>
+                    <a:lumOff val="40000"/>
+                  </a:schemeClr>
+                </a:solidFill>
+                <a:headEnd type="none" w="med" len="med"/>
+                <a:tailEnd type="arrow" w="med" len="med"/>
+              </a:ln>
+            </p:spPr>
+            <p:style>
+              <a:lnRef idx="1">
+                <a:schemeClr val="accent1"/>
+              </a:lnRef>
+              <a:fillRef idx="0">
+                <a:schemeClr val="accent1"/>
+              </a:fillRef>
+              <a:effectRef idx="0">
+                <a:schemeClr val="accent1"/>
+              </a:effectRef>
+              <a:fontRef idx="minor">
+                <a:schemeClr val="tx1"/>
+              </a:fontRef>
+            </p:style>
+          </p:cxnSp>
+          <p:sp>
+            <p:nvSpPr>
+              <p:cNvPr id="26" name="Cloud 25"/>
+              <p:cNvSpPr/>
+              <p:nvPr/>
+            </p:nvSpPr>
+            <p:spPr>
+              <a:xfrm>
+                <a:off x="3766112" y="1542474"/>
+                <a:ext cx="1295415" cy="633928"/>
+              </a:xfrm>
+              <a:prstGeom prst="cloud">
+                <a:avLst/>
+              </a:prstGeom>
+            </p:spPr>
+            <p:style>
+              <a:lnRef idx="1">
+                <a:schemeClr val="accent4"/>
+              </a:lnRef>
+              <a:fillRef idx="2">
+                <a:schemeClr val="accent4"/>
+              </a:fillRef>
+              <a:effectRef idx="1">
+                <a:schemeClr val="accent4"/>
+              </a:effectRef>
+              <a:fontRef idx="minor">
+                <a:schemeClr val="dk1"/>
+              </a:fontRef>
+            </p:style>
+            <p:txBody>
+              <a:bodyPr rtlCol="0" anchor="ctr"/>
+              <a:lstStyle/>
+              <a:p>
+                <a:pPr algn="ctr"/>
+                <a:r>
+                  <a:rPr lang="en-SG" dirty="0">
+                    <a:solidFill>
+                      <a:schemeClr val="accent2"/>
+                    </a:solidFill>
+                    <a:latin typeface="Garamond" panose="02020404030301010803" pitchFamily="18" charset="0"/>
+                  </a:rPr>
+                  <a:t>Web</a:t>
+                </a:r>
+              </a:p>
+            </p:txBody>
+          </p:sp>
+          <p:sp>
+            <p:nvSpPr>
+              <p:cNvPr id="27" name="Rectangle: Rounded Corners 26"/>
+              <p:cNvSpPr/>
+              <p:nvPr/>
+            </p:nvSpPr>
+            <p:spPr>
+              <a:xfrm>
+                <a:off x="5315518" y="2750003"/>
+                <a:ext cx="1168404" cy="757381"/>
+              </a:xfrm>
+              <a:prstGeom prst="roundRect">
+                <a:avLst/>
+              </a:prstGeom>
+              <a:solidFill>
+                <a:schemeClr val="accent2">
+                  <a:lumMod val="20000"/>
+                  <a:lumOff val="80000"/>
+                </a:schemeClr>
+              </a:solidFill>
+              <a:ln>
+                <a:solidFill>
+                  <a:schemeClr val="accent2"/>
+                </a:solidFill>
+              </a:ln>
+            </p:spPr>
+            <p:style>
+              <a:lnRef idx="2">
+                <a:schemeClr val="accent1">
+                  <a:shade val="50000"/>
+                </a:schemeClr>
+              </a:lnRef>
+              <a:fillRef idx="1">
+                <a:schemeClr val="accent1"/>
+              </a:fillRef>
+              <a:effectRef idx="0">
+                <a:schemeClr val="accent1"/>
+              </a:effectRef>
+              <a:fontRef idx="minor">
+                <a:schemeClr val="lt1"/>
+              </a:fontRef>
+            </p:style>
+            <p:txBody>
+              <a:bodyPr rtlCol="0" anchor="ctr"/>
+              <a:lstStyle/>
+              <a:p>
+                <a:pPr algn="ctr"/>
+                <a:r>
+                  <a:rPr lang="en-SG" dirty="0">
+                    <a:solidFill>
+                      <a:schemeClr val="accent2"/>
+                    </a:solidFill>
+                    <a:latin typeface="Garamond" panose="02020404030301010803" pitchFamily="18" charset="0"/>
+                  </a:rPr>
+                  <a:t>Control</a:t>
+                </a:r>
+              </a:p>
+            </p:txBody>
+          </p:sp>
+          <p:cxnSp>
+            <p:nvCxnSpPr>
+              <p:cNvPr id="28" name="Straight Arrow Connector 27"/>
+              <p:cNvCxnSpPr/>
+              <p:nvPr/>
+            </p:nvCxnSpPr>
+            <p:spPr>
+              <a:xfrm>
+                <a:off x="4694378" y="3128694"/>
+                <a:ext cx="531086" cy="2"/>
+              </a:xfrm>
+              <a:prstGeom prst="straightConnector1">
+                <a:avLst/>
+              </a:prstGeom>
+              <a:ln w="38100">
+                <a:solidFill>
+                  <a:schemeClr val="accent2">
+                    <a:lumMod val="60000"/>
+                    <a:lumOff val="40000"/>
+                  </a:schemeClr>
+                </a:solidFill>
+                <a:headEnd type="none" w="med" len="med"/>
+                <a:tailEnd type="arrow" w="med" len="med"/>
+              </a:ln>
+            </p:spPr>
+            <p:style>
+              <a:lnRef idx="1">
+                <a:schemeClr val="accent1"/>
+              </a:lnRef>
+              <a:fillRef idx="0">
+                <a:schemeClr val="accent1"/>
+              </a:fillRef>
+              <a:effectRef idx="0">
+                <a:schemeClr val="accent1"/>
+              </a:effectRef>
+              <a:fontRef idx="minor">
+                <a:schemeClr val="tx1"/>
+              </a:fontRef>
+            </p:style>
+          </p:cxnSp>
+          <p:cxnSp>
+            <p:nvCxnSpPr>
+              <p:cNvPr id="29" name="Straight Arrow Connector 28"/>
+              <p:cNvCxnSpPr/>
+              <p:nvPr/>
+            </p:nvCxnSpPr>
+            <p:spPr>
+              <a:xfrm>
+                <a:off x="6573976" y="3128691"/>
+                <a:ext cx="531086" cy="2"/>
+              </a:xfrm>
+              <a:prstGeom prst="straightConnector1">
+                <a:avLst/>
+              </a:prstGeom>
+              <a:ln w="38100">
+                <a:solidFill>
+                  <a:schemeClr val="accent2">
+                    <a:lumMod val="60000"/>
+                    <a:lumOff val="40000"/>
+                  </a:schemeClr>
+                </a:solidFill>
+                <a:headEnd type="none" w="med" len="med"/>
+                <a:tailEnd type="arrow" w="med" len="med"/>
+              </a:ln>
+            </p:spPr>
+            <p:style>
+              <a:lnRef idx="1">
+                <a:schemeClr val="accent1"/>
+              </a:lnRef>
+              <a:fillRef idx="0">
+                <a:schemeClr val="accent1"/>
+              </a:fillRef>
+              <a:effectRef idx="0">
+                <a:schemeClr val="accent1"/>
+              </a:effectRef>
+              <a:fontRef idx="minor">
+                <a:schemeClr val="tx1"/>
+              </a:fontRef>
+            </p:style>
+          </p:cxnSp>
+          <p:sp>
+            <p:nvSpPr>
+              <p:cNvPr id="30" name="Rectangle: Rounded Corners 29"/>
+              <p:cNvSpPr/>
+              <p:nvPr/>
+            </p:nvSpPr>
+            <p:spPr>
+              <a:xfrm>
+                <a:off x="7195116" y="2768471"/>
+                <a:ext cx="1168404" cy="757381"/>
+              </a:xfrm>
+              <a:prstGeom prst="roundRect">
+                <a:avLst/>
+              </a:prstGeom>
+              <a:solidFill>
+                <a:srgbClr val="FEC6DE"/>
+              </a:solidFill>
+              <a:ln>
+                <a:solidFill>
+                  <a:srgbClr val="D94584"/>
+                </a:solidFill>
+              </a:ln>
+            </p:spPr>
+            <p:style>
+              <a:lnRef idx="2">
+                <a:schemeClr val="accent1">
+                  <a:shade val="50000"/>
+                </a:schemeClr>
+              </a:lnRef>
+              <a:fillRef idx="1">
+                <a:schemeClr val="accent1"/>
+              </a:fillRef>
+              <a:effectRef idx="0">
+                <a:schemeClr val="accent1"/>
+              </a:effectRef>
+              <a:fontRef idx="minor">
+                <a:schemeClr val="lt1"/>
+              </a:fontRef>
+            </p:style>
+            <p:txBody>
+              <a:bodyPr rtlCol="0" anchor="ctr"/>
+              <a:lstStyle/>
+              <a:p>
+                <a:pPr algn="ctr"/>
+                <a:r>
+                  <a:rPr lang="en-SG" dirty="0">
+                    <a:solidFill>
+                      <a:srgbClr val="D94584"/>
+                    </a:solidFill>
+                    <a:latin typeface="Garamond" panose="02020404030301010803" pitchFamily="18" charset="0"/>
+                  </a:rPr>
+                  <a:t>Storage</a:t>
+                </a:r>
+              </a:p>
+            </p:txBody>
+          </p:sp>
+          <p:cxnSp>
+            <p:nvCxnSpPr>
+              <p:cNvPr id="31" name="Straight Arrow Connector 30"/>
+              <p:cNvCxnSpPr/>
+              <p:nvPr/>
+            </p:nvCxnSpPr>
+            <p:spPr>
+              <a:xfrm>
+                <a:off x="8453574" y="3126249"/>
+                <a:ext cx="531086" cy="2"/>
+              </a:xfrm>
+              <a:prstGeom prst="straightConnector1">
+                <a:avLst/>
+              </a:prstGeom>
+              <a:ln w="38100">
+                <a:solidFill>
+                  <a:schemeClr val="accent2">
+                    <a:lumMod val="60000"/>
+                    <a:lumOff val="40000"/>
+                  </a:schemeClr>
+                </a:solidFill>
+                <a:headEnd type="none" w="med" len="med"/>
+                <a:tailEnd type="arrow" w="med" len="med"/>
+              </a:ln>
+            </p:spPr>
+            <p:style>
+              <a:lnRef idx="1">
+                <a:schemeClr val="accent1"/>
+              </a:lnRef>
+              <a:fillRef idx="0">
+                <a:schemeClr val="accent1"/>
+              </a:fillRef>
+              <a:effectRef idx="0">
+                <a:schemeClr val="accent1"/>
+              </a:effectRef>
+              <a:fontRef idx="minor">
+                <a:schemeClr val="tx1"/>
+              </a:fontRef>
+            </p:style>
+          </p:cxnSp>
+          <p:pic>
+            <p:nvPicPr>
+              <p:cNvPr id="1026" name="Picture 2" descr="http://www.graphicsfuel.com/wp-content/uploads/2012/03/folder-icon-512x512.png"/>
+              <p:cNvPicPr>
+                <a:picLocks noChangeAspect="1" noChangeArrowheads="1"/>
+              </p:cNvPicPr>
+              <p:nvPr/>
+            </p:nvPicPr>
+            <p:blipFill>
+              <a:blip r:embed="rId2" cstate="print">
+                <a:extLst>
+                  <a:ext uri="{28A0092B-C50C-407E-A947-70E740481C1C}">
+                    <a14:useLocalDpi xmlns:a14="http://schemas.microsoft.com/office/drawing/2010/main" val="0"/>
+                  </a:ext>
+                </a:extLst>
+              </a:blip>
+              <a:srcRect/>
+              <a:stretch>
+                <a:fillRect/>
+              </a:stretch>
+            </p:blipFill>
+            <p:spPr bwMode="auto">
+              <a:xfrm>
+                <a:off x="9125104" y="2838432"/>
+                <a:ext cx="570750" cy="570750"/>
+              </a:xfrm>
+              <a:prstGeom prst="rect">
+                <a:avLst/>
+              </a:prstGeom>
+              <a:noFill/>
+              <a:extLst>
+                <a:ext uri="{909E8E84-426E-40DD-AFC4-6F175D3DCCD1}">
+                  <a14:hiddenFill xmlns:a14="http://schemas.microsoft.com/office/drawing/2010/main">
+                    <a:solidFill>
+                      <a:srgbClr val="FFFFFF"/>
+                    </a:solidFill>
+                  </a14:hiddenFill>
+                </a:ext>
+              </a:extLst>
+            </p:spPr>
+          </p:pic>
+          <p:sp>
+            <p:nvSpPr>
+              <p:cNvPr id="33" name="Rectangle: Rounded Corners 32"/>
+              <p:cNvSpPr/>
+              <p:nvPr/>
+            </p:nvSpPr>
+            <p:spPr>
+              <a:xfrm>
+                <a:off x="7028873" y="4020008"/>
+                <a:ext cx="1258458" cy="757381"/>
+              </a:xfrm>
+              <a:prstGeom prst="roundRect">
+                <a:avLst/>
+              </a:prstGeom>
+              <a:solidFill>
+                <a:schemeClr val="accent6">
+                  <a:lumMod val="20000"/>
+                  <a:lumOff val="80000"/>
+                </a:schemeClr>
+              </a:solidFill>
+              <a:ln>
+                <a:solidFill>
+                  <a:schemeClr val="accent6"/>
+                </a:solidFill>
+              </a:ln>
+            </p:spPr>
+            <p:style>
+              <a:lnRef idx="2">
+                <a:schemeClr val="accent1">
+                  <a:shade val="50000"/>
+                </a:schemeClr>
+              </a:lnRef>
+              <a:fillRef idx="1">
+                <a:schemeClr val="accent1"/>
+              </a:fillRef>
+              <a:effectRef idx="0">
+                <a:schemeClr val="accent1"/>
+              </a:effectRef>
+              <a:fontRef idx="minor">
+                <a:schemeClr val="lt1"/>
+              </a:fontRef>
+            </p:style>
+            <p:txBody>
+              <a:bodyPr rtlCol="0" anchor="ctr"/>
+              <a:lstStyle/>
+              <a:p>
+                <a:pPr algn="ctr"/>
+                <a:r>
+                  <a:rPr lang="en-SG" dirty="0">
+                    <a:solidFill>
+                      <a:schemeClr val="accent6"/>
+                    </a:solidFill>
+                    <a:latin typeface="Garamond" panose="02020404030301010803" pitchFamily="18" charset="0"/>
+                  </a:rPr>
+                  <a:t>Command</a:t>
+                </a:r>
+              </a:p>
+            </p:txBody>
+          </p:sp>
+          <p:cxnSp>
+            <p:nvCxnSpPr>
+              <p:cNvPr id="34" name="Straight Arrow Connector 33"/>
+              <p:cNvCxnSpPr/>
+              <p:nvPr/>
+            </p:nvCxnSpPr>
+            <p:spPr>
+              <a:xfrm>
+                <a:off x="6573976" y="3567006"/>
+                <a:ext cx="390242" cy="393381"/>
+              </a:xfrm>
+              <a:prstGeom prst="straightConnector1">
+                <a:avLst/>
+              </a:prstGeom>
+              <a:ln w="38100">
+                <a:solidFill>
+                  <a:schemeClr val="accent2">
+                    <a:lumMod val="60000"/>
+                    <a:lumOff val="40000"/>
+                  </a:schemeClr>
+                </a:solidFill>
+                <a:headEnd type="none" w="med" len="med"/>
+                <a:tailEnd type="arrow" w="med" len="med"/>
+              </a:ln>
+            </p:spPr>
+            <p:style>
+              <a:lnRef idx="1">
+                <a:schemeClr val="accent1"/>
+              </a:lnRef>
+              <a:fillRef idx="0">
+                <a:schemeClr val="accent1"/>
+              </a:fillRef>
+              <a:effectRef idx="0">
+                <a:schemeClr val="accent1"/>
+              </a:effectRef>
+              <a:fontRef idx="minor">
+                <a:schemeClr val="tx1"/>
+              </a:fontRef>
+            </p:style>
+          </p:cxnSp>
+          <p:cxnSp>
+            <p:nvCxnSpPr>
+              <p:cNvPr id="38" name="Straight Arrow Connector 37"/>
+              <p:cNvCxnSpPr/>
+              <p:nvPr/>
+            </p:nvCxnSpPr>
+            <p:spPr>
+              <a:xfrm flipV="1">
+                <a:off x="5899720" y="3567006"/>
+                <a:ext cx="0" cy="393381"/>
+              </a:xfrm>
+              <a:prstGeom prst="straightConnector1">
+                <a:avLst/>
+              </a:prstGeom>
+              <a:ln w="38100">
+                <a:solidFill>
+                  <a:schemeClr val="accent2">
+                    <a:lumMod val="60000"/>
+                    <a:lumOff val="40000"/>
+                  </a:schemeClr>
+                </a:solidFill>
+                <a:headEnd type="arrow" w="med" len="med"/>
+                <a:tailEnd type="none" w="med" len="med"/>
+              </a:ln>
+            </p:spPr>
+            <p:style>
+              <a:lnRef idx="1">
+                <a:schemeClr val="accent1"/>
+              </a:lnRef>
+              <a:fillRef idx="0">
+                <a:schemeClr val="accent1"/>
+              </a:fillRef>
+              <a:effectRef idx="0">
+                <a:schemeClr val="accent1"/>
+              </a:effectRef>
+              <a:fontRef idx="minor">
+                <a:schemeClr val="tx1"/>
+              </a:fontRef>
+            </p:style>
+          </p:cxnSp>
+          <p:sp>
+            <p:nvSpPr>
+              <p:cNvPr id="39" name="Rectangle: Rounded Corners 38"/>
+              <p:cNvSpPr/>
+              <p:nvPr/>
+            </p:nvSpPr>
+            <p:spPr>
+              <a:xfrm>
+                <a:off x="5315518" y="4020009"/>
+                <a:ext cx="1168404" cy="757381"/>
+              </a:xfrm>
+              <a:prstGeom prst="roundRect">
+                <a:avLst/>
+              </a:prstGeom>
+              <a:solidFill>
+                <a:schemeClr val="tx2">
+                  <a:lumMod val="20000"/>
+                  <a:lumOff val="80000"/>
+                </a:schemeClr>
+              </a:solidFill>
+              <a:ln>
+                <a:solidFill>
+                  <a:schemeClr val="tx2"/>
+                </a:solidFill>
+              </a:ln>
+            </p:spPr>
+            <p:style>
+              <a:lnRef idx="2">
+                <a:schemeClr val="accent1">
+                  <a:shade val="50000"/>
+                </a:schemeClr>
+              </a:lnRef>
+              <a:fillRef idx="1">
+                <a:schemeClr val="accent1"/>
+              </a:fillRef>
+              <a:effectRef idx="0">
+                <a:schemeClr val="accent1"/>
+              </a:effectRef>
+              <a:fontRef idx="minor">
+                <a:schemeClr val="lt1"/>
+              </a:fontRef>
+            </p:style>
+            <p:txBody>
+              <a:bodyPr rtlCol="0" anchor="ctr"/>
+              <a:lstStyle/>
+              <a:p>
+                <a:pPr algn="ctr"/>
+                <a:r>
+                  <a:rPr lang="en-SG" dirty="0">
+                    <a:solidFill>
+                      <a:schemeClr val="tx2"/>
+                    </a:solidFill>
+                    <a:latin typeface="Garamond" panose="02020404030301010803" pitchFamily="18" charset="0"/>
+                  </a:rPr>
+                  <a:t>Model</a:t>
+                </a:r>
+              </a:p>
+            </p:txBody>
+          </p:sp>
+          <p:sp>
+            <p:nvSpPr>
+              <p:cNvPr id="45" name="Rectangle: Rounded Corners 44"/>
+              <p:cNvSpPr/>
+              <p:nvPr/>
+            </p:nvSpPr>
+            <p:spPr>
+              <a:xfrm>
+                <a:off x="3622957" y="4020007"/>
+                <a:ext cx="1168404" cy="757381"/>
+              </a:xfrm>
+              <a:prstGeom prst="roundRect">
+                <a:avLst/>
+              </a:prstGeom>
+              <a:solidFill>
+                <a:srgbClr val="FBB7B7"/>
+              </a:solidFill>
+              <a:ln>
+                <a:solidFill>
+                  <a:srgbClr val="E3381B"/>
+                </a:solidFill>
+              </a:ln>
+            </p:spPr>
+            <p:style>
+              <a:lnRef idx="2">
+                <a:schemeClr val="accent1">
+                  <a:shade val="50000"/>
+                </a:schemeClr>
+              </a:lnRef>
+              <a:fillRef idx="1">
+                <a:schemeClr val="accent1"/>
+              </a:fillRef>
+              <a:effectRef idx="0">
+                <a:schemeClr val="accent1"/>
+              </a:effectRef>
+              <a:fontRef idx="minor">
+                <a:schemeClr val="lt1"/>
+              </a:fontRef>
+            </p:style>
+            <p:txBody>
+              <a:bodyPr rtlCol="0" anchor="ctr"/>
+              <a:lstStyle/>
+              <a:p>
+                <a:pPr algn="ctr"/>
+                <a:r>
+                  <a:rPr lang="en-SG" dirty="0">
+                    <a:solidFill>
+                      <a:srgbClr val="E3381B"/>
+                    </a:solidFill>
+                    <a:latin typeface="Garamond" panose="02020404030301010803" pitchFamily="18" charset="0"/>
+                  </a:rPr>
+                  <a:t>Main</a:t>
+                </a:r>
+              </a:p>
+            </p:txBody>
+          </p:sp>
+          <p:cxnSp>
+            <p:nvCxnSpPr>
+              <p:cNvPr id="46" name="Straight Arrow Connector 45"/>
+              <p:cNvCxnSpPr/>
+              <p:nvPr/>
+            </p:nvCxnSpPr>
+            <p:spPr>
+              <a:xfrm flipV="1">
+                <a:off x="4195603" y="3559309"/>
+                <a:ext cx="0" cy="393381"/>
+              </a:xfrm>
+              <a:prstGeom prst="straightConnector1">
+                <a:avLst/>
+              </a:prstGeom>
+              <a:ln w="38100">
+                <a:solidFill>
+                  <a:schemeClr val="accent2">
+                    <a:lumMod val="60000"/>
+                    <a:lumOff val="40000"/>
+                  </a:schemeClr>
+                </a:solidFill>
+                <a:headEnd type="none" w="med" len="med"/>
+                <a:tailEnd type="arrow" w="med" len="med"/>
+              </a:ln>
+            </p:spPr>
+            <p:style>
+              <a:lnRef idx="1">
+                <a:schemeClr val="accent1"/>
+              </a:lnRef>
+              <a:fillRef idx="0">
+                <a:schemeClr val="accent1"/>
+              </a:fillRef>
+              <a:effectRef idx="0">
+                <a:schemeClr val="accent1"/>
+              </a:effectRef>
+              <a:fontRef idx="minor">
+                <a:schemeClr val="tx1"/>
+              </a:fontRef>
+            </p:style>
+          </p:cxnSp>
+        </p:grpSp>
+        <p:sp>
+          <p:nvSpPr>
+            <p:cNvPr id="22" name="TextBox 21"/>
+            <p:cNvSpPr txBox="1"/>
+            <p:nvPr/>
+          </p:nvSpPr>
+          <p:spPr>
+            <a:xfrm>
+              <a:off x="2629880" y="3305940"/>
+              <a:ext cx="492443" cy="369332"/>
+            </a:xfrm>
+            <a:prstGeom prst="rect">
+              <a:avLst/>
+            </a:prstGeom>
+            <a:noFill/>
+          </p:spPr>
+          <p:txBody>
+            <a:bodyPr wrap="none" rtlCol="0">
+              <a:spAutoFit/>
+            </a:bodyPr>
+            <a:lstStyle/>
+            <a:p>
+              <a:r>
+                <a:rPr lang="en-SG" dirty="0">
+                  <a:solidFill>
+                    <a:schemeClr val="bg2">
+                      <a:lumMod val="50000"/>
+                    </a:schemeClr>
+                  </a:solidFill>
+                  <a:latin typeface="Garamond" panose="02020404030301010803" pitchFamily="18" charset="0"/>
+                </a:rPr>
+                <a:t>Jim</a:t>
+              </a:r>
+            </a:p>
+          </p:txBody>
+        </p:sp>
+      </p:grpSp>
+    </p:spTree>
+    <p:extLst>
+      <p:ext uri="{BB962C8B-B14F-4D97-AF65-F5344CB8AC3E}">
+        <p14:creationId xmlns:p14="http://schemas.microsoft.com/office/powerpoint/2010/main" val="1289237162"/>
+      </p:ext>
+    </p:extLst>
+  </p:cSld>
+  <p:clrMapOvr>
+    <a:masterClrMapping/>
+  </p:clrMapOvr>
+</p:sld>
+</file>
+
+<file path=ppt/slides/slide11.xml><?xml version="1.0" encoding="utf-8"?>
+<p:sld xmlns:a="http://schemas.openxmlformats.org/drawingml/2006/main" xmlns:r="http://schemas.openxmlformats.org/officeDocument/2006/relationships" xmlns:p="http://schemas.openxmlformats.org/presentationml/2006/main">
+  <p:cSld>
+    <p:spTree>
+      <p:nvGrpSpPr>
+        <p:cNvPr id="1" name=""/>
+        <p:cNvGrpSpPr/>
+        <p:nvPr/>
+      </p:nvGrpSpPr>
+      <p:grpSpPr>
+        <a:xfrm>
+          <a:off x="0" y="0"/>
+          <a:ext cx="0" cy="0"/>
+          <a:chOff x="0" y="0"/>
+          <a:chExt cx="0" cy="0"/>
+        </a:xfrm>
+      </p:grpSpPr>
+      <p:sp>
+        <p:nvSpPr>
           <p:cNvPr id="6" name="TextBox 5"/>
           <p:cNvSpPr txBox="1"/>
           <p:nvPr/>
@@ -5431,7 +6421,7 @@
         </p:blipFill>
         <p:spPr>
           <a:xfrm>
-            <a:off x="158302" y="836871"/>
+            <a:off x="87559" y="504974"/>
             <a:ext cx="720000" cy="473143"/>
           </a:xfrm>
           <a:prstGeom prst="rect">
@@ -5461,7 +6451,7 @@
         </p:blipFill>
         <p:spPr>
           <a:xfrm>
-            <a:off x="87559" y="1473492"/>
+            <a:off x="974250" y="507217"/>
             <a:ext cx="720000" cy="470900"/>
           </a:xfrm>
           <a:prstGeom prst="rect">
@@ -5471,21 +6461,21 @@
       </p:pic>
       <p:grpSp>
         <p:nvGrpSpPr>
-          <p:cNvPr id="2" name="Group 1"/>
+          <p:cNvPr id="8" name="Group 7"/>
           <p:cNvGrpSpPr/>
           <p:nvPr/>
         </p:nvGrpSpPr>
         <p:grpSpPr>
           <a:xfrm>
-            <a:off x="1889468" y="2551585"/>
-            <a:ext cx="9040000" cy="3566161"/>
-            <a:chOff x="1662965" y="2593530"/>
-            <a:chExt cx="9040000" cy="3566161"/>
+            <a:off x="1545520" y="2024414"/>
+            <a:ext cx="9000000" cy="3438991"/>
+            <a:chOff x="1889468" y="2678755"/>
+            <a:chExt cx="9000000" cy="3438991"/>
           </a:xfrm>
         </p:grpSpPr>
         <p:pic>
           <p:nvPicPr>
-            <p:cNvPr id="4" name="Picture 3"/>
+            <p:cNvPr id="3" name="Picture 2"/>
             <p:cNvPicPr>
               <a:picLocks noChangeAspect="1"/>
             </p:cNvPicPr>
@@ -5505,8 +6495,8 @@
           </p:blipFill>
           <p:spPr>
             <a:xfrm>
-              <a:off x="1662966" y="2593530"/>
-              <a:ext cx="9039999" cy="3166051"/>
+              <a:off x="1889468" y="2678755"/>
+              <a:ext cx="9000000" cy="3038881"/>
             </a:xfrm>
             <a:prstGeom prst="rect">
               <a:avLst/>
@@ -5540,7 +6530,7 @@
           </p:blipFill>
           <p:spPr>
             <a:xfrm>
-              <a:off x="1662965" y="2593530"/>
+              <a:off x="1889468" y="2678755"/>
               <a:ext cx="720000" cy="473143"/>
             </a:xfrm>
             <a:prstGeom prst="rect">
@@ -5556,7 +6546,7 @@
           </p:nvSpPr>
           <p:spPr>
             <a:xfrm>
-              <a:off x="1662965" y="5759581"/>
+              <a:off x="1889468" y="5717636"/>
               <a:ext cx="3382657" cy="400110"/>
             </a:xfrm>
             <a:prstGeom prst="rect">
@@ -5583,6 +6573,36 @@
           </p:txBody>
         </p:sp>
       </p:grpSp>
+      <p:pic>
+        <p:nvPicPr>
+          <p:cNvPr id="10" name="Picture 9"/>
+          <p:cNvPicPr>
+            <a:picLocks noChangeAspect="1"/>
+          </p:cNvPicPr>
+          <p:nvPr/>
+        </p:nvPicPr>
+        <p:blipFill>
+          <a:blip r:embed="rId5">
+            <a:extLst>
+              <a:ext uri="{28A0092B-C50C-407E-A947-70E740481C1C}">
+                <a14:useLocalDpi xmlns:a14="http://schemas.microsoft.com/office/drawing/2010/main" val="0"/>
+              </a:ext>
+            </a:extLst>
+          </a:blip>
+          <a:stretch>
+            <a:fillRect/>
+          </a:stretch>
+        </p:blipFill>
+        <p:spPr>
+          <a:xfrm>
+            <a:off x="1905520" y="504974"/>
+            <a:ext cx="720000" cy="473143"/>
+          </a:xfrm>
+          <a:prstGeom prst="rect">
+            <a:avLst/>
+          </a:prstGeom>
+        </p:spPr>
+      </p:pic>
     </p:spTree>
     <p:extLst>
       <p:ext uri="{BB962C8B-B14F-4D97-AF65-F5344CB8AC3E}">
@@ -5613,1677 +6633,126 @@
           <a:chExt cx="0" cy="0"/>
         </a:xfrm>
       </p:grpSpPr>
-      <p:sp>
-        <p:nvSpPr>
-          <p:cNvPr id="4" name="TextBox 3"/>
-          <p:cNvSpPr txBox="1"/>
-          <p:nvPr/>
-        </p:nvSpPr>
-        <p:spPr>
-          <a:xfrm>
-            <a:off x="0" y="0"/>
-            <a:ext cx="1485663" cy="369332"/>
-          </a:xfrm>
-          <a:prstGeom prst="rect">
-            <a:avLst/>
-          </a:prstGeom>
-          <a:noFill/>
-        </p:spPr>
-        <p:txBody>
-          <a:bodyPr wrap="none" rtlCol="0">
-            <a:spAutoFit/>
-          </a:bodyPr>
-          <a:lstStyle/>
-          <a:p>
-            <a:r>
-              <a:rPr lang="en-SG" dirty="0">
-                <a:latin typeface="Garamond" panose="02020404030301010803" pitchFamily="18" charset="0"/>
-              </a:rPr>
-              <a:t>View Diagram</a:t>
-            </a:r>
-          </a:p>
-        </p:txBody>
-      </p:sp>
       <p:grpSp>
         <p:nvGrpSpPr>
-          <p:cNvPr id="101" name="Group 100"/>
+          <p:cNvPr id="4" name="Group 3"/>
           <p:cNvGrpSpPr/>
           <p:nvPr/>
         </p:nvGrpSpPr>
         <p:grpSpPr>
           <a:xfrm>
-            <a:off x="486156" y="308004"/>
-            <a:ext cx="11287451" cy="5996540"/>
-            <a:chOff x="486156" y="144379"/>
-            <a:chExt cx="11287451" cy="5996540"/>
+            <a:off x="1435276" y="2494803"/>
+            <a:ext cx="9000000" cy="2517757"/>
+            <a:chOff x="1166829" y="3487792"/>
+            <a:chExt cx="9000000" cy="2517757"/>
           </a:xfrm>
         </p:grpSpPr>
-        <p:grpSp>
-          <p:nvGrpSpPr>
-            <p:cNvPr id="88" name="Group 87"/>
-            <p:cNvGrpSpPr/>
+        <p:pic>
+          <p:nvPicPr>
+            <p:cNvPr id="5" name="Picture 4"/>
+            <p:cNvPicPr>
+              <a:picLocks noChangeAspect="1"/>
+            </p:cNvPicPr>
             <p:nvPr/>
-          </p:nvGrpSpPr>
-          <p:grpSpPr>
+          </p:nvPicPr>
+          <p:blipFill>
+            <a:blip r:embed="rId2">
+              <a:extLst>
+                <a:ext uri="{28A0092B-C50C-407E-A947-70E740481C1C}">
+                  <a14:useLocalDpi xmlns:a14="http://schemas.microsoft.com/office/drawing/2010/main" val="0"/>
+                </a:ext>
+              </a:extLst>
+            </a:blip>
+            <a:stretch>
+              <a:fillRect/>
+            </a:stretch>
+          </p:blipFill>
+          <p:spPr>
             <a:xfrm>
-              <a:off x="486156" y="144379"/>
-              <a:ext cx="11287451" cy="5996540"/>
-              <a:chOff x="486156" y="288754"/>
-              <a:chExt cx="11287451" cy="5996540"/>
+              <a:off x="1166829" y="3487792"/>
+              <a:ext cx="720000" cy="473143"/>
             </a:xfrm>
-          </p:grpSpPr>
-          <p:grpSp>
-            <p:nvGrpSpPr>
-              <p:cNvPr id="73" name="Group 72"/>
-              <p:cNvGrpSpPr/>
-              <p:nvPr/>
-            </p:nvGrpSpPr>
-            <p:grpSpPr>
-              <a:xfrm>
-                <a:off x="486156" y="288754"/>
-                <a:ext cx="11287451" cy="5996540"/>
-                <a:chOff x="486156" y="288754"/>
-                <a:chExt cx="11287451" cy="5996540"/>
-              </a:xfrm>
-            </p:grpSpPr>
-            <p:grpSp>
-              <p:nvGrpSpPr>
-                <p:cNvPr id="60" name="Group 59"/>
-                <p:cNvGrpSpPr/>
-                <p:nvPr/>
-              </p:nvGrpSpPr>
-              <p:grpSpPr>
-                <a:xfrm>
-                  <a:off x="486156" y="288754"/>
-                  <a:ext cx="11287451" cy="5996540"/>
-                  <a:chOff x="486156" y="288754"/>
-                  <a:chExt cx="11287451" cy="5996540"/>
-                </a:xfrm>
-              </p:grpSpPr>
-              <p:grpSp>
-                <p:nvGrpSpPr>
-                  <p:cNvPr id="34" name="Group 33"/>
-                  <p:cNvGrpSpPr/>
-                  <p:nvPr/>
-                </p:nvGrpSpPr>
-                <p:grpSpPr>
-                  <a:xfrm>
-                    <a:off x="486156" y="288754"/>
-                    <a:ext cx="11287451" cy="5996540"/>
-                    <a:chOff x="486156" y="288754"/>
-                    <a:chExt cx="11287451" cy="5996540"/>
-                  </a:xfrm>
-                </p:grpSpPr>
-                <p:grpSp>
-                  <p:nvGrpSpPr>
-                    <p:cNvPr id="18" name="Group 17"/>
-                    <p:cNvGrpSpPr/>
-                    <p:nvPr/>
-                  </p:nvGrpSpPr>
-                  <p:grpSpPr>
-                    <a:xfrm>
-                      <a:off x="486156" y="288754"/>
-                      <a:ext cx="11287451" cy="5996540"/>
-                      <a:chOff x="449946" y="1320854"/>
-                      <a:chExt cx="11287451" cy="5996540"/>
-                    </a:xfrm>
-                  </p:grpSpPr>
-                  <p:sp>
-                    <p:nvSpPr>
-                      <p:cNvPr id="25" name="Rectangle: Rounded Corners 24"/>
-                      <p:cNvSpPr/>
-                      <p:nvPr/>
-                    </p:nvSpPr>
-                    <p:spPr>
-                      <a:xfrm>
-                        <a:off x="2360874" y="1320854"/>
-                        <a:ext cx="6689164" cy="5996540"/>
-                      </a:xfrm>
-                      <a:prstGeom prst="roundRect">
-                        <a:avLst/>
-                      </a:prstGeom>
-                      <a:solidFill>
-                        <a:schemeClr val="bg1"/>
-                      </a:solidFill>
-                      <a:ln w="19050">
-                        <a:solidFill>
-                          <a:schemeClr val="accent2"/>
-                        </a:solidFill>
-                      </a:ln>
-                    </p:spPr>
-                    <p:style>
-                      <a:lnRef idx="2">
-                        <a:schemeClr val="accent2"/>
-                      </a:lnRef>
-                      <a:fillRef idx="1">
-                        <a:schemeClr val="lt1"/>
-                      </a:fillRef>
-                      <a:effectRef idx="0">
-                        <a:schemeClr val="accent2"/>
-                      </a:effectRef>
-                      <a:fontRef idx="minor">
-                        <a:schemeClr val="dk1"/>
-                      </a:fontRef>
-                    </p:style>
-                    <p:txBody>
-                      <a:bodyPr rtlCol="0" anchor="ctr"/>
-                      <a:lstStyle/>
-                      <a:p>
-                        <a:pPr algn="ctr"/>
-                        <a:endParaRPr lang="en-SG" dirty="0">
-                          <a:solidFill>
-                            <a:schemeClr val="accent2"/>
-                          </a:solidFill>
-                        </a:endParaRPr>
-                      </a:p>
-                    </p:txBody>
-                  </p:sp>
-                  <p:sp>
-                    <p:nvSpPr>
-                      <p:cNvPr id="7" name="Rectangle 6"/>
-                      <p:cNvSpPr/>
-                      <p:nvPr/>
-                    </p:nvSpPr>
-                    <p:spPr>
-                      <a:xfrm>
-                        <a:off x="2574420" y="2139638"/>
-                        <a:ext cx="1625807" cy="841422"/>
-                      </a:xfrm>
-                      <a:prstGeom prst="rect">
-                        <a:avLst/>
-                      </a:prstGeom>
-                      <a:gradFill>
-                        <a:gsLst>
-                          <a:gs pos="29000">
-                            <a:schemeClr val="accent2">
-                              <a:lumMod val="60000"/>
-                              <a:lumOff val="40000"/>
-                            </a:schemeClr>
-                          </a:gs>
-                          <a:gs pos="100000">
-                            <a:schemeClr val="accent2">
-                              <a:lumMod val="20000"/>
-                              <a:lumOff val="80000"/>
-                            </a:schemeClr>
-                          </a:gs>
-                        </a:gsLst>
-                        <a:lin ang="5400000" scaled="1"/>
-                      </a:gradFill>
-                      <a:ln w="12700">
-                        <a:solidFill>
-                          <a:schemeClr val="accent2"/>
-                        </a:solidFill>
-                      </a:ln>
-                    </p:spPr>
-                    <p:style>
-                      <a:lnRef idx="1">
-                        <a:schemeClr val="accent6"/>
-                      </a:lnRef>
-                      <a:fillRef idx="2">
-                        <a:schemeClr val="accent6"/>
-                      </a:fillRef>
-                      <a:effectRef idx="1">
-                        <a:schemeClr val="accent6"/>
-                      </a:effectRef>
-                      <a:fontRef idx="minor">
-                        <a:schemeClr val="dk1"/>
-                      </a:fontRef>
-                    </p:style>
-                    <p:txBody>
-                      <a:bodyPr rtlCol="0" anchor="ctr"/>
-                      <a:lstStyle/>
-                      <a:p>
-                        <a:pPr algn="ctr"/>
-                        <a:r>
-                          <a:rPr lang="en-SG" dirty="0">
-                            <a:solidFill>
-                              <a:schemeClr val="accent2"/>
-                            </a:solidFill>
-                          </a:rPr>
-                          <a:t>MainWindow</a:t>
-                        </a:r>
-                      </a:p>
-                    </p:txBody>
-                  </p:sp>
-                  <p:cxnSp>
-                    <p:nvCxnSpPr>
-                      <p:cNvPr id="9" name="Straight Arrow Connector 8"/>
-                      <p:cNvCxnSpPr>
-                        <a:endCxn id="37" idx="1"/>
-                      </p:cNvCxnSpPr>
-                      <p:nvPr/>
-                    </p:nvCxnSpPr>
-                    <p:spPr>
-                      <a:xfrm>
-                        <a:off x="3391870" y="3482239"/>
-                        <a:ext cx="796298" cy="0"/>
-                      </a:xfrm>
-                      <a:prstGeom prst="straightConnector1">
-                        <a:avLst/>
-                      </a:prstGeom>
-                      <a:ln>
-                        <a:headEnd type="none" w="med" len="med"/>
-                        <a:tailEnd type="arrow" w="med" len="med"/>
-                      </a:ln>
-                    </p:spPr>
-                    <p:style>
-                      <a:lnRef idx="2">
-                        <a:schemeClr val="accent2"/>
-                      </a:lnRef>
-                      <a:fillRef idx="0">
-                        <a:schemeClr val="accent2"/>
-                      </a:fillRef>
-                      <a:effectRef idx="1">
-                        <a:schemeClr val="accent2"/>
-                      </a:effectRef>
-                      <a:fontRef idx="minor">
-                        <a:schemeClr val="tx1"/>
-                      </a:fontRef>
-                    </p:style>
-                  </p:cxnSp>
-                  <p:sp>
-                    <p:nvSpPr>
-                      <p:cNvPr id="24" name="TextBox 23"/>
-                      <p:cNvSpPr txBox="1"/>
-                      <p:nvPr/>
-                    </p:nvSpPr>
-                    <p:spPr>
-                      <a:xfrm>
-                        <a:off x="2771258" y="1603609"/>
-                        <a:ext cx="867266" cy="369332"/>
-                      </a:xfrm>
-                      <a:prstGeom prst="rect">
-                        <a:avLst/>
-                      </a:prstGeom>
-                      <a:noFill/>
-                    </p:spPr>
-                    <p:txBody>
-                      <a:bodyPr wrap="square" rtlCol="0">
-                        <a:spAutoFit/>
-                      </a:bodyPr>
-                      <a:lstStyle/>
-                      <a:p>
-                        <a:r>
-                          <a:rPr lang="en-SG" dirty="0">
-                            <a:solidFill>
-                              <a:schemeClr val="accent2"/>
-                            </a:solidFill>
-                          </a:rPr>
-                          <a:t>View</a:t>
-                        </a:r>
-                      </a:p>
-                    </p:txBody>
-                  </p:sp>
-                  <p:sp>
-                    <p:nvSpPr>
-                      <p:cNvPr id="36" name="Rectangle: Rounded Corners 35"/>
-                      <p:cNvSpPr/>
-                      <p:nvPr/>
-                    </p:nvSpPr>
-                    <p:spPr>
-                      <a:xfrm>
-                        <a:off x="10285670" y="3216503"/>
-                        <a:ext cx="1451727" cy="785293"/>
-                      </a:xfrm>
-                      <a:prstGeom prst="roundRect">
-                        <a:avLst/>
-                      </a:prstGeom>
-                      <a:ln w="19050"/>
-                    </p:spPr>
-                    <p:style>
-                      <a:lnRef idx="2">
-                        <a:schemeClr val="accent6"/>
-                      </a:lnRef>
-                      <a:fillRef idx="1">
-                        <a:schemeClr val="lt1"/>
-                      </a:fillRef>
-                      <a:effectRef idx="0">
-                        <a:schemeClr val="accent6"/>
-                      </a:effectRef>
-                      <a:fontRef idx="minor">
-                        <a:schemeClr val="dk1"/>
-                      </a:fontRef>
-                    </p:style>
-                    <p:txBody>
-                      <a:bodyPr rtlCol="0" anchor="ctr"/>
-                      <a:lstStyle/>
-                      <a:p>
-                        <a:pPr algn="ctr"/>
-                        <a:r>
-                          <a:rPr lang="en-SG" dirty="0">
-                            <a:solidFill>
-                              <a:schemeClr val="accent6"/>
-                            </a:solidFill>
-                          </a:rPr>
-                          <a:t>Model</a:t>
-                        </a:r>
-                      </a:p>
-                    </p:txBody>
-                  </p:sp>
-                  <p:sp>
-                    <p:nvSpPr>
-                      <p:cNvPr id="37" name="Rectangle 36"/>
-                      <p:cNvSpPr/>
-                      <p:nvPr/>
-                    </p:nvSpPr>
-                    <p:spPr>
-                      <a:xfrm>
-                        <a:off x="4188168" y="3185968"/>
-                        <a:ext cx="1625806" cy="598385"/>
-                      </a:xfrm>
-                      <a:prstGeom prst="rect">
-                        <a:avLst/>
-                      </a:prstGeom>
-                      <a:gradFill>
-                        <a:gsLst>
-                          <a:gs pos="29000">
-                            <a:schemeClr val="accent2">
-                              <a:lumMod val="60000"/>
-                              <a:lumOff val="40000"/>
-                            </a:schemeClr>
-                          </a:gs>
-                          <a:gs pos="100000">
-                            <a:schemeClr val="accent2">
-                              <a:lumMod val="20000"/>
-                              <a:lumOff val="80000"/>
-                            </a:schemeClr>
-                          </a:gs>
-                        </a:gsLst>
-                        <a:lin ang="5400000" scaled="1"/>
-                      </a:gradFill>
-                      <a:ln w="12700">
-                        <a:solidFill>
-                          <a:schemeClr val="accent2"/>
-                        </a:solidFill>
-                      </a:ln>
-                    </p:spPr>
-                    <p:style>
-                      <a:lnRef idx="1">
-                        <a:schemeClr val="accent6"/>
-                      </a:lnRef>
-                      <a:fillRef idx="2">
-                        <a:schemeClr val="accent6"/>
-                      </a:fillRef>
-                      <a:effectRef idx="1">
-                        <a:schemeClr val="accent6"/>
-                      </a:effectRef>
-                      <a:fontRef idx="minor">
-                        <a:schemeClr val="dk1"/>
-                      </a:fontRef>
-                    </p:style>
-                    <p:txBody>
-                      <a:bodyPr rtlCol="0" anchor="ctr"/>
-                      <a:lstStyle/>
-                      <a:p>
-                        <a:pPr algn="ctr"/>
-                        <a:r>
-                          <a:rPr lang="en-SG" dirty="0" err="1">
-                            <a:solidFill>
-                              <a:schemeClr val="accent2"/>
-                            </a:solidFill>
-                          </a:rPr>
-                          <a:t>TodoBox</a:t>
-                        </a:r>
-                        <a:endParaRPr lang="en-SG" dirty="0">
-                          <a:solidFill>
-                            <a:schemeClr val="accent2"/>
-                          </a:solidFill>
-                        </a:endParaRPr>
-                      </a:p>
-                    </p:txBody>
-                  </p:sp>
-                  <p:sp>
-                    <p:nvSpPr>
-                      <p:cNvPr id="41" name="Rectangle 40"/>
-                      <p:cNvSpPr/>
-                      <p:nvPr/>
-                    </p:nvSpPr>
-                    <p:spPr>
-                      <a:xfrm>
-                        <a:off x="4188167" y="3981226"/>
-                        <a:ext cx="1625807" cy="597600"/>
-                      </a:xfrm>
-                      <a:prstGeom prst="rect">
-                        <a:avLst/>
-                      </a:prstGeom>
-                      <a:gradFill>
-                        <a:gsLst>
-                          <a:gs pos="29000">
-                            <a:schemeClr val="accent2">
-                              <a:lumMod val="60000"/>
-                              <a:lumOff val="40000"/>
-                            </a:schemeClr>
-                          </a:gs>
-                          <a:gs pos="100000">
-                            <a:schemeClr val="accent2">
-                              <a:lumMod val="20000"/>
-                              <a:lumOff val="80000"/>
-                            </a:schemeClr>
-                          </a:gs>
-                        </a:gsLst>
-                        <a:lin ang="5400000" scaled="1"/>
-                      </a:gradFill>
-                      <a:ln w="12700">
-                        <a:solidFill>
-                          <a:schemeClr val="accent2"/>
-                        </a:solidFill>
-                      </a:ln>
-                    </p:spPr>
-                    <p:style>
-                      <a:lnRef idx="1">
-                        <a:schemeClr val="accent6"/>
-                      </a:lnRef>
-                      <a:fillRef idx="2">
-                        <a:schemeClr val="accent6"/>
-                      </a:fillRef>
-                      <a:effectRef idx="1">
-                        <a:schemeClr val="accent6"/>
-                      </a:effectRef>
-                      <a:fontRef idx="minor">
-                        <a:schemeClr val="dk1"/>
-                      </a:fontRef>
-                    </p:style>
-                    <p:txBody>
-                      <a:bodyPr rtlCol="0" anchor="ctr"/>
-                      <a:lstStyle/>
-                      <a:p>
-                        <a:pPr algn="ctr"/>
-                        <a:r>
-                          <a:rPr lang="en-SG" dirty="0" err="1">
-                            <a:solidFill>
-                              <a:schemeClr val="accent2"/>
-                            </a:solidFill>
-                          </a:rPr>
-                          <a:t>EventBox</a:t>
-                        </a:r>
-                        <a:endParaRPr lang="en-SG" dirty="0">
-                          <a:solidFill>
-                            <a:schemeClr val="accent2"/>
-                          </a:solidFill>
-                        </a:endParaRPr>
-                      </a:p>
-                    </p:txBody>
-                  </p:sp>
-                  <p:sp>
-                    <p:nvSpPr>
-                      <p:cNvPr id="42" name="Rectangle 41"/>
-                      <p:cNvSpPr/>
-                      <p:nvPr/>
-                    </p:nvSpPr>
-                    <p:spPr>
-                      <a:xfrm>
-                        <a:off x="6320921" y="3186753"/>
-                        <a:ext cx="2137769" cy="597600"/>
-                      </a:xfrm>
-                      <a:prstGeom prst="rect">
-                        <a:avLst/>
-                      </a:prstGeom>
-                      <a:ln/>
-                    </p:spPr>
-                    <p:style>
-                      <a:lnRef idx="2">
-                        <a:schemeClr val="accent2"/>
-                      </a:lnRef>
-                      <a:fillRef idx="1">
-                        <a:schemeClr val="lt1"/>
-                      </a:fillRef>
-                      <a:effectRef idx="0">
-                        <a:schemeClr val="accent2"/>
-                      </a:effectRef>
-                      <a:fontRef idx="minor">
-                        <a:schemeClr val="dk1"/>
-                      </a:fontRef>
-                    </p:style>
-                    <p:txBody>
-                      <a:bodyPr rtlCol="0" anchor="ctr"/>
-                      <a:lstStyle/>
-                      <a:p>
-                        <a:pPr algn="ctr"/>
-                        <a:r>
-                          <a:rPr lang="en-SG" dirty="0" err="1">
-                            <a:solidFill>
-                              <a:schemeClr val="accent2"/>
-                            </a:solidFill>
-                          </a:rPr>
-                          <a:t>TodoBox.fxml</a:t>
-                        </a:r>
-                        <a:endParaRPr lang="en-SG" dirty="0">
-                          <a:solidFill>
-                            <a:schemeClr val="accent2"/>
-                          </a:solidFill>
-                        </a:endParaRPr>
-                      </a:p>
-                    </p:txBody>
-                  </p:sp>
-                  <p:sp>
-                    <p:nvSpPr>
-                      <p:cNvPr id="43" name="Rectangle 42"/>
-                      <p:cNvSpPr/>
-                      <p:nvPr/>
-                    </p:nvSpPr>
-                    <p:spPr>
-                      <a:xfrm>
-                        <a:off x="6320921" y="5570172"/>
-                        <a:ext cx="2137769" cy="597600"/>
-                      </a:xfrm>
-                      <a:prstGeom prst="rect">
-                        <a:avLst/>
-                      </a:prstGeom>
-                      <a:ln/>
-                    </p:spPr>
-                    <p:style>
-                      <a:lnRef idx="2">
-                        <a:schemeClr val="accent2"/>
-                      </a:lnRef>
-                      <a:fillRef idx="1">
-                        <a:schemeClr val="lt1"/>
-                      </a:fillRef>
-                      <a:effectRef idx="0">
-                        <a:schemeClr val="accent2"/>
-                      </a:effectRef>
-                      <a:fontRef idx="minor">
-                        <a:schemeClr val="dk1"/>
-                      </a:fontRef>
-                    </p:style>
-                    <p:txBody>
-                      <a:bodyPr rtlCol="0" anchor="ctr"/>
-                      <a:lstStyle/>
-                      <a:p>
-                        <a:pPr algn="ctr"/>
-                        <a:r>
-                          <a:rPr lang="en-SG" dirty="0" err="1">
-                            <a:solidFill>
-                              <a:schemeClr val="accent2"/>
-                            </a:solidFill>
-                          </a:rPr>
-                          <a:t>ResultBox.fxml</a:t>
-                        </a:r>
-                        <a:endParaRPr lang="en-SG" dirty="0">
-                          <a:solidFill>
-                            <a:schemeClr val="accent2"/>
-                          </a:solidFill>
-                        </a:endParaRPr>
-                      </a:p>
-                    </p:txBody>
-                  </p:sp>
-                  <p:sp>
-                    <p:nvSpPr>
-                      <p:cNvPr id="44" name="Rectangle 43"/>
-                      <p:cNvSpPr/>
-                      <p:nvPr/>
-                    </p:nvSpPr>
-                    <p:spPr>
-                      <a:xfrm>
-                        <a:off x="6320921" y="4775699"/>
-                        <a:ext cx="2137769" cy="597600"/>
-                      </a:xfrm>
-                      <a:prstGeom prst="rect">
-                        <a:avLst/>
-                      </a:prstGeom>
-                      <a:ln/>
-                    </p:spPr>
-                    <p:style>
-                      <a:lnRef idx="2">
-                        <a:schemeClr val="accent2"/>
-                      </a:lnRef>
-                      <a:fillRef idx="1">
-                        <a:schemeClr val="lt1"/>
-                      </a:fillRef>
-                      <a:effectRef idx="0">
-                        <a:schemeClr val="accent2"/>
-                      </a:effectRef>
-                      <a:fontRef idx="minor">
-                        <a:schemeClr val="dk1"/>
-                      </a:fontRef>
-                    </p:style>
-                    <p:txBody>
-                      <a:bodyPr rtlCol="0" anchor="ctr"/>
-                      <a:lstStyle/>
-                      <a:p>
-                        <a:pPr algn="ctr"/>
-                        <a:r>
-                          <a:rPr lang="en-SG" dirty="0" err="1">
-                            <a:solidFill>
-                              <a:schemeClr val="accent2"/>
-                            </a:solidFill>
-                          </a:rPr>
-                          <a:t>DeadlineBox.fxml</a:t>
-                        </a:r>
-                        <a:endParaRPr lang="en-SG" dirty="0">
-                          <a:solidFill>
-                            <a:schemeClr val="accent2"/>
-                          </a:solidFill>
-                        </a:endParaRPr>
-                      </a:p>
-                    </p:txBody>
-                  </p:sp>
-                  <p:sp>
-                    <p:nvSpPr>
-                      <p:cNvPr id="45" name="Rectangle 44"/>
-                      <p:cNvSpPr/>
-                      <p:nvPr/>
-                    </p:nvSpPr>
-                    <p:spPr>
-                      <a:xfrm>
-                        <a:off x="6322422" y="2139638"/>
-                        <a:ext cx="2137769" cy="841422"/>
-                      </a:xfrm>
-                      <a:prstGeom prst="rect">
-                        <a:avLst/>
-                      </a:prstGeom>
-                      <a:ln/>
-                    </p:spPr>
-                    <p:style>
-                      <a:lnRef idx="2">
-                        <a:schemeClr val="accent2"/>
-                      </a:lnRef>
-                      <a:fillRef idx="1">
-                        <a:schemeClr val="lt1"/>
-                      </a:fillRef>
-                      <a:effectRef idx="0">
-                        <a:schemeClr val="accent2"/>
-                      </a:effectRef>
-                      <a:fontRef idx="minor">
-                        <a:schemeClr val="dk1"/>
-                      </a:fontRef>
-                    </p:style>
-                    <p:txBody>
-                      <a:bodyPr rtlCol="0" anchor="ctr"/>
-                      <a:lstStyle/>
-                      <a:p>
-                        <a:pPr algn="ctr"/>
-                        <a:r>
-                          <a:rPr lang="en-SG" dirty="0">
-                            <a:solidFill>
-                              <a:schemeClr val="accent2"/>
-                            </a:solidFill>
-                          </a:rPr>
-                          <a:t>MainWindow.fxml</a:t>
-                        </a:r>
-                      </a:p>
-                    </p:txBody>
-                  </p:sp>
-                  <p:cxnSp>
-                    <p:nvCxnSpPr>
-                      <p:cNvPr id="6" name="Connector: Elbow 5"/>
-                      <p:cNvCxnSpPr>
-                        <a:stCxn id="7" idx="2"/>
-                        <a:endCxn id="50" idx="1"/>
-                      </p:cNvCxnSpPr>
-                      <p:nvPr/>
-                    </p:nvCxnSpPr>
-                    <p:spPr>
-                      <a:xfrm rot="16200000" flipH="1">
-                        <a:off x="1946552" y="4421831"/>
-                        <a:ext cx="3682386" cy="800843"/>
-                      </a:xfrm>
-                      <a:prstGeom prst="bentConnector2">
-                        <a:avLst/>
-                      </a:prstGeom>
-                      <a:ln w="12700">
-                        <a:headEnd type="none" w="med" len="med"/>
-                        <a:tailEnd type="arrow" w="med" len="med"/>
-                      </a:ln>
-                    </p:spPr>
-                    <p:style>
-                      <a:lnRef idx="1">
-                        <a:schemeClr val="accent2"/>
-                      </a:lnRef>
-                      <a:fillRef idx="0">
-                        <a:schemeClr val="accent2"/>
-                      </a:fillRef>
-                      <a:effectRef idx="0">
-                        <a:schemeClr val="accent2"/>
-                      </a:effectRef>
-                      <a:fontRef idx="minor">
-                        <a:schemeClr val="tx1"/>
-                      </a:fontRef>
-                    </p:style>
-                  </p:cxnSp>
-                  <p:cxnSp>
-                    <p:nvCxnSpPr>
-                      <p:cNvPr id="47" name="Straight Arrow Connector 46"/>
-                      <p:cNvCxnSpPr>
-                        <a:stCxn id="45" idx="1"/>
-                        <a:endCxn id="7" idx="3"/>
-                      </p:cNvCxnSpPr>
-                      <p:nvPr/>
-                    </p:nvCxnSpPr>
-                    <p:spPr>
-                      <a:xfrm flipH="1">
-                        <a:off x="4200227" y="2560349"/>
-                        <a:ext cx="2122195" cy="0"/>
-                      </a:xfrm>
-                      <a:prstGeom prst="straightConnector1">
-                        <a:avLst/>
-                      </a:prstGeom>
-                      <a:ln>
-                        <a:prstDash val="dash"/>
-                        <a:headEnd type="none" w="med" len="med"/>
-                        <a:tailEnd type="triangle" w="med" len="med"/>
-                      </a:ln>
-                    </p:spPr>
-                    <p:style>
-                      <a:lnRef idx="1">
-                        <a:schemeClr val="accent2"/>
-                      </a:lnRef>
-                      <a:fillRef idx="0">
-                        <a:schemeClr val="accent2"/>
-                      </a:fillRef>
-                      <a:effectRef idx="0">
-                        <a:schemeClr val="accent2"/>
-                      </a:effectRef>
-                      <a:fontRef idx="minor">
-                        <a:schemeClr val="tx1"/>
-                      </a:fontRef>
-                    </p:style>
-                  </p:cxnSp>
-                  <p:cxnSp>
-                    <p:nvCxnSpPr>
-                      <p:cNvPr id="49" name="Straight Arrow Connector 48"/>
-                      <p:cNvCxnSpPr>
-                        <a:stCxn id="42" idx="1"/>
-                        <a:endCxn id="37" idx="3"/>
-                      </p:cNvCxnSpPr>
-                      <p:nvPr/>
-                    </p:nvCxnSpPr>
-                    <p:spPr>
-                      <a:xfrm flipH="1" flipV="1">
-                        <a:off x="5813974" y="3485161"/>
-                        <a:ext cx="506947" cy="392"/>
-                      </a:xfrm>
-                      <a:prstGeom prst="straightConnector1">
-                        <a:avLst/>
-                      </a:prstGeom>
-                      <a:ln>
-                        <a:prstDash val="dash"/>
-                        <a:headEnd type="none" w="med" len="med"/>
-                        <a:tailEnd type="triangle" w="med" len="med"/>
-                      </a:ln>
-                    </p:spPr>
-                    <p:style>
-                      <a:lnRef idx="1">
-                        <a:schemeClr val="accent2"/>
-                      </a:lnRef>
-                      <a:fillRef idx="0">
-                        <a:schemeClr val="accent2"/>
-                      </a:fillRef>
-                      <a:effectRef idx="0">
-                        <a:schemeClr val="accent2"/>
-                      </a:effectRef>
-                      <a:fontRef idx="minor">
-                        <a:schemeClr val="tx1"/>
-                      </a:fontRef>
-                    </p:style>
-                  </p:cxnSp>
-                  <p:cxnSp>
-                    <p:nvCxnSpPr>
-                      <p:cNvPr id="52" name="Straight Arrow Connector 51"/>
-                      <p:cNvCxnSpPr>
-                        <a:stCxn id="43" idx="1"/>
-                        <a:endCxn id="48" idx="3"/>
-                      </p:cNvCxnSpPr>
-                      <p:nvPr/>
-                    </p:nvCxnSpPr>
-                    <p:spPr>
-                      <a:xfrm flipH="1">
-                        <a:off x="5813974" y="5868972"/>
-                        <a:ext cx="506947" cy="0"/>
-                      </a:xfrm>
-                      <a:prstGeom prst="straightConnector1">
-                        <a:avLst/>
-                      </a:prstGeom>
-                      <a:ln>
-                        <a:prstDash val="dash"/>
-                        <a:headEnd type="none" w="med" len="med"/>
-                        <a:tailEnd type="triangle" w="med" len="med"/>
-                      </a:ln>
-                    </p:spPr>
-                    <p:style>
-                      <a:lnRef idx="1">
-                        <a:schemeClr val="accent2"/>
-                      </a:lnRef>
-                      <a:fillRef idx="0">
-                        <a:schemeClr val="accent2"/>
-                      </a:fillRef>
-                      <a:effectRef idx="0">
-                        <a:schemeClr val="accent2"/>
-                      </a:effectRef>
-                      <a:fontRef idx="minor">
-                        <a:schemeClr val="tx1"/>
-                      </a:fontRef>
-                    </p:style>
-                  </p:cxnSp>
-                  <p:grpSp>
-                    <p:nvGrpSpPr>
-                      <p:cNvPr id="53" name="Group 52"/>
-                      <p:cNvGrpSpPr/>
-                      <p:nvPr/>
-                    </p:nvGrpSpPr>
-                    <p:grpSpPr>
-                      <a:xfrm>
-                        <a:off x="449946" y="3268403"/>
-                        <a:ext cx="508000" cy="808389"/>
-                        <a:chOff x="2622102" y="2866883"/>
-                        <a:chExt cx="508000" cy="808389"/>
-                      </a:xfrm>
-                    </p:grpSpPr>
-                    <p:sp>
-                      <p:nvSpPr>
-                        <p:cNvPr id="54" name="Smiley Face 53"/>
-                        <p:cNvSpPr/>
-                        <p:nvPr/>
-                      </p:nvSpPr>
-                      <p:spPr>
-                        <a:xfrm>
-                          <a:off x="2622102" y="2866883"/>
-                          <a:ext cx="508000" cy="480291"/>
-                        </a:xfrm>
-                        <a:prstGeom prst="smileyFace">
-                          <a:avLst/>
-                        </a:prstGeom>
-                        <a:solidFill>
-                          <a:schemeClr val="accent2">
-                            <a:lumMod val="20000"/>
-                            <a:lumOff val="80000"/>
-                          </a:schemeClr>
-                        </a:solidFill>
-                        <a:ln>
-                          <a:solidFill>
-                            <a:schemeClr val="bg2">
-                              <a:lumMod val="50000"/>
-                            </a:schemeClr>
-                          </a:solidFill>
-                        </a:ln>
-                      </p:spPr>
-                      <p:style>
-                        <a:lnRef idx="1">
-                          <a:schemeClr val="accent3"/>
-                        </a:lnRef>
-                        <a:fillRef idx="2">
-                          <a:schemeClr val="accent3"/>
-                        </a:fillRef>
-                        <a:effectRef idx="1">
-                          <a:schemeClr val="accent3"/>
-                        </a:effectRef>
-                        <a:fontRef idx="minor">
-                          <a:schemeClr val="dk1"/>
-                        </a:fontRef>
-                      </p:style>
-                      <p:txBody>
-                        <a:bodyPr rtlCol="0" anchor="ctr"/>
-                        <a:lstStyle/>
-                        <a:p>
-                          <a:pPr algn="ctr"/>
-                          <a:endParaRPr lang="en-SG" dirty="0"/>
-                        </a:p>
-                      </p:txBody>
-                    </p:sp>
-                    <p:sp>
-                      <p:nvSpPr>
-                        <p:cNvPr id="55" name="TextBox 54"/>
-                        <p:cNvSpPr txBox="1"/>
-                        <p:nvPr/>
-                      </p:nvSpPr>
-                      <p:spPr>
-                        <a:xfrm>
-                          <a:off x="2629880" y="3305940"/>
-                          <a:ext cx="492443" cy="369332"/>
-                        </a:xfrm>
-                        <a:prstGeom prst="rect">
-                          <a:avLst/>
-                        </a:prstGeom>
-                        <a:noFill/>
-                      </p:spPr>
-                      <p:txBody>
-                        <a:bodyPr wrap="none" rtlCol="0">
-                          <a:spAutoFit/>
-                        </a:bodyPr>
-                        <a:lstStyle/>
-                        <a:p>
-                          <a:r>
-                            <a:rPr lang="en-SG" dirty="0">
-                              <a:solidFill>
-                                <a:schemeClr val="bg2">
-                                  <a:lumMod val="50000"/>
-                                </a:schemeClr>
-                              </a:solidFill>
-                              <a:latin typeface="Garamond" panose="02020404030301010803" pitchFamily="18" charset="0"/>
-                            </a:rPr>
-                            <a:t>Jim</a:t>
-                          </a:r>
-                        </a:p>
-                      </p:txBody>
-                    </p:sp>
-                  </p:grpSp>
-                  <p:cxnSp>
-                    <p:nvCxnSpPr>
-                      <p:cNvPr id="56" name="Straight Arrow Connector 55"/>
-                      <p:cNvCxnSpPr/>
-                      <p:nvPr/>
-                    </p:nvCxnSpPr>
-                    <p:spPr>
-                      <a:xfrm>
-                        <a:off x="1109585" y="3525245"/>
-                        <a:ext cx="1134295" cy="9429"/>
-                      </a:xfrm>
-                      <a:prstGeom prst="straightConnector1">
-                        <a:avLst/>
-                      </a:prstGeom>
-                      <a:ln w="38100">
-                        <a:solidFill>
-                          <a:schemeClr val="accent2">
-                            <a:lumMod val="60000"/>
-                            <a:lumOff val="40000"/>
-                          </a:schemeClr>
-                        </a:solidFill>
-                        <a:headEnd type="arrow" w="med" len="med"/>
-                        <a:tailEnd type="none" w="med" len="med"/>
-                      </a:ln>
-                    </p:spPr>
-                    <p:style>
-                      <a:lnRef idx="1">
-                        <a:schemeClr val="accent1"/>
-                      </a:lnRef>
-                      <a:fillRef idx="0">
-                        <a:schemeClr val="accent1"/>
-                      </a:fillRef>
-                      <a:effectRef idx="0">
-                        <a:schemeClr val="accent1"/>
-                      </a:effectRef>
-                      <a:fontRef idx="minor">
-                        <a:schemeClr val="tx1"/>
-                      </a:fontRef>
-                    </p:style>
-                  </p:cxnSp>
-                  <p:sp>
-                    <p:nvSpPr>
-                      <p:cNvPr id="57" name="TextBox 56"/>
-                      <p:cNvSpPr txBox="1"/>
-                      <p:nvPr/>
-                    </p:nvSpPr>
-                    <p:spPr>
-                      <a:xfrm>
-                        <a:off x="1412557" y="3579634"/>
-                        <a:ext cx="609212" cy="369332"/>
-                      </a:xfrm>
-                      <a:prstGeom prst="rect">
-                        <a:avLst/>
-                      </a:prstGeom>
-                      <a:noFill/>
-                    </p:spPr>
-                    <p:txBody>
-                      <a:bodyPr wrap="square" rtlCol="0">
-                        <a:spAutoFit/>
-                      </a:bodyPr>
-                      <a:lstStyle/>
-                      <a:p>
-                        <a:r>
-                          <a:rPr lang="en-SG" i="1" dirty="0"/>
-                          <a:t>Sees</a:t>
-                        </a:r>
-                      </a:p>
-                    </p:txBody>
-                  </p:sp>
-                  <p:cxnSp>
-                    <p:nvCxnSpPr>
-                      <p:cNvPr id="58" name="Straight Arrow Connector 57"/>
-                      <p:cNvCxnSpPr/>
-                      <p:nvPr/>
-                    </p:nvCxnSpPr>
-                    <p:spPr>
-                      <a:xfrm>
-                        <a:off x="9069330" y="3566494"/>
-                        <a:ext cx="1134295" cy="9429"/>
-                      </a:xfrm>
-                      <a:prstGeom prst="straightConnector1">
-                        <a:avLst/>
-                      </a:prstGeom>
-                      <a:ln w="38100">
-                        <a:solidFill>
-                          <a:schemeClr val="accent2">
-                            <a:lumMod val="60000"/>
-                            <a:lumOff val="40000"/>
-                          </a:schemeClr>
-                        </a:solidFill>
-                        <a:headEnd type="arrow" w="med" len="med"/>
-                        <a:tailEnd type="none" w="med" len="med"/>
-                      </a:ln>
-                    </p:spPr>
-                    <p:style>
-                      <a:lnRef idx="1">
-                        <a:schemeClr val="accent1"/>
-                      </a:lnRef>
-                      <a:fillRef idx="0">
-                        <a:schemeClr val="accent1"/>
-                      </a:fillRef>
-                      <a:effectRef idx="0">
-                        <a:schemeClr val="accent1"/>
-                      </a:effectRef>
-                      <a:fontRef idx="minor">
-                        <a:schemeClr val="tx1"/>
-                      </a:fontRef>
-                    </p:style>
-                  </p:cxnSp>
-                  <p:sp>
-                    <p:nvSpPr>
-                      <p:cNvPr id="59" name="TextBox 58"/>
-                      <p:cNvSpPr txBox="1"/>
-                      <p:nvPr/>
-                    </p:nvSpPr>
-                    <p:spPr>
-                      <a:xfrm>
-                        <a:off x="9194720" y="3618134"/>
-                        <a:ext cx="999280" cy="369332"/>
-                      </a:xfrm>
-                      <a:prstGeom prst="rect">
-                        <a:avLst/>
-                      </a:prstGeom>
-                      <a:noFill/>
-                    </p:spPr>
-                    <p:txBody>
-                      <a:bodyPr wrap="square" rtlCol="0">
-                        <a:spAutoFit/>
-                      </a:bodyPr>
-                      <a:lstStyle/>
-                      <a:p>
-                        <a:r>
-                          <a:rPr lang="en-SG" i="1" dirty="0"/>
-                          <a:t>Updates</a:t>
-                        </a:r>
-                      </a:p>
-                    </p:txBody>
-                  </p:sp>
-                  <p:sp>
-                    <p:nvSpPr>
-                      <p:cNvPr id="10" name="Diamond 9"/>
-                      <p:cNvSpPr/>
-                      <p:nvPr/>
-                    </p:nvSpPr>
-                    <p:spPr>
-                      <a:xfrm>
-                        <a:off x="3252791" y="2995135"/>
-                        <a:ext cx="269064" cy="375080"/>
-                      </a:xfrm>
-                      <a:prstGeom prst="diamond">
-                        <a:avLst/>
-                      </a:prstGeom>
-                    </p:spPr>
-                    <p:style>
-                      <a:lnRef idx="2">
-                        <a:schemeClr val="accent2">
-                          <a:shade val="50000"/>
-                        </a:schemeClr>
-                      </a:lnRef>
-                      <a:fillRef idx="1">
-                        <a:schemeClr val="accent2"/>
-                      </a:fillRef>
-                      <a:effectRef idx="0">
-                        <a:schemeClr val="accent2"/>
-                      </a:effectRef>
-                      <a:fontRef idx="minor">
-                        <a:schemeClr val="lt1"/>
-                      </a:fontRef>
-                    </p:style>
-                    <p:txBody>
-                      <a:bodyPr rtlCol="0" anchor="ctr"/>
-                      <a:lstStyle/>
-                      <a:p>
-                        <a:pPr algn="ctr"/>
-                        <a:endParaRPr lang="en-SG"/>
-                      </a:p>
-                    </p:txBody>
-                  </p:sp>
-                </p:grpSp>
-                <p:sp>
-                  <p:nvSpPr>
-                    <p:cNvPr id="30" name="Rectangle 29"/>
-                    <p:cNvSpPr/>
-                    <p:nvPr/>
-                  </p:nvSpPr>
-                  <p:spPr>
-                    <a:xfrm>
-                      <a:off x="4224377" y="3743599"/>
-                      <a:ext cx="1625807" cy="597600"/>
-                    </a:xfrm>
-                    <a:prstGeom prst="rect">
-                      <a:avLst/>
-                    </a:prstGeom>
-                    <a:gradFill>
-                      <a:gsLst>
-                        <a:gs pos="29000">
-                          <a:schemeClr val="accent2">
-                            <a:lumMod val="60000"/>
-                            <a:lumOff val="40000"/>
-                          </a:schemeClr>
-                        </a:gs>
-                        <a:gs pos="100000">
-                          <a:schemeClr val="accent2">
-                            <a:lumMod val="20000"/>
-                            <a:lumOff val="80000"/>
-                          </a:schemeClr>
-                        </a:gs>
-                      </a:gsLst>
-                      <a:lin ang="5400000" scaled="1"/>
-                    </a:gradFill>
-                    <a:ln w="12700">
-                      <a:solidFill>
-                        <a:schemeClr val="accent2"/>
-                      </a:solidFill>
-                    </a:ln>
-                  </p:spPr>
-                  <p:style>
-                    <a:lnRef idx="1">
-                      <a:schemeClr val="accent6"/>
-                    </a:lnRef>
-                    <a:fillRef idx="2">
-                      <a:schemeClr val="accent6"/>
-                    </a:fillRef>
-                    <a:effectRef idx="1">
-                      <a:schemeClr val="accent6"/>
-                    </a:effectRef>
-                    <a:fontRef idx="minor">
-                      <a:schemeClr val="dk1"/>
-                    </a:fontRef>
-                  </p:style>
-                  <p:txBody>
-                    <a:bodyPr rtlCol="0" anchor="ctr"/>
-                    <a:lstStyle/>
-                    <a:p>
-                      <a:pPr algn="ctr"/>
-                      <a:r>
-                        <a:rPr lang="en-SG" dirty="0" err="1">
-                          <a:solidFill>
-                            <a:schemeClr val="accent2"/>
-                          </a:solidFill>
-                        </a:rPr>
-                        <a:t>DeadlineBox</a:t>
-                      </a:r>
-                      <a:endParaRPr lang="en-SG" dirty="0">
-                        <a:solidFill>
-                          <a:schemeClr val="accent2"/>
-                        </a:solidFill>
-                      </a:endParaRPr>
-                    </a:p>
-                  </p:txBody>
-                </p:sp>
-                <p:sp>
-                  <p:nvSpPr>
-                    <p:cNvPr id="31" name="Rectangle 30"/>
-                    <p:cNvSpPr/>
-                    <p:nvPr/>
-                  </p:nvSpPr>
-                  <p:spPr>
-                    <a:xfrm>
-                      <a:off x="6357131" y="5332546"/>
-                      <a:ext cx="2137769" cy="597600"/>
-                    </a:xfrm>
-                    <a:prstGeom prst="rect">
-                      <a:avLst/>
-                    </a:prstGeom>
-                    <a:ln/>
-                  </p:spPr>
-                  <p:style>
-                    <a:lnRef idx="2">
-                      <a:schemeClr val="accent2"/>
-                    </a:lnRef>
-                    <a:fillRef idx="1">
-                      <a:schemeClr val="lt1"/>
-                    </a:fillRef>
-                    <a:effectRef idx="0">
-                      <a:schemeClr val="accent2"/>
-                    </a:effectRef>
-                    <a:fontRef idx="minor">
-                      <a:schemeClr val="dk1"/>
-                    </a:fontRef>
-                  </p:style>
-                  <p:txBody>
-                    <a:bodyPr rtlCol="0" anchor="ctr"/>
-                    <a:lstStyle/>
-                    <a:p>
-                      <a:pPr algn="ctr"/>
-                      <a:r>
-                        <a:rPr lang="en-SG" dirty="0" err="1">
-                          <a:solidFill>
-                            <a:schemeClr val="accent2"/>
-                          </a:solidFill>
-                        </a:rPr>
-                        <a:t>CommandBox.fxml</a:t>
-                      </a:r>
-                      <a:endParaRPr lang="en-SG" dirty="0">
-                        <a:solidFill>
-                          <a:schemeClr val="accent2"/>
-                        </a:solidFill>
-                      </a:endParaRPr>
-                    </a:p>
-                  </p:txBody>
-                </p:sp>
-                <p:cxnSp>
-                  <p:nvCxnSpPr>
-                    <p:cNvPr id="33" name="Straight Arrow Connector 32"/>
-                    <p:cNvCxnSpPr>
-                      <a:stCxn id="31" idx="1"/>
-                      <a:endCxn id="50" idx="3"/>
-                    </p:cNvCxnSpPr>
-                    <p:nvPr/>
-                  </p:nvCxnSpPr>
-                  <p:spPr>
-                    <a:xfrm flipH="1">
-                      <a:off x="5850184" y="5631346"/>
-                      <a:ext cx="506947" cy="0"/>
-                    </a:xfrm>
-                    <a:prstGeom prst="straightConnector1">
-                      <a:avLst/>
-                    </a:prstGeom>
-                    <a:ln>
-                      <a:prstDash val="dash"/>
-                      <a:headEnd type="none" w="med" len="med"/>
-                      <a:tailEnd type="triangle" w="med" len="med"/>
-                    </a:ln>
-                  </p:spPr>
-                  <p:style>
-                    <a:lnRef idx="1">
-                      <a:schemeClr val="accent2"/>
-                    </a:lnRef>
-                    <a:fillRef idx="0">
-                      <a:schemeClr val="accent2"/>
-                    </a:fillRef>
-                    <a:effectRef idx="0">
-                      <a:schemeClr val="accent2"/>
-                    </a:effectRef>
-                    <a:fontRef idx="minor">
-                      <a:schemeClr val="tx1"/>
-                    </a:fontRef>
-                  </p:style>
-                </p:cxnSp>
-              </p:grpSp>
-              <p:sp>
-                <p:nvSpPr>
-                  <p:cNvPr id="48" name="Rectangle 47"/>
-                  <p:cNvSpPr/>
-                  <p:nvPr/>
-                </p:nvSpPr>
-                <p:spPr>
-                  <a:xfrm>
-                    <a:off x="4224377" y="4538072"/>
-                    <a:ext cx="1625807" cy="597600"/>
-                  </a:xfrm>
-                  <a:prstGeom prst="rect">
-                    <a:avLst/>
-                  </a:prstGeom>
-                  <a:gradFill>
-                    <a:gsLst>
-                      <a:gs pos="29000">
-                        <a:schemeClr val="accent2">
-                          <a:lumMod val="60000"/>
-                          <a:lumOff val="40000"/>
-                        </a:schemeClr>
-                      </a:gs>
-                      <a:gs pos="100000">
-                        <a:schemeClr val="accent2">
-                          <a:lumMod val="20000"/>
-                          <a:lumOff val="80000"/>
-                        </a:schemeClr>
-                      </a:gs>
-                    </a:gsLst>
-                    <a:lin ang="5400000" scaled="1"/>
-                  </a:gradFill>
-                  <a:ln w="12700">
-                    <a:solidFill>
-                      <a:schemeClr val="accent2"/>
-                    </a:solidFill>
-                  </a:ln>
-                </p:spPr>
-                <p:style>
-                  <a:lnRef idx="1">
-                    <a:schemeClr val="accent6"/>
-                  </a:lnRef>
-                  <a:fillRef idx="2">
-                    <a:schemeClr val="accent6"/>
-                  </a:fillRef>
-                  <a:effectRef idx="1">
-                    <a:schemeClr val="accent6"/>
-                  </a:effectRef>
-                  <a:fontRef idx="minor">
-                    <a:schemeClr val="dk1"/>
-                  </a:fontRef>
-                </p:style>
-                <p:txBody>
-                  <a:bodyPr rtlCol="0" anchor="ctr"/>
-                  <a:lstStyle/>
-                  <a:p>
-                    <a:pPr algn="ctr"/>
-                    <a:r>
-                      <a:rPr lang="en-SG" dirty="0" err="1">
-                        <a:solidFill>
-                          <a:schemeClr val="accent2"/>
-                        </a:solidFill>
-                      </a:rPr>
-                      <a:t>ResultBox</a:t>
-                    </a:r>
-                    <a:endParaRPr lang="en-SG" dirty="0">
-                      <a:solidFill>
-                        <a:schemeClr val="accent2"/>
-                      </a:solidFill>
-                    </a:endParaRPr>
-                  </a:p>
-                </p:txBody>
-              </p:sp>
-              <p:sp>
-                <p:nvSpPr>
-                  <p:cNvPr id="50" name="Rectangle 49"/>
-                  <p:cNvSpPr/>
-                  <p:nvPr/>
-                </p:nvSpPr>
-                <p:spPr>
-                  <a:xfrm>
-                    <a:off x="4224377" y="5332546"/>
-                    <a:ext cx="1625807" cy="597600"/>
-                  </a:xfrm>
-                  <a:prstGeom prst="rect">
-                    <a:avLst/>
-                  </a:prstGeom>
-                  <a:gradFill>
-                    <a:gsLst>
-                      <a:gs pos="29000">
-                        <a:schemeClr val="accent2">
-                          <a:lumMod val="60000"/>
-                          <a:lumOff val="40000"/>
-                        </a:schemeClr>
-                      </a:gs>
-                      <a:gs pos="100000">
-                        <a:schemeClr val="accent2">
-                          <a:lumMod val="20000"/>
-                          <a:lumOff val="80000"/>
-                        </a:schemeClr>
-                      </a:gs>
-                    </a:gsLst>
-                    <a:lin ang="5400000" scaled="1"/>
-                  </a:gradFill>
-                  <a:ln w="12700">
-                    <a:solidFill>
-                      <a:schemeClr val="accent2"/>
-                    </a:solidFill>
-                  </a:ln>
-                </p:spPr>
-                <p:style>
-                  <a:lnRef idx="1">
-                    <a:schemeClr val="accent6"/>
-                  </a:lnRef>
-                  <a:fillRef idx="2">
-                    <a:schemeClr val="accent6"/>
-                  </a:fillRef>
-                  <a:effectRef idx="1">
-                    <a:schemeClr val="accent6"/>
-                  </a:effectRef>
-                  <a:fontRef idx="minor">
-                    <a:schemeClr val="dk1"/>
-                  </a:fontRef>
-                </p:style>
-                <p:txBody>
-                  <a:bodyPr rtlCol="0" anchor="ctr"/>
-                  <a:lstStyle/>
-                  <a:p>
-                    <a:pPr algn="ctr"/>
-                    <a:r>
-                      <a:rPr lang="en-SG" dirty="0" err="1">
-                        <a:solidFill>
-                          <a:schemeClr val="accent2"/>
-                        </a:solidFill>
-                      </a:rPr>
-                      <a:t>CommandBox</a:t>
-                    </a:r>
-                    <a:endParaRPr lang="en-SG" dirty="0">
-                      <a:solidFill>
-                        <a:schemeClr val="accent2"/>
-                      </a:solidFill>
-                    </a:endParaRPr>
-                  </a:p>
-                </p:txBody>
-              </p:sp>
-            </p:grpSp>
-            <p:cxnSp>
-              <p:nvCxnSpPr>
-                <p:cNvPr id="70" name="Straight Arrow Connector 69"/>
-                <p:cNvCxnSpPr>
-                  <a:endCxn id="41" idx="1"/>
-                </p:cNvCxnSpPr>
-                <p:nvPr/>
-              </p:nvCxnSpPr>
-              <p:spPr>
-                <a:xfrm>
-                  <a:off x="3428778" y="3241949"/>
-                  <a:ext cx="795599" cy="0"/>
-                </a:xfrm>
-                <a:prstGeom prst="straightConnector1">
-                  <a:avLst/>
-                </a:prstGeom>
-                <a:ln>
-                  <a:headEnd type="none" w="med" len="med"/>
-                  <a:tailEnd type="arrow" w="med" len="med"/>
-                </a:ln>
-              </p:spPr>
-              <p:style>
-                <a:lnRef idx="2">
-                  <a:schemeClr val="accent2"/>
-                </a:lnRef>
-                <a:fillRef idx="0">
-                  <a:schemeClr val="accent2"/>
-                </a:fillRef>
-                <a:effectRef idx="1">
-                  <a:schemeClr val="accent2"/>
-                </a:effectRef>
-                <a:fontRef idx="minor">
-                  <a:schemeClr val="tx1"/>
-                </a:fontRef>
-              </p:style>
-            </p:cxnSp>
-            <p:cxnSp>
-              <p:nvCxnSpPr>
-                <p:cNvPr id="71" name="Straight Arrow Connector 70"/>
-                <p:cNvCxnSpPr>
-                  <a:endCxn id="30" idx="1"/>
-                </p:cNvCxnSpPr>
-                <p:nvPr/>
-              </p:nvCxnSpPr>
-              <p:spPr>
-                <a:xfrm>
-                  <a:off x="3428778" y="4033759"/>
-                  <a:ext cx="795599" cy="0"/>
-                </a:xfrm>
-                <a:prstGeom prst="straightConnector1">
-                  <a:avLst/>
-                </a:prstGeom>
-                <a:ln>
-                  <a:headEnd type="none" w="med" len="med"/>
-                  <a:tailEnd type="arrow" w="med" len="med"/>
-                </a:ln>
-              </p:spPr>
-              <p:style>
-                <a:lnRef idx="2">
-                  <a:schemeClr val="accent2"/>
-                </a:lnRef>
-                <a:fillRef idx="0">
-                  <a:schemeClr val="accent2"/>
-                </a:fillRef>
-                <a:effectRef idx="1">
-                  <a:schemeClr val="accent2"/>
-                </a:effectRef>
-                <a:fontRef idx="minor">
-                  <a:schemeClr val="tx1"/>
-                </a:fontRef>
-              </p:style>
-            </p:cxnSp>
-            <p:cxnSp>
-              <p:nvCxnSpPr>
-                <p:cNvPr id="72" name="Straight Arrow Connector 71"/>
-                <p:cNvCxnSpPr>
-                  <a:endCxn id="48" idx="1"/>
-                </p:cNvCxnSpPr>
-                <p:nvPr/>
-              </p:nvCxnSpPr>
-              <p:spPr>
-                <a:xfrm>
-                  <a:off x="3428778" y="4825570"/>
-                  <a:ext cx="795599" cy="0"/>
-                </a:xfrm>
-                <a:prstGeom prst="straightConnector1">
-                  <a:avLst/>
-                </a:prstGeom>
-                <a:ln>
-                  <a:headEnd type="none" w="med" len="med"/>
-                  <a:tailEnd type="arrow" w="med" len="med"/>
-                </a:ln>
-              </p:spPr>
-              <p:style>
-                <a:lnRef idx="2">
-                  <a:schemeClr val="accent2"/>
-                </a:lnRef>
-                <a:fillRef idx="0">
-                  <a:schemeClr val="accent2"/>
-                </a:fillRef>
-                <a:effectRef idx="1">
-                  <a:schemeClr val="accent2"/>
-                </a:effectRef>
-                <a:fontRef idx="minor">
-                  <a:schemeClr val="tx1"/>
-                </a:fontRef>
-              </p:style>
-            </p:cxnSp>
-          </p:grpSp>
-          <p:cxnSp>
-            <p:nvCxnSpPr>
-              <p:cNvPr id="86" name="Straight Arrow Connector 85"/>
-              <p:cNvCxnSpPr>
-                <a:stCxn id="100" idx="1"/>
-                <a:endCxn id="41" idx="3"/>
-              </p:cNvCxnSpPr>
-              <p:nvPr/>
-            </p:nvCxnSpPr>
-            <p:spPr>
-              <a:xfrm flipH="1">
-                <a:off x="5850184" y="3247926"/>
-                <a:ext cx="506947" cy="0"/>
-              </a:xfrm>
-              <a:prstGeom prst="straightConnector1">
-                <a:avLst/>
-              </a:prstGeom>
-              <a:ln>
-                <a:prstDash val="dash"/>
-                <a:headEnd type="none" w="med" len="med"/>
-                <a:tailEnd type="triangle" w="med" len="med"/>
-              </a:ln>
-            </p:spPr>
-            <p:style>
-              <a:lnRef idx="1">
-                <a:schemeClr val="accent2"/>
-              </a:lnRef>
-              <a:fillRef idx="0">
-                <a:schemeClr val="accent2"/>
-              </a:fillRef>
-              <a:effectRef idx="0">
-                <a:schemeClr val="accent2"/>
-              </a:effectRef>
-              <a:fontRef idx="minor">
-                <a:schemeClr val="tx1"/>
-              </a:fontRef>
-            </p:style>
-          </p:cxnSp>
-          <p:cxnSp>
-            <p:nvCxnSpPr>
-              <p:cNvPr id="87" name="Straight Arrow Connector 86"/>
-              <p:cNvCxnSpPr>
-                <a:stCxn id="44" idx="1"/>
-                <a:endCxn id="30" idx="3"/>
-              </p:cNvCxnSpPr>
-              <p:nvPr/>
-            </p:nvCxnSpPr>
-            <p:spPr>
-              <a:xfrm flipH="1">
-                <a:off x="5850184" y="4042399"/>
-                <a:ext cx="506947" cy="0"/>
-              </a:xfrm>
-              <a:prstGeom prst="straightConnector1">
-                <a:avLst/>
-              </a:prstGeom>
-              <a:ln>
-                <a:prstDash val="dash"/>
-                <a:headEnd type="none" w="med" len="med"/>
-                <a:tailEnd type="triangle" w="med" len="med"/>
-              </a:ln>
-            </p:spPr>
-            <p:style>
-              <a:lnRef idx="1">
-                <a:schemeClr val="accent2"/>
-              </a:lnRef>
-              <a:fillRef idx="0">
-                <a:schemeClr val="accent2"/>
-              </a:fillRef>
-              <a:effectRef idx="0">
-                <a:schemeClr val="accent2"/>
-              </a:effectRef>
-              <a:fontRef idx="minor">
-                <a:schemeClr val="tx1"/>
-              </a:fontRef>
-            </p:style>
-          </p:cxnSp>
-        </p:grpSp>
+            <a:prstGeom prst="rect">
+              <a:avLst/>
+            </a:prstGeom>
+          </p:spPr>
+        </p:pic>
         <p:sp>
           <p:nvSpPr>
-            <p:cNvPr id="100" name="Rectangle 99"/>
-            <p:cNvSpPr/>
+            <p:cNvPr id="9" name="TextBox 8"/>
+            <p:cNvSpPr txBox="1"/>
             <p:nvPr/>
           </p:nvSpPr>
           <p:spPr>
             <a:xfrm>
-              <a:off x="6357131" y="2804751"/>
-              <a:ext cx="2137769" cy="597600"/>
+              <a:off x="1166829" y="5605439"/>
+              <a:ext cx="3246402" cy="400110"/>
             </a:xfrm>
             <a:prstGeom prst="rect">
               <a:avLst/>
             </a:prstGeom>
-            <a:ln/>
+            <a:noFill/>
           </p:spPr>
-          <p:style>
-            <a:lnRef idx="2">
-              <a:schemeClr val="accent2"/>
-            </a:lnRef>
-            <a:fillRef idx="1">
-              <a:schemeClr val="lt1"/>
-            </a:fillRef>
-            <a:effectRef idx="0">
-              <a:schemeClr val="accent2"/>
-            </a:effectRef>
-            <a:fontRef idx="minor">
-              <a:schemeClr val="dk1"/>
-            </a:fontRef>
-          </p:style>
           <p:txBody>
-            <a:bodyPr rtlCol="0" anchor="ctr"/>
+            <a:bodyPr wrap="none" rtlCol="0">
+              <a:spAutoFit/>
+            </a:bodyPr>
             <a:lstStyle/>
             <a:p>
-              <a:pPr algn="ctr"/>
               <a:r>
-                <a:rPr lang="en-SG" dirty="0" err="1">
+                <a:rPr lang="en-SG" sz="2000" dirty="0">
                   <a:solidFill>
-                    <a:schemeClr val="accent2"/>
+                    <a:schemeClr val="accent1"/>
                   </a:solidFill>
+                  <a:latin typeface="Eras Medium ITC" panose="020B0602030504020804" pitchFamily="34" charset="0"/>
                 </a:rPr>
-                <a:t>EventBox.fxml</a:t>
+                <a:t>Figure 5: View Component</a:t>
               </a:r>
-              <a:endParaRPr lang="en-SG" dirty="0">
-                <a:solidFill>
-                  <a:schemeClr val="accent2"/>
-                </a:solidFill>
-              </a:endParaRPr>
             </a:p>
           </p:txBody>
         </p:sp>
+        <p:pic>
+          <p:nvPicPr>
+            <p:cNvPr id="2" name="Picture 1"/>
+            <p:cNvPicPr>
+              <a:picLocks noChangeAspect="1"/>
+            </p:cNvPicPr>
+            <p:nvPr/>
+          </p:nvPicPr>
+          <p:blipFill>
+            <a:blip r:embed="rId3">
+              <a:extLst>
+                <a:ext uri="{28A0092B-C50C-407E-A947-70E740481C1C}">
+                  <a14:useLocalDpi xmlns:a14="http://schemas.microsoft.com/office/drawing/2010/main" val="0"/>
+                </a:ext>
+              </a:extLst>
+            </a:blip>
+            <a:stretch>
+              <a:fillRect/>
+            </a:stretch>
+          </p:blipFill>
+          <p:spPr>
+            <a:xfrm>
+              <a:off x="1166829" y="3487792"/>
+              <a:ext cx="9000000" cy="2117647"/>
+            </a:xfrm>
+            <a:prstGeom prst="rect">
+              <a:avLst/>
+            </a:prstGeom>
+            <a:ln>
+              <a:solidFill>
+                <a:schemeClr val="accent4">
+                  <a:lumMod val="75000"/>
+                </a:schemeClr>
+              </a:solidFill>
+            </a:ln>
+          </p:spPr>
+        </p:pic>
       </p:grpSp>
     </p:spTree>
     <p:extLst>
       <p:ext uri="{BB962C8B-B14F-4D97-AF65-F5344CB8AC3E}">
-        <p14:creationId xmlns:p14="http://schemas.microsoft.com/office/powerpoint/2010/main" val="144807405"/>
+        <p14:creationId xmlns:p14="http://schemas.microsoft.com/office/powerpoint/2010/main" val="1349760042"/>
       </p:ext>
     </p:extLst>
   </p:cSld>
@@ -7294,6 +6763,150 @@
 </file>
 
 <file path=ppt/slides/slide6.xml><?xml version="1.0" encoding="utf-8"?>
+<p:sld xmlns:a="http://schemas.openxmlformats.org/drawingml/2006/main" xmlns:r="http://schemas.openxmlformats.org/officeDocument/2006/relationships" xmlns:p="http://schemas.openxmlformats.org/presentationml/2006/main">
+  <p:cSld>
+    <p:spTree>
+      <p:nvGrpSpPr>
+        <p:cNvPr id="1" name=""/>
+        <p:cNvGrpSpPr/>
+        <p:nvPr/>
+      </p:nvGrpSpPr>
+      <p:grpSpPr>
+        <a:xfrm>
+          <a:off x="0" y="0"/>
+          <a:ext cx="0" cy="0"/>
+          <a:chOff x="0" y="0"/>
+          <a:chExt cx="0" cy="0"/>
+        </a:xfrm>
+      </p:grpSpPr>
+      <p:grpSp>
+        <p:nvGrpSpPr>
+          <p:cNvPr id="6" name="Group 5"/>
+          <p:cNvGrpSpPr/>
+          <p:nvPr/>
+        </p:nvGrpSpPr>
+        <p:grpSpPr>
+          <a:xfrm>
+            <a:off x="1253260" y="1437746"/>
+            <a:ext cx="9000000" cy="4157045"/>
+            <a:chOff x="1462985" y="1806861"/>
+            <a:chExt cx="9000000" cy="4157045"/>
+          </a:xfrm>
+        </p:grpSpPr>
+        <p:sp>
+          <p:nvSpPr>
+            <p:cNvPr id="9" name="TextBox 8"/>
+            <p:cNvSpPr txBox="1"/>
+            <p:nvPr/>
+          </p:nvSpPr>
+          <p:spPr>
+            <a:xfrm>
+              <a:off x="1462985" y="5563796"/>
+              <a:ext cx="3796232" cy="400110"/>
+            </a:xfrm>
+            <a:prstGeom prst="rect">
+              <a:avLst/>
+            </a:prstGeom>
+            <a:noFill/>
+          </p:spPr>
+          <p:txBody>
+            <a:bodyPr wrap="none" rtlCol="0">
+              <a:spAutoFit/>
+            </a:bodyPr>
+            <a:lstStyle/>
+            <a:p>
+              <a:r>
+                <a:rPr lang="en-SG" sz="2000" dirty="0">
+                  <a:solidFill>
+                    <a:schemeClr val="accent1"/>
+                  </a:solidFill>
+                  <a:latin typeface="Eras Medium ITC" panose="020B0602030504020804" pitchFamily="34" charset="0"/>
+                </a:rPr>
+                <a:t>Figure 6: Controller Component</a:t>
+              </a:r>
+            </a:p>
+          </p:txBody>
+        </p:sp>
+        <p:pic>
+          <p:nvPicPr>
+            <p:cNvPr id="3" name="Picture 2"/>
+            <p:cNvPicPr>
+              <a:picLocks noChangeAspect="1"/>
+            </p:cNvPicPr>
+            <p:nvPr/>
+          </p:nvPicPr>
+          <p:blipFill>
+            <a:blip r:embed="rId2">
+              <a:extLst>
+                <a:ext uri="{28A0092B-C50C-407E-A947-70E740481C1C}">
+                  <a14:useLocalDpi xmlns:a14="http://schemas.microsoft.com/office/drawing/2010/main" val="0"/>
+                </a:ext>
+              </a:extLst>
+            </a:blip>
+            <a:stretch>
+              <a:fillRect/>
+            </a:stretch>
+          </p:blipFill>
+          <p:spPr>
+            <a:xfrm>
+              <a:off x="1462985" y="1806861"/>
+              <a:ext cx="9000000" cy="3756935"/>
+            </a:xfrm>
+            <a:prstGeom prst="rect">
+              <a:avLst/>
+            </a:prstGeom>
+            <a:ln>
+              <a:solidFill>
+                <a:schemeClr val="accent1"/>
+              </a:solidFill>
+            </a:ln>
+          </p:spPr>
+        </p:pic>
+        <p:pic>
+          <p:nvPicPr>
+            <p:cNvPr id="7" name="Picture 6"/>
+            <p:cNvPicPr>
+              <a:picLocks noChangeAspect="1"/>
+            </p:cNvPicPr>
+            <p:nvPr/>
+          </p:nvPicPr>
+          <p:blipFill>
+            <a:blip r:embed="rId3">
+              <a:extLst>
+                <a:ext uri="{28A0092B-C50C-407E-A947-70E740481C1C}">
+                  <a14:useLocalDpi xmlns:a14="http://schemas.microsoft.com/office/drawing/2010/main" val="0"/>
+                </a:ext>
+              </a:extLst>
+            </a:blip>
+            <a:stretch>
+              <a:fillRect/>
+            </a:stretch>
+          </p:blipFill>
+          <p:spPr>
+            <a:xfrm>
+              <a:off x="1462985" y="1806861"/>
+              <a:ext cx="720000" cy="470900"/>
+            </a:xfrm>
+            <a:prstGeom prst="rect">
+              <a:avLst/>
+            </a:prstGeom>
+          </p:spPr>
+        </p:pic>
+      </p:grpSp>
+    </p:spTree>
+    <p:extLst>
+      <p:ext uri="{BB962C8B-B14F-4D97-AF65-F5344CB8AC3E}">
+        <p14:creationId xmlns:p14="http://schemas.microsoft.com/office/powerpoint/2010/main" val="547351723"/>
+      </p:ext>
+    </p:extLst>
+  </p:cSld>
+  <p:clrMapOvr>
+    <a:masterClrMapping/>
+  </p:clrMapOvr>
+</p:sld>
+</file>
+
+<file path=ppt/slides/slide7.xml><?xml version="1.0" encoding="utf-8"?>
 <p:sld xmlns:a="http://schemas.openxmlformats.org/drawingml/2006/main" xmlns:r="http://schemas.openxmlformats.org/officeDocument/2006/relationships" xmlns:p="http://schemas.openxmlformats.org/presentationml/2006/main">
   <p:cSld>
     <p:spTree>
@@ -9176,7 +8789,7 @@
 </p:sld>
 </file>
 
-<file path=ppt/slides/slide7.xml><?xml version="1.0" encoding="utf-8"?>
+<file path=ppt/slides/slide8.xml><?xml version="1.0" encoding="utf-8"?>
 <p:sld xmlns:a="http://schemas.openxmlformats.org/drawingml/2006/main" xmlns:r="http://schemas.openxmlformats.org/officeDocument/2006/relationships" xmlns:p="http://schemas.openxmlformats.org/presentationml/2006/main">
   <p:cSld>
     <p:spTree>
@@ -10926,7 +10539,7 @@
 </p:sld>
 </file>
 
-<file path=ppt/slides/slide8.xml><?xml version="1.0" encoding="utf-8"?>
+<file path=ppt/slides/slide9.xml><?xml version="1.0" encoding="utf-8"?>
 <p:sld xmlns:a="http://schemas.openxmlformats.org/drawingml/2006/main" xmlns:r="http://schemas.openxmlformats.org/officeDocument/2006/relationships" xmlns:p="http://schemas.openxmlformats.org/presentationml/2006/main">
   <p:cSld>
     <p:spTree>
@@ -14605,995 +14218,6 @@
 </p:sld>
 </file>
 
-<file path=ppt/slides/slide9.xml><?xml version="1.0" encoding="utf-8"?>
-<p:sld xmlns:a="http://schemas.openxmlformats.org/drawingml/2006/main" xmlns:r="http://schemas.openxmlformats.org/officeDocument/2006/relationships" xmlns:p="http://schemas.openxmlformats.org/presentationml/2006/main">
-  <p:cSld>
-    <p:spTree>
-      <p:nvGrpSpPr>
-        <p:cNvPr id="1" name=""/>
-        <p:cNvGrpSpPr/>
-        <p:nvPr/>
-      </p:nvGrpSpPr>
-      <p:grpSpPr>
-        <a:xfrm>
-          <a:off x="0" y="0"/>
-          <a:ext cx="0" cy="0"/>
-          <a:chOff x="0" y="0"/>
-          <a:chExt cx="0" cy="0"/>
-        </a:xfrm>
-      </p:grpSpPr>
-      <p:sp>
-        <p:nvSpPr>
-          <p:cNvPr id="4" name="TextBox 3"/>
-          <p:cNvSpPr txBox="1"/>
-          <p:nvPr/>
-        </p:nvSpPr>
-        <p:spPr>
-          <a:xfrm>
-            <a:off x="0" y="0"/>
-            <a:ext cx="2136675" cy="369332"/>
-          </a:xfrm>
-          <a:prstGeom prst="rect">
-            <a:avLst/>
-          </a:prstGeom>
-          <a:noFill/>
-        </p:spPr>
-        <p:txBody>
-          <a:bodyPr wrap="none" rtlCol="0">
-            <a:spAutoFit/>
-          </a:bodyPr>
-          <a:lstStyle/>
-          <a:p>
-            <a:r>
-              <a:rPr lang="en-SG" dirty="0">
-                <a:latin typeface="Garamond" panose="02020404030301010803" pitchFamily="18" charset="0"/>
-              </a:rPr>
-              <a:t>Architecture Diagram</a:t>
-            </a:r>
-          </a:p>
-        </p:txBody>
-      </p:sp>
-      <p:grpSp>
-        <p:nvGrpSpPr>
-          <p:cNvPr id="2" name="Group 1"/>
-          <p:cNvGrpSpPr/>
-          <p:nvPr/>
-        </p:nvGrpSpPr>
-        <p:grpSpPr>
-          <a:xfrm>
-            <a:off x="2622102" y="1525696"/>
-            <a:ext cx="7101255" cy="3463636"/>
-            <a:chOff x="2622102" y="1525696"/>
-            <a:chExt cx="7101255" cy="3463636"/>
-          </a:xfrm>
-        </p:grpSpPr>
-        <p:grpSp>
-          <p:nvGrpSpPr>
-            <p:cNvPr id="44" name="Group 43"/>
-            <p:cNvGrpSpPr/>
-            <p:nvPr/>
-          </p:nvGrpSpPr>
-          <p:grpSpPr>
-            <a:xfrm>
-              <a:off x="2622102" y="1525696"/>
-              <a:ext cx="7101255" cy="3463636"/>
-              <a:chOff x="2594599" y="1542474"/>
-              <a:chExt cx="7101255" cy="3463636"/>
-            </a:xfrm>
-          </p:grpSpPr>
-          <p:sp>
-            <p:nvSpPr>
-              <p:cNvPr id="5" name="Rectangle 4"/>
-              <p:cNvSpPr/>
-              <p:nvPr/>
-            </p:nvSpPr>
-            <p:spPr>
-              <a:xfrm>
-                <a:off x="3454398" y="2505891"/>
-                <a:ext cx="5218547" cy="2500219"/>
-              </a:xfrm>
-              <a:prstGeom prst="rect">
-                <a:avLst/>
-              </a:prstGeom>
-              <a:solidFill>
-                <a:schemeClr val="bg1">
-                  <a:lumMod val="95000"/>
-                  <a:alpha val="43000"/>
-                </a:schemeClr>
-              </a:solidFill>
-              <a:ln w="19050">
-                <a:solidFill>
-                  <a:schemeClr val="bg2">
-                    <a:lumMod val="50000"/>
-                  </a:schemeClr>
-                </a:solidFill>
-              </a:ln>
-            </p:spPr>
-            <p:style>
-              <a:lnRef idx="2">
-                <a:schemeClr val="accent1">
-                  <a:shade val="50000"/>
-                </a:schemeClr>
-              </a:lnRef>
-              <a:fillRef idx="1">
-                <a:schemeClr val="accent1"/>
-              </a:fillRef>
-              <a:effectRef idx="0">
-                <a:schemeClr val="accent1"/>
-              </a:effectRef>
-              <a:fontRef idx="minor">
-                <a:schemeClr val="lt1"/>
-              </a:fontRef>
-            </p:style>
-            <p:txBody>
-              <a:bodyPr rtlCol="0" anchor="ctr"/>
-              <a:lstStyle/>
-              <a:p>
-                <a:pPr algn="ctr"/>
-                <a:r>
-                  <a:rPr lang="en-SG"/>
-                  <a:t> </a:t>
-                </a:r>
-              </a:p>
-            </p:txBody>
-          </p:sp>
-          <p:sp>
-            <p:nvSpPr>
-              <p:cNvPr id="11" name="Smiley Face 10"/>
-              <p:cNvSpPr/>
-              <p:nvPr/>
-            </p:nvSpPr>
-            <p:spPr>
-              <a:xfrm>
-                <a:off x="2594599" y="2883661"/>
-                <a:ext cx="508000" cy="480291"/>
-              </a:xfrm>
-              <a:prstGeom prst="smileyFace">
-                <a:avLst/>
-              </a:prstGeom>
-              <a:solidFill>
-                <a:schemeClr val="accent2">
-                  <a:lumMod val="20000"/>
-                  <a:lumOff val="80000"/>
-                </a:schemeClr>
-              </a:solidFill>
-              <a:ln>
-                <a:solidFill>
-                  <a:schemeClr val="bg2">
-                    <a:lumMod val="50000"/>
-                  </a:schemeClr>
-                </a:solidFill>
-              </a:ln>
-            </p:spPr>
-            <p:style>
-              <a:lnRef idx="1">
-                <a:schemeClr val="accent3"/>
-              </a:lnRef>
-              <a:fillRef idx="2">
-                <a:schemeClr val="accent3"/>
-              </a:fillRef>
-              <a:effectRef idx="1">
-                <a:schemeClr val="accent3"/>
-              </a:effectRef>
-              <a:fontRef idx="minor">
-                <a:schemeClr val="dk1"/>
-              </a:fontRef>
-            </p:style>
-            <p:txBody>
-              <a:bodyPr rtlCol="0" anchor="ctr"/>
-              <a:lstStyle/>
-              <a:p>
-                <a:pPr algn="ctr"/>
-                <a:endParaRPr lang="en-SG" dirty="0"/>
-              </a:p>
-            </p:txBody>
-          </p:sp>
-          <p:sp>
-            <p:nvSpPr>
-              <p:cNvPr id="13" name="Rectangle: Rounded Corners 12"/>
-              <p:cNvSpPr/>
-              <p:nvPr/>
-            </p:nvSpPr>
-            <p:spPr>
-              <a:xfrm>
-                <a:off x="3809995" y="2761670"/>
-                <a:ext cx="794329" cy="757381"/>
-              </a:xfrm>
-              <a:prstGeom prst="roundRect">
-                <a:avLst/>
-              </a:prstGeom>
-              <a:solidFill>
-                <a:schemeClr val="accent1">
-                  <a:lumMod val="20000"/>
-                  <a:lumOff val="80000"/>
-                </a:schemeClr>
-              </a:solidFill>
-              <a:ln>
-                <a:solidFill>
-                  <a:schemeClr val="accent1"/>
-                </a:solidFill>
-              </a:ln>
-            </p:spPr>
-            <p:style>
-              <a:lnRef idx="2">
-                <a:schemeClr val="accent1">
-                  <a:shade val="50000"/>
-                </a:schemeClr>
-              </a:lnRef>
-              <a:fillRef idx="1">
-                <a:schemeClr val="accent1"/>
-              </a:fillRef>
-              <a:effectRef idx="0">
-                <a:schemeClr val="accent1"/>
-              </a:effectRef>
-              <a:fontRef idx="minor">
-                <a:schemeClr val="lt1"/>
-              </a:fontRef>
-            </p:style>
-            <p:txBody>
-              <a:bodyPr rtlCol="0" anchor="ctr"/>
-              <a:lstStyle/>
-              <a:p>
-                <a:pPr algn="ctr"/>
-                <a:r>
-                  <a:rPr lang="en-SG" dirty="0">
-                    <a:solidFill>
-                      <a:schemeClr val="accent1"/>
-                    </a:solidFill>
-                    <a:latin typeface="Garamond" panose="02020404030301010803" pitchFamily="18" charset="0"/>
-                  </a:rPr>
-                  <a:t>UI</a:t>
-                </a:r>
-              </a:p>
-            </p:txBody>
-          </p:sp>
-          <p:cxnSp>
-            <p:nvCxnSpPr>
-              <p:cNvPr id="18" name="Straight Arrow Connector 17"/>
-              <p:cNvCxnSpPr/>
-              <p:nvPr/>
-            </p:nvCxnSpPr>
-            <p:spPr>
-              <a:xfrm>
-                <a:off x="3188855" y="3123807"/>
-                <a:ext cx="531086" cy="2"/>
-              </a:xfrm>
-              <a:prstGeom prst="straightConnector1">
-                <a:avLst/>
-              </a:prstGeom>
-              <a:ln w="38100">
-                <a:solidFill>
-                  <a:schemeClr val="accent2">
-                    <a:lumMod val="60000"/>
-                    <a:lumOff val="40000"/>
-                  </a:schemeClr>
-                </a:solidFill>
-                <a:headEnd type="none" w="med" len="med"/>
-                <a:tailEnd type="arrow" w="med" len="med"/>
-              </a:ln>
-            </p:spPr>
-            <p:style>
-              <a:lnRef idx="1">
-                <a:schemeClr val="accent1"/>
-              </a:lnRef>
-              <a:fillRef idx="0">
-                <a:schemeClr val="accent1"/>
-              </a:fillRef>
-              <a:effectRef idx="0">
-                <a:schemeClr val="accent1"/>
-              </a:effectRef>
-              <a:fontRef idx="minor">
-                <a:schemeClr val="tx1"/>
-              </a:fontRef>
-            </p:style>
-          </p:cxnSp>
-          <p:cxnSp>
-            <p:nvCxnSpPr>
-              <p:cNvPr id="20" name="Straight Arrow Connector 19"/>
-              <p:cNvCxnSpPr/>
-              <p:nvPr/>
-            </p:nvCxnSpPr>
-            <p:spPr>
-              <a:xfrm flipH="1" flipV="1">
-                <a:off x="4195603" y="2213345"/>
-                <a:ext cx="11556" cy="474438"/>
-              </a:xfrm>
-              <a:prstGeom prst="straightConnector1">
-                <a:avLst/>
-              </a:prstGeom>
-              <a:ln w="38100">
-                <a:solidFill>
-                  <a:schemeClr val="accent2">
-                    <a:lumMod val="60000"/>
-                    <a:lumOff val="40000"/>
-                  </a:schemeClr>
-                </a:solidFill>
-                <a:headEnd type="none" w="med" len="med"/>
-                <a:tailEnd type="arrow" w="med" len="med"/>
-              </a:ln>
-            </p:spPr>
-            <p:style>
-              <a:lnRef idx="1">
-                <a:schemeClr val="accent1"/>
-              </a:lnRef>
-              <a:fillRef idx="0">
-                <a:schemeClr val="accent1"/>
-              </a:fillRef>
-              <a:effectRef idx="0">
-                <a:schemeClr val="accent1"/>
-              </a:effectRef>
-              <a:fontRef idx="minor">
-                <a:schemeClr val="tx1"/>
-              </a:fontRef>
-            </p:style>
-          </p:cxnSp>
-          <p:sp>
-            <p:nvSpPr>
-              <p:cNvPr id="26" name="Cloud 25"/>
-              <p:cNvSpPr/>
-              <p:nvPr/>
-            </p:nvSpPr>
-            <p:spPr>
-              <a:xfrm>
-                <a:off x="3766112" y="1542474"/>
-                <a:ext cx="1295415" cy="633928"/>
-              </a:xfrm>
-              <a:prstGeom prst="cloud">
-                <a:avLst/>
-              </a:prstGeom>
-            </p:spPr>
-            <p:style>
-              <a:lnRef idx="1">
-                <a:schemeClr val="accent4"/>
-              </a:lnRef>
-              <a:fillRef idx="2">
-                <a:schemeClr val="accent4"/>
-              </a:fillRef>
-              <a:effectRef idx="1">
-                <a:schemeClr val="accent4"/>
-              </a:effectRef>
-              <a:fontRef idx="minor">
-                <a:schemeClr val="dk1"/>
-              </a:fontRef>
-            </p:style>
-            <p:txBody>
-              <a:bodyPr rtlCol="0" anchor="ctr"/>
-              <a:lstStyle/>
-              <a:p>
-                <a:pPr algn="ctr"/>
-                <a:r>
-                  <a:rPr lang="en-SG" dirty="0">
-                    <a:solidFill>
-                      <a:schemeClr val="accent2"/>
-                    </a:solidFill>
-                    <a:latin typeface="Garamond" panose="02020404030301010803" pitchFamily="18" charset="0"/>
-                  </a:rPr>
-                  <a:t>Web</a:t>
-                </a:r>
-              </a:p>
-            </p:txBody>
-          </p:sp>
-          <p:sp>
-            <p:nvSpPr>
-              <p:cNvPr id="27" name="Rectangle: Rounded Corners 26"/>
-              <p:cNvSpPr/>
-              <p:nvPr/>
-            </p:nvSpPr>
-            <p:spPr>
-              <a:xfrm>
-                <a:off x="5315518" y="2750003"/>
-                <a:ext cx="1168404" cy="757381"/>
-              </a:xfrm>
-              <a:prstGeom prst="roundRect">
-                <a:avLst/>
-              </a:prstGeom>
-              <a:solidFill>
-                <a:schemeClr val="accent2">
-                  <a:lumMod val="20000"/>
-                  <a:lumOff val="80000"/>
-                </a:schemeClr>
-              </a:solidFill>
-              <a:ln>
-                <a:solidFill>
-                  <a:schemeClr val="accent2"/>
-                </a:solidFill>
-              </a:ln>
-            </p:spPr>
-            <p:style>
-              <a:lnRef idx="2">
-                <a:schemeClr val="accent1">
-                  <a:shade val="50000"/>
-                </a:schemeClr>
-              </a:lnRef>
-              <a:fillRef idx="1">
-                <a:schemeClr val="accent1"/>
-              </a:fillRef>
-              <a:effectRef idx="0">
-                <a:schemeClr val="accent1"/>
-              </a:effectRef>
-              <a:fontRef idx="minor">
-                <a:schemeClr val="lt1"/>
-              </a:fontRef>
-            </p:style>
-            <p:txBody>
-              <a:bodyPr rtlCol="0" anchor="ctr"/>
-              <a:lstStyle/>
-              <a:p>
-                <a:pPr algn="ctr"/>
-                <a:r>
-                  <a:rPr lang="en-SG" dirty="0">
-                    <a:solidFill>
-                      <a:schemeClr val="accent2"/>
-                    </a:solidFill>
-                    <a:latin typeface="Garamond" panose="02020404030301010803" pitchFamily="18" charset="0"/>
-                  </a:rPr>
-                  <a:t>Control</a:t>
-                </a:r>
-              </a:p>
-            </p:txBody>
-          </p:sp>
-          <p:cxnSp>
-            <p:nvCxnSpPr>
-              <p:cNvPr id="28" name="Straight Arrow Connector 27"/>
-              <p:cNvCxnSpPr/>
-              <p:nvPr/>
-            </p:nvCxnSpPr>
-            <p:spPr>
-              <a:xfrm>
-                <a:off x="4694378" y="3128694"/>
-                <a:ext cx="531086" cy="2"/>
-              </a:xfrm>
-              <a:prstGeom prst="straightConnector1">
-                <a:avLst/>
-              </a:prstGeom>
-              <a:ln w="38100">
-                <a:solidFill>
-                  <a:schemeClr val="accent2">
-                    <a:lumMod val="60000"/>
-                    <a:lumOff val="40000"/>
-                  </a:schemeClr>
-                </a:solidFill>
-                <a:headEnd type="none" w="med" len="med"/>
-                <a:tailEnd type="arrow" w="med" len="med"/>
-              </a:ln>
-            </p:spPr>
-            <p:style>
-              <a:lnRef idx="1">
-                <a:schemeClr val="accent1"/>
-              </a:lnRef>
-              <a:fillRef idx="0">
-                <a:schemeClr val="accent1"/>
-              </a:fillRef>
-              <a:effectRef idx="0">
-                <a:schemeClr val="accent1"/>
-              </a:effectRef>
-              <a:fontRef idx="minor">
-                <a:schemeClr val="tx1"/>
-              </a:fontRef>
-            </p:style>
-          </p:cxnSp>
-          <p:cxnSp>
-            <p:nvCxnSpPr>
-              <p:cNvPr id="29" name="Straight Arrow Connector 28"/>
-              <p:cNvCxnSpPr/>
-              <p:nvPr/>
-            </p:nvCxnSpPr>
-            <p:spPr>
-              <a:xfrm>
-                <a:off x="6573976" y="3128691"/>
-                <a:ext cx="531086" cy="2"/>
-              </a:xfrm>
-              <a:prstGeom prst="straightConnector1">
-                <a:avLst/>
-              </a:prstGeom>
-              <a:ln w="38100">
-                <a:solidFill>
-                  <a:schemeClr val="accent2">
-                    <a:lumMod val="60000"/>
-                    <a:lumOff val="40000"/>
-                  </a:schemeClr>
-                </a:solidFill>
-                <a:headEnd type="none" w="med" len="med"/>
-                <a:tailEnd type="arrow" w="med" len="med"/>
-              </a:ln>
-            </p:spPr>
-            <p:style>
-              <a:lnRef idx="1">
-                <a:schemeClr val="accent1"/>
-              </a:lnRef>
-              <a:fillRef idx="0">
-                <a:schemeClr val="accent1"/>
-              </a:fillRef>
-              <a:effectRef idx="0">
-                <a:schemeClr val="accent1"/>
-              </a:effectRef>
-              <a:fontRef idx="minor">
-                <a:schemeClr val="tx1"/>
-              </a:fontRef>
-            </p:style>
-          </p:cxnSp>
-          <p:sp>
-            <p:nvSpPr>
-              <p:cNvPr id="30" name="Rectangle: Rounded Corners 29"/>
-              <p:cNvSpPr/>
-              <p:nvPr/>
-            </p:nvSpPr>
-            <p:spPr>
-              <a:xfrm>
-                <a:off x="7195116" y="2768471"/>
-                <a:ext cx="1168404" cy="757381"/>
-              </a:xfrm>
-              <a:prstGeom prst="roundRect">
-                <a:avLst/>
-              </a:prstGeom>
-              <a:solidFill>
-                <a:srgbClr val="FEC6DE"/>
-              </a:solidFill>
-              <a:ln>
-                <a:solidFill>
-                  <a:srgbClr val="D94584"/>
-                </a:solidFill>
-              </a:ln>
-            </p:spPr>
-            <p:style>
-              <a:lnRef idx="2">
-                <a:schemeClr val="accent1">
-                  <a:shade val="50000"/>
-                </a:schemeClr>
-              </a:lnRef>
-              <a:fillRef idx="1">
-                <a:schemeClr val="accent1"/>
-              </a:fillRef>
-              <a:effectRef idx="0">
-                <a:schemeClr val="accent1"/>
-              </a:effectRef>
-              <a:fontRef idx="minor">
-                <a:schemeClr val="lt1"/>
-              </a:fontRef>
-            </p:style>
-            <p:txBody>
-              <a:bodyPr rtlCol="0" anchor="ctr"/>
-              <a:lstStyle/>
-              <a:p>
-                <a:pPr algn="ctr"/>
-                <a:r>
-                  <a:rPr lang="en-SG" dirty="0">
-                    <a:solidFill>
-                      <a:srgbClr val="D94584"/>
-                    </a:solidFill>
-                    <a:latin typeface="Garamond" panose="02020404030301010803" pitchFamily="18" charset="0"/>
-                  </a:rPr>
-                  <a:t>Storage</a:t>
-                </a:r>
-              </a:p>
-            </p:txBody>
-          </p:sp>
-          <p:cxnSp>
-            <p:nvCxnSpPr>
-              <p:cNvPr id="31" name="Straight Arrow Connector 30"/>
-              <p:cNvCxnSpPr/>
-              <p:nvPr/>
-            </p:nvCxnSpPr>
-            <p:spPr>
-              <a:xfrm>
-                <a:off x="8453574" y="3126249"/>
-                <a:ext cx="531086" cy="2"/>
-              </a:xfrm>
-              <a:prstGeom prst="straightConnector1">
-                <a:avLst/>
-              </a:prstGeom>
-              <a:ln w="38100">
-                <a:solidFill>
-                  <a:schemeClr val="accent2">
-                    <a:lumMod val="60000"/>
-                    <a:lumOff val="40000"/>
-                  </a:schemeClr>
-                </a:solidFill>
-                <a:headEnd type="none" w="med" len="med"/>
-                <a:tailEnd type="arrow" w="med" len="med"/>
-              </a:ln>
-            </p:spPr>
-            <p:style>
-              <a:lnRef idx="1">
-                <a:schemeClr val="accent1"/>
-              </a:lnRef>
-              <a:fillRef idx="0">
-                <a:schemeClr val="accent1"/>
-              </a:fillRef>
-              <a:effectRef idx="0">
-                <a:schemeClr val="accent1"/>
-              </a:effectRef>
-              <a:fontRef idx="minor">
-                <a:schemeClr val="tx1"/>
-              </a:fontRef>
-            </p:style>
-          </p:cxnSp>
-          <p:pic>
-            <p:nvPicPr>
-              <p:cNvPr id="1026" name="Picture 2" descr="http://www.graphicsfuel.com/wp-content/uploads/2012/03/folder-icon-512x512.png"/>
-              <p:cNvPicPr>
-                <a:picLocks noChangeAspect="1" noChangeArrowheads="1"/>
-              </p:cNvPicPr>
-              <p:nvPr/>
-            </p:nvPicPr>
-            <p:blipFill>
-              <a:blip r:embed="rId2" cstate="print">
-                <a:extLst>
-                  <a:ext uri="{28A0092B-C50C-407E-A947-70E740481C1C}">
-                    <a14:useLocalDpi xmlns:a14="http://schemas.microsoft.com/office/drawing/2010/main" val="0"/>
-                  </a:ext>
-                </a:extLst>
-              </a:blip>
-              <a:srcRect/>
-              <a:stretch>
-                <a:fillRect/>
-              </a:stretch>
-            </p:blipFill>
-            <p:spPr bwMode="auto">
-              <a:xfrm>
-                <a:off x="9125104" y="2838432"/>
-                <a:ext cx="570750" cy="570750"/>
-              </a:xfrm>
-              <a:prstGeom prst="rect">
-                <a:avLst/>
-              </a:prstGeom>
-              <a:noFill/>
-              <a:extLst>
-                <a:ext uri="{909E8E84-426E-40DD-AFC4-6F175D3DCCD1}">
-                  <a14:hiddenFill xmlns:a14="http://schemas.microsoft.com/office/drawing/2010/main">
-                    <a:solidFill>
-                      <a:srgbClr val="FFFFFF"/>
-                    </a:solidFill>
-                  </a14:hiddenFill>
-                </a:ext>
-              </a:extLst>
-            </p:spPr>
-          </p:pic>
-          <p:sp>
-            <p:nvSpPr>
-              <p:cNvPr id="33" name="Rectangle: Rounded Corners 32"/>
-              <p:cNvSpPr/>
-              <p:nvPr/>
-            </p:nvSpPr>
-            <p:spPr>
-              <a:xfrm>
-                <a:off x="7028873" y="4020008"/>
-                <a:ext cx="1258458" cy="757381"/>
-              </a:xfrm>
-              <a:prstGeom prst="roundRect">
-                <a:avLst/>
-              </a:prstGeom>
-              <a:solidFill>
-                <a:schemeClr val="accent6">
-                  <a:lumMod val="20000"/>
-                  <a:lumOff val="80000"/>
-                </a:schemeClr>
-              </a:solidFill>
-              <a:ln>
-                <a:solidFill>
-                  <a:schemeClr val="accent6"/>
-                </a:solidFill>
-              </a:ln>
-            </p:spPr>
-            <p:style>
-              <a:lnRef idx="2">
-                <a:schemeClr val="accent1">
-                  <a:shade val="50000"/>
-                </a:schemeClr>
-              </a:lnRef>
-              <a:fillRef idx="1">
-                <a:schemeClr val="accent1"/>
-              </a:fillRef>
-              <a:effectRef idx="0">
-                <a:schemeClr val="accent1"/>
-              </a:effectRef>
-              <a:fontRef idx="minor">
-                <a:schemeClr val="lt1"/>
-              </a:fontRef>
-            </p:style>
-            <p:txBody>
-              <a:bodyPr rtlCol="0" anchor="ctr"/>
-              <a:lstStyle/>
-              <a:p>
-                <a:pPr algn="ctr"/>
-                <a:r>
-                  <a:rPr lang="en-SG" dirty="0">
-                    <a:solidFill>
-                      <a:schemeClr val="accent6"/>
-                    </a:solidFill>
-                    <a:latin typeface="Garamond" panose="02020404030301010803" pitchFamily="18" charset="0"/>
-                  </a:rPr>
-                  <a:t>Command</a:t>
-                </a:r>
-              </a:p>
-            </p:txBody>
-          </p:sp>
-          <p:cxnSp>
-            <p:nvCxnSpPr>
-              <p:cNvPr id="34" name="Straight Arrow Connector 33"/>
-              <p:cNvCxnSpPr/>
-              <p:nvPr/>
-            </p:nvCxnSpPr>
-            <p:spPr>
-              <a:xfrm>
-                <a:off x="6573976" y="3567006"/>
-                <a:ext cx="390242" cy="393381"/>
-              </a:xfrm>
-              <a:prstGeom prst="straightConnector1">
-                <a:avLst/>
-              </a:prstGeom>
-              <a:ln w="38100">
-                <a:solidFill>
-                  <a:schemeClr val="accent2">
-                    <a:lumMod val="60000"/>
-                    <a:lumOff val="40000"/>
-                  </a:schemeClr>
-                </a:solidFill>
-                <a:headEnd type="none" w="med" len="med"/>
-                <a:tailEnd type="arrow" w="med" len="med"/>
-              </a:ln>
-            </p:spPr>
-            <p:style>
-              <a:lnRef idx="1">
-                <a:schemeClr val="accent1"/>
-              </a:lnRef>
-              <a:fillRef idx="0">
-                <a:schemeClr val="accent1"/>
-              </a:fillRef>
-              <a:effectRef idx="0">
-                <a:schemeClr val="accent1"/>
-              </a:effectRef>
-              <a:fontRef idx="minor">
-                <a:schemeClr val="tx1"/>
-              </a:fontRef>
-            </p:style>
-          </p:cxnSp>
-          <p:cxnSp>
-            <p:nvCxnSpPr>
-              <p:cNvPr id="38" name="Straight Arrow Connector 37"/>
-              <p:cNvCxnSpPr/>
-              <p:nvPr/>
-            </p:nvCxnSpPr>
-            <p:spPr>
-              <a:xfrm flipV="1">
-                <a:off x="5899720" y="3567006"/>
-                <a:ext cx="0" cy="393381"/>
-              </a:xfrm>
-              <a:prstGeom prst="straightConnector1">
-                <a:avLst/>
-              </a:prstGeom>
-              <a:ln w="38100">
-                <a:solidFill>
-                  <a:schemeClr val="accent2">
-                    <a:lumMod val="60000"/>
-                    <a:lumOff val="40000"/>
-                  </a:schemeClr>
-                </a:solidFill>
-                <a:headEnd type="arrow" w="med" len="med"/>
-                <a:tailEnd type="none" w="med" len="med"/>
-              </a:ln>
-            </p:spPr>
-            <p:style>
-              <a:lnRef idx="1">
-                <a:schemeClr val="accent1"/>
-              </a:lnRef>
-              <a:fillRef idx="0">
-                <a:schemeClr val="accent1"/>
-              </a:fillRef>
-              <a:effectRef idx="0">
-                <a:schemeClr val="accent1"/>
-              </a:effectRef>
-              <a:fontRef idx="minor">
-                <a:schemeClr val="tx1"/>
-              </a:fontRef>
-            </p:style>
-          </p:cxnSp>
-          <p:sp>
-            <p:nvSpPr>
-              <p:cNvPr id="39" name="Rectangle: Rounded Corners 38"/>
-              <p:cNvSpPr/>
-              <p:nvPr/>
-            </p:nvSpPr>
-            <p:spPr>
-              <a:xfrm>
-                <a:off x="5315518" y="4020009"/>
-                <a:ext cx="1168404" cy="757381"/>
-              </a:xfrm>
-              <a:prstGeom prst="roundRect">
-                <a:avLst/>
-              </a:prstGeom>
-              <a:solidFill>
-                <a:schemeClr val="tx2">
-                  <a:lumMod val="20000"/>
-                  <a:lumOff val="80000"/>
-                </a:schemeClr>
-              </a:solidFill>
-              <a:ln>
-                <a:solidFill>
-                  <a:schemeClr val="tx2"/>
-                </a:solidFill>
-              </a:ln>
-            </p:spPr>
-            <p:style>
-              <a:lnRef idx="2">
-                <a:schemeClr val="accent1">
-                  <a:shade val="50000"/>
-                </a:schemeClr>
-              </a:lnRef>
-              <a:fillRef idx="1">
-                <a:schemeClr val="accent1"/>
-              </a:fillRef>
-              <a:effectRef idx="0">
-                <a:schemeClr val="accent1"/>
-              </a:effectRef>
-              <a:fontRef idx="minor">
-                <a:schemeClr val="lt1"/>
-              </a:fontRef>
-            </p:style>
-            <p:txBody>
-              <a:bodyPr rtlCol="0" anchor="ctr"/>
-              <a:lstStyle/>
-              <a:p>
-                <a:pPr algn="ctr"/>
-                <a:r>
-                  <a:rPr lang="en-SG" dirty="0">
-                    <a:solidFill>
-                      <a:schemeClr val="tx2"/>
-                    </a:solidFill>
-                    <a:latin typeface="Garamond" panose="02020404030301010803" pitchFamily="18" charset="0"/>
-                  </a:rPr>
-                  <a:t>Model</a:t>
-                </a:r>
-              </a:p>
-            </p:txBody>
-          </p:sp>
-          <p:sp>
-            <p:nvSpPr>
-              <p:cNvPr id="45" name="Rectangle: Rounded Corners 44"/>
-              <p:cNvSpPr/>
-              <p:nvPr/>
-            </p:nvSpPr>
-            <p:spPr>
-              <a:xfrm>
-                <a:off x="3622957" y="4020007"/>
-                <a:ext cx="1168404" cy="757381"/>
-              </a:xfrm>
-              <a:prstGeom prst="roundRect">
-                <a:avLst/>
-              </a:prstGeom>
-              <a:solidFill>
-                <a:srgbClr val="FBB7B7"/>
-              </a:solidFill>
-              <a:ln>
-                <a:solidFill>
-                  <a:srgbClr val="E3381B"/>
-                </a:solidFill>
-              </a:ln>
-            </p:spPr>
-            <p:style>
-              <a:lnRef idx="2">
-                <a:schemeClr val="accent1">
-                  <a:shade val="50000"/>
-                </a:schemeClr>
-              </a:lnRef>
-              <a:fillRef idx="1">
-                <a:schemeClr val="accent1"/>
-              </a:fillRef>
-              <a:effectRef idx="0">
-                <a:schemeClr val="accent1"/>
-              </a:effectRef>
-              <a:fontRef idx="minor">
-                <a:schemeClr val="lt1"/>
-              </a:fontRef>
-            </p:style>
-            <p:txBody>
-              <a:bodyPr rtlCol="0" anchor="ctr"/>
-              <a:lstStyle/>
-              <a:p>
-                <a:pPr algn="ctr"/>
-                <a:r>
-                  <a:rPr lang="en-SG" dirty="0">
-                    <a:solidFill>
-                      <a:srgbClr val="E3381B"/>
-                    </a:solidFill>
-                    <a:latin typeface="Garamond" panose="02020404030301010803" pitchFamily="18" charset="0"/>
-                  </a:rPr>
-                  <a:t>Main</a:t>
-                </a:r>
-              </a:p>
-            </p:txBody>
-          </p:sp>
-          <p:cxnSp>
-            <p:nvCxnSpPr>
-              <p:cNvPr id="46" name="Straight Arrow Connector 45"/>
-              <p:cNvCxnSpPr/>
-              <p:nvPr/>
-            </p:nvCxnSpPr>
-            <p:spPr>
-              <a:xfrm flipV="1">
-                <a:off x="4195603" y="3559309"/>
-                <a:ext cx="0" cy="393381"/>
-              </a:xfrm>
-              <a:prstGeom prst="straightConnector1">
-                <a:avLst/>
-              </a:prstGeom>
-              <a:ln w="38100">
-                <a:solidFill>
-                  <a:schemeClr val="accent2">
-                    <a:lumMod val="60000"/>
-                    <a:lumOff val="40000"/>
-                  </a:schemeClr>
-                </a:solidFill>
-                <a:headEnd type="none" w="med" len="med"/>
-                <a:tailEnd type="arrow" w="med" len="med"/>
-              </a:ln>
-            </p:spPr>
-            <p:style>
-              <a:lnRef idx="1">
-                <a:schemeClr val="accent1"/>
-              </a:lnRef>
-              <a:fillRef idx="0">
-                <a:schemeClr val="accent1"/>
-              </a:fillRef>
-              <a:effectRef idx="0">
-                <a:schemeClr val="accent1"/>
-              </a:effectRef>
-              <a:fontRef idx="minor">
-                <a:schemeClr val="tx1"/>
-              </a:fontRef>
-            </p:style>
-          </p:cxnSp>
-        </p:grpSp>
-        <p:sp>
-          <p:nvSpPr>
-            <p:cNvPr id="22" name="TextBox 21"/>
-            <p:cNvSpPr txBox="1"/>
-            <p:nvPr/>
-          </p:nvSpPr>
-          <p:spPr>
-            <a:xfrm>
-              <a:off x="2629880" y="3305940"/>
-              <a:ext cx="492443" cy="369332"/>
-            </a:xfrm>
-            <a:prstGeom prst="rect">
-              <a:avLst/>
-            </a:prstGeom>
-            <a:noFill/>
-          </p:spPr>
-          <p:txBody>
-            <a:bodyPr wrap="none" rtlCol="0">
-              <a:spAutoFit/>
-            </a:bodyPr>
-            <a:lstStyle/>
-            <a:p>
-              <a:r>
-                <a:rPr lang="en-SG" dirty="0">
-                  <a:solidFill>
-                    <a:schemeClr val="bg2">
-                      <a:lumMod val="50000"/>
-                    </a:schemeClr>
-                  </a:solidFill>
-                  <a:latin typeface="Garamond" panose="02020404030301010803" pitchFamily="18" charset="0"/>
-                </a:rPr>
-                <a:t>Jim</a:t>
-              </a:r>
-            </a:p>
-          </p:txBody>
-        </p:sp>
-      </p:grpSp>
-    </p:spTree>
-    <p:extLst>
-      <p:ext uri="{BB962C8B-B14F-4D97-AF65-F5344CB8AC3E}">
-        <p14:creationId xmlns:p14="http://schemas.microsoft.com/office/powerpoint/2010/main" val="1289237162"/>
-      </p:ext>
-    </p:extLst>
-  </p:cSld>
-  <p:clrMapOvr>
-    <a:masterClrMapping/>
-  </p:clrMapOvr>
-</p:sld>
-</file>
-
 <file path=ppt/theme/theme1.xml><?xml version="1.0" encoding="utf-8"?>
 <a:theme xmlns:a="http://schemas.openxmlformats.org/drawingml/2006/main" name="Office Theme">
   <a:themeElements>

--- a/doc/DeveloperGuide.pptx
+++ b/doc/DeveloperGuide.pptx
@@ -11,11 +11,10 @@
     <p:sldId id="267" r:id="rId5"/>
     <p:sldId id="268" r:id="rId6"/>
     <p:sldId id="269" r:id="rId7"/>
-    <p:sldId id="261" r:id="rId8"/>
-    <p:sldId id="262" r:id="rId9"/>
-    <p:sldId id="263" r:id="rId10"/>
-    <p:sldId id="258" r:id="rId11"/>
-    <p:sldId id="256" r:id="rId12"/>
+    <p:sldId id="270" r:id="rId8"/>
+    <p:sldId id="263" r:id="rId9"/>
+    <p:sldId id="258" r:id="rId10"/>
+    <p:sldId id="256" r:id="rId11"/>
   </p:sldIdLst>
   <p:sldSz cx="12192000" cy="6858000"/>
   <p:notesSz cx="6858000" cy="9144000"/>
@@ -3151,995 +3150,6 @@
 </file>
 
 <file path=ppt/slides/slide10.xml><?xml version="1.0" encoding="utf-8"?>
-<p:sld xmlns:a="http://schemas.openxmlformats.org/drawingml/2006/main" xmlns:r="http://schemas.openxmlformats.org/officeDocument/2006/relationships" xmlns:p="http://schemas.openxmlformats.org/presentationml/2006/main">
-  <p:cSld>
-    <p:spTree>
-      <p:nvGrpSpPr>
-        <p:cNvPr id="1" name=""/>
-        <p:cNvGrpSpPr/>
-        <p:nvPr/>
-      </p:nvGrpSpPr>
-      <p:grpSpPr>
-        <a:xfrm>
-          <a:off x="0" y="0"/>
-          <a:ext cx="0" cy="0"/>
-          <a:chOff x="0" y="0"/>
-          <a:chExt cx="0" cy="0"/>
-        </a:xfrm>
-      </p:grpSpPr>
-      <p:sp>
-        <p:nvSpPr>
-          <p:cNvPr id="4" name="TextBox 3"/>
-          <p:cNvSpPr txBox="1"/>
-          <p:nvPr/>
-        </p:nvSpPr>
-        <p:spPr>
-          <a:xfrm>
-            <a:off x="0" y="0"/>
-            <a:ext cx="2136675" cy="369332"/>
-          </a:xfrm>
-          <a:prstGeom prst="rect">
-            <a:avLst/>
-          </a:prstGeom>
-          <a:noFill/>
-        </p:spPr>
-        <p:txBody>
-          <a:bodyPr wrap="none" rtlCol="0">
-            <a:spAutoFit/>
-          </a:bodyPr>
-          <a:lstStyle/>
-          <a:p>
-            <a:r>
-              <a:rPr lang="en-SG" dirty="0">
-                <a:latin typeface="Garamond" panose="02020404030301010803" pitchFamily="18" charset="0"/>
-              </a:rPr>
-              <a:t>Architecture Diagram</a:t>
-            </a:r>
-          </a:p>
-        </p:txBody>
-      </p:sp>
-      <p:grpSp>
-        <p:nvGrpSpPr>
-          <p:cNvPr id="2" name="Group 1"/>
-          <p:cNvGrpSpPr/>
-          <p:nvPr/>
-        </p:nvGrpSpPr>
-        <p:grpSpPr>
-          <a:xfrm>
-            <a:off x="2622102" y="1525696"/>
-            <a:ext cx="7101255" cy="3463636"/>
-            <a:chOff x="2622102" y="1525696"/>
-            <a:chExt cx="7101255" cy="3463636"/>
-          </a:xfrm>
-        </p:grpSpPr>
-        <p:grpSp>
-          <p:nvGrpSpPr>
-            <p:cNvPr id="44" name="Group 43"/>
-            <p:cNvGrpSpPr/>
-            <p:nvPr/>
-          </p:nvGrpSpPr>
-          <p:grpSpPr>
-            <a:xfrm>
-              <a:off x="2622102" y="1525696"/>
-              <a:ext cx="7101255" cy="3463636"/>
-              <a:chOff x="2594599" y="1542474"/>
-              <a:chExt cx="7101255" cy="3463636"/>
-            </a:xfrm>
-          </p:grpSpPr>
-          <p:sp>
-            <p:nvSpPr>
-              <p:cNvPr id="5" name="Rectangle 4"/>
-              <p:cNvSpPr/>
-              <p:nvPr/>
-            </p:nvSpPr>
-            <p:spPr>
-              <a:xfrm>
-                <a:off x="3454398" y="2505891"/>
-                <a:ext cx="5218547" cy="2500219"/>
-              </a:xfrm>
-              <a:prstGeom prst="rect">
-                <a:avLst/>
-              </a:prstGeom>
-              <a:solidFill>
-                <a:schemeClr val="bg1">
-                  <a:lumMod val="95000"/>
-                  <a:alpha val="43000"/>
-                </a:schemeClr>
-              </a:solidFill>
-              <a:ln w="19050">
-                <a:solidFill>
-                  <a:schemeClr val="bg2">
-                    <a:lumMod val="50000"/>
-                  </a:schemeClr>
-                </a:solidFill>
-              </a:ln>
-            </p:spPr>
-            <p:style>
-              <a:lnRef idx="2">
-                <a:schemeClr val="accent1">
-                  <a:shade val="50000"/>
-                </a:schemeClr>
-              </a:lnRef>
-              <a:fillRef idx="1">
-                <a:schemeClr val="accent1"/>
-              </a:fillRef>
-              <a:effectRef idx="0">
-                <a:schemeClr val="accent1"/>
-              </a:effectRef>
-              <a:fontRef idx="minor">
-                <a:schemeClr val="lt1"/>
-              </a:fontRef>
-            </p:style>
-            <p:txBody>
-              <a:bodyPr rtlCol="0" anchor="ctr"/>
-              <a:lstStyle/>
-              <a:p>
-                <a:pPr algn="ctr"/>
-                <a:r>
-                  <a:rPr lang="en-SG"/>
-                  <a:t> </a:t>
-                </a:r>
-              </a:p>
-            </p:txBody>
-          </p:sp>
-          <p:sp>
-            <p:nvSpPr>
-              <p:cNvPr id="11" name="Smiley Face 10"/>
-              <p:cNvSpPr/>
-              <p:nvPr/>
-            </p:nvSpPr>
-            <p:spPr>
-              <a:xfrm>
-                <a:off x="2594599" y="2883661"/>
-                <a:ext cx="508000" cy="480291"/>
-              </a:xfrm>
-              <a:prstGeom prst="smileyFace">
-                <a:avLst/>
-              </a:prstGeom>
-              <a:solidFill>
-                <a:schemeClr val="accent2">
-                  <a:lumMod val="20000"/>
-                  <a:lumOff val="80000"/>
-                </a:schemeClr>
-              </a:solidFill>
-              <a:ln>
-                <a:solidFill>
-                  <a:schemeClr val="bg2">
-                    <a:lumMod val="50000"/>
-                  </a:schemeClr>
-                </a:solidFill>
-              </a:ln>
-            </p:spPr>
-            <p:style>
-              <a:lnRef idx="1">
-                <a:schemeClr val="accent3"/>
-              </a:lnRef>
-              <a:fillRef idx="2">
-                <a:schemeClr val="accent3"/>
-              </a:fillRef>
-              <a:effectRef idx="1">
-                <a:schemeClr val="accent3"/>
-              </a:effectRef>
-              <a:fontRef idx="minor">
-                <a:schemeClr val="dk1"/>
-              </a:fontRef>
-            </p:style>
-            <p:txBody>
-              <a:bodyPr rtlCol="0" anchor="ctr"/>
-              <a:lstStyle/>
-              <a:p>
-                <a:pPr algn="ctr"/>
-                <a:endParaRPr lang="en-SG" dirty="0"/>
-              </a:p>
-            </p:txBody>
-          </p:sp>
-          <p:sp>
-            <p:nvSpPr>
-              <p:cNvPr id="13" name="Rectangle: Rounded Corners 12"/>
-              <p:cNvSpPr/>
-              <p:nvPr/>
-            </p:nvSpPr>
-            <p:spPr>
-              <a:xfrm>
-                <a:off x="3809995" y="2761670"/>
-                <a:ext cx="794329" cy="757381"/>
-              </a:xfrm>
-              <a:prstGeom prst="roundRect">
-                <a:avLst/>
-              </a:prstGeom>
-              <a:solidFill>
-                <a:schemeClr val="accent1">
-                  <a:lumMod val="20000"/>
-                  <a:lumOff val="80000"/>
-                </a:schemeClr>
-              </a:solidFill>
-              <a:ln>
-                <a:solidFill>
-                  <a:schemeClr val="accent1"/>
-                </a:solidFill>
-              </a:ln>
-            </p:spPr>
-            <p:style>
-              <a:lnRef idx="2">
-                <a:schemeClr val="accent1">
-                  <a:shade val="50000"/>
-                </a:schemeClr>
-              </a:lnRef>
-              <a:fillRef idx="1">
-                <a:schemeClr val="accent1"/>
-              </a:fillRef>
-              <a:effectRef idx="0">
-                <a:schemeClr val="accent1"/>
-              </a:effectRef>
-              <a:fontRef idx="minor">
-                <a:schemeClr val="lt1"/>
-              </a:fontRef>
-            </p:style>
-            <p:txBody>
-              <a:bodyPr rtlCol="0" anchor="ctr"/>
-              <a:lstStyle/>
-              <a:p>
-                <a:pPr algn="ctr"/>
-                <a:r>
-                  <a:rPr lang="en-SG" dirty="0">
-                    <a:solidFill>
-                      <a:schemeClr val="accent1"/>
-                    </a:solidFill>
-                    <a:latin typeface="Garamond" panose="02020404030301010803" pitchFamily="18" charset="0"/>
-                  </a:rPr>
-                  <a:t>UI</a:t>
-                </a:r>
-              </a:p>
-            </p:txBody>
-          </p:sp>
-          <p:cxnSp>
-            <p:nvCxnSpPr>
-              <p:cNvPr id="18" name="Straight Arrow Connector 17"/>
-              <p:cNvCxnSpPr/>
-              <p:nvPr/>
-            </p:nvCxnSpPr>
-            <p:spPr>
-              <a:xfrm>
-                <a:off x="3188855" y="3123807"/>
-                <a:ext cx="531086" cy="2"/>
-              </a:xfrm>
-              <a:prstGeom prst="straightConnector1">
-                <a:avLst/>
-              </a:prstGeom>
-              <a:ln w="38100">
-                <a:solidFill>
-                  <a:schemeClr val="accent2">
-                    <a:lumMod val="60000"/>
-                    <a:lumOff val="40000"/>
-                  </a:schemeClr>
-                </a:solidFill>
-                <a:headEnd type="none" w="med" len="med"/>
-                <a:tailEnd type="arrow" w="med" len="med"/>
-              </a:ln>
-            </p:spPr>
-            <p:style>
-              <a:lnRef idx="1">
-                <a:schemeClr val="accent1"/>
-              </a:lnRef>
-              <a:fillRef idx="0">
-                <a:schemeClr val="accent1"/>
-              </a:fillRef>
-              <a:effectRef idx="0">
-                <a:schemeClr val="accent1"/>
-              </a:effectRef>
-              <a:fontRef idx="minor">
-                <a:schemeClr val="tx1"/>
-              </a:fontRef>
-            </p:style>
-          </p:cxnSp>
-          <p:cxnSp>
-            <p:nvCxnSpPr>
-              <p:cNvPr id="20" name="Straight Arrow Connector 19"/>
-              <p:cNvCxnSpPr/>
-              <p:nvPr/>
-            </p:nvCxnSpPr>
-            <p:spPr>
-              <a:xfrm flipH="1" flipV="1">
-                <a:off x="4195603" y="2213345"/>
-                <a:ext cx="11556" cy="474438"/>
-              </a:xfrm>
-              <a:prstGeom prst="straightConnector1">
-                <a:avLst/>
-              </a:prstGeom>
-              <a:ln w="38100">
-                <a:solidFill>
-                  <a:schemeClr val="accent2">
-                    <a:lumMod val="60000"/>
-                    <a:lumOff val="40000"/>
-                  </a:schemeClr>
-                </a:solidFill>
-                <a:headEnd type="none" w="med" len="med"/>
-                <a:tailEnd type="arrow" w="med" len="med"/>
-              </a:ln>
-            </p:spPr>
-            <p:style>
-              <a:lnRef idx="1">
-                <a:schemeClr val="accent1"/>
-              </a:lnRef>
-              <a:fillRef idx="0">
-                <a:schemeClr val="accent1"/>
-              </a:fillRef>
-              <a:effectRef idx="0">
-                <a:schemeClr val="accent1"/>
-              </a:effectRef>
-              <a:fontRef idx="minor">
-                <a:schemeClr val="tx1"/>
-              </a:fontRef>
-            </p:style>
-          </p:cxnSp>
-          <p:sp>
-            <p:nvSpPr>
-              <p:cNvPr id="26" name="Cloud 25"/>
-              <p:cNvSpPr/>
-              <p:nvPr/>
-            </p:nvSpPr>
-            <p:spPr>
-              <a:xfrm>
-                <a:off x="3766112" y="1542474"/>
-                <a:ext cx="1295415" cy="633928"/>
-              </a:xfrm>
-              <a:prstGeom prst="cloud">
-                <a:avLst/>
-              </a:prstGeom>
-            </p:spPr>
-            <p:style>
-              <a:lnRef idx="1">
-                <a:schemeClr val="accent4"/>
-              </a:lnRef>
-              <a:fillRef idx="2">
-                <a:schemeClr val="accent4"/>
-              </a:fillRef>
-              <a:effectRef idx="1">
-                <a:schemeClr val="accent4"/>
-              </a:effectRef>
-              <a:fontRef idx="minor">
-                <a:schemeClr val="dk1"/>
-              </a:fontRef>
-            </p:style>
-            <p:txBody>
-              <a:bodyPr rtlCol="0" anchor="ctr"/>
-              <a:lstStyle/>
-              <a:p>
-                <a:pPr algn="ctr"/>
-                <a:r>
-                  <a:rPr lang="en-SG" dirty="0">
-                    <a:solidFill>
-                      <a:schemeClr val="accent2"/>
-                    </a:solidFill>
-                    <a:latin typeface="Garamond" panose="02020404030301010803" pitchFamily="18" charset="0"/>
-                  </a:rPr>
-                  <a:t>Web</a:t>
-                </a:r>
-              </a:p>
-            </p:txBody>
-          </p:sp>
-          <p:sp>
-            <p:nvSpPr>
-              <p:cNvPr id="27" name="Rectangle: Rounded Corners 26"/>
-              <p:cNvSpPr/>
-              <p:nvPr/>
-            </p:nvSpPr>
-            <p:spPr>
-              <a:xfrm>
-                <a:off x="5315518" y="2750003"/>
-                <a:ext cx="1168404" cy="757381"/>
-              </a:xfrm>
-              <a:prstGeom prst="roundRect">
-                <a:avLst/>
-              </a:prstGeom>
-              <a:solidFill>
-                <a:schemeClr val="accent2">
-                  <a:lumMod val="20000"/>
-                  <a:lumOff val="80000"/>
-                </a:schemeClr>
-              </a:solidFill>
-              <a:ln>
-                <a:solidFill>
-                  <a:schemeClr val="accent2"/>
-                </a:solidFill>
-              </a:ln>
-            </p:spPr>
-            <p:style>
-              <a:lnRef idx="2">
-                <a:schemeClr val="accent1">
-                  <a:shade val="50000"/>
-                </a:schemeClr>
-              </a:lnRef>
-              <a:fillRef idx="1">
-                <a:schemeClr val="accent1"/>
-              </a:fillRef>
-              <a:effectRef idx="0">
-                <a:schemeClr val="accent1"/>
-              </a:effectRef>
-              <a:fontRef idx="minor">
-                <a:schemeClr val="lt1"/>
-              </a:fontRef>
-            </p:style>
-            <p:txBody>
-              <a:bodyPr rtlCol="0" anchor="ctr"/>
-              <a:lstStyle/>
-              <a:p>
-                <a:pPr algn="ctr"/>
-                <a:r>
-                  <a:rPr lang="en-SG" dirty="0">
-                    <a:solidFill>
-                      <a:schemeClr val="accent2"/>
-                    </a:solidFill>
-                    <a:latin typeface="Garamond" panose="02020404030301010803" pitchFamily="18" charset="0"/>
-                  </a:rPr>
-                  <a:t>Control</a:t>
-                </a:r>
-              </a:p>
-            </p:txBody>
-          </p:sp>
-          <p:cxnSp>
-            <p:nvCxnSpPr>
-              <p:cNvPr id="28" name="Straight Arrow Connector 27"/>
-              <p:cNvCxnSpPr/>
-              <p:nvPr/>
-            </p:nvCxnSpPr>
-            <p:spPr>
-              <a:xfrm>
-                <a:off x="4694378" y="3128694"/>
-                <a:ext cx="531086" cy="2"/>
-              </a:xfrm>
-              <a:prstGeom prst="straightConnector1">
-                <a:avLst/>
-              </a:prstGeom>
-              <a:ln w="38100">
-                <a:solidFill>
-                  <a:schemeClr val="accent2">
-                    <a:lumMod val="60000"/>
-                    <a:lumOff val="40000"/>
-                  </a:schemeClr>
-                </a:solidFill>
-                <a:headEnd type="none" w="med" len="med"/>
-                <a:tailEnd type="arrow" w="med" len="med"/>
-              </a:ln>
-            </p:spPr>
-            <p:style>
-              <a:lnRef idx="1">
-                <a:schemeClr val="accent1"/>
-              </a:lnRef>
-              <a:fillRef idx="0">
-                <a:schemeClr val="accent1"/>
-              </a:fillRef>
-              <a:effectRef idx="0">
-                <a:schemeClr val="accent1"/>
-              </a:effectRef>
-              <a:fontRef idx="minor">
-                <a:schemeClr val="tx1"/>
-              </a:fontRef>
-            </p:style>
-          </p:cxnSp>
-          <p:cxnSp>
-            <p:nvCxnSpPr>
-              <p:cNvPr id="29" name="Straight Arrow Connector 28"/>
-              <p:cNvCxnSpPr/>
-              <p:nvPr/>
-            </p:nvCxnSpPr>
-            <p:spPr>
-              <a:xfrm>
-                <a:off x="6573976" y="3128691"/>
-                <a:ext cx="531086" cy="2"/>
-              </a:xfrm>
-              <a:prstGeom prst="straightConnector1">
-                <a:avLst/>
-              </a:prstGeom>
-              <a:ln w="38100">
-                <a:solidFill>
-                  <a:schemeClr val="accent2">
-                    <a:lumMod val="60000"/>
-                    <a:lumOff val="40000"/>
-                  </a:schemeClr>
-                </a:solidFill>
-                <a:headEnd type="none" w="med" len="med"/>
-                <a:tailEnd type="arrow" w="med" len="med"/>
-              </a:ln>
-            </p:spPr>
-            <p:style>
-              <a:lnRef idx="1">
-                <a:schemeClr val="accent1"/>
-              </a:lnRef>
-              <a:fillRef idx="0">
-                <a:schemeClr val="accent1"/>
-              </a:fillRef>
-              <a:effectRef idx="0">
-                <a:schemeClr val="accent1"/>
-              </a:effectRef>
-              <a:fontRef idx="minor">
-                <a:schemeClr val="tx1"/>
-              </a:fontRef>
-            </p:style>
-          </p:cxnSp>
-          <p:sp>
-            <p:nvSpPr>
-              <p:cNvPr id="30" name="Rectangle: Rounded Corners 29"/>
-              <p:cNvSpPr/>
-              <p:nvPr/>
-            </p:nvSpPr>
-            <p:spPr>
-              <a:xfrm>
-                <a:off x="7195116" y="2768471"/>
-                <a:ext cx="1168404" cy="757381"/>
-              </a:xfrm>
-              <a:prstGeom prst="roundRect">
-                <a:avLst/>
-              </a:prstGeom>
-              <a:solidFill>
-                <a:srgbClr val="FEC6DE"/>
-              </a:solidFill>
-              <a:ln>
-                <a:solidFill>
-                  <a:srgbClr val="D94584"/>
-                </a:solidFill>
-              </a:ln>
-            </p:spPr>
-            <p:style>
-              <a:lnRef idx="2">
-                <a:schemeClr val="accent1">
-                  <a:shade val="50000"/>
-                </a:schemeClr>
-              </a:lnRef>
-              <a:fillRef idx="1">
-                <a:schemeClr val="accent1"/>
-              </a:fillRef>
-              <a:effectRef idx="0">
-                <a:schemeClr val="accent1"/>
-              </a:effectRef>
-              <a:fontRef idx="minor">
-                <a:schemeClr val="lt1"/>
-              </a:fontRef>
-            </p:style>
-            <p:txBody>
-              <a:bodyPr rtlCol="0" anchor="ctr"/>
-              <a:lstStyle/>
-              <a:p>
-                <a:pPr algn="ctr"/>
-                <a:r>
-                  <a:rPr lang="en-SG" dirty="0">
-                    <a:solidFill>
-                      <a:srgbClr val="D94584"/>
-                    </a:solidFill>
-                    <a:latin typeface="Garamond" panose="02020404030301010803" pitchFamily="18" charset="0"/>
-                  </a:rPr>
-                  <a:t>Storage</a:t>
-                </a:r>
-              </a:p>
-            </p:txBody>
-          </p:sp>
-          <p:cxnSp>
-            <p:nvCxnSpPr>
-              <p:cNvPr id="31" name="Straight Arrow Connector 30"/>
-              <p:cNvCxnSpPr/>
-              <p:nvPr/>
-            </p:nvCxnSpPr>
-            <p:spPr>
-              <a:xfrm>
-                <a:off x="8453574" y="3126249"/>
-                <a:ext cx="531086" cy="2"/>
-              </a:xfrm>
-              <a:prstGeom prst="straightConnector1">
-                <a:avLst/>
-              </a:prstGeom>
-              <a:ln w="38100">
-                <a:solidFill>
-                  <a:schemeClr val="accent2">
-                    <a:lumMod val="60000"/>
-                    <a:lumOff val="40000"/>
-                  </a:schemeClr>
-                </a:solidFill>
-                <a:headEnd type="none" w="med" len="med"/>
-                <a:tailEnd type="arrow" w="med" len="med"/>
-              </a:ln>
-            </p:spPr>
-            <p:style>
-              <a:lnRef idx="1">
-                <a:schemeClr val="accent1"/>
-              </a:lnRef>
-              <a:fillRef idx="0">
-                <a:schemeClr val="accent1"/>
-              </a:fillRef>
-              <a:effectRef idx="0">
-                <a:schemeClr val="accent1"/>
-              </a:effectRef>
-              <a:fontRef idx="minor">
-                <a:schemeClr val="tx1"/>
-              </a:fontRef>
-            </p:style>
-          </p:cxnSp>
-          <p:pic>
-            <p:nvPicPr>
-              <p:cNvPr id="1026" name="Picture 2" descr="http://www.graphicsfuel.com/wp-content/uploads/2012/03/folder-icon-512x512.png"/>
-              <p:cNvPicPr>
-                <a:picLocks noChangeAspect="1" noChangeArrowheads="1"/>
-              </p:cNvPicPr>
-              <p:nvPr/>
-            </p:nvPicPr>
-            <p:blipFill>
-              <a:blip r:embed="rId2" cstate="print">
-                <a:extLst>
-                  <a:ext uri="{28A0092B-C50C-407E-A947-70E740481C1C}">
-                    <a14:useLocalDpi xmlns:a14="http://schemas.microsoft.com/office/drawing/2010/main" val="0"/>
-                  </a:ext>
-                </a:extLst>
-              </a:blip>
-              <a:srcRect/>
-              <a:stretch>
-                <a:fillRect/>
-              </a:stretch>
-            </p:blipFill>
-            <p:spPr bwMode="auto">
-              <a:xfrm>
-                <a:off x="9125104" y="2838432"/>
-                <a:ext cx="570750" cy="570750"/>
-              </a:xfrm>
-              <a:prstGeom prst="rect">
-                <a:avLst/>
-              </a:prstGeom>
-              <a:noFill/>
-              <a:extLst>
-                <a:ext uri="{909E8E84-426E-40DD-AFC4-6F175D3DCCD1}">
-                  <a14:hiddenFill xmlns:a14="http://schemas.microsoft.com/office/drawing/2010/main">
-                    <a:solidFill>
-                      <a:srgbClr val="FFFFFF"/>
-                    </a:solidFill>
-                  </a14:hiddenFill>
-                </a:ext>
-              </a:extLst>
-            </p:spPr>
-          </p:pic>
-          <p:sp>
-            <p:nvSpPr>
-              <p:cNvPr id="33" name="Rectangle: Rounded Corners 32"/>
-              <p:cNvSpPr/>
-              <p:nvPr/>
-            </p:nvSpPr>
-            <p:spPr>
-              <a:xfrm>
-                <a:off x="7028873" y="4020008"/>
-                <a:ext cx="1258458" cy="757381"/>
-              </a:xfrm>
-              <a:prstGeom prst="roundRect">
-                <a:avLst/>
-              </a:prstGeom>
-              <a:solidFill>
-                <a:schemeClr val="accent6">
-                  <a:lumMod val="20000"/>
-                  <a:lumOff val="80000"/>
-                </a:schemeClr>
-              </a:solidFill>
-              <a:ln>
-                <a:solidFill>
-                  <a:schemeClr val="accent6"/>
-                </a:solidFill>
-              </a:ln>
-            </p:spPr>
-            <p:style>
-              <a:lnRef idx="2">
-                <a:schemeClr val="accent1">
-                  <a:shade val="50000"/>
-                </a:schemeClr>
-              </a:lnRef>
-              <a:fillRef idx="1">
-                <a:schemeClr val="accent1"/>
-              </a:fillRef>
-              <a:effectRef idx="0">
-                <a:schemeClr val="accent1"/>
-              </a:effectRef>
-              <a:fontRef idx="minor">
-                <a:schemeClr val="lt1"/>
-              </a:fontRef>
-            </p:style>
-            <p:txBody>
-              <a:bodyPr rtlCol="0" anchor="ctr"/>
-              <a:lstStyle/>
-              <a:p>
-                <a:pPr algn="ctr"/>
-                <a:r>
-                  <a:rPr lang="en-SG" dirty="0">
-                    <a:solidFill>
-                      <a:schemeClr val="accent6"/>
-                    </a:solidFill>
-                    <a:latin typeface="Garamond" panose="02020404030301010803" pitchFamily="18" charset="0"/>
-                  </a:rPr>
-                  <a:t>Command</a:t>
-                </a:r>
-              </a:p>
-            </p:txBody>
-          </p:sp>
-          <p:cxnSp>
-            <p:nvCxnSpPr>
-              <p:cNvPr id="34" name="Straight Arrow Connector 33"/>
-              <p:cNvCxnSpPr/>
-              <p:nvPr/>
-            </p:nvCxnSpPr>
-            <p:spPr>
-              <a:xfrm>
-                <a:off x="6573976" y="3567006"/>
-                <a:ext cx="390242" cy="393381"/>
-              </a:xfrm>
-              <a:prstGeom prst="straightConnector1">
-                <a:avLst/>
-              </a:prstGeom>
-              <a:ln w="38100">
-                <a:solidFill>
-                  <a:schemeClr val="accent2">
-                    <a:lumMod val="60000"/>
-                    <a:lumOff val="40000"/>
-                  </a:schemeClr>
-                </a:solidFill>
-                <a:headEnd type="none" w="med" len="med"/>
-                <a:tailEnd type="arrow" w="med" len="med"/>
-              </a:ln>
-            </p:spPr>
-            <p:style>
-              <a:lnRef idx="1">
-                <a:schemeClr val="accent1"/>
-              </a:lnRef>
-              <a:fillRef idx="0">
-                <a:schemeClr val="accent1"/>
-              </a:fillRef>
-              <a:effectRef idx="0">
-                <a:schemeClr val="accent1"/>
-              </a:effectRef>
-              <a:fontRef idx="minor">
-                <a:schemeClr val="tx1"/>
-              </a:fontRef>
-            </p:style>
-          </p:cxnSp>
-          <p:cxnSp>
-            <p:nvCxnSpPr>
-              <p:cNvPr id="38" name="Straight Arrow Connector 37"/>
-              <p:cNvCxnSpPr/>
-              <p:nvPr/>
-            </p:nvCxnSpPr>
-            <p:spPr>
-              <a:xfrm flipV="1">
-                <a:off x="5899720" y="3567006"/>
-                <a:ext cx="0" cy="393381"/>
-              </a:xfrm>
-              <a:prstGeom prst="straightConnector1">
-                <a:avLst/>
-              </a:prstGeom>
-              <a:ln w="38100">
-                <a:solidFill>
-                  <a:schemeClr val="accent2">
-                    <a:lumMod val="60000"/>
-                    <a:lumOff val="40000"/>
-                  </a:schemeClr>
-                </a:solidFill>
-                <a:headEnd type="arrow" w="med" len="med"/>
-                <a:tailEnd type="none" w="med" len="med"/>
-              </a:ln>
-            </p:spPr>
-            <p:style>
-              <a:lnRef idx="1">
-                <a:schemeClr val="accent1"/>
-              </a:lnRef>
-              <a:fillRef idx="0">
-                <a:schemeClr val="accent1"/>
-              </a:fillRef>
-              <a:effectRef idx="0">
-                <a:schemeClr val="accent1"/>
-              </a:effectRef>
-              <a:fontRef idx="minor">
-                <a:schemeClr val="tx1"/>
-              </a:fontRef>
-            </p:style>
-          </p:cxnSp>
-          <p:sp>
-            <p:nvSpPr>
-              <p:cNvPr id="39" name="Rectangle: Rounded Corners 38"/>
-              <p:cNvSpPr/>
-              <p:nvPr/>
-            </p:nvSpPr>
-            <p:spPr>
-              <a:xfrm>
-                <a:off x="5315518" y="4020009"/>
-                <a:ext cx="1168404" cy="757381"/>
-              </a:xfrm>
-              <a:prstGeom prst="roundRect">
-                <a:avLst/>
-              </a:prstGeom>
-              <a:solidFill>
-                <a:schemeClr val="tx2">
-                  <a:lumMod val="20000"/>
-                  <a:lumOff val="80000"/>
-                </a:schemeClr>
-              </a:solidFill>
-              <a:ln>
-                <a:solidFill>
-                  <a:schemeClr val="tx2"/>
-                </a:solidFill>
-              </a:ln>
-            </p:spPr>
-            <p:style>
-              <a:lnRef idx="2">
-                <a:schemeClr val="accent1">
-                  <a:shade val="50000"/>
-                </a:schemeClr>
-              </a:lnRef>
-              <a:fillRef idx="1">
-                <a:schemeClr val="accent1"/>
-              </a:fillRef>
-              <a:effectRef idx="0">
-                <a:schemeClr val="accent1"/>
-              </a:effectRef>
-              <a:fontRef idx="minor">
-                <a:schemeClr val="lt1"/>
-              </a:fontRef>
-            </p:style>
-            <p:txBody>
-              <a:bodyPr rtlCol="0" anchor="ctr"/>
-              <a:lstStyle/>
-              <a:p>
-                <a:pPr algn="ctr"/>
-                <a:r>
-                  <a:rPr lang="en-SG" dirty="0">
-                    <a:solidFill>
-                      <a:schemeClr val="tx2"/>
-                    </a:solidFill>
-                    <a:latin typeface="Garamond" panose="02020404030301010803" pitchFamily="18" charset="0"/>
-                  </a:rPr>
-                  <a:t>Model</a:t>
-                </a:r>
-              </a:p>
-            </p:txBody>
-          </p:sp>
-          <p:sp>
-            <p:nvSpPr>
-              <p:cNvPr id="45" name="Rectangle: Rounded Corners 44"/>
-              <p:cNvSpPr/>
-              <p:nvPr/>
-            </p:nvSpPr>
-            <p:spPr>
-              <a:xfrm>
-                <a:off x="3622957" y="4020007"/>
-                <a:ext cx="1168404" cy="757381"/>
-              </a:xfrm>
-              <a:prstGeom prst="roundRect">
-                <a:avLst/>
-              </a:prstGeom>
-              <a:solidFill>
-                <a:srgbClr val="FBB7B7"/>
-              </a:solidFill>
-              <a:ln>
-                <a:solidFill>
-                  <a:srgbClr val="E3381B"/>
-                </a:solidFill>
-              </a:ln>
-            </p:spPr>
-            <p:style>
-              <a:lnRef idx="2">
-                <a:schemeClr val="accent1">
-                  <a:shade val="50000"/>
-                </a:schemeClr>
-              </a:lnRef>
-              <a:fillRef idx="1">
-                <a:schemeClr val="accent1"/>
-              </a:fillRef>
-              <a:effectRef idx="0">
-                <a:schemeClr val="accent1"/>
-              </a:effectRef>
-              <a:fontRef idx="minor">
-                <a:schemeClr val="lt1"/>
-              </a:fontRef>
-            </p:style>
-            <p:txBody>
-              <a:bodyPr rtlCol="0" anchor="ctr"/>
-              <a:lstStyle/>
-              <a:p>
-                <a:pPr algn="ctr"/>
-                <a:r>
-                  <a:rPr lang="en-SG" dirty="0">
-                    <a:solidFill>
-                      <a:srgbClr val="E3381B"/>
-                    </a:solidFill>
-                    <a:latin typeface="Garamond" panose="02020404030301010803" pitchFamily="18" charset="0"/>
-                  </a:rPr>
-                  <a:t>Main</a:t>
-                </a:r>
-              </a:p>
-            </p:txBody>
-          </p:sp>
-          <p:cxnSp>
-            <p:nvCxnSpPr>
-              <p:cNvPr id="46" name="Straight Arrow Connector 45"/>
-              <p:cNvCxnSpPr/>
-              <p:nvPr/>
-            </p:nvCxnSpPr>
-            <p:spPr>
-              <a:xfrm flipV="1">
-                <a:off x="4195603" y="3559309"/>
-                <a:ext cx="0" cy="393381"/>
-              </a:xfrm>
-              <a:prstGeom prst="straightConnector1">
-                <a:avLst/>
-              </a:prstGeom>
-              <a:ln w="38100">
-                <a:solidFill>
-                  <a:schemeClr val="accent2">
-                    <a:lumMod val="60000"/>
-                    <a:lumOff val="40000"/>
-                  </a:schemeClr>
-                </a:solidFill>
-                <a:headEnd type="none" w="med" len="med"/>
-                <a:tailEnd type="arrow" w="med" len="med"/>
-              </a:ln>
-            </p:spPr>
-            <p:style>
-              <a:lnRef idx="1">
-                <a:schemeClr val="accent1"/>
-              </a:lnRef>
-              <a:fillRef idx="0">
-                <a:schemeClr val="accent1"/>
-              </a:fillRef>
-              <a:effectRef idx="0">
-                <a:schemeClr val="accent1"/>
-              </a:effectRef>
-              <a:fontRef idx="minor">
-                <a:schemeClr val="tx1"/>
-              </a:fontRef>
-            </p:style>
-          </p:cxnSp>
-        </p:grpSp>
-        <p:sp>
-          <p:nvSpPr>
-            <p:cNvPr id="22" name="TextBox 21"/>
-            <p:cNvSpPr txBox="1"/>
-            <p:nvPr/>
-          </p:nvSpPr>
-          <p:spPr>
-            <a:xfrm>
-              <a:off x="2629880" y="3305940"/>
-              <a:ext cx="492443" cy="369332"/>
-            </a:xfrm>
-            <a:prstGeom prst="rect">
-              <a:avLst/>
-            </a:prstGeom>
-            <a:noFill/>
-          </p:spPr>
-          <p:txBody>
-            <a:bodyPr wrap="none" rtlCol="0">
-              <a:spAutoFit/>
-            </a:bodyPr>
-            <a:lstStyle/>
-            <a:p>
-              <a:r>
-                <a:rPr lang="en-SG" dirty="0">
-                  <a:solidFill>
-                    <a:schemeClr val="bg2">
-                      <a:lumMod val="50000"/>
-                    </a:schemeClr>
-                  </a:solidFill>
-                  <a:latin typeface="Garamond" panose="02020404030301010803" pitchFamily="18" charset="0"/>
-                </a:rPr>
-                <a:t>Jim</a:t>
-              </a:r>
-            </a:p>
-          </p:txBody>
-        </p:sp>
-      </p:grpSp>
-    </p:spTree>
-    <p:extLst>
-      <p:ext uri="{BB962C8B-B14F-4D97-AF65-F5344CB8AC3E}">
-        <p14:creationId xmlns:p14="http://schemas.microsoft.com/office/powerpoint/2010/main" val="1289237162"/>
-      </p:ext>
-    </p:extLst>
-  </p:cSld>
-  <p:clrMapOvr>
-    <a:masterClrMapping/>
-  </p:clrMapOvr>
-</p:sld>
-</file>
-
-<file path=ppt/slides/slide11.xml><?xml version="1.0" encoding="utf-8"?>
 <p:sld xmlns:a="http://schemas.openxmlformats.org/drawingml/2006/main" xmlns:r="http://schemas.openxmlformats.org/officeDocument/2006/relationships" xmlns:p="http://schemas.openxmlformats.org/presentationml/2006/main">
   <p:cSld>
     <p:spTree>
@@ -6781,7 +5791,7 @@
       </p:grpSpPr>
       <p:grpSp>
         <p:nvGrpSpPr>
-          <p:cNvPr id="6" name="Group 5"/>
+          <p:cNvPr id="4" name="Group 3"/>
           <p:cNvGrpSpPr/>
           <p:nvPr/>
         </p:nvGrpSpPr>
@@ -6789,7 +5799,7 @@
           <a:xfrm>
             <a:off x="1253260" y="1437746"/>
             <a:ext cx="9000000" cy="4157045"/>
-            <a:chOff x="1462985" y="1806861"/>
+            <a:chOff x="1253260" y="1437746"/>
             <a:chExt cx="9000000" cy="4157045"/>
           </a:xfrm>
         </p:grpSpPr>
@@ -6801,7 +5811,7 @@
           </p:nvSpPr>
           <p:spPr>
             <a:xfrm>
-              <a:off x="1462985" y="5563796"/>
+              <a:off x="1253260" y="5194681"/>
               <a:ext cx="3796232" cy="400110"/>
             </a:xfrm>
             <a:prstGeom prst="rect">
@@ -6829,7 +5839,7 @@
         </p:sp>
         <p:pic>
           <p:nvPicPr>
-            <p:cNvPr id="3" name="Picture 2"/>
+            <p:cNvPr id="7" name="Picture 6"/>
             <p:cNvPicPr>
               <a:picLocks noChangeAspect="1"/>
             </p:cNvPicPr>
@@ -6849,22 +5859,17 @@
           </p:blipFill>
           <p:spPr>
             <a:xfrm>
-              <a:off x="1462985" y="1806861"/>
-              <a:ext cx="9000000" cy="3756935"/>
+              <a:off x="1253260" y="1437746"/>
+              <a:ext cx="720000" cy="470900"/>
             </a:xfrm>
             <a:prstGeom prst="rect">
               <a:avLst/>
             </a:prstGeom>
-            <a:ln>
-              <a:solidFill>
-                <a:schemeClr val="accent1"/>
-              </a:solidFill>
-            </a:ln>
           </p:spPr>
         </p:pic>
         <p:pic>
           <p:nvPicPr>
-            <p:cNvPr id="7" name="Picture 6"/>
+            <p:cNvPr id="2" name="Picture 1"/>
             <p:cNvPicPr>
               <a:picLocks noChangeAspect="1"/>
             </p:cNvPicPr>
@@ -6884,12 +5889,17 @@
           </p:blipFill>
           <p:spPr>
             <a:xfrm>
-              <a:off x="1462985" y="1806861"/>
-              <a:ext cx="720000" cy="470900"/>
+              <a:off x="1253260" y="1437746"/>
+              <a:ext cx="9000000" cy="3756935"/>
             </a:xfrm>
             <a:prstGeom prst="rect">
               <a:avLst/>
             </a:prstGeom>
+            <a:ln>
+              <a:solidFill>
+                <a:schemeClr val="accent1"/>
+              </a:solidFill>
+            </a:ln>
           </p:spPr>
         </p:pic>
       </p:grpSp>
@@ -6923,1863 +5933,89 @@
           <a:chExt cx="0" cy="0"/>
         </a:xfrm>
       </p:grpSpPr>
-      <p:sp>
-        <p:nvSpPr>
-          <p:cNvPr id="4" name="TextBox 3"/>
-          <p:cNvSpPr txBox="1"/>
-          <p:nvPr/>
-        </p:nvSpPr>
-        <p:spPr>
-          <a:xfrm>
-            <a:off x="0" y="0"/>
-            <a:ext cx="1945725" cy="369332"/>
-          </a:xfrm>
-          <a:prstGeom prst="rect">
-            <a:avLst/>
-          </a:prstGeom>
-          <a:noFill/>
-        </p:spPr>
-        <p:txBody>
-          <a:bodyPr wrap="none" rtlCol="0">
-            <a:spAutoFit/>
-          </a:bodyPr>
-          <a:lstStyle/>
-          <a:p>
-            <a:r>
-              <a:rPr lang="en-SG" dirty="0">
-                <a:latin typeface="Garamond" panose="02020404030301010803" pitchFamily="18" charset="0"/>
-              </a:rPr>
-              <a:t>Controller Diagram</a:t>
-            </a:r>
-          </a:p>
-        </p:txBody>
-      </p:sp>
       <p:grpSp>
         <p:nvGrpSpPr>
-          <p:cNvPr id="43" name="Group 42"/>
+          <p:cNvPr id="5" name="Group 4"/>
           <p:cNvGrpSpPr/>
           <p:nvPr/>
         </p:nvGrpSpPr>
         <p:grpSpPr>
           <a:xfrm>
-            <a:off x="192128" y="518856"/>
-            <a:ext cx="11846594" cy="6153665"/>
-            <a:chOff x="192128" y="518856"/>
-            <a:chExt cx="11846594" cy="6153665"/>
+            <a:off x="2217994" y="0"/>
+            <a:ext cx="7453647" cy="5950708"/>
+            <a:chOff x="2217994" y="0"/>
+            <a:chExt cx="7453647" cy="5950708"/>
           </a:xfrm>
         </p:grpSpPr>
-        <p:grpSp>
-          <p:nvGrpSpPr>
-            <p:cNvPr id="82" name="Group 81"/>
-            <p:cNvGrpSpPr/>
+        <p:sp>
+          <p:nvSpPr>
+            <p:cNvPr id="9" name="TextBox 8"/>
+            <p:cNvSpPr txBox="1"/>
             <p:nvPr/>
-          </p:nvGrpSpPr>
-          <p:grpSpPr>
+          </p:nvSpPr>
+          <p:spPr>
             <a:xfrm>
-              <a:off x="192128" y="518856"/>
-              <a:ext cx="11846594" cy="6153665"/>
-              <a:chOff x="221003" y="605481"/>
-              <a:chExt cx="11846594" cy="6153665"/>
+              <a:off x="2276717" y="5550598"/>
+              <a:ext cx="5843266" cy="400110"/>
             </a:xfrm>
-          </p:grpSpPr>
-          <p:sp>
-            <p:nvSpPr>
-              <p:cNvPr id="25" name="Rectangle: Rounded Corners 24"/>
-              <p:cNvSpPr/>
-              <p:nvPr/>
-            </p:nvSpPr>
-            <p:spPr>
-              <a:xfrm>
-                <a:off x="2154219" y="605481"/>
-                <a:ext cx="7058723" cy="6153665"/>
-              </a:xfrm>
-              <a:prstGeom prst="roundRect">
-                <a:avLst/>
-              </a:prstGeom>
-              <a:ln/>
-            </p:spPr>
-            <p:style>
-              <a:lnRef idx="2">
-                <a:schemeClr val="accent1"/>
-              </a:lnRef>
-              <a:fillRef idx="1">
-                <a:schemeClr val="lt1"/>
-              </a:fillRef>
-              <a:effectRef idx="0">
-                <a:schemeClr val="accent1"/>
-              </a:effectRef>
-              <a:fontRef idx="minor">
-                <a:schemeClr val="dk1"/>
-              </a:fontRef>
-            </p:style>
-            <p:txBody>
-              <a:bodyPr rtlCol="0" anchor="ctr"/>
-              <a:lstStyle/>
-              <a:p>
-                <a:pPr algn="ctr"/>
-                <a:endParaRPr lang="en-SG" dirty="0">
-                  <a:solidFill>
-                    <a:schemeClr val="accent2"/>
-                  </a:solidFill>
-                </a:endParaRPr>
-              </a:p>
-            </p:txBody>
-          </p:sp>
-          <p:sp>
-            <p:nvSpPr>
-              <p:cNvPr id="7" name="Rectangle 6"/>
-              <p:cNvSpPr/>
-              <p:nvPr/>
-            </p:nvSpPr>
-            <p:spPr>
-              <a:xfrm>
-                <a:off x="2388791" y="1506610"/>
-                <a:ext cx="1592370" cy="533885"/>
-              </a:xfrm>
-              <a:prstGeom prst="rect">
-                <a:avLst/>
-              </a:prstGeom>
-              <a:gradFill>
-                <a:gsLst>
-                  <a:gs pos="29000">
-                    <a:schemeClr val="accent1">
-                      <a:lumMod val="40000"/>
-                      <a:lumOff val="60000"/>
-                    </a:schemeClr>
-                  </a:gs>
-                  <a:gs pos="100000">
-                    <a:schemeClr val="accent1">
-                      <a:lumMod val="20000"/>
-                      <a:lumOff val="80000"/>
-                    </a:schemeClr>
-                  </a:gs>
-                </a:gsLst>
-                <a:lin ang="5400000" scaled="1"/>
-              </a:gradFill>
-              <a:ln w="12700">
-                <a:solidFill>
-                  <a:schemeClr val="accent1"/>
-                </a:solidFill>
-              </a:ln>
-            </p:spPr>
-            <p:style>
-              <a:lnRef idx="1">
-                <a:schemeClr val="accent6"/>
-              </a:lnRef>
-              <a:fillRef idx="2">
-                <a:schemeClr val="accent6"/>
-              </a:fillRef>
-              <a:effectRef idx="1">
-                <a:schemeClr val="accent6"/>
-              </a:effectRef>
-              <a:fontRef idx="minor">
-                <a:schemeClr val="dk1"/>
-              </a:fontRef>
-            </p:style>
-            <p:txBody>
-              <a:bodyPr rtlCol="0" anchor="ctr"/>
-              <a:lstStyle/>
-              <a:p>
-                <a:pPr algn="ctr"/>
-                <a:r>
-                  <a:rPr lang="en-SG" sz="1400" dirty="0" err="1">
-                    <a:solidFill>
-                      <a:schemeClr val="accent1"/>
-                    </a:solidFill>
-                  </a:rPr>
-                  <a:t>MainWindow</a:t>
-                </a:r>
-                <a:r>
-                  <a:rPr lang="en-SG" sz="1400" dirty="0">
-                    <a:solidFill>
-                      <a:schemeClr val="accent1"/>
-                    </a:solidFill>
-                  </a:rPr>
-                  <a:t>-Controller</a:t>
-                </a:r>
-              </a:p>
-            </p:txBody>
-          </p:sp>
-          <p:sp>
-            <p:nvSpPr>
-              <p:cNvPr id="24" name="TextBox 23"/>
-              <p:cNvSpPr txBox="1"/>
-              <p:nvPr/>
-            </p:nvSpPr>
-            <p:spPr>
-              <a:xfrm>
-                <a:off x="2571988" y="862995"/>
-                <a:ext cx="1225976" cy="369332"/>
-              </a:xfrm>
-              <a:prstGeom prst="rect">
-                <a:avLst/>
-              </a:prstGeom>
-              <a:noFill/>
-            </p:spPr>
-            <p:txBody>
-              <a:bodyPr wrap="square" rtlCol="0">
-                <a:spAutoFit/>
-              </a:bodyPr>
-              <a:lstStyle/>
-              <a:p>
-                <a:r>
-                  <a:rPr lang="en-SG" dirty="0">
-                    <a:solidFill>
-                      <a:schemeClr val="accent1"/>
-                    </a:solidFill>
-                  </a:rPr>
-                  <a:t>Controller</a:t>
-                </a:r>
-              </a:p>
-            </p:txBody>
-          </p:sp>
-          <p:sp>
-            <p:nvSpPr>
-              <p:cNvPr id="36" name="Rectangle: Rounded Corners 35"/>
-              <p:cNvSpPr/>
-              <p:nvPr/>
-            </p:nvSpPr>
-            <p:spPr>
-              <a:xfrm>
-                <a:off x="10615870" y="3216503"/>
-                <a:ext cx="1451727" cy="785293"/>
-              </a:xfrm>
-              <a:prstGeom prst="roundRect">
-                <a:avLst/>
-              </a:prstGeom>
-              <a:ln w="19050"/>
-            </p:spPr>
-            <p:style>
-              <a:lnRef idx="2">
-                <a:schemeClr val="accent6"/>
-              </a:lnRef>
-              <a:fillRef idx="1">
-                <a:schemeClr val="lt1"/>
-              </a:fillRef>
-              <a:effectRef idx="0">
-                <a:schemeClr val="accent6"/>
-              </a:effectRef>
-              <a:fontRef idx="minor">
-                <a:schemeClr val="dk1"/>
-              </a:fontRef>
-            </p:style>
-            <p:txBody>
-              <a:bodyPr rtlCol="0" anchor="ctr"/>
-              <a:lstStyle/>
-              <a:p>
-                <a:pPr algn="ctr"/>
-                <a:r>
-                  <a:rPr lang="en-SG" dirty="0">
-                    <a:solidFill>
-                      <a:schemeClr val="accent6"/>
-                    </a:solidFill>
-                  </a:rPr>
-                  <a:t>Model</a:t>
-                </a:r>
-              </a:p>
-            </p:txBody>
-          </p:sp>
-          <p:grpSp>
-            <p:nvGrpSpPr>
-              <p:cNvPr id="53" name="Group 52"/>
-              <p:cNvGrpSpPr/>
-              <p:nvPr/>
-            </p:nvGrpSpPr>
-            <p:grpSpPr>
-              <a:xfrm>
-                <a:off x="221003" y="1424549"/>
-                <a:ext cx="508000" cy="808389"/>
-                <a:chOff x="2622102" y="2866883"/>
-                <a:chExt cx="508000" cy="808389"/>
-              </a:xfrm>
-            </p:grpSpPr>
-            <p:sp>
-              <p:nvSpPr>
-                <p:cNvPr id="54" name="Smiley Face 53"/>
-                <p:cNvSpPr/>
-                <p:nvPr/>
-              </p:nvSpPr>
-              <p:spPr>
-                <a:xfrm>
-                  <a:off x="2622102" y="2866883"/>
-                  <a:ext cx="508000" cy="480291"/>
-                </a:xfrm>
-                <a:prstGeom prst="smileyFace">
-                  <a:avLst/>
-                </a:prstGeom>
-                <a:solidFill>
-                  <a:schemeClr val="accent2">
-                    <a:lumMod val="20000"/>
-                    <a:lumOff val="80000"/>
-                  </a:schemeClr>
-                </a:solidFill>
-                <a:ln>
-                  <a:solidFill>
-                    <a:schemeClr val="bg2">
-                      <a:lumMod val="50000"/>
-                    </a:schemeClr>
-                  </a:solidFill>
-                </a:ln>
-              </p:spPr>
-              <p:style>
-                <a:lnRef idx="1">
-                  <a:schemeClr val="accent3"/>
-                </a:lnRef>
-                <a:fillRef idx="2">
-                  <a:schemeClr val="accent3"/>
-                </a:fillRef>
-                <a:effectRef idx="1">
-                  <a:schemeClr val="accent3"/>
-                </a:effectRef>
-                <a:fontRef idx="minor">
-                  <a:schemeClr val="dk1"/>
-                </a:fontRef>
-              </p:style>
-              <p:txBody>
-                <a:bodyPr rtlCol="0" anchor="ctr"/>
-                <a:lstStyle/>
-                <a:p>
-                  <a:pPr algn="ctr"/>
-                  <a:endParaRPr lang="en-SG" dirty="0"/>
-                </a:p>
-              </p:txBody>
-            </p:sp>
-            <p:sp>
-              <p:nvSpPr>
-                <p:cNvPr id="55" name="TextBox 54"/>
-                <p:cNvSpPr txBox="1"/>
-                <p:nvPr/>
-              </p:nvSpPr>
-              <p:spPr>
-                <a:xfrm>
-                  <a:off x="2629880" y="3305940"/>
-                  <a:ext cx="492443" cy="369332"/>
-                </a:xfrm>
-                <a:prstGeom prst="rect">
-                  <a:avLst/>
-                </a:prstGeom>
-                <a:noFill/>
-              </p:spPr>
-              <p:txBody>
-                <a:bodyPr wrap="none" rtlCol="0">
-                  <a:spAutoFit/>
-                </a:bodyPr>
-                <a:lstStyle/>
-                <a:p>
-                  <a:r>
-                    <a:rPr lang="en-SG" dirty="0">
-                      <a:solidFill>
-                        <a:schemeClr val="bg2">
-                          <a:lumMod val="50000"/>
-                        </a:schemeClr>
-                      </a:solidFill>
-                      <a:latin typeface="Garamond" panose="02020404030301010803" pitchFamily="18" charset="0"/>
-                    </a:rPr>
-                    <a:t>Jim</a:t>
-                  </a:r>
-                </a:p>
-              </p:txBody>
-            </p:sp>
-          </p:grpSp>
-          <p:cxnSp>
-            <p:nvCxnSpPr>
-              <p:cNvPr id="56" name="Straight Arrow Connector 55"/>
-              <p:cNvCxnSpPr/>
-              <p:nvPr/>
-            </p:nvCxnSpPr>
-            <p:spPr>
-              <a:xfrm>
-                <a:off x="880642" y="1681391"/>
-                <a:ext cx="1134295" cy="9429"/>
-              </a:xfrm>
-              <a:prstGeom prst="straightConnector1">
-                <a:avLst/>
-              </a:prstGeom>
-              <a:ln w="38100">
-                <a:solidFill>
-                  <a:schemeClr val="accent2">
-                    <a:lumMod val="60000"/>
-                    <a:lumOff val="40000"/>
-                  </a:schemeClr>
-                </a:solidFill>
-                <a:headEnd type="none" w="med" len="med"/>
-                <a:tailEnd type="arrow" w="med" len="med"/>
-              </a:ln>
-            </p:spPr>
-            <p:style>
-              <a:lnRef idx="1">
-                <a:schemeClr val="accent1"/>
-              </a:lnRef>
-              <a:fillRef idx="0">
-                <a:schemeClr val="accent1"/>
-              </a:fillRef>
-              <a:effectRef idx="0">
-                <a:schemeClr val="accent1"/>
-              </a:effectRef>
-              <a:fontRef idx="minor">
-                <a:schemeClr val="tx1"/>
-              </a:fontRef>
-            </p:style>
-          </p:cxnSp>
-          <p:cxnSp>
-            <p:nvCxnSpPr>
-              <p:cNvPr id="58" name="Straight Arrow Connector 57"/>
-              <p:cNvCxnSpPr/>
-              <p:nvPr/>
-            </p:nvCxnSpPr>
-            <p:spPr>
-              <a:xfrm>
-                <a:off x="9312905" y="3499119"/>
-                <a:ext cx="1134295" cy="9429"/>
-              </a:xfrm>
-              <a:prstGeom prst="straightConnector1">
-                <a:avLst/>
-              </a:prstGeom>
-              <a:ln w="38100">
-                <a:solidFill>
-                  <a:schemeClr val="accent2">
-                    <a:lumMod val="60000"/>
-                    <a:lumOff val="40000"/>
-                  </a:schemeClr>
-                </a:solidFill>
-                <a:headEnd type="none" w="med" len="med"/>
-                <a:tailEnd type="arrow" w="med" len="med"/>
-              </a:ln>
-            </p:spPr>
-            <p:style>
-              <a:lnRef idx="1">
-                <a:schemeClr val="accent1"/>
-              </a:lnRef>
-              <a:fillRef idx="0">
-                <a:schemeClr val="accent1"/>
-              </a:fillRef>
-              <a:effectRef idx="0">
-                <a:schemeClr val="accent1"/>
-              </a:effectRef>
-              <a:fontRef idx="minor">
-                <a:schemeClr val="tx1"/>
-              </a:fontRef>
-            </p:style>
-          </p:cxnSp>
-          <p:sp>
-            <p:nvSpPr>
-              <p:cNvPr id="30" name="TextBox 29"/>
-              <p:cNvSpPr txBox="1"/>
-              <p:nvPr/>
-            </p:nvSpPr>
-            <p:spPr>
-              <a:xfrm>
-                <a:off x="863535" y="1735780"/>
-                <a:ext cx="999280" cy="369332"/>
-              </a:xfrm>
-              <a:prstGeom prst="rect">
-                <a:avLst/>
-              </a:prstGeom>
-              <a:noFill/>
-            </p:spPr>
-            <p:txBody>
-              <a:bodyPr wrap="square" rtlCol="0">
-                <a:spAutoFit/>
-              </a:bodyPr>
-              <a:lstStyle/>
-              <a:p>
-                <a:r>
-                  <a:rPr lang="en-SG" i="1" dirty="0"/>
-                  <a:t>Interacts</a:t>
-                </a:r>
-              </a:p>
-            </p:txBody>
-          </p:sp>
-          <p:sp>
-            <p:nvSpPr>
-              <p:cNvPr id="31" name="TextBox 30"/>
-              <p:cNvSpPr txBox="1"/>
-              <p:nvPr/>
-            </p:nvSpPr>
-            <p:spPr>
-              <a:xfrm>
-                <a:off x="9212942" y="3579634"/>
-                <a:ext cx="1360662" cy="369332"/>
-              </a:xfrm>
-              <a:prstGeom prst="rect">
-                <a:avLst/>
-              </a:prstGeom>
-              <a:noFill/>
-            </p:spPr>
-            <p:txBody>
-              <a:bodyPr wrap="square" rtlCol="0">
-                <a:spAutoFit/>
-              </a:bodyPr>
-              <a:lstStyle/>
-              <a:p>
-                <a:r>
-                  <a:rPr lang="en-SG" i="1" dirty="0"/>
-                  <a:t>Manipulates</a:t>
-                </a:r>
-              </a:p>
-            </p:txBody>
-          </p:sp>
-          <p:sp>
-            <p:nvSpPr>
-              <p:cNvPr id="34" name="Rectangle 33"/>
-              <p:cNvSpPr/>
-              <p:nvPr/>
-            </p:nvSpPr>
-            <p:spPr>
-              <a:xfrm>
-                <a:off x="2388791" y="2516541"/>
-                <a:ext cx="1592370" cy="533885"/>
-              </a:xfrm>
-              <a:prstGeom prst="rect">
-                <a:avLst/>
-              </a:prstGeom>
-              <a:gradFill>
-                <a:gsLst>
-                  <a:gs pos="29000">
-                    <a:schemeClr val="accent1">
-                      <a:lumMod val="40000"/>
-                      <a:lumOff val="60000"/>
-                    </a:schemeClr>
-                  </a:gs>
-                  <a:gs pos="100000">
-                    <a:schemeClr val="accent1">
-                      <a:lumMod val="20000"/>
-                      <a:lumOff val="80000"/>
-                    </a:schemeClr>
-                  </a:gs>
-                </a:gsLst>
-                <a:lin ang="5400000" scaled="1"/>
-              </a:gradFill>
-              <a:ln w="12700">
-                <a:solidFill>
-                  <a:schemeClr val="accent1"/>
-                </a:solidFill>
-              </a:ln>
-            </p:spPr>
-            <p:style>
-              <a:lnRef idx="1">
-                <a:schemeClr val="accent6"/>
-              </a:lnRef>
-              <a:fillRef idx="2">
-                <a:schemeClr val="accent6"/>
-              </a:fillRef>
-              <a:effectRef idx="1">
-                <a:schemeClr val="accent6"/>
-              </a:effectRef>
-              <a:fontRef idx="minor">
-                <a:schemeClr val="dk1"/>
-              </a:fontRef>
-            </p:style>
-            <p:txBody>
-              <a:bodyPr rtlCol="0" anchor="ctr"/>
-              <a:lstStyle/>
-              <a:p>
-                <a:pPr algn="ctr"/>
-                <a:r>
-                  <a:rPr lang="en-SG" sz="1400" dirty="0">
-                    <a:solidFill>
-                      <a:schemeClr val="accent1"/>
-                    </a:solidFill>
-                  </a:rPr>
-                  <a:t>ControlUnit</a:t>
-                </a:r>
-              </a:p>
-            </p:txBody>
-          </p:sp>
-          <p:sp>
-            <p:nvSpPr>
-              <p:cNvPr id="35" name="Rectangle 34"/>
-              <p:cNvSpPr/>
-              <p:nvPr/>
-            </p:nvSpPr>
-            <p:spPr>
-              <a:xfrm>
-                <a:off x="2388791" y="3526472"/>
-                <a:ext cx="1592370" cy="533885"/>
-              </a:xfrm>
-              <a:prstGeom prst="rect">
-                <a:avLst/>
-              </a:prstGeom>
-              <a:gradFill>
-                <a:gsLst>
-                  <a:gs pos="29000">
-                    <a:schemeClr val="accent1">
-                      <a:lumMod val="40000"/>
-                      <a:lumOff val="60000"/>
-                    </a:schemeClr>
-                  </a:gs>
-                  <a:gs pos="100000">
-                    <a:schemeClr val="accent1">
-                      <a:lumMod val="20000"/>
-                      <a:lumOff val="80000"/>
-                    </a:schemeClr>
-                  </a:gs>
-                </a:gsLst>
-                <a:lin ang="5400000" scaled="1"/>
-              </a:gradFill>
-              <a:ln w="12700">
-                <a:solidFill>
-                  <a:schemeClr val="accent1"/>
-                </a:solidFill>
-              </a:ln>
-            </p:spPr>
-            <p:style>
-              <a:lnRef idx="1">
-                <a:schemeClr val="accent6"/>
-              </a:lnRef>
-              <a:fillRef idx="2">
-                <a:schemeClr val="accent6"/>
-              </a:fillRef>
-              <a:effectRef idx="1">
-                <a:schemeClr val="accent6"/>
-              </a:effectRef>
-              <a:fontRef idx="minor">
-                <a:schemeClr val="dk1"/>
-              </a:fontRef>
-            </p:style>
-            <p:txBody>
-              <a:bodyPr rtlCol="0" anchor="ctr"/>
-              <a:lstStyle/>
-              <a:p>
-                <a:pPr algn="ctr"/>
-                <a:r>
-                  <a:rPr lang="en-SG" sz="1400" dirty="0">
-                    <a:solidFill>
-                      <a:schemeClr val="accent1"/>
-                    </a:solidFill>
-                  </a:rPr>
-                  <a:t>CommandManager</a:t>
-                </a:r>
-              </a:p>
-            </p:txBody>
-          </p:sp>
-          <p:sp>
-            <p:nvSpPr>
-              <p:cNvPr id="38" name="Rectangle 37"/>
-              <p:cNvSpPr/>
-              <p:nvPr/>
-            </p:nvSpPr>
-            <p:spPr>
-              <a:xfrm>
-                <a:off x="2388791" y="4527244"/>
-                <a:ext cx="1592370" cy="533885"/>
-              </a:xfrm>
-              <a:prstGeom prst="rect">
-                <a:avLst/>
-              </a:prstGeom>
-              <a:ln/>
-            </p:spPr>
-            <p:style>
-              <a:lnRef idx="2">
-                <a:schemeClr val="accent1"/>
-              </a:lnRef>
-              <a:fillRef idx="1">
-                <a:schemeClr val="lt1"/>
-              </a:fillRef>
-              <a:effectRef idx="0">
-                <a:schemeClr val="accent1"/>
-              </a:effectRef>
-              <a:fontRef idx="minor">
-                <a:schemeClr val="dk1"/>
-              </a:fontRef>
-            </p:style>
-            <p:txBody>
-              <a:bodyPr rtlCol="0" anchor="ctr"/>
-              <a:lstStyle/>
-              <a:p>
-                <a:pPr algn="ctr"/>
-                <a:r>
-                  <a:rPr lang="en-SG" sz="1400" dirty="0">
-                    <a:solidFill>
-                      <a:schemeClr val="accent1"/>
-                    </a:solidFill>
-                  </a:rPr>
-                  <a:t>&lt;&lt; Interface&gt;&gt;</a:t>
-                </a:r>
-              </a:p>
-              <a:p>
-                <a:pPr algn="ctr"/>
-                <a:r>
-                  <a:rPr lang="en-SG" sz="1400" dirty="0">
-                    <a:solidFill>
-                      <a:schemeClr val="accent1"/>
-                    </a:solidFill>
-                  </a:rPr>
-                  <a:t>Command</a:t>
-                </a:r>
-              </a:p>
-            </p:txBody>
-          </p:sp>
-          <p:sp>
-            <p:nvSpPr>
-              <p:cNvPr id="39" name="Rectangle 38"/>
-              <p:cNvSpPr/>
-              <p:nvPr/>
-            </p:nvSpPr>
-            <p:spPr>
-              <a:xfrm>
-                <a:off x="2388791" y="5558691"/>
-                <a:ext cx="1592370" cy="533885"/>
-              </a:xfrm>
-              <a:prstGeom prst="rect">
-                <a:avLst/>
-              </a:prstGeom>
-              <a:ln/>
-            </p:spPr>
-            <p:style>
-              <a:lnRef idx="2">
-                <a:schemeClr val="accent1"/>
-              </a:lnRef>
-              <a:fillRef idx="1">
-                <a:schemeClr val="lt1"/>
-              </a:fillRef>
-              <a:effectRef idx="0">
-                <a:schemeClr val="accent1"/>
-              </a:effectRef>
-              <a:fontRef idx="minor">
-                <a:schemeClr val="dk1"/>
-              </a:fontRef>
-            </p:style>
-            <p:txBody>
-              <a:bodyPr rtlCol="0" anchor="ctr"/>
-              <a:lstStyle/>
-              <a:p>
-                <a:pPr algn="ctr"/>
-                <a:r>
-                  <a:rPr lang="en-SG" sz="1400" dirty="0">
-                    <a:solidFill>
-                      <a:schemeClr val="accent1"/>
-                    </a:solidFill>
-                  </a:rPr>
-                  <a:t>&lt;&lt; Interface&gt;&gt;</a:t>
-                </a:r>
-              </a:p>
-              <a:p>
-                <a:pPr algn="ctr"/>
-                <a:r>
-                  <a:rPr lang="en-SG" sz="1400" dirty="0">
-                    <a:solidFill>
-                      <a:schemeClr val="accent1"/>
-                    </a:solidFill>
-                  </a:rPr>
-                  <a:t>CommandResult</a:t>
-                </a:r>
-              </a:p>
-            </p:txBody>
-          </p:sp>
-          <p:sp>
-            <p:nvSpPr>
-              <p:cNvPr id="50" name="Rectangle 49"/>
-              <p:cNvSpPr/>
-              <p:nvPr/>
-            </p:nvSpPr>
-            <p:spPr>
-              <a:xfrm>
-                <a:off x="6903501" y="3152466"/>
-                <a:ext cx="1782592" cy="533885"/>
-              </a:xfrm>
-              <a:prstGeom prst="rect">
-                <a:avLst/>
-              </a:prstGeom>
-              <a:gradFill>
-                <a:gsLst>
-                  <a:gs pos="29000">
-                    <a:schemeClr val="accent1">
-                      <a:lumMod val="40000"/>
-                      <a:lumOff val="60000"/>
-                    </a:schemeClr>
-                  </a:gs>
-                  <a:gs pos="100000">
-                    <a:schemeClr val="accent1">
-                      <a:lumMod val="20000"/>
-                      <a:lumOff val="80000"/>
-                    </a:schemeClr>
-                  </a:gs>
-                </a:gsLst>
-                <a:lin ang="5400000" scaled="1"/>
-              </a:gradFill>
-              <a:ln w="12700">
-                <a:solidFill>
-                  <a:schemeClr val="accent1"/>
-                </a:solidFill>
-              </a:ln>
-            </p:spPr>
-            <p:style>
-              <a:lnRef idx="1">
-                <a:schemeClr val="accent6"/>
-              </a:lnRef>
-              <a:fillRef idx="2">
-                <a:schemeClr val="accent6"/>
-              </a:fillRef>
-              <a:effectRef idx="1">
-                <a:schemeClr val="accent6"/>
-              </a:effectRef>
-              <a:fontRef idx="minor">
-                <a:schemeClr val="dk1"/>
-              </a:fontRef>
-            </p:style>
-            <p:txBody>
-              <a:bodyPr rtlCol="0" anchor="ctr"/>
-              <a:lstStyle/>
-              <a:p>
-                <a:pPr algn="ctr"/>
-                <a:r>
-                  <a:rPr lang="en-SG" sz="1400" dirty="0">
-                    <a:solidFill>
-                      <a:schemeClr val="accent1"/>
-                    </a:solidFill>
-                  </a:rPr>
-                  <a:t>TimeParserManager</a:t>
-                </a:r>
-              </a:p>
-            </p:txBody>
-          </p:sp>
-          <p:sp>
-            <p:nvSpPr>
-              <p:cNvPr id="60" name="Rectangle 59"/>
-              <p:cNvSpPr/>
-              <p:nvPr/>
-            </p:nvSpPr>
-            <p:spPr>
-              <a:xfrm>
-                <a:off x="6903502" y="2156734"/>
-                <a:ext cx="1782591" cy="533885"/>
-              </a:xfrm>
-              <a:prstGeom prst="rect">
-                <a:avLst/>
-              </a:prstGeom>
-              <a:ln/>
-            </p:spPr>
-            <p:style>
-              <a:lnRef idx="2">
-                <a:schemeClr val="accent1"/>
-              </a:lnRef>
-              <a:fillRef idx="1">
-                <a:schemeClr val="lt1"/>
-              </a:fillRef>
-              <a:effectRef idx="0">
-                <a:schemeClr val="accent1"/>
-              </a:effectRef>
-              <a:fontRef idx="minor">
-                <a:schemeClr val="dk1"/>
-              </a:fontRef>
-            </p:style>
-            <p:txBody>
-              <a:bodyPr rtlCol="0" anchor="ctr"/>
-              <a:lstStyle/>
-              <a:p>
-                <a:pPr algn="ctr"/>
-                <a:r>
-                  <a:rPr lang="en-SG" sz="1400" dirty="0">
-                    <a:solidFill>
-                      <a:schemeClr val="accent1"/>
-                    </a:solidFill>
-                  </a:rPr>
-                  <a:t>&lt;&lt; Interface&gt;&gt;</a:t>
-                </a:r>
-              </a:p>
-              <a:p>
-                <a:pPr algn="ctr"/>
-                <a:r>
-                  <a:rPr lang="en-SG" sz="1400" dirty="0">
-                    <a:solidFill>
-                      <a:schemeClr val="accent1"/>
-                    </a:solidFill>
-                  </a:rPr>
-                  <a:t>TimeParser</a:t>
-                </a:r>
-              </a:p>
-            </p:txBody>
-          </p:sp>
-          <p:sp>
-            <p:nvSpPr>
-              <p:cNvPr id="61" name="Rectangle 60"/>
-              <p:cNvSpPr/>
-              <p:nvPr/>
-            </p:nvSpPr>
-            <p:spPr>
-              <a:xfrm>
-                <a:off x="4453886" y="4527244"/>
-                <a:ext cx="1592370" cy="533885"/>
-              </a:xfrm>
-              <a:prstGeom prst="rect">
-                <a:avLst/>
-              </a:prstGeom>
-              <a:gradFill>
-                <a:gsLst>
-                  <a:gs pos="29000">
-                    <a:schemeClr val="accent1">
-                      <a:lumMod val="40000"/>
-                      <a:lumOff val="60000"/>
-                    </a:schemeClr>
-                  </a:gs>
-                  <a:gs pos="100000">
-                    <a:schemeClr val="accent1">
-                      <a:lumMod val="20000"/>
-                      <a:lumOff val="80000"/>
-                    </a:schemeClr>
-                  </a:gs>
-                </a:gsLst>
-                <a:lin ang="5400000" scaled="1"/>
-              </a:gradFill>
-              <a:ln w="12700">
-                <a:solidFill>
-                  <a:schemeClr val="accent1"/>
-                </a:solidFill>
-              </a:ln>
-            </p:spPr>
-            <p:style>
-              <a:lnRef idx="1">
-                <a:schemeClr val="accent6"/>
-              </a:lnRef>
-              <a:fillRef idx="2">
-                <a:schemeClr val="accent6"/>
-              </a:fillRef>
-              <a:effectRef idx="1">
-                <a:schemeClr val="accent6"/>
-              </a:effectRef>
-              <a:fontRef idx="minor">
-                <a:schemeClr val="dk1"/>
-              </a:fontRef>
-            </p:style>
-            <p:txBody>
-              <a:bodyPr rtlCol="0" anchor="ctr"/>
-              <a:lstStyle/>
-              <a:p>
-                <a:pPr algn="ctr"/>
-                <a:r>
-                  <a:rPr lang="en-SG" sz="1400" dirty="0">
-                    <a:solidFill>
-                      <a:schemeClr val="accent1"/>
-                    </a:solidFill>
-                  </a:rPr>
-                  <a:t>AddCommand</a:t>
-                </a:r>
-              </a:p>
-            </p:txBody>
-          </p:sp>
-          <p:sp>
-            <p:nvSpPr>
-              <p:cNvPr id="62" name="Rectangle 61"/>
-              <p:cNvSpPr/>
-              <p:nvPr/>
-            </p:nvSpPr>
-            <p:spPr>
-              <a:xfrm>
-                <a:off x="4449525" y="5309408"/>
-                <a:ext cx="1592370" cy="533885"/>
-              </a:xfrm>
-              <a:prstGeom prst="rect">
-                <a:avLst/>
-              </a:prstGeom>
-              <a:gradFill>
-                <a:gsLst>
-                  <a:gs pos="29000">
-                    <a:schemeClr val="accent1">
-                      <a:lumMod val="40000"/>
-                      <a:lumOff val="60000"/>
-                    </a:schemeClr>
-                  </a:gs>
-                  <a:gs pos="100000">
-                    <a:schemeClr val="accent1">
-                      <a:lumMod val="20000"/>
-                      <a:lumOff val="80000"/>
-                    </a:schemeClr>
-                  </a:gs>
-                </a:gsLst>
-                <a:lin ang="5400000" scaled="1"/>
-              </a:gradFill>
-              <a:ln w="12700">
-                <a:solidFill>
-                  <a:schemeClr val="accent1"/>
-                </a:solidFill>
-              </a:ln>
-            </p:spPr>
-            <p:style>
-              <a:lnRef idx="1">
-                <a:schemeClr val="accent6"/>
-              </a:lnRef>
-              <a:fillRef idx="2">
-                <a:schemeClr val="accent6"/>
-              </a:fillRef>
-              <a:effectRef idx="1">
-                <a:schemeClr val="accent6"/>
-              </a:effectRef>
-              <a:fontRef idx="minor">
-                <a:schemeClr val="dk1"/>
-              </a:fontRef>
-            </p:style>
-            <p:txBody>
-              <a:bodyPr rtlCol="0" anchor="ctr"/>
-              <a:lstStyle/>
-              <a:p>
-                <a:pPr algn="ctr"/>
-                <a:r>
-                  <a:rPr lang="en-SG" sz="1400" dirty="0">
-                    <a:solidFill>
-                      <a:schemeClr val="accent1"/>
-                    </a:solidFill>
-                  </a:rPr>
-                  <a:t>ListCommand</a:t>
-                </a:r>
-              </a:p>
-            </p:txBody>
-          </p:sp>
-          <p:sp>
-            <p:nvSpPr>
-              <p:cNvPr id="63" name="Rectangle 62"/>
-              <p:cNvSpPr/>
-              <p:nvPr/>
-            </p:nvSpPr>
-            <p:spPr>
-              <a:xfrm>
-                <a:off x="4449525" y="6091573"/>
-                <a:ext cx="1592370" cy="533885"/>
-              </a:xfrm>
-              <a:prstGeom prst="rect">
-                <a:avLst/>
-              </a:prstGeom>
-              <a:gradFill>
-                <a:gsLst>
-                  <a:gs pos="29000">
-                    <a:schemeClr val="accent1">
-                      <a:lumMod val="40000"/>
-                      <a:lumOff val="60000"/>
-                    </a:schemeClr>
-                  </a:gs>
-                  <a:gs pos="100000">
-                    <a:schemeClr val="accent1">
-                      <a:lumMod val="20000"/>
-                      <a:lumOff val="80000"/>
-                    </a:schemeClr>
-                  </a:gs>
-                </a:gsLst>
-                <a:lin ang="5400000" scaled="1"/>
-              </a:gradFill>
-              <a:ln w="12700">
-                <a:solidFill>
-                  <a:schemeClr val="accent1"/>
-                </a:solidFill>
-              </a:ln>
-            </p:spPr>
-            <p:style>
-              <a:lnRef idx="1">
-                <a:schemeClr val="accent6"/>
-              </a:lnRef>
-              <a:fillRef idx="2">
-                <a:schemeClr val="accent6"/>
-              </a:fillRef>
-              <a:effectRef idx="1">
-                <a:schemeClr val="accent6"/>
-              </a:effectRef>
-              <a:fontRef idx="minor">
-                <a:schemeClr val="dk1"/>
-              </a:fontRef>
-            </p:style>
-            <p:txBody>
-              <a:bodyPr rtlCol="0" anchor="ctr"/>
-              <a:lstStyle/>
-              <a:p>
-                <a:pPr algn="ctr"/>
-                <a:r>
-                  <a:rPr lang="en-SG" sz="1400" dirty="0">
-                    <a:solidFill>
-                      <a:schemeClr val="accent1"/>
-                    </a:solidFill>
-                  </a:rPr>
-                  <a:t>…Command</a:t>
-                </a:r>
-              </a:p>
-            </p:txBody>
-          </p:sp>
-          <p:sp>
-            <p:nvSpPr>
-              <p:cNvPr id="64" name="Rectangle 63"/>
-              <p:cNvSpPr/>
-              <p:nvPr/>
-            </p:nvSpPr>
-            <p:spPr>
-              <a:xfrm>
-                <a:off x="5102350" y="942927"/>
-                <a:ext cx="2045986" cy="533885"/>
-              </a:xfrm>
-              <a:prstGeom prst="rect">
-                <a:avLst/>
-              </a:prstGeom>
-              <a:gradFill>
-                <a:gsLst>
-                  <a:gs pos="29000">
-                    <a:schemeClr val="accent1">
-                      <a:lumMod val="40000"/>
-                      <a:lumOff val="60000"/>
-                    </a:schemeClr>
-                  </a:gs>
-                  <a:gs pos="100000">
-                    <a:schemeClr val="accent1">
-                      <a:lumMod val="20000"/>
-                      <a:lumOff val="80000"/>
-                    </a:schemeClr>
-                  </a:gs>
-                </a:gsLst>
-                <a:lin ang="5400000" scaled="1"/>
-              </a:gradFill>
-              <a:ln w="12700">
-                <a:solidFill>
-                  <a:schemeClr val="accent1"/>
-                </a:solidFill>
-              </a:ln>
-            </p:spPr>
-            <p:style>
-              <a:lnRef idx="1">
-                <a:schemeClr val="accent6"/>
-              </a:lnRef>
-              <a:fillRef idx="2">
-                <a:schemeClr val="accent6"/>
-              </a:fillRef>
-              <a:effectRef idx="1">
-                <a:schemeClr val="accent6"/>
-              </a:effectRef>
-              <a:fontRef idx="minor">
-                <a:schemeClr val="dk1"/>
-              </a:fontRef>
-            </p:style>
-            <p:txBody>
-              <a:bodyPr rtlCol="0" anchor="ctr"/>
-              <a:lstStyle/>
-              <a:p>
-                <a:pPr algn="ctr"/>
-                <a:r>
-                  <a:rPr lang="en-SG" sz="1400" dirty="0">
-                    <a:solidFill>
-                      <a:schemeClr val="accent1"/>
-                    </a:solidFill>
-                  </a:rPr>
-                  <a:t>ISODateWithTimeParser</a:t>
-                </a:r>
-              </a:p>
-            </p:txBody>
-          </p:sp>
-          <p:sp>
-            <p:nvSpPr>
-              <p:cNvPr id="65" name="Rectangle 64"/>
-              <p:cNvSpPr/>
-              <p:nvPr/>
-            </p:nvSpPr>
-            <p:spPr>
-              <a:xfrm>
-                <a:off x="7334871" y="972829"/>
-                <a:ext cx="1579686" cy="533885"/>
-              </a:xfrm>
-              <a:prstGeom prst="rect">
-                <a:avLst/>
-              </a:prstGeom>
-              <a:gradFill>
-                <a:gsLst>
-                  <a:gs pos="29000">
-                    <a:schemeClr val="accent1">
-                      <a:lumMod val="40000"/>
-                      <a:lumOff val="60000"/>
-                    </a:schemeClr>
-                  </a:gs>
-                  <a:gs pos="100000">
-                    <a:schemeClr val="accent1">
-                      <a:lumMod val="20000"/>
-                      <a:lumOff val="80000"/>
-                    </a:schemeClr>
-                  </a:gs>
-                </a:gsLst>
-                <a:lin ang="5400000" scaled="1"/>
-              </a:gradFill>
-              <a:ln w="12700">
-                <a:solidFill>
-                  <a:schemeClr val="accent1"/>
-                </a:solidFill>
-              </a:ln>
-            </p:spPr>
-            <p:style>
-              <a:lnRef idx="1">
-                <a:schemeClr val="accent6"/>
-              </a:lnRef>
-              <a:fillRef idx="2">
-                <a:schemeClr val="accent6"/>
-              </a:fillRef>
-              <a:effectRef idx="1">
-                <a:schemeClr val="accent6"/>
-              </a:effectRef>
-              <a:fontRef idx="minor">
-                <a:schemeClr val="dk1"/>
-              </a:fontRef>
-            </p:style>
-            <p:txBody>
-              <a:bodyPr rtlCol="0" anchor="ctr"/>
-              <a:lstStyle/>
-              <a:p>
-                <a:pPr algn="ctr"/>
-                <a:r>
-                  <a:rPr lang="en-SG" sz="1400" dirty="0">
-                    <a:solidFill>
-                      <a:schemeClr val="accent1"/>
-                    </a:solidFill>
-                  </a:rPr>
-                  <a:t>…TimeParser</a:t>
-                </a:r>
-              </a:p>
-            </p:txBody>
-          </p:sp>
-          <p:cxnSp>
-            <p:nvCxnSpPr>
-              <p:cNvPr id="16" name="Connector: Elbow 15"/>
-              <p:cNvCxnSpPr>
-                <a:stCxn id="62" idx="1"/>
-              </p:cNvCxnSpPr>
-              <p:nvPr/>
-            </p:nvCxnSpPr>
-            <p:spPr>
-              <a:xfrm rot="10800000">
-                <a:off x="4196669" y="4831883"/>
-                <a:ext cx="252857" cy="744469"/>
-              </a:xfrm>
-              <a:prstGeom prst="bentConnector2">
-                <a:avLst/>
-              </a:prstGeom>
-              <a:ln>
-                <a:prstDash val="dash"/>
-              </a:ln>
-            </p:spPr>
-            <p:style>
-              <a:lnRef idx="1">
-                <a:schemeClr val="accent1"/>
-              </a:lnRef>
-              <a:fillRef idx="0">
-                <a:schemeClr val="accent1"/>
-              </a:fillRef>
-              <a:effectRef idx="0">
-                <a:schemeClr val="accent1"/>
-              </a:effectRef>
-              <a:fontRef idx="minor">
-                <a:schemeClr val="tx1"/>
-              </a:fontRef>
-            </p:style>
-          </p:cxnSp>
-          <p:cxnSp>
-            <p:nvCxnSpPr>
-              <p:cNvPr id="19" name="Connector: Elbow 18"/>
-              <p:cNvCxnSpPr>
-                <a:stCxn id="63" idx="1"/>
-              </p:cNvCxnSpPr>
-              <p:nvPr/>
-            </p:nvCxnSpPr>
-            <p:spPr>
-              <a:xfrm rot="10800000">
-                <a:off x="4196669" y="5563402"/>
-                <a:ext cx="252857" cy="795114"/>
-              </a:xfrm>
-              <a:prstGeom prst="bentConnector2">
-                <a:avLst/>
-              </a:prstGeom>
-              <a:ln>
-                <a:prstDash val="dash"/>
-              </a:ln>
-            </p:spPr>
-            <p:style>
-              <a:lnRef idx="1">
-                <a:schemeClr val="accent1"/>
-              </a:lnRef>
-              <a:fillRef idx="0">
-                <a:schemeClr val="accent1"/>
-              </a:fillRef>
-              <a:effectRef idx="0">
-                <a:schemeClr val="accent1"/>
-              </a:effectRef>
-              <a:fontRef idx="minor">
-                <a:schemeClr val="tx1"/>
-              </a:fontRef>
-            </p:style>
-          </p:cxnSp>
-          <p:cxnSp>
-            <p:nvCxnSpPr>
-              <p:cNvPr id="21" name="Connector: Elbow 20"/>
-              <p:cNvCxnSpPr>
-                <a:stCxn id="64" idx="2"/>
-                <a:endCxn id="60" idx="0"/>
-              </p:cNvCxnSpPr>
-              <p:nvPr/>
-            </p:nvCxnSpPr>
-            <p:spPr>
-              <a:xfrm rot="16200000" flipH="1">
-                <a:off x="6620109" y="982045"/>
-                <a:ext cx="679922" cy="1669455"/>
-              </a:xfrm>
-              <a:prstGeom prst="bentConnector3">
-                <a:avLst/>
-              </a:prstGeom>
-              <a:ln>
-                <a:prstDash val="dash"/>
-                <a:tailEnd type="triangle"/>
-              </a:ln>
-            </p:spPr>
-            <p:style>
-              <a:lnRef idx="1">
-                <a:schemeClr val="accent1"/>
-              </a:lnRef>
-              <a:fillRef idx="0">
-                <a:schemeClr val="accent1"/>
-              </a:fillRef>
-              <a:effectRef idx="0">
-                <a:schemeClr val="accent1"/>
-              </a:effectRef>
-              <a:fontRef idx="minor">
-                <a:schemeClr val="tx1"/>
-              </a:fontRef>
-            </p:style>
-          </p:cxnSp>
-          <p:cxnSp>
-            <p:nvCxnSpPr>
-              <p:cNvPr id="23" name="Connector: Elbow 22"/>
-              <p:cNvCxnSpPr>
-                <a:stCxn id="65" idx="2"/>
-              </p:cNvCxnSpPr>
-              <p:nvPr/>
-            </p:nvCxnSpPr>
-            <p:spPr>
-              <a:xfrm rot="5400000">
-                <a:off x="7804726" y="1496786"/>
-                <a:ext cx="310060" cy="329917"/>
-              </a:xfrm>
-              <a:prstGeom prst="bentConnector2">
-                <a:avLst/>
-              </a:prstGeom>
-              <a:ln>
-                <a:prstDash val="dash"/>
-              </a:ln>
-            </p:spPr>
-            <p:style>
-              <a:lnRef idx="1">
-                <a:schemeClr val="accent1"/>
-              </a:lnRef>
-              <a:fillRef idx="0">
-                <a:schemeClr val="accent1"/>
-              </a:fillRef>
-              <a:effectRef idx="0">
-                <a:schemeClr val="accent1"/>
-              </a:effectRef>
-              <a:fontRef idx="minor">
-                <a:schemeClr val="tx1"/>
-              </a:fontRef>
-            </p:style>
-          </p:cxnSp>
-          <p:sp>
-            <p:nvSpPr>
-              <p:cNvPr id="67" name="Diamond 66"/>
-              <p:cNvSpPr/>
-              <p:nvPr/>
-            </p:nvSpPr>
-            <p:spPr>
-              <a:xfrm>
-                <a:off x="3086248" y="2055618"/>
-                <a:ext cx="197456" cy="231649"/>
-              </a:xfrm>
-              <a:prstGeom prst="diamond">
-                <a:avLst/>
-              </a:prstGeom>
-            </p:spPr>
-            <p:style>
-              <a:lnRef idx="2">
-                <a:schemeClr val="accent1">
-                  <a:shade val="50000"/>
-                </a:schemeClr>
-              </a:lnRef>
-              <a:fillRef idx="1">
-                <a:schemeClr val="accent1"/>
-              </a:fillRef>
-              <a:effectRef idx="0">
-                <a:schemeClr val="accent1"/>
-              </a:effectRef>
-              <a:fontRef idx="minor">
-                <a:schemeClr val="lt1"/>
-              </a:fontRef>
-            </p:style>
-            <p:txBody>
-              <a:bodyPr rtlCol="0" anchor="ctr"/>
-              <a:lstStyle/>
-              <a:p>
-                <a:pPr algn="ctr"/>
-                <a:endParaRPr lang="en-SG" dirty="0"/>
-              </a:p>
-            </p:txBody>
-          </p:sp>
-          <p:sp>
-            <p:nvSpPr>
-              <p:cNvPr id="68" name="Diamond 67"/>
-              <p:cNvSpPr/>
-              <p:nvPr/>
-            </p:nvSpPr>
-            <p:spPr>
-              <a:xfrm>
-                <a:off x="3086248" y="3067386"/>
-                <a:ext cx="197456" cy="231649"/>
-              </a:xfrm>
-              <a:prstGeom prst="diamond">
-                <a:avLst/>
-              </a:prstGeom>
-            </p:spPr>
-            <p:style>
-              <a:lnRef idx="2">
-                <a:schemeClr val="accent1">
-                  <a:shade val="50000"/>
-                </a:schemeClr>
-              </a:lnRef>
-              <a:fillRef idx="1">
-                <a:schemeClr val="accent1"/>
-              </a:fillRef>
-              <a:effectRef idx="0">
-                <a:schemeClr val="accent1"/>
-              </a:effectRef>
-              <a:fontRef idx="minor">
-                <a:schemeClr val="lt1"/>
-              </a:fontRef>
-            </p:style>
-            <p:txBody>
-              <a:bodyPr rtlCol="0" anchor="ctr"/>
-              <a:lstStyle/>
-              <a:p>
-                <a:pPr algn="ctr"/>
-                <a:endParaRPr lang="en-SG"/>
-              </a:p>
-            </p:txBody>
-          </p:sp>
-          <p:sp>
-            <p:nvSpPr>
-              <p:cNvPr id="69" name="Diamond 68"/>
-              <p:cNvSpPr/>
-              <p:nvPr/>
-            </p:nvSpPr>
-            <p:spPr>
-              <a:xfrm>
-                <a:off x="3086248" y="4056743"/>
-                <a:ext cx="197456" cy="231649"/>
-              </a:xfrm>
-              <a:prstGeom prst="diamond">
-                <a:avLst/>
-              </a:prstGeom>
-            </p:spPr>
-            <p:style>
-              <a:lnRef idx="2">
-                <a:schemeClr val="accent1">
-                  <a:shade val="50000"/>
-                </a:schemeClr>
-              </a:lnRef>
-              <a:fillRef idx="1">
-                <a:schemeClr val="accent1"/>
-              </a:fillRef>
-              <a:effectRef idx="0">
-                <a:schemeClr val="accent1"/>
-              </a:effectRef>
-              <a:fontRef idx="minor">
-                <a:schemeClr val="lt1"/>
-              </a:fontRef>
-            </p:style>
-            <p:txBody>
-              <a:bodyPr rtlCol="0" anchor="ctr"/>
-              <a:lstStyle/>
-              <a:p>
-                <a:pPr algn="ctr"/>
-                <a:endParaRPr lang="en-SG"/>
-              </a:p>
-            </p:txBody>
-          </p:sp>
-          <p:sp>
-            <p:nvSpPr>
-              <p:cNvPr id="70" name="Diamond 69"/>
-              <p:cNvSpPr/>
-              <p:nvPr/>
-            </p:nvSpPr>
-            <p:spPr>
-              <a:xfrm>
-                <a:off x="3107405" y="5092433"/>
-                <a:ext cx="197456" cy="231649"/>
-              </a:xfrm>
-              <a:prstGeom prst="diamond">
-                <a:avLst/>
-              </a:prstGeom>
-            </p:spPr>
-            <p:style>
-              <a:lnRef idx="2">
-                <a:schemeClr val="accent1">
-                  <a:shade val="50000"/>
-                </a:schemeClr>
-              </a:lnRef>
-              <a:fillRef idx="1">
-                <a:schemeClr val="accent1"/>
-              </a:fillRef>
-              <a:effectRef idx="0">
-                <a:schemeClr val="accent1"/>
-              </a:effectRef>
-              <a:fontRef idx="minor">
-                <a:schemeClr val="lt1"/>
-              </a:fontRef>
-            </p:style>
-            <p:txBody>
-              <a:bodyPr rtlCol="0" anchor="ctr"/>
-              <a:lstStyle/>
-              <a:p>
-                <a:pPr algn="ctr"/>
-                <a:endParaRPr lang="en-SG"/>
-              </a:p>
-            </p:txBody>
-          </p:sp>
-          <p:cxnSp>
-            <p:nvCxnSpPr>
-              <p:cNvPr id="71" name="Straight Arrow Connector 70"/>
-              <p:cNvCxnSpPr>
-                <a:stCxn id="67" idx="0"/>
-                <a:endCxn id="34" idx="0"/>
-              </p:cNvCxnSpPr>
-              <p:nvPr/>
-            </p:nvCxnSpPr>
-            <p:spPr>
-              <a:xfrm>
-                <a:off x="3184976" y="2055618"/>
-                <a:ext cx="0" cy="460923"/>
-              </a:xfrm>
-              <a:prstGeom prst="straightConnector1">
-                <a:avLst/>
-              </a:prstGeom>
-              <a:ln>
-                <a:solidFill>
-                  <a:schemeClr val="accent1"/>
-                </a:solidFill>
-                <a:tailEnd type="triangle"/>
-              </a:ln>
-            </p:spPr>
-            <p:style>
-              <a:lnRef idx="1">
-                <a:schemeClr val="accent1"/>
-              </a:lnRef>
-              <a:fillRef idx="0">
-                <a:schemeClr val="accent1"/>
-              </a:fillRef>
-              <a:effectRef idx="0">
-                <a:schemeClr val="accent1"/>
-              </a:effectRef>
-              <a:fontRef idx="minor">
-                <a:schemeClr val="tx1"/>
-              </a:fontRef>
-            </p:style>
-          </p:cxnSp>
-          <p:cxnSp>
-            <p:nvCxnSpPr>
-              <p:cNvPr id="72" name="Straight Arrow Connector 71"/>
-              <p:cNvCxnSpPr>
-                <a:stCxn id="68" idx="0"/>
-                <a:endCxn id="35" idx="0"/>
-              </p:cNvCxnSpPr>
-              <p:nvPr/>
-            </p:nvCxnSpPr>
-            <p:spPr>
-              <a:xfrm>
-                <a:off x="3184976" y="3067386"/>
-                <a:ext cx="0" cy="459086"/>
-              </a:xfrm>
-              <a:prstGeom prst="straightConnector1">
-                <a:avLst/>
-              </a:prstGeom>
-              <a:ln>
-                <a:solidFill>
-                  <a:schemeClr val="accent1"/>
-                </a:solidFill>
-                <a:tailEnd type="triangle"/>
-              </a:ln>
-            </p:spPr>
-            <p:style>
-              <a:lnRef idx="1">
-                <a:schemeClr val="accent1"/>
-              </a:lnRef>
-              <a:fillRef idx="0">
-                <a:schemeClr val="accent1"/>
-              </a:fillRef>
-              <a:effectRef idx="0">
-                <a:schemeClr val="accent1"/>
-              </a:effectRef>
-              <a:fontRef idx="minor">
-                <a:schemeClr val="tx1"/>
-              </a:fontRef>
-            </p:style>
-          </p:cxnSp>
-          <p:cxnSp>
-            <p:nvCxnSpPr>
-              <p:cNvPr id="73" name="Straight Arrow Connector 72"/>
-              <p:cNvCxnSpPr>
-                <a:stCxn id="69" idx="0"/>
-                <a:endCxn id="38" idx="0"/>
-              </p:cNvCxnSpPr>
-              <p:nvPr/>
-            </p:nvCxnSpPr>
-            <p:spPr>
-              <a:xfrm>
-                <a:off x="3184976" y="4056743"/>
-                <a:ext cx="0" cy="470501"/>
-              </a:xfrm>
-              <a:prstGeom prst="straightConnector1">
-                <a:avLst/>
-              </a:prstGeom>
-              <a:ln>
-                <a:solidFill>
-                  <a:schemeClr val="accent1"/>
-                </a:solidFill>
-                <a:tailEnd type="triangle"/>
-              </a:ln>
-            </p:spPr>
-            <p:style>
-              <a:lnRef idx="1">
-                <a:schemeClr val="accent1"/>
-              </a:lnRef>
-              <a:fillRef idx="0">
-                <a:schemeClr val="accent1"/>
-              </a:fillRef>
-              <a:effectRef idx="0">
-                <a:schemeClr val="accent1"/>
-              </a:effectRef>
-              <a:fontRef idx="minor">
-                <a:schemeClr val="tx1"/>
-              </a:fontRef>
-            </p:style>
-          </p:cxnSp>
-          <p:cxnSp>
-            <p:nvCxnSpPr>
-              <p:cNvPr id="74" name="Straight Arrow Connector 73"/>
-              <p:cNvCxnSpPr>
-                <a:stCxn id="70" idx="0"/>
-              </p:cNvCxnSpPr>
-              <p:nvPr/>
-            </p:nvCxnSpPr>
-            <p:spPr>
-              <a:xfrm flipH="1">
-                <a:off x="3201452" y="5092433"/>
-                <a:ext cx="4681" cy="467998"/>
-              </a:xfrm>
-              <a:prstGeom prst="straightConnector1">
-                <a:avLst/>
-              </a:prstGeom>
-              <a:ln>
-                <a:solidFill>
-                  <a:schemeClr val="accent1"/>
-                </a:solidFill>
-                <a:tailEnd type="triangle"/>
-              </a:ln>
-            </p:spPr>
-            <p:style>
-              <a:lnRef idx="1">
-                <a:schemeClr val="accent1"/>
-              </a:lnRef>
-              <a:fillRef idx="0">
-                <a:schemeClr val="accent1"/>
-              </a:fillRef>
-              <a:effectRef idx="0">
-                <a:schemeClr val="accent1"/>
-              </a:effectRef>
-              <a:fontRef idx="minor">
-                <a:schemeClr val="tx1"/>
-              </a:fontRef>
-            </p:style>
-          </p:cxnSp>
-          <p:sp>
-            <p:nvSpPr>
-              <p:cNvPr id="75" name="Diamond 74"/>
-              <p:cNvSpPr/>
-              <p:nvPr/>
-            </p:nvSpPr>
-            <p:spPr>
-              <a:xfrm rot="16200000">
-                <a:off x="6057970" y="4699227"/>
-                <a:ext cx="197456" cy="231649"/>
-              </a:xfrm>
-              <a:prstGeom prst="diamond">
-                <a:avLst/>
-              </a:prstGeom>
-            </p:spPr>
-            <p:style>
-              <a:lnRef idx="2">
-                <a:schemeClr val="accent1">
-                  <a:shade val="50000"/>
-                </a:schemeClr>
-              </a:lnRef>
-              <a:fillRef idx="1">
-                <a:schemeClr val="accent1"/>
-              </a:fillRef>
-              <a:effectRef idx="0">
-                <a:schemeClr val="accent1"/>
-              </a:effectRef>
-              <a:fontRef idx="minor">
-                <a:schemeClr val="lt1"/>
-              </a:fontRef>
-            </p:style>
-            <p:txBody>
-              <a:bodyPr rtlCol="0" anchor="ctr"/>
-              <a:lstStyle/>
-              <a:p>
-                <a:pPr algn="ctr"/>
-                <a:endParaRPr lang="en-SG"/>
-              </a:p>
-            </p:txBody>
-          </p:sp>
-          <p:sp>
-            <p:nvSpPr>
-              <p:cNvPr id="80" name="Diamond 79"/>
-              <p:cNvSpPr/>
-              <p:nvPr/>
-            </p:nvSpPr>
-            <p:spPr>
-              <a:xfrm>
-                <a:off x="7696069" y="2920817"/>
-                <a:ext cx="197456" cy="231649"/>
-              </a:xfrm>
-              <a:prstGeom prst="diamond">
-                <a:avLst/>
-              </a:prstGeom>
-            </p:spPr>
-            <p:style>
-              <a:lnRef idx="2">
-                <a:schemeClr val="accent1">
-                  <a:shade val="50000"/>
-                </a:schemeClr>
-              </a:lnRef>
-              <a:fillRef idx="1">
-                <a:schemeClr val="accent1"/>
-              </a:fillRef>
-              <a:effectRef idx="0">
-                <a:schemeClr val="accent1"/>
-              </a:effectRef>
-              <a:fontRef idx="minor">
-                <a:schemeClr val="lt1"/>
-              </a:fontRef>
-            </p:style>
-            <p:txBody>
-              <a:bodyPr rtlCol="0" anchor="ctr"/>
-              <a:lstStyle/>
-              <a:p>
-                <a:pPr algn="ctr"/>
-                <a:endParaRPr lang="en-SG" dirty="0"/>
-              </a:p>
-            </p:txBody>
-          </p:sp>
-          <p:cxnSp>
-            <p:nvCxnSpPr>
-              <p:cNvPr id="81" name="Straight Arrow Connector 80"/>
-              <p:cNvCxnSpPr/>
-              <p:nvPr/>
-            </p:nvCxnSpPr>
-            <p:spPr>
-              <a:xfrm>
-                <a:off x="7778797" y="2693853"/>
-                <a:ext cx="0" cy="229274"/>
-              </a:xfrm>
-              <a:prstGeom prst="straightConnector1">
-                <a:avLst/>
-              </a:prstGeom>
-              <a:ln>
-                <a:solidFill>
-                  <a:schemeClr val="accent1"/>
-                </a:solidFill>
-                <a:headEnd type="triangle" w="med" len="med"/>
-                <a:tailEnd type="none" w="med" len="med"/>
-              </a:ln>
-            </p:spPr>
-            <p:style>
-              <a:lnRef idx="1">
-                <a:schemeClr val="accent1"/>
-              </a:lnRef>
-              <a:fillRef idx="0">
-                <a:schemeClr val="accent1"/>
-              </a:fillRef>
-              <a:effectRef idx="0">
-                <a:schemeClr val="accent1"/>
-              </a:effectRef>
-              <a:fontRef idx="minor">
-                <a:schemeClr val="tx1"/>
-              </a:fontRef>
-            </p:style>
-          </p:cxnSp>
-        </p:grpSp>
-        <p:cxnSp>
-          <p:nvCxnSpPr>
-            <p:cNvPr id="44" name="Connector: Elbow 2"/>
-            <p:cNvCxnSpPr>
-              <a:stCxn id="61" idx="1"/>
-              <a:endCxn id="38" idx="3"/>
-            </p:cNvCxnSpPr>
-            <p:nvPr/>
-          </p:nvCxnSpPr>
-          <p:spPr>
-            <a:xfrm rot="10800000">
-              <a:off x="3952287" y="4707562"/>
-              <a:ext cx="472725" cy="12700"/>
-            </a:xfrm>
-            <a:prstGeom prst="bentConnector3">
-              <a:avLst>
-                <a:gd name="adj1" fmla="val 50000"/>
-              </a:avLst>
-            </a:prstGeom>
-            <a:ln>
-              <a:prstDash val="dash"/>
-              <a:tailEnd type="triangle"/>
-            </a:ln>
-          </p:spPr>
-          <p:style>
-            <a:lnRef idx="1">
-              <a:schemeClr val="accent1"/>
-            </a:lnRef>
-            <a:fillRef idx="0">
-              <a:schemeClr val="accent1"/>
-            </a:fillRef>
-            <a:effectRef idx="0">
-              <a:schemeClr val="accent1"/>
-            </a:effectRef>
-            <a:fontRef idx="minor">
-              <a:schemeClr val="tx1"/>
-            </a:fontRef>
-          </p:style>
-        </p:cxnSp>
-        <p:cxnSp>
-          <p:nvCxnSpPr>
-            <p:cNvPr id="97" name="Elbow Connector 96"/>
-            <p:cNvCxnSpPr>
-              <a:endCxn id="50" idx="2"/>
-            </p:cNvCxnSpPr>
-            <p:nvPr/>
-          </p:nvCxnSpPr>
-          <p:spPr>
-            <a:xfrm flipV="1">
-              <a:off x="6017381" y="3599726"/>
-              <a:ext cx="1748541" cy="1136711"/>
-            </a:xfrm>
-            <a:prstGeom prst="bentConnector2">
+            <a:prstGeom prst="rect">
               <a:avLst/>
             </a:prstGeom>
-            <a:ln>
-              <a:tailEnd type="arrow"/>
-            </a:ln>
+            <a:noFill/>
           </p:spPr>
-          <p:style>
-            <a:lnRef idx="1">
-              <a:schemeClr val="accent1"/>
-            </a:lnRef>
-            <a:fillRef idx="0">
-              <a:schemeClr val="accent1"/>
-            </a:fillRef>
-            <a:effectRef idx="0">
-              <a:schemeClr val="accent1"/>
-            </a:effectRef>
-            <a:fontRef idx="minor">
-              <a:schemeClr val="tx1"/>
-            </a:fontRef>
-          </p:style>
-        </p:cxnSp>
+          <p:txBody>
+            <a:bodyPr wrap="none" rtlCol="0">
+              <a:spAutoFit/>
+            </a:bodyPr>
+            <a:lstStyle/>
+            <a:p>
+              <a:r>
+                <a:rPr lang="en-SG" sz="2000" dirty="0">
+                  <a:solidFill>
+                    <a:schemeClr val="accent1"/>
+                  </a:solidFill>
+                  <a:latin typeface="Eras Medium ITC" panose="020B0602030504020804" pitchFamily="34" charset="0"/>
+                </a:rPr>
+                <a:t>Figure 7: Command Execution Sequence Diagram</a:t>
+              </a:r>
+            </a:p>
+          </p:txBody>
+        </p:sp>
+        <p:pic>
+          <p:nvPicPr>
+            <p:cNvPr id="3" name="Picture 2"/>
+            <p:cNvPicPr>
+              <a:picLocks noChangeAspect="1"/>
+            </p:cNvPicPr>
+            <p:nvPr/>
+          </p:nvPicPr>
+          <p:blipFill>
+            <a:blip r:embed="rId2">
+              <a:extLst>
+                <a:ext uri="{28A0092B-C50C-407E-A947-70E740481C1C}">
+                  <a14:useLocalDpi xmlns:a14="http://schemas.microsoft.com/office/drawing/2010/main" val="0"/>
+                </a:ext>
+              </a:extLst>
+            </a:blip>
+            <a:stretch>
+              <a:fillRect/>
+            </a:stretch>
+          </p:blipFill>
+          <p:spPr>
+            <a:xfrm>
+              <a:off x="2217994" y="0"/>
+              <a:ext cx="7453647" cy="5826154"/>
+            </a:xfrm>
+            <a:prstGeom prst="rect">
+              <a:avLst/>
+            </a:prstGeom>
+          </p:spPr>
+        </p:pic>
       </p:grpSp>
     </p:spTree>
     <p:extLst>
       <p:ext uri="{BB962C8B-B14F-4D97-AF65-F5344CB8AC3E}">
-        <p14:creationId xmlns:p14="http://schemas.microsoft.com/office/powerpoint/2010/main" val="1577130838"/>
+        <p14:creationId xmlns:p14="http://schemas.microsoft.com/office/powerpoint/2010/main" val="1946307623"/>
       </p:ext>
     </p:extLst>
   </p:cSld>
@@ -8790,1756 +6026,6 @@
 </file>
 
 <file path=ppt/slides/slide8.xml><?xml version="1.0" encoding="utf-8"?>
-<p:sld xmlns:a="http://schemas.openxmlformats.org/drawingml/2006/main" xmlns:r="http://schemas.openxmlformats.org/officeDocument/2006/relationships" xmlns:p="http://schemas.openxmlformats.org/presentationml/2006/main">
-  <p:cSld>
-    <p:spTree>
-      <p:nvGrpSpPr>
-        <p:cNvPr id="1" name=""/>
-        <p:cNvGrpSpPr/>
-        <p:nvPr/>
-      </p:nvGrpSpPr>
-      <p:grpSpPr>
-        <a:xfrm>
-          <a:off x="0" y="0"/>
-          <a:ext cx="0" cy="0"/>
-          <a:chOff x="0" y="0"/>
-          <a:chExt cx="0" cy="0"/>
-        </a:xfrm>
-      </p:grpSpPr>
-      <p:sp>
-        <p:nvSpPr>
-          <p:cNvPr id="4" name="TextBox 3"/>
-          <p:cNvSpPr txBox="1"/>
-          <p:nvPr/>
-        </p:nvSpPr>
-        <p:spPr>
-          <a:xfrm>
-            <a:off x="0" y="0"/>
-            <a:ext cx="3928896" cy="369332"/>
-          </a:xfrm>
-          <a:prstGeom prst="rect">
-            <a:avLst/>
-          </a:prstGeom>
-          <a:noFill/>
-        </p:spPr>
-        <p:txBody>
-          <a:bodyPr wrap="none" rtlCol="0">
-            <a:spAutoFit/>
-          </a:bodyPr>
-          <a:lstStyle/>
-          <a:p>
-            <a:r>
-              <a:rPr lang="en-SG" dirty="0">
-                <a:latin typeface="Garamond" panose="02020404030301010803" pitchFamily="18" charset="0"/>
-              </a:rPr>
-              <a:t>Sequence Diagram for generic commands</a:t>
-            </a:r>
-          </a:p>
-        </p:txBody>
-      </p:sp>
-      <p:grpSp>
-        <p:nvGrpSpPr>
-          <p:cNvPr id="58" name="Group 57"/>
-          <p:cNvGrpSpPr/>
-          <p:nvPr/>
-        </p:nvGrpSpPr>
-        <p:grpSpPr>
-          <a:xfrm>
-            <a:off x="2336799" y="886658"/>
-            <a:ext cx="8154289" cy="5514733"/>
-            <a:chOff x="180567" y="456608"/>
-            <a:chExt cx="8790178" cy="5944784"/>
-          </a:xfrm>
-        </p:grpSpPr>
-        <p:cxnSp>
-          <p:nvCxnSpPr>
-            <p:cNvPr id="53" name="Straight Connector 52"/>
-            <p:cNvCxnSpPr>
-              <a:stCxn id="45" idx="2"/>
-            </p:cNvCxnSpPr>
-            <p:nvPr/>
-          </p:nvCxnSpPr>
-          <p:spPr>
-            <a:xfrm flipH="1">
-              <a:off x="7190519" y="2788768"/>
-              <a:ext cx="6895" cy="1032461"/>
-            </a:xfrm>
-            <a:prstGeom prst="line">
-              <a:avLst/>
-            </a:prstGeom>
-            <a:ln w="19050">
-              <a:solidFill>
-                <a:schemeClr val="tx1"/>
-              </a:solidFill>
-              <a:prstDash val="sysDash"/>
-            </a:ln>
-          </p:spPr>
-          <p:style>
-            <a:lnRef idx="1">
-              <a:schemeClr val="accent1"/>
-            </a:lnRef>
-            <a:fillRef idx="0">
-              <a:schemeClr val="accent1"/>
-            </a:fillRef>
-            <a:effectRef idx="0">
-              <a:schemeClr val="accent1"/>
-            </a:effectRef>
-            <a:fontRef idx="minor">
-              <a:schemeClr val="tx1"/>
-            </a:fontRef>
-          </p:style>
-        </p:cxnSp>
-        <p:grpSp>
-          <p:nvGrpSpPr>
-            <p:cNvPr id="57" name="Group 56"/>
-            <p:cNvGrpSpPr/>
-            <p:nvPr/>
-          </p:nvGrpSpPr>
-          <p:grpSpPr>
-            <a:xfrm>
-              <a:off x="180567" y="456608"/>
-              <a:ext cx="8790178" cy="5944784"/>
-              <a:chOff x="180567" y="717344"/>
-              <a:chExt cx="8790178" cy="5944784"/>
-            </a:xfrm>
-          </p:grpSpPr>
-          <p:sp>
-            <p:nvSpPr>
-              <p:cNvPr id="31" name="TextBox 30"/>
-              <p:cNvSpPr txBox="1"/>
-              <p:nvPr/>
-            </p:nvSpPr>
-            <p:spPr>
-              <a:xfrm>
-                <a:off x="4928145" y="2252316"/>
-                <a:ext cx="4042600" cy="276999"/>
-              </a:xfrm>
-              <a:prstGeom prst="rect">
-                <a:avLst/>
-              </a:prstGeom>
-              <a:noFill/>
-            </p:spPr>
-            <p:txBody>
-              <a:bodyPr wrap="square" rtlCol="0">
-                <a:spAutoFit/>
-              </a:bodyPr>
-              <a:lstStyle/>
-              <a:p>
-                <a:r>
-                  <a:rPr lang="en-SG" sz="1200" dirty="0"/>
-                  <a:t>[Until first command that respond to </a:t>
-                </a:r>
-                <a:r>
-                  <a:rPr lang="en-SG" sz="1200" dirty="0" err="1"/>
-                  <a:t>userInput</a:t>
-                </a:r>
-                <a:r>
-                  <a:rPr lang="en-SG" sz="1200" dirty="0"/>
-                  <a:t>]</a:t>
-                </a:r>
-              </a:p>
-            </p:txBody>
-          </p:sp>
-          <p:grpSp>
-            <p:nvGrpSpPr>
-              <p:cNvPr id="56" name="Group 55"/>
-              <p:cNvGrpSpPr/>
-              <p:nvPr/>
-            </p:nvGrpSpPr>
-            <p:grpSpPr>
-              <a:xfrm>
-                <a:off x="180567" y="717344"/>
-                <a:ext cx="8135660" cy="5944784"/>
-                <a:chOff x="180567" y="717344"/>
-                <a:chExt cx="8135660" cy="5944784"/>
-              </a:xfrm>
-            </p:grpSpPr>
-            <p:sp>
-              <p:nvSpPr>
-                <p:cNvPr id="43" name="Rectangle 42"/>
-                <p:cNvSpPr/>
-                <p:nvPr/>
-              </p:nvSpPr>
-              <p:spPr>
-                <a:xfrm>
-                  <a:off x="1811275" y="717344"/>
-                  <a:ext cx="1592370" cy="533885"/>
-                </a:xfrm>
-                <a:prstGeom prst="rect">
-                  <a:avLst/>
-                </a:prstGeom>
-                <a:gradFill>
-                  <a:gsLst>
-                    <a:gs pos="29000">
-                      <a:schemeClr val="accent1">
-                        <a:lumMod val="40000"/>
-                        <a:lumOff val="60000"/>
-                      </a:schemeClr>
-                    </a:gs>
-                    <a:gs pos="100000">
-                      <a:schemeClr val="accent1">
-                        <a:lumMod val="20000"/>
-                        <a:lumOff val="80000"/>
-                      </a:schemeClr>
-                    </a:gs>
-                  </a:gsLst>
-                  <a:lin ang="5400000" scaled="1"/>
-                </a:gradFill>
-                <a:ln w="12700">
-                  <a:solidFill>
-                    <a:schemeClr val="accent1"/>
-                  </a:solidFill>
-                </a:ln>
-              </p:spPr>
-              <p:style>
-                <a:lnRef idx="1">
-                  <a:schemeClr val="accent6"/>
-                </a:lnRef>
-                <a:fillRef idx="2">
-                  <a:schemeClr val="accent6"/>
-                </a:fillRef>
-                <a:effectRef idx="1">
-                  <a:schemeClr val="accent6"/>
-                </a:effectRef>
-                <a:fontRef idx="minor">
-                  <a:schemeClr val="dk1"/>
-                </a:fontRef>
-              </p:style>
-              <p:txBody>
-                <a:bodyPr rtlCol="0" anchor="ctr"/>
-                <a:lstStyle/>
-                <a:p>
-                  <a:pPr algn="ctr"/>
-                  <a:r>
-                    <a:rPr lang="en-SG" sz="1400" dirty="0">
-                      <a:solidFill>
-                        <a:schemeClr val="accent1"/>
-                      </a:solidFill>
-                    </a:rPr>
-                    <a:t>:</a:t>
-                  </a:r>
-                  <a:r>
-                    <a:rPr lang="en-SG" sz="1400" dirty="0" err="1">
-                      <a:solidFill>
-                        <a:schemeClr val="accent1"/>
-                      </a:solidFill>
-                    </a:rPr>
-                    <a:t>ControlUnit</a:t>
-                  </a:r>
-                  <a:endParaRPr lang="en-SG" sz="1400" dirty="0">
-                    <a:solidFill>
-                      <a:schemeClr val="accent1"/>
-                    </a:solidFill>
-                  </a:endParaRPr>
-                </a:p>
-              </p:txBody>
-            </p:sp>
-            <p:sp>
-              <p:nvSpPr>
-                <p:cNvPr id="44" name="Rectangle 43"/>
-                <p:cNvSpPr/>
-                <p:nvPr/>
-              </p:nvSpPr>
-              <p:spPr>
-                <a:xfrm>
-                  <a:off x="4097429" y="908244"/>
-                  <a:ext cx="1636217" cy="533885"/>
-                </a:xfrm>
-                <a:prstGeom prst="rect">
-                  <a:avLst/>
-                </a:prstGeom>
-                <a:gradFill>
-                  <a:gsLst>
-                    <a:gs pos="29000">
-                      <a:schemeClr val="accent1">
-                        <a:lumMod val="40000"/>
-                        <a:lumOff val="60000"/>
-                      </a:schemeClr>
-                    </a:gs>
-                    <a:gs pos="100000">
-                      <a:schemeClr val="accent1">
-                        <a:lumMod val="20000"/>
-                        <a:lumOff val="80000"/>
-                      </a:schemeClr>
-                    </a:gs>
-                  </a:gsLst>
-                  <a:lin ang="5400000" scaled="1"/>
-                </a:gradFill>
-                <a:ln w="12700">
-                  <a:solidFill>
-                    <a:schemeClr val="accent1"/>
-                  </a:solidFill>
-                </a:ln>
-              </p:spPr>
-              <p:style>
-                <a:lnRef idx="1">
-                  <a:schemeClr val="accent6"/>
-                </a:lnRef>
-                <a:fillRef idx="2">
-                  <a:schemeClr val="accent6"/>
-                </a:fillRef>
-                <a:effectRef idx="1">
-                  <a:schemeClr val="accent6"/>
-                </a:effectRef>
-                <a:fontRef idx="minor">
-                  <a:schemeClr val="dk1"/>
-                </a:fontRef>
-              </p:style>
-              <p:txBody>
-                <a:bodyPr rtlCol="0" anchor="ctr"/>
-                <a:lstStyle/>
-                <a:p>
-                  <a:pPr algn="ctr"/>
-                  <a:r>
-                    <a:rPr lang="en-SG" sz="1400" dirty="0">
-                      <a:solidFill>
-                        <a:schemeClr val="accent1"/>
-                      </a:solidFill>
-                    </a:rPr>
-                    <a:t>:</a:t>
-                  </a:r>
-                  <a:r>
-                    <a:rPr lang="en-SG" sz="1400" dirty="0" err="1">
-                      <a:solidFill>
-                        <a:schemeClr val="accent1"/>
-                      </a:solidFill>
-                    </a:rPr>
-                    <a:t>CommandManager</a:t>
-                  </a:r>
-                  <a:endParaRPr lang="en-SG" sz="1400" dirty="0">
-                    <a:solidFill>
-                      <a:schemeClr val="accent1"/>
-                    </a:solidFill>
-                  </a:endParaRPr>
-                </a:p>
-              </p:txBody>
-            </p:sp>
-            <p:sp>
-              <p:nvSpPr>
-                <p:cNvPr id="45" name="Rectangle 44"/>
-                <p:cNvSpPr/>
-                <p:nvPr/>
-              </p:nvSpPr>
-              <p:spPr>
-                <a:xfrm>
-                  <a:off x="6379305" y="2515619"/>
-                  <a:ext cx="1636217" cy="533885"/>
-                </a:xfrm>
-                <a:prstGeom prst="rect">
-                  <a:avLst/>
-                </a:prstGeom>
-                <a:gradFill>
-                  <a:gsLst>
-                    <a:gs pos="29000">
-                      <a:schemeClr val="accent1">
-                        <a:lumMod val="40000"/>
-                        <a:lumOff val="60000"/>
-                      </a:schemeClr>
-                    </a:gs>
-                    <a:gs pos="100000">
-                      <a:schemeClr val="accent1">
-                        <a:lumMod val="20000"/>
-                        <a:lumOff val="80000"/>
-                      </a:schemeClr>
-                    </a:gs>
-                  </a:gsLst>
-                  <a:lin ang="5400000" scaled="1"/>
-                </a:gradFill>
-                <a:ln w="12700">
-                  <a:solidFill>
-                    <a:schemeClr val="accent1"/>
-                  </a:solidFill>
-                </a:ln>
-              </p:spPr>
-              <p:style>
-                <a:lnRef idx="1">
-                  <a:schemeClr val="accent6"/>
-                </a:lnRef>
-                <a:fillRef idx="2">
-                  <a:schemeClr val="accent6"/>
-                </a:fillRef>
-                <a:effectRef idx="1">
-                  <a:schemeClr val="accent6"/>
-                </a:effectRef>
-                <a:fontRef idx="minor">
-                  <a:schemeClr val="dk1"/>
-                </a:fontRef>
-              </p:style>
-              <p:txBody>
-                <a:bodyPr rtlCol="0" anchor="ctr"/>
-                <a:lstStyle/>
-                <a:p>
-                  <a:pPr algn="ctr"/>
-                  <a:r>
-                    <a:rPr lang="en-SG" sz="1400" dirty="0">
-                      <a:solidFill>
-                        <a:schemeClr val="accent1"/>
-                      </a:solidFill>
-                    </a:rPr>
-                    <a:t>:Command</a:t>
-                  </a:r>
-                </a:p>
-              </p:txBody>
-            </p:sp>
-            <p:sp>
-              <p:nvSpPr>
-                <p:cNvPr id="46" name="Rectangle 45"/>
-                <p:cNvSpPr/>
-                <p:nvPr/>
-              </p:nvSpPr>
-              <p:spPr>
-                <a:xfrm>
-                  <a:off x="6360742" y="4246605"/>
-                  <a:ext cx="1636217" cy="533885"/>
-                </a:xfrm>
-                <a:prstGeom prst="rect">
-                  <a:avLst/>
-                </a:prstGeom>
-                <a:gradFill>
-                  <a:gsLst>
-                    <a:gs pos="29000">
-                      <a:schemeClr val="accent1">
-                        <a:lumMod val="40000"/>
-                        <a:lumOff val="60000"/>
-                      </a:schemeClr>
-                    </a:gs>
-                    <a:gs pos="100000">
-                      <a:schemeClr val="accent1">
-                        <a:lumMod val="20000"/>
-                        <a:lumOff val="80000"/>
-                      </a:schemeClr>
-                    </a:gs>
-                  </a:gsLst>
-                  <a:lin ang="5400000" scaled="1"/>
-                </a:gradFill>
-                <a:ln w="12700">
-                  <a:solidFill>
-                    <a:schemeClr val="accent1"/>
-                  </a:solidFill>
-                </a:ln>
-              </p:spPr>
-              <p:style>
-                <a:lnRef idx="1">
-                  <a:schemeClr val="accent6"/>
-                </a:lnRef>
-                <a:fillRef idx="2">
-                  <a:schemeClr val="accent6"/>
-                </a:fillRef>
-                <a:effectRef idx="1">
-                  <a:schemeClr val="accent6"/>
-                </a:effectRef>
-                <a:fontRef idx="minor">
-                  <a:schemeClr val="dk1"/>
-                </a:fontRef>
-              </p:style>
-              <p:txBody>
-                <a:bodyPr rtlCol="0" anchor="ctr"/>
-                <a:lstStyle/>
-                <a:p>
-                  <a:pPr algn="ctr"/>
-                  <a:r>
-                    <a:rPr lang="en-SG" sz="1400" dirty="0" err="1">
-                      <a:solidFill>
-                        <a:schemeClr val="accent1"/>
-                      </a:solidFill>
-                    </a:rPr>
-                    <a:t>FoundCommand</a:t>
-                  </a:r>
-                  <a:endParaRPr lang="en-SG" sz="1400" dirty="0">
-                    <a:solidFill>
-                      <a:schemeClr val="accent1"/>
-                    </a:solidFill>
-                  </a:endParaRPr>
-                </a:p>
-                <a:p>
-                  <a:pPr algn="ctr"/>
-                  <a:r>
-                    <a:rPr lang="en-SG" sz="1400" dirty="0">
-                      <a:solidFill>
-                        <a:schemeClr val="accent1"/>
-                      </a:solidFill>
-                    </a:rPr>
-                    <a:t>:Command</a:t>
-                  </a:r>
-                </a:p>
-              </p:txBody>
-            </p:sp>
-            <p:cxnSp>
-              <p:nvCxnSpPr>
-                <p:cNvPr id="48" name="Straight Connector 47"/>
-                <p:cNvCxnSpPr>
-                  <a:stCxn id="43" idx="2"/>
-                </p:cNvCxnSpPr>
-                <p:nvPr/>
-              </p:nvCxnSpPr>
-              <p:spPr>
-                <a:xfrm>
-                  <a:off x="2607460" y="1251229"/>
-                  <a:ext cx="0" cy="5400000"/>
-                </a:xfrm>
-                <a:prstGeom prst="line">
-                  <a:avLst/>
-                </a:prstGeom>
-                <a:ln w="19050">
-                  <a:solidFill>
-                    <a:schemeClr val="tx1"/>
-                  </a:solidFill>
-                  <a:prstDash val="sysDash"/>
-                </a:ln>
-              </p:spPr>
-              <p:style>
-                <a:lnRef idx="1">
-                  <a:schemeClr val="accent1"/>
-                </a:lnRef>
-                <a:fillRef idx="0">
-                  <a:schemeClr val="accent1"/>
-                </a:fillRef>
-                <a:effectRef idx="0">
-                  <a:schemeClr val="accent1"/>
-                </a:effectRef>
-                <a:fontRef idx="minor">
-                  <a:schemeClr val="tx1"/>
-                </a:fontRef>
-              </p:style>
-            </p:cxnSp>
-            <p:cxnSp>
-              <p:nvCxnSpPr>
-                <p:cNvPr id="51" name="Straight Connector 50"/>
-                <p:cNvCxnSpPr>
-                  <a:stCxn id="44" idx="2"/>
-                </p:cNvCxnSpPr>
-                <p:nvPr/>
-              </p:nvCxnSpPr>
-              <p:spPr>
-                <a:xfrm flipH="1">
-                  <a:off x="4906294" y="1442128"/>
-                  <a:ext cx="9244" cy="5220000"/>
-                </a:xfrm>
-                <a:prstGeom prst="line">
-                  <a:avLst/>
-                </a:prstGeom>
-                <a:ln w="19050">
-                  <a:solidFill>
-                    <a:schemeClr val="tx1"/>
-                  </a:solidFill>
-                  <a:prstDash val="sysDash"/>
-                </a:ln>
-              </p:spPr>
-              <p:style>
-                <a:lnRef idx="1">
-                  <a:schemeClr val="accent1"/>
-                </a:lnRef>
-                <a:fillRef idx="0">
-                  <a:schemeClr val="accent1"/>
-                </a:fillRef>
-                <a:effectRef idx="0">
-                  <a:schemeClr val="accent1"/>
-                </a:effectRef>
-                <a:fontRef idx="minor">
-                  <a:schemeClr val="tx1"/>
-                </a:fontRef>
-              </p:style>
-            </p:cxnSp>
-            <p:cxnSp>
-              <p:nvCxnSpPr>
-                <p:cNvPr id="66" name="Straight Connector 65"/>
-                <p:cNvCxnSpPr>
-                  <a:stCxn id="46" idx="2"/>
-                </p:cNvCxnSpPr>
-                <p:nvPr/>
-              </p:nvCxnSpPr>
-              <p:spPr>
-                <a:xfrm>
-                  <a:off x="7178851" y="4780490"/>
-                  <a:ext cx="1595" cy="1851316"/>
-                </a:xfrm>
-                <a:prstGeom prst="line">
-                  <a:avLst/>
-                </a:prstGeom>
-                <a:ln w="19050">
-                  <a:solidFill>
-                    <a:schemeClr val="tx1"/>
-                  </a:solidFill>
-                  <a:prstDash val="sysDash"/>
-                </a:ln>
-              </p:spPr>
-              <p:style>
-                <a:lnRef idx="1">
-                  <a:schemeClr val="accent1"/>
-                </a:lnRef>
-                <a:fillRef idx="0">
-                  <a:schemeClr val="accent1"/>
-                </a:fillRef>
-                <a:effectRef idx="0">
-                  <a:schemeClr val="accent1"/>
-                </a:effectRef>
-                <a:fontRef idx="minor">
-                  <a:schemeClr val="tx1"/>
-                </a:fontRef>
-              </p:style>
-            </p:cxnSp>
-            <p:sp>
-              <p:nvSpPr>
-                <p:cNvPr id="78" name="Rectangle 77"/>
-                <p:cNvSpPr/>
-                <p:nvPr/>
-              </p:nvSpPr>
-              <p:spPr>
-                <a:xfrm>
-                  <a:off x="2550814" y="1418389"/>
-                  <a:ext cx="108000" cy="5040000"/>
-                </a:xfrm>
-                <a:prstGeom prst="rect">
-                  <a:avLst/>
-                </a:prstGeom>
-                <a:gradFill>
-                  <a:gsLst>
-                    <a:gs pos="29000">
-                      <a:schemeClr val="accent1">
-                        <a:lumMod val="40000"/>
-                        <a:lumOff val="60000"/>
-                      </a:schemeClr>
-                    </a:gs>
-                    <a:gs pos="100000">
-                      <a:schemeClr val="accent1">
-                        <a:lumMod val="20000"/>
-                        <a:lumOff val="80000"/>
-                      </a:schemeClr>
-                    </a:gs>
-                  </a:gsLst>
-                  <a:lin ang="5400000" scaled="1"/>
-                </a:gradFill>
-                <a:ln w="12700">
-                  <a:solidFill>
-                    <a:schemeClr val="accent1"/>
-                  </a:solidFill>
-                </a:ln>
-              </p:spPr>
-              <p:style>
-                <a:lnRef idx="1">
-                  <a:schemeClr val="accent6"/>
-                </a:lnRef>
-                <a:fillRef idx="2">
-                  <a:schemeClr val="accent6"/>
-                </a:fillRef>
-                <a:effectRef idx="1">
-                  <a:schemeClr val="accent6"/>
-                </a:effectRef>
-                <a:fontRef idx="minor">
-                  <a:schemeClr val="dk1"/>
-                </a:fontRef>
-              </p:style>
-              <p:txBody>
-                <a:bodyPr rtlCol="0" anchor="ctr"/>
-                <a:lstStyle/>
-                <a:p>
-                  <a:pPr algn="ctr"/>
-                  <a:r>
-                    <a:rPr lang="en-SG" sz="1400" dirty="0">
-                      <a:solidFill>
-                        <a:schemeClr val="accent1"/>
-                      </a:solidFill>
-                    </a:rPr>
-                    <a:t>:</a:t>
-                  </a:r>
-                </a:p>
-              </p:txBody>
-            </p:sp>
-            <p:sp>
-              <p:nvSpPr>
-                <p:cNvPr id="79" name="Rectangle 78"/>
-                <p:cNvSpPr/>
-                <p:nvPr/>
-              </p:nvSpPr>
-              <p:spPr>
-                <a:xfrm>
-                  <a:off x="4861537" y="1822639"/>
-                  <a:ext cx="108000" cy="2160000"/>
-                </a:xfrm>
-                <a:prstGeom prst="rect">
-                  <a:avLst/>
-                </a:prstGeom>
-                <a:gradFill>
-                  <a:gsLst>
-                    <a:gs pos="29000">
-                      <a:schemeClr val="accent1">
-                        <a:lumMod val="40000"/>
-                        <a:lumOff val="60000"/>
-                      </a:schemeClr>
-                    </a:gs>
-                    <a:gs pos="100000">
-                      <a:schemeClr val="accent1">
-                        <a:lumMod val="20000"/>
-                        <a:lumOff val="80000"/>
-                      </a:schemeClr>
-                    </a:gs>
-                  </a:gsLst>
-                  <a:lin ang="5400000" scaled="1"/>
-                </a:gradFill>
-                <a:ln w="12700">
-                  <a:solidFill>
-                    <a:schemeClr val="accent1"/>
-                  </a:solidFill>
-                </a:ln>
-              </p:spPr>
-              <p:style>
-                <a:lnRef idx="1">
-                  <a:schemeClr val="accent6"/>
-                </a:lnRef>
-                <a:fillRef idx="2">
-                  <a:schemeClr val="accent6"/>
-                </a:fillRef>
-                <a:effectRef idx="1">
-                  <a:schemeClr val="accent6"/>
-                </a:effectRef>
-                <a:fontRef idx="minor">
-                  <a:schemeClr val="dk1"/>
-                </a:fontRef>
-              </p:style>
-              <p:txBody>
-                <a:bodyPr rtlCol="0" anchor="ctr"/>
-                <a:lstStyle/>
-                <a:p>
-                  <a:pPr algn="ctr"/>
-                  <a:r>
-                    <a:rPr lang="en-SG" sz="1400" dirty="0">
-                      <a:solidFill>
-                        <a:schemeClr val="accent1"/>
-                      </a:solidFill>
-                    </a:rPr>
-                    <a:t>:</a:t>
-                  </a:r>
-                </a:p>
-              </p:txBody>
-            </p:sp>
-            <p:sp>
-              <p:nvSpPr>
-                <p:cNvPr id="82" name="Rectangle 81"/>
-                <p:cNvSpPr/>
-                <p:nvPr/>
-              </p:nvSpPr>
-              <p:spPr>
-                <a:xfrm>
-                  <a:off x="4861537" y="4204014"/>
-                  <a:ext cx="108000" cy="1800000"/>
-                </a:xfrm>
-                <a:prstGeom prst="rect">
-                  <a:avLst/>
-                </a:prstGeom>
-                <a:gradFill>
-                  <a:gsLst>
-                    <a:gs pos="29000">
-                      <a:schemeClr val="accent1">
-                        <a:lumMod val="40000"/>
-                        <a:lumOff val="60000"/>
-                      </a:schemeClr>
-                    </a:gs>
-                    <a:gs pos="100000">
-                      <a:schemeClr val="accent1">
-                        <a:lumMod val="20000"/>
-                        <a:lumOff val="80000"/>
-                      </a:schemeClr>
-                    </a:gs>
-                  </a:gsLst>
-                  <a:lin ang="5400000" scaled="1"/>
-                </a:gradFill>
-                <a:ln w="12700">
-                  <a:solidFill>
-                    <a:schemeClr val="accent1"/>
-                  </a:solidFill>
-                </a:ln>
-              </p:spPr>
-              <p:style>
-                <a:lnRef idx="1">
-                  <a:schemeClr val="accent6"/>
-                </a:lnRef>
-                <a:fillRef idx="2">
-                  <a:schemeClr val="accent6"/>
-                </a:fillRef>
-                <a:effectRef idx="1">
-                  <a:schemeClr val="accent6"/>
-                </a:effectRef>
-                <a:fontRef idx="minor">
-                  <a:schemeClr val="dk1"/>
-                </a:fontRef>
-              </p:style>
-              <p:txBody>
-                <a:bodyPr rtlCol="0" anchor="ctr"/>
-                <a:lstStyle/>
-                <a:p>
-                  <a:pPr algn="ctr"/>
-                  <a:r>
-                    <a:rPr lang="en-SG" sz="1400" dirty="0">
-                      <a:solidFill>
-                        <a:schemeClr val="accent1"/>
-                      </a:solidFill>
-                    </a:rPr>
-                    <a:t>:</a:t>
-                  </a:r>
-                </a:p>
-              </p:txBody>
-            </p:sp>
-            <p:sp>
-              <p:nvSpPr>
-                <p:cNvPr id="83" name="Rectangle 82"/>
-                <p:cNvSpPr/>
-                <p:nvPr/>
-              </p:nvSpPr>
-              <p:spPr>
-                <a:xfrm>
-                  <a:off x="7131496" y="3208639"/>
-                  <a:ext cx="108000" cy="792000"/>
-                </a:xfrm>
-                <a:prstGeom prst="rect">
-                  <a:avLst/>
-                </a:prstGeom>
-                <a:gradFill>
-                  <a:gsLst>
-                    <a:gs pos="29000">
-                      <a:schemeClr val="accent1">
-                        <a:lumMod val="40000"/>
-                        <a:lumOff val="60000"/>
-                      </a:schemeClr>
-                    </a:gs>
-                    <a:gs pos="100000">
-                      <a:schemeClr val="accent1">
-                        <a:lumMod val="20000"/>
-                        <a:lumOff val="80000"/>
-                      </a:schemeClr>
-                    </a:gs>
-                  </a:gsLst>
-                  <a:lin ang="5400000" scaled="1"/>
-                </a:gradFill>
-                <a:ln w="12700">
-                  <a:solidFill>
-                    <a:schemeClr val="accent1"/>
-                  </a:solidFill>
-                </a:ln>
-              </p:spPr>
-              <p:style>
-                <a:lnRef idx="1">
-                  <a:schemeClr val="accent6"/>
-                </a:lnRef>
-                <a:fillRef idx="2">
-                  <a:schemeClr val="accent6"/>
-                </a:fillRef>
-                <a:effectRef idx="1">
-                  <a:schemeClr val="accent6"/>
-                </a:effectRef>
-                <a:fontRef idx="minor">
-                  <a:schemeClr val="dk1"/>
-                </a:fontRef>
-              </p:style>
-              <p:txBody>
-                <a:bodyPr rtlCol="0" anchor="ctr"/>
-                <a:lstStyle/>
-                <a:p>
-                  <a:pPr algn="ctr"/>
-                  <a:r>
-                    <a:rPr lang="en-SG" sz="1400" dirty="0">
-                      <a:solidFill>
-                        <a:schemeClr val="accent1"/>
-                      </a:solidFill>
-                    </a:rPr>
-                    <a:t>:</a:t>
-                  </a:r>
-                </a:p>
-              </p:txBody>
-            </p:sp>
-            <p:grpSp>
-              <p:nvGrpSpPr>
-                <p:cNvPr id="90" name="Group 89"/>
-                <p:cNvGrpSpPr/>
-                <p:nvPr/>
-              </p:nvGrpSpPr>
-              <p:grpSpPr>
-                <a:xfrm>
-                  <a:off x="288757" y="1434172"/>
-                  <a:ext cx="2242686" cy="364955"/>
-                  <a:chOff x="240632" y="1722922"/>
-                  <a:chExt cx="2242686" cy="364955"/>
-                </a:xfrm>
-              </p:grpSpPr>
-              <p:cxnSp>
-                <p:nvCxnSpPr>
-                  <p:cNvPr id="85" name="Straight Arrow Connector 84"/>
-                  <p:cNvCxnSpPr/>
-                  <p:nvPr/>
-                </p:nvCxnSpPr>
-                <p:spPr>
-                  <a:xfrm>
-                    <a:off x="240632" y="2079057"/>
-                    <a:ext cx="2242686" cy="0"/>
-                  </a:xfrm>
-                  <a:prstGeom prst="straightConnector1">
-                    <a:avLst/>
-                  </a:prstGeom>
-                  <a:ln w="28575">
-                    <a:solidFill>
-                      <a:schemeClr val="accent1">
-                        <a:lumMod val="75000"/>
-                      </a:schemeClr>
-                    </a:solidFill>
-                    <a:tailEnd type="arrow"/>
-                  </a:ln>
-                </p:spPr>
-                <p:style>
-                  <a:lnRef idx="1">
-                    <a:schemeClr val="accent1"/>
-                  </a:lnRef>
-                  <a:fillRef idx="0">
-                    <a:schemeClr val="accent1"/>
-                  </a:fillRef>
-                  <a:effectRef idx="0">
-                    <a:schemeClr val="accent1"/>
-                  </a:effectRef>
-                  <a:fontRef idx="minor">
-                    <a:schemeClr val="tx1"/>
-                  </a:fontRef>
-                </p:style>
-              </p:cxnSp>
-              <p:sp>
-                <p:nvSpPr>
-                  <p:cNvPr id="89" name="TextBox 88"/>
-                  <p:cNvSpPr txBox="1"/>
-                  <p:nvPr/>
-                </p:nvSpPr>
-                <p:spPr>
-                  <a:xfrm>
-                    <a:off x="250257" y="1722922"/>
-                    <a:ext cx="2233061" cy="364955"/>
-                  </a:xfrm>
-                  <a:prstGeom prst="rect">
-                    <a:avLst/>
-                  </a:prstGeom>
-                  <a:noFill/>
-                </p:spPr>
-                <p:txBody>
-                  <a:bodyPr wrap="square" rtlCol="0">
-                    <a:spAutoFit/>
-                  </a:bodyPr>
-                  <a:lstStyle/>
-                  <a:p>
-                    <a:pPr algn="ctr"/>
-                    <a:r>
-                      <a:rPr lang="en-SG" sz="1600" i="1" dirty="0"/>
-                      <a:t>execute(</a:t>
-                    </a:r>
-                    <a:r>
-                      <a:rPr lang="en-SG" sz="1600" i="1" dirty="0" err="1"/>
-                      <a:t>userInput</a:t>
-                    </a:r>
-                    <a:r>
-                      <a:rPr lang="en-SG" sz="1600" i="1" dirty="0"/>
-                      <a:t>);</a:t>
-                    </a:r>
-                  </a:p>
-                </p:txBody>
-              </p:sp>
-            </p:grpSp>
-            <p:grpSp>
-              <p:nvGrpSpPr>
-                <p:cNvPr id="22" name="Group 21"/>
-                <p:cNvGrpSpPr/>
-                <p:nvPr/>
-              </p:nvGrpSpPr>
-              <p:grpSpPr>
-                <a:xfrm>
-                  <a:off x="2508192" y="1750201"/>
-                  <a:ext cx="2520000" cy="385010"/>
-                  <a:chOff x="141981" y="1694047"/>
-                  <a:chExt cx="2520000" cy="385010"/>
-                </a:xfrm>
-              </p:grpSpPr>
-              <p:cxnSp>
-                <p:nvCxnSpPr>
-                  <p:cNvPr id="23" name="Straight Arrow Connector 22"/>
-                  <p:cNvCxnSpPr/>
-                  <p:nvPr/>
-                </p:nvCxnSpPr>
-                <p:spPr>
-                  <a:xfrm>
-                    <a:off x="339981" y="2079057"/>
-                    <a:ext cx="2124000" cy="0"/>
-                  </a:xfrm>
-                  <a:prstGeom prst="straightConnector1">
-                    <a:avLst/>
-                  </a:prstGeom>
-                  <a:ln w="28575">
-                    <a:solidFill>
-                      <a:schemeClr val="accent1">
-                        <a:lumMod val="75000"/>
-                      </a:schemeClr>
-                    </a:solidFill>
-                    <a:tailEnd type="arrow"/>
-                  </a:ln>
-                </p:spPr>
-                <p:style>
-                  <a:lnRef idx="1">
-                    <a:schemeClr val="accent1"/>
-                  </a:lnRef>
-                  <a:fillRef idx="0">
-                    <a:schemeClr val="accent1"/>
-                  </a:fillRef>
-                  <a:effectRef idx="0">
-                    <a:schemeClr val="accent1"/>
-                  </a:effectRef>
-                  <a:fontRef idx="minor">
-                    <a:schemeClr val="tx1"/>
-                  </a:fontRef>
-                </p:style>
-              </p:cxnSp>
-              <p:sp>
-                <p:nvSpPr>
-                  <p:cNvPr id="24" name="TextBox 23"/>
-                  <p:cNvSpPr txBox="1"/>
-                  <p:nvPr/>
-                </p:nvSpPr>
-                <p:spPr>
-                  <a:xfrm>
-                    <a:off x="141981" y="1694047"/>
-                    <a:ext cx="2520000" cy="364955"/>
-                  </a:xfrm>
-                  <a:prstGeom prst="rect">
-                    <a:avLst/>
-                  </a:prstGeom>
-                  <a:noFill/>
-                </p:spPr>
-                <p:txBody>
-                  <a:bodyPr wrap="square" rtlCol="0">
-                    <a:spAutoFit/>
-                  </a:bodyPr>
-                  <a:lstStyle/>
-                  <a:p>
-                    <a:pPr algn="ctr"/>
-                    <a:r>
-                      <a:rPr lang="en-SG" sz="1600" i="1" dirty="0" err="1"/>
-                      <a:t>delegateCommand</a:t>
-                    </a:r>
-                    <a:r>
-                      <a:rPr lang="en-SG" sz="1600" i="1" dirty="0"/>
-                      <a:t>();</a:t>
-                    </a:r>
-                  </a:p>
-                </p:txBody>
-              </p:sp>
-            </p:grpSp>
-            <p:grpSp>
-              <p:nvGrpSpPr>
-                <p:cNvPr id="25" name="Group 24"/>
-                <p:cNvGrpSpPr/>
-                <p:nvPr/>
-              </p:nvGrpSpPr>
-              <p:grpSpPr>
-                <a:xfrm>
-                  <a:off x="4787717" y="3057601"/>
-                  <a:ext cx="2520000" cy="385010"/>
-                  <a:chOff x="141981" y="1694047"/>
-                  <a:chExt cx="2520000" cy="385010"/>
-                </a:xfrm>
-              </p:grpSpPr>
-              <p:cxnSp>
-                <p:nvCxnSpPr>
-                  <p:cNvPr id="26" name="Straight Arrow Connector 25"/>
-                  <p:cNvCxnSpPr/>
-                  <p:nvPr/>
-                </p:nvCxnSpPr>
-                <p:spPr>
-                  <a:xfrm>
-                    <a:off x="339981" y="2079057"/>
-                    <a:ext cx="2124000" cy="0"/>
-                  </a:xfrm>
-                  <a:prstGeom prst="straightConnector1">
-                    <a:avLst/>
-                  </a:prstGeom>
-                  <a:ln w="28575">
-                    <a:solidFill>
-                      <a:schemeClr val="accent1">
-                        <a:lumMod val="75000"/>
-                      </a:schemeClr>
-                    </a:solidFill>
-                    <a:tailEnd type="arrow"/>
-                  </a:ln>
-                </p:spPr>
-                <p:style>
-                  <a:lnRef idx="1">
-                    <a:schemeClr val="accent1"/>
-                  </a:lnRef>
-                  <a:fillRef idx="0">
-                    <a:schemeClr val="accent1"/>
-                  </a:fillRef>
-                  <a:effectRef idx="0">
-                    <a:schemeClr val="accent1"/>
-                  </a:effectRef>
-                  <a:fontRef idx="minor">
-                    <a:schemeClr val="tx1"/>
-                  </a:fontRef>
-                </p:style>
-              </p:cxnSp>
-              <p:sp>
-                <p:nvSpPr>
-                  <p:cNvPr id="27" name="TextBox 26"/>
-                  <p:cNvSpPr txBox="1"/>
-                  <p:nvPr/>
-                </p:nvSpPr>
-                <p:spPr>
-                  <a:xfrm>
-                    <a:off x="141981" y="1694047"/>
-                    <a:ext cx="2520000" cy="364955"/>
-                  </a:xfrm>
-                  <a:prstGeom prst="rect">
-                    <a:avLst/>
-                  </a:prstGeom>
-                  <a:noFill/>
-                </p:spPr>
-                <p:txBody>
-                  <a:bodyPr wrap="square" rtlCol="0">
-                    <a:spAutoFit/>
-                  </a:bodyPr>
-                  <a:lstStyle/>
-                  <a:p>
-                    <a:pPr algn="ctr"/>
-                    <a:r>
-                      <a:rPr lang="en-SG" sz="1600" i="1" dirty="0" err="1"/>
-                      <a:t>respondTo</a:t>
-                    </a:r>
-                    <a:r>
-                      <a:rPr lang="en-SG" sz="1600" dirty="0"/>
-                      <a:t>();</a:t>
-                    </a:r>
-                  </a:p>
-                </p:txBody>
-              </p:sp>
-            </p:grpSp>
-            <p:sp>
-              <p:nvSpPr>
-                <p:cNvPr id="28" name="Rectangle 27"/>
-                <p:cNvSpPr/>
-                <p:nvPr/>
-              </p:nvSpPr>
-              <p:spPr>
-                <a:xfrm>
-                  <a:off x="4081112" y="2252312"/>
-                  <a:ext cx="4235115" cy="1886552"/>
-                </a:xfrm>
-                <a:prstGeom prst="rect">
-                  <a:avLst/>
-                </a:prstGeom>
-                <a:noFill/>
-                <a:ln w="28575">
-                  <a:solidFill>
-                    <a:schemeClr val="tx1"/>
-                  </a:solidFill>
-                </a:ln>
-              </p:spPr>
-              <p:style>
-                <a:lnRef idx="2">
-                  <a:schemeClr val="accent1">
-                    <a:shade val="50000"/>
-                  </a:schemeClr>
-                </a:lnRef>
-                <a:fillRef idx="1">
-                  <a:schemeClr val="accent1"/>
-                </a:fillRef>
-                <a:effectRef idx="0">
-                  <a:schemeClr val="accent1"/>
-                </a:effectRef>
-                <a:fontRef idx="minor">
-                  <a:schemeClr val="lt1"/>
-                </a:fontRef>
-              </p:style>
-              <p:txBody>
-                <a:bodyPr rtlCol="0" anchor="ctr"/>
-                <a:lstStyle/>
-                <a:p>
-                  <a:pPr algn="ctr"/>
-                  <a:endParaRPr lang="en-SG"/>
-                </a:p>
-              </p:txBody>
-            </p:sp>
-            <p:sp>
-              <p:nvSpPr>
-                <p:cNvPr id="29" name="Rectangle 28"/>
-                <p:cNvSpPr/>
-                <p:nvPr/>
-              </p:nvSpPr>
-              <p:spPr>
-                <a:xfrm>
-                  <a:off x="4081113" y="2252313"/>
-                  <a:ext cx="693017" cy="385010"/>
-                </a:xfrm>
-                <a:prstGeom prst="rect">
-                  <a:avLst/>
-                </a:prstGeom>
-                <a:noFill/>
-                <a:ln w="28575">
-                  <a:solidFill>
-                    <a:schemeClr val="tx1"/>
-                  </a:solidFill>
-                </a:ln>
-              </p:spPr>
-              <p:style>
-                <a:lnRef idx="2">
-                  <a:schemeClr val="accent1">
-                    <a:shade val="50000"/>
-                  </a:schemeClr>
-                </a:lnRef>
-                <a:fillRef idx="1">
-                  <a:schemeClr val="accent1"/>
-                </a:fillRef>
-                <a:effectRef idx="0">
-                  <a:schemeClr val="accent1"/>
-                </a:effectRef>
-                <a:fontRef idx="minor">
-                  <a:schemeClr val="lt1"/>
-                </a:fontRef>
-              </p:style>
-              <p:txBody>
-                <a:bodyPr rtlCol="0" anchor="ctr"/>
-                <a:lstStyle/>
-                <a:p>
-                  <a:pPr algn="ctr"/>
-                  <a:r>
-                    <a:rPr lang="en-SG" dirty="0">
-                      <a:solidFill>
-                        <a:sysClr val="windowText" lastClr="000000"/>
-                      </a:solidFill>
-                    </a:rPr>
-                    <a:t>Loop</a:t>
-                  </a:r>
-                </a:p>
-              </p:txBody>
-            </p:sp>
-            <p:grpSp>
-              <p:nvGrpSpPr>
-                <p:cNvPr id="32" name="Group 31"/>
-                <p:cNvGrpSpPr/>
-                <p:nvPr/>
-              </p:nvGrpSpPr>
-              <p:grpSpPr>
-                <a:xfrm>
-                  <a:off x="4776492" y="4788501"/>
-                  <a:ext cx="2520000" cy="385010"/>
-                  <a:chOff x="141981" y="1694047"/>
-                  <a:chExt cx="2520000" cy="385010"/>
-                </a:xfrm>
-              </p:grpSpPr>
-              <p:cxnSp>
-                <p:nvCxnSpPr>
-                  <p:cNvPr id="33" name="Straight Arrow Connector 32"/>
-                  <p:cNvCxnSpPr/>
-                  <p:nvPr/>
-                </p:nvCxnSpPr>
-                <p:spPr>
-                  <a:xfrm>
-                    <a:off x="339981" y="2079057"/>
-                    <a:ext cx="2124000" cy="0"/>
-                  </a:xfrm>
-                  <a:prstGeom prst="straightConnector1">
-                    <a:avLst/>
-                  </a:prstGeom>
-                  <a:ln w="28575">
-                    <a:solidFill>
-                      <a:schemeClr val="accent1">
-                        <a:lumMod val="75000"/>
-                      </a:schemeClr>
-                    </a:solidFill>
-                    <a:tailEnd type="arrow"/>
-                  </a:ln>
-                </p:spPr>
-                <p:style>
-                  <a:lnRef idx="1">
-                    <a:schemeClr val="accent1"/>
-                  </a:lnRef>
-                  <a:fillRef idx="0">
-                    <a:schemeClr val="accent1"/>
-                  </a:fillRef>
-                  <a:effectRef idx="0">
-                    <a:schemeClr val="accent1"/>
-                  </a:effectRef>
-                  <a:fontRef idx="minor">
-                    <a:schemeClr val="tx1"/>
-                  </a:fontRef>
-                </p:style>
-              </p:cxnSp>
-              <p:sp>
-                <p:nvSpPr>
-                  <p:cNvPr id="34" name="TextBox 33"/>
-                  <p:cNvSpPr txBox="1"/>
-                  <p:nvPr/>
-                </p:nvSpPr>
-                <p:spPr>
-                  <a:xfrm>
-                    <a:off x="141981" y="1694047"/>
-                    <a:ext cx="2520000" cy="364955"/>
-                  </a:xfrm>
-                  <a:prstGeom prst="rect">
-                    <a:avLst/>
-                  </a:prstGeom>
-                  <a:noFill/>
-                </p:spPr>
-                <p:txBody>
-                  <a:bodyPr wrap="square" rtlCol="0">
-                    <a:spAutoFit/>
-                  </a:bodyPr>
-                  <a:lstStyle/>
-                  <a:p>
-                    <a:pPr algn="ctr"/>
-                    <a:r>
-                      <a:rPr lang="en-SG" sz="1600" i="1" dirty="0"/>
-                      <a:t>execute(</a:t>
-                    </a:r>
-                    <a:r>
-                      <a:rPr lang="en-SG" sz="1600" i="1" dirty="0" err="1"/>
-                      <a:t>userInput</a:t>
-                    </a:r>
-                    <a:r>
-                      <a:rPr lang="en-SG" sz="1600" i="1" dirty="0"/>
-                      <a:t>);</a:t>
-                    </a:r>
-                  </a:p>
-                </p:txBody>
-              </p:sp>
-            </p:grpSp>
-            <p:sp>
-              <p:nvSpPr>
-                <p:cNvPr id="35" name="Rectangle 34"/>
-                <p:cNvSpPr/>
-                <p:nvPr/>
-              </p:nvSpPr>
-              <p:spPr>
-                <a:xfrm>
-                  <a:off x="7124850" y="4885805"/>
-                  <a:ext cx="108000" cy="1080000"/>
-                </a:xfrm>
-                <a:prstGeom prst="rect">
-                  <a:avLst/>
-                </a:prstGeom>
-                <a:gradFill>
-                  <a:gsLst>
-                    <a:gs pos="29000">
-                      <a:schemeClr val="accent1">
-                        <a:lumMod val="40000"/>
-                        <a:lumOff val="60000"/>
-                      </a:schemeClr>
-                    </a:gs>
-                    <a:gs pos="100000">
-                      <a:schemeClr val="accent1">
-                        <a:lumMod val="20000"/>
-                        <a:lumOff val="80000"/>
-                      </a:schemeClr>
-                    </a:gs>
-                  </a:gsLst>
-                  <a:lin ang="5400000" scaled="1"/>
-                </a:gradFill>
-                <a:ln w="12700">
-                  <a:solidFill>
-                    <a:schemeClr val="accent1"/>
-                  </a:solidFill>
-                </a:ln>
-              </p:spPr>
-              <p:style>
-                <a:lnRef idx="1">
-                  <a:schemeClr val="accent6"/>
-                </a:lnRef>
-                <a:fillRef idx="2">
-                  <a:schemeClr val="accent6"/>
-                </a:fillRef>
-                <a:effectRef idx="1">
-                  <a:schemeClr val="accent6"/>
-                </a:effectRef>
-                <a:fontRef idx="minor">
-                  <a:schemeClr val="dk1"/>
-                </a:fontRef>
-              </p:style>
-              <p:txBody>
-                <a:bodyPr rtlCol="0" anchor="ctr"/>
-                <a:lstStyle/>
-                <a:p>
-                  <a:pPr algn="ctr"/>
-                  <a:r>
-                    <a:rPr lang="en-SG" sz="1400" dirty="0">
-                      <a:solidFill>
-                        <a:schemeClr val="accent1"/>
-                      </a:solidFill>
-                    </a:rPr>
-                    <a:t>:</a:t>
-                  </a:r>
-                </a:p>
-              </p:txBody>
-            </p:sp>
-            <p:grpSp>
-              <p:nvGrpSpPr>
-                <p:cNvPr id="36" name="Group 35"/>
-                <p:cNvGrpSpPr/>
-                <p:nvPr/>
-              </p:nvGrpSpPr>
-              <p:grpSpPr>
-                <a:xfrm>
-                  <a:off x="4776492" y="3489126"/>
-                  <a:ext cx="2520000" cy="385010"/>
-                  <a:chOff x="141981" y="1694047"/>
-                  <a:chExt cx="2520000" cy="385010"/>
-                </a:xfrm>
-              </p:grpSpPr>
-              <p:cxnSp>
-                <p:nvCxnSpPr>
-                  <p:cNvPr id="37" name="Straight Arrow Connector 36"/>
-                  <p:cNvCxnSpPr/>
-                  <p:nvPr/>
-                </p:nvCxnSpPr>
-                <p:spPr>
-                  <a:xfrm>
-                    <a:off x="339981" y="2079057"/>
-                    <a:ext cx="2124000" cy="0"/>
-                  </a:xfrm>
-                  <a:prstGeom prst="straightConnector1">
-                    <a:avLst/>
-                  </a:prstGeom>
-                  <a:ln w="28575">
-                    <a:solidFill>
-                      <a:schemeClr val="accent1">
-                        <a:lumMod val="75000"/>
-                      </a:schemeClr>
-                    </a:solidFill>
-                    <a:prstDash val="sysDash"/>
-                    <a:headEnd type="arrow" w="med" len="med"/>
-                    <a:tailEnd type="none" w="med" len="med"/>
-                  </a:ln>
-                </p:spPr>
-                <p:style>
-                  <a:lnRef idx="1">
-                    <a:schemeClr val="accent1"/>
-                  </a:lnRef>
-                  <a:fillRef idx="0">
-                    <a:schemeClr val="accent1"/>
-                  </a:fillRef>
-                  <a:effectRef idx="0">
-                    <a:schemeClr val="accent1"/>
-                  </a:effectRef>
-                  <a:fontRef idx="minor">
-                    <a:schemeClr val="tx1"/>
-                  </a:fontRef>
-                </p:style>
-              </p:cxnSp>
-              <p:sp>
-                <p:nvSpPr>
-                  <p:cNvPr id="38" name="TextBox 37"/>
-                  <p:cNvSpPr txBox="1"/>
-                  <p:nvPr/>
-                </p:nvSpPr>
-                <p:spPr>
-                  <a:xfrm>
-                    <a:off x="141981" y="1694047"/>
-                    <a:ext cx="2520000" cy="364955"/>
-                  </a:xfrm>
-                  <a:prstGeom prst="rect">
-                    <a:avLst/>
-                  </a:prstGeom>
-                  <a:noFill/>
-                </p:spPr>
-                <p:txBody>
-                  <a:bodyPr wrap="square" rtlCol="0">
-                    <a:spAutoFit/>
-                  </a:bodyPr>
-                  <a:lstStyle/>
-                  <a:p>
-                    <a:pPr algn="ctr"/>
-                    <a:r>
-                      <a:rPr lang="en-SG" sz="1600" i="1" dirty="0"/>
-                      <a:t>return true/false</a:t>
-                    </a:r>
-                  </a:p>
-                </p:txBody>
-              </p:sp>
-            </p:grpSp>
-            <p:grpSp>
-              <p:nvGrpSpPr>
-                <p:cNvPr id="39" name="Group 38"/>
-                <p:cNvGrpSpPr/>
-                <p:nvPr/>
-              </p:nvGrpSpPr>
-              <p:grpSpPr>
-                <a:xfrm>
-                  <a:off x="4765267" y="5248901"/>
-                  <a:ext cx="2520000" cy="385010"/>
-                  <a:chOff x="141981" y="1694047"/>
-                  <a:chExt cx="2520000" cy="385010"/>
-                </a:xfrm>
-              </p:grpSpPr>
-              <p:cxnSp>
-                <p:nvCxnSpPr>
-                  <p:cNvPr id="40" name="Straight Arrow Connector 39"/>
-                  <p:cNvCxnSpPr/>
-                  <p:nvPr/>
-                </p:nvCxnSpPr>
-                <p:spPr>
-                  <a:xfrm>
-                    <a:off x="339981" y="2079057"/>
-                    <a:ext cx="2124000" cy="0"/>
-                  </a:xfrm>
-                  <a:prstGeom prst="straightConnector1">
-                    <a:avLst/>
-                  </a:prstGeom>
-                  <a:ln w="28575">
-                    <a:solidFill>
-                      <a:schemeClr val="accent1">
-                        <a:lumMod val="75000"/>
-                      </a:schemeClr>
-                    </a:solidFill>
-                    <a:prstDash val="sysDash"/>
-                    <a:headEnd type="arrow" w="med" len="med"/>
-                    <a:tailEnd type="none" w="med" len="med"/>
-                  </a:ln>
-                </p:spPr>
-                <p:style>
-                  <a:lnRef idx="1">
-                    <a:schemeClr val="accent1"/>
-                  </a:lnRef>
-                  <a:fillRef idx="0">
-                    <a:schemeClr val="accent1"/>
-                  </a:fillRef>
-                  <a:effectRef idx="0">
-                    <a:schemeClr val="accent1"/>
-                  </a:effectRef>
-                  <a:fontRef idx="minor">
-                    <a:schemeClr val="tx1"/>
-                  </a:fontRef>
-                </p:style>
-              </p:cxnSp>
-              <p:sp>
-                <p:nvSpPr>
-                  <p:cNvPr id="41" name="TextBox 40"/>
-                  <p:cNvSpPr txBox="1"/>
-                  <p:nvPr/>
-                </p:nvSpPr>
-                <p:spPr>
-                  <a:xfrm>
-                    <a:off x="141981" y="1694047"/>
-                    <a:ext cx="2520000" cy="364955"/>
-                  </a:xfrm>
-                  <a:prstGeom prst="rect">
-                    <a:avLst/>
-                  </a:prstGeom>
-                  <a:noFill/>
-                </p:spPr>
-                <p:txBody>
-                  <a:bodyPr wrap="square" rtlCol="0">
-                    <a:spAutoFit/>
-                  </a:bodyPr>
-                  <a:lstStyle/>
-                  <a:p>
-                    <a:pPr algn="ctr"/>
-                    <a:r>
-                      <a:rPr lang="en-SG" sz="1600" i="1" dirty="0"/>
-                      <a:t>return </a:t>
-                    </a:r>
-                    <a:r>
-                      <a:rPr lang="en-SG" sz="1600" i="1" dirty="0" err="1"/>
-                      <a:t>CommandResult</a:t>
-                    </a:r>
-                    <a:endParaRPr lang="en-SG" sz="1600" i="1" dirty="0"/>
-                  </a:p>
-                </p:txBody>
-              </p:sp>
-            </p:grpSp>
-            <p:grpSp>
-              <p:nvGrpSpPr>
-                <p:cNvPr id="42" name="Group 41"/>
-                <p:cNvGrpSpPr/>
-                <p:nvPr/>
-              </p:nvGrpSpPr>
-              <p:grpSpPr>
-                <a:xfrm>
-                  <a:off x="2501792" y="5420551"/>
-                  <a:ext cx="2520000" cy="385010"/>
-                  <a:chOff x="141981" y="1694047"/>
-                  <a:chExt cx="2520000" cy="385010"/>
-                </a:xfrm>
-              </p:grpSpPr>
-              <p:cxnSp>
-                <p:nvCxnSpPr>
-                  <p:cNvPr id="47" name="Straight Arrow Connector 46"/>
-                  <p:cNvCxnSpPr/>
-                  <p:nvPr/>
-                </p:nvCxnSpPr>
-                <p:spPr>
-                  <a:xfrm>
-                    <a:off x="339981" y="2079057"/>
-                    <a:ext cx="2124000" cy="0"/>
-                  </a:xfrm>
-                  <a:prstGeom prst="straightConnector1">
-                    <a:avLst/>
-                  </a:prstGeom>
-                  <a:ln w="28575">
-                    <a:solidFill>
-                      <a:schemeClr val="accent1">
-                        <a:lumMod val="75000"/>
-                      </a:schemeClr>
-                    </a:solidFill>
-                    <a:prstDash val="sysDash"/>
-                    <a:headEnd type="arrow" w="med" len="med"/>
-                    <a:tailEnd type="none" w="med" len="med"/>
-                  </a:ln>
-                </p:spPr>
-                <p:style>
-                  <a:lnRef idx="1">
-                    <a:schemeClr val="accent1"/>
-                  </a:lnRef>
-                  <a:fillRef idx="0">
-                    <a:schemeClr val="accent1"/>
-                  </a:fillRef>
-                  <a:effectRef idx="0">
-                    <a:schemeClr val="accent1"/>
-                  </a:effectRef>
-                  <a:fontRef idx="minor">
-                    <a:schemeClr val="tx1"/>
-                  </a:fontRef>
-                </p:style>
-              </p:cxnSp>
-              <p:sp>
-                <p:nvSpPr>
-                  <p:cNvPr id="49" name="TextBox 48"/>
-                  <p:cNvSpPr txBox="1"/>
-                  <p:nvPr/>
-                </p:nvSpPr>
-                <p:spPr>
-                  <a:xfrm>
-                    <a:off x="141981" y="1694047"/>
-                    <a:ext cx="2520000" cy="364955"/>
-                  </a:xfrm>
-                  <a:prstGeom prst="rect">
-                    <a:avLst/>
-                  </a:prstGeom>
-                  <a:noFill/>
-                </p:spPr>
-                <p:txBody>
-                  <a:bodyPr wrap="square" rtlCol="0">
-                    <a:spAutoFit/>
-                  </a:bodyPr>
-                  <a:lstStyle/>
-                  <a:p>
-                    <a:pPr algn="ctr"/>
-                    <a:r>
-                      <a:rPr lang="en-SG" sz="1600" i="1" dirty="0"/>
-                      <a:t>return </a:t>
-                    </a:r>
-                    <a:r>
-                      <a:rPr lang="en-SG" sz="1600" i="1" dirty="0" err="1"/>
-                      <a:t>CommandResult</a:t>
-                    </a:r>
-                    <a:endParaRPr lang="en-SG" sz="1600" i="1" dirty="0"/>
-                  </a:p>
-                </p:txBody>
-              </p:sp>
-            </p:grpSp>
-            <p:grpSp>
-              <p:nvGrpSpPr>
-                <p:cNvPr id="50" name="Group 49"/>
-                <p:cNvGrpSpPr/>
-                <p:nvPr/>
-              </p:nvGrpSpPr>
-              <p:grpSpPr>
-                <a:xfrm>
-                  <a:off x="180567" y="5611451"/>
-                  <a:ext cx="2520000" cy="385010"/>
-                  <a:chOff x="141981" y="1694047"/>
-                  <a:chExt cx="2520000" cy="385010"/>
-                </a:xfrm>
-              </p:grpSpPr>
-              <p:cxnSp>
-                <p:nvCxnSpPr>
-                  <p:cNvPr id="52" name="Straight Arrow Connector 51"/>
-                  <p:cNvCxnSpPr/>
-                  <p:nvPr/>
-                </p:nvCxnSpPr>
-                <p:spPr>
-                  <a:xfrm>
-                    <a:off x="339981" y="2079057"/>
-                    <a:ext cx="2124000" cy="0"/>
-                  </a:xfrm>
-                  <a:prstGeom prst="straightConnector1">
-                    <a:avLst/>
-                  </a:prstGeom>
-                  <a:ln w="28575">
-                    <a:solidFill>
-                      <a:schemeClr val="accent1">
-                        <a:lumMod val="75000"/>
-                      </a:schemeClr>
-                    </a:solidFill>
-                    <a:prstDash val="sysDash"/>
-                    <a:headEnd type="arrow" w="med" len="med"/>
-                    <a:tailEnd type="none" w="med" len="med"/>
-                  </a:ln>
-                </p:spPr>
-                <p:style>
-                  <a:lnRef idx="1">
-                    <a:schemeClr val="accent1"/>
-                  </a:lnRef>
-                  <a:fillRef idx="0">
-                    <a:schemeClr val="accent1"/>
-                  </a:fillRef>
-                  <a:effectRef idx="0">
-                    <a:schemeClr val="accent1"/>
-                  </a:effectRef>
-                  <a:fontRef idx="minor">
-                    <a:schemeClr val="tx1"/>
-                  </a:fontRef>
-                </p:style>
-              </p:cxnSp>
-              <p:sp>
-                <p:nvSpPr>
-                  <p:cNvPr id="54" name="TextBox 53"/>
-                  <p:cNvSpPr txBox="1"/>
-                  <p:nvPr/>
-                </p:nvSpPr>
-                <p:spPr>
-                  <a:xfrm>
-                    <a:off x="141981" y="1694047"/>
-                    <a:ext cx="2520000" cy="364955"/>
-                  </a:xfrm>
-                  <a:prstGeom prst="rect">
-                    <a:avLst/>
-                  </a:prstGeom>
-                  <a:noFill/>
-                </p:spPr>
-                <p:txBody>
-                  <a:bodyPr wrap="square" rtlCol="0">
-                    <a:spAutoFit/>
-                  </a:bodyPr>
-                  <a:lstStyle/>
-                  <a:p>
-                    <a:pPr algn="ctr"/>
-                    <a:r>
-                      <a:rPr lang="en-SG" sz="1600" i="1" dirty="0"/>
-                      <a:t>return </a:t>
-                    </a:r>
-                    <a:r>
-                      <a:rPr lang="en-SG" sz="1600" i="1" dirty="0" err="1"/>
-                      <a:t>CommandResult</a:t>
-                    </a:r>
-                    <a:endParaRPr lang="en-SG" sz="1600" i="1" dirty="0"/>
-                  </a:p>
-                </p:txBody>
-              </p:sp>
-            </p:grpSp>
-          </p:grpSp>
-        </p:grpSp>
-      </p:grpSp>
-    </p:spTree>
-    <p:extLst>
-      <p:ext uri="{BB962C8B-B14F-4D97-AF65-F5344CB8AC3E}">
-        <p14:creationId xmlns:p14="http://schemas.microsoft.com/office/powerpoint/2010/main" val="1577130838"/>
-      </p:ext>
-    </p:extLst>
-  </p:cSld>
-  <p:clrMapOvr>
-    <a:masterClrMapping/>
-  </p:clrMapOvr>
-</p:sld>
-</file>
-
-<file path=ppt/slides/slide9.xml><?xml version="1.0" encoding="utf-8"?>
 <p:sld xmlns:a="http://schemas.openxmlformats.org/drawingml/2006/main" xmlns:r="http://schemas.openxmlformats.org/officeDocument/2006/relationships" xmlns:p="http://schemas.openxmlformats.org/presentationml/2006/main">
   <p:cSld>
     <p:spTree>
@@ -14218,6 +9704,995 @@
 </p:sld>
 </file>
 
+<file path=ppt/slides/slide9.xml><?xml version="1.0" encoding="utf-8"?>
+<p:sld xmlns:a="http://schemas.openxmlformats.org/drawingml/2006/main" xmlns:r="http://schemas.openxmlformats.org/officeDocument/2006/relationships" xmlns:p="http://schemas.openxmlformats.org/presentationml/2006/main">
+  <p:cSld>
+    <p:spTree>
+      <p:nvGrpSpPr>
+        <p:cNvPr id="1" name=""/>
+        <p:cNvGrpSpPr/>
+        <p:nvPr/>
+      </p:nvGrpSpPr>
+      <p:grpSpPr>
+        <a:xfrm>
+          <a:off x="0" y="0"/>
+          <a:ext cx="0" cy="0"/>
+          <a:chOff x="0" y="0"/>
+          <a:chExt cx="0" cy="0"/>
+        </a:xfrm>
+      </p:grpSpPr>
+      <p:sp>
+        <p:nvSpPr>
+          <p:cNvPr id="4" name="TextBox 3"/>
+          <p:cNvSpPr txBox="1"/>
+          <p:nvPr/>
+        </p:nvSpPr>
+        <p:spPr>
+          <a:xfrm>
+            <a:off x="0" y="0"/>
+            <a:ext cx="2136675" cy="369332"/>
+          </a:xfrm>
+          <a:prstGeom prst="rect">
+            <a:avLst/>
+          </a:prstGeom>
+          <a:noFill/>
+        </p:spPr>
+        <p:txBody>
+          <a:bodyPr wrap="none" rtlCol="0">
+            <a:spAutoFit/>
+          </a:bodyPr>
+          <a:lstStyle/>
+          <a:p>
+            <a:r>
+              <a:rPr lang="en-SG" dirty="0">
+                <a:latin typeface="Garamond" panose="02020404030301010803" pitchFamily="18" charset="0"/>
+              </a:rPr>
+              <a:t>Architecture Diagram</a:t>
+            </a:r>
+          </a:p>
+        </p:txBody>
+      </p:sp>
+      <p:grpSp>
+        <p:nvGrpSpPr>
+          <p:cNvPr id="2" name="Group 1"/>
+          <p:cNvGrpSpPr/>
+          <p:nvPr/>
+        </p:nvGrpSpPr>
+        <p:grpSpPr>
+          <a:xfrm>
+            <a:off x="2622102" y="1525696"/>
+            <a:ext cx="7101255" cy="3463636"/>
+            <a:chOff x="2622102" y="1525696"/>
+            <a:chExt cx="7101255" cy="3463636"/>
+          </a:xfrm>
+        </p:grpSpPr>
+        <p:grpSp>
+          <p:nvGrpSpPr>
+            <p:cNvPr id="44" name="Group 43"/>
+            <p:cNvGrpSpPr/>
+            <p:nvPr/>
+          </p:nvGrpSpPr>
+          <p:grpSpPr>
+            <a:xfrm>
+              <a:off x="2622102" y="1525696"/>
+              <a:ext cx="7101255" cy="3463636"/>
+              <a:chOff x="2594599" y="1542474"/>
+              <a:chExt cx="7101255" cy="3463636"/>
+            </a:xfrm>
+          </p:grpSpPr>
+          <p:sp>
+            <p:nvSpPr>
+              <p:cNvPr id="5" name="Rectangle 4"/>
+              <p:cNvSpPr/>
+              <p:nvPr/>
+            </p:nvSpPr>
+            <p:spPr>
+              <a:xfrm>
+                <a:off x="3454398" y="2505891"/>
+                <a:ext cx="5218547" cy="2500219"/>
+              </a:xfrm>
+              <a:prstGeom prst="rect">
+                <a:avLst/>
+              </a:prstGeom>
+              <a:solidFill>
+                <a:schemeClr val="bg1">
+                  <a:lumMod val="95000"/>
+                  <a:alpha val="43000"/>
+                </a:schemeClr>
+              </a:solidFill>
+              <a:ln w="19050">
+                <a:solidFill>
+                  <a:schemeClr val="bg2">
+                    <a:lumMod val="50000"/>
+                  </a:schemeClr>
+                </a:solidFill>
+              </a:ln>
+            </p:spPr>
+            <p:style>
+              <a:lnRef idx="2">
+                <a:schemeClr val="accent1">
+                  <a:shade val="50000"/>
+                </a:schemeClr>
+              </a:lnRef>
+              <a:fillRef idx="1">
+                <a:schemeClr val="accent1"/>
+              </a:fillRef>
+              <a:effectRef idx="0">
+                <a:schemeClr val="accent1"/>
+              </a:effectRef>
+              <a:fontRef idx="minor">
+                <a:schemeClr val="lt1"/>
+              </a:fontRef>
+            </p:style>
+            <p:txBody>
+              <a:bodyPr rtlCol="0" anchor="ctr"/>
+              <a:lstStyle/>
+              <a:p>
+                <a:pPr algn="ctr"/>
+                <a:r>
+                  <a:rPr lang="en-SG"/>
+                  <a:t> </a:t>
+                </a:r>
+              </a:p>
+            </p:txBody>
+          </p:sp>
+          <p:sp>
+            <p:nvSpPr>
+              <p:cNvPr id="11" name="Smiley Face 10"/>
+              <p:cNvSpPr/>
+              <p:nvPr/>
+            </p:nvSpPr>
+            <p:spPr>
+              <a:xfrm>
+                <a:off x="2594599" y="2883661"/>
+                <a:ext cx="508000" cy="480291"/>
+              </a:xfrm>
+              <a:prstGeom prst="smileyFace">
+                <a:avLst/>
+              </a:prstGeom>
+              <a:solidFill>
+                <a:schemeClr val="accent2">
+                  <a:lumMod val="20000"/>
+                  <a:lumOff val="80000"/>
+                </a:schemeClr>
+              </a:solidFill>
+              <a:ln>
+                <a:solidFill>
+                  <a:schemeClr val="bg2">
+                    <a:lumMod val="50000"/>
+                  </a:schemeClr>
+                </a:solidFill>
+              </a:ln>
+            </p:spPr>
+            <p:style>
+              <a:lnRef idx="1">
+                <a:schemeClr val="accent3"/>
+              </a:lnRef>
+              <a:fillRef idx="2">
+                <a:schemeClr val="accent3"/>
+              </a:fillRef>
+              <a:effectRef idx="1">
+                <a:schemeClr val="accent3"/>
+              </a:effectRef>
+              <a:fontRef idx="minor">
+                <a:schemeClr val="dk1"/>
+              </a:fontRef>
+            </p:style>
+            <p:txBody>
+              <a:bodyPr rtlCol="0" anchor="ctr"/>
+              <a:lstStyle/>
+              <a:p>
+                <a:pPr algn="ctr"/>
+                <a:endParaRPr lang="en-SG" dirty="0"/>
+              </a:p>
+            </p:txBody>
+          </p:sp>
+          <p:sp>
+            <p:nvSpPr>
+              <p:cNvPr id="13" name="Rectangle: Rounded Corners 12"/>
+              <p:cNvSpPr/>
+              <p:nvPr/>
+            </p:nvSpPr>
+            <p:spPr>
+              <a:xfrm>
+                <a:off x="3809995" y="2761670"/>
+                <a:ext cx="794329" cy="757381"/>
+              </a:xfrm>
+              <a:prstGeom prst="roundRect">
+                <a:avLst/>
+              </a:prstGeom>
+              <a:solidFill>
+                <a:schemeClr val="accent1">
+                  <a:lumMod val="20000"/>
+                  <a:lumOff val="80000"/>
+                </a:schemeClr>
+              </a:solidFill>
+              <a:ln>
+                <a:solidFill>
+                  <a:schemeClr val="accent1"/>
+                </a:solidFill>
+              </a:ln>
+            </p:spPr>
+            <p:style>
+              <a:lnRef idx="2">
+                <a:schemeClr val="accent1">
+                  <a:shade val="50000"/>
+                </a:schemeClr>
+              </a:lnRef>
+              <a:fillRef idx="1">
+                <a:schemeClr val="accent1"/>
+              </a:fillRef>
+              <a:effectRef idx="0">
+                <a:schemeClr val="accent1"/>
+              </a:effectRef>
+              <a:fontRef idx="minor">
+                <a:schemeClr val="lt1"/>
+              </a:fontRef>
+            </p:style>
+            <p:txBody>
+              <a:bodyPr rtlCol="0" anchor="ctr"/>
+              <a:lstStyle/>
+              <a:p>
+                <a:pPr algn="ctr"/>
+                <a:r>
+                  <a:rPr lang="en-SG" dirty="0">
+                    <a:solidFill>
+                      <a:schemeClr val="accent1"/>
+                    </a:solidFill>
+                    <a:latin typeface="Garamond" panose="02020404030301010803" pitchFamily="18" charset="0"/>
+                  </a:rPr>
+                  <a:t>UI</a:t>
+                </a:r>
+              </a:p>
+            </p:txBody>
+          </p:sp>
+          <p:cxnSp>
+            <p:nvCxnSpPr>
+              <p:cNvPr id="18" name="Straight Arrow Connector 17"/>
+              <p:cNvCxnSpPr/>
+              <p:nvPr/>
+            </p:nvCxnSpPr>
+            <p:spPr>
+              <a:xfrm>
+                <a:off x="3188855" y="3123807"/>
+                <a:ext cx="531086" cy="2"/>
+              </a:xfrm>
+              <a:prstGeom prst="straightConnector1">
+                <a:avLst/>
+              </a:prstGeom>
+              <a:ln w="38100">
+                <a:solidFill>
+                  <a:schemeClr val="accent2">
+                    <a:lumMod val="60000"/>
+                    <a:lumOff val="40000"/>
+                  </a:schemeClr>
+                </a:solidFill>
+                <a:headEnd type="none" w="med" len="med"/>
+                <a:tailEnd type="arrow" w="med" len="med"/>
+              </a:ln>
+            </p:spPr>
+            <p:style>
+              <a:lnRef idx="1">
+                <a:schemeClr val="accent1"/>
+              </a:lnRef>
+              <a:fillRef idx="0">
+                <a:schemeClr val="accent1"/>
+              </a:fillRef>
+              <a:effectRef idx="0">
+                <a:schemeClr val="accent1"/>
+              </a:effectRef>
+              <a:fontRef idx="minor">
+                <a:schemeClr val="tx1"/>
+              </a:fontRef>
+            </p:style>
+          </p:cxnSp>
+          <p:cxnSp>
+            <p:nvCxnSpPr>
+              <p:cNvPr id="20" name="Straight Arrow Connector 19"/>
+              <p:cNvCxnSpPr/>
+              <p:nvPr/>
+            </p:nvCxnSpPr>
+            <p:spPr>
+              <a:xfrm flipH="1" flipV="1">
+                <a:off x="4195603" y="2213345"/>
+                <a:ext cx="11556" cy="474438"/>
+              </a:xfrm>
+              <a:prstGeom prst="straightConnector1">
+                <a:avLst/>
+              </a:prstGeom>
+              <a:ln w="38100">
+                <a:solidFill>
+                  <a:schemeClr val="accent2">
+                    <a:lumMod val="60000"/>
+                    <a:lumOff val="40000"/>
+                  </a:schemeClr>
+                </a:solidFill>
+                <a:headEnd type="none" w="med" len="med"/>
+                <a:tailEnd type="arrow" w="med" len="med"/>
+              </a:ln>
+            </p:spPr>
+            <p:style>
+              <a:lnRef idx="1">
+                <a:schemeClr val="accent1"/>
+              </a:lnRef>
+              <a:fillRef idx="0">
+                <a:schemeClr val="accent1"/>
+              </a:fillRef>
+              <a:effectRef idx="0">
+                <a:schemeClr val="accent1"/>
+              </a:effectRef>
+              <a:fontRef idx="minor">
+                <a:schemeClr val="tx1"/>
+              </a:fontRef>
+            </p:style>
+          </p:cxnSp>
+          <p:sp>
+            <p:nvSpPr>
+              <p:cNvPr id="26" name="Cloud 25"/>
+              <p:cNvSpPr/>
+              <p:nvPr/>
+            </p:nvSpPr>
+            <p:spPr>
+              <a:xfrm>
+                <a:off x="3766112" y="1542474"/>
+                <a:ext cx="1295415" cy="633928"/>
+              </a:xfrm>
+              <a:prstGeom prst="cloud">
+                <a:avLst/>
+              </a:prstGeom>
+            </p:spPr>
+            <p:style>
+              <a:lnRef idx="1">
+                <a:schemeClr val="accent4"/>
+              </a:lnRef>
+              <a:fillRef idx="2">
+                <a:schemeClr val="accent4"/>
+              </a:fillRef>
+              <a:effectRef idx="1">
+                <a:schemeClr val="accent4"/>
+              </a:effectRef>
+              <a:fontRef idx="minor">
+                <a:schemeClr val="dk1"/>
+              </a:fontRef>
+            </p:style>
+            <p:txBody>
+              <a:bodyPr rtlCol="0" anchor="ctr"/>
+              <a:lstStyle/>
+              <a:p>
+                <a:pPr algn="ctr"/>
+                <a:r>
+                  <a:rPr lang="en-SG" dirty="0">
+                    <a:solidFill>
+                      <a:schemeClr val="accent2"/>
+                    </a:solidFill>
+                    <a:latin typeface="Garamond" panose="02020404030301010803" pitchFamily="18" charset="0"/>
+                  </a:rPr>
+                  <a:t>Web</a:t>
+                </a:r>
+              </a:p>
+            </p:txBody>
+          </p:sp>
+          <p:sp>
+            <p:nvSpPr>
+              <p:cNvPr id="27" name="Rectangle: Rounded Corners 26"/>
+              <p:cNvSpPr/>
+              <p:nvPr/>
+            </p:nvSpPr>
+            <p:spPr>
+              <a:xfrm>
+                <a:off x="5315518" y="2750003"/>
+                <a:ext cx="1168404" cy="757381"/>
+              </a:xfrm>
+              <a:prstGeom prst="roundRect">
+                <a:avLst/>
+              </a:prstGeom>
+              <a:solidFill>
+                <a:schemeClr val="accent2">
+                  <a:lumMod val="20000"/>
+                  <a:lumOff val="80000"/>
+                </a:schemeClr>
+              </a:solidFill>
+              <a:ln>
+                <a:solidFill>
+                  <a:schemeClr val="accent2"/>
+                </a:solidFill>
+              </a:ln>
+            </p:spPr>
+            <p:style>
+              <a:lnRef idx="2">
+                <a:schemeClr val="accent1">
+                  <a:shade val="50000"/>
+                </a:schemeClr>
+              </a:lnRef>
+              <a:fillRef idx="1">
+                <a:schemeClr val="accent1"/>
+              </a:fillRef>
+              <a:effectRef idx="0">
+                <a:schemeClr val="accent1"/>
+              </a:effectRef>
+              <a:fontRef idx="minor">
+                <a:schemeClr val="lt1"/>
+              </a:fontRef>
+            </p:style>
+            <p:txBody>
+              <a:bodyPr rtlCol="0" anchor="ctr"/>
+              <a:lstStyle/>
+              <a:p>
+                <a:pPr algn="ctr"/>
+                <a:r>
+                  <a:rPr lang="en-SG" dirty="0">
+                    <a:solidFill>
+                      <a:schemeClr val="accent2"/>
+                    </a:solidFill>
+                    <a:latin typeface="Garamond" panose="02020404030301010803" pitchFamily="18" charset="0"/>
+                  </a:rPr>
+                  <a:t>Control</a:t>
+                </a:r>
+              </a:p>
+            </p:txBody>
+          </p:sp>
+          <p:cxnSp>
+            <p:nvCxnSpPr>
+              <p:cNvPr id="28" name="Straight Arrow Connector 27"/>
+              <p:cNvCxnSpPr/>
+              <p:nvPr/>
+            </p:nvCxnSpPr>
+            <p:spPr>
+              <a:xfrm>
+                <a:off x="4694378" y="3128694"/>
+                <a:ext cx="531086" cy="2"/>
+              </a:xfrm>
+              <a:prstGeom prst="straightConnector1">
+                <a:avLst/>
+              </a:prstGeom>
+              <a:ln w="38100">
+                <a:solidFill>
+                  <a:schemeClr val="accent2">
+                    <a:lumMod val="60000"/>
+                    <a:lumOff val="40000"/>
+                  </a:schemeClr>
+                </a:solidFill>
+                <a:headEnd type="none" w="med" len="med"/>
+                <a:tailEnd type="arrow" w="med" len="med"/>
+              </a:ln>
+            </p:spPr>
+            <p:style>
+              <a:lnRef idx="1">
+                <a:schemeClr val="accent1"/>
+              </a:lnRef>
+              <a:fillRef idx="0">
+                <a:schemeClr val="accent1"/>
+              </a:fillRef>
+              <a:effectRef idx="0">
+                <a:schemeClr val="accent1"/>
+              </a:effectRef>
+              <a:fontRef idx="minor">
+                <a:schemeClr val="tx1"/>
+              </a:fontRef>
+            </p:style>
+          </p:cxnSp>
+          <p:cxnSp>
+            <p:nvCxnSpPr>
+              <p:cNvPr id="29" name="Straight Arrow Connector 28"/>
+              <p:cNvCxnSpPr/>
+              <p:nvPr/>
+            </p:nvCxnSpPr>
+            <p:spPr>
+              <a:xfrm>
+                <a:off x="6573976" y="3128691"/>
+                <a:ext cx="531086" cy="2"/>
+              </a:xfrm>
+              <a:prstGeom prst="straightConnector1">
+                <a:avLst/>
+              </a:prstGeom>
+              <a:ln w="38100">
+                <a:solidFill>
+                  <a:schemeClr val="accent2">
+                    <a:lumMod val="60000"/>
+                    <a:lumOff val="40000"/>
+                  </a:schemeClr>
+                </a:solidFill>
+                <a:headEnd type="none" w="med" len="med"/>
+                <a:tailEnd type="arrow" w="med" len="med"/>
+              </a:ln>
+            </p:spPr>
+            <p:style>
+              <a:lnRef idx="1">
+                <a:schemeClr val="accent1"/>
+              </a:lnRef>
+              <a:fillRef idx="0">
+                <a:schemeClr val="accent1"/>
+              </a:fillRef>
+              <a:effectRef idx="0">
+                <a:schemeClr val="accent1"/>
+              </a:effectRef>
+              <a:fontRef idx="minor">
+                <a:schemeClr val="tx1"/>
+              </a:fontRef>
+            </p:style>
+          </p:cxnSp>
+          <p:sp>
+            <p:nvSpPr>
+              <p:cNvPr id="30" name="Rectangle: Rounded Corners 29"/>
+              <p:cNvSpPr/>
+              <p:nvPr/>
+            </p:nvSpPr>
+            <p:spPr>
+              <a:xfrm>
+                <a:off x="7195116" y="2768471"/>
+                <a:ext cx="1168404" cy="757381"/>
+              </a:xfrm>
+              <a:prstGeom prst="roundRect">
+                <a:avLst/>
+              </a:prstGeom>
+              <a:solidFill>
+                <a:srgbClr val="FEC6DE"/>
+              </a:solidFill>
+              <a:ln>
+                <a:solidFill>
+                  <a:srgbClr val="D94584"/>
+                </a:solidFill>
+              </a:ln>
+            </p:spPr>
+            <p:style>
+              <a:lnRef idx="2">
+                <a:schemeClr val="accent1">
+                  <a:shade val="50000"/>
+                </a:schemeClr>
+              </a:lnRef>
+              <a:fillRef idx="1">
+                <a:schemeClr val="accent1"/>
+              </a:fillRef>
+              <a:effectRef idx="0">
+                <a:schemeClr val="accent1"/>
+              </a:effectRef>
+              <a:fontRef idx="minor">
+                <a:schemeClr val="lt1"/>
+              </a:fontRef>
+            </p:style>
+            <p:txBody>
+              <a:bodyPr rtlCol="0" anchor="ctr"/>
+              <a:lstStyle/>
+              <a:p>
+                <a:pPr algn="ctr"/>
+                <a:r>
+                  <a:rPr lang="en-SG" dirty="0">
+                    <a:solidFill>
+                      <a:srgbClr val="D94584"/>
+                    </a:solidFill>
+                    <a:latin typeface="Garamond" panose="02020404030301010803" pitchFamily="18" charset="0"/>
+                  </a:rPr>
+                  <a:t>Storage</a:t>
+                </a:r>
+              </a:p>
+            </p:txBody>
+          </p:sp>
+          <p:cxnSp>
+            <p:nvCxnSpPr>
+              <p:cNvPr id="31" name="Straight Arrow Connector 30"/>
+              <p:cNvCxnSpPr/>
+              <p:nvPr/>
+            </p:nvCxnSpPr>
+            <p:spPr>
+              <a:xfrm>
+                <a:off x="8453574" y="3126249"/>
+                <a:ext cx="531086" cy="2"/>
+              </a:xfrm>
+              <a:prstGeom prst="straightConnector1">
+                <a:avLst/>
+              </a:prstGeom>
+              <a:ln w="38100">
+                <a:solidFill>
+                  <a:schemeClr val="accent2">
+                    <a:lumMod val="60000"/>
+                    <a:lumOff val="40000"/>
+                  </a:schemeClr>
+                </a:solidFill>
+                <a:headEnd type="none" w="med" len="med"/>
+                <a:tailEnd type="arrow" w="med" len="med"/>
+              </a:ln>
+            </p:spPr>
+            <p:style>
+              <a:lnRef idx="1">
+                <a:schemeClr val="accent1"/>
+              </a:lnRef>
+              <a:fillRef idx="0">
+                <a:schemeClr val="accent1"/>
+              </a:fillRef>
+              <a:effectRef idx="0">
+                <a:schemeClr val="accent1"/>
+              </a:effectRef>
+              <a:fontRef idx="minor">
+                <a:schemeClr val="tx1"/>
+              </a:fontRef>
+            </p:style>
+          </p:cxnSp>
+          <p:pic>
+            <p:nvPicPr>
+              <p:cNvPr id="1026" name="Picture 2" descr="http://www.graphicsfuel.com/wp-content/uploads/2012/03/folder-icon-512x512.png"/>
+              <p:cNvPicPr>
+                <a:picLocks noChangeAspect="1" noChangeArrowheads="1"/>
+              </p:cNvPicPr>
+              <p:nvPr/>
+            </p:nvPicPr>
+            <p:blipFill>
+              <a:blip r:embed="rId2" cstate="print">
+                <a:extLst>
+                  <a:ext uri="{28A0092B-C50C-407E-A947-70E740481C1C}">
+                    <a14:useLocalDpi xmlns:a14="http://schemas.microsoft.com/office/drawing/2010/main" val="0"/>
+                  </a:ext>
+                </a:extLst>
+              </a:blip>
+              <a:srcRect/>
+              <a:stretch>
+                <a:fillRect/>
+              </a:stretch>
+            </p:blipFill>
+            <p:spPr bwMode="auto">
+              <a:xfrm>
+                <a:off x="9125104" y="2838432"/>
+                <a:ext cx="570750" cy="570750"/>
+              </a:xfrm>
+              <a:prstGeom prst="rect">
+                <a:avLst/>
+              </a:prstGeom>
+              <a:noFill/>
+              <a:extLst>
+                <a:ext uri="{909E8E84-426E-40DD-AFC4-6F175D3DCCD1}">
+                  <a14:hiddenFill xmlns:a14="http://schemas.microsoft.com/office/drawing/2010/main">
+                    <a:solidFill>
+                      <a:srgbClr val="FFFFFF"/>
+                    </a:solidFill>
+                  </a14:hiddenFill>
+                </a:ext>
+              </a:extLst>
+            </p:spPr>
+          </p:pic>
+          <p:sp>
+            <p:nvSpPr>
+              <p:cNvPr id="33" name="Rectangle: Rounded Corners 32"/>
+              <p:cNvSpPr/>
+              <p:nvPr/>
+            </p:nvSpPr>
+            <p:spPr>
+              <a:xfrm>
+                <a:off x="7028873" y="4020008"/>
+                <a:ext cx="1258458" cy="757381"/>
+              </a:xfrm>
+              <a:prstGeom prst="roundRect">
+                <a:avLst/>
+              </a:prstGeom>
+              <a:solidFill>
+                <a:schemeClr val="accent6">
+                  <a:lumMod val="20000"/>
+                  <a:lumOff val="80000"/>
+                </a:schemeClr>
+              </a:solidFill>
+              <a:ln>
+                <a:solidFill>
+                  <a:schemeClr val="accent6"/>
+                </a:solidFill>
+              </a:ln>
+            </p:spPr>
+            <p:style>
+              <a:lnRef idx="2">
+                <a:schemeClr val="accent1">
+                  <a:shade val="50000"/>
+                </a:schemeClr>
+              </a:lnRef>
+              <a:fillRef idx="1">
+                <a:schemeClr val="accent1"/>
+              </a:fillRef>
+              <a:effectRef idx="0">
+                <a:schemeClr val="accent1"/>
+              </a:effectRef>
+              <a:fontRef idx="minor">
+                <a:schemeClr val="lt1"/>
+              </a:fontRef>
+            </p:style>
+            <p:txBody>
+              <a:bodyPr rtlCol="0" anchor="ctr"/>
+              <a:lstStyle/>
+              <a:p>
+                <a:pPr algn="ctr"/>
+                <a:r>
+                  <a:rPr lang="en-SG" dirty="0">
+                    <a:solidFill>
+                      <a:schemeClr val="accent6"/>
+                    </a:solidFill>
+                    <a:latin typeface="Garamond" panose="02020404030301010803" pitchFamily="18" charset="0"/>
+                  </a:rPr>
+                  <a:t>Command</a:t>
+                </a:r>
+              </a:p>
+            </p:txBody>
+          </p:sp>
+          <p:cxnSp>
+            <p:nvCxnSpPr>
+              <p:cNvPr id="34" name="Straight Arrow Connector 33"/>
+              <p:cNvCxnSpPr/>
+              <p:nvPr/>
+            </p:nvCxnSpPr>
+            <p:spPr>
+              <a:xfrm>
+                <a:off x="6573976" y="3567006"/>
+                <a:ext cx="390242" cy="393381"/>
+              </a:xfrm>
+              <a:prstGeom prst="straightConnector1">
+                <a:avLst/>
+              </a:prstGeom>
+              <a:ln w="38100">
+                <a:solidFill>
+                  <a:schemeClr val="accent2">
+                    <a:lumMod val="60000"/>
+                    <a:lumOff val="40000"/>
+                  </a:schemeClr>
+                </a:solidFill>
+                <a:headEnd type="none" w="med" len="med"/>
+                <a:tailEnd type="arrow" w="med" len="med"/>
+              </a:ln>
+            </p:spPr>
+            <p:style>
+              <a:lnRef idx="1">
+                <a:schemeClr val="accent1"/>
+              </a:lnRef>
+              <a:fillRef idx="0">
+                <a:schemeClr val="accent1"/>
+              </a:fillRef>
+              <a:effectRef idx="0">
+                <a:schemeClr val="accent1"/>
+              </a:effectRef>
+              <a:fontRef idx="minor">
+                <a:schemeClr val="tx1"/>
+              </a:fontRef>
+            </p:style>
+          </p:cxnSp>
+          <p:cxnSp>
+            <p:nvCxnSpPr>
+              <p:cNvPr id="38" name="Straight Arrow Connector 37"/>
+              <p:cNvCxnSpPr/>
+              <p:nvPr/>
+            </p:nvCxnSpPr>
+            <p:spPr>
+              <a:xfrm flipV="1">
+                <a:off x="5899720" y="3567006"/>
+                <a:ext cx="0" cy="393381"/>
+              </a:xfrm>
+              <a:prstGeom prst="straightConnector1">
+                <a:avLst/>
+              </a:prstGeom>
+              <a:ln w="38100">
+                <a:solidFill>
+                  <a:schemeClr val="accent2">
+                    <a:lumMod val="60000"/>
+                    <a:lumOff val="40000"/>
+                  </a:schemeClr>
+                </a:solidFill>
+                <a:headEnd type="arrow" w="med" len="med"/>
+                <a:tailEnd type="none" w="med" len="med"/>
+              </a:ln>
+            </p:spPr>
+            <p:style>
+              <a:lnRef idx="1">
+                <a:schemeClr val="accent1"/>
+              </a:lnRef>
+              <a:fillRef idx="0">
+                <a:schemeClr val="accent1"/>
+              </a:fillRef>
+              <a:effectRef idx="0">
+                <a:schemeClr val="accent1"/>
+              </a:effectRef>
+              <a:fontRef idx="minor">
+                <a:schemeClr val="tx1"/>
+              </a:fontRef>
+            </p:style>
+          </p:cxnSp>
+          <p:sp>
+            <p:nvSpPr>
+              <p:cNvPr id="39" name="Rectangle: Rounded Corners 38"/>
+              <p:cNvSpPr/>
+              <p:nvPr/>
+            </p:nvSpPr>
+            <p:spPr>
+              <a:xfrm>
+                <a:off x="5315518" y="4020009"/>
+                <a:ext cx="1168404" cy="757381"/>
+              </a:xfrm>
+              <a:prstGeom prst="roundRect">
+                <a:avLst/>
+              </a:prstGeom>
+              <a:solidFill>
+                <a:schemeClr val="tx2">
+                  <a:lumMod val="20000"/>
+                  <a:lumOff val="80000"/>
+                </a:schemeClr>
+              </a:solidFill>
+              <a:ln>
+                <a:solidFill>
+                  <a:schemeClr val="tx2"/>
+                </a:solidFill>
+              </a:ln>
+            </p:spPr>
+            <p:style>
+              <a:lnRef idx="2">
+                <a:schemeClr val="accent1">
+                  <a:shade val="50000"/>
+                </a:schemeClr>
+              </a:lnRef>
+              <a:fillRef idx="1">
+                <a:schemeClr val="accent1"/>
+              </a:fillRef>
+              <a:effectRef idx="0">
+                <a:schemeClr val="accent1"/>
+              </a:effectRef>
+              <a:fontRef idx="minor">
+                <a:schemeClr val="lt1"/>
+              </a:fontRef>
+            </p:style>
+            <p:txBody>
+              <a:bodyPr rtlCol="0" anchor="ctr"/>
+              <a:lstStyle/>
+              <a:p>
+                <a:pPr algn="ctr"/>
+                <a:r>
+                  <a:rPr lang="en-SG" dirty="0">
+                    <a:solidFill>
+                      <a:schemeClr val="tx2"/>
+                    </a:solidFill>
+                    <a:latin typeface="Garamond" panose="02020404030301010803" pitchFamily="18" charset="0"/>
+                  </a:rPr>
+                  <a:t>Model</a:t>
+                </a:r>
+              </a:p>
+            </p:txBody>
+          </p:sp>
+          <p:sp>
+            <p:nvSpPr>
+              <p:cNvPr id="45" name="Rectangle: Rounded Corners 44"/>
+              <p:cNvSpPr/>
+              <p:nvPr/>
+            </p:nvSpPr>
+            <p:spPr>
+              <a:xfrm>
+                <a:off x="3622957" y="4020007"/>
+                <a:ext cx="1168404" cy="757381"/>
+              </a:xfrm>
+              <a:prstGeom prst="roundRect">
+                <a:avLst/>
+              </a:prstGeom>
+              <a:solidFill>
+                <a:srgbClr val="FBB7B7"/>
+              </a:solidFill>
+              <a:ln>
+                <a:solidFill>
+                  <a:srgbClr val="E3381B"/>
+                </a:solidFill>
+              </a:ln>
+            </p:spPr>
+            <p:style>
+              <a:lnRef idx="2">
+                <a:schemeClr val="accent1">
+                  <a:shade val="50000"/>
+                </a:schemeClr>
+              </a:lnRef>
+              <a:fillRef idx="1">
+                <a:schemeClr val="accent1"/>
+              </a:fillRef>
+              <a:effectRef idx="0">
+                <a:schemeClr val="accent1"/>
+              </a:effectRef>
+              <a:fontRef idx="minor">
+                <a:schemeClr val="lt1"/>
+              </a:fontRef>
+            </p:style>
+            <p:txBody>
+              <a:bodyPr rtlCol="0" anchor="ctr"/>
+              <a:lstStyle/>
+              <a:p>
+                <a:pPr algn="ctr"/>
+                <a:r>
+                  <a:rPr lang="en-SG" dirty="0">
+                    <a:solidFill>
+                      <a:srgbClr val="E3381B"/>
+                    </a:solidFill>
+                    <a:latin typeface="Garamond" panose="02020404030301010803" pitchFamily="18" charset="0"/>
+                  </a:rPr>
+                  <a:t>Main</a:t>
+                </a:r>
+              </a:p>
+            </p:txBody>
+          </p:sp>
+          <p:cxnSp>
+            <p:nvCxnSpPr>
+              <p:cNvPr id="46" name="Straight Arrow Connector 45"/>
+              <p:cNvCxnSpPr/>
+              <p:nvPr/>
+            </p:nvCxnSpPr>
+            <p:spPr>
+              <a:xfrm flipV="1">
+                <a:off x="4195603" y="3559309"/>
+                <a:ext cx="0" cy="393381"/>
+              </a:xfrm>
+              <a:prstGeom prst="straightConnector1">
+                <a:avLst/>
+              </a:prstGeom>
+              <a:ln w="38100">
+                <a:solidFill>
+                  <a:schemeClr val="accent2">
+                    <a:lumMod val="60000"/>
+                    <a:lumOff val="40000"/>
+                  </a:schemeClr>
+                </a:solidFill>
+                <a:headEnd type="none" w="med" len="med"/>
+                <a:tailEnd type="arrow" w="med" len="med"/>
+              </a:ln>
+            </p:spPr>
+            <p:style>
+              <a:lnRef idx="1">
+                <a:schemeClr val="accent1"/>
+              </a:lnRef>
+              <a:fillRef idx="0">
+                <a:schemeClr val="accent1"/>
+              </a:fillRef>
+              <a:effectRef idx="0">
+                <a:schemeClr val="accent1"/>
+              </a:effectRef>
+              <a:fontRef idx="minor">
+                <a:schemeClr val="tx1"/>
+              </a:fontRef>
+            </p:style>
+          </p:cxnSp>
+        </p:grpSp>
+        <p:sp>
+          <p:nvSpPr>
+            <p:cNvPr id="22" name="TextBox 21"/>
+            <p:cNvSpPr txBox="1"/>
+            <p:nvPr/>
+          </p:nvSpPr>
+          <p:spPr>
+            <a:xfrm>
+              <a:off x="2629880" y="3305940"/>
+              <a:ext cx="492443" cy="369332"/>
+            </a:xfrm>
+            <a:prstGeom prst="rect">
+              <a:avLst/>
+            </a:prstGeom>
+            <a:noFill/>
+          </p:spPr>
+          <p:txBody>
+            <a:bodyPr wrap="none" rtlCol="0">
+              <a:spAutoFit/>
+            </a:bodyPr>
+            <a:lstStyle/>
+            <a:p>
+              <a:r>
+                <a:rPr lang="en-SG" dirty="0">
+                  <a:solidFill>
+                    <a:schemeClr val="bg2">
+                      <a:lumMod val="50000"/>
+                    </a:schemeClr>
+                  </a:solidFill>
+                  <a:latin typeface="Garamond" panose="02020404030301010803" pitchFamily="18" charset="0"/>
+                </a:rPr>
+                <a:t>Jim</a:t>
+              </a:r>
+            </a:p>
+          </p:txBody>
+        </p:sp>
+      </p:grpSp>
+    </p:spTree>
+    <p:extLst>
+      <p:ext uri="{BB962C8B-B14F-4D97-AF65-F5344CB8AC3E}">
+        <p14:creationId xmlns:p14="http://schemas.microsoft.com/office/powerpoint/2010/main" val="1289237162"/>
+      </p:ext>
+    </p:extLst>
+  </p:cSld>
+  <p:clrMapOvr>
+    <a:masterClrMapping/>
+  </p:clrMapOvr>
+</p:sld>
+</file>
+
 <file path=ppt/theme/theme1.xml><?xml version="1.0" encoding="utf-8"?>
 <a:theme xmlns:a="http://schemas.openxmlformats.org/drawingml/2006/main" name="Office Theme">
   <a:themeElements>

--- a/doc/DeveloperGuide.pptx
+++ b/doc/DeveloperGuide.pptx
@@ -13,6 +13,7 @@
     <p:sldId id="269" r:id="rId7"/>
     <p:sldId id="270" r:id="rId8"/>
     <p:sldId id="271" r:id="rId9"/>
+    <p:sldId id="272" r:id="rId10"/>
   </p:sldIdLst>
   <p:sldSz cx="12192000" cy="6858000"/>
   <p:notesSz cx="6858000" cy="9144000"/>
@@ -4662,6 +4663,1885 @@
 </p:sld>
 </file>
 
+<file path=ppt/slides/slide9.xml><?xml version="1.0" encoding="utf-8"?>
+<p:sld xmlns:a="http://schemas.openxmlformats.org/drawingml/2006/main" xmlns:r="http://schemas.openxmlformats.org/officeDocument/2006/relationships" xmlns:p="http://schemas.openxmlformats.org/presentationml/2006/main">
+  <p:cSld>
+    <p:spTree>
+      <p:nvGrpSpPr>
+        <p:cNvPr id="1" name=""/>
+        <p:cNvGrpSpPr/>
+        <p:nvPr/>
+      </p:nvGrpSpPr>
+      <p:grpSpPr>
+        <a:xfrm>
+          <a:off x="0" y="0"/>
+          <a:ext cx="0" cy="0"/>
+          <a:chOff x="0" y="0"/>
+          <a:chExt cx="0" cy="0"/>
+        </a:xfrm>
+      </p:grpSpPr>
+      <p:graphicFrame>
+        <p:nvGraphicFramePr>
+          <p:cNvPr id="5" name="Table 4"/>
+          <p:cNvGraphicFramePr>
+            <a:graphicFrameLocks noGrp="1"/>
+          </p:cNvGraphicFramePr>
+          <p:nvPr>
+            <p:extLst>
+              <p:ext uri="{D42A27DB-BD31-4B8C-83A1-F6EECF244321}">
+                <p14:modId xmlns:p14="http://schemas.microsoft.com/office/powerpoint/2010/main" val="3425043503"/>
+              </p:ext>
+            </p:extLst>
+          </p:nvPr>
+        </p:nvGraphicFramePr>
+        <p:xfrm>
+          <a:off x="1822275" y="535109"/>
+          <a:ext cx="8128002" cy="4719320"/>
+        </p:xfrm>
+        <a:graphic>
+          <a:graphicData uri="http://schemas.openxmlformats.org/drawingml/2006/table">
+            <a:tbl>
+              <a:tblPr firstRow="1" bandRow="1">
+                <a:tableStyleId>{5C22544A-7EE6-4342-B048-85BDC9FD1C3A}</a:tableStyleId>
+              </a:tblPr>
+              <a:tblGrid>
+                <a:gridCol w="568587">
+                  <a:extLst>
+                    <a:ext uri="{9D8B030D-6E8A-4147-A177-3AD203B41FA5}">
+                      <a16:colId xmlns:a16="http://schemas.microsoft.com/office/drawing/2014/main" val="1414518089"/>
+                    </a:ext>
+                  </a:extLst>
+                </a:gridCol>
+                <a:gridCol w="2140747">
+                  <a:extLst>
+                    <a:ext uri="{9D8B030D-6E8A-4147-A177-3AD203B41FA5}">
+                      <a16:colId xmlns:a16="http://schemas.microsoft.com/office/drawing/2014/main" val="2657247842"/>
+                    </a:ext>
+                  </a:extLst>
+                </a:gridCol>
+                <a:gridCol w="1354667">
+                  <a:extLst>
+                    <a:ext uri="{9D8B030D-6E8A-4147-A177-3AD203B41FA5}">
+                      <a16:colId xmlns:a16="http://schemas.microsoft.com/office/drawing/2014/main" val="3148702618"/>
+                    </a:ext>
+                  </a:extLst>
+                </a:gridCol>
+                <a:gridCol w="1354667">
+                  <a:extLst>
+                    <a:ext uri="{9D8B030D-6E8A-4147-A177-3AD203B41FA5}">
+                      <a16:colId xmlns:a16="http://schemas.microsoft.com/office/drawing/2014/main" val="3868382957"/>
+                    </a:ext>
+                  </a:extLst>
+                </a:gridCol>
+                <a:gridCol w="1354667">
+                  <a:extLst>
+                    <a:ext uri="{9D8B030D-6E8A-4147-A177-3AD203B41FA5}">
+                      <a16:colId xmlns:a16="http://schemas.microsoft.com/office/drawing/2014/main" val="3023325128"/>
+                    </a:ext>
+                  </a:extLst>
+                </a:gridCol>
+                <a:gridCol w="1354667">
+                  <a:extLst>
+                    <a:ext uri="{9D8B030D-6E8A-4147-A177-3AD203B41FA5}">
+                      <a16:colId xmlns:a16="http://schemas.microsoft.com/office/drawing/2014/main" val="2645861572"/>
+                    </a:ext>
+                  </a:extLst>
+                </a:gridCol>
+              </a:tblGrid>
+              <a:tr h="370840">
+                <a:tc>
+                  <a:txBody>
+                    <a:bodyPr/>
+                    <a:lstStyle/>
+                    <a:p>
+                      <a:pPr algn="ctr"/>
+                      <a:r>
+                        <a:rPr lang="en-SG" dirty="0">
+                          <a:latin typeface="Eras Medium ITC" panose="020B0602030504020804" pitchFamily="34" charset="0"/>
+                        </a:rPr>
+                        <a:t>S/N</a:t>
+                      </a:r>
+                    </a:p>
+                  </a:txBody>
+                  <a:tcPr/>
+                </a:tc>
+                <a:tc>
+                  <a:txBody>
+                    <a:bodyPr/>
+                    <a:lstStyle/>
+                    <a:p>
+                      <a:pPr algn="ctr"/>
+                      <a:r>
+                        <a:rPr lang="en-SG" dirty="0">
+                          <a:latin typeface="Eras Medium ITC" panose="020B0602030504020804" pitchFamily="34" charset="0"/>
+                        </a:rPr>
+                        <a:t>Description</a:t>
+                      </a:r>
+                    </a:p>
+                  </a:txBody>
+                  <a:tcPr/>
+                </a:tc>
+                <a:tc>
+                  <a:txBody>
+                    <a:bodyPr/>
+                    <a:lstStyle/>
+                    <a:p>
+                      <a:pPr algn="ctr"/>
+                      <a:r>
+                        <a:rPr lang="en-SG" dirty="0">
+                          <a:latin typeface="Eras Medium ITC" panose="020B0602030504020804" pitchFamily="34" charset="0"/>
+                        </a:rPr>
+                        <a:t>Google Calendar</a:t>
+                      </a:r>
+                    </a:p>
+                  </a:txBody>
+                  <a:tcPr/>
+                </a:tc>
+                <a:tc>
+                  <a:txBody>
+                    <a:bodyPr/>
+                    <a:lstStyle/>
+                    <a:p>
+                      <a:pPr algn="ctr"/>
+                      <a:r>
+                        <a:rPr lang="en-SG" dirty="0">
+                          <a:latin typeface="Eras Medium ITC" panose="020B0602030504020804" pitchFamily="34" charset="0"/>
+                        </a:rPr>
+                        <a:t>Wunderlist</a:t>
+                      </a:r>
+                    </a:p>
+                  </a:txBody>
+                  <a:tcPr/>
+                </a:tc>
+                <a:tc>
+                  <a:txBody>
+                    <a:bodyPr/>
+                    <a:lstStyle/>
+                    <a:p>
+                      <a:pPr algn="ctr"/>
+                      <a:r>
+                        <a:rPr lang="en-SG" dirty="0">
+                          <a:latin typeface="Eras Medium ITC" panose="020B0602030504020804" pitchFamily="34" charset="0"/>
+                        </a:rPr>
+                        <a:t>Todoist</a:t>
+                      </a:r>
+                    </a:p>
+                  </a:txBody>
+                  <a:tcPr/>
+                </a:tc>
+                <a:tc>
+                  <a:txBody>
+                    <a:bodyPr/>
+                    <a:lstStyle/>
+                    <a:p>
+                      <a:pPr algn="ctr"/>
+                      <a:r>
+                        <a:rPr lang="en-SG" dirty="0">
+                          <a:latin typeface="Eras Medium ITC" panose="020B0602030504020804" pitchFamily="34" charset="0"/>
+                        </a:rPr>
+                        <a:t>Fantastical</a:t>
+                      </a:r>
+                    </a:p>
+                  </a:txBody>
+                  <a:tcPr/>
+                </a:tc>
+                <a:extLst>
+                  <a:ext uri="{0D108BD9-81ED-4DB2-BD59-A6C34878D82A}">
+                    <a16:rowId xmlns:a16="http://schemas.microsoft.com/office/drawing/2014/main" val="2292538966"/>
+                  </a:ext>
+                </a:extLst>
+              </a:tr>
+              <a:tr h="370840">
+                <a:tc>
+                  <a:txBody>
+                    <a:bodyPr/>
+                    <a:lstStyle/>
+                    <a:p>
+                      <a:pPr algn="ctr"/>
+                      <a:r>
+                        <a:rPr lang="en-SG" dirty="0">
+                          <a:solidFill>
+                            <a:schemeClr val="accent1">
+                              <a:lumMod val="75000"/>
+                            </a:schemeClr>
+                          </a:solidFill>
+                          <a:latin typeface="Eras Medium ITC" panose="020B0602030504020804" pitchFamily="34" charset="0"/>
+                        </a:rPr>
+                        <a:t>1</a:t>
+                      </a:r>
+                    </a:p>
+                  </a:txBody>
+                  <a:tcPr/>
+                </a:tc>
+                <a:tc>
+                  <a:txBody>
+                    <a:bodyPr/>
+                    <a:lstStyle/>
+                    <a:p>
+                      <a:r>
+                        <a:rPr lang="en-SG" dirty="0">
+                          <a:solidFill>
+                            <a:schemeClr val="accent1">
+                              <a:lumMod val="75000"/>
+                            </a:schemeClr>
+                          </a:solidFill>
+                          <a:latin typeface="Eras Medium ITC" panose="020B0602030504020804" pitchFamily="34" charset="0"/>
+                        </a:rPr>
+                        <a:t>Offline Support </a:t>
+                      </a:r>
+                    </a:p>
+                  </a:txBody>
+                  <a:tcPr/>
+                </a:tc>
+                <a:tc>
+                  <a:txBody>
+                    <a:bodyPr/>
+                    <a:lstStyle/>
+                    <a:p>
+                      <a:pPr algn="ctr"/>
+                      <a:r>
+                        <a:rPr lang="en-SG" dirty="0">
+                          <a:solidFill>
+                            <a:schemeClr val="accent1">
+                              <a:lumMod val="75000"/>
+                            </a:schemeClr>
+                          </a:solidFill>
+                          <a:latin typeface="Eras Medium ITC" panose="020B0602030504020804" pitchFamily="34" charset="0"/>
+                        </a:rPr>
+                        <a:t>Yes</a:t>
+                      </a:r>
+                    </a:p>
+                  </a:txBody>
+                  <a:tcPr/>
+                </a:tc>
+                <a:tc>
+                  <a:txBody>
+                    <a:bodyPr/>
+                    <a:lstStyle/>
+                    <a:p>
+                      <a:pPr algn="ctr"/>
+                      <a:r>
+                        <a:rPr lang="en-SG" dirty="0">
+                          <a:solidFill>
+                            <a:schemeClr val="accent1">
+                              <a:lumMod val="75000"/>
+                            </a:schemeClr>
+                          </a:solidFill>
+                          <a:latin typeface="Eras Medium ITC" panose="020B0602030504020804" pitchFamily="34" charset="0"/>
+                        </a:rPr>
+                        <a:t>Yes</a:t>
+                      </a:r>
+                    </a:p>
+                  </a:txBody>
+                  <a:tcPr/>
+                </a:tc>
+                <a:tc>
+                  <a:txBody>
+                    <a:bodyPr/>
+                    <a:lstStyle/>
+                    <a:p>
+                      <a:pPr algn="ctr"/>
+                      <a:endParaRPr lang="en-SG" dirty="0">
+                        <a:solidFill>
+                          <a:schemeClr val="accent1">
+                            <a:lumMod val="75000"/>
+                          </a:schemeClr>
+                        </a:solidFill>
+                        <a:latin typeface="Eras Medium ITC" panose="020B0602030504020804" pitchFamily="34" charset="0"/>
+                      </a:endParaRPr>
+                    </a:p>
+                  </a:txBody>
+                  <a:tcPr/>
+                </a:tc>
+                <a:tc>
+                  <a:txBody>
+                    <a:bodyPr/>
+                    <a:lstStyle/>
+                    <a:p>
+                      <a:pPr algn="ctr"/>
+                      <a:r>
+                        <a:rPr lang="en-SG" dirty="0">
+                          <a:solidFill>
+                            <a:schemeClr val="accent1">
+                              <a:lumMod val="75000"/>
+                            </a:schemeClr>
+                          </a:solidFill>
+                          <a:latin typeface="Eras Medium ITC" panose="020B0602030504020804" pitchFamily="34" charset="0"/>
+                        </a:rPr>
+                        <a:t>Yes</a:t>
+                      </a:r>
+                    </a:p>
+                  </a:txBody>
+                  <a:tcPr/>
+                </a:tc>
+                <a:extLst>
+                  <a:ext uri="{0D108BD9-81ED-4DB2-BD59-A6C34878D82A}">
+                    <a16:rowId xmlns:a16="http://schemas.microsoft.com/office/drawing/2014/main" val="2490636916"/>
+                  </a:ext>
+                </a:extLst>
+              </a:tr>
+              <a:tr h="370840">
+                <a:tc>
+                  <a:txBody>
+                    <a:bodyPr/>
+                    <a:lstStyle/>
+                    <a:p>
+                      <a:pPr algn="ctr"/>
+                      <a:r>
+                        <a:rPr lang="en-SG" dirty="0">
+                          <a:solidFill>
+                            <a:schemeClr val="accent1">
+                              <a:lumMod val="75000"/>
+                            </a:schemeClr>
+                          </a:solidFill>
+                          <a:latin typeface="Eras Medium ITC" panose="020B0602030504020804" pitchFamily="34" charset="0"/>
+                        </a:rPr>
+                        <a:t>2</a:t>
+                      </a:r>
+                    </a:p>
+                  </a:txBody>
+                  <a:tcPr/>
+                </a:tc>
+                <a:tc>
+                  <a:txBody>
+                    <a:bodyPr/>
+                    <a:lstStyle/>
+                    <a:p>
+                      <a:r>
+                        <a:rPr lang="en-SG" dirty="0">
+                          <a:solidFill>
+                            <a:schemeClr val="accent1">
+                              <a:lumMod val="75000"/>
+                            </a:schemeClr>
+                          </a:solidFill>
+                          <a:latin typeface="Eras Medium ITC" panose="020B0602030504020804" pitchFamily="34" charset="0"/>
+                        </a:rPr>
+                        <a:t>Calendar View</a:t>
+                      </a:r>
+                    </a:p>
+                  </a:txBody>
+                  <a:tcPr/>
+                </a:tc>
+                <a:tc>
+                  <a:txBody>
+                    <a:bodyPr/>
+                    <a:lstStyle/>
+                    <a:p>
+                      <a:pPr algn="ctr"/>
+                      <a:r>
+                        <a:rPr lang="en-SG" dirty="0">
+                          <a:solidFill>
+                            <a:schemeClr val="accent1">
+                              <a:lumMod val="75000"/>
+                            </a:schemeClr>
+                          </a:solidFill>
+                          <a:latin typeface="Eras Medium ITC" panose="020B0602030504020804" pitchFamily="34" charset="0"/>
+                        </a:rPr>
+                        <a:t>Yes</a:t>
+                      </a:r>
+                    </a:p>
+                  </a:txBody>
+                  <a:tcPr/>
+                </a:tc>
+                <a:tc>
+                  <a:txBody>
+                    <a:bodyPr/>
+                    <a:lstStyle/>
+                    <a:p>
+                      <a:pPr marL="0" marR="0" lvl="0" indent="0" algn="ctr" defTabSz="914400" rtl="0" eaLnBrk="1" fontAlgn="auto" latinLnBrk="0" hangingPunct="1">
+                        <a:lnSpc>
+                          <a:spcPct val="100000"/>
+                        </a:lnSpc>
+                        <a:spcBef>
+                          <a:spcPts val="0"/>
+                        </a:spcBef>
+                        <a:spcAft>
+                          <a:spcPts val="0"/>
+                        </a:spcAft>
+                        <a:buClrTx/>
+                        <a:buSzTx/>
+                        <a:buFontTx/>
+                        <a:buNone/>
+                        <a:tabLst/>
+                        <a:defRPr/>
+                      </a:pPr>
+                      <a:endParaRPr lang="en-SG" dirty="0">
+                        <a:solidFill>
+                          <a:schemeClr val="accent1">
+                            <a:lumMod val="75000"/>
+                          </a:schemeClr>
+                        </a:solidFill>
+                        <a:latin typeface="Eras Medium ITC" panose="020B0602030504020804" pitchFamily="34" charset="0"/>
+                      </a:endParaRPr>
+                    </a:p>
+                  </a:txBody>
+                  <a:tcPr/>
+                </a:tc>
+                <a:tc>
+                  <a:txBody>
+                    <a:bodyPr/>
+                    <a:lstStyle/>
+                    <a:p>
+                      <a:pPr marL="0" marR="0" lvl="0" indent="0" algn="ctr" defTabSz="914400" rtl="0" eaLnBrk="1" fontAlgn="auto" latinLnBrk="0" hangingPunct="1">
+                        <a:lnSpc>
+                          <a:spcPct val="100000"/>
+                        </a:lnSpc>
+                        <a:spcBef>
+                          <a:spcPts val="0"/>
+                        </a:spcBef>
+                        <a:spcAft>
+                          <a:spcPts val="0"/>
+                        </a:spcAft>
+                        <a:buClrTx/>
+                        <a:buSzTx/>
+                        <a:buFontTx/>
+                        <a:buNone/>
+                        <a:tabLst/>
+                        <a:defRPr/>
+                      </a:pPr>
+                      <a:endParaRPr lang="en-SG" dirty="0">
+                        <a:solidFill>
+                          <a:schemeClr val="accent1">
+                            <a:lumMod val="75000"/>
+                          </a:schemeClr>
+                        </a:solidFill>
+                        <a:latin typeface="Eras Medium ITC" panose="020B0602030504020804" pitchFamily="34" charset="0"/>
+                      </a:endParaRPr>
+                    </a:p>
+                  </a:txBody>
+                  <a:tcPr/>
+                </a:tc>
+                <a:tc>
+                  <a:txBody>
+                    <a:bodyPr/>
+                    <a:lstStyle/>
+                    <a:p>
+                      <a:pPr algn="ctr"/>
+                      <a:r>
+                        <a:rPr lang="en-SG" dirty="0">
+                          <a:solidFill>
+                            <a:schemeClr val="accent1">
+                              <a:lumMod val="75000"/>
+                            </a:schemeClr>
+                          </a:solidFill>
+                          <a:latin typeface="Eras Medium ITC" panose="020B0602030504020804" pitchFamily="34" charset="0"/>
+                        </a:rPr>
+                        <a:t>Yes</a:t>
+                      </a:r>
+                    </a:p>
+                  </a:txBody>
+                  <a:tcPr/>
+                </a:tc>
+                <a:extLst>
+                  <a:ext uri="{0D108BD9-81ED-4DB2-BD59-A6C34878D82A}">
+                    <a16:rowId xmlns:a16="http://schemas.microsoft.com/office/drawing/2014/main" val="3272004509"/>
+                  </a:ext>
+                </a:extLst>
+              </a:tr>
+              <a:tr h="370840">
+                <a:tc>
+                  <a:txBody>
+                    <a:bodyPr/>
+                    <a:lstStyle/>
+                    <a:p>
+                      <a:pPr algn="ctr"/>
+                      <a:r>
+                        <a:rPr lang="en-SG" dirty="0">
+                          <a:solidFill>
+                            <a:schemeClr val="accent1">
+                              <a:lumMod val="75000"/>
+                            </a:schemeClr>
+                          </a:solidFill>
+                          <a:latin typeface="Eras Medium ITC" panose="020B0602030504020804" pitchFamily="34" charset="0"/>
+                        </a:rPr>
+                        <a:t>3</a:t>
+                      </a:r>
+                    </a:p>
+                  </a:txBody>
+                  <a:tcPr/>
+                </a:tc>
+                <a:tc>
+                  <a:txBody>
+                    <a:bodyPr/>
+                    <a:lstStyle/>
+                    <a:p>
+                      <a:r>
+                        <a:rPr lang="en-SG" dirty="0">
+                          <a:solidFill>
+                            <a:schemeClr val="accent1">
+                              <a:lumMod val="75000"/>
+                            </a:schemeClr>
+                          </a:solidFill>
+                          <a:latin typeface="Eras Medium ITC" panose="020B0602030504020804" pitchFamily="34" charset="0"/>
+                        </a:rPr>
+                        <a:t>Multiple Calendars</a:t>
+                      </a:r>
+                    </a:p>
+                  </a:txBody>
+                  <a:tcPr/>
+                </a:tc>
+                <a:tc>
+                  <a:txBody>
+                    <a:bodyPr/>
+                    <a:lstStyle/>
+                    <a:p>
+                      <a:pPr algn="ctr"/>
+                      <a:r>
+                        <a:rPr lang="en-SG" dirty="0">
+                          <a:solidFill>
+                            <a:schemeClr val="accent1">
+                              <a:lumMod val="75000"/>
+                            </a:schemeClr>
+                          </a:solidFill>
+                          <a:latin typeface="Eras Medium ITC" panose="020B0602030504020804" pitchFamily="34" charset="0"/>
+                        </a:rPr>
+                        <a:t>Yes</a:t>
+                      </a:r>
+                    </a:p>
+                  </a:txBody>
+                  <a:tcPr/>
+                </a:tc>
+                <a:tc>
+                  <a:txBody>
+                    <a:bodyPr/>
+                    <a:lstStyle/>
+                    <a:p>
+                      <a:pPr marL="0" marR="0" lvl="0" indent="0" algn="ctr" defTabSz="914400" rtl="0" eaLnBrk="1" fontAlgn="auto" latinLnBrk="0" hangingPunct="1">
+                        <a:lnSpc>
+                          <a:spcPct val="100000"/>
+                        </a:lnSpc>
+                        <a:spcBef>
+                          <a:spcPts val="0"/>
+                        </a:spcBef>
+                        <a:spcAft>
+                          <a:spcPts val="0"/>
+                        </a:spcAft>
+                        <a:buClrTx/>
+                        <a:buSzTx/>
+                        <a:buFontTx/>
+                        <a:buNone/>
+                        <a:tabLst/>
+                        <a:defRPr/>
+                      </a:pPr>
+                      <a:endParaRPr lang="en-SG" dirty="0">
+                        <a:solidFill>
+                          <a:schemeClr val="accent1">
+                            <a:lumMod val="75000"/>
+                          </a:schemeClr>
+                        </a:solidFill>
+                        <a:latin typeface="Eras Medium ITC" panose="020B0602030504020804" pitchFamily="34" charset="0"/>
+                      </a:endParaRPr>
+                    </a:p>
+                  </a:txBody>
+                  <a:tcPr/>
+                </a:tc>
+                <a:tc>
+                  <a:txBody>
+                    <a:bodyPr/>
+                    <a:lstStyle/>
+                    <a:p>
+                      <a:pPr marL="0" marR="0" lvl="0" indent="0" algn="ctr" defTabSz="914400" rtl="0" eaLnBrk="1" fontAlgn="auto" latinLnBrk="0" hangingPunct="1">
+                        <a:lnSpc>
+                          <a:spcPct val="100000"/>
+                        </a:lnSpc>
+                        <a:spcBef>
+                          <a:spcPts val="0"/>
+                        </a:spcBef>
+                        <a:spcAft>
+                          <a:spcPts val="0"/>
+                        </a:spcAft>
+                        <a:buClrTx/>
+                        <a:buSzTx/>
+                        <a:buFontTx/>
+                        <a:buNone/>
+                        <a:tabLst/>
+                        <a:defRPr/>
+                      </a:pPr>
+                      <a:endParaRPr lang="en-SG" dirty="0">
+                        <a:solidFill>
+                          <a:schemeClr val="accent1">
+                            <a:lumMod val="75000"/>
+                          </a:schemeClr>
+                        </a:solidFill>
+                        <a:latin typeface="Eras Medium ITC" panose="020B0602030504020804" pitchFamily="34" charset="0"/>
+                      </a:endParaRPr>
+                    </a:p>
+                  </a:txBody>
+                  <a:tcPr/>
+                </a:tc>
+                <a:tc>
+                  <a:txBody>
+                    <a:bodyPr/>
+                    <a:lstStyle/>
+                    <a:p>
+                      <a:pPr algn="ctr"/>
+                      <a:endParaRPr lang="en-SG" dirty="0">
+                        <a:solidFill>
+                          <a:schemeClr val="accent1">
+                            <a:lumMod val="75000"/>
+                          </a:schemeClr>
+                        </a:solidFill>
+                        <a:latin typeface="Eras Medium ITC" panose="020B0602030504020804" pitchFamily="34" charset="0"/>
+                      </a:endParaRPr>
+                    </a:p>
+                  </a:txBody>
+                  <a:tcPr/>
+                </a:tc>
+                <a:extLst>
+                  <a:ext uri="{0D108BD9-81ED-4DB2-BD59-A6C34878D82A}">
+                    <a16:rowId xmlns:a16="http://schemas.microsoft.com/office/drawing/2014/main" val="3738186387"/>
+                  </a:ext>
+                </a:extLst>
+              </a:tr>
+              <a:tr h="370840">
+                <a:tc>
+                  <a:txBody>
+                    <a:bodyPr/>
+                    <a:lstStyle/>
+                    <a:p>
+                      <a:pPr algn="ctr"/>
+                      <a:r>
+                        <a:rPr lang="en-SG" dirty="0">
+                          <a:solidFill>
+                            <a:schemeClr val="accent1">
+                              <a:lumMod val="75000"/>
+                            </a:schemeClr>
+                          </a:solidFill>
+                          <a:latin typeface="Eras Medium ITC" panose="020B0602030504020804" pitchFamily="34" charset="0"/>
+                        </a:rPr>
+                        <a:t>4</a:t>
+                      </a:r>
+                    </a:p>
+                  </a:txBody>
+                  <a:tcPr/>
+                </a:tc>
+                <a:tc>
+                  <a:txBody>
+                    <a:bodyPr/>
+                    <a:lstStyle/>
+                    <a:p>
+                      <a:r>
+                        <a:rPr lang="en-SG" dirty="0">
+                          <a:solidFill>
+                            <a:schemeClr val="accent1">
+                              <a:lumMod val="75000"/>
+                            </a:schemeClr>
+                          </a:solidFill>
+                          <a:latin typeface="Eras Medium ITC" panose="020B0602030504020804" pitchFamily="34" charset="0"/>
+                        </a:rPr>
+                        <a:t>Keyboard Support</a:t>
+                      </a:r>
+                    </a:p>
+                  </a:txBody>
+                  <a:tcPr/>
+                </a:tc>
+                <a:tc>
+                  <a:txBody>
+                    <a:bodyPr/>
+                    <a:lstStyle/>
+                    <a:p>
+                      <a:pPr algn="ctr"/>
+                      <a:r>
+                        <a:rPr lang="en-SG" dirty="0">
+                          <a:solidFill>
+                            <a:schemeClr val="accent1">
+                              <a:lumMod val="75000"/>
+                            </a:schemeClr>
+                          </a:solidFill>
+                          <a:latin typeface="Eras Medium ITC" panose="020B0602030504020804" pitchFamily="34" charset="0"/>
+                        </a:rPr>
+                        <a:t>Limited</a:t>
+                      </a:r>
+                    </a:p>
+                  </a:txBody>
+                  <a:tcPr/>
+                </a:tc>
+                <a:tc>
+                  <a:txBody>
+                    <a:bodyPr/>
+                    <a:lstStyle/>
+                    <a:p>
+                      <a:pPr algn="ctr"/>
+                      <a:r>
+                        <a:rPr lang="en-SG" dirty="0">
+                          <a:solidFill>
+                            <a:schemeClr val="accent1">
+                              <a:lumMod val="75000"/>
+                            </a:schemeClr>
+                          </a:solidFill>
+                          <a:latin typeface="Eras Medium ITC" panose="020B0602030504020804" pitchFamily="34" charset="0"/>
+                        </a:rPr>
+                        <a:t>Limited</a:t>
+                      </a:r>
+                    </a:p>
+                  </a:txBody>
+                  <a:tcPr/>
+                </a:tc>
+                <a:tc>
+                  <a:txBody>
+                    <a:bodyPr/>
+                    <a:lstStyle/>
+                    <a:p>
+                      <a:pPr algn="ctr"/>
+                      <a:r>
+                        <a:rPr lang="en-SG" dirty="0">
+                          <a:solidFill>
+                            <a:schemeClr val="accent1">
+                              <a:lumMod val="75000"/>
+                            </a:schemeClr>
+                          </a:solidFill>
+                          <a:latin typeface="Eras Medium ITC" panose="020B0602030504020804" pitchFamily="34" charset="0"/>
+                        </a:rPr>
+                        <a:t>Limited</a:t>
+                      </a:r>
+                    </a:p>
+                  </a:txBody>
+                  <a:tcPr/>
+                </a:tc>
+                <a:tc>
+                  <a:txBody>
+                    <a:bodyPr/>
+                    <a:lstStyle/>
+                    <a:p>
+                      <a:pPr algn="ctr"/>
+                      <a:r>
+                        <a:rPr lang="en-SG" dirty="0">
+                          <a:solidFill>
+                            <a:schemeClr val="accent1">
+                              <a:lumMod val="75000"/>
+                            </a:schemeClr>
+                          </a:solidFill>
+                          <a:latin typeface="Eras Medium ITC" panose="020B0602030504020804" pitchFamily="34" charset="0"/>
+                        </a:rPr>
+                        <a:t>Limited</a:t>
+                      </a:r>
+                    </a:p>
+                  </a:txBody>
+                  <a:tcPr/>
+                </a:tc>
+                <a:extLst>
+                  <a:ext uri="{0D108BD9-81ED-4DB2-BD59-A6C34878D82A}">
+                    <a16:rowId xmlns:a16="http://schemas.microsoft.com/office/drawing/2014/main" val="1838901590"/>
+                  </a:ext>
+                </a:extLst>
+              </a:tr>
+              <a:tr h="370840">
+                <a:tc>
+                  <a:txBody>
+                    <a:bodyPr/>
+                    <a:lstStyle/>
+                    <a:p>
+                      <a:pPr algn="ctr"/>
+                      <a:r>
+                        <a:rPr lang="en-SG" dirty="0">
+                          <a:solidFill>
+                            <a:schemeClr val="accent1">
+                              <a:lumMod val="75000"/>
+                            </a:schemeClr>
+                          </a:solidFill>
+                          <a:latin typeface="Eras Medium ITC" panose="020B0602030504020804" pitchFamily="34" charset="0"/>
+                        </a:rPr>
+                        <a:t>5</a:t>
+                      </a:r>
+                    </a:p>
+                  </a:txBody>
+                  <a:tcPr/>
+                </a:tc>
+                <a:tc>
+                  <a:txBody>
+                    <a:bodyPr/>
+                    <a:lstStyle/>
+                    <a:p>
+                      <a:r>
+                        <a:rPr lang="en-SG" dirty="0">
+                          <a:solidFill>
+                            <a:schemeClr val="accent1">
+                              <a:lumMod val="75000"/>
+                            </a:schemeClr>
+                          </a:solidFill>
+                          <a:latin typeface="Eras Medium ITC" panose="020B0602030504020804" pitchFamily="34" charset="0"/>
+                        </a:rPr>
+                        <a:t>Cross Platform</a:t>
+                      </a:r>
+                    </a:p>
+                  </a:txBody>
+                  <a:tcPr/>
+                </a:tc>
+                <a:tc>
+                  <a:txBody>
+                    <a:bodyPr/>
+                    <a:lstStyle/>
+                    <a:p>
+                      <a:pPr algn="ctr"/>
+                      <a:r>
+                        <a:rPr lang="en-SG" dirty="0">
+                          <a:solidFill>
+                            <a:schemeClr val="accent1">
+                              <a:lumMod val="75000"/>
+                            </a:schemeClr>
+                          </a:solidFill>
+                          <a:latin typeface="Eras Medium ITC" panose="020B0602030504020804" pitchFamily="34" charset="0"/>
+                        </a:rPr>
+                        <a:t>Yes</a:t>
+                      </a:r>
+                    </a:p>
+                  </a:txBody>
+                  <a:tcPr/>
+                </a:tc>
+                <a:tc>
+                  <a:txBody>
+                    <a:bodyPr/>
+                    <a:lstStyle/>
+                    <a:p>
+                      <a:pPr algn="ctr"/>
+                      <a:r>
+                        <a:rPr lang="en-SG" dirty="0">
+                          <a:solidFill>
+                            <a:schemeClr val="accent1">
+                              <a:lumMod val="75000"/>
+                            </a:schemeClr>
+                          </a:solidFill>
+                          <a:latin typeface="Eras Medium ITC" panose="020B0602030504020804" pitchFamily="34" charset="0"/>
+                        </a:rPr>
+                        <a:t>Yes</a:t>
+                      </a:r>
+                    </a:p>
+                  </a:txBody>
+                  <a:tcPr/>
+                </a:tc>
+                <a:tc>
+                  <a:txBody>
+                    <a:bodyPr/>
+                    <a:lstStyle/>
+                    <a:p>
+                      <a:pPr algn="ctr"/>
+                      <a:r>
+                        <a:rPr lang="en-SG" dirty="0">
+                          <a:solidFill>
+                            <a:schemeClr val="accent1">
+                              <a:lumMod val="75000"/>
+                            </a:schemeClr>
+                          </a:solidFill>
+                          <a:latin typeface="Eras Medium ITC" panose="020B0602030504020804" pitchFamily="34" charset="0"/>
+                        </a:rPr>
+                        <a:t>Yes</a:t>
+                      </a:r>
+                    </a:p>
+                  </a:txBody>
+                  <a:tcPr/>
+                </a:tc>
+                <a:tc>
+                  <a:txBody>
+                    <a:bodyPr/>
+                    <a:lstStyle/>
+                    <a:p>
+                      <a:pPr algn="ctr"/>
+                      <a:endParaRPr lang="en-SG" dirty="0">
+                        <a:solidFill>
+                          <a:schemeClr val="accent1">
+                            <a:lumMod val="75000"/>
+                          </a:schemeClr>
+                        </a:solidFill>
+                        <a:latin typeface="Eras Medium ITC" panose="020B0602030504020804" pitchFamily="34" charset="0"/>
+                      </a:endParaRPr>
+                    </a:p>
+                  </a:txBody>
+                  <a:tcPr/>
+                </a:tc>
+                <a:extLst>
+                  <a:ext uri="{0D108BD9-81ED-4DB2-BD59-A6C34878D82A}">
+                    <a16:rowId xmlns:a16="http://schemas.microsoft.com/office/drawing/2014/main" val="2021172449"/>
+                  </a:ext>
+                </a:extLst>
+              </a:tr>
+              <a:tr h="370840">
+                <a:tc>
+                  <a:txBody>
+                    <a:bodyPr/>
+                    <a:lstStyle/>
+                    <a:p>
+                      <a:pPr algn="ctr"/>
+                      <a:r>
+                        <a:rPr lang="en-SG" dirty="0">
+                          <a:solidFill>
+                            <a:schemeClr val="accent1">
+                              <a:lumMod val="75000"/>
+                            </a:schemeClr>
+                          </a:solidFill>
+                          <a:latin typeface="Eras Medium ITC" panose="020B0602030504020804" pitchFamily="34" charset="0"/>
+                        </a:rPr>
+                        <a:t>6</a:t>
+                      </a:r>
+                    </a:p>
+                  </a:txBody>
+                  <a:tcPr/>
+                </a:tc>
+                <a:tc>
+                  <a:txBody>
+                    <a:bodyPr/>
+                    <a:lstStyle/>
+                    <a:p>
+                      <a:r>
+                        <a:rPr lang="en-SG" dirty="0">
+                          <a:solidFill>
+                            <a:schemeClr val="accent1">
+                              <a:lumMod val="75000"/>
+                            </a:schemeClr>
+                          </a:solidFill>
+                          <a:latin typeface="Eras Medium ITC" panose="020B0602030504020804" pitchFamily="34" charset="0"/>
+                        </a:rPr>
+                        <a:t>Sync to Cloud</a:t>
+                      </a:r>
+                    </a:p>
+                  </a:txBody>
+                  <a:tcPr/>
+                </a:tc>
+                <a:tc>
+                  <a:txBody>
+                    <a:bodyPr/>
+                    <a:lstStyle/>
+                    <a:p>
+                      <a:pPr algn="ctr"/>
+                      <a:r>
+                        <a:rPr lang="en-SG" dirty="0">
+                          <a:solidFill>
+                            <a:schemeClr val="accent1">
+                              <a:lumMod val="75000"/>
+                            </a:schemeClr>
+                          </a:solidFill>
+                          <a:latin typeface="Eras Medium ITC" panose="020B0602030504020804" pitchFamily="34" charset="0"/>
+                        </a:rPr>
+                        <a:t>Yes</a:t>
+                      </a:r>
+                    </a:p>
+                  </a:txBody>
+                  <a:tcPr/>
+                </a:tc>
+                <a:tc>
+                  <a:txBody>
+                    <a:bodyPr/>
+                    <a:lstStyle/>
+                    <a:p>
+                      <a:pPr algn="ctr"/>
+                      <a:endParaRPr lang="en-SG" dirty="0">
+                        <a:solidFill>
+                          <a:schemeClr val="accent1">
+                            <a:lumMod val="75000"/>
+                          </a:schemeClr>
+                        </a:solidFill>
+                        <a:latin typeface="Eras Medium ITC" panose="020B0602030504020804" pitchFamily="34" charset="0"/>
+                      </a:endParaRPr>
+                    </a:p>
+                  </a:txBody>
+                  <a:tcPr/>
+                </a:tc>
+                <a:tc>
+                  <a:txBody>
+                    <a:bodyPr/>
+                    <a:lstStyle/>
+                    <a:p>
+                      <a:pPr algn="ctr"/>
+                      <a:r>
+                        <a:rPr lang="en-SG" dirty="0">
+                          <a:solidFill>
+                            <a:schemeClr val="accent1">
+                              <a:lumMod val="75000"/>
+                            </a:schemeClr>
+                          </a:solidFill>
+                          <a:latin typeface="Eras Medium ITC" panose="020B0602030504020804" pitchFamily="34" charset="0"/>
+                        </a:rPr>
+                        <a:t>Yes</a:t>
+                      </a:r>
+                    </a:p>
+                  </a:txBody>
+                  <a:tcPr/>
+                </a:tc>
+                <a:tc>
+                  <a:txBody>
+                    <a:bodyPr/>
+                    <a:lstStyle/>
+                    <a:p>
+                      <a:pPr algn="ctr"/>
+                      <a:r>
+                        <a:rPr lang="en-SG" dirty="0">
+                          <a:solidFill>
+                            <a:schemeClr val="accent1">
+                              <a:lumMod val="75000"/>
+                            </a:schemeClr>
+                          </a:solidFill>
+                          <a:latin typeface="Eras Medium ITC" panose="020B0602030504020804" pitchFamily="34" charset="0"/>
+                        </a:rPr>
+                        <a:t>Yes</a:t>
+                      </a:r>
+                    </a:p>
+                  </a:txBody>
+                  <a:tcPr/>
+                </a:tc>
+                <a:extLst>
+                  <a:ext uri="{0D108BD9-81ED-4DB2-BD59-A6C34878D82A}">
+                    <a16:rowId xmlns:a16="http://schemas.microsoft.com/office/drawing/2014/main" val="3677120963"/>
+                  </a:ext>
+                </a:extLst>
+              </a:tr>
+              <a:tr h="370840">
+                <a:tc>
+                  <a:txBody>
+                    <a:bodyPr/>
+                    <a:lstStyle/>
+                    <a:p>
+                      <a:pPr algn="ctr"/>
+                      <a:r>
+                        <a:rPr lang="en-SG" dirty="0">
+                          <a:solidFill>
+                            <a:schemeClr val="accent1">
+                              <a:lumMod val="75000"/>
+                            </a:schemeClr>
+                          </a:solidFill>
+                          <a:latin typeface="Eras Medium ITC" panose="020B0602030504020804" pitchFamily="34" charset="0"/>
+                        </a:rPr>
+                        <a:t>7</a:t>
+                      </a:r>
+                    </a:p>
+                  </a:txBody>
+                  <a:tcPr/>
+                </a:tc>
+                <a:tc>
+                  <a:txBody>
+                    <a:bodyPr/>
+                    <a:lstStyle/>
+                    <a:p>
+                      <a:r>
+                        <a:rPr lang="en-SG" dirty="0">
+                          <a:solidFill>
+                            <a:schemeClr val="accent1">
+                              <a:lumMod val="75000"/>
+                            </a:schemeClr>
+                          </a:solidFill>
+                          <a:latin typeface="Eras Medium ITC" panose="020B0602030504020804" pitchFamily="34" charset="0"/>
+                        </a:rPr>
+                        <a:t>Free</a:t>
+                      </a:r>
+                    </a:p>
+                  </a:txBody>
+                  <a:tcPr/>
+                </a:tc>
+                <a:tc>
+                  <a:txBody>
+                    <a:bodyPr/>
+                    <a:lstStyle/>
+                    <a:p>
+                      <a:pPr algn="ctr"/>
+                      <a:r>
+                        <a:rPr lang="en-SG" dirty="0">
+                          <a:solidFill>
+                            <a:schemeClr val="accent1">
+                              <a:lumMod val="75000"/>
+                            </a:schemeClr>
+                          </a:solidFill>
+                          <a:latin typeface="Eras Medium ITC" panose="020B0602030504020804" pitchFamily="34" charset="0"/>
+                        </a:rPr>
+                        <a:t>Yes</a:t>
+                      </a:r>
+                    </a:p>
+                  </a:txBody>
+                  <a:tcPr/>
+                </a:tc>
+                <a:tc>
+                  <a:txBody>
+                    <a:bodyPr/>
+                    <a:lstStyle/>
+                    <a:p>
+                      <a:pPr algn="ctr"/>
+                      <a:r>
+                        <a:rPr lang="en-SG" dirty="0">
+                          <a:solidFill>
+                            <a:schemeClr val="accent1">
+                              <a:lumMod val="75000"/>
+                            </a:schemeClr>
+                          </a:solidFill>
+                          <a:latin typeface="Eras Medium ITC" panose="020B0602030504020804" pitchFamily="34" charset="0"/>
+                        </a:rPr>
+                        <a:t>Yes</a:t>
+                      </a:r>
+                    </a:p>
+                  </a:txBody>
+                  <a:tcPr/>
+                </a:tc>
+                <a:tc>
+                  <a:txBody>
+                    <a:bodyPr/>
+                    <a:lstStyle/>
+                    <a:p>
+                      <a:pPr algn="ctr"/>
+                      <a:r>
+                        <a:rPr lang="en-SG" dirty="0">
+                          <a:solidFill>
+                            <a:schemeClr val="accent1">
+                              <a:lumMod val="75000"/>
+                            </a:schemeClr>
+                          </a:solidFill>
+                          <a:latin typeface="Eras Medium ITC" panose="020B0602030504020804" pitchFamily="34" charset="0"/>
+                        </a:rPr>
+                        <a:t>Yes</a:t>
+                      </a:r>
+                    </a:p>
+                  </a:txBody>
+                  <a:tcPr/>
+                </a:tc>
+                <a:tc>
+                  <a:txBody>
+                    <a:bodyPr/>
+                    <a:lstStyle/>
+                    <a:p>
+                      <a:pPr algn="ctr"/>
+                      <a:endParaRPr lang="en-SG" dirty="0">
+                        <a:solidFill>
+                          <a:schemeClr val="accent1">
+                            <a:lumMod val="75000"/>
+                          </a:schemeClr>
+                        </a:solidFill>
+                        <a:latin typeface="Eras Medium ITC" panose="020B0602030504020804" pitchFamily="34" charset="0"/>
+                      </a:endParaRPr>
+                    </a:p>
+                  </a:txBody>
+                  <a:tcPr/>
+                </a:tc>
+                <a:extLst>
+                  <a:ext uri="{0D108BD9-81ED-4DB2-BD59-A6C34878D82A}">
+                    <a16:rowId xmlns:a16="http://schemas.microsoft.com/office/drawing/2014/main" val="291442236"/>
+                  </a:ext>
+                </a:extLst>
+              </a:tr>
+              <a:tr h="370840">
+                <a:tc>
+                  <a:txBody>
+                    <a:bodyPr/>
+                    <a:lstStyle/>
+                    <a:p>
+                      <a:pPr algn="ctr"/>
+                      <a:r>
+                        <a:rPr lang="en-SG" dirty="0">
+                          <a:solidFill>
+                            <a:schemeClr val="accent1">
+                              <a:lumMod val="75000"/>
+                            </a:schemeClr>
+                          </a:solidFill>
+                          <a:latin typeface="Eras Medium ITC" panose="020B0602030504020804" pitchFamily="34" charset="0"/>
+                        </a:rPr>
+                        <a:t>8</a:t>
+                      </a:r>
+                    </a:p>
+                  </a:txBody>
+                  <a:tcPr/>
+                </a:tc>
+                <a:tc>
+                  <a:txBody>
+                    <a:bodyPr/>
+                    <a:lstStyle/>
+                    <a:p>
+                      <a:r>
+                        <a:rPr lang="en-SG" dirty="0">
+                          <a:solidFill>
+                            <a:schemeClr val="accent1">
+                              <a:lumMod val="75000"/>
+                            </a:schemeClr>
+                          </a:solidFill>
+                          <a:latin typeface="Eras Medium ITC" panose="020B0602030504020804" pitchFamily="34" charset="0"/>
+                        </a:rPr>
+                        <a:t>Add to-dos</a:t>
+                      </a:r>
+                    </a:p>
+                  </a:txBody>
+                  <a:tcPr/>
+                </a:tc>
+                <a:tc>
+                  <a:txBody>
+                    <a:bodyPr/>
+                    <a:lstStyle/>
+                    <a:p>
+                      <a:pPr marL="0" marR="0" lvl="0" indent="0" algn="ctr" defTabSz="914400" rtl="0" eaLnBrk="1" fontAlgn="auto" latinLnBrk="0" hangingPunct="1">
+                        <a:lnSpc>
+                          <a:spcPct val="100000"/>
+                        </a:lnSpc>
+                        <a:spcBef>
+                          <a:spcPts val="0"/>
+                        </a:spcBef>
+                        <a:spcAft>
+                          <a:spcPts val="0"/>
+                        </a:spcAft>
+                        <a:buClrTx/>
+                        <a:buSzTx/>
+                        <a:buFontTx/>
+                        <a:buNone/>
+                        <a:tabLst/>
+                        <a:defRPr/>
+                      </a:pPr>
+                      <a:r>
+                        <a:rPr lang="en-SG" dirty="0">
+                          <a:solidFill>
+                            <a:schemeClr val="accent1">
+                              <a:lumMod val="75000"/>
+                            </a:schemeClr>
+                          </a:solidFill>
+                          <a:latin typeface="Eras Medium ITC" panose="020B0602030504020804" pitchFamily="34" charset="0"/>
+                        </a:rPr>
+                        <a:t>Yes</a:t>
+                      </a:r>
+                    </a:p>
+                  </a:txBody>
+                  <a:tcPr/>
+                </a:tc>
+                <a:tc>
+                  <a:txBody>
+                    <a:bodyPr/>
+                    <a:lstStyle/>
+                    <a:p>
+                      <a:pPr marL="0" marR="0" lvl="0" indent="0" algn="ctr" defTabSz="914400" rtl="0" eaLnBrk="1" fontAlgn="auto" latinLnBrk="0" hangingPunct="1">
+                        <a:lnSpc>
+                          <a:spcPct val="100000"/>
+                        </a:lnSpc>
+                        <a:spcBef>
+                          <a:spcPts val="0"/>
+                        </a:spcBef>
+                        <a:spcAft>
+                          <a:spcPts val="0"/>
+                        </a:spcAft>
+                        <a:buClrTx/>
+                        <a:buSzTx/>
+                        <a:buFontTx/>
+                        <a:buNone/>
+                        <a:tabLst/>
+                        <a:defRPr/>
+                      </a:pPr>
+                      <a:r>
+                        <a:rPr lang="en-SG" dirty="0">
+                          <a:solidFill>
+                            <a:schemeClr val="accent1">
+                              <a:lumMod val="75000"/>
+                            </a:schemeClr>
+                          </a:solidFill>
+                          <a:latin typeface="Eras Medium ITC" panose="020B0602030504020804" pitchFamily="34" charset="0"/>
+                        </a:rPr>
+                        <a:t>Yes</a:t>
+                      </a:r>
+                    </a:p>
+                  </a:txBody>
+                  <a:tcPr/>
+                </a:tc>
+                <a:tc>
+                  <a:txBody>
+                    <a:bodyPr/>
+                    <a:lstStyle/>
+                    <a:p>
+                      <a:pPr marL="0" marR="0" lvl="0" indent="0" algn="ctr" defTabSz="914400" rtl="0" eaLnBrk="1" fontAlgn="auto" latinLnBrk="0" hangingPunct="1">
+                        <a:lnSpc>
+                          <a:spcPct val="100000"/>
+                        </a:lnSpc>
+                        <a:spcBef>
+                          <a:spcPts val="0"/>
+                        </a:spcBef>
+                        <a:spcAft>
+                          <a:spcPts val="0"/>
+                        </a:spcAft>
+                        <a:buClrTx/>
+                        <a:buSzTx/>
+                        <a:buFontTx/>
+                        <a:buNone/>
+                        <a:tabLst/>
+                        <a:defRPr/>
+                      </a:pPr>
+                      <a:r>
+                        <a:rPr lang="en-SG" dirty="0">
+                          <a:solidFill>
+                            <a:schemeClr val="accent1">
+                              <a:lumMod val="75000"/>
+                            </a:schemeClr>
+                          </a:solidFill>
+                          <a:latin typeface="Eras Medium ITC" panose="020B0602030504020804" pitchFamily="34" charset="0"/>
+                        </a:rPr>
+                        <a:t>Yes</a:t>
+                      </a:r>
+                    </a:p>
+                  </a:txBody>
+                  <a:tcPr/>
+                </a:tc>
+                <a:tc>
+                  <a:txBody>
+                    <a:bodyPr/>
+                    <a:lstStyle/>
+                    <a:p>
+                      <a:pPr marL="0" marR="0" lvl="0" indent="0" algn="ctr" defTabSz="914400" rtl="0" eaLnBrk="1" fontAlgn="auto" latinLnBrk="0" hangingPunct="1">
+                        <a:lnSpc>
+                          <a:spcPct val="100000"/>
+                        </a:lnSpc>
+                        <a:spcBef>
+                          <a:spcPts val="0"/>
+                        </a:spcBef>
+                        <a:spcAft>
+                          <a:spcPts val="0"/>
+                        </a:spcAft>
+                        <a:buClrTx/>
+                        <a:buSzTx/>
+                        <a:buFontTx/>
+                        <a:buNone/>
+                        <a:tabLst/>
+                        <a:defRPr/>
+                      </a:pPr>
+                      <a:r>
+                        <a:rPr lang="en-SG" dirty="0">
+                          <a:solidFill>
+                            <a:schemeClr val="accent1">
+                              <a:lumMod val="75000"/>
+                            </a:schemeClr>
+                          </a:solidFill>
+                          <a:latin typeface="Eras Medium ITC" panose="020B0602030504020804" pitchFamily="34" charset="0"/>
+                        </a:rPr>
+                        <a:t>Yes</a:t>
+                      </a:r>
+                    </a:p>
+                  </a:txBody>
+                  <a:tcPr/>
+                </a:tc>
+                <a:extLst>
+                  <a:ext uri="{0D108BD9-81ED-4DB2-BD59-A6C34878D82A}">
+                    <a16:rowId xmlns:a16="http://schemas.microsoft.com/office/drawing/2014/main" val="81333002"/>
+                  </a:ext>
+                </a:extLst>
+              </a:tr>
+              <a:tr h="370840">
+                <a:tc>
+                  <a:txBody>
+                    <a:bodyPr/>
+                    <a:lstStyle/>
+                    <a:p>
+                      <a:pPr algn="ctr"/>
+                      <a:r>
+                        <a:rPr lang="en-SG" dirty="0">
+                          <a:solidFill>
+                            <a:schemeClr val="accent1">
+                              <a:lumMod val="75000"/>
+                            </a:schemeClr>
+                          </a:solidFill>
+                          <a:latin typeface="Eras Medium ITC" panose="020B0602030504020804" pitchFamily="34" charset="0"/>
+                        </a:rPr>
+                        <a:t>9</a:t>
+                      </a:r>
+                    </a:p>
+                  </a:txBody>
+                  <a:tcPr/>
+                </a:tc>
+                <a:tc>
+                  <a:txBody>
+                    <a:bodyPr/>
+                    <a:lstStyle/>
+                    <a:p>
+                      <a:r>
+                        <a:rPr lang="en-SG" dirty="0">
+                          <a:solidFill>
+                            <a:schemeClr val="accent1">
+                              <a:lumMod val="75000"/>
+                            </a:schemeClr>
+                          </a:solidFill>
+                          <a:latin typeface="Eras Medium ITC" panose="020B0602030504020804" pitchFamily="34" charset="0"/>
+                        </a:rPr>
+                        <a:t>Add deadlines</a:t>
+                      </a:r>
+                    </a:p>
+                  </a:txBody>
+                  <a:tcPr/>
+                </a:tc>
+                <a:tc>
+                  <a:txBody>
+                    <a:bodyPr/>
+                    <a:lstStyle/>
+                    <a:p>
+                      <a:pPr marL="0" marR="0" lvl="0" indent="0" algn="ctr" defTabSz="914400" rtl="0" eaLnBrk="1" fontAlgn="auto" latinLnBrk="0" hangingPunct="1">
+                        <a:lnSpc>
+                          <a:spcPct val="100000"/>
+                        </a:lnSpc>
+                        <a:spcBef>
+                          <a:spcPts val="0"/>
+                        </a:spcBef>
+                        <a:spcAft>
+                          <a:spcPts val="0"/>
+                        </a:spcAft>
+                        <a:buClrTx/>
+                        <a:buSzTx/>
+                        <a:buFontTx/>
+                        <a:buNone/>
+                        <a:tabLst/>
+                        <a:defRPr/>
+                      </a:pPr>
+                      <a:r>
+                        <a:rPr lang="en-SG" dirty="0">
+                          <a:solidFill>
+                            <a:schemeClr val="accent1">
+                              <a:lumMod val="75000"/>
+                            </a:schemeClr>
+                          </a:solidFill>
+                          <a:latin typeface="Eras Medium ITC" panose="020B0602030504020804" pitchFamily="34" charset="0"/>
+                        </a:rPr>
+                        <a:t>Yes</a:t>
+                      </a:r>
+                    </a:p>
+                  </a:txBody>
+                  <a:tcPr/>
+                </a:tc>
+                <a:tc>
+                  <a:txBody>
+                    <a:bodyPr/>
+                    <a:lstStyle/>
+                    <a:p>
+                      <a:pPr marL="0" marR="0" lvl="0" indent="0" algn="ctr" defTabSz="914400" rtl="0" eaLnBrk="1" fontAlgn="auto" latinLnBrk="0" hangingPunct="1">
+                        <a:lnSpc>
+                          <a:spcPct val="100000"/>
+                        </a:lnSpc>
+                        <a:spcBef>
+                          <a:spcPts val="0"/>
+                        </a:spcBef>
+                        <a:spcAft>
+                          <a:spcPts val="0"/>
+                        </a:spcAft>
+                        <a:buClrTx/>
+                        <a:buSzTx/>
+                        <a:buFontTx/>
+                        <a:buNone/>
+                        <a:tabLst/>
+                        <a:defRPr/>
+                      </a:pPr>
+                      <a:r>
+                        <a:rPr lang="en-SG" dirty="0">
+                          <a:solidFill>
+                            <a:schemeClr val="accent1">
+                              <a:lumMod val="75000"/>
+                            </a:schemeClr>
+                          </a:solidFill>
+                          <a:latin typeface="Eras Medium ITC" panose="020B0602030504020804" pitchFamily="34" charset="0"/>
+                        </a:rPr>
+                        <a:t>Yes</a:t>
+                      </a:r>
+                    </a:p>
+                  </a:txBody>
+                  <a:tcPr/>
+                </a:tc>
+                <a:tc>
+                  <a:txBody>
+                    <a:bodyPr/>
+                    <a:lstStyle/>
+                    <a:p>
+                      <a:pPr marL="0" marR="0" lvl="0" indent="0" algn="ctr" defTabSz="914400" rtl="0" eaLnBrk="1" fontAlgn="auto" latinLnBrk="0" hangingPunct="1">
+                        <a:lnSpc>
+                          <a:spcPct val="100000"/>
+                        </a:lnSpc>
+                        <a:spcBef>
+                          <a:spcPts val="0"/>
+                        </a:spcBef>
+                        <a:spcAft>
+                          <a:spcPts val="0"/>
+                        </a:spcAft>
+                        <a:buClrTx/>
+                        <a:buSzTx/>
+                        <a:buFontTx/>
+                        <a:buNone/>
+                        <a:tabLst/>
+                        <a:defRPr/>
+                      </a:pPr>
+                      <a:r>
+                        <a:rPr lang="en-SG" dirty="0">
+                          <a:solidFill>
+                            <a:schemeClr val="accent1">
+                              <a:lumMod val="75000"/>
+                            </a:schemeClr>
+                          </a:solidFill>
+                          <a:latin typeface="Eras Medium ITC" panose="020B0602030504020804" pitchFamily="34" charset="0"/>
+                        </a:rPr>
+                        <a:t>Yes</a:t>
+                      </a:r>
+                    </a:p>
+                  </a:txBody>
+                  <a:tcPr/>
+                </a:tc>
+                <a:tc>
+                  <a:txBody>
+                    <a:bodyPr/>
+                    <a:lstStyle/>
+                    <a:p>
+                      <a:pPr marL="0" marR="0" lvl="0" indent="0" algn="ctr" defTabSz="914400" rtl="0" eaLnBrk="1" fontAlgn="auto" latinLnBrk="0" hangingPunct="1">
+                        <a:lnSpc>
+                          <a:spcPct val="100000"/>
+                        </a:lnSpc>
+                        <a:spcBef>
+                          <a:spcPts val="0"/>
+                        </a:spcBef>
+                        <a:spcAft>
+                          <a:spcPts val="0"/>
+                        </a:spcAft>
+                        <a:buClrTx/>
+                        <a:buSzTx/>
+                        <a:buFontTx/>
+                        <a:buNone/>
+                        <a:tabLst/>
+                        <a:defRPr/>
+                      </a:pPr>
+                      <a:r>
+                        <a:rPr lang="en-SG" dirty="0">
+                          <a:solidFill>
+                            <a:schemeClr val="accent1">
+                              <a:lumMod val="75000"/>
+                            </a:schemeClr>
+                          </a:solidFill>
+                          <a:latin typeface="Eras Medium ITC" panose="020B0602030504020804" pitchFamily="34" charset="0"/>
+                        </a:rPr>
+                        <a:t>Yes</a:t>
+                      </a:r>
+                    </a:p>
+                  </a:txBody>
+                  <a:tcPr/>
+                </a:tc>
+                <a:extLst>
+                  <a:ext uri="{0D108BD9-81ED-4DB2-BD59-A6C34878D82A}">
+                    <a16:rowId xmlns:a16="http://schemas.microsoft.com/office/drawing/2014/main" val="485882307"/>
+                  </a:ext>
+                </a:extLst>
+              </a:tr>
+              <a:tr h="370840">
+                <a:tc>
+                  <a:txBody>
+                    <a:bodyPr/>
+                    <a:lstStyle/>
+                    <a:p>
+                      <a:pPr algn="ctr"/>
+                      <a:r>
+                        <a:rPr lang="en-SG" dirty="0">
+                          <a:solidFill>
+                            <a:schemeClr val="accent1">
+                              <a:lumMod val="75000"/>
+                            </a:schemeClr>
+                          </a:solidFill>
+                          <a:latin typeface="Eras Medium ITC" panose="020B0602030504020804" pitchFamily="34" charset="0"/>
+                        </a:rPr>
+                        <a:t>10</a:t>
+                      </a:r>
+                    </a:p>
+                  </a:txBody>
+                  <a:tcPr/>
+                </a:tc>
+                <a:tc>
+                  <a:txBody>
+                    <a:bodyPr/>
+                    <a:lstStyle/>
+                    <a:p>
+                      <a:r>
+                        <a:rPr lang="en-SG" dirty="0">
+                          <a:solidFill>
+                            <a:schemeClr val="accent1">
+                              <a:lumMod val="75000"/>
+                            </a:schemeClr>
+                          </a:solidFill>
+                          <a:latin typeface="Eras Medium ITC" panose="020B0602030504020804" pitchFamily="34" charset="0"/>
+                        </a:rPr>
+                        <a:t>Add events</a:t>
+                      </a:r>
+                    </a:p>
+                  </a:txBody>
+                  <a:tcPr/>
+                </a:tc>
+                <a:tc>
+                  <a:txBody>
+                    <a:bodyPr/>
+                    <a:lstStyle/>
+                    <a:p>
+                      <a:pPr marL="0" marR="0" lvl="0" indent="0" algn="ctr" defTabSz="914400" rtl="0" eaLnBrk="1" fontAlgn="auto" latinLnBrk="0" hangingPunct="1">
+                        <a:lnSpc>
+                          <a:spcPct val="100000"/>
+                        </a:lnSpc>
+                        <a:spcBef>
+                          <a:spcPts val="0"/>
+                        </a:spcBef>
+                        <a:spcAft>
+                          <a:spcPts val="0"/>
+                        </a:spcAft>
+                        <a:buClrTx/>
+                        <a:buSzTx/>
+                        <a:buFontTx/>
+                        <a:buNone/>
+                        <a:tabLst/>
+                        <a:defRPr/>
+                      </a:pPr>
+                      <a:r>
+                        <a:rPr lang="en-SG" dirty="0">
+                          <a:solidFill>
+                            <a:schemeClr val="accent1">
+                              <a:lumMod val="75000"/>
+                            </a:schemeClr>
+                          </a:solidFill>
+                          <a:latin typeface="Eras Medium ITC" panose="020B0602030504020804" pitchFamily="34" charset="0"/>
+                        </a:rPr>
+                        <a:t>Yes</a:t>
+                      </a:r>
+                    </a:p>
+                  </a:txBody>
+                  <a:tcPr/>
+                </a:tc>
+                <a:tc>
+                  <a:txBody>
+                    <a:bodyPr/>
+                    <a:lstStyle/>
+                    <a:p>
+                      <a:pPr algn="ctr"/>
+                      <a:endParaRPr lang="en-SG" dirty="0">
+                        <a:solidFill>
+                          <a:schemeClr val="accent1">
+                            <a:lumMod val="75000"/>
+                          </a:schemeClr>
+                        </a:solidFill>
+                        <a:latin typeface="Eras Medium ITC" panose="020B0602030504020804" pitchFamily="34" charset="0"/>
+                      </a:endParaRPr>
+                    </a:p>
+                  </a:txBody>
+                  <a:tcPr/>
+                </a:tc>
+                <a:tc>
+                  <a:txBody>
+                    <a:bodyPr/>
+                    <a:lstStyle/>
+                    <a:p>
+                      <a:pPr algn="ctr"/>
+                      <a:endParaRPr lang="en-SG" dirty="0">
+                        <a:solidFill>
+                          <a:schemeClr val="accent1">
+                            <a:lumMod val="75000"/>
+                          </a:schemeClr>
+                        </a:solidFill>
+                        <a:latin typeface="Eras Medium ITC" panose="020B0602030504020804" pitchFamily="34" charset="0"/>
+                      </a:endParaRPr>
+                    </a:p>
+                  </a:txBody>
+                  <a:tcPr/>
+                </a:tc>
+                <a:tc>
+                  <a:txBody>
+                    <a:bodyPr/>
+                    <a:lstStyle/>
+                    <a:p>
+                      <a:pPr marL="0" marR="0" lvl="0" indent="0" algn="ctr" defTabSz="914400" rtl="0" eaLnBrk="1" fontAlgn="auto" latinLnBrk="0" hangingPunct="1">
+                        <a:lnSpc>
+                          <a:spcPct val="100000"/>
+                        </a:lnSpc>
+                        <a:spcBef>
+                          <a:spcPts val="0"/>
+                        </a:spcBef>
+                        <a:spcAft>
+                          <a:spcPts val="0"/>
+                        </a:spcAft>
+                        <a:buClrTx/>
+                        <a:buSzTx/>
+                        <a:buFontTx/>
+                        <a:buNone/>
+                        <a:tabLst/>
+                        <a:defRPr/>
+                      </a:pPr>
+                      <a:r>
+                        <a:rPr lang="en-SG" dirty="0">
+                          <a:solidFill>
+                            <a:schemeClr val="accent1">
+                              <a:lumMod val="75000"/>
+                            </a:schemeClr>
+                          </a:solidFill>
+                          <a:latin typeface="Eras Medium ITC" panose="020B0602030504020804" pitchFamily="34" charset="0"/>
+                        </a:rPr>
+                        <a:t>Yes</a:t>
+                      </a:r>
+                    </a:p>
+                  </a:txBody>
+                  <a:tcPr/>
+                </a:tc>
+                <a:extLst>
+                  <a:ext uri="{0D108BD9-81ED-4DB2-BD59-A6C34878D82A}">
+                    <a16:rowId xmlns:a16="http://schemas.microsoft.com/office/drawing/2014/main" val="2019154715"/>
+                  </a:ext>
+                </a:extLst>
+              </a:tr>
+              <a:tr h="370840">
+                <a:tc>
+                  <a:txBody>
+                    <a:bodyPr/>
+                    <a:lstStyle/>
+                    <a:p>
+                      <a:pPr algn="ctr"/>
+                      <a:r>
+                        <a:rPr lang="en-SG" dirty="0">
+                          <a:solidFill>
+                            <a:schemeClr val="accent1">
+                              <a:lumMod val="75000"/>
+                            </a:schemeClr>
+                          </a:solidFill>
+                          <a:latin typeface="Eras Medium ITC" panose="020B0602030504020804" pitchFamily="34" charset="0"/>
+                        </a:rPr>
+                        <a:t>11</a:t>
+                      </a:r>
+                    </a:p>
+                  </a:txBody>
+                  <a:tcPr/>
+                </a:tc>
+                <a:tc>
+                  <a:txBody>
+                    <a:bodyPr/>
+                    <a:lstStyle/>
+                    <a:p>
+                      <a:r>
+                        <a:rPr lang="en-SG" dirty="0">
+                          <a:solidFill>
+                            <a:schemeClr val="accent1">
+                              <a:lumMod val="75000"/>
+                            </a:schemeClr>
+                          </a:solidFill>
+                          <a:latin typeface="Eras Medium ITC" panose="020B0602030504020804" pitchFamily="34" charset="0"/>
+                        </a:rPr>
+                        <a:t>Add reminders</a:t>
+                      </a:r>
+                    </a:p>
+                  </a:txBody>
+                  <a:tcPr/>
+                </a:tc>
+                <a:tc>
+                  <a:txBody>
+                    <a:bodyPr/>
+                    <a:lstStyle/>
+                    <a:p>
+                      <a:pPr algn="ctr"/>
+                      <a:endParaRPr lang="en-SG">
+                        <a:solidFill>
+                          <a:schemeClr val="accent1">
+                            <a:lumMod val="75000"/>
+                          </a:schemeClr>
+                        </a:solidFill>
+                        <a:latin typeface="Eras Medium ITC" panose="020B0602030504020804" pitchFamily="34" charset="0"/>
+                      </a:endParaRPr>
+                    </a:p>
+                  </a:txBody>
+                  <a:tcPr/>
+                </a:tc>
+                <a:tc>
+                  <a:txBody>
+                    <a:bodyPr/>
+                    <a:lstStyle/>
+                    <a:p>
+                      <a:pPr algn="ctr"/>
+                      <a:r>
+                        <a:rPr lang="en-SG" dirty="0">
+                          <a:solidFill>
+                            <a:schemeClr val="accent1">
+                              <a:lumMod val="75000"/>
+                            </a:schemeClr>
+                          </a:solidFill>
+                          <a:latin typeface="Eras Medium ITC" panose="020B0602030504020804" pitchFamily="34" charset="0"/>
+                        </a:rPr>
+                        <a:t>Yes</a:t>
+                      </a:r>
+                    </a:p>
+                  </a:txBody>
+                  <a:tcPr/>
+                </a:tc>
+                <a:tc>
+                  <a:txBody>
+                    <a:bodyPr/>
+                    <a:lstStyle/>
+                    <a:p>
+                      <a:pPr algn="ctr"/>
+                      <a:r>
+                        <a:rPr lang="en-SG" dirty="0">
+                          <a:solidFill>
+                            <a:schemeClr val="accent1">
+                              <a:lumMod val="75000"/>
+                            </a:schemeClr>
+                          </a:solidFill>
+                          <a:latin typeface="Eras Medium ITC" panose="020B0602030504020804" pitchFamily="34" charset="0"/>
+                        </a:rPr>
+                        <a:t>Yes</a:t>
+                      </a:r>
+                    </a:p>
+                  </a:txBody>
+                  <a:tcPr/>
+                </a:tc>
+                <a:tc>
+                  <a:txBody>
+                    <a:bodyPr/>
+                    <a:lstStyle/>
+                    <a:p>
+                      <a:pPr algn="ctr"/>
+                      <a:r>
+                        <a:rPr lang="en-SG" dirty="0">
+                          <a:solidFill>
+                            <a:schemeClr val="accent1">
+                              <a:lumMod val="75000"/>
+                            </a:schemeClr>
+                          </a:solidFill>
+                          <a:latin typeface="Eras Medium ITC" panose="020B0602030504020804" pitchFamily="34" charset="0"/>
+                        </a:rPr>
+                        <a:t>Yes</a:t>
+                      </a:r>
+                    </a:p>
+                  </a:txBody>
+                  <a:tcPr/>
+                </a:tc>
+                <a:extLst>
+                  <a:ext uri="{0D108BD9-81ED-4DB2-BD59-A6C34878D82A}">
+                    <a16:rowId xmlns:a16="http://schemas.microsoft.com/office/drawing/2014/main" val="3776288415"/>
+                  </a:ext>
+                </a:extLst>
+              </a:tr>
+            </a:tbl>
+          </a:graphicData>
+        </a:graphic>
+      </p:graphicFrame>
+      <p:sp>
+        <p:nvSpPr>
+          <p:cNvPr id="6" name="TextBox 5"/>
+          <p:cNvSpPr txBox="1"/>
+          <p:nvPr/>
+        </p:nvSpPr>
+        <p:spPr>
+          <a:xfrm>
+            <a:off x="1822275" y="5254429"/>
+            <a:ext cx="2946640" cy="400110"/>
+          </a:xfrm>
+          <a:prstGeom prst="rect">
+            <a:avLst/>
+          </a:prstGeom>
+          <a:noFill/>
+        </p:spPr>
+        <p:txBody>
+          <a:bodyPr wrap="none" rtlCol="0">
+            <a:spAutoFit/>
+          </a:bodyPr>
+          <a:lstStyle/>
+          <a:p>
+            <a:r>
+              <a:rPr lang="en-SG" sz="2000" dirty="0">
+                <a:solidFill>
+                  <a:schemeClr val="accent1"/>
+                </a:solidFill>
+                <a:latin typeface="Eras Medium ITC" panose="020B0602030504020804" pitchFamily="34" charset="0"/>
+              </a:rPr>
+              <a:t>Figure 9: Product Survey</a:t>
+            </a:r>
+          </a:p>
+        </p:txBody>
+      </p:sp>
+    </p:spTree>
+    <p:extLst>
+      <p:ext uri="{BB962C8B-B14F-4D97-AF65-F5344CB8AC3E}">
+        <p14:creationId xmlns:p14="http://schemas.microsoft.com/office/powerpoint/2010/main" val="3520699390"/>
+      </p:ext>
+    </p:extLst>
+  </p:cSld>
+  <p:clrMapOvr>
+    <a:masterClrMapping/>
+  </p:clrMapOvr>
+</p:sld>
+</file>
+
 <file path=ppt/theme/theme1.xml><?xml version="1.0" encoding="utf-8"?>
 <a:theme xmlns:a="http://schemas.openxmlformats.org/drawingml/2006/main" name="Office Theme">
   <a:themeElements>
